--- a/docs/common-diagrams.pptx
+++ b/docs/common-diagrams.pptx
@@ -5,15 +5,17 @@
     <p:sldMasterId id="2147483648" r:id="rId1"/>
   </p:sldMasterIdLst>
   <p:notesMasterIdLst>
-    <p:notesMasterId r:id="rId8"/>
+    <p:notesMasterId r:id="rId10"/>
   </p:notesMasterIdLst>
   <p:sldIdLst>
     <p:sldId id="256" r:id="rId2"/>
     <p:sldId id="311" r:id="rId3"/>
-    <p:sldId id="306" r:id="rId4"/>
-    <p:sldId id="273" r:id="rId5"/>
-    <p:sldId id="260" r:id="rId6"/>
-    <p:sldId id="290" r:id="rId7"/>
+    <p:sldId id="313" r:id="rId4"/>
+    <p:sldId id="312" r:id="rId5"/>
+    <p:sldId id="306" r:id="rId6"/>
+    <p:sldId id="273" r:id="rId7"/>
+    <p:sldId id="260" r:id="rId8"/>
+    <p:sldId id="290" r:id="rId9"/>
   </p:sldIdLst>
   <p:sldSz cx="12192000" cy="6858000"/>
   <p:notesSz cx="6858000" cy="9144000"/>
@@ -112,6 +114,11 @@
       </a:defRPr>
     </a:lvl9pPr>
   </p:defaultTextStyle>
+  <p:extLst>
+    <p:ext uri="{EFAFB233-063F-42B5-8137-9DF3F51BA10A}">
+      <p15:sldGuideLst xmlns:p15="http://schemas.microsoft.com/office/powerpoint/2012/main"/>
+    </p:ext>
+  </p:extLst>
 </p:presentation>
 </file>
 
@@ -197,7 +204,7 @@
           <a:p>
             <a:fld id="{63A792C6-19D6-4898-A08B-8B00BFA92E14}" type="datetimeFigureOut">
               <a:rPr lang="en-US" smtClean="0"/>
-              <a:t>6/23/2019</a:t>
+              <a:t>7/7/2019</a:t>
             </a:fld>
             <a:endParaRPr lang="en-US"/>
           </a:p>
@@ -652,6 +659,150 @@
           <a:bodyPr/>
           <a:lstStyle/>
           <a:p>
+            <a:endParaRPr lang="en-US" dirty="0"/>
+          </a:p>
+        </p:txBody>
+      </p:sp>
+      <p:sp>
+        <p:nvSpPr>
+          <p:cNvPr id="4" name="Slide Number Placeholder 3"/>
+          <p:cNvSpPr>
+            <a:spLocks noGrp="1"/>
+          </p:cNvSpPr>
+          <p:nvPr>
+            <p:ph type="sldNum" sz="quarter" idx="10"/>
+          </p:nvPr>
+        </p:nvSpPr>
+        <p:spPr/>
+        <p:txBody>
+          <a:bodyPr/>
+          <a:lstStyle/>
+          <a:p>
+            <a:pPr marL="0" marR="0" lvl="0" indent="0" algn="r" defTabSz="914400" rtl="0" eaLnBrk="1" fontAlgn="auto" latinLnBrk="0" hangingPunct="1">
+              <a:lnSpc>
+                <a:spcPct val="100000"/>
+              </a:lnSpc>
+              <a:spcBef>
+                <a:spcPts val="0"/>
+              </a:spcBef>
+              <a:spcAft>
+                <a:spcPts val="0"/>
+              </a:spcAft>
+              <a:buClrTx/>
+              <a:buSzTx/>
+              <a:buFontTx/>
+              <a:buNone/>
+              <a:tabLst/>
+              <a:defRPr/>
+            </a:pPr>
+            <a:fld id="{EB38CAEC-4554-485B-9189-C45C7447A404}" type="slidenum">
+              <a:rPr kumimoji="0" lang="en-US" sz="1200" b="0" i="0" u="none" strike="noStrike" kern="1200" cap="none" spc="0" normalizeH="0" baseline="0" noProof="0" smtClean="0">
+                <a:ln>
+                  <a:noFill/>
+                </a:ln>
+                <a:solidFill>
+                  <a:prstClr val="black"/>
+                </a:solidFill>
+                <a:effectLst/>
+                <a:uLnTx/>
+                <a:uFillTx/>
+                <a:latin typeface="Calibri"/>
+                <a:ea typeface="+mn-ea"/>
+                <a:cs typeface="+mn-cs"/>
+              </a:rPr>
+              <a:pPr marL="0" marR="0" lvl="0" indent="0" algn="r" defTabSz="914400" rtl="0" eaLnBrk="1" fontAlgn="auto" latinLnBrk="0" hangingPunct="1">
+                <a:lnSpc>
+                  <a:spcPct val="100000"/>
+                </a:lnSpc>
+                <a:spcBef>
+                  <a:spcPts val="0"/>
+                </a:spcBef>
+                <a:spcAft>
+                  <a:spcPts val="0"/>
+                </a:spcAft>
+                <a:buClrTx/>
+                <a:buSzTx/>
+                <a:buFontTx/>
+                <a:buNone/>
+                <a:tabLst/>
+                <a:defRPr/>
+              </a:pPr>
+              <a:t>3</a:t>
+            </a:fld>
+            <a:endParaRPr kumimoji="0" lang="en-US" sz="1200" b="0" i="0" u="none" strike="noStrike" kern="1200" cap="none" spc="0" normalizeH="0" baseline="0" noProof="0">
+              <a:ln>
+                <a:noFill/>
+              </a:ln>
+              <a:solidFill>
+                <a:prstClr val="black"/>
+              </a:solidFill>
+              <a:effectLst/>
+              <a:uLnTx/>
+              <a:uFillTx/>
+              <a:latin typeface="Calibri"/>
+              <a:ea typeface="+mn-ea"/>
+              <a:cs typeface="+mn-cs"/>
+            </a:endParaRPr>
+          </a:p>
+        </p:txBody>
+      </p:sp>
+    </p:spTree>
+    <p:extLst>
+      <p:ext uri="{BB962C8B-B14F-4D97-AF65-F5344CB8AC3E}">
+        <p14:creationId xmlns:p14="http://schemas.microsoft.com/office/powerpoint/2010/main" val="1721759843"/>
+      </p:ext>
+    </p:extLst>
+  </p:cSld>
+  <p:clrMapOvr>
+    <a:masterClrMapping/>
+  </p:clrMapOvr>
+</p:notes>
+</file>
+
+<file path=ppt/notesSlides/notesSlide3.xml><?xml version="1.0" encoding="utf-8"?>
+<p:notes xmlns:a="http://schemas.openxmlformats.org/drawingml/2006/main" xmlns:r="http://schemas.openxmlformats.org/officeDocument/2006/relationships" xmlns:p="http://schemas.openxmlformats.org/presentationml/2006/main">
+  <p:cSld>
+    <p:spTree>
+      <p:nvGrpSpPr>
+        <p:cNvPr id="1" name=""/>
+        <p:cNvGrpSpPr/>
+        <p:nvPr/>
+      </p:nvGrpSpPr>
+      <p:grpSpPr>
+        <a:xfrm>
+          <a:off x="0" y="0"/>
+          <a:ext cx="0" cy="0"/>
+          <a:chOff x="0" y="0"/>
+          <a:chExt cx="0" cy="0"/>
+        </a:xfrm>
+      </p:grpSpPr>
+      <p:sp>
+        <p:nvSpPr>
+          <p:cNvPr id="2" name="Slide Image Placeholder 1"/>
+          <p:cNvSpPr>
+            <a:spLocks noGrp="1" noRot="1" noChangeAspect="1"/>
+          </p:cNvSpPr>
+          <p:nvPr>
+            <p:ph type="sldImg"/>
+          </p:nvPr>
+        </p:nvSpPr>
+        <p:spPr/>
+      </p:sp>
+      <p:sp>
+        <p:nvSpPr>
+          <p:cNvPr id="3" name="Notes Placeholder 2"/>
+          <p:cNvSpPr>
+            <a:spLocks noGrp="1"/>
+          </p:cNvSpPr>
+          <p:nvPr>
+            <p:ph type="body" idx="1"/>
+          </p:nvPr>
+        </p:nvSpPr>
+        <p:spPr/>
+        <p:txBody>
+          <a:bodyPr/>
+          <a:lstStyle/>
+          <a:p>
             <a:r>
               <a:rPr lang="en-US" dirty="0"/>
               <a:t>L1 – Narrative content, so paper forms, guidelines, dictionaries, and other supportive documentation</a:t>
@@ -682,7 +833,100 @@
           <a:p>
             <a:fld id="{A69C946F-C9B2-9B49-8DCA-D38D97C43A2F}" type="slidenum">
               <a:rPr lang="en-US" smtClean="0"/>
-              <a:t>3</a:t>
+              <a:t>4</a:t>
+            </a:fld>
+            <a:endParaRPr lang="en-US"/>
+          </a:p>
+        </p:txBody>
+      </p:sp>
+    </p:spTree>
+    <p:extLst>
+      <p:ext uri="{BB962C8B-B14F-4D97-AF65-F5344CB8AC3E}">
+        <p14:creationId xmlns:p14="http://schemas.microsoft.com/office/powerpoint/2010/main" val="1613925110"/>
+      </p:ext>
+    </p:extLst>
+  </p:cSld>
+  <p:clrMapOvr>
+    <a:masterClrMapping/>
+  </p:clrMapOvr>
+</p:notes>
+</file>
+
+<file path=ppt/notesSlides/notesSlide4.xml><?xml version="1.0" encoding="utf-8"?>
+<p:notes xmlns:a="http://schemas.openxmlformats.org/drawingml/2006/main" xmlns:r="http://schemas.openxmlformats.org/officeDocument/2006/relationships" xmlns:p="http://schemas.openxmlformats.org/presentationml/2006/main">
+  <p:cSld>
+    <p:spTree>
+      <p:nvGrpSpPr>
+        <p:cNvPr id="1" name=""/>
+        <p:cNvGrpSpPr/>
+        <p:nvPr/>
+      </p:nvGrpSpPr>
+      <p:grpSpPr>
+        <a:xfrm>
+          <a:off x="0" y="0"/>
+          <a:ext cx="0" cy="0"/>
+          <a:chOff x="0" y="0"/>
+          <a:chExt cx="0" cy="0"/>
+        </a:xfrm>
+      </p:grpSpPr>
+      <p:sp>
+        <p:nvSpPr>
+          <p:cNvPr id="2" name="Slide Image Placeholder 1"/>
+          <p:cNvSpPr>
+            <a:spLocks noGrp="1" noRot="1" noChangeAspect="1"/>
+          </p:cNvSpPr>
+          <p:nvPr>
+            <p:ph type="sldImg"/>
+          </p:nvPr>
+        </p:nvSpPr>
+        <p:spPr/>
+      </p:sp>
+      <p:sp>
+        <p:nvSpPr>
+          <p:cNvPr id="3" name="Notes Placeholder 2"/>
+          <p:cNvSpPr>
+            <a:spLocks noGrp="1"/>
+          </p:cNvSpPr>
+          <p:nvPr>
+            <p:ph type="body" idx="1"/>
+          </p:nvPr>
+        </p:nvSpPr>
+        <p:spPr/>
+        <p:txBody>
+          <a:bodyPr/>
+          <a:lstStyle/>
+          <a:p>
+            <a:r>
+              <a:rPr lang="en-US" dirty="0"/>
+              <a:t>L1 – Narrative content, so paper forms, guidelines, dictionaries, and other supportive documentation</a:t>
+            </a:r>
+          </a:p>
+          <a:p>
+            <a:r>
+              <a:rPr lang="en-US" dirty="0"/>
+              <a:t>L2 – Semi-structured, so personas, use cases, flow diagrams, questionnaires, data dictionaries, and indicator descriptions</a:t>
+            </a:r>
+          </a:p>
+        </p:txBody>
+      </p:sp>
+      <p:sp>
+        <p:nvSpPr>
+          <p:cNvPr id="4" name="Slide Number Placeholder 3"/>
+          <p:cNvSpPr>
+            <a:spLocks noGrp="1"/>
+          </p:cNvSpPr>
+          <p:nvPr>
+            <p:ph type="sldNum" sz="quarter" idx="5"/>
+          </p:nvPr>
+        </p:nvSpPr>
+        <p:spPr/>
+        <p:txBody>
+          <a:bodyPr/>
+          <a:lstStyle/>
+          <a:p>
+            <a:fld id="{A69C946F-C9B2-9B49-8DCA-D38D97C43A2F}" type="slidenum">
+              <a:rPr lang="en-US" smtClean="0"/>
+              <a:t>5</a:t>
             </a:fld>
             <a:endParaRPr lang="en-US"/>
           </a:p>
@@ -848,7 +1092,7 @@
           <a:p>
             <a:fld id="{79FDAF07-B94C-4635-9A45-26FF98CE243A}" type="datetimeFigureOut">
               <a:rPr lang="en-US" smtClean="0"/>
-              <a:t>6/23/2019</a:t>
+              <a:t>7/7/2019</a:t>
             </a:fld>
             <a:endParaRPr lang="en-US"/>
           </a:p>
@@ -1046,7 +1290,7 @@
           <a:p>
             <a:fld id="{79FDAF07-B94C-4635-9A45-26FF98CE243A}" type="datetimeFigureOut">
               <a:rPr lang="en-US" smtClean="0"/>
-              <a:t>6/23/2019</a:t>
+              <a:t>7/7/2019</a:t>
             </a:fld>
             <a:endParaRPr lang="en-US"/>
           </a:p>
@@ -1254,7 +1498,7 @@
           <a:p>
             <a:fld id="{79FDAF07-B94C-4635-9A45-26FF98CE243A}" type="datetimeFigureOut">
               <a:rPr lang="en-US" smtClean="0"/>
-              <a:t>6/23/2019</a:t>
+              <a:t>7/7/2019</a:t>
             </a:fld>
             <a:endParaRPr lang="en-US"/>
           </a:p>
@@ -2572,7 +2816,7 @@
           <a:p>
             <a:fld id="{79FDAF07-B94C-4635-9A45-26FF98CE243A}" type="datetimeFigureOut">
               <a:rPr lang="en-US" smtClean="0"/>
-              <a:t>6/23/2019</a:t>
+              <a:t>7/7/2019</a:t>
             </a:fld>
             <a:endParaRPr lang="en-US"/>
           </a:p>
@@ -2847,7 +3091,7 @@
           <a:p>
             <a:fld id="{79FDAF07-B94C-4635-9A45-26FF98CE243A}" type="datetimeFigureOut">
               <a:rPr lang="en-US" smtClean="0"/>
-              <a:t>6/23/2019</a:t>
+              <a:t>7/7/2019</a:t>
             </a:fld>
             <a:endParaRPr lang="en-US"/>
           </a:p>
@@ -3112,7 +3356,7 @@
           <a:p>
             <a:fld id="{79FDAF07-B94C-4635-9A45-26FF98CE243A}" type="datetimeFigureOut">
               <a:rPr lang="en-US" smtClean="0"/>
-              <a:t>6/23/2019</a:t>
+              <a:t>7/7/2019</a:t>
             </a:fld>
             <a:endParaRPr lang="en-US"/>
           </a:p>
@@ -3524,7 +3768,7 @@
           <a:p>
             <a:fld id="{79FDAF07-B94C-4635-9A45-26FF98CE243A}" type="datetimeFigureOut">
               <a:rPr lang="en-US" smtClean="0"/>
-              <a:t>6/23/2019</a:t>
+              <a:t>7/7/2019</a:t>
             </a:fld>
             <a:endParaRPr lang="en-US"/>
           </a:p>
@@ -3665,7 +3909,7 @@
           <a:p>
             <a:fld id="{79FDAF07-B94C-4635-9A45-26FF98CE243A}" type="datetimeFigureOut">
               <a:rPr lang="en-US" smtClean="0"/>
-              <a:t>6/23/2019</a:t>
+              <a:t>7/7/2019</a:t>
             </a:fld>
             <a:endParaRPr lang="en-US"/>
           </a:p>
@@ -3778,7 +4022,7 @@
           <a:p>
             <a:fld id="{79FDAF07-B94C-4635-9A45-26FF98CE243A}" type="datetimeFigureOut">
               <a:rPr lang="en-US" smtClean="0"/>
-              <a:t>6/23/2019</a:t>
+              <a:t>7/7/2019</a:t>
             </a:fld>
             <a:endParaRPr lang="en-US"/>
           </a:p>
@@ -4089,7 +4333,7 @@
           <a:p>
             <a:fld id="{79FDAF07-B94C-4635-9A45-26FF98CE243A}" type="datetimeFigureOut">
               <a:rPr lang="en-US" smtClean="0"/>
-              <a:t>6/23/2019</a:t>
+              <a:t>7/7/2019</a:t>
             </a:fld>
             <a:endParaRPr lang="en-US"/>
           </a:p>
@@ -4377,7 +4621,7 @@
           <a:p>
             <a:fld id="{79FDAF07-B94C-4635-9A45-26FF98CE243A}" type="datetimeFigureOut">
               <a:rPr lang="en-US" smtClean="0"/>
-              <a:t>6/23/2019</a:t>
+              <a:t>7/7/2019</a:t>
             </a:fld>
             <a:endParaRPr lang="en-US"/>
           </a:p>
@@ -4618,7 +4862,7 @@
           <a:p>
             <a:fld id="{79FDAF07-B94C-4635-9A45-26FF98CE243A}" type="datetimeFigureOut">
               <a:rPr lang="en-US" smtClean="0"/>
-              <a:t>6/23/2019</a:t>
+              <a:t>7/7/2019</a:t>
             </a:fld>
             <a:endParaRPr lang="en-US"/>
           </a:p>
@@ -6909,13 +7153,7 @@
       </p:grpSpPr>
       <p:sp>
         <p:nvSpPr>
-          <p:cNvPr id="2" name="Title 1">
-            <a:extLst>
-              <a:ext uri="{FF2B5EF4-FFF2-40B4-BE49-F238E27FC236}">
-                <a16:creationId xmlns:a16="http://schemas.microsoft.com/office/drawing/2014/main" id="{BD8C449E-B61A-409D-B9DE-3F91C00B9E19}"/>
-              </a:ext>
-            </a:extLst>
-          </p:cNvPr>
+          <p:cNvPr id="5" name="Title 4"/>
           <p:cNvSpPr>
             <a:spLocks noGrp="1"/>
           </p:cNvSpPr>
@@ -6925,681 +7163,1362 @@
         </p:nvSpPr>
         <p:spPr>
           <a:xfrm>
-            <a:off x="0" y="1042988"/>
-            <a:ext cx="10515600" cy="887412"/>
+            <a:off x="0" y="274638"/>
+            <a:ext cx="5829300" cy="1143000"/>
           </a:xfrm>
         </p:spPr>
         <p:txBody>
-          <a:bodyPr/>
+          <a:bodyPr>
+            <a:normAutofit/>
+          </a:bodyPr>
           <a:lstStyle/>
           <a:p>
             <a:r>
               <a:rPr lang="en-US" dirty="0"/>
-              <a:t>Requirements -&gt; Running Code</a:t>
+              <a:t>Tiers of Functionality</a:t>
             </a:r>
           </a:p>
         </p:txBody>
       </p:sp>
       <p:sp>
         <p:nvSpPr>
-          <p:cNvPr id="6" name="Rectangle: Rounded Corners 5">
-            <a:extLst>
-              <a:ext uri="{FF2B5EF4-FFF2-40B4-BE49-F238E27FC236}">
-                <a16:creationId xmlns:a16="http://schemas.microsoft.com/office/drawing/2014/main" id="{F666050D-7BC1-4FA6-8DA4-CBA19396DDCF}"/>
-              </a:ext>
-            </a:extLst>
-          </p:cNvPr>
+          <p:cNvPr id="7" name="Rectangle 6"/>
           <p:cNvSpPr/>
           <p:nvPr/>
         </p:nvSpPr>
         <p:spPr>
           <a:xfrm>
-            <a:off x="1207893" y="5009237"/>
-            <a:ext cx="9821054" cy="1285957"/>
-          </a:xfrm>
-          <a:prstGeom prst="roundRect">
-            <a:avLst>
-              <a:gd name="adj" fmla="val 9182"/>
-            </a:avLst>
-          </a:prstGeom>
-          <a:solidFill>
-            <a:schemeClr val="accent3"/>
-          </a:solidFill>
-        </p:spPr>
-        <p:style>
-          <a:lnRef idx="2">
-            <a:schemeClr val="accent1">
-              <a:shade val="50000"/>
-            </a:schemeClr>
-          </a:lnRef>
-          <a:fillRef idx="1">
-            <a:schemeClr val="accent1"/>
-          </a:fillRef>
-          <a:effectRef idx="0">
-            <a:schemeClr val="accent1"/>
-          </a:effectRef>
-          <a:fontRef idx="minor">
-            <a:schemeClr val="lt1"/>
-          </a:fontRef>
-        </p:style>
-        <p:txBody>
-          <a:bodyPr rtlCol="0" anchor="ctr"/>
-          <a:lstStyle/>
-          <a:p>
-            <a:pPr algn="ctr"/>
-            <a:endParaRPr lang="en-US"/>
-          </a:p>
-        </p:txBody>
-      </p:sp>
-      <p:sp>
-        <p:nvSpPr>
-          <p:cNvPr id="7" name="Rectangle: Rounded Corners 6">
-            <a:extLst>
-              <a:ext uri="{FF2B5EF4-FFF2-40B4-BE49-F238E27FC236}">
-                <a16:creationId xmlns:a16="http://schemas.microsoft.com/office/drawing/2014/main" id="{B0901C88-D09D-4B6B-8432-AF5B1BFAF4B0}"/>
-              </a:ext>
-            </a:extLst>
-          </p:cNvPr>
-          <p:cNvSpPr/>
-          <p:nvPr/>
-        </p:nvSpPr>
-        <p:spPr>
-          <a:xfrm>
-            <a:off x="1207893" y="3637637"/>
-            <a:ext cx="9821054" cy="1285957"/>
-          </a:xfrm>
-          <a:prstGeom prst="roundRect">
-            <a:avLst>
-              <a:gd name="adj" fmla="val 9182"/>
-            </a:avLst>
-          </a:prstGeom>
-          <a:solidFill>
-            <a:schemeClr val="accent5">
-              <a:lumMod val="60000"/>
-              <a:lumOff val="40000"/>
-            </a:schemeClr>
-          </a:solidFill>
-        </p:spPr>
-        <p:style>
-          <a:lnRef idx="2">
-            <a:schemeClr val="accent1">
-              <a:shade val="50000"/>
-            </a:schemeClr>
-          </a:lnRef>
-          <a:fillRef idx="1">
-            <a:schemeClr val="accent1"/>
-          </a:fillRef>
-          <a:effectRef idx="0">
-            <a:schemeClr val="accent1"/>
-          </a:effectRef>
-          <a:fontRef idx="minor">
-            <a:schemeClr val="lt1"/>
-          </a:fontRef>
-        </p:style>
-        <p:txBody>
-          <a:bodyPr rtlCol="0" anchor="ctr"/>
-          <a:lstStyle/>
-          <a:p>
-            <a:pPr algn="ctr"/>
-            <a:endParaRPr lang="en-US"/>
-          </a:p>
-        </p:txBody>
-      </p:sp>
-      <p:sp>
-        <p:nvSpPr>
-          <p:cNvPr id="8" name="Rectangle: Rounded Corners 7">
-            <a:extLst>
-              <a:ext uri="{FF2B5EF4-FFF2-40B4-BE49-F238E27FC236}">
-                <a16:creationId xmlns:a16="http://schemas.microsoft.com/office/drawing/2014/main" id="{1409B06B-2574-481F-999E-B8603B5D50C3}"/>
-              </a:ext>
-            </a:extLst>
-          </p:cNvPr>
-          <p:cNvSpPr/>
-          <p:nvPr/>
-        </p:nvSpPr>
-        <p:spPr>
-          <a:xfrm>
-            <a:off x="1207893" y="2266037"/>
-            <a:ext cx="9821054" cy="1285957"/>
-          </a:xfrm>
-          <a:prstGeom prst="roundRect">
-            <a:avLst>
-              <a:gd name="adj" fmla="val 9182"/>
-            </a:avLst>
-          </a:prstGeom>
-          <a:solidFill>
-            <a:schemeClr val="accent1">
-              <a:lumMod val="40000"/>
-              <a:lumOff val="60000"/>
-            </a:schemeClr>
-          </a:solidFill>
-        </p:spPr>
-        <p:style>
-          <a:lnRef idx="2">
-            <a:schemeClr val="accent1">
-              <a:shade val="50000"/>
-            </a:schemeClr>
-          </a:lnRef>
-          <a:fillRef idx="1">
-            <a:schemeClr val="accent1"/>
-          </a:fillRef>
-          <a:effectRef idx="0">
-            <a:schemeClr val="accent1"/>
-          </a:effectRef>
-          <a:fontRef idx="minor">
-            <a:schemeClr val="lt1"/>
-          </a:fontRef>
-        </p:style>
-        <p:txBody>
-          <a:bodyPr rtlCol="0" anchor="ctr"/>
-          <a:lstStyle/>
-          <a:p>
-            <a:pPr algn="ctr"/>
-            <a:endParaRPr lang="en-US"/>
-          </a:p>
-        </p:txBody>
-      </p:sp>
-      <p:sp>
-        <p:nvSpPr>
-          <p:cNvPr id="10" name="TextBox 9">
-            <a:extLst>
-              <a:ext uri="{FF2B5EF4-FFF2-40B4-BE49-F238E27FC236}">
-                <a16:creationId xmlns:a16="http://schemas.microsoft.com/office/drawing/2014/main" id="{A5CA2806-6DC3-4FCB-9296-F73913E98652}"/>
-              </a:ext>
-            </a:extLst>
-          </p:cNvPr>
-          <p:cNvSpPr txBox="1"/>
-          <p:nvPr/>
-        </p:nvSpPr>
-        <p:spPr>
-          <a:xfrm rot="16200000">
-            <a:off x="487729" y="5467549"/>
-            <a:ext cx="1070999" cy="369332"/>
+            <a:off x="0" y="6485312"/>
+            <a:ext cx="12192000" cy="256545"/>
           </a:xfrm>
           <a:prstGeom prst="rect">
             <a:avLst/>
           </a:prstGeom>
         </p:spPr>
         <p:txBody>
-          <a:bodyPr wrap="none" rtlCol="0">
+          <a:bodyPr wrap="square">
             <a:spAutoFit/>
           </a:bodyPr>
           <a:lstStyle/>
           <a:p>
-            <a:r>
-              <a:rPr lang="en-US" dirty="0"/>
-              <a:t>T1 – Data</a:t>
-            </a:r>
-            <a:endParaRPr lang="en-US" b="0" dirty="0"/>
+            <a:pPr algn="ctr" defTabSz="1219110" eaLnBrk="0" fontAlgn="base" hangingPunct="0">
+              <a:spcBef>
+                <a:spcPct val="0"/>
+              </a:spcBef>
+              <a:spcAft>
+                <a:spcPct val="0"/>
+              </a:spcAft>
+            </a:pPr>
+            <a:r>
+              <a:rPr lang="en-US" sz="1067" dirty="0">
+                <a:solidFill>
+                  <a:srgbClr val="526681"/>
+                </a:solidFill>
+                <a:latin typeface="Myriad Web Pro" panose="020B0503030403020204" pitchFamily="34" charset="0"/>
+              </a:rPr>
+              <a:t>Adapted from: </a:t>
+            </a:r>
+            <a:r>
+              <a:rPr lang="en-US" sz="1067" dirty="0" err="1">
+                <a:solidFill>
+                  <a:srgbClr val="526681"/>
+                </a:solidFill>
+                <a:latin typeface="Myriad Web Pro" panose="020B0503030403020204" pitchFamily="34" charset="0"/>
+              </a:rPr>
+              <a:t>Boxwala</a:t>
+            </a:r>
+            <a:r>
+              <a:rPr lang="en-US" sz="1067" dirty="0">
+                <a:solidFill>
+                  <a:srgbClr val="526681"/>
+                </a:solidFill>
+                <a:latin typeface="Myriad Web Pro" panose="020B0503030403020204" pitchFamily="34" charset="0"/>
+              </a:rPr>
+              <a:t>, AA, et al.. A multi-layered framework for disseminating knowledge for computer-based decision support. </a:t>
+            </a:r>
+            <a:r>
+              <a:rPr lang="en-US" sz="1067" i="1" dirty="0">
+                <a:solidFill>
+                  <a:srgbClr val="526681"/>
+                </a:solidFill>
+                <a:latin typeface="Myriad Web Pro" panose="020B0503030403020204" pitchFamily="34" charset="0"/>
+              </a:rPr>
+              <a:t>J Am Med Inform </a:t>
+            </a:r>
+            <a:r>
+              <a:rPr lang="en-US" sz="1067" i="1" dirty="0" err="1">
+                <a:solidFill>
+                  <a:srgbClr val="526681"/>
+                </a:solidFill>
+                <a:latin typeface="Myriad Web Pro" panose="020B0503030403020204" pitchFamily="34" charset="0"/>
+              </a:rPr>
+              <a:t>Assoc</a:t>
+            </a:r>
+            <a:r>
+              <a:rPr lang="en-US" sz="1067" i="1" dirty="0">
+                <a:solidFill>
+                  <a:srgbClr val="526681"/>
+                </a:solidFill>
+                <a:latin typeface="Myriad Web Pro" panose="020B0503030403020204" pitchFamily="34" charset="0"/>
+              </a:rPr>
+              <a:t> </a:t>
+            </a:r>
+            <a:r>
+              <a:rPr lang="en-US" sz="1067" dirty="0">
+                <a:solidFill>
+                  <a:srgbClr val="526681"/>
+                </a:solidFill>
+                <a:latin typeface="Myriad Web Pro" panose="020B0503030403020204" pitchFamily="34" charset="0"/>
+              </a:rPr>
+              <a:t>2011(18) i132-i139. </a:t>
+            </a:r>
           </a:p>
         </p:txBody>
       </p:sp>
-      <p:sp>
-        <p:nvSpPr>
-          <p:cNvPr id="11" name="TextBox 10">
-            <a:extLst>
-              <a:ext uri="{FF2B5EF4-FFF2-40B4-BE49-F238E27FC236}">
-                <a16:creationId xmlns:a16="http://schemas.microsoft.com/office/drawing/2014/main" id="{3C394B27-713E-4355-9DF5-63B82D16C924}"/>
-              </a:ext>
-            </a:extLst>
-          </p:cNvPr>
-          <p:cNvSpPr txBox="1"/>
+      <p:graphicFrame>
+        <p:nvGraphicFramePr>
+          <p:cNvPr id="11" name="Table 10"/>
+          <p:cNvGraphicFramePr>
+            <a:graphicFrameLocks noGrp="1"/>
+          </p:cNvGraphicFramePr>
+          <p:nvPr>
+            <p:extLst>
+              <p:ext uri="{D42A27DB-BD31-4B8C-83A1-F6EECF244321}">
+                <p14:modId xmlns:p14="http://schemas.microsoft.com/office/powerpoint/2010/main" val="1750180132"/>
+              </p:ext>
+            </p:extLst>
+          </p:nvPr>
+        </p:nvGraphicFramePr>
+        <p:xfrm>
+          <a:off x="562466" y="2365289"/>
+          <a:ext cx="11067067" cy="3094912"/>
+        </p:xfrm>
+        <a:graphic>
+          <a:graphicData uri="http://schemas.openxmlformats.org/drawingml/2006/table">
+            <a:tbl>
+              <a:tblPr firstRow="1" firstCol="1" bandRow="1"/>
+              <a:tblGrid>
+                <a:gridCol w="1478841">
+                  <a:extLst>
+                    <a:ext uri="{9D8B030D-6E8A-4147-A177-3AD203B41FA5}">
+                      <a16:colId xmlns:a16="http://schemas.microsoft.com/office/drawing/2014/main" val="817228557"/>
+                    </a:ext>
+                  </a:extLst>
+                </a:gridCol>
+                <a:gridCol w="1535289">
+                  <a:extLst>
+                    <a:ext uri="{9D8B030D-6E8A-4147-A177-3AD203B41FA5}">
+                      <a16:colId xmlns:a16="http://schemas.microsoft.com/office/drawing/2014/main" val="1598176632"/>
+                    </a:ext>
+                  </a:extLst>
+                </a:gridCol>
+                <a:gridCol w="8052937">
+                  <a:extLst>
+                    <a:ext uri="{9D8B030D-6E8A-4147-A177-3AD203B41FA5}">
+                      <a16:colId xmlns:a16="http://schemas.microsoft.com/office/drawing/2014/main" val="875039999"/>
+                    </a:ext>
+                  </a:extLst>
+                </a:gridCol>
+              </a:tblGrid>
+              <a:tr h="527077">
+                <a:tc>
+                  <a:txBody>
+                    <a:bodyPr/>
+                    <a:lstStyle/>
+                    <a:p>
+                      <a:pPr marL="0" marR="0" algn="ctr">
+                        <a:lnSpc>
+                          <a:spcPct val="107000"/>
+                        </a:lnSpc>
+                        <a:spcBef>
+                          <a:spcPts val="0"/>
+                        </a:spcBef>
+                        <a:spcAft>
+                          <a:spcPts val="0"/>
+                        </a:spcAft>
+                      </a:pPr>
+                      <a:r>
+                        <a:rPr lang="en-US" sz="2100" b="1" dirty="0">
+                          <a:solidFill>
+                            <a:srgbClr val="000000"/>
+                          </a:solidFill>
+                          <a:effectLst/>
+                          <a:latin typeface="Times New Roman" panose="02020603050405020304" pitchFamily="18" charset="0"/>
+                          <a:ea typeface="Calibri" panose="020F0502020204030204" pitchFamily="34" charset="0"/>
+                          <a:cs typeface="Times New Roman" panose="02020603050405020304" pitchFamily="18" charset="0"/>
+                        </a:rPr>
+                        <a:t>Tier</a:t>
+                      </a:r>
+                      <a:endParaRPr lang="en-US" sz="2100" dirty="0">
+                        <a:solidFill>
+                          <a:srgbClr val="000000"/>
+                        </a:solidFill>
+                        <a:effectLst/>
+                        <a:latin typeface="Calibri" panose="020F0502020204030204" pitchFamily="34" charset="0"/>
+                        <a:ea typeface="Calibri" panose="020F0502020204030204" pitchFamily="34" charset="0"/>
+                        <a:cs typeface="Times New Roman" panose="02020603050405020304" pitchFamily="18" charset="0"/>
+                      </a:endParaRPr>
+                    </a:p>
+                  </a:txBody>
+                  <a:tcPr marT="0" marB="0">
+                    <a:lnL w="12700" cap="flat" cmpd="sng" algn="ctr">
+                      <a:solidFill>
+                        <a:srgbClr val="000000"/>
+                      </a:solidFill>
+                      <a:prstDash val="solid"/>
+                      <a:round/>
+                      <a:headEnd type="none" w="med" len="med"/>
+                      <a:tailEnd type="none" w="med" len="med"/>
+                    </a:lnL>
+                    <a:lnR w="12700" cap="flat" cmpd="sng" algn="ctr">
+                      <a:solidFill>
+                        <a:srgbClr val="000000"/>
+                      </a:solidFill>
+                      <a:prstDash val="solid"/>
+                      <a:round/>
+                      <a:headEnd type="none" w="med" len="med"/>
+                      <a:tailEnd type="none" w="med" len="med"/>
+                    </a:lnR>
+                    <a:lnT w="12700" cap="flat" cmpd="sng" algn="ctr">
+                      <a:solidFill>
+                        <a:srgbClr val="000000"/>
+                      </a:solidFill>
+                      <a:prstDash val="solid"/>
+                      <a:round/>
+                      <a:headEnd type="none" w="med" len="med"/>
+                      <a:tailEnd type="none" w="med" len="med"/>
+                    </a:lnT>
+                    <a:lnB w="12700" cap="flat" cmpd="sng" algn="ctr">
+                      <a:solidFill>
+                        <a:srgbClr val="000000"/>
+                      </a:solidFill>
+                      <a:prstDash val="solid"/>
+                      <a:round/>
+                      <a:headEnd type="none" w="med" len="med"/>
+                      <a:tailEnd type="none" w="med" len="med"/>
+                    </a:lnB>
+                  </a:tcPr>
+                </a:tc>
+                <a:tc>
+                  <a:txBody>
+                    <a:bodyPr/>
+                    <a:lstStyle/>
+                    <a:p>
+                      <a:pPr marL="0" marR="0" algn="ctr">
+                        <a:lnSpc>
+                          <a:spcPct val="107000"/>
+                        </a:lnSpc>
+                        <a:spcBef>
+                          <a:spcPts val="0"/>
+                        </a:spcBef>
+                        <a:spcAft>
+                          <a:spcPts val="0"/>
+                        </a:spcAft>
+                      </a:pPr>
+                      <a:r>
+                        <a:rPr lang="en-US" sz="2100" b="1" dirty="0">
+                          <a:solidFill>
+                            <a:srgbClr val="000000"/>
+                          </a:solidFill>
+                          <a:effectLst/>
+                          <a:latin typeface="Times New Roman" panose="02020603050405020304" pitchFamily="18" charset="0"/>
+                          <a:ea typeface="Calibri" panose="020F0502020204030204" pitchFamily="34" charset="0"/>
+                          <a:cs typeface="Times New Roman" panose="02020603050405020304" pitchFamily="18" charset="0"/>
+                        </a:rPr>
+                        <a:t>Description</a:t>
+                      </a:r>
+                      <a:endParaRPr lang="en-US" sz="2100" dirty="0">
+                        <a:solidFill>
+                          <a:srgbClr val="000000"/>
+                        </a:solidFill>
+                        <a:effectLst/>
+                        <a:latin typeface="Calibri" panose="020F0502020204030204" pitchFamily="34" charset="0"/>
+                        <a:ea typeface="Calibri" panose="020F0502020204030204" pitchFamily="34" charset="0"/>
+                        <a:cs typeface="Times New Roman" panose="02020603050405020304" pitchFamily="18" charset="0"/>
+                      </a:endParaRPr>
+                    </a:p>
+                  </a:txBody>
+                  <a:tcPr marT="0" marB="0">
+                    <a:lnL w="12700" cap="flat" cmpd="sng" algn="ctr">
+                      <a:solidFill>
+                        <a:srgbClr val="000000"/>
+                      </a:solidFill>
+                      <a:prstDash val="solid"/>
+                      <a:round/>
+                      <a:headEnd type="none" w="med" len="med"/>
+                      <a:tailEnd type="none" w="med" len="med"/>
+                    </a:lnL>
+                    <a:lnR w="12700" cap="flat" cmpd="sng" algn="ctr">
+                      <a:solidFill>
+                        <a:srgbClr val="000000"/>
+                      </a:solidFill>
+                      <a:prstDash val="solid"/>
+                      <a:round/>
+                      <a:headEnd type="none" w="med" len="med"/>
+                      <a:tailEnd type="none" w="med" len="med"/>
+                    </a:lnR>
+                    <a:lnT w="12700" cap="flat" cmpd="sng" algn="ctr">
+                      <a:solidFill>
+                        <a:srgbClr val="000000"/>
+                      </a:solidFill>
+                      <a:prstDash val="solid"/>
+                      <a:round/>
+                      <a:headEnd type="none" w="med" len="med"/>
+                      <a:tailEnd type="none" w="med" len="med"/>
+                    </a:lnT>
+                    <a:lnB w="12700" cap="flat" cmpd="sng" algn="ctr">
+                      <a:solidFill>
+                        <a:srgbClr val="000000"/>
+                      </a:solidFill>
+                      <a:prstDash val="solid"/>
+                      <a:round/>
+                      <a:headEnd type="none" w="med" len="med"/>
+                      <a:tailEnd type="none" w="med" len="med"/>
+                    </a:lnB>
+                  </a:tcPr>
+                </a:tc>
+                <a:tc>
+                  <a:txBody>
+                    <a:bodyPr/>
+                    <a:lstStyle/>
+                    <a:p>
+                      <a:pPr marL="0" marR="0" algn="ctr">
+                        <a:lnSpc>
+                          <a:spcPct val="107000"/>
+                        </a:lnSpc>
+                        <a:spcBef>
+                          <a:spcPts val="0"/>
+                        </a:spcBef>
+                        <a:spcAft>
+                          <a:spcPts val="0"/>
+                        </a:spcAft>
+                      </a:pPr>
+                      <a:r>
+                        <a:rPr lang="en-US" sz="2100" b="1" dirty="0">
+                          <a:solidFill>
+                            <a:srgbClr val="000000"/>
+                          </a:solidFill>
+                          <a:effectLst/>
+                          <a:latin typeface="Times New Roman" panose="02020603050405020304" pitchFamily="18" charset="0"/>
+                          <a:ea typeface="Calibri" panose="020F0502020204030204" pitchFamily="34" charset="0"/>
+                          <a:cs typeface="Times New Roman" panose="02020603050405020304" pitchFamily="18" charset="0"/>
+                        </a:rPr>
+                        <a:t>Example</a:t>
+                      </a:r>
+                      <a:endParaRPr lang="en-US" sz="2100" dirty="0">
+                        <a:solidFill>
+                          <a:srgbClr val="000000"/>
+                        </a:solidFill>
+                        <a:effectLst/>
+                        <a:latin typeface="Calibri" panose="020F0502020204030204" pitchFamily="34" charset="0"/>
+                        <a:ea typeface="Calibri" panose="020F0502020204030204" pitchFamily="34" charset="0"/>
+                        <a:cs typeface="Times New Roman" panose="02020603050405020304" pitchFamily="18" charset="0"/>
+                      </a:endParaRPr>
+                    </a:p>
+                  </a:txBody>
+                  <a:tcPr marT="0" marB="0">
+                    <a:lnL w="12700" cap="flat" cmpd="sng" algn="ctr">
+                      <a:solidFill>
+                        <a:srgbClr val="000000"/>
+                      </a:solidFill>
+                      <a:prstDash val="solid"/>
+                      <a:round/>
+                      <a:headEnd type="none" w="med" len="med"/>
+                      <a:tailEnd type="none" w="med" len="med"/>
+                    </a:lnL>
+                    <a:lnR w="12700" cap="flat" cmpd="sng" algn="ctr">
+                      <a:solidFill>
+                        <a:srgbClr val="000000"/>
+                      </a:solidFill>
+                      <a:prstDash val="solid"/>
+                      <a:round/>
+                      <a:headEnd type="none" w="med" len="med"/>
+                      <a:tailEnd type="none" w="med" len="med"/>
+                    </a:lnR>
+                    <a:lnT w="12700" cap="flat" cmpd="sng" algn="ctr">
+                      <a:solidFill>
+                        <a:srgbClr val="000000"/>
+                      </a:solidFill>
+                      <a:prstDash val="solid"/>
+                      <a:round/>
+                      <a:headEnd type="none" w="med" len="med"/>
+                      <a:tailEnd type="none" w="med" len="med"/>
+                    </a:lnT>
+                    <a:lnB w="12700" cap="flat" cmpd="sng" algn="ctr">
+                      <a:solidFill>
+                        <a:srgbClr val="000000"/>
+                      </a:solidFill>
+                      <a:prstDash val="solid"/>
+                      <a:round/>
+                      <a:headEnd type="none" w="med" len="med"/>
+                      <a:tailEnd type="none" w="med" len="med"/>
+                    </a:lnB>
+                  </a:tcPr>
+                </a:tc>
+                <a:extLst>
+                  <a:ext uri="{0D108BD9-81ED-4DB2-BD59-A6C34878D82A}">
+                    <a16:rowId xmlns:a16="http://schemas.microsoft.com/office/drawing/2014/main" val="2362440023"/>
+                  </a:ext>
+                </a:extLst>
+              </a:tr>
+              <a:tr h="855945">
+                <a:tc>
+                  <a:txBody>
+                    <a:bodyPr/>
+                    <a:lstStyle/>
+                    <a:p>
+                      <a:pPr marL="0" marR="0" algn="ctr">
+                        <a:lnSpc>
+                          <a:spcPct val="107000"/>
+                        </a:lnSpc>
+                        <a:spcBef>
+                          <a:spcPts val="0"/>
+                        </a:spcBef>
+                        <a:spcAft>
+                          <a:spcPts val="0"/>
+                        </a:spcAft>
+                      </a:pPr>
+                      <a:r>
+                        <a:rPr lang="en-US" sz="2100" dirty="0">
+                          <a:solidFill>
+                            <a:schemeClr val="tx2"/>
+                          </a:solidFill>
+                          <a:effectLst/>
+                          <a:latin typeface="Times New Roman" panose="02020603050405020304" pitchFamily="18" charset="0"/>
+                          <a:ea typeface="Calibri" panose="020F0502020204030204" pitchFamily="34" charset="0"/>
+                          <a:cs typeface="Times New Roman" panose="02020603050405020304" pitchFamily="18" charset="0"/>
+                        </a:rPr>
+                        <a:t>T1</a:t>
+                      </a:r>
+                      <a:endParaRPr lang="en-US" sz="2100" dirty="0">
+                        <a:solidFill>
+                          <a:schemeClr val="tx2"/>
+                        </a:solidFill>
+                        <a:effectLst/>
+                        <a:latin typeface="Calibri" panose="020F0502020204030204" pitchFamily="34" charset="0"/>
+                        <a:ea typeface="Calibri" panose="020F0502020204030204" pitchFamily="34" charset="0"/>
+                        <a:cs typeface="Times New Roman" panose="02020603050405020304" pitchFamily="18" charset="0"/>
+                      </a:endParaRPr>
+                    </a:p>
+                  </a:txBody>
+                  <a:tcPr marT="0" marB="0">
+                    <a:lnL w="12700" cap="flat" cmpd="sng" algn="ctr">
+                      <a:solidFill>
+                        <a:srgbClr val="000000"/>
+                      </a:solidFill>
+                      <a:prstDash val="solid"/>
+                      <a:round/>
+                      <a:headEnd type="none" w="med" len="med"/>
+                      <a:tailEnd type="none" w="med" len="med"/>
+                    </a:lnL>
+                    <a:lnR w="12700" cap="flat" cmpd="sng" algn="ctr">
+                      <a:solidFill>
+                        <a:srgbClr val="000000"/>
+                      </a:solidFill>
+                      <a:prstDash val="solid"/>
+                      <a:round/>
+                      <a:headEnd type="none" w="med" len="med"/>
+                      <a:tailEnd type="none" w="med" len="med"/>
+                    </a:lnR>
+                    <a:lnT w="12700" cap="flat" cmpd="sng" algn="ctr">
+                      <a:solidFill>
+                        <a:srgbClr val="000000"/>
+                      </a:solidFill>
+                      <a:prstDash val="solid"/>
+                      <a:round/>
+                      <a:headEnd type="none" w="med" len="med"/>
+                      <a:tailEnd type="none" w="med" len="med"/>
+                    </a:lnT>
+                    <a:lnB w="12700" cap="flat" cmpd="sng" algn="ctr">
+                      <a:solidFill>
+                        <a:srgbClr val="000000"/>
+                      </a:solidFill>
+                      <a:prstDash val="solid"/>
+                      <a:round/>
+                      <a:headEnd type="none" w="med" len="med"/>
+                      <a:tailEnd type="none" w="med" len="med"/>
+                    </a:lnB>
+                  </a:tcPr>
+                </a:tc>
+                <a:tc>
+                  <a:txBody>
+                    <a:bodyPr/>
+                    <a:lstStyle/>
+                    <a:p>
+                      <a:pPr marL="0" marR="0">
+                        <a:lnSpc>
+                          <a:spcPct val="107000"/>
+                        </a:lnSpc>
+                        <a:spcBef>
+                          <a:spcPts val="0"/>
+                        </a:spcBef>
+                        <a:spcAft>
+                          <a:spcPts val="0"/>
+                        </a:spcAft>
+                      </a:pPr>
+                      <a:r>
+                        <a:rPr lang="en-US" sz="2100" dirty="0">
+                          <a:solidFill>
+                            <a:schemeClr val="tx2"/>
+                          </a:solidFill>
+                          <a:effectLst/>
+                          <a:latin typeface="Times New Roman" panose="02020603050405020304" pitchFamily="18" charset="0"/>
+                          <a:ea typeface="Calibri" panose="020F0502020204030204" pitchFamily="34" charset="0"/>
+                          <a:cs typeface="Times New Roman" panose="02020603050405020304" pitchFamily="18" charset="0"/>
+                        </a:rPr>
+                        <a:t>Data</a:t>
+                      </a:r>
+                      <a:endParaRPr lang="en-US" sz="2100" dirty="0">
+                        <a:solidFill>
+                          <a:schemeClr val="tx2"/>
+                        </a:solidFill>
+                        <a:effectLst/>
+                        <a:latin typeface="Calibri" panose="020F0502020204030204" pitchFamily="34" charset="0"/>
+                        <a:ea typeface="Calibri" panose="020F0502020204030204" pitchFamily="34" charset="0"/>
+                        <a:cs typeface="Times New Roman" panose="02020603050405020304" pitchFamily="18" charset="0"/>
+                      </a:endParaRPr>
+                    </a:p>
+                  </a:txBody>
+                  <a:tcPr marT="0" marB="0">
+                    <a:lnL w="12700" cap="flat" cmpd="sng" algn="ctr">
+                      <a:solidFill>
+                        <a:srgbClr val="000000"/>
+                      </a:solidFill>
+                      <a:prstDash val="solid"/>
+                      <a:round/>
+                      <a:headEnd type="none" w="med" len="med"/>
+                      <a:tailEnd type="none" w="med" len="med"/>
+                    </a:lnL>
+                    <a:lnR w="12700" cap="flat" cmpd="sng" algn="ctr">
+                      <a:solidFill>
+                        <a:srgbClr val="000000"/>
+                      </a:solidFill>
+                      <a:prstDash val="solid"/>
+                      <a:round/>
+                      <a:headEnd type="none" w="med" len="med"/>
+                      <a:tailEnd type="none" w="med" len="med"/>
+                    </a:lnR>
+                    <a:lnT w="12700" cap="flat" cmpd="sng" algn="ctr">
+                      <a:solidFill>
+                        <a:srgbClr val="000000"/>
+                      </a:solidFill>
+                      <a:prstDash val="solid"/>
+                      <a:round/>
+                      <a:headEnd type="none" w="med" len="med"/>
+                      <a:tailEnd type="none" w="med" len="med"/>
+                    </a:lnT>
+                    <a:lnB w="12700" cap="flat" cmpd="sng" algn="ctr">
+                      <a:solidFill>
+                        <a:srgbClr val="000000"/>
+                      </a:solidFill>
+                      <a:prstDash val="solid"/>
+                      <a:round/>
+                      <a:headEnd type="none" w="med" len="med"/>
+                      <a:tailEnd type="none" w="med" len="med"/>
+                    </a:lnB>
+                  </a:tcPr>
+                </a:tc>
+                <a:tc>
+                  <a:txBody>
+                    <a:bodyPr/>
+                    <a:lstStyle/>
+                    <a:p>
+                      <a:pPr marL="0" marR="0">
+                        <a:lnSpc>
+                          <a:spcPct val="107000"/>
+                        </a:lnSpc>
+                        <a:spcBef>
+                          <a:spcPts val="0"/>
+                        </a:spcBef>
+                        <a:spcAft>
+                          <a:spcPts val="0"/>
+                        </a:spcAft>
+                      </a:pPr>
+                      <a:r>
+                        <a:rPr lang="en-US" sz="2100" dirty="0">
+                          <a:solidFill>
+                            <a:schemeClr val="tx2"/>
+                          </a:solidFill>
+                          <a:effectLst/>
+                          <a:latin typeface="Times New Roman" panose="02020603050405020304" pitchFamily="18" charset="0"/>
+                          <a:ea typeface="Calibri" panose="020F0502020204030204" pitchFamily="34" charset="0"/>
+                          <a:cs typeface="Times New Roman" panose="02020603050405020304" pitchFamily="18" charset="0"/>
+                        </a:rPr>
+                        <a:t>Glossaries, data elements and dictionaries, terminologies, data access services</a:t>
+                      </a:r>
+                    </a:p>
+                  </a:txBody>
+                  <a:tcPr marT="0" marB="0">
+                    <a:lnL w="12700" cap="flat" cmpd="sng" algn="ctr">
+                      <a:solidFill>
+                        <a:srgbClr val="000000"/>
+                      </a:solidFill>
+                      <a:prstDash val="solid"/>
+                      <a:round/>
+                      <a:headEnd type="none" w="med" len="med"/>
+                      <a:tailEnd type="none" w="med" len="med"/>
+                    </a:lnL>
+                    <a:lnR w="12700" cap="flat" cmpd="sng" algn="ctr">
+                      <a:solidFill>
+                        <a:srgbClr val="000000"/>
+                      </a:solidFill>
+                      <a:prstDash val="solid"/>
+                      <a:round/>
+                      <a:headEnd type="none" w="med" len="med"/>
+                      <a:tailEnd type="none" w="med" len="med"/>
+                    </a:lnR>
+                    <a:lnT w="12700" cap="flat" cmpd="sng" algn="ctr">
+                      <a:solidFill>
+                        <a:srgbClr val="000000"/>
+                      </a:solidFill>
+                      <a:prstDash val="solid"/>
+                      <a:round/>
+                      <a:headEnd type="none" w="med" len="med"/>
+                      <a:tailEnd type="none" w="med" len="med"/>
+                    </a:lnT>
+                    <a:lnB w="12700" cap="flat" cmpd="sng" algn="ctr">
+                      <a:solidFill>
+                        <a:srgbClr val="000000"/>
+                      </a:solidFill>
+                      <a:prstDash val="solid"/>
+                      <a:round/>
+                      <a:headEnd type="none" w="med" len="med"/>
+                      <a:tailEnd type="none" w="med" len="med"/>
+                    </a:lnB>
+                  </a:tcPr>
+                </a:tc>
+                <a:extLst>
+                  <a:ext uri="{0D108BD9-81ED-4DB2-BD59-A6C34878D82A}">
+                    <a16:rowId xmlns:a16="http://schemas.microsoft.com/office/drawing/2014/main" val="3656061433"/>
+                  </a:ext>
+                </a:extLst>
+              </a:tr>
+              <a:tr h="855945">
+                <a:tc>
+                  <a:txBody>
+                    <a:bodyPr/>
+                    <a:lstStyle/>
+                    <a:p>
+                      <a:pPr marL="0" marR="0" algn="ctr">
+                        <a:lnSpc>
+                          <a:spcPct val="107000"/>
+                        </a:lnSpc>
+                        <a:spcBef>
+                          <a:spcPts val="0"/>
+                        </a:spcBef>
+                        <a:spcAft>
+                          <a:spcPts val="0"/>
+                        </a:spcAft>
+                      </a:pPr>
+                      <a:r>
+                        <a:rPr lang="en-US" sz="2100" dirty="0">
+                          <a:solidFill>
+                            <a:schemeClr val="accent1"/>
+                          </a:solidFill>
+                          <a:effectLst/>
+                          <a:latin typeface="Times New Roman" panose="02020603050405020304" pitchFamily="18" charset="0"/>
+                          <a:ea typeface="Calibri" panose="020F0502020204030204" pitchFamily="34" charset="0"/>
+                          <a:cs typeface="Times New Roman" panose="02020603050405020304" pitchFamily="18" charset="0"/>
+                        </a:rPr>
+                        <a:t>T2</a:t>
+                      </a:r>
+                      <a:endParaRPr lang="en-US" sz="2100" dirty="0">
+                        <a:solidFill>
+                          <a:schemeClr val="accent1"/>
+                        </a:solidFill>
+                        <a:effectLst/>
+                        <a:latin typeface="Calibri" panose="020F0502020204030204" pitchFamily="34" charset="0"/>
+                        <a:ea typeface="Calibri" panose="020F0502020204030204" pitchFamily="34" charset="0"/>
+                        <a:cs typeface="Times New Roman" panose="02020603050405020304" pitchFamily="18" charset="0"/>
+                      </a:endParaRPr>
+                    </a:p>
+                  </a:txBody>
+                  <a:tcPr marT="0" marB="0">
+                    <a:lnL w="12700" cap="flat" cmpd="sng" algn="ctr">
+                      <a:solidFill>
+                        <a:srgbClr val="000000"/>
+                      </a:solidFill>
+                      <a:prstDash val="solid"/>
+                      <a:round/>
+                      <a:headEnd type="none" w="med" len="med"/>
+                      <a:tailEnd type="none" w="med" len="med"/>
+                    </a:lnL>
+                    <a:lnR w="12700" cap="flat" cmpd="sng" algn="ctr">
+                      <a:solidFill>
+                        <a:srgbClr val="000000"/>
+                      </a:solidFill>
+                      <a:prstDash val="solid"/>
+                      <a:round/>
+                      <a:headEnd type="none" w="med" len="med"/>
+                      <a:tailEnd type="none" w="med" len="med"/>
+                    </a:lnR>
+                    <a:lnT w="12700" cap="flat" cmpd="sng" algn="ctr">
+                      <a:solidFill>
+                        <a:srgbClr val="000000"/>
+                      </a:solidFill>
+                      <a:prstDash val="solid"/>
+                      <a:round/>
+                      <a:headEnd type="none" w="med" len="med"/>
+                      <a:tailEnd type="none" w="med" len="med"/>
+                    </a:lnT>
+                    <a:lnB w="12700" cap="flat" cmpd="sng" algn="ctr">
+                      <a:solidFill>
+                        <a:srgbClr val="000000"/>
+                      </a:solidFill>
+                      <a:prstDash val="solid"/>
+                      <a:round/>
+                      <a:headEnd type="none" w="med" len="med"/>
+                      <a:tailEnd type="none" w="med" len="med"/>
+                    </a:lnB>
+                  </a:tcPr>
+                </a:tc>
+                <a:tc>
+                  <a:txBody>
+                    <a:bodyPr/>
+                    <a:lstStyle/>
+                    <a:p>
+                      <a:pPr marL="0" marR="0">
+                        <a:lnSpc>
+                          <a:spcPct val="107000"/>
+                        </a:lnSpc>
+                        <a:spcBef>
+                          <a:spcPts val="0"/>
+                        </a:spcBef>
+                        <a:spcAft>
+                          <a:spcPts val="0"/>
+                        </a:spcAft>
+                      </a:pPr>
+                      <a:r>
+                        <a:rPr lang="en-US" sz="2100" dirty="0">
+                          <a:solidFill>
+                            <a:schemeClr val="accent1"/>
+                          </a:solidFill>
+                          <a:effectLst/>
+                          <a:latin typeface="Times New Roman" panose="02020603050405020304" pitchFamily="18" charset="0"/>
+                          <a:ea typeface="Calibri" panose="020F0502020204030204" pitchFamily="34" charset="0"/>
+                          <a:cs typeface="Times New Roman" panose="02020603050405020304" pitchFamily="18" charset="0"/>
+                        </a:rPr>
+                        <a:t>Logic</a:t>
+                      </a:r>
+                      <a:endParaRPr lang="en-US" sz="2100" dirty="0">
+                        <a:solidFill>
+                          <a:schemeClr val="accent1"/>
+                        </a:solidFill>
+                        <a:effectLst/>
+                        <a:latin typeface="Calibri" panose="020F0502020204030204" pitchFamily="34" charset="0"/>
+                        <a:ea typeface="Calibri" panose="020F0502020204030204" pitchFamily="34" charset="0"/>
+                        <a:cs typeface="Times New Roman" panose="02020603050405020304" pitchFamily="18" charset="0"/>
+                      </a:endParaRPr>
+                    </a:p>
+                  </a:txBody>
+                  <a:tcPr marT="0" marB="0">
+                    <a:lnL w="12700" cap="flat" cmpd="sng" algn="ctr">
+                      <a:solidFill>
+                        <a:srgbClr val="000000"/>
+                      </a:solidFill>
+                      <a:prstDash val="solid"/>
+                      <a:round/>
+                      <a:headEnd type="none" w="med" len="med"/>
+                      <a:tailEnd type="none" w="med" len="med"/>
+                    </a:lnL>
+                    <a:lnR w="12700" cap="flat" cmpd="sng" algn="ctr">
+                      <a:solidFill>
+                        <a:srgbClr val="000000"/>
+                      </a:solidFill>
+                      <a:prstDash val="solid"/>
+                      <a:round/>
+                      <a:headEnd type="none" w="med" len="med"/>
+                      <a:tailEnd type="none" w="med" len="med"/>
+                    </a:lnR>
+                    <a:lnT w="12700" cap="flat" cmpd="sng" algn="ctr">
+                      <a:solidFill>
+                        <a:srgbClr val="000000"/>
+                      </a:solidFill>
+                      <a:prstDash val="solid"/>
+                      <a:round/>
+                      <a:headEnd type="none" w="med" len="med"/>
+                      <a:tailEnd type="none" w="med" len="med"/>
+                    </a:lnT>
+                    <a:lnB w="12700" cap="flat" cmpd="sng" algn="ctr">
+                      <a:solidFill>
+                        <a:srgbClr val="000000"/>
+                      </a:solidFill>
+                      <a:prstDash val="solid"/>
+                      <a:round/>
+                      <a:headEnd type="none" w="med" len="med"/>
+                      <a:tailEnd type="none" w="med" len="med"/>
+                    </a:lnB>
+                  </a:tcPr>
+                </a:tc>
+                <a:tc>
+                  <a:txBody>
+                    <a:bodyPr/>
+                    <a:lstStyle/>
+                    <a:p>
+                      <a:pPr marL="0" marR="0">
+                        <a:lnSpc>
+                          <a:spcPct val="107000"/>
+                        </a:lnSpc>
+                        <a:spcBef>
+                          <a:spcPts val="0"/>
+                        </a:spcBef>
+                        <a:spcAft>
+                          <a:spcPts val="0"/>
+                        </a:spcAft>
+                      </a:pPr>
+                      <a:r>
+                        <a:rPr lang="en-US" sz="2100" dirty="0">
+                          <a:solidFill>
+                            <a:schemeClr val="accent1"/>
+                          </a:solidFill>
+                          <a:effectLst/>
+                          <a:latin typeface="Times New Roman" panose="02020603050405020304" pitchFamily="18" charset="0"/>
+                          <a:ea typeface="Calibri" panose="020F0502020204030204" pitchFamily="34" charset="0"/>
+                          <a:cs typeface="Times New Roman" panose="02020603050405020304" pitchFamily="18" charset="0"/>
+                        </a:rPr>
+                        <a:t>Guideline narrative, workflows, libraries, application services</a:t>
+                      </a:r>
+                      <a:endParaRPr lang="en-US" sz="2100" b="1" dirty="0">
+                        <a:solidFill>
+                          <a:schemeClr val="accent1"/>
+                        </a:solidFill>
+                        <a:effectLst/>
+                        <a:latin typeface="Calibri" panose="020F0502020204030204" pitchFamily="34" charset="0"/>
+                        <a:ea typeface="Calibri" panose="020F0502020204030204" pitchFamily="34" charset="0"/>
+                        <a:cs typeface="Times New Roman" panose="02020603050405020304" pitchFamily="18" charset="0"/>
+                      </a:endParaRPr>
+                    </a:p>
+                  </a:txBody>
+                  <a:tcPr marT="0" marB="0">
+                    <a:lnL w="12700" cap="flat" cmpd="sng" algn="ctr">
+                      <a:solidFill>
+                        <a:srgbClr val="000000"/>
+                      </a:solidFill>
+                      <a:prstDash val="solid"/>
+                      <a:round/>
+                      <a:headEnd type="none" w="med" len="med"/>
+                      <a:tailEnd type="none" w="med" len="med"/>
+                    </a:lnL>
+                    <a:lnR w="12700" cap="flat" cmpd="sng" algn="ctr">
+                      <a:solidFill>
+                        <a:srgbClr val="000000"/>
+                      </a:solidFill>
+                      <a:prstDash val="solid"/>
+                      <a:round/>
+                      <a:headEnd type="none" w="med" len="med"/>
+                      <a:tailEnd type="none" w="med" len="med"/>
+                    </a:lnR>
+                    <a:lnT w="12700" cap="flat" cmpd="sng" algn="ctr">
+                      <a:solidFill>
+                        <a:srgbClr val="000000"/>
+                      </a:solidFill>
+                      <a:prstDash val="solid"/>
+                      <a:round/>
+                      <a:headEnd type="none" w="med" len="med"/>
+                      <a:tailEnd type="none" w="med" len="med"/>
+                    </a:lnT>
+                    <a:lnB w="12700" cap="flat" cmpd="sng" algn="ctr">
+                      <a:solidFill>
+                        <a:srgbClr val="000000"/>
+                      </a:solidFill>
+                      <a:prstDash val="solid"/>
+                      <a:round/>
+                      <a:headEnd type="none" w="med" len="med"/>
+                      <a:tailEnd type="none" w="med" len="med"/>
+                    </a:lnB>
+                  </a:tcPr>
+                </a:tc>
+                <a:extLst>
+                  <a:ext uri="{0D108BD9-81ED-4DB2-BD59-A6C34878D82A}">
+                    <a16:rowId xmlns:a16="http://schemas.microsoft.com/office/drawing/2014/main" val="2387962566"/>
+                  </a:ext>
+                </a:extLst>
+              </a:tr>
+              <a:tr h="855945">
+                <a:tc>
+                  <a:txBody>
+                    <a:bodyPr/>
+                    <a:lstStyle/>
+                    <a:p>
+                      <a:pPr marL="0" marR="0" algn="ctr">
+                        <a:lnSpc>
+                          <a:spcPct val="107000"/>
+                        </a:lnSpc>
+                        <a:spcBef>
+                          <a:spcPts val="0"/>
+                        </a:spcBef>
+                        <a:spcAft>
+                          <a:spcPts val="0"/>
+                        </a:spcAft>
+                      </a:pPr>
+                      <a:r>
+                        <a:rPr lang="en-US" sz="2100" dirty="0">
+                          <a:solidFill>
+                            <a:schemeClr val="accent5"/>
+                          </a:solidFill>
+                          <a:effectLst/>
+                          <a:latin typeface="Times New Roman" panose="02020603050405020304" pitchFamily="18" charset="0"/>
+                          <a:ea typeface="Calibri" panose="020F0502020204030204" pitchFamily="34" charset="0"/>
+                          <a:cs typeface="Times New Roman" panose="02020603050405020304" pitchFamily="18" charset="0"/>
+                        </a:rPr>
+                        <a:t>T3</a:t>
+                      </a:r>
+                      <a:endParaRPr lang="en-US" sz="2100" dirty="0">
+                        <a:solidFill>
+                          <a:schemeClr val="accent5"/>
+                        </a:solidFill>
+                        <a:effectLst/>
+                        <a:latin typeface="Calibri" panose="020F0502020204030204" pitchFamily="34" charset="0"/>
+                        <a:ea typeface="Calibri" panose="020F0502020204030204" pitchFamily="34" charset="0"/>
+                        <a:cs typeface="Times New Roman" panose="02020603050405020304" pitchFamily="18" charset="0"/>
+                      </a:endParaRPr>
+                    </a:p>
+                  </a:txBody>
+                  <a:tcPr marT="0" marB="0">
+                    <a:lnL w="12700" cap="flat" cmpd="sng" algn="ctr">
+                      <a:solidFill>
+                        <a:srgbClr val="000000"/>
+                      </a:solidFill>
+                      <a:prstDash val="solid"/>
+                      <a:round/>
+                      <a:headEnd type="none" w="med" len="med"/>
+                      <a:tailEnd type="none" w="med" len="med"/>
+                    </a:lnL>
+                    <a:lnR w="12700" cap="flat" cmpd="sng" algn="ctr">
+                      <a:solidFill>
+                        <a:srgbClr val="000000"/>
+                      </a:solidFill>
+                      <a:prstDash val="solid"/>
+                      <a:round/>
+                      <a:headEnd type="none" w="med" len="med"/>
+                      <a:tailEnd type="none" w="med" len="med"/>
+                    </a:lnR>
+                    <a:lnT w="12700" cap="flat" cmpd="sng" algn="ctr">
+                      <a:solidFill>
+                        <a:srgbClr val="000000"/>
+                      </a:solidFill>
+                      <a:prstDash val="solid"/>
+                      <a:round/>
+                      <a:headEnd type="none" w="med" len="med"/>
+                      <a:tailEnd type="none" w="med" len="med"/>
+                    </a:lnT>
+                    <a:lnB w="12700" cap="flat" cmpd="sng" algn="ctr">
+                      <a:solidFill>
+                        <a:srgbClr val="000000"/>
+                      </a:solidFill>
+                      <a:prstDash val="solid"/>
+                      <a:round/>
+                      <a:headEnd type="none" w="med" len="med"/>
+                      <a:tailEnd type="none" w="med" len="med"/>
+                    </a:lnB>
+                  </a:tcPr>
+                </a:tc>
+                <a:tc>
+                  <a:txBody>
+                    <a:bodyPr/>
+                    <a:lstStyle/>
+                    <a:p>
+                      <a:pPr marL="0" marR="0">
+                        <a:lnSpc>
+                          <a:spcPct val="107000"/>
+                        </a:lnSpc>
+                        <a:spcBef>
+                          <a:spcPts val="0"/>
+                        </a:spcBef>
+                        <a:spcAft>
+                          <a:spcPts val="0"/>
+                        </a:spcAft>
+                      </a:pPr>
+                      <a:r>
+                        <a:rPr lang="en-US" sz="2100" dirty="0">
+                          <a:solidFill>
+                            <a:schemeClr val="accent5"/>
+                          </a:solidFill>
+                          <a:effectLst/>
+                          <a:latin typeface="Times New Roman" panose="02020603050405020304" pitchFamily="18" charset="0"/>
+                          <a:ea typeface="Calibri" panose="020F0502020204030204" pitchFamily="34" charset="0"/>
+                          <a:cs typeface="Times New Roman" panose="02020603050405020304" pitchFamily="18" charset="0"/>
+                        </a:rPr>
+                        <a:t>Forms</a:t>
+                      </a:r>
+                      <a:endParaRPr lang="en-US" sz="2100" dirty="0">
+                        <a:solidFill>
+                          <a:schemeClr val="accent5"/>
+                        </a:solidFill>
+                        <a:effectLst/>
+                        <a:latin typeface="Calibri" panose="020F0502020204030204" pitchFamily="34" charset="0"/>
+                        <a:ea typeface="Calibri" panose="020F0502020204030204" pitchFamily="34" charset="0"/>
+                        <a:cs typeface="Times New Roman" panose="02020603050405020304" pitchFamily="18" charset="0"/>
+                      </a:endParaRPr>
+                    </a:p>
+                  </a:txBody>
+                  <a:tcPr marT="0" marB="0">
+                    <a:lnL w="12700" cap="flat" cmpd="sng" algn="ctr">
+                      <a:solidFill>
+                        <a:srgbClr val="000000"/>
+                      </a:solidFill>
+                      <a:prstDash val="solid"/>
+                      <a:round/>
+                      <a:headEnd type="none" w="med" len="med"/>
+                      <a:tailEnd type="none" w="med" len="med"/>
+                    </a:lnL>
+                    <a:lnR w="12700" cap="flat" cmpd="sng" algn="ctr">
+                      <a:solidFill>
+                        <a:srgbClr val="000000"/>
+                      </a:solidFill>
+                      <a:prstDash val="solid"/>
+                      <a:round/>
+                      <a:headEnd type="none" w="med" len="med"/>
+                      <a:tailEnd type="none" w="med" len="med"/>
+                    </a:lnR>
+                    <a:lnT w="12700" cap="flat" cmpd="sng" algn="ctr">
+                      <a:solidFill>
+                        <a:srgbClr val="000000"/>
+                      </a:solidFill>
+                      <a:prstDash val="solid"/>
+                      <a:round/>
+                      <a:headEnd type="none" w="med" len="med"/>
+                      <a:tailEnd type="none" w="med" len="med"/>
+                    </a:lnT>
+                    <a:lnB w="12700" cap="flat" cmpd="sng" algn="ctr">
+                      <a:solidFill>
+                        <a:srgbClr val="000000"/>
+                      </a:solidFill>
+                      <a:prstDash val="solid"/>
+                      <a:round/>
+                      <a:headEnd type="none" w="med" len="med"/>
+                      <a:tailEnd type="none" w="med" len="med"/>
+                    </a:lnB>
+                  </a:tcPr>
+                </a:tc>
+                <a:tc>
+                  <a:txBody>
+                    <a:bodyPr/>
+                    <a:lstStyle/>
+                    <a:p>
+                      <a:pPr marL="0" marR="0">
+                        <a:lnSpc>
+                          <a:spcPct val="107000"/>
+                        </a:lnSpc>
+                        <a:spcBef>
+                          <a:spcPts val="0"/>
+                        </a:spcBef>
+                        <a:spcAft>
+                          <a:spcPts val="0"/>
+                        </a:spcAft>
+                      </a:pPr>
+                      <a:r>
+                        <a:rPr lang="en-US" sz="2100" dirty="0">
+                          <a:solidFill>
+                            <a:schemeClr val="accent5"/>
+                          </a:solidFill>
+                          <a:effectLst/>
+                          <a:latin typeface="Times New Roman" panose="02020603050405020304" pitchFamily="18" charset="0"/>
+                          <a:ea typeface="Calibri" panose="020F0502020204030204" pitchFamily="34" charset="0"/>
+                          <a:cs typeface="Times New Roman" panose="02020603050405020304" pitchFamily="18" charset="0"/>
+                        </a:rPr>
+                        <a:t>Use cases, personas, questionnaires, and user-interfaces</a:t>
+                      </a:r>
+                      <a:endParaRPr lang="en-US" sz="2100" b="1" dirty="0">
+                        <a:solidFill>
+                          <a:schemeClr val="accent5"/>
+                        </a:solidFill>
+                        <a:effectLst/>
+                        <a:latin typeface="Calibri" panose="020F0502020204030204" pitchFamily="34" charset="0"/>
+                        <a:ea typeface="Calibri" panose="020F0502020204030204" pitchFamily="34" charset="0"/>
+                        <a:cs typeface="Times New Roman" panose="02020603050405020304" pitchFamily="18" charset="0"/>
+                      </a:endParaRPr>
+                    </a:p>
+                  </a:txBody>
+                  <a:tcPr marT="0" marB="0">
+                    <a:lnL w="12700" cap="flat" cmpd="sng" algn="ctr">
+                      <a:solidFill>
+                        <a:srgbClr val="000000"/>
+                      </a:solidFill>
+                      <a:prstDash val="solid"/>
+                      <a:round/>
+                      <a:headEnd type="none" w="med" len="med"/>
+                      <a:tailEnd type="none" w="med" len="med"/>
+                    </a:lnL>
+                    <a:lnR w="12700" cap="flat" cmpd="sng" algn="ctr">
+                      <a:solidFill>
+                        <a:srgbClr val="000000"/>
+                      </a:solidFill>
+                      <a:prstDash val="solid"/>
+                      <a:round/>
+                      <a:headEnd type="none" w="med" len="med"/>
+                      <a:tailEnd type="none" w="med" len="med"/>
+                    </a:lnR>
+                    <a:lnT w="12700" cap="flat" cmpd="sng" algn="ctr">
+                      <a:solidFill>
+                        <a:srgbClr val="000000"/>
+                      </a:solidFill>
+                      <a:prstDash val="solid"/>
+                      <a:round/>
+                      <a:headEnd type="none" w="med" len="med"/>
+                      <a:tailEnd type="none" w="med" len="med"/>
+                    </a:lnT>
+                    <a:lnB w="12700" cap="flat" cmpd="sng" algn="ctr">
+                      <a:solidFill>
+                        <a:srgbClr val="000000"/>
+                      </a:solidFill>
+                      <a:prstDash val="solid"/>
+                      <a:round/>
+                      <a:headEnd type="none" w="med" len="med"/>
+                      <a:tailEnd type="none" w="med" len="med"/>
+                    </a:lnB>
+                  </a:tcPr>
+                </a:tc>
+                <a:extLst>
+                  <a:ext uri="{0D108BD9-81ED-4DB2-BD59-A6C34878D82A}">
+                    <a16:rowId xmlns:a16="http://schemas.microsoft.com/office/drawing/2014/main" val="14296974"/>
+                  </a:ext>
+                </a:extLst>
+              </a:tr>
+            </a:tbl>
+          </a:graphicData>
+        </a:graphic>
+      </p:graphicFrame>
+      <p:sp>
+        <p:nvSpPr>
+          <p:cNvPr id="2" name="Rectangle 1"/>
+          <p:cNvSpPr/>
           <p:nvPr/>
         </p:nvSpPr>
         <p:spPr>
-          <a:xfrm rot="16200000">
-            <a:off x="466025" y="4097198"/>
-            <a:ext cx="1114408" cy="369332"/>
+          <a:xfrm>
+            <a:off x="6588828" y="899377"/>
+            <a:ext cx="543740" cy="468077"/>
           </a:xfrm>
           <a:prstGeom prst="rect">
             <a:avLst/>
           </a:prstGeom>
         </p:spPr>
         <p:txBody>
-          <a:bodyPr wrap="none" rtlCol="0">
+          <a:bodyPr wrap="none">
             <a:spAutoFit/>
           </a:bodyPr>
           <a:lstStyle/>
           <a:p>
-            <a:r>
-              <a:rPr lang="en-US" dirty="0"/>
-              <a:t>T2 – Logic</a:t>
-            </a:r>
-            <a:endParaRPr lang="en-US" b="0" dirty="0"/>
+            <a:pPr algn="ctr" defTabSz="1219110" eaLnBrk="0" fontAlgn="base" hangingPunct="0">
+              <a:lnSpc>
+                <a:spcPct val="107000"/>
+              </a:lnSpc>
+              <a:spcBef>
+                <a:spcPct val="0"/>
+              </a:spcBef>
+              <a:spcAft>
+                <a:spcPct val="0"/>
+              </a:spcAft>
+            </a:pPr>
+            <a:r>
+              <a:rPr lang="en-US" sz="2400" b="1" dirty="0">
+                <a:ln w="6350">
+                  <a:solidFill>
+                    <a:srgbClr val="FFFFFF"/>
+                  </a:solidFill>
+                </a:ln>
+                <a:solidFill>
+                  <a:schemeClr val="tx2"/>
+                </a:solidFill>
+                <a:effectLst>
+                  <a:outerShdw blurRad="38100" dist="38100" dir="2700000" algn="tl">
+                    <a:srgbClr val="000000">
+                      <a:alpha val="43137"/>
+                    </a:srgbClr>
+                  </a:outerShdw>
+                </a:effectLst>
+                <a:latin typeface="Times New Roman" panose="02020603050405020304" pitchFamily="18" charset="0"/>
+                <a:ea typeface="Calibri" panose="020F0502020204030204" pitchFamily="34" charset="0"/>
+                <a:cs typeface="Times New Roman" panose="02020603050405020304" pitchFamily="18" charset="0"/>
+              </a:rPr>
+              <a:t>T1</a:t>
+            </a:r>
+            <a:endParaRPr lang="en-US" sz="2400" b="1" dirty="0">
+              <a:ln w="6350">
+                <a:solidFill>
+                  <a:srgbClr val="FFFFFF"/>
+                </a:solidFill>
+              </a:ln>
+              <a:solidFill>
+                <a:schemeClr val="tx2"/>
+              </a:solidFill>
+              <a:effectLst>
+                <a:outerShdw blurRad="38100" dist="38100" dir="2700000" algn="tl">
+                  <a:srgbClr val="000000">
+                    <a:alpha val="43137"/>
+                  </a:srgbClr>
+                </a:outerShdw>
+              </a:effectLst>
+              <a:latin typeface="Calibri" panose="020F0502020204030204" pitchFamily="34" charset="0"/>
+              <a:ea typeface="Calibri" panose="020F0502020204030204" pitchFamily="34" charset="0"/>
+              <a:cs typeface="Times New Roman" panose="02020603050405020304" pitchFamily="18" charset="0"/>
+            </a:endParaRPr>
           </a:p>
         </p:txBody>
       </p:sp>
       <p:sp>
         <p:nvSpPr>
-          <p:cNvPr id="12" name="TextBox 11">
-            <a:extLst>
-              <a:ext uri="{FF2B5EF4-FFF2-40B4-BE49-F238E27FC236}">
-                <a16:creationId xmlns:a16="http://schemas.microsoft.com/office/drawing/2014/main" id="{6B3B268D-1BA0-498C-86F6-A28C626F95C4}"/>
-              </a:ext>
-            </a:extLst>
-          </p:cNvPr>
-          <p:cNvSpPr txBox="1"/>
+          <p:cNvPr id="4" name="Rectangle 3"/>
+          <p:cNvSpPr/>
           <p:nvPr/>
         </p:nvSpPr>
         <p:spPr>
-          <a:xfrm rot="16200000">
-            <a:off x="415937" y="2655417"/>
-            <a:ext cx="1213858" cy="369332"/>
+          <a:xfrm>
+            <a:off x="7787992" y="916224"/>
+            <a:ext cx="543740" cy="468077"/>
           </a:xfrm>
           <a:prstGeom prst="rect">
             <a:avLst/>
           </a:prstGeom>
         </p:spPr>
         <p:txBody>
-          <a:bodyPr wrap="none" rtlCol="0">
+          <a:bodyPr wrap="none">
             <a:spAutoFit/>
           </a:bodyPr>
           <a:lstStyle/>
           <a:p>
-            <a:r>
-              <a:rPr lang="en-US" dirty="0"/>
-              <a:t>T3 – Forms</a:t>
-            </a:r>
-            <a:endParaRPr lang="en-US" b="0" dirty="0"/>
+            <a:pPr algn="ctr" defTabSz="1219110" eaLnBrk="0" fontAlgn="base" hangingPunct="0">
+              <a:lnSpc>
+                <a:spcPct val="107000"/>
+              </a:lnSpc>
+              <a:spcBef>
+                <a:spcPct val="0"/>
+              </a:spcBef>
+              <a:spcAft>
+                <a:spcPct val="0"/>
+              </a:spcAft>
+            </a:pPr>
+            <a:r>
+              <a:rPr lang="en-US" sz="2400" b="1" dirty="0">
+                <a:ln w="6350">
+                  <a:solidFill>
+                    <a:srgbClr val="FFFFFF"/>
+                  </a:solidFill>
+                </a:ln>
+                <a:solidFill>
+                  <a:schemeClr val="accent1"/>
+                </a:solidFill>
+                <a:effectLst>
+                  <a:outerShdw blurRad="38100" dist="38100" dir="2700000" algn="tl">
+                    <a:srgbClr val="000000">
+                      <a:alpha val="43137"/>
+                    </a:srgbClr>
+                  </a:outerShdw>
+                </a:effectLst>
+                <a:latin typeface="Times New Roman" panose="02020603050405020304" pitchFamily="18" charset="0"/>
+                <a:ea typeface="Calibri" panose="020F0502020204030204" pitchFamily="34" charset="0"/>
+                <a:cs typeface="Times New Roman" panose="02020603050405020304" pitchFamily="18" charset="0"/>
+              </a:rPr>
+              <a:t>T2</a:t>
+            </a:r>
+            <a:endParaRPr lang="en-US" sz="2400" b="1" dirty="0">
+              <a:ln w="6350">
+                <a:solidFill>
+                  <a:srgbClr val="FFFFFF"/>
+                </a:solidFill>
+              </a:ln>
+              <a:solidFill>
+                <a:schemeClr val="accent1"/>
+              </a:solidFill>
+              <a:effectLst>
+                <a:outerShdw blurRad="38100" dist="38100" dir="2700000" algn="tl">
+                  <a:srgbClr val="000000">
+                    <a:alpha val="43137"/>
+                  </a:srgbClr>
+                </a:outerShdw>
+              </a:effectLst>
+              <a:latin typeface="Calibri" panose="020F0502020204030204" pitchFamily="34" charset="0"/>
+              <a:ea typeface="Calibri" panose="020F0502020204030204" pitchFamily="34" charset="0"/>
+              <a:cs typeface="Times New Roman" panose="02020603050405020304" pitchFamily="18" charset="0"/>
+            </a:endParaRPr>
           </a:p>
         </p:txBody>
       </p:sp>
       <p:sp>
         <p:nvSpPr>
-          <p:cNvPr id="13" name="Rectangle: Rounded Corners 12">
-            <a:extLst>
-              <a:ext uri="{FF2B5EF4-FFF2-40B4-BE49-F238E27FC236}">
-                <a16:creationId xmlns:a16="http://schemas.microsoft.com/office/drawing/2014/main" id="{77BD3CC5-09FD-4544-9137-D38042D2D8D1}"/>
-              </a:ext>
-            </a:extLst>
-          </p:cNvPr>
+          <p:cNvPr id="13" name="Rectangle 12"/>
           <p:cNvSpPr/>
           <p:nvPr/>
         </p:nvSpPr>
         <p:spPr>
           <a:xfrm>
-            <a:off x="1368676" y="2374102"/>
-            <a:ext cx="2302042" cy="3813614"/>
-          </a:xfrm>
-          <a:prstGeom prst="roundRect">
-            <a:avLst>
-              <a:gd name="adj" fmla="val 4472"/>
-            </a:avLst>
-          </a:prstGeom>
-          <a:solidFill>
-            <a:srgbClr val="A72931">
-              <a:alpha val="80000"/>
-            </a:srgbClr>
-          </a:solidFill>
-        </p:spPr>
-        <p:style>
-          <a:lnRef idx="2">
-            <a:schemeClr val="accent1">
-              <a:shade val="50000"/>
-            </a:schemeClr>
-          </a:lnRef>
-          <a:fillRef idx="1">
-            <a:schemeClr val="accent1"/>
-          </a:fillRef>
-          <a:effectRef idx="0">
-            <a:schemeClr val="accent1"/>
-          </a:effectRef>
-          <a:fontRef idx="minor">
-            <a:schemeClr val="lt1"/>
-          </a:fontRef>
-        </p:style>
-        <p:txBody>
-          <a:bodyPr rtlCol="0" anchor="ctr"/>
-          <a:lstStyle/>
-          <a:p>
-            <a:pPr algn="ctr"/>
-            <a:endParaRPr lang="en-US" dirty="0"/>
-          </a:p>
-        </p:txBody>
-      </p:sp>
-      <p:sp>
-        <p:nvSpPr>
-          <p:cNvPr id="15" name="Rectangle: Rounded Corners 14">
-            <a:extLst>
-              <a:ext uri="{FF2B5EF4-FFF2-40B4-BE49-F238E27FC236}">
-                <a16:creationId xmlns:a16="http://schemas.microsoft.com/office/drawing/2014/main" id="{038D4680-8C71-4D99-97E4-E0E6982C55EE}"/>
-              </a:ext>
-            </a:extLst>
-          </p:cNvPr>
-          <p:cNvSpPr/>
-          <p:nvPr/>
-        </p:nvSpPr>
-        <p:spPr>
-          <a:xfrm>
-            <a:off x="3766970" y="2374102"/>
-            <a:ext cx="2302042" cy="3813614"/>
-          </a:xfrm>
-          <a:prstGeom prst="roundRect">
-            <a:avLst>
-              <a:gd name="adj" fmla="val 4472"/>
-            </a:avLst>
-          </a:prstGeom>
-          <a:solidFill>
-            <a:srgbClr val="C55A11">
-              <a:alpha val="80000"/>
-            </a:srgbClr>
-          </a:solidFill>
-        </p:spPr>
-        <p:style>
-          <a:lnRef idx="2">
-            <a:schemeClr val="accent1">
-              <a:shade val="50000"/>
-            </a:schemeClr>
-          </a:lnRef>
-          <a:fillRef idx="1">
-            <a:schemeClr val="accent1"/>
-          </a:fillRef>
-          <a:effectRef idx="0">
-            <a:schemeClr val="accent1"/>
-          </a:effectRef>
-          <a:fontRef idx="minor">
-            <a:schemeClr val="lt1"/>
-          </a:fontRef>
-        </p:style>
-        <p:txBody>
-          <a:bodyPr rtlCol="0" anchor="ctr"/>
-          <a:lstStyle/>
-          <a:p>
-            <a:pPr algn="ctr"/>
-            <a:endParaRPr lang="en-US" dirty="0"/>
-          </a:p>
-        </p:txBody>
-      </p:sp>
-      <p:sp>
-        <p:nvSpPr>
-          <p:cNvPr id="16" name="Rectangle: Rounded Corners 15">
-            <a:extLst>
-              <a:ext uri="{FF2B5EF4-FFF2-40B4-BE49-F238E27FC236}">
-                <a16:creationId xmlns:a16="http://schemas.microsoft.com/office/drawing/2014/main" id="{AD68036E-F5A0-4CAD-8469-572E8F9B44DF}"/>
-              </a:ext>
-            </a:extLst>
-          </p:cNvPr>
-          <p:cNvSpPr/>
-          <p:nvPr/>
-        </p:nvSpPr>
-        <p:spPr>
-          <a:xfrm>
-            <a:off x="6165264" y="2374102"/>
-            <a:ext cx="2302042" cy="3813614"/>
-          </a:xfrm>
-          <a:prstGeom prst="roundRect">
-            <a:avLst>
-              <a:gd name="adj" fmla="val 4472"/>
-            </a:avLst>
-          </a:prstGeom>
-          <a:solidFill>
-            <a:srgbClr val="00B050">
-              <a:alpha val="80000"/>
-            </a:srgbClr>
-          </a:solidFill>
-        </p:spPr>
-        <p:style>
-          <a:lnRef idx="2">
-            <a:schemeClr val="accent1">
-              <a:shade val="50000"/>
-            </a:schemeClr>
-          </a:lnRef>
-          <a:fillRef idx="1">
-            <a:schemeClr val="accent1"/>
-          </a:fillRef>
-          <a:effectRef idx="0">
-            <a:schemeClr val="accent1"/>
-          </a:effectRef>
-          <a:fontRef idx="minor">
-            <a:schemeClr val="lt1"/>
-          </a:fontRef>
-        </p:style>
-        <p:txBody>
-          <a:bodyPr rtlCol="0" anchor="ctr"/>
-          <a:lstStyle/>
-          <a:p>
-            <a:pPr algn="ctr"/>
-            <a:endParaRPr lang="en-US"/>
-          </a:p>
-        </p:txBody>
-      </p:sp>
-      <p:sp>
-        <p:nvSpPr>
-          <p:cNvPr id="17" name="Rectangle: Rounded Corners 16">
-            <a:extLst>
-              <a:ext uri="{FF2B5EF4-FFF2-40B4-BE49-F238E27FC236}">
-                <a16:creationId xmlns:a16="http://schemas.microsoft.com/office/drawing/2014/main" id="{081A1799-89D5-4BC8-8AC5-BBE4FB959ED9}"/>
-              </a:ext>
-            </a:extLst>
-          </p:cNvPr>
-          <p:cNvSpPr/>
-          <p:nvPr/>
-        </p:nvSpPr>
-        <p:spPr>
-          <a:xfrm>
-            <a:off x="8563558" y="2374102"/>
-            <a:ext cx="2302042" cy="3813614"/>
-          </a:xfrm>
-          <a:prstGeom prst="roundRect">
-            <a:avLst>
-              <a:gd name="adj" fmla="val 4472"/>
-            </a:avLst>
-          </a:prstGeom>
-          <a:solidFill>
-            <a:srgbClr val="0070C0">
-              <a:alpha val="80000"/>
-            </a:srgbClr>
-          </a:solidFill>
-        </p:spPr>
-        <p:style>
-          <a:lnRef idx="2">
-            <a:schemeClr val="accent1">
-              <a:shade val="50000"/>
-            </a:schemeClr>
-          </a:lnRef>
-          <a:fillRef idx="1">
-            <a:schemeClr val="accent1"/>
-          </a:fillRef>
-          <a:effectRef idx="0">
-            <a:schemeClr val="accent1"/>
-          </a:effectRef>
-          <a:fontRef idx="minor">
-            <a:schemeClr val="lt1"/>
-          </a:fontRef>
-        </p:style>
-        <p:txBody>
-          <a:bodyPr rtlCol="0" anchor="ctr"/>
-          <a:lstStyle/>
-          <a:p>
-            <a:pPr algn="ctr"/>
-            <a:endParaRPr lang="en-US"/>
-          </a:p>
-        </p:txBody>
-      </p:sp>
-      <p:sp>
-        <p:nvSpPr>
-          <p:cNvPr id="18" name="TextBox 17">
-            <a:extLst>
-              <a:ext uri="{FF2B5EF4-FFF2-40B4-BE49-F238E27FC236}">
-                <a16:creationId xmlns:a16="http://schemas.microsoft.com/office/drawing/2014/main" id="{23DD6448-858B-434D-B1AF-53BAF15326C9}"/>
-              </a:ext>
-            </a:extLst>
-          </p:cNvPr>
-          <p:cNvSpPr txBox="1"/>
-          <p:nvPr/>
-        </p:nvSpPr>
-        <p:spPr>
-          <a:xfrm>
-            <a:off x="1773883" y="1919127"/>
-            <a:ext cx="1491627" cy="369332"/>
+            <a:off x="9083135" y="916224"/>
+            <a:ext cx="543740" cy="468077"/>
           </a:xfrm>
           <a:prstGeom prst="rect">
             <a:avLst/>
           </a:prstGeom>
         </p:spPr>
         <p:txBody>
-          <a:bodyPr wrap="none" rtlCol="0">
+          <a:bodyPr wrap="none">
             <a:spAutoFit/>
           </a:bodyPr>
           <a:lstStyle/>
           <a:p>
-            <a:r>
-              <a:rPr lang="en-US" dirty="0">
+            <a:pPr algn="ctr" defTabSz="1219110" eaLnBrk="0" fontAlgn="base" hangingPunct="0">
+              <a:lnSpc>
+                <a:spcPct val="107000"/>
+              </a:lnSpc>
+              <a:spcBef>
+                <a:spcPct val="0"/>
+              </a:spcBef>
+              <a:spcAft>
+                <a:spcPct val="0"/>
+              </a:spcAft>
+            </a:pPr>
+            <a:r>
+              <a:rPr lang="en-US" sz="2400" b="1" dirty="0">
+                <a:ln w="6350">
+                  <a:solidFill>
+                    <a:srgbClr val="FFFFFF"/>
+                  </a:solidFill>
+                </a:ln>
                 <a:solidFill>
-                  <a:srgbClr val="A72931"/>
+                  <a:schemeClr val="accent5"/>
                 </a:solidFill>
+                <a:effectLst>
+                  <a:outerShdw blurRad="38100" dist="38100" dir="2700000" algn="tl">
+                    <a:srgbClr val="000000">
+                      <a:alpha val="43137"/>
+                    </a:srgbClr>
+                  </a:outerShdw>
+                </a:effectLst>
+                <a:latin typeface="Times New Roman" panose="02020603050405020304" pitchFamily="18" charset="0"/>
+                <a:ea typeface="Calibri" panose="020F0502020204030204" pitchFamily="34" charset="0"/>
+                <a:cs typeface="Times New Roman" panose="02020603050405020304" pitchFamily="18" charset="0"/>
               </a:rPr>
-              <a:t>L1 – </a:t>
-            </a:r>
-            <a:r>
-              <a:rPr lang="en-US" b="0" dirty="0">
+              <a:t>T3</a:t>
+            </a:r>
+            <a:endParaRPr lang="en-US" sz="2400" b="1" dirty="0">
+              <a:ln w="6350">
                 <a:solidFill>
-                  <a:srgbClr val="A72931"/>
+                  <a:srgbClr val="FFFFFF"/>
                 </a:solidFill>
-              </a:rPr>
-              <a:t>Narrative</a:t>
-            </a:r>
+              </a:ln>
+              <a:solidFill>
+                <a:schemeClr val="accent5"/>
+              </a:solidFill>
+              <a:effectLst>
+                <a:outerShdw blurRad="38100" dist="38100" dir="2700000" algn="tl">
+                  <a:srgbClr val="000000">
+                    <a:alpha val="43137"/>
+                  </a:srgbClr>
+                </a:outerShdw>
+              </a:effectLst>
+              <a:latin typeface="Calibri" panose="020F0502020204030204" pitchFamily="34" charset="0"/>
+              <a:ea typeface="Calibri" panose="020F0502020204030204" pitchFamily="34" charset="0"/>
+              <a:cs typeface="Times New Roman" panose="02020603050405020304" pitchFamily="18" charset="0"/>
+            </a:endParaRPr>
           </a:p>
         </p:txBody>
       </p:sp>
-      <p:sp>
-        <p:nvSpPr>
-          <p:cNvPr id="19" name="TextBox 18">
+      <p:pic>
+        <p:nvPicPr>
+          <p:cNvPr id="10" name="Picture 9">
             <a:extLst>
               <a:ext uri="{FF2B5EF4-FFF2-40B4-BE49-F238E27FC236}">
-                <a16:creationId xmlns:a16="http://schemas.microsoft.com/office/drawing/2014/main" id="{5636F523-0825-47C2-8A8B-479583244062}"/>
-              </a:ext>
-            </a:extLst>
-          </p:cNvPr>
-          <p:cNvSpPr txBox="1"/>
-          <p:nvPr/>
-        </p:nvSpPr>
-        <p:spPr>
-          <a:xfrm>
-            <a:off x="3845325" y="1919967"/>
-            <a:ext cx="2145331" cy="369332"/>
-          </a:xfrm>
-          <a:prstGeom prst="rect">
-            <a:avLst/>
-          </a:prstGeom>
-        </p:spPr>
-        <p:txBody>
-          <a:bodyPr wrap="none" rtlCol="0">
-            <a:spAutoFit/>
-          </a:bodyPr>
-          <a:lstStyle/>
-          <a:p>
-            <a:r>
-              <a:rPr lang="en-US" b="0" dirty="0">
-                <a:solidFill>
-                  <a:schemeClr val="accent2">
-                    <a:lumMod val="75000"/>
-                  </a:schemeClr>
-                </a:solidFill>
-              </a:rPr>
-              <a:t>L2 – Semi-Structured</a:t>
-            </a:r>
-          </a:p>
-        </p:txBody>
-      </p:sp>
-      <p:sp>
-        <p:nvSpPr>
-          <p:cNvPr id="20" name="TextBox 19">
-            <a:extLst>
-              <a:ext uri="{FF2B5EF4-FFF2-40B4-BE49-F238E27FC236}">
-                <a16:creationId xmlns:a16="http://schemas.microsoft.com/office/drawing/2014/main" id="{D09F1CF1-B390-4D93-BD51-5201428454D9}"/>
-              </a:ext>
-            </a:extLst>
-          </p:cNvPr>
-          <p:cNvSpPr txBox="1"/>
-          <p:nvPr/>
-        </p:nvSpPr>
-        <p:spPr>
-          <a:xfrm>
-            <a:off x="6508115" y="1928836"/>
-            <a:ext cx="1616340" cy="369332"/>
-          </a:xfrm>
-          <a:prstGeom prst="rect">
-            <a:avLst/>
-          </a:prstGeom>
-        </p:spPr>
-        <p:txBody>
-          <a:bodyPr wrap="none" rtlCol="0">
-            <a:spAutoFit/>
-          </a:bodyPr>
-          <a:lstStyle/>
-          <a:p>
-            <a:r>
-              <a:rPr lang="en-US" dirty="0">
-                <a:solidFill>
-                  <a:srgbClr val="00B050"/>
-                </a:solidFill>
-              </a:rPr>
-              <a:t>L3 – </a:t>
-            </a:r>
-            <a:r>
-              <a:rPr lang="en-US" b="0" dirty="0">
-                <a:solidFill>
-                  <a:srgbClr val="00B050"/>
-                </a:solidFill>
-              </a:rPr>
-              <a:t>Structured</a:t>
-            </a:r>
-          </a:p>
-        </p:txBody>
-      </p:sp>
-      <p:sp>
-        <p:nvSpPr>
-          <p:cNvPr id="21" name="TextBox 20">
-            <a:extLst>
-              <a:ext uri="{FF2B5EF4-FFF2-40B4-BE49-F238E27FC236}">
-                <a16:creationId xmlns:a16="http://schemas.microsoft.com/office/drawing/2014/main" id="{C53728CB-4022-4473-A622-92E26ED32FD3}"/>
-              </a:ext>
-            </a:extLst>
-          </p:cNvPr>
-          <p:cNvSpPr txBox="1"/>
-          <p:nvPr/>
-        </p:nvSpPr>
-        <p:spPr>
-          <a:xfrm>
-            <a:off x="8896534" y="1913595"/>
-            <a:ext cx="1636089" cy="369332"/>
-          </a:xfrm>
-          <a:prstGeom prst="rect">
-            <a:avLst/>
-          </a:prstGeom>
-        </p:spPr>
-        <p:txBody>
-          <a:bodyPr wrap="none" rtlCol="0">
-            <a:spAutoFit/>
-          </a:bodyPr>
-          <a:lstStyle/>
-          <a:p>
-            <a:r>
-              <a:rPr lang="en-US" dirty="0">
-                <a:solidFill>
-                  <a:srgbClr val="0070C0"/>
-                </a:solidFill>
-              </a:rPr>
-              <a:t>L4 – </a:t>
-            </a:r>
-            <a:r>
-              <a:rPr lang="en-US" b="0" dirty="0">
-                <a:solidFill>
-                  <a:srgbClr val="0070C0"/>
-                </a:solidFill>
-              </a:rPr>
-              <a:t>Executable</a:t>
-            </a:r>
-          </a:p>
-        </p:txBody>
-      </p:sp>
-      <p:pic>
-        <p:nvPicPr>
-          <p:cNvPr id="27" name="Picture 26" descr="A black sign with white text&#10;&#10;Description automatically generated">
-            <a:extLst>
-              <a:ext uri="{FF2B5EF4-FFF2-40B4-BE49-F238E27FC236}">
-                <a16:creationId xmlns:a16="http://schemas.microsoft.com/office/drawing/2014/main" id="{D69F59B7-5967-4E41-AED1-1A16456DEB25}"/>
+                <a16:creationId xmlns:a16="http://schemas.microsoft.com/office/drawing/2014/main" id="{86742BAE-59ED-43A1-8B01-14FC0F51A697}"/>
               </a:ext>
             </a:extLst>
           </p:cNvPr>
@@ -7616,8 +8535,8 @@
         </p:blipFill>
         <p:spPr>
           <a:xfrm>
-            <a:off x="273356" y="2485035"/>
-            <a:ext cx="539416" cy="675259"/>
+            <a:off x="7160719" y="826642"/>
+            <a:ext cx="590996" cy="590996"/>
           </a:xfrm>
           <a:prstGeom prst="rect">
             <a:avLst/>
@@ -7626,10 +8545,10 @@
       </p:pic>
       <p:pic>
         <p:nvPicPr>
-          <p:cNvPr id="1024" name="Picture 1023">
+          <p:cNvPr id="12" name="Picture 11" descr="A circuit board&#10;&#10;Description automatically generated">
             <a:extLst>
               <a:ext uri="{FF2B5EF4-FFF2-40B4-BE49-F238E27FC236}">
-                <a16:creationId xmlns:a16="http://schemas.microsoft.com/office/drawing/2014/main" id="{D577DEBF-E3CC-4C38-B5D1-E526D5FF50AB}"/>
+                <a16:creationId xmlns:a16="http://schemas.microsoft.com/office/drawing/2014/main" id="{792DBD9B-CF91-48FA-8C61-3CA63E3E10A7}"/>
               </a:ext>
             </a:extLst>
           </p:cNvPr>
@@ -7646,8 +8565,8 @@
         </p:blipFill>
         <p:spPr>
           <a:xfrm>
-            <a:off x="221776" y="5304735"/>
-            <a:ext cx="590996" cy="590996"/>
+            <a:off x="8411936" y="854764"/>
+            <a:ext cx="590995" cy="590995"/>
           </a:xfrm>
           <a:prstGeom prst="rect">
             <a:avLst/>
@@ -7656,10 +8575,10 @@
       </p:pic>
       <p:pic>
         <p:nvPicPr>
-          <p:cNvPr id="1037" name="Picture 1036" descr="A circuit board&#10;&#10;Description automatically generated">
+          <p:cNvPr id="15" name="Picture 14" descr="A black sign with white text&#10;&#10;Description automatically generated">
             <a:extLst>
               <a:ext uri="{FF2B5EF4-FFF2-40B4-BE49-F238E27FC236}">
-                <a16:creationId xmlns:a16="http://schemas.microsoft.com/office/drawing/2014/main" id="{12C82FC5-6784-403E-B600-B476893B63F3}"/>
+                <a16:creationId xmlns:a16="http://schemas.microsoft.com/office/drawing/2014/main" id="{67D8FC8F-1F90-427B-8E99-86F375676419}"/>
               </a:ext>
             </a:extLst>
           </p:cNvPr>
@@ -7676,530 +8595,18 @@
         </p:blipFill>
         <p:spPr>
           <a:xfrm>
-            <a:off x="221777" y="3901122"/>
-            <a:ext cx="590995" cy="590995"/>
+            <a:off x="9707079" y="800144"/>
+            <a:ext cx="539416" cy="675259"/>
           </a:xfrm>
           <a:prstGeom prst="rect">
             <a:avLst/>
           </a:prstGeom>
         </p:spPr>
       </p:pic>
-      <p:sp>
-        <p:nvSpPr>
-          <p:cNvPr id="1039" name="TextBox 1038">
-            <a:extLst>
-              <a:ext uri="{FF2B5EF4-FFF2-40B4-BE49-F238E27FC236}">
-                <a16:creationId xmlns:a16="http://schemas.microsoft.com/office/drawing/2014/main" id="{0DC3208C-9DE0-47D2-AD7F-A1EA999BEC34}"/>
-              </a:ext>
-            </a:extLst>
-          </p:cNvPr>
-          <p:cNvSpPr txBox="1"/>
-          <p:nvPr/>
-        </p:nvSpPr>
-        <p:spPr>
-          <a:xfrm>
-            <a:off x="1507958" y="2755126"/>
-            <a:ext cx="1933074" cy="307777"/>
-          </a:xfrm>
-          <a:prstGeom prst="rect">
-            <a:avLst/>
-          </a:prstGeom>
-        </p:spPr>
-        <p:txBody>
-          <a:bodyPr wrap="square" rtlCol="0">
-            <a:spAutoFit/>
-          </a:bodyPr>
-          <a:lstStyle/>
-          <a:p>
-            <a:r>
-              <a:rPr lang="en-US" sz="1400" b="0" dirty="0"/>
-              <a:t>Narrative questions</a:t>
-            </a:r>
-          </a:p>
-        </p:txBody>
-      </p:sp>
-      <p:sp>
-        <p:nvSpPr>
-          <p:cNvPr id="48" name="TextBox 47">
-            <a:extLst>
-              <a:ext uri="{FF2B5EF4-FFF2-40B4-BE49-F238E27FC236}">
-                <a16:creationId xmlns:a16="http://schemas.microsoft.com/office/drawing/2014/main" id="{DDAE64A5-04AD-4585-8982-C63FC3879B0C}"/>
-              </a:ext>
-            </a:extLst>
-          </p:cNvPr>
-          <p:cNvSpPr txBox="1"/>
-          <p:nvPr/>
-        </p:nvSpPr>
-        <p:spPr>
-          <a:xfrm>
-            <a:off x="1507958" y="4042730"/>
-            <a:ext cx="1933074" cy="307777"/>
-          </a:xfrm>
-          <a:prstGeom prst="rect">
-            <a:avLst/>
-          </a:prstGeom>
-        </p:spPr>
-        <p:txBody>
-          <a:bodyPr wrap="square" rtlCol="0">
-            <a:spAutoFit/>
-          </a:bodyPr>
-          <a:lstStyle/>
-          <a:p>
-            <a:r>
-              <a:rPr lang="en-US" sz="1400" dirty="0"/>
-              <a:t>Guideline narrative</a:t>
-            </a:r>
-            <a:endParaRPr lang="en-US" sz="1400" b="0" dirty="0"/>
-          </a:p>
-        </p:txBody>
-      </p:sp>
-      <p:sp>
-        <p:nvSpPr>
-          <p:cNvPr id="49" name="TextBox 48">
-            <a:extLst>
-              <a:ext uri="{FF2B5EF4-FFF2-40B4-BE49-F238E27FC236}">
-                <a16:creationId xmlns:a16="http://schemas.microsoft.com/office/drawing/2014/main" id="{6A2FDFAF-3EF4-4684-BD5E-F848F994EE36}"/>
-              </a:ext>
-            </a:extLst>
-          </p:cNvPr>
-          <p:cNvSpPr txBox="1"/>
-          <p:nvPr/>
-        </p:nvSpPr>
-        <p:spPr>
-          <a:xfrm>
-            <a:off x="1507958" y="5338623"/>
-            <a:ext cx="1933074" cy="523220"/>
-          </a:xfrm>
-          <a:prstGeom prst="rect">
-            <a:avLst/>
-          </a:prstGeom>
-        </p:spPr>
-        <p:txBody>
-          <a:bodyPr wrap="square" rtlCol="0">
-            <a:spAutoFit/>
-          </a:bodyPr>
-          <a:lstStyle/>
-          <a:p>
-            <a:r>
-              <a:rPr lang="en-US" sz="1400" dirty="0"/>
-              <a:t>Glossaries</a:t>
-            </a:r>
-          </a:p>
-          <a:p>
-            <a:r>
-              <a:rPr lang="en-US" sz="1400" b="0" dirty="0"/>
-              <a:t>Indicator</a:t>
-            </a:r>
-            <a:r>
-              <a:rPr lang="en-US" sz="1400" dirty="0"/>
-              <a:t> descriptions</a:t>
-            </a:r>
-            <a:endParaRPr lang="en-US" sz="1400" b="0" dirty="0"/>
-          </a:p>
-        </p:txBody>
-      </p:sp>
-      <p:sp>
-        <p:nvSpPr>
-          <p:cNvPr id="50" name="TextBox 49">
-            <a:extLst>
-              <a:ext uri="{FF2B5EF4-FFF2-40B4-BE49-F238E27FC236}">
-                <a16:creationId xmlns:a16="http://schemas.microsoft.com/office/drawing/2014/main" id="{306C5D6E-5DE6-4995-845F-0A4DB522824E}"/>
-              </a:ext>
-            </a:extLst>
-          </p:cNvPr>
-          <p:cNvSpPr txBox="1"/>
-          <p:nvPr/>
-        </p:nvSpPr>
-        <p:spPr>
-          <a:xfrm>
-            <a:off x="3951453" y="2620559"/>
-            <a:ext cx="1933074" cy="738664"/>
-          </a:xfrm>
-          <a:prstGeom prst="rect">
-            <a:avLst/>
-          </a:prstGeom>
-        </p:spPr>
-        <p:txBody>
-          <a:bodyPr wrap="square" rtlCol="0">
-            <a:spAutoFit/>
-          </a:bodyPr>
-          <a:lstStyle/>
-          <a:p>
-            <a:r>
-              <a:rPr lang="en-US" sz="1400" b="0" dirty="0"/>
-              <a:t>Paper forms</a:t>
-            </a:r>
-          </a:p>
-          <a:p>
-            <a:r>
-              <a:rPr lang="en-US" sz="1400" dirty="0"/>
-              <a:t>Use Cases</a:t>
-            </a:r>
-          </a:p>
-          <a:p>
-            <a:r>
-              <a:rPr lang="en-US" sz="1400" b="0" dirty="0"/>
-              <a:t>Personas</a:t>
-            </a:r>
-          </a:p>
-        </p:txBody>
-      </p:sp>
-      <p:sp>
-        <p:nvSpPr>
-          <p:cNvPr id="51" name="TextBox 50">
-            <a:extLst>
-              <a:ext uri="{FF2B5EF4-FFF2-40B4-BE49-F238E27FC236}">
-                <a16:creationId xmlns:a16="http://schemas.microsoft.com/office/drawing/2014/main" id="{9476C5CE-59F2-46F3-BDC1-A2D009B52043}"/>
-              </a:ext>
-            </a:extLst>
-          </p:cNvPr>
-          <p:cNvSpPr txBox="1"/>
-          <p:nvPr/>
-        </p:nvSpPr>
-        <p:spPr>
-          <a:xfrm>
-            <a:off x="6349748" y="2755126"/>
-            <a:ext cx="1933074" cy="307777"/>
-          </a:xfrm>
-          <a:prstGeom prst="rect">
-            <a:avLst/>
-          </a:prstGeom>
-        </p:spPr>
-        <p:txBody>
-          <a:bodyPr wrap="square" rtlCol="0">
-            <a:spAutoFit/>
-          </a:bodyPr>
-          <a:lstStyle/>
-          <a:p>
-            <a:r>
-              <a:rPr lang="en-US" sz="1400" b="0" dirty="0"/>
-              <a:t>Questionnaire (SDC)</a:t>
-            </a:r>
-          </a:p>
-        </p:txBody>
-      </p:sp>
-      <p:sp>
-        <p:nvSpPr>
-          <p:cNvPr id="52" name="TextBox 51">
-            <a:extLst>
-              <a:ext uri="{FF2B5EF4-FFF2-40B4-BE49-F238E27FC236}">
-                <a16:creationId xmlns:a16="http://schemas.microsoft.com/office/drawing/2014/main" id="{E8998884-432F-4A55-AA60-FC5EF1710B3D}"/>
-              </a:ext>
-            </a:extLst>
-          </p:cNvPr>
-          <p:cNvSpPr txBox="1"/>
-          <p:nvPr/>
-        </p:nvSpPr>
-        <p:spPr>
-          <a:xfrm>
-            <a:off x="8748041" y="2755126"/>
-            <a:ext cx="1933074" cy="307777"/>
-          </a:xfrm>
-          <a:prstGeom prst="rect">
-            <a:avLst/>
-          </a:prstGeom>
-        </p:spPr>
-        <p:txBody>
-          <a:bodyPr wrap="square" rtlCol="0">
-            <a:spAutoFit/>
-          </a:bodyPr>
-          <a:lstStyle/>
-          <a:p>
-            <a:r>
-              <a:rPr lang="en-US" sz="1400" dirty="0"/>
-              <a:t>User-interface Forms</a:t>
-            </a:r>
-            <a:endParaRPr lang="en-US" sz="1400" b="0" dirty="0"/>
-          </a:p>
-        </p:txBody>
-      </p:sp>
-      <p:sp>
-        <p:nvSpPr>
-          <p:cNvPr id="53" name="TextBox 52">
-            <a:extLst>
-              <a:ext uri="{FF2B5EF4-FFF2-40B4-BE49-F238E27FC236}">
-                <a16:creationId xmlns:a16="http://schemas.microsoft.com/office/drawing/2014/main" id="{5D1001D2-96A6-4483-9741-59779A75D925}"/>
-              </a:ext>
-            </a:extLst>
-          </p:cNvPr>
-          <p:cNvSpPr txBox="1"/>
-          <p:nvPr/>
-        </p:nvSpPr>
-        <p:spPr>
-          <a:xfrm>
-            <a:off x="3951453" y="3798451"/>
-            <a:ext cx="1933074" cy="738664"/>
-          </a:xfrm>
-          <a:prstGeom prst="rect">
-            <a:avLst/>
-          </a:prstGeom>
-        </p:spPr>
-        <p:txBody>
-          <a:bodyPr wrap="square" rtlCol="0">
-            <a:spAutoFit/>
-          </a:bodyPr>
-          <a:lstStyle/>
-          <a:p>
-            <a:r>
-              <a:rPr lang="en-US" sz="1400" b="0" dirty="0"/>
-              <a:t>Workflows</a:t>
-            </a:r>
-          </a:p>
-          <a:p>
-            <a:r>
-              <a:rPr lang="en-US" sz="1400" dirty="0"/>
-              <a:t>Decision Trees</a:t>
-            </a:r>
-          </a:p>
-          <a:p>
-            <a:r>
-              <a:rPr lang="en-US" sz="1400" b="0" dirty="0"/>
-              <a:t>Triggers</a:t>
-            </a:r>
-          </a:p>
-        </p:txBody>
-      </p:sp>
-      <p:sp>
-        <p:nvSpPr>
-          <p:cNvPr id="54" name="TextBox 53">
-            <a:extLst>
-              <a:ext uri="{FF2B5EF4-FFF2-40B4-BE49-F238E27FC236}">
-                <a16:creationId xmlns:a16="http://schemas.microsoft.com/office/drawing/2014/main" id="{AE563D0A-7D50-4DCE-A50F-357C2328E7E5}"/>
-              </a:ext>
-            </a:extLst>
-          </p:cNvPr>
-          <p:cNvSpPr txBox="1"/>
-          <p:nvPr/>
-        </p:nvSpPr>
-        <p:spPr>
-          <a:xfrm>
-            <a:off x="3951453" y="5230901"/>
-            <a:ext cx="1933074" cy="738664"/>
-          </a:xfrm>
-          <a:prstGeom prst="rect">
-            <a:avLst/>
-          </a:prstGeom>
-        </p:spPr>
-        <p:txBody>
-          <a:bodyPr wrap="square" rtlCol="0">
-            <a:spAutoFit/>
-          </a:bodyPr>
-          <a:lstStyle/>
-          <a:p>
-            <a:r>
-              <a:rPr lang="en-US" sz="1400" b="0" dirty="0"/>
-              <a:t>Terminologies</a:t>
-            </a:r>
-          </a:p>
-          <a:p>
-            <a:r>
-              <a:rPr lang="en-US" sz="1400" dirty="0"/>
-              <a:t>Data Dictionary</a:t>
-            </a:r>
-          </a:p>
-          <a:p>
-            <a:r>
-              <a:rPr lang="en-US" sz="1400" dirty="0"/>
-              <a:t>Indicators</a:t>
-            </a:r>
-          </a:p>
-        </p:txBody>
-      </p:sp>
-      <p:sp>
-        <p:nvSpPr>
-          <p:cNvPr id="55" name="TextBox 54">
-            <a:extLst>
-              <a:ext uri="{FF2B5EF4-FFF2-40B4-BE49-F238E27FC236}">
-                <a16:creationId xmlns:a16="http://schemas.microsoft.com/office/drawing/2014/main" id="{4FE9EC94-A3A9-4C68-A926-AA73FD2622E7}"/>
-              </a:ext>
-            </a:extLst>
-          </p:cNvPr>
-          <p:cNvSpPr txBox="1"/>
-          <p:nvPr/>
-        </p:nvSpPr>
-        <p:spPr>
-          <a:xfrm>
-            <a:off x="6349748" y="3850518"/>
-            <a:ext cx="1933074" cy="738664"/>
-          </a:xfrm>
-          <a:prstGeom prst="rect">
-            <a:avLst/>
-          </a:prstGeom>
-        </p:spPr>
-        <p:txBody>
-          <a:bodyPr wrap="square" rtlCol="0">
-            <a:spAutoFit/>
-          </a:bodyPr>
-          <a:lstStyle/>
-          <a:p>
-            <a:r>
-              <a:rPr lang="en-US" sz="1400" b="0" dirty="0"/>
-              <a:t>Library (CQL)</a:t>
-            </a:r>
-          </a:p>
-          <a:p>
-            <a:r>
-              <a:rPr lang="en-US" sz="1400" dirty="0"/>
-              <a:t>ActivityDefinition</a:t>
-            </a:r>
-          </a:p>
-          <a:p>
-            <a:r>
-              <a:rPr lang="en-US" sz="1400" b="0" dirty="0"/>
-              <a:t>PlanDefinition</a:t>
-            </a:r>
-          </a:p>
-        </p:txBody>
-      </p:sp>
-      <p:sp>
-        <p:nvSpPr>
-          <p:cNvPr id="56" name="TextBox 55">
-            <a:extLst>
-              <a:ext uri="{FF2B5EF4-FFF2-40B4-BE49-F238E27FC236}">
-                <a16:creationId xmlns:a16="http://schemas.microsoft.com/office/drawing/2014/main" id="{7EA290DC-F222-4457-BCDF-B9C1C03257E4}"/>
-              </a:ext>
-            </a:extLst>
-          </p:cNvPr>
-          <p:cNvSpPr txBox="1"/>
-          <p:nvPr/>
-        </p:nvSpPr>
-        <p:spPr>
-          <a:xfrm>
-            <a:off x="6349748" y="5116658"/>
-            <a:ext cx="2050463" cy="954107"/>
-          </a:xfrm>
-          <a:prstGeom prst="rect">
-            <a:avLst/>
-          </a:prstGeom>
-        </p:spPr>
-        <p:txBody>
-          <a:bodyPr wrap="square" rtlCol="0">
-            <a:spAutoFit/>
-          </a:bodyPr>
-          <a:lstStyle/>
-          <a:p>
-            <a:r>
-              <a:rPr lang="en-US" sz="1400" b="0" dirty="0"/>
-              <a:t>CodeSystem</a:t>
-            </a:r>
-          </a:p>
-          <a:p>
-            <a:r>
-              <a:rPr lang="en-US" sz="1400" dirty="0"/>
-              <a:t>ValueSet</a:t>
-            </a:r>
-          </a:p>
-          <a:p>
-            <a:r>
-              <a:rPr lang="en-US" sz="1400" b="0" dirty="0"/>
-              <a:t>StructureDefinition</a:t>
-            </a:r>
-            <a:endParaRPr lang="en-US" sz="1400" dirty="0"/>
-          </a:p>
-          <a:p>
-            <a:r>
-              <a:rPr lang="en-US" sz="1400" b="0" dirty="0"/>
-              <a:t>Measure</a:t>
-            </a:r>
-          </a:p>
-        </p:txBody>
-      </p:sp>
-      <p:sp>
-        <p:nvSpPr>
-          <p:cNvPr id="57" name="TextBox 56">
-            <a:extLst>
-              <a:ext uri="{FF2B5EF4-FFF2-40B4-BE49-F238E27FC236}">
-                <a16:creationId xmlns:a16="http://schemas.microsoft.com/office/drawing/2014/main" id="{2D9854AD-C545-4EAE-89C1-A43E693DD00A}"/>
-              </a:ext>
-            </a:extLst>
-          </p:cNvPr>
-          <p:cNvSpPr txBox="1"/>
-          <p:nvPr/>
-        </p:nvSpPr>
-        <p:spPr>
-          <a:xfrm>
-            <a:off x="8748041" y="3827286"/>
-            <a:ext cx="1933074" cy="738664"/>
-          </a:xfrm>
-          <a:prstGeom prst="rect">
-            <a:avLst/>
-          </a:prstGeom>
-        </p:spPr>
-        <p:txBody>
-          <a:bodyPr wrap="square" rtlCol="0">
-            <a:spAutoFit/>
-          </a:bodyPr>
-          <a:lstStyle/>
-          <a:p>
-            <a:r>
-              <a:rPr lang="en-US" sz="1400" b="0" dirty="0"/>
-              <a:t>Application Services</a:t>
-            </a:r>
-          </a:p>
-          <a:p>
-            <a:r>
-              <a:rPr lang="en-US" sz="1400" dirty="0"/>
-              <a:t>Health Record Systems</a:t>
-            </a:r>
-          </a:p>
-          <a:p>
-            <a:r>
-              <a:rPr lang="en-US" sz="1400" b="0" dirty="0"/>
-              <a:t>Decision Services</a:t>
-            </a:r>
-          </a:p>
-        </p:txBody>
-      </p:sp>
-      <p:sp>
-        <p:nvSpPr>
-          <p:cNvPr id="58" name="TextBox 57">
-            <a:extLst>
-              <a:ext uri="{FF2B5EF4-FFF2-40B4-BE49-F238E27FC236}">
-                <a16:creationId xmlns:a16="http://schemas.microsoft.com/office/drawing/2014/main" id="{2B5A81BB-EDBE-41CC-9EBA-617B62618793}"/>
-              </a:ext>
-            </a:extLst>
-          </p:cNvPr>
-          <p:cNvSpPr txBox="1"/>
-          <p:nvPr/>
-        </p:nvSpPr>
-        <p:spPr>
-          <a:xfrm>
-            <a:off x="8748041" y="5224379"/>
-            <a:ext cx="2050463" cy="738664"/>
-          </a:xfrm>
-          <a:prstGeom prst="rect">
-            <a:avLst/>
-          </a:prstGeom>
-        </p:spPr>
-        <p:txBody>
-          <a:bodyPr wrap="square" rtlCol="0">
-            <a:spAutoFit/>
-          </a:bodyPr>
-          <a:lstStyle/>
-          <a:p>
-            <a:r>
-              <a:rPr lang="en-US" sz="1400" b="0" dirty="0"/>
-              <a:t>Systems of Record</a:t>
-            </a:r>
-          </a:p>
-          <a:p>
-            <a:r>
-              <a:rPr lang="en-US" sz="1400" dirty="0"/>
-              <a:t>Registries and Exchanges</a:t>
-            </a:r>
-          </a:p>
-          <a:p>
-            <a:r>
-              <a:rPr lang="en-US" sz="1400" b="0" dirty="0"/>
-              <a:t>Data Services</a:t>
-            </a:r>
-          </a:p>
-        </p:txBody>
-      </p:sp>
     </p:spTree>
     <p:extLst>
       <p:ext uri="{BB962C8B-B14F-4D97-AF65-F5344CB8AC3E}">
-        <p14:creationId xmlns:p14="http://schemas.microsoft.com/office/powerpoint/2010/main" val="1777371820"/>
+        <p14:creationId xmlns:p14="http://schemas.microsoft.com/office/powerpoint/2010/main" val="2177628546"/>
       </p:ext>
     </p:extLst>
   </p:cSld>
@@ -8231,7 +8638,7 @@
           <p:cNvPr id="2" name="Title 1">
             <a:extLst>
               <a:ext uri="{FF2B5EF4-FFF2-40B4-BE49-F238E27FC236}">
-                <a16:creationId xmlns:a16="http://schemas.microsoft.com/office/drawing/2014/main" id="{6E932C11-F924-4713-8E36-73E87C752897}"/>
+                <a16:creationId xmlns:a16="http://schemas.microsoft.com/office/drawing/2014/main" id="{BD8C449E-B61A-409D-B9DE-3F91C00B9E19}"/>
               </a:ext>
             </a:extLst>
           </p:cNvPr>
@@ -8253,23 +8660,18 @@
           <a:lstStyle/>
           <a:p>
             <a:r>
-              <a:rPr lang="en-US" b="1" dirty="0"/>
-              <a:t>Methods</a:t>
-            </a:r>
-            <a:r>
               <a:rPr lang="en-US" dirty="0"/>
-              <a:t> of Implementation</a:t>
-            </a:r>
-            <a:endParaRPr lang="en-US" b="1" dirty="0"/>
+              <a:t>Tiers of Functionality</a:t>
+            </a:r>
           </a:p>
         </p:txBody>
       </p:sp>
       <p:sp>
         <p:nvSpPr>
-          <p:cNvPr id="5" name="Google Shape;336;p26">
+          <p:cNvPr id="6" name="Rectangle: Rounded Corners 5">
             <a:extLst>
               <a:ext uri="{FF2B5EF4-FFF2-40B4-BE49-F238E27FC236}">
-                <a16:creationId xmlns:a16="http://schemas.microsoft.com/office/drawing/2014/main" id="{0FF97974-CF80-4EE5-BF87-0E2D78176400}"/>
+                <a16:creationId xmlns:a16="http://schemas.microsoft.com/office/drawing/2014/main" id="{F666050D-7BC1-4FA6-8DA4-CBA19396DDCF}"/>
               </a:ext>
             </a:extLst>
           </p:cNvPr>
@@ -8278,328 +8680,49 @@
         </p:nvSpPr>
         <p:spPr>
           <a:xfrm>
-            <a:off x="1037848" y="3512294"/>
-            <a:ext cx="7009464" cy="691727"/>
+            <a:off x="1207893" y="5009237"/>
+            <a:ext cx="2788374" cy="1285957"/>
           </a:xfrm>
           <a:prstGeom prst="roundRect">
             <a:avLst>
-              <a:gd name="adj" fmla="val 16667"/>
+              <a:gd name="adj" fmla="val 9182"/>
             </a:avLst>
           </a:prstGeom>
-          <a:noFill/>
-          <a:ln w="25400" cap="flat" cmpd="sng">
-            <a:solidFill>
-              <a:srgbClr val="008000"/>
-            </a:solidFill>
-            <a:prstDash val="solid"/>
-            <a:round/>
-            <a:headEnd type="none" w="sm" len="sm"/>
-            <a:tailEnd type="none" w="sm" len="sm"/>
-          </a:ln>
-        </p:spPr>
+          <a:solidFill>
+            <a:schemeClr val="accent3"/>
+          </a:solidFill>
+        </p:spPr>
+        <p:style>
+          <a:lnRef idx="2">
+            <a:schemeClr val="accent1">
+              <a:shade val="50000"/>
+            </a:schemeClr>
+          </a:lnRef>
+          <a:fillRef idx="1">
+            <a:schemeClr val="accent1"/>
+          </a:fillRef>
+          <a:effectRef idx="0">
+            <a:schemeClr val="accent1"/>
+          </a:effectRef>
+          <a:fontRef idx="minor">
+            <a:schemeClr val="lt1"/>
+          </a:fontRef>
+        </p:style>
         <p:txBody>
-          <a:bodyPr spcFirstLastPara="1" wrap="square" lIns="91425" tIns="45700" rIns="91425" bIns="45700" anchor="ctr" anchorCtr="0">
-            <a:noAutofit/>
-          </a:bodyPr>
-          <a:lstStyle>
-            <a:defPPr marR="0" lvl="0" algn="l" rtl="0">
-              <a:lnSpc>
-                <a:spcPct val="100000"/>
-              </a:lnSpc>
-              <a:spcBef>
-                <a:spcPts val="0"/>
-              </a:spcBef>
-              <a:spcAft>
-                <a:spcPts val="0"/>
-              </a:spcAft>
-            </a:defPPr>
-            <a:lvl1pPr marR="0" lvl="0" algn="l" rtl="0">
-              <a:lnSpc>
-                <a:spcPct val="100000"/>
-              </a:lnSpc>
-              <a:spcBef>
-                <a:spcPts val="0"/>
-              </a:spcBef>
-              <a:spcAft>
-                <a:spcPts val="0"/>
-              </a:spcAft>
-              <a:buClr>
-                <a:srgbClr val="000000"/>
-              </a:buClr>
-              <a:buFont typeface="Arial"/>
-              <a:defRPr sz="1400" b="0" i="0" u="none" strike="noStrike" cap="none">
-                <a:solidFill>
-                  <a:srgbClr val="000000"/>
-                </a:solidFill>
-                <a:latin typeface="Arial"/>
-                <a:ea typeface="Arial"/>
-                <a:cs typeface="Arial"/>
-                <a:sym typeface="Arial"/>
-              </a:defRPr>
-            </a:lvl1pPr>
-            <a:lvl2pPr marR="0" lvl="1" algn="l" rtl="0">
-              <a:lnSpc>
-                <a:spcPct val="100000"/>
-              </a:lnSpc>
-              <a:spcBef>
-                <a:spcPts val="0"/>
-              </a:spcBef>
-              <a:spcAft>
-                <a:spcPts val="0"/>
-              </a:spcAft>
-              <a:buClr>
-                <a:srgbClr val="000000"/>
-              </a:buClr>
-              <a:buFont typeface="Arial"/>
-              <a:defRPr sz="1400" b="0" i="0" u="none" strike="noStrike" cap="none">
-                <a:solidFill>
-                  <a:srgbClr val="000000"/>
-                </a:solidFill>
-                <a:latin typeface="Arial"/>
-                <a:ea typeface="Arial"/>
-                <a:cs typeface="Arial"/>
-                <a:sym typeface="Arial"/>
-              </a:defRPr>
-            </a:lvl2pPr>
-            <a:lvl3pPr marR="0" lvl="2" algn="l" rtl="0">
-              <a:lnSpc>
-                <a:spcPct val="100000"/>
-              </a:lnSpc>
-              <a:spcBef>
-                <a:spcPts val="0"/>
-              </a:spcBef>
-              <a:spcAft>
-                <a:spcPts val="0"/>
-              </a:spcAft>
-              <a:buClr>
-                <a:srgbClr val="000000"/>
-              </a:buClr>
-              <a:buFont typeface="Arial"/>
-              <a:defRPr sz="1400" b="0" i="0" u="none" strike="noStrike" cap="none">
-                <a:solidFill>
-                  <a:srgbClr val="000000"/>
-                </a:solidFill>
-                <a:latin typeface="Arial"/>
-                <a:ea typeface="Arial"/>
-                <a:cs typeface="Arial"/>
-                <a:sym typeface="Arial"/>
-              </a:defRPr>
-            </a:lvl3pPr>
-            <a:lvl4pPr marR="0" lvl="3" algn="l" rtl="0">
-              <a:lnSpc>
-                <a:spcPct val="100000"/>
-              </a:lnSpc>
-              <a:spcBef>
-                <a:spcPts val="0"/>
-              </a:spcBef>
-              <a:spcAft>
-                <a:spcPts val="0"/>
-              </a:spcAft>
-              <a:buClr>
-                <a:srgbClr val="000000"/>
-              </a:buClr>
-              <a:buFont typeface="Arial"/>
-              <a:defRPr sz="1400" b="0" i="0" u="none" strike="noStrike" cap="none">
-                <a:solidFill>
-                  <a:srgbClr val="000000"/>
-                </a:solidFill>
-                <a:latin typeface="Arial"/>
-                <a:ea typeface="Arial"/>
-                <a:cs typeface="Arial"/>
-                <a:sym typeface="Arial"/>
-              </a:defRPr>
-            </a:lvl4pPr>
-            <a:lvl5pPr marR="0" lvl="4" algn="l" rtl="0">
-              <a:lnSpc>
-                <a:spcPct val="100000"/>
-              </a:lnSpc>
-              <a:spcBef>
-                <a:spcPts val="0"/>
-              </a:spcBef>
-              <a:spcAft>
-                <a:spcPts val="0"/>
-              </a:spcAft>
-              <a:buClr>
-                <a:srgbClr val="000000"/>
-              </a:buClr>
-              <a:buFont typeface="Arial"/>
-              <a:defRPr sz="1400" b="0" i="0" u="none" strike="noStrike" cap="none">
-                <a:solidFill>
-                  <a:srgbClr val="000000"/>
-                </a:solidFill>
-                <a:latin typeface="Arial"/>
-                <a:ea typeface="Arial"/>
-                <a:cs typeface="Arial"/>
-                <a:sym typeface="Arial"/>
-              </a:defRPr>
-            </a:lvl5pPr>
-            <a:lvl6pPr marR="0" lvl="5" algn="l" rtl="0">
-              <a:lnSpc>
-                <a:spcPct val="100000"/>
-              </a:lnSpc>
-              <a:spcBef>
-                <a:spcPts val="0"/>
-              </a:spcBef>
-              <a:spcAft>
-                <a:spcPts val="0"/>
-              </a:spcAft>
-              <a:buClr>
-                <a:srgbClr val="000000"/>
-              </a:buClr>
-              <a:buFont typeface="Arial"/>
-              <a:defRPr sz="1400" b="0" i="0" u="none" strike="noStrike" cap="none">
-                <a:solidFill>
-                  <a:srgbClr val="000000"/>
-                </a:solidFill>
-                <a:latin typeface="Arial"/>
-                <a:ea typeface="Arial"/>
-                <a:cs typeface="Arial"/>
-                <a:sym typeface="Arial"/>
-              </a:defRPr>
-            </a:lvl6pPr>
-            <a:lvl7pPr marR="0" lvl="6" algn="l" rtl="0">
-              <a:lnSpc>
-                <a:spcPct val="100000"/>
-              </a:lnSpc>
-              <a:spcBef>
-                <a:spcPts val="0"/>
-              </a:spcBef>
-              <a:spcAft>
-                <a:spcPts val="0"/>
-              </a:spcAft>
-              <a:buClr>
-                <a:srgbClr val="000000"/>
-              </a:buClr>
-              <a:buFont typeface="Arial"/>
-              <a:defRPr sz="1400" b="0" i="0" u="none" strike="noStrike" cap="none">
-                <a:solidFill>
-                  <a:srgbClr val="000000"/>
-                </a:solidFill>
-                <a:latin typeface="Arial"/>
-                <a:ea typeface="Arial"/>
-                <a:cs typeface="Arial"/>
-                <a:sym typeface="Arial"/>
-              </a:defRPr>
-            </a:lvl7pPr>
-            <a:lvl8pPr marR="0" lvl="7" algn="l" rtl="0">
-              <a:lnSpc>
-                <a:spcPct val="100000"/>
-              </a:lnSpc>
-              <a:spcBef>
-                <a:spcPts val="0"/>
-              </a:spcBef>
-              <a:spcAft>
-                <a:spcPts val="0"/>
-              </a:spcAft>
-              <a:buClr>
-                <a:srgbClr val="000000"/>
-              </a:buClr>
-              <a:buFont typeface="Arial"/>
-              <a:defRPr sz="1400" b="0" i="0" u="none" strike="noStrike" cap="none">
-                <a:solidFill>
-                  <a:srgbClr val="000000"/>
-                </a:solidFill>
-                <a:latin typeface="Arial"/>
-                <a:ea typeface="Arial"/>
-                <a:cs typeface="Arial"/>
-                <a:sym typeface="Arial"/>
-              </a:defRPr>
-            </a:lvl8pPr>
-            <a:lvl9pPr marR="0" lvl="8" algn="l" rtl="0">
-              <a:lnSpc>
-                <a:spcPct val="100000"/>
-              </a:lnSpc>
-              <a:spcBef>
-                <a:spcPts val="0"/>
-              </a:spcBef>
-              <a:spcAft>
-                <a:spcPts val="0"/>
-              </a:spcAft>
-              <a:buClr>
-                <a:srgbClr val="000000"/>
-              </a:buClr>
-              <a:buFont typeface="Arial"/>
-              <a:defRPr sz="1400" b="0" i="0" u="none" strike="noStrike" cap="none">
-                <a:solidFill>
-                  <a:srgbClr val="000000"/>
-                </a:solidFill>
-                <a:latin typeface="Arial"/>
-                <a:ea typeface="Arial"/>
-                <a:cs typeface="Arial"/>
-                <a:sym typeface="Arial"/>
-              </a:defRPr>
-            </a:lvl9pPr>
-          </a:lstStyle>
-          <a:p>
-            <a:pPr marL="227013" marR="0" lvl="0" indent="0" algn="l" rtl="0">
-              <a:lnSpc>
-                <a:spcPct val="100000"/>
-              </a:lnSpc>
-              <a:spcBef>
-                <a:spcPts val="0"/>
-              </a:spcBef>
-              <a:spcAft>
-                <a:spcPts val="0"/>
-              </a:spcAft>
-              <a:buNone/>
-            </a:pPr>
-            <a:r>
-              <a:rPr lang="en-US" sz="1200" b="1" i="0" u="none" strike="noStrike" cap="none" dirty="0">
-                <a:solidFill>
-                  <a:schemeClr val="dk1"/>
-                </a:solidFill>
-                <a:latin typeface="Arial"/>
-                <a:ea typeface="Arial"/>
-                <a:cs typeface="Arial"/>
-                <a:sym typeface="Arial"/>
-              </a:rPr>
-              <a:t>Translate CQL </a:t>
-            </a:r>
-            <a:r>
-              <a:rPr lang="en-US" sz="1200" i="1" u="none" strike="noStrike" cap="none" dirty="0">
-                <a:solidFill>
-                  <a:schemeClr val="dk1"/>
-                </a:solidFill>
-              </a:rPr>
-              <a:t>(automated translation)</a:t>
-            </a:r>
-            <a:endParaRPr i="1" dirty="0"/>
-          </a:p>
-          <a:p>
-            <a:pPr marL="227013" marR="0" lvl="0" indent="0" algn="l" rtl="0">
-              <a:lnSpc>
-                <a:spcPct val="100000"/>
-              </a:lnSpc>
-              <a:spcBef>
-                <a:spcPts val="0"/>
-              </a:spcBef>
-              <a:spcAft>
-                <a:spcPts val="0"/>
-              </a:spcAft>
-              <a:buNone/>
-            </a:pPr>
-            <a:r>
-              <a:rPr lang="en-US" sz="1200" b="0" i="0" u="none" strike="noStrike" cap="none" dirty="0">
-                <a:solidFill>
-                  <a:schemeClr val="dk1"/>
-                </a:solidFill>
-                <a:latin typeface="Arial"/>
-                <a:ea typeface="Arial"/>
-                <a:cs typeface="Arial"/>
-                <a:sym typeface="Arial"/>
-              </a:rPr>
-              <a:t>Translate “L3” CQL into the code base used in the current legacy system</a:t>
-            </a:r>
-            <a:endParaRPr dirty="0"/>
+          <a:bodyPr rtlCol="0" anchor="ctr"/>
+          <a:lstStyle/>
+          <a:p>
+            <a:pPr algn="ctr"/>
+            <a:endParaRPr lang="en-US"/>
           </a:p>
         </p:txBody>
       </p:sp>
       <p:sp>
         <p:nvSpPr>
-          <p:cNvPr id="6" name="Google Shape;337;p26">
+          <p:cNvPr id="7" name="Rectangle: Rounded Corners 6">
             <a:extLst>
               <a:ext uri="{FF2B5EF4-FFF2-40B4-BE49-F238E27FC236}">
-                <a16:creationId xmlns:a16="http://schemas.microsoft.com/office/drawing/2014/main" id="{2970A2C0-F736-4B56-ABFF-3A0740B55B54}"/>
+                <a16:creationId xmlns:a16="http://schemas.microsoft.com/office/drawing/2014/main" id="{B0901C88-D09D-4B6B-8432-AF5B1BFAF4B0}"/>
               </a:ext>
             </a:extLst>
           </p:cNvPr>
@@ -8608,328 +8731,52 @@
         </p:nvSpPr>
         <p:spPr>
           <a:xfrm>
-            <a:off x="1037848" y="4795486"/>
-            <a:ext cx="7009464" cy="691727"/>
+            <a:off x="1207893" y="3637637"/>
+            <a:ext cx="2788374" cy="1285957"/>
           </a:xfrm>
           <a:prstGeom prst="roundRect">
             <a:avLst>
-              <a:gd name="adj" fmla="val 16667"/>
+              <a:gd name="adj" fmla="val 9182"/>
             </a:avLst>
           </a:prstGeom>
-          <a:noFill/>
-          <a:ln w="25400" cap="flat" cmpd="sng">
-            <a:solidFill>
-              <a:srgbClr val="008000"/>
-            </a:solidFill>
-            <a:prstDash val="solid"/>
-            <a:round/>
-            <a:headEnd type="none" w="sm" len="sm"/>
-            <a:tailEnd type="none" w="sm" len="sm"/>
-          </a:ln>
-        </p:spPr>
+          <a:solidFill>
+            <a:schemeClr val="accent5">
+              <a:lumMod val="60000"/>
+              <a:lumOff val="40000"/>
+            </a:schemeClr>
+          </a:solidFill>
+        </p:spPr>
+        <p:style>
+          <a:lnRef idx="2">
+            <a:schemeClr val="accent1">
+              <a:shade val="50000"/>
+            </a:schemeClr>
+          </a:lnRef>
+          <a:fillRef idx="1">
+            <a:schemeClr val="accent1"/>
+          </a:fillRef>
+          <a:effectRef idx="0">
+            <a:schemeClr val="accent1"/>
+          </a:effectRef>
+          <a:fontRef idx="minor">
+            <a:schemeClr val="lt1"/>
+          </a:fontRef>
+        </p:style>
         <p:txBody>
-          <a:bodyPr spcFirstLastPara="1" wrap="square" lIns="91425" tIns="45700" rIns="91425" bIns="45700" anchor="ctr" anchorCtr="0">
-            <a:noAutofit/>
-          </a:bodyPr>
-          <a:lstStyle>
-            <a:defPPr marR="0" lvl="0" algn="l" rtl="0">
-              <a:lnSpc>
-                <a:spcPct val="100000"/>
-              </a:lnSpc>
-              <a:spcBef>
-                <a:spcPts val="0"/>
-              </a:spcBef>
-              <a:spcAft>
-                <a:spcPts val="0"/>
-              </a:spcAft>
-            </a:defPPr>
-            <a:lvl1pPr marR="0" lvl="0" algn="l" rtl="0">
-              <a:lnSpc>
-                <a:spcPct val="100000"/>
-              </a:lnSpc>
-              <a:spcBef>
-                <a:spcPts val="0"/>
-              </a:spcBef>
-              <a:spcAft>
-                <a:spcPts val="0"/>
-              </a:spcAft>
-              <a:buClr>
-                <a:srgbClr val="000000"/>
-              </a:buClr>
-              <a:buFont typeface="Arial"/>
-              <a:defRPr sz="1400" b="0" i="0" u="none" strike="noStrike" cap="none">
-                <a:solidFill>
-                  <a:srgbClr val="000000"/>
-                </a:solidFill>
-                <a:latin typeface="Arial"/>
-                <a:ea typeface="Arial"/>
-                <a:cs typeface="Arial"/>
-                <a:sym typeface="Arial"/>
-              </a:defRPr>
-            </a:lvl1pPr>
-            <a:lvl2pPr marR="0" lvl="1" algn="l" rtl="0">
-              <a:lnSpc>
-                <a:spcPct val="100000"/>
-              </a:lnSpc>
-              <a:spcBef>
-                <a:spcPts val="0"/>
-              </a:spcBef>
-              <a:spcAft>
-                <a:spcPts val="0"/>
-              </a:spcAft>
-              <a:buClr>
-                <a:srgbClr val="000000"/>
-              </a:buClr>
-              <a:buFont typeface="Arial"/>
-              <a:defRPr sz="1400" b="0" i="0" u="none" strike="noStrike" cap="none">
-                <a:solidFill>
-                  <a:srgbClr val="000000"/>
-                </a:solidFill>
-                <a:latin typeface="Arial"/>
-                <a:ea typeface="Arial"/>
-                <a:cs typeface="Arial"/>
-                <a:sym typeface="Arial"/>
-              </a:defRPr>
-            </a:lvl2pPr>
-            <a:lvl3pPr marR="0" lvl="2" algn="l" rtl="0">
-              <a:lnSpc>
-                <a:spcPct val="100000"/>
-              </a:lnSpc>
-              <a:spcBef>
-                <a:spcPts val="0"/>
-              </a:spcBef>
-              <a:spcAft>
-                <a:spcPts val="0"/>
-              </a:spcAft>
-              <a:buClr>
-                <a:srgbClr val="000000"/>
-              </a:buClr>
-              <a:buFont typeface="Arial"/>
-              <a:defRPr sz="1400" b="0" i="0" u="none" strike="noStrike" cap="none">
-                <a:solidFill>
-                  <a:srgbClr val="000000"/>
-                </a:solidFill>
-                <a:latin typeface="Arial"/>
-                <a:ea typeface="Arial"/>
-                <a:cs typeface="Arial"/>
-                <a:sym typeface="Arial"/>
-              </a:defRPr>
-            </a:lvl3pPr>
-            <a:lvl4pPr marR="0" lvl="3" algn="l" rtl="0">
-              <a:lnSpc>
-                <a:spcPct val="100000"/>
-              </a:lnSpc>
-              <a:spcBef>
-                <a:spcPts val="0"/>
-              </a:spcBef>
-              <a:spcAft>
-                <a:spcPts val="0"/>
-              </a:spcAft>
-              <a:buClr>
-                <a:srgbClr val="000000"/>
-              </a:buClr>
-              <a:buFont typeface="Arial"/>
-              <a:defRPr sz="1400" b="0" i="0" u="none" strike="noStrike" cap="none">
-                <a:solidFill>
-                  <a:srgbClr val="000000"/>
-                </a:solidFill>
-                <a:latin typeface="Arial"/>
-                <a:ea typeface="Arial"/>
-                <a:cs typeface="Arial"/>
-                <a:sym typeface="Arial"/>
-              </a:defRPr>
-            </a:lvl4pPr>
-            <a:lvl5pPr marR="0" lvl="4" algn="l" rtl="0">
-              <a:lnSpc>
-                <a:spcPct val="100000"/>
-              </a:lnSpc>
-              <a:spcBef>
-                <a:spcPts val="0"/>
-              </a:spcBef>
-              <a:spcAft>
-                <a:spcPts val="0"/>
-              </a:spcAft>
-              <a:buClr>
-                <a:srgbClr val="000000"/>
-              </a:buClr>
-              <a:buFont typeface="Arial"/>
-              <a:defRPr sz="1400" b="0" i="0" u="none" strike="noStrike" cap="none">
-                <a:solidFill>
-                  <a:srgbClr val="000000"/>
-                </a:solidFill>
-                <a:latin typeface="Arial"/>
-                <a:ea typeface="Arial"/>
-                <a:cs typeface="Arial"/>
-                <a:sym typeface="Arial"/>
-              </a:defRPr>
-            </a:lvl5pPr>
-            <a:lvl6pPr marR="0" lvl="5" algn="l" rtl="0">
-              <a:lnSpc>
-                <a:spcPct val="100000"/>
-              </a:lnSpc>
-              <a:spcBef>
-                <a:spcPts val="0"/>
-              </a:spcBef>
-              <a:spcAft>
-                <a:spcPts val="0"/>
-              </a:spcAft>
-              <a:buClr>
-                <a:srgbClr val="000000"/>
-              </a:buClr>
-              <a:buFont typeface="Arial"/>
-              <a:defRPr sz="1400" b="0" i="0" u="none" strike="noStrike" cap="none">
-                <a:solidFill>
-                  <a:srgbClr val="000000"/>
-                </a:solidFill>
-                <a:latin typeface="Arial"/>
-                <a:ea typeface="Arial"/>
-                <a:cs typeface="Arial"/>
-                <a:sym typeface="Arial"/>
-              </a:defRPr>
-            </a:lvl6pPr>
-            <a:lvl7pPr marR="0" lvl="6" algn="l" rtl="0">
-              <a:lnSpc>
-                <a:spcPct val="100000"/>
-              </a:lnSpc>
-              <a:spcBef>
-                <a:spcPts val="0"/>
-              </a:spcBef>
-              <a:spcAft>
-                <a:spcPts val="0"/>
-              </a:spcAft>
-              <a:buClr>
-                <a:srgbClr val="000000"/>
-              </a:buClr>
-              <a:buFont typeface="Arial"/>
-              <a:defRPr sz="1400" b="0" i="0" u="none" strike="noStrike" cap="none">
-                <a:solidFill>
-                  <a:srgbClr val="000000"/>
-                </a:solidFill>
-                <a:latin typeface="Arial"/>
-                <a:ea typeface="Arial"/>
-                <a:cs typeface="Arial"/>
-                <a:sym typeface="Arial"/>
-              </a:defRPr>
-            </a:lvl7pPr>
-            <a:lvl8pPr marR="0" lvl="7" algn="l" rtl="0">
-              <a:lnSpc>
-                <a:spcPct val="100000"/>
-              </a:lnSpc>
-              <a:spcBef>
-                <a:spcPts val="0"/>
-              </a:spcBef>
-              <a:spcAft>
-                <a:spcPts val="0"/>
-              </a:spcAft>
-              <a:buClr>
-                <a:srgbClr val="000000"/>
-              </a:buClr>
-              <a:buFont typeface="Arial"/>
-              <a:defRPr sz="1400" b="0" i="0" u="none" strike="noStrike" cap="none">
-                <a:solidFill>
-                  <a:srgbClr val="000000"/>
-                </a:solidFill>
-                <a:latin typeface="Arial"/>
-                <a:ea typeface="Arial"/>
-                <a:cs typeface="Arial"/>
-                <a:sym typeface="Arial"/>
-              </a:defRPr>
-            </a:lvl8pPr>
-            <a:lvl9pPr marR="0" lvl="8" algn="l" rtl="0">
-              <a:lnSpc>
-                <a:spcPct val="100000"/>
-              </a:lnSpc>
-              <a:spcBef>
-                <a:spcPts val="0"/>
-              </a:spcBef>
-              <a:spcAft>
-                <a:spcPts val="0"/>
-              </a:spcAft>
-              <a:buClr>
-                <a:srgbClr val="000000"/>
-              </a:buClr>
-              <a:buFont typeface="Arial"/>
-              <a:defRPr sz="1400" b="0" i="0" u="none" strike="noStrike" cap="none">
-                <a:solidFill>
-                  <a:srgbClr val="000000"/>
-                </a:solidFill>
-                <a:latin typeface="Arial"/>
-                <a:ea typeface="Arial"/>
-                <a:cs typeface="Arial"/>
-                <a:sym typeface="Arial"/>
-              </a:defRPr>
-            </a:lvl9pPr>
-          </a:lstStyle>
-          <a:p>
-            <a:pPr marL="227013" marR="0" lvl="0" indent="0" algn="l" rtl="0">
-              <a:lnSpc>
-                <a:spcPct val="100000"/>
-              </a:lnSpc>
-              <a:spcBef>
-                <a:spcPts val="0"/>
-              </a:spcBef>
-              <a:spcAft>
-                <a:spcPts val="0"/>
-              </a:spcAft>
-              <a:buNone/>
-            </a:pPr>
-            <a:r>
-              <a:rPr lang="en-US" sz="1200" b="1" i="0" u="none" strike="noStrike" cap="none">
-                <a:solidFill>
-                  <a:schemeClr val="dk1"/>
-                </a:solidFill>
-                <a:latin typeface="Arial"/>
-                <a:ea typeface="Arial"/>
-                <a:cs typeface="Arial"/>
-                <a:sym typeface="Arial"/>
-              </a:rPr>
-              <a:t>Consume CQL </a:t>
-            </a:r>
-            <a:r>
-              <a:rPr lang="en-US" sz="1200" i="1" u="none" strike="noStrike" cap="none">
-                <a:solidFill>
-                  <a:schemeClr val="dk1"/>
-                </a:solidFill>
-              </a:rPr>
-              <a:t>(native implementation)</a:t>
-            </a:r>
-            <a:endParaRPr i="1"/>
-          </a:p>
-          <a:p>
-            <a:pPr marL="227013" marR="0" lvl="0" indent="0" algn="l" rtl="0">
-              <a:lnSpc>
-                <a:spcPct val="100000"/>
-              </a:lnSpc>
-              <a:spcBef>
-                <a:spcPts val="0"/>
-              </a:spcBef>
-              <a:spcAft>
-                <a:spcPts val="0"/>
-              </a:spcAft>
-              <a:buNone/>
-            </a:pPr>
-            <a:r>
-              <a:rPr lang="en-US" sz="1200" b="0" i="0" u="none" strike="noStrike" cap="none">
-                <a:solidFill>
-                  <a:schemeClr val="dk1"/>
-                </a:solidFill>
-                <a:latin typeface="Arial"/>
-                <a:ea typeface="Arial"/>
-                <a:cs typeface="Arial"/>
-                <a:sym typeface="Arial"/>
-              </a:rPr>
-              <a:t>Directly intake “L3” CQL artifacts natively </a:t>
-            </a:r>
-            <a:endParaRPr/>
+          <a:bodyPr rtlCol="0" anchor="ctr"/>
+          <a:lstStyle/>
+          <a:p>
+            <a:pPr algn="ctr"/>
+            <a:endParaRPr lang="en-US"/>
           </a:p>
         </p:txBody>
       </p:sp>
       <p:sp>
         <p:nvSpPr>
-          <p:cNvPr id="7" name="Google Shape;338;p26">
+          <p:cNvPr id="8" name="Rectangle: Rounded Corners 7">
             <a:extLst>
               <a:ext uri="{FF2B5EF4-FFF2-40B4-BE49-F238E27FC236}">
-                <a16:creationId xmlns:a16="http://schemas.microsoft.com/office/drawing/2014/main" id="{E2DCCFAA-BC82-4CC9-9444-A383624B0B88}"/>
+                <a16:creationId xmlns:a16="http://schemas.microsoft.com/office/drawing/2014/main" id="{1409B06B-2574-481F-999E-B8603B5D50C3}"/>
               </a:ext>
             </a:extLst>
           </p:cNvPr>
@@ -8938,1211 +8785,245 @@
         </p:nvSpPr>
         <p:spPr>
           <a:xfrm>
-            <a:off x="1037848" y="2337307"/>
-            <a:ext cx="7009464" cy="691727"/>
+            <a:off x="1207893" y="2266037"/>
+            <a:ext cx="2788374" cy="1285957"/>
           </a:xfrm>
           <a:prstGeom prst="roundRect">
             <a:avLst>
-              <a:gd name="adj" fmla="val 16667"/>
+              <a:gd name="adj" fmla="val 9182"/>
             </a:avLst>
           </a:prstGeom>
-          <a:noFill/>
-          <a:ln w="25400" cap="flat" cmpd="sng">
-            <a:solidFill>
-              <a:srgbClr val="008000"/>
-            </a:solidFill>
-            <a:prstDash val="solid"/>
-            <a:round/>
-            <a:headEnd type="none" w="sm" len="sm"/>
-            <a:tailEnd type="none" w="sm" len="sm"/>
-          </a:ln>
-        </p:spPr>
+          <a:solidFill>
+            <a:schemeClr val="accent1">
+              <a:lumMod val="40000"/>
+              <a:lumOff val="60000"/>
+            </a:schemeClr>
+          </a:solidFill>
+        </p:spPr>
+        <p:style>
+          <a:lnRef idx="2">
+            <a:schemeClr val="accent1">
+              <a:shade val="50000"/>
+            </a:schemeClr>
+          </a:lnRef>
+          <a:fillRef idx="1">
+            <a:schemeClr val="accent1"/>
+          </a:fillRef>
+          <a:effectRef idx="0">
+            <a:schemeClr val="accent1"/>
+          </a:effectRef>
+          <a:fontRef idx="minor">
+            <a:schemeClr val="lt1"/>
+          </a:fontRef>
+        </p:style>
         <p:txBody>
-          <a:bodyPr spcFirstLastPara="1" wrap="square" lIns="91425" tIns="45700" rIns="91425" bIns="45700" anchor="ctr" anchorCtr="0">
-            <a:noAutofit/>
-          </a:bodyPr>
-          <a:lstStyle>
-            <a:defPPr marR="0" lvl="0" algn="l" rtl="0">
-              <a:lnSpc>
-                <a:spcPct val="100000"/>
-              </a:lnSpc>
-              <a:spcBef>
-                <a:spcPts val="0"/>
-              </a:spcBef>
-              <a:spcAft>
-                <a:spcPts val="0"/>
-              </a:spcAft>
-            </a:defPPr>
-            <a:lvl1pPr marR="0" lvl="0" algn="l" rtl="0">
-              <a:lnSpc>
-                <a:spcPct val="100000"/>
-              </a:lnSpc>
-              <a:spcBef>
-                <a:spcPts val="0"/>
-              </a:spcBef>
-              <a:spcAft>
-                <a:spcPts val="0"/>
-              </a:spcAft>
-              <a:buClr>
-                <a:srgbClr val="000000"/>
-              </a:buClr>
-              <a:buFont typeface="Arial"/>
-              <a:defRPr sz="1400" b="0" i="0" u="none" strike="noStrike" cap="none">
-                <a:solidFill>
-                  <a:srgbClr val="000000"/>
-                </a:solidFill>
-                <a:latin typeface="Arial"/>
-                <a:ea typeface="Arial"/>
-                <a:cs typeface="Arial"/>
-                <a:sym typeface="Arial"/>
-              </a:defRPr>
-            </a:lvl1pPr>
-            <a:lvl2pPr marR="0" lvl="1" algn="l" rtl="0">
-              <a:lnSpc>
-                <a:spcPct val="100000"/>
-              </a:lnSpc>
-              <a:spcBef>
-                <a:spcPts val="0"/>
-              </a:spcBef>
-              <a:spcAft>
-                <a:spcPts val="0"/>
-              </a:spcAft>
-              <a:buClr>
-                <a:srgbClr val="000000"/>
-              </a:buClr>
-              <a:buFont typeface="Arial"/>
-              <a:defRPr sz="1400" b="0" i="0" u="none" strike="noStrike" cap="none">
-                <a:solidFill>
-                  <a:srgbClr val="000000"/>
-                </a:solidFill>
-                <a:latin typeface="Arial"/>
-                <a:ea typeface="Arial"/>
-                <a:cs typeface="Arial"/>
-                <a:sym typeface="Arial"/>
-              </a:defRPr>
-            </a:lvl2pPr>
-            <a:lvl3pPr marR="0" lvl="2" algn="l" rtl="0">
-              <a:lnSpc>
-                <a:spcPct val="100000"/>
-              </a:lnSpc>
-              <a:spcBef>
-                <a:spcPts val="0"/>
-              </a:spcBef>
-              <a:spcAft>
-                <a:spcPts val="0"/>
-              </a:spcAft>
-              <a:buClr>
-                <a:srgbClr val="000000"/>
-              </a:buClr>
-              <a:buFont typeface="Arial"/>
-              <a:defRPr sz="1400" b="0" i="0" u="none" strike="noStrike" cap="none">
-                <a:solidFill>
-                  <a:srgbClr val="000000"/>
-                </a:solidFill>
-                <a:latin typeface="Arial"/>
-                <a:ea typeface="Arial"/>
-                <a:cs typeface="Arial"/>
-                <a:sym typeface="Arial"/>
-              </a:defRPr>
-            </a:lvl3pPr>
-            <a:lvl4pPr marR="0" lvl="3" algn="l" rtl="0">
-              <a:lnSpc>
-                <a:spcPct val="100000"/>
-              </a:lnSpc>
-              <a:spcBef>
-                <a:spcPts val="0"/>
-              </a:spcBef>
-              <a:spcAft>
-                <a:spcPts val="0"/>
-              </a:spcAft>
-              <a:buClr>
-                <a:srgbClr val="000000"/>
-              </a:buClr>
-              <a:buFont typeface="Arial"/>
-              <a:defRPr sz="1400" b="0" i="0" u="none" strike="noStrike" cap="none">
-                <a:solidFill>
-                  <a:srgbClr val="000000"/>
-                </a:solidFill>
-                <a:latin typeface="Arial"/>
-                <a:ea typeface="Arial"/>
-                <a:cs typeface="Arial"/>
-                <a:sym typeface="Arial"/>
-              </a:defRPr>
-            </a:lvl4pPr>
-            <a:lvl5pPr marR="0" lvl="4" algn="l" rtl="0">
-              <a:lnSpc>
-                <a:spcPct val="100000"/>
-              </a:lnSpc>
-              <a:spcBef>
-                <a:spcPts val="0"/>
-              </a:spcBef>
-              <a:spcAft>
-                <a:spcPts val="0"/>
-              </a:spcAft>
-              <a:buClr>
-                <a:srgbClr val="000000"/>
-              </a:buClr>
-              <a:buFont typeface="Arial"/>
-              <a:defRPr sz="1400" b="0" i="0" u="none" strike="noStrike" cap="none">
-                <a:solidFill>
-                  <a:srgbClr val="000000"/>
-                </a:solidFill>
-                <a:latin typeface="Arial"/>
-                <a:ea typeface="Arial"/>
-                <a:cs typeface="Arial"/>
-                <a:sym typeface="Arial"/>
-              </a:defRPr>
-            </a:lvl5pPr>
-            <a:lvl6pPr marR="0" lvl="5" algn="l" rtl="0">
-              <a:lnSpc>
-                <a:spcPct val="100000"/>
-              </a:lnSpc>
-              <a:spcBef>
-                <a:spcPts val="0"/>
-              </a:spcBef>
-              <a:spcAft>
-                <a:spcPts val="0"/>
-              </a:spcAft>
-              <a:buClr>
-                <a:srgbClr val="000000"/>
-              </a:buClr>
-              <a:buFont typeface="Arial"/>
-              <a:defRPr sz="1400" b="0" i="0" u="none" strike="noStrike" cap="none">
-                <a:solidFill>
-                  <a:srgbClr val="000000"/>
-                </a:solidFill>
-                <a:latin typeface="Arial"/>
-                <a:ea typeface="Arial"/>
-                <a:cs typeface="Arial"/>
-                <a:sym typeface="Arial"/>
-              </a:defRPr>
-            </a:lvl6pPr>
-            <a:lvl7pPr marR="0" lvl="6" algn="l" rtl="0">
-              <a:lnSpc>
-                <a:spcPct val="100000"/>
-              </a:lnSpc>
-              <a:spcBef>
-                <a:spcPts val="0"/>
-              </a:spcBef>
-              <a:spcAft>
-                <a:spcPts val="0"/>
-              </a:spcAft>
-              <a:buClr>
-                <a:srgbClr val="000000"/>
-              </a:buClr>
-              <a:buFont typeface="Arial"/>
-              <a:defRPr sz="1400" b="0" i="0" u="none" strike="noStrike" cap="none">
-                <a:solidFill>
-                  <a:srgbClr val="000000"/>
-                </a:solidFill>
-                <a:latin typeface="Arial"/>
-                <a:ea typeface="Arial"/>
-                <a:cs typeface="Arial"/>
-                <a:sym typeface="Arial"/>
-              </a:defRPr>
-            </a:lvl7pPr>
-            <a:lvl8pPr marR="0" lvl="7" algn="l" rtl="0">
-              <a:lnSpc>
-                <a:spcPct val="100000"/>
-              </a:lnSpc>
-              <a:spcBef>
-                <a:spcPts val="0"/>
-              </a:spcBef>
-              <a:spcAft>
-                <a:spcPts val="0"/>
-              </a:spcAft>
-              <a:buClr>
-                <a:srgbClr val="000000"/>
-              </a:buClr>
-              <a:buFont typeface="Arial"/>
-              <a:defRPr sz="1400" b="0" i="0" u="none" strike="noStrike" cap="none">
-                <a:solidFill>
-                  <a:srgbClr val="000000"/>
-                </a:solidFill>
-                <a:latin typeface="Arial"/>
-                <a:ea typeface="Arial"/>
-                <a:cs typeface="Arial"/>
-                <a:sym typeface="Arial"/>
-              </a:defRPr>
-            </a:lvl8pPr>
-            <a:lvl9pPr marR="0" lvl="8" algn="l" rtl="0">
-              <a:lnSpc>
-                <a:spcPct val="100000"/>
-              </a:lnSpc>
-              <a:spcBef>
-                <a:spcPts val="0"/>
-              </a:spcBef>
-              <a:spcAft>
-                <a:spcPts val="0"/>
-              </a:spcAft>
-              <a:buClr>
-                <a:srgbClr val="000000"/>
-              </a:buClr>
-              <a:buFont typeface="Arial"/>
-              <a:defRPr sz="1400" b="0" i="0" u="none" strike="noStrike" cap="none">
-                <a:solidFill>
-                  <a:srgbClr val="000000"/>
-                </a:solidFill>
-                <a:latin typeface="Arial"/>
-                <a:ea typeface="Arial"/>
-                <a:cs typeface="Arial"/>
-                <a:sym typeface="Arial"/>
-              </a:defRPr>
-            </a:lvl9pPr>
-          </a:lstStyle>
-          <a:p>
-            <a:pPr marL="227013" marR="0" lvl="0" indent="0" algn="l" rtl="0">
-              <a:lnSpc>
-                <a:spcPct val="100000"/>
-              </a:lnSpc>
-              <a:spcBef>
-                <a:spcPts val="0"/>
-              </a:spcBef>
-              <a:spcAft>
-                <a:spcPts val="0"/>
-              </a:spcAft>
-              <a:buNone/>
-            </a:pPr>
-            <a:r>
-              <a:rPr lang="en-US" sz="1200" b="1" i="0" u="none" strike="noStrike" cap="none" dirty="0">
-                <a:solidFill>
-                  <a:schemeClr val="dk1"/>
-                </a:solidFill>
-                <a:latin typeface="Arial"/>
-                <a:ea typeface="Arial"/>
-                <a:cs typeface="Arial"/>
-                <a:sym typeface="Arial"/>
-              </a:rPr>
-              <a:t>Use CQL as a specification </a:t>
-            </a:r>
-            <a:r>
-              <a:rPr lang="en-US" sz="1200" i="1" u="none" strike="noStrike" cap="none" dirty="0">
-                <a:solidFill>
-                  <a:schemeClr val="dk1"/>
-                </a:solidFill>
-              </a:rPr>
-              <a:t>(manual development)</a:t>
-            </a:r>
-            <a:endParaRPr i="1" dirty="0"/>
-          </a:p>
-          <a:p>
-            <a:pPr marL="227013" marR="0" lvl="0" indent="0" algn="l" rtl="0">
-              <a:lnSpc>
-                <a:spcPct val="100000"/>
-              </a:lnSpc>
-              <a:spcBef>
-                <a:spcPts val="0"/>
-              </a:spcBef>
-              <a:spcAft>
-                <a:spcPts val="0"/>
-              </a:spcAft>
-              <a:buNone/>
-            </a:pPr>
-            <a:r>
-              <a:rPr lang="en-US" sz="1200" b="0" i="0" u="none" strike="noStrike" cap="none" dirty="0">
-                <a:solidFill>
-                  <a:schemeClr val="dk1"/>
-                </a:solidFill>
-                <a:latin typeface="Arial"/>
-                <a:ea typeface="Arial"/>
-                <a:cs typeface="Arial"/>
-                <a:sym typeface="Arial"/>
-              </a:rPr>
-              <a:t>Developers will still need to hand code own code based off of that published “L3” CQL. Although, the most time consuming option, this is still faster than starting from the narrative artifacts “L1”</a:t>
-            </a:r>
-            <a:endParaRPr dirty="0"/>
+          <a:bodyPr rtlCol="0" anchor="ctr"/>
+          <a:lstStyle/>
+          <a:p>
+            <a:pPr algn="ctr"/>
+            <a:endParaRPr lang="en-US"/>
           </a:p>
         </p:txBody>
       </p:sp>
       <p:sp>
         <p:nvSpPr>
-          <p:cNvPr id="8" name="Google Shape;340;p26">
+          <p:cNvPr id="10" name="TextBox 9">
             <a:extLst>
               <a:ext uri="{FF2B5EF4-FFF2-40B4-BE49-F238E27FC236}">
-                <a16:creationId xmlns:a16="http://schemas.microsoft.com/office/drawing/2014/main" id="{038FE162-A16E-4370-868E-9199B8A3C1A1}"/>
+                <a16:creationId xmlns:a16="http://schemas.microsoft.com/office/drawing/2014/main" id="{A5CA2806-6DC3-4FCB-9296-F73913E98652}"/>
               </a:ext>
             </a:extLst>
           </p:cNvPr>
-          <p:cNvSpPr/>
+          <p:cNvSpPr txBox="1"/>
           <p:nvPr/>
         </p:nvSpPr>
         <p:spPr>
           <a:xfrm>
-            <a:off x="838202" y="2483523"/>
-            <a:ext cx="399297" cy="399297"/>
-          </a:xfrm>
-          <a:prstGeom prst="ellipse">
+            <a:off x="1492441" y="5467549"/>
+            <a:ext cx="1070999" cy="369332"/>
+          </a:xfrm>
+          <a:prstGeom prst="rect">
             <a:avLst/>
           </a:prstGeom>
-          <a:solidFill>
-            <a:srgbClr val="008000"/>
-          </a:solidFill>
-          <a:ln w="25400" cap="flat" cmpd="sng">
-            <a:solidFill>
-              <a:srgbClr val="008000"/>
-            </a:solidFill>
-            <a:prstDash val="solid"/>
-            <a:round/>
-            <a:headEnd type="none" w="sm" len="sm"/>
-            <a:tailEnd type="none" w="sm" len="sm"/>
-          </a:ln>
         </p:spPr>
         <p:txBody>
-          <a:bodyPr spcFirstLastPara="1" wrap="square" lIns="0" tIns="0" rIns="0" bIns="0" anchor="ctr" anchorCtr="0">
-            <a:noAutofit/>
+          <a:bodyPr wrap="none" rtlCol="0">
+            <a:spAutoFit/>
           </a:bodyPr>
-          <a:lstStyle>
-            <a:defPPr marR="0" lvl="0" algn="l" rtl="0">
-              <a:lnSpc>
-                <a:spcPct val="100000"/>
-              </a:lnSpc>
-              <a:spcBef>
-                <a:spcPts val="0"/>
-              </a:spcBef>
-              <a:spcAft>
-                <a:spcPts val="0"/>
-              </a:spcAft>
-            </a:defPPr>
-            <a:lvl1pPr marR="0" lvl="0" algn="l" rtl="0">
-              <a:lnSpc>
-                <a:spcPct val="100000"/>
-              </a:lnSpc>
-              <a:spcBef>
-                <a:spcPts val="0"/>
-              </a:spcBef>
-              <a:spcAft>
-                <a:spcPts val="0"/>
-              </a:spcAft>
-              <a:buClr>
-                <a:srgbClr val="000000"/>
-              </a:buClr>
-              <a:buFont typeface="Arial"/>
-              <a:defRPr sz="1400" b="0" i="0" u="none" strike="noStrike" cap="none">
-                <a:solidFill>
-                  <a:srgbClr val="000000"/>
-                </a:solidFill>
-                <a:latin typeface="Arial"/>
-                <a:ea typeface="Arial"/>
-                <a:cs typeface="Arial"/>
-                <a:sym typeface="Arial"/>
-              </a:defRPr>
-            </a:lvl1pPr>
-            <a:lvl2pPr marR="0" lvl="1" algn="l" rtl="0">
-              <a:lnSpc>
-                <a:spcPct val="100000"/>
-              </a:lnSpc>
-              <a:spcBef>
-                <a:spcPts val="0"/>
-              </a:spcBef>
-              <a:spcAft>
-                <a:spcPts val="0"/>
-              </a:spcAft>
-              <a:buClr>
-                <a:srgbClr val="000000"/>
-              </a:buClr>
-              <a:buFont typeface="Arial"/>
-              <a:defRPr sz="1400" b="0" i="0" u="none" strike="noStrike" cap="none">
-                <a:solidFill>
-                  <a:srgbClr val="000000"/>
-                </a:solidFill>
-                <a:latin typeface="Arial"/>
-                <a:ea typeface="Arial"/>
-                <a:cs typeface="Arial"/>
-                <a:sym typeface="Arial"/>
-              </a:defRPr>
-            </a:lvl2pPr>
-            <a:lvl3pPr marR="0" lvl="2" algn="l" rtl="0">
-              <a:lnSpc>
-                <a:spcPct val="100000"/>
-              </a:lnSpc>
-              <a:spcBef>
-                <a:spcPts val="0"/>
-              </a:spcBef>
-              <a:spcAft>
-                <a:spcPts val="0"/>
-              </a:spcAft>
-              <a:buClr>
-                <a:srgbClr val="000000"/>
-              </a:buClr>
-              <a:buFont typeface="Arial"/>
-              <a:defRPr sz="1400" b="0" i="0" u="none" strike="noStrike" cap="none">
-                <a:solidFill>
-                  <a:srgbClr val="000000"/>
-                </a:solidFill>
-                <a:latin typeface="Arial"/>
-                <a:ea typeface="Arial"/>
-                <a:cs typeface="Arial"/>
-                <a:sym typeface="Arial"/>
-              </a:defRPr>
-            </a:lvl3pPr>
-            <a:lvl4pPr marR="0" lvl="3" algn="l" rtl="0">
-              <a:lnSpc>
-                <a:spcPct val="100000"/>
-              </a:lnSpc>
-              <a:spcBef>
-                <a:spcPts val="0"/>
-              </a:spcBef>
-              <a:spcAft>
-                <a:spcPts val="0"/>
-              </a:spcAft>
-              <a:buClr>
-                <a:srgbClr val="000000"/>
-              </a:buClr>
-              <a:buFont typeface="Arial"/>
-              <a:defRPr sz="1400" b="0" i="0" u="none" strike="noStrike" cap="none">
-                <a:solidFill>
-                  <a:srgbClr val="000000"/>
-                </a:solidFill>
-                <a:latin typeface="Arial"/>
-                <a:ea typeface="Arial"/>
-                <a:cs typeface="Arial"/>
-                <a:sym typeface="Arial"/>
-              </a:defRPr>
-            </a:lvl4pPr>
-            <a:lvl5pPr marR="0" lvl="4" algn="l" rtl="0">
-              <a:lnSpc>
-                <a:spcPct val="100000"/>
-              </a:lnSpc>
-              <a:spcBef>
-                <a:spcPts val="0"/>
-              </a:spcBef>
-              <a:spcAft>
-                <a:spcPts val="0"/>
-              </a:spcAft>
-              <a:buClr>
-                <a:srgbClr val="000000"/>
-              </a:buClr>
-              <a:buFont typeface="Arial"/>
-              <a:defRPr sz="1400" b="0" i="0" u="none" strike="noStrike" cap="none">
-                <a:solidFill>
-                  <a:srgbClr val="000000"/>
-                </a:solidFill>
-                <a:latin typeface="Arial"/>
-                <a:ea typeface="Arial"/>
-                <a:cs typeface="Arial"/>
-                <a:sym typeface="Arial"/>
-              </a:defRPr>
-            </a:lvl5pPr>
-            <a:lvl6pPr marR="0" lvl="5" algn="l" rtl="0">
-              <a:lnSpc>
-                <a:spcPct val="100000"/>
-              </a:lnSpc>
-              <a:spcBef>
-                <a:spcPts val="0"/>
-              </a:spcBef>
-              <a:spcAft>
-                <a:spcPts val="0"/>
-              </a:spcAft>
-              <a:buClr>
-                <a:srgbClr val="000000"/>
-              </a:buClr>
-              <a:buFont typeface="Arial"/>
-              <a:defRPr sz="1400" b="0" i="0" u="none" strike="noStrike" cap="none">
-                <a:solidFill>
-                  <a:srgbClr val="000000"/>
-                </a:solidFill>
-                <a:latin typeface="Arial"/>
-                <a:ea typeface="Arial"/>
-                <a:cs typeface="Arial"/>
-                <a:sym typeface="Arial"/>
-              </a:defRPr>
-            </a:lvl6pPr>
-            <a:lvl7pPr marR="0" lvl="6" algn="l" rtl="0">
-              <a:lnSpc>
-                <a:spcPct val="100000"/>
-              </a:lnSpc>
-              <a:spcBef>
-                <a:spcPts val="0"/>
-              </a:spcBef>
-              <a:spcAft>
-                <a:spcPts val="0"/>
-              </a:spcAft>
-              <a:buClr>
-                <a:srgbClr val="000000"/>
-              </a:buClr>
-              <a:buFont typeface="Arial"/>
-              <a:defRPr sz="1400" b="0" i="0" u="none" strike="noStrike" cap="none">
-                <a:solidFill>
-                  <a:srgbClr val="000000"/>
-                </a:solidFill>
-                <a:latin typeface="Arial"/>
-                <a:ea typeface="Arial"/>
-                <a:cs typeface="Arial"/>
-                <a:sym typeface="Arial"/>
-              </a:defRPr>
-            </a:lvl7pPr>
-            <a:lvl8pPr marR="0" lvl="7" algn="l" rtl="0">
-              <a:lnSpc>
-                <a:spcPct val="100000"/>
-              </a:lnSpc>
-              <a:spcBef>
-                <a:spcPts val="0"/>
-              </a:spcBef>
-              <a:spcAft>
-                <a:spcPts val="0"/>
-              </a:spcAft>
-              <a:buClr>
-                <a:srgbClr val="000000"/>
-              </a:buClr>
-              <a:buFont typeface="Arial"/>
-              <a:defRPr sz="1400" b="0" i="0" u="none" strike="noStrike" cap="none">
-                <a:solidFill>
-                  <a:srgbClr val="000000"/>
-                </a:solidFill>
-                <a:latin typeface="Arial"/>
-                <a:ea typeface="Arial"/>
-                <a:cs typeface="Arial"/>
-                <a:sym typeface="Arial"/>
-              </a:defRPr>
-            </a:lvl8pPr>
-            <a:lvl9pPr marR="0" lvl="8" algn="l" rtl="0">
-              <a:lnSpc>
-                <a:spcPct val="100000"/>
-              </a:lnSpc>
-              <a:spcBef>
-                <a:spcPts val="0"/>
-              </a:spcBef>
-              <a:spcAft>
-                <a:spcPts val="0"/>
-              </a:spcAft>
-              <a:buClr>
-                <a:srgbClr val="000000"/>
-              </a:buClr>
-              <a:buFont typeface="Arial"/>
-              <a:defRPr sz="1400" b="0" i="0" u="none" strike="noStrike" cap="none">
-                <a:solidFill>
-                  <a:srgbClr val="000000"/>
-                </a:solidFill>
-                <a:latin typeface="Arial"/>
-                <a:ea typeface="Arial"/>
-                <a:cs typeface="Arial"/>
-                <a:sym typeface="Arial"/>
-              </a:defRPr>
-            </a:lvl9pPr>
-          </a:lstStyle>
-          <a:p>
-            <a:pPr marL="0" marR="0" lvl="0" indent="0" algn="ctr" rtl="0">
-              <a:lnSpc>
-                <a:spcPct val="100000"/>
-              </a:lnSpc>
-              <a:spcBef>
-                <a:spcPts val="0"/>
-              </a:spcBef>
-              <a:spcAft>
-                <a:spcPts val="0"/>
-              </a:spcAft>
-              <a:buNone/>
-            </a:pPr>
-            <a:r>
-              <a:rPr lang="en-US" sz="1100" b="1" i="0" u="none" strike="noStrike" cap="none">
-                <a:solidFill>
-                  <a:schemeClr val="lt1"/>
-                </a:solidFill>
-                <a:latin typeface="Arial"/>
-                <a:ea typeface="Arial"/>
-                <a:cs typeface="Arial"/>
-                <a:sym typeface="Arial"/>
-              </a:rPr>
-              <a:t>1</a:t>
-            </a:r>
-            <a:endParaRPr/>
+          <a:lstStyle/>
+          <a:p>
+            <a:r>
+              <a:rPr lang="en-US" dirty="0"/>
+              <a:t>T1 – Data</a:t>
+            </a:r>
+            <a:endParaRPr lang="en-US" b="0" dirty="0"/>
           </a:p>
         </p:txBody>
       </p:sp>
       <p:sp>
         <p:nvSpPr>
-          <p:cNvPr id="9" name="Google Shape;341;p26">
+          <p:cNvPr id="11" name="TextBox 10">
             <a:extLst>
               <a:ext uri="{FF2B5EF4-FFF2-40B4-BE49-F238E27FC236}">
-                <a16:creationId xmlns:a16="http://schemas.microsoft.com/office/drawing/2014/main" id="{975EB102-1262-4680-B5DF-23634CC339DC}"/>
+                <a16:creationId xmlns:a16="http://schemas.microsoft.com/office/drawing/2014/main" id="{3C394B27-713E-4355-9DF5-63B82D16C924}"/>
               </a:ext>
             </a:extLst>
           </p:cNvPr>
-          <p:cNvSpPr/>
+          <p:cNvSpPr txBox="1"/>
           <p:nvPr/>
         </p:nvSpPr>
         <p:spPr>
           <a:xfrm>
-            <a:off x="838201" y="3658510"/>
-            <a:ext cx="399297" cy="399297"/>
-          </a:xfrm>
-          <a:prstGeom prst="ellipse">
+            <a:off x="1492441" y="4095949"/>
+            <a:ext cx="1114408" cy="369332"/>
+          </a:xfrm>
+          <a:prstGeom prst="rect">
             <a:avLst/>
           </a:prstGeom>
-          <a:solidFill>
-            <a:srgbClr val="008000"/>
-          </a:solidFill>
-          <a:ln w="25400" cap="flat" cmpd="sng">
-            <a:solidFill>
-              <a:srgbClr val="008000"/>
-            </a:solidFill>
-            <a:prstDash val="solid"/>
-            <a:round/>
-            <a:headEnd type="none" w="sm" len="sm"/>
-            <a:tailEnd type="none" w="sm" len="sm"/>
-          </a:ln>
         </p:spPr>
         <p:txBody>
-          <a:bodyPr spcFirstLastPara="1" wrap="square" lIns="0" tIns="0" rIns="0" bIns="0" anchor="ctr" anchorCtr="0">
-            <a:noAutofit/>
+          <a:bodyPr wrap="none" rtlCol="0">
+            <a:spAutoFit/>
           </a:bodyPr>
-          <a:lstStyle>
-            <a:defPPr marR="0" lvl="0" algn="l" rtl="0">
-              <a:lnSpc>
-                <a:spcPct val="100000"/>
-              </a:lnSpc>
-              <a:spcBef>
-                <a:spcPts val="0"/>
-              </a:spcBef>
-              <a:spcAft>
-                <a:spcPts val="0"/>
-              </a:spcAft>
-            </a:defPPr>
-            <a:lvl1pPr marR="0" lvl="0" algn="l" rtl="0">
-              <a:lnSpc>
-                <a:spcPct val="100000"/>
-              </a:lnSpc>
-              <a:spcBef>
-                <a:spcPts val="0"/>
-              </a:spcBef>
-              <a:spcAft>
-                <a:spcPts val="0"/>
-              </a:spcAft>
-              <a:buClr>
-                <a:srgbClr val="000000"/>
-              </a:buClr>
-              <a:buFont typeface="Arial"/>
-              <a:defRPr sz="1400" b="0" i="0" u="none" strike="noStrike" cap="none">
-                <a:solidFill>
-                  <a:srgbClr val="000000"/>
-                </a:solidFill>
-                <a:latin typeface="Arial"/>
-                <a:ea typeface="Arial"/>
-                <a:cs typeface="Arial"/>
-                <a:sym typeface="Arial"/>
-              </a:defRPr>
-            </a:lvl1pPr>
-            <a:lvl2pPr marR="0" lvl="1" algn="l" rtl="0">
-              <a:lnSpc>
-                <a:spcPct val="100000"/>
-              </a:lnSpc>
-              <a:spcBef>
-                <a:spcPts val="0"/>
-              </a:spcBef>
-              <a:spcAft>
-                <a:spcPts val="0"/>
-              </a:spcAft>
-              <a:buClr>
-                <a:srgbClr val="000000"/>
-              </a:buClr>
-              <a:buFont typeface="Arial"/>
-              <a:defRPr sz="1400" b="0" i="0" u="none" strike="noStrike" cap="none">
-                <a:solidFill>
-                  <a:srgbClr val="000000"/>
-                </a:solidFill>
-                <a:latin typeface="Arial"/>
-                <a:ea typeface="Arial"/>
-                <a:cs typeface="Arial"/>
-                <a:sym typeface="Arial"/>
-              </a:defRPr>
-            </a:lvl2pPr>
-            <a:lvl3pPr marR="0" lvl="2" algn="l" rtl="0">
-              <a:lnSpc>
-                <a:spcPct val="100000"/>
-              </a:lnSpc>
-              <a:spcBef>
-                <a:spcPts val="0"/>
-              </a:spcBef>
-              <a:spcAft>
-                <a:spcPts val="0"/>
-              </a:spcAft>
-              <a:buClr>
-                <a:srgbClr val="000000"/>
-              </a:buClr>
-              <a:buFont typeface="Arial"/>
-              <a:defRPr sz="1400" b="0" i="0" u="none" strike="noStrike" cap="none">
-                <a:solidFill>
-                  <a:srgbClr val="000000"/>
-                </a:solidFill>
-                <a:latin typeface="Arial"/>
-                <a:ea typeface="Arial"/>
-                <a:cs typeface="Arial"/>
-                <a:sym typeface="Arial"/>
-              </a:defRPr>
-            </a:lvl3pPr>
-            <a:lvl4pPr marR="0" lvl="3" algn="l" rtl="0">
-              <a:lnSpc>
-                <a:spcPct val="100000"/>
-              </a:lnSpc>
-              <a:spcBef>
-                <a:spcPts val="0"/>
-              </a:spcBef>
-              <a:spcAft>
-                <a:spcPts val="0"/>
-              </a:spcAft>
-              <a:buClr>
-                <a:srgbClr val="000000"/>
-              </a:buClr>
-              <a:buFont typeface="Arial"/>
-              <a:defRPr sz="1400" b="0" i="0" u="none" strike="noStrike" cap="none">
-                <a:solidFill>
-                  <a:srgbClr val="000000"/>
-                </a:solidFill>
-                <a:latin typeface="Arial"/>
-                <a:ea typeface="Arial"/>
-                <a:cs typeface="Arial"/>
-                <a:sym typeface="Arial"/>
-              </a:defRPr>
-            </a:lvl4pPr>
-            <a:lvl5pPr marR="0" lvl="4" algn="l" rtl="0">
-              <a:lnSpc>
-                <a:spcPct val="100000"/>
-              </a:lnSpc>
-              <a:spcBef>
-                <a:spcPts val="0"/>
-              </a:spcBef>
-              <a:spcAft>
-                <a:spcPts val="0"/>
-              </a:spcAft>
-              <a:buClr>
-                <a:srgbClr val="000000"/>
-              </a:buClr>
-              <a:buFont typeface="Arial"/>
-              <a:defRPr sz="1400" b="0" i="0" u="none" strike="noStrike" cap="none">
-                <a:solidFill>
-                  <a:srgbClr val="000000"/>
-                </a:solidFill>
-                <a:latin typeface="Arial"/>
-                <a:ea typeface="Arial"/>
-                <a:cs typeface="Arial"/>
-                <a:sym typeface="Arial"/>
-              </a:defRPr>
-            </a:lvl5pPr>
-            <a:lvl6pPr marR="0" lvl="5" algn="l" rtl="0">
-              <a:lnSpc>
-                <a:spcPct val="100000"/>
-              </a:lnSpc>
-              <a:spcBef>
-                <a:spcPts val="0"/>
-              </a:spcBef>
-              <a:spcAft>
-                <a:spcPts val="0"/>
-              </a:spcAft>
-              <a:buClr>
-                <a:srgbClr val="000000"/>
-              </a:buClr>
-              <a:buFont typeface="Arial"/>
-              <a:defRPr sz="1400" b="0" i="0" u="none" strike="noStrike" cap="none">
-                <a:solidFill>
-                  <a:srgbClr val="000000"/>
-                </a:solidFill>
-                <a:latin typeface="Arial"/>
-                <a:ea typeface="Arial"/>
-                <a:cs typeface="Arial"/>
-                <a:sym typeface="Arial"/>
-              </a:defRPr>
-            </a:lvl6pPr>
-            <a:lvl7pPr marR="0" lvl="6" algn="l" rtl="0">
-              <a:lnSpc>
-                <a:spcPct val="100000"/>
-              </a:lnSpc>
-              <a:spcBef>
-                <a:spcPts val="0"/>
-              </a:spcBef>
-              <a:spcAft>
-                <a:spcPts val="0"/>
-              </a:spcAft>
-              <a:buClr>
-                <a:srgbClr val="000000"/>
-              </a:buClr>
-              <a:buFont typeface="Arial"/>
-              <a:defRPr sz="1400" b="0" i="0" u="none" strike="noStrike" cap="none">
-                <a:solidFill>
-                  <a:srgbClr val="000000"/>
-                </a:solidFill>
-                <a:latin typeface="Arial"/>
-                <a:ea typeface="Arial"/>
-                <a:cs typeface="Arial"/>
-                <a:sym typeface="Arial"/>
-              </a:defRPr>
-            </a:lvl7pPr>
-            <a:lvl8pPr marR="0" lvl="7" algn="l" rtl="0">
-              <a:lnSpc>
-                <a:spcPct val="100000"/>
-              </a:lnSpc>
-              <a:spcBef>
-                <a:spcPts val="0"/>
-              </a:spcBef>
-              <a:spcAft>
-                <a:spcPts val="0"/>
-              </a:spcAft>
-              <a:buClr>
-                <a:srgbClr val="000000"/>
-              </a:buClr>
-              <a:buFont typeface="Arial"/>
-              <a:defRPr sz="1400" b="0" i="0" u="none" strike="noStrike" cap="none">
-                <a:solidFill>
-                  <a:srgbClr val="000000"/>
-                </a:solidFill>
-                <a:latin typeface="Arial"/>
-                <a:ea typeface="Arial"/>
-                <a:cs typeface="Arial"/>
-                <a:sym typeface="Arial"/>
-              </a:defRPr>
-            </a:lvl8pPr>
-            <a:lvl9pPr marR="0" lvl="8" algn="l" rtl="0">
-              <a:lnSpc>
-                <a:spcPct val="100000"/>
-              </a:lnSpc>
-              <a:spcBef>
-                <a:spcPts val="0"/>
-              </a:spcBef>
-              <a:spcAft>
-                <a:spcPts val="0"/>
-              </a:spcAft>
-              <a:buClr>
-                <a:srgbClr val="000000"/>
-              </a:buClr>
-              <a:buFont typeface="Arial"/>
-              <a:defRPr sz="1400" b="0" i="0" u="none" strike="noStrike" cap="none">
-                <a:solidFill>
-                  <a:srgbClr val="000000"/>
-                </a:solidFill>
-                <a:latin typeface="Arial"/>
-                <a:ea typeface="Arial"/>
-                <a:cs typeface="Arial"/>
-                <a:sym typeface="Arial"/>
-              </a:defRPr>
-            </a:lvl9pPr>
-          </a:lstStyle>
-          <a:p>
-            <a:pPr marL="0" marR="0" lvl="0" indent="0" algn="ctr" rtl="0">
-              <a:lnSpc>
-                <a:spcPct val="100000"/>
-              </a:lnSpc>
-              <a:spcBef>
-                <a:spcPts val="0"/>
-              </a:spcBef>
-              <a:spcAft>
-                <a:spcPts val="0"/>
-              </a:spcAft>
-              <a:buNone/>
-            </a:pPr>
-            <a:r>
-              <a:rPr lang="en-US" sz="1100" b="1" i="0" u="none" strike="noStrike" cap="none">
-                <a:solidFill>
-                  <a:schemeClr val="lt1"/>
-                </a:solidFill>
-                <a:latin typeface="Arial"/>
-                <a:ea typeface="Arial"/>
-                <a:cs typeface="Arial"/>
-                <a:sym typeface="Arial"/>
-              </a:rPr>
-              <a:t>2</a:t>
-            </a:r>
-            <a:endParaRPr/>
+          <a:lstStyle/>
+          <a:p>
+            <a:r>
+              <a:rPr lang="en-US" dirty="0"/>
+              <a:t>T2 – Logic</a:t>
+            </a:r>
+            <a:endParaRPr lang="en-US" b="0" dirty="0"/>
           </a:p>
         </p:txBody>
       </p:sp>
       <p:sp>
         <p:nvSpPr>
-          <p:cNvPr id="10" name="Google Shape;342;p26">
+          <p:cNvPr id="12" name="TextBox 11">
             <a:extLst>
               <a:ext uri="{FF2B5EF4-FFF2-40B4-BE49-F238E27FC236}">
-                <a16:creationId xmlns:a16="http://schemas.microsoft.com/office/drawing/2014/main" id="{2621A757-44DB-4051-914A-503DFEC4D3A0}"/>
+                <a16:creationId xmlns:a16="http://schemas.microsoft.com/office/drawing/2014/main" id="{6B3B268D-1BA0-498C-86F6-A28C626F95C4}"/>
               </a:ext>
             </a:extLst>
           </p:cNvPr>
-          <p:cNvSpPr/>
+          <p:cNvSpPr txBox="1"/>
           <p:nvPr/>
         </p:nvSpPr>
         <p:spPr>
           <a:xfrm>
-            <a:off x="838200" y="4941702"/>
-            <a:ext cx="399297" cy="399297"/>
-          </a:xfrm>
-          <a:prstGeom prst="ellipse">
+            <a:off x="1492441" y="2724349"/>
+            <a:ext cx="1213858" cy="369332"/>
+          </a:xfrm>
+          <a:prstGeom prst="rect">
             <a:avLst/>
           </a:prstGeom>
-          <a:solidFill>
-            <a:srgbClr val="008000"/>
-          </a:solidFill>
-          <a:ln w="25400" cap="flat" cmpd="sng">
-            <a:solidFill>
-              <a:srgbClr val="008000"/>
-            </a:solidFill>
-            <a:prstDash val="solid"/>
-            <a:round/>
-            <a:headEnd type="none" w="sm" len="sm"/>
-            <a:tailEnd type="none" w="sm" len="sm"/>
-          </a:ln>
         </p:spPr>
         <p:txBody>
-          <a:bodyPr spcFirstLastPara="1" wrap="square" lIns="0" tIns="0" rIns="0" bIns="0" anchor="ctr" anchorCtr="0">
-            <a:noAutofit/>
+          <a:bodyPr wrap="none" rtlCol="0">
+            <a:spAutoFit/>
           </a:bodyPr>
-          <a:lstStyle>
-            <a:defPPr marR="0" lvl="0" algn="l" rtl="0">
-              <a:lnSpc>
-                <a:spcPct val="100000"/>
-              </a:lnSpc>
-              <a:spcBef>
-                <a:spcPts val="0"/>
-              </a:spcBef>
-              <a:spcAft>
-                <a:spcPts val="0"/>
-              </a:spcAft>
-            </a:defPPr>
-            <a:lvl1pPr marR="0" lvl="0" algn="l" rtl="0">
-              <a:lnSpc>
-                <a:spcPct val="100000"/>
-              </a:lnSpc>
-              <a:spcBef>
-                <a:spcPts val="0"/>
-              </a:spcBef>
-              <a:spcAft>
-                <a:spcPts val="0"/>
-              </a:spcAft>
-              <a:buClr>
-                <a:srgbClr val="000000"/>
-              </a:buClr>
-              <a:buFont typeface="Arial"/>
-              <a:defRPr sz="1400" b="0" i="0" u="none" strike="noStrike" cap="none">
-                <a:solidFill>
-                  <a:srgbClr val="000000"/>
-                </a:solidFill>
-                <a:latin typeface="Arial"/>
-                <a:ea typeface="Arial"/>
-                <a:cs typeface="Arial"/>
-                <a:sym typeface="Arial"/>
-              </a:defRPr>
-            </a:lvl1pPr>
-            <a:lvl2pPr marR="0" lvl="1" algn="l" rtl="0">
-              <a:lnSpc>
-                <a:spcPct val="100000"/>
-              </a:lnSpc>
-              <a:spcBef>
-                <a:spcPts val="0"/>
-              </a:spcBef>
-              <a:spcAft>
-                <a:spcPts val="0"/>
-              </a:spcAft>
-              <a:buClr>
-                <a:srgbClr val="000000"/>
-              </a:buClr>
-              <a:buFont typeface="Arial"/>
-              <a:defRPr sz="1400" b="0" i="0" u="none" strike="noStrike" cap="none">
-                <a:solidFill>
-                  <a:srgbClr val="000000"/>
-                </a:solidFill>
-                <a:latin typeface="Arial"/>
-                <a:ea typeface="Arial"/>
-                <a:cs typeface="Arial"/>
-                <a:sym typeface="Arial"/>
-              </a:defRPr>
-            </a:lvl2pPr>
-            <a:lvl3pPr marR="0" lvl="2" algn="l" rtl="0">
-              <a:lnSpc>
-                <a:spcPct val="100000"/>
-              </a:lnSpc>
-              <a:spcBef>
-                <a:spcPts val="0"/>
-              </a:spcBef>
-              <a:spcAft>
-                <a:spcPts val="0"/>
-              </a:spcAft>
-              <a:buClr>
-                <a:srgbClr val="000000"/>
-              </a:buClr>
-              <a:buFont typeface="Arial"/>
-              <a:defRPr sz="1400" b="0" i="0" u="none" strike="noStrike" cap="none">
-                <a:solidFill>
-                  <a:srgbClr val="000000"/>
-                </a:solidFill>
-                <a:latin typeface="Arial"/>
-                <a:ea typeface="Arial"/>
-                <a:cs typeface="Arial"/>
-                <a:sym typeface="Arial"/>
-              </a:defRPr>
-            </a:lvl3pPr>
-            <a:lvl4pPr marR="0" lvl="3" algn="l" rtl="0">
-              <a:lnSpc>
-                <a:spcPct val="100000"/>
-              </a:lnSpc>
-              <a:spcBef>
-                <a:spcPts val="0"/>
-              </a:spcBef>
-              <a:spcAft>
-                <a:spcPts val="0"/>
-              </a:spcAft>
-              <a:buClr>
-                <a:srgbClr val="000000"/>
-              </a:buClr>
-              <a:buFont typeface="Arial"/>
-              <a:defRPr sz="1400" b="0" i="0" u="none" strike="noStrike" cap="none">
-                <a:solidFill>
-                  <a:srgbClr val="000000"/>
-                </a:solidFill>
-                <a:latin typeface="Arial"/>
-                <a:ea typeface="Arial"/>
-                <a:cs typeface="Arial"/>
-                <a:sym typeface="Arial"/>
-              </a:defRPr>
-            </a:lvl4pPr>
-            <a:lvl5pPr marR="0" lvl="4" algn="l" rtl="0">
-              <a:lnSpc>
-                <a:spcPct val="100000"/>
-              </a:lnSpc>
-              <a:spcBef>
-                <a:spcPts val="0"/>
-              </a:spcBef>
-              <a:spcAft>
-                <a:spcPts val="0"/>
-              </a:spcAft>
-              <a:buClr>
-                <a:srgbClr val="000000"/>
-              </a:buClr>
-              <a:buFont typeface="Arial"/>
-              <a:defRPr sz="1400" b="0" i="0" u="none" strike="noStrike" cap="none">
-                <a:solidFill>
-                  <a:srgbClr val="000000"/>
-                </a:solidFill>
-                <a:latin typeface="Arial"/>
-                <a:ea typeface="Arial"/>
-                <a:cs typeface="Arial"/>
-                <a:sym typeface="Arial"/>
-              </a:defRPr>
-            </a:lvl5pPr>
-            <a:lvl6pPr marR="0" lvl="5" algn="l" rtl="0">
-              <a:lnSpc>
-                <a:spcPct val="100000"/>
-              </a:lnSpc>
-              <a:spcBef>
-                <a:spcPts val="0"/>
-              </a:spcBef>
-              <a:spcAft>
-                <a:spcPts val="0"/>
-              </a:spcAft>
-              <a:buClr>
-                <a:srgbClr val="000000"/>
-              </a:buClr>
-              <a:buFont typeface="Arial"/>
-              <a:defRPr sz="1400" b="0" i="0" u="none" strike="noStrike" cap="none">
-                <a:solidFill>
-                  <a:srgbClr val="000000"/>
-                </a:solidFill>
-                <a:latin typeface="Arial"/>
-                <a:ea typeface="Arial"/>
-                <a:cs typeface="Arial"/>
-                <a:sym typeface="Arial"/>
-              </a:defRPr>
-            </a:lvl6pPr>
-            <a:lvl7pPr marR="0" lvl="6" algn="l" rtl="0">
-              <a:lnSpc>
-                <a:spcPct val="100000"/>
-              </a:lnSpc>
-              <a:spcBef>
-                <a:spcPts val="0"/>
-              </a:spcBef>
-              <a:spcAft>
-                <a:spcPts val="0"/>
-              </a:spcAft>
-              <a:buClr>
-                <a:srgbClr val="000000"/>
-              </a:buClr>
-              <a:buFont typeface="Arial"/>
-              <a:defRPr sz="1400" b="0" i="0" u="none" strike="noStrike" cap="none">
-                <a:solidFill>
-                  <a:srgbClr val="000000"/>
-                </a:solidFill>
-                <a:latin typeface="Arial"/>
-                <a:ea typeface="Arial"/>
-                <a:cs typeface="Arial"/>
-                <a:sym typeface="Arial"/>
-              </a:defRPr>
-            </a:lvl7pPr>
-            <a:lvl8pPr marR="0" lvl="7" algn="l" rtl="0">
-              <a:lnSpc>
-                <a:spcPct val="100000"/>
-              </a:lnSpc>
-              <a:spcBef>
-                <a:spcPts val="0"/>
-              </a:spcBef>
-              <a:spcAft>
-                <a:spcPts val="0"/>
-              </a:spcAft>
-              <a:buClr>
-                <a:srgbClr val="000000"/>
-              </a:buClr>
-              <a:buFont typeface="Arial"/>
-              <a:defRPr sz="1400" b="0" i="0" u="none" strike="noStrike" cap="none">
-                <a:solidFill>
-                  <a:srgbClr val="000000"/>
-                </a:solidFill>
-                <a:latin typeface="Arial"/>
-                <a:ea typeface="Arial"/>
-                <a:cs typeface="Arial"/>
-                <a:sym typeface="Arial"/>
-              </a:defRPr>
-            </a:lvl8pPr>
-            <a:lvl9pPr marR="0" lvl="8" algn="l" rtl="0">
-              <a:lnSpc>
-                <a:spcPct val="100000"/>
-              </a:lnSpc>
-              <a:spcBef>
-                <a:spcPts val="0"/>
-              </a:spcBef>
-              <a:spcAft>
-                <a:spcPts val="0"/>
-              </a:spcAft>
-              <a:buClr>
-                <a:srgbClr val="000000"/>
-              </a:buClr>
-              <a:buFont typeface="Arial"/>
-              <a:defRPr sz="1400" b="0" i="0" u="none" strike="noStrike" cap="none">
-                <a:solidFill>
-                  <a:srgbClr val="000000"/>
-                </a:solidFill>
-                <a:latin typeface="Arial"/>
-                <a:ea typeface="Arial"/>
-                <a:cs typeface="Arial"/>
-                <a:sym typeface="Arial"/>
-              </a:defRPr>
-            </a:lvl9pPr>
-          </a:lstStyle>
-          <a:p>
-            <a:pPr marL="0" marR="0" lvl="0" indent="0" algn="ctr" rtl="0">
-              <a:lnSpc>
-                <a:spcPct val="100000"/>
-              </a:lnSpc>
-              <a:spcBef>
-                <a:spcPts val="0"/>
-              </a:spcBef>
-              <a:spcAft>
-                <a:spcPts val="0"/>
-              </a:spcAft>
-              <a:buNone/>
-            </a:pPr>
-            <a:r>
-              <a:rPr lang="en-US" sz="1100" b="1" i="0" u="none" strike="noStrike" cap="none">
-                <a:solidFill>
-                  <a:schemeClr val="lt1"/>
-                </a:solidFill>
-                <a:latin typeface="Arial"/>
-                <a:ea typeface="Arial"/>
-                <a:cs typeface="Arial"/>
-                <a:sym typeface="Arial"/>
-              </a:rPr>
-              <a:t>3</a:t>
-            </a:r>
-            <a:endParaRPr/>
+          <a:lstStyle/>
+          <a:p>
+            <a:r>
+              <a:rPr lang="en-US" dirty="0"/>
+              <a:t>T3 – Forms</a:t>
+            </a:r>
+            <a:endParaRPr lang="en-US" b="0" dirty="0"/>
           </a:p>
         </p:txBody>
       </p:sp>
+      <p:pic>
+        <p:nvPicPr>
+          <p:cNvPr id="27" name="Picture 26" descr="A black sign with white text&#10;&#10;Description automatically generated">
+            <a:extLst>
+              <a:ext uri="{FF2B5EF4-FFF2-40B4-BE49-F238E27FC236}">
+                <a16:creationId xmlns:a16="http://schemas.microsoft.com/office/drawing/2014/main" id="{D69F59B7-5967-4E41-AED1-1A16456DEB25}"/>
+              </a:ext>
+            </a:extLst>
+          </p:cNvPr>
+          <p:cNvPicPr>
+            <a:picLocks noChangeAspect="1"/>
+          </p:cNvPicPr>
+          <p:nvPr/>
+        </p:nvPicPr>
+        <p:blipFill>
+          <a:blip r:embed="rId3"/>
+          <a:stretch>
+            <a:fillRect/>
+          </a:stretch>
+        </p:blipFill>
+        <p:spPr>
+          <a:xfrm>
+            <a:off x="2990847" y="2571385"/>
+            <a:ext cx="539416" cy="675259"/>
+          </a:xfrm>
+          <a:prstGeom prst="rect">
+            <a:avLst/>
+          </a:prstGeom>
+        </p:spPr>
+      </p:pic>
+      <p:pic>
+        <p:nvPicPr>
+          <p:cNvPr id="1024" name="Picture 1023">
+            <a:extLst>
+              <a:ext uri="{FF2B5EF4-FFF2-40B4-BE49-F238E27FC236}">
+                <a16:creationId xmlns:a16="http://schemas.microsoft.com/office/drawing/2014/main" id="{D577DEBF-E3CC-4C38-B5D1-E526D5FF50AB}"/>
+              </a:ext>
+            </a:extLst>
+          </p:cNvPr>
+          <p:cNvPicPr>
+            <a:picLocks noChangeAspect="1"/>
+          </p:cNvPicPr>
+          <p:nvPr/>
+        </p:nvPicPr>
+        <p:blipFill>
+          <a:blip r:embed="rId4"/>
+          <a:stretch>
+            <a:fillRect/>
+          </a:stretch>
+        </p:blipFill>
+        <p:spPr>
+          <a:xfrm>
+            <a:off x="2965056" y="5356717"/>
+            <a:ext cx="590996" cy="590996"/>
+          </a:xfrm>
+          <a:prstGeom prst="rect">
+            <a:avLst/>
+          </a:prstGeom>
+        </p:spPr>
+      </p:pic>
+      <p:pic>
+        <p:nvPicPr>
+          <p:cNvPr id="1037" name="Picture 1036" descr="A circuit board&#10;&#10;Description automatically generated">
+            <a:extLst>
+              <a:ext uri="{FF2B5EF4-FFF2-40B4-BE49-F238E27FC236}">
+                <a16:creationId xmlns:a16="http://schemas.microsoft.com/office/drawing/2014/main" id="{12C82FC5-6784-403E-B600-B476893B63F3}"/>
+              </a:ext>
+            </a:extLst>
+          </p:cNvPr>
+          <p:cNvPicPr>
+            <a:picLocks noChangeAspect="1"/>
+          </p:cNvPicPr>
+          <p:nvPr/>
+        </p:nvPicPr>
+        <p:blipFill>
+          <a:blip r:embed="rId5"/>
+          <a:stretch>
+            <a:fillRect/>
+          </a:stretch>
+        </p:blipFill>
+        <p:spPr>
+          <a:xfrm>
+            <a:off x="2965057" y="3985117"/>
+            <a:ext cx="590995" cy="590995"/>
+          </a:xfrm>
+          <a:prstGeom prst="rect">
+            <a:avLst/>
+          </a:prstGeom>
+        </p:spPr>
+      </p:pic>
     </p:spTree>
     <p:extLst>
       <p:ext uri="{BB962C8B-B14F-4D97-AF65-F5344CB8AC3E}">
-        <p14:creationId xmlns:p14="http://schemas.microsoft.com/office/powerpoint/2010/main" val="1722197074"/>
+        <p14:creationId xmlns:p14="http://schemas.microsoft.com/office/powerpoint/2010/main" val="3007023398"/>
       </p:ext>
     </p:extLst>
   </p:cSld>
@@ -10171,6 +9052,3268 @@
       </p:grpSpPr>
       <p:sp>
         <p:nvSpPr>
+          <p:cNvPr id="2" name="Title 1">
+            <a:extLst>
+              <a:ext uri="{FF2B5EF4-FFF2-40B4-BE49-F238E27FC236}">
+                <a16:creationId xmlns:a16="http://schemas.microsoft.com/office/drawing/2014/main" id="{BD8C449E-B61A-409D-B9DE-3F91C00B9E19}"/>
+              </a:ext>
+            </a:extLst>
+          </p:cNvPr>
+          <p:cNvSpPr>
+            <a:spLocks noGrp="1"/>
+          </p:cNvSpPr>
+          <p:nvPr>
+            <p:ph type="title" idx="4294967295"/>
+          </p:nvPr>
+        </p:nvSpPr>
+        <p:spPr>
+          <a:xfrm>
+            <a:off x="0" y="1042988"/>
+            <a:ext cx="10515600" cy="887412"/>
+          </a:xfrm>
+        </p:spPr>
+        <p:txBody>
+          <a:bodyPr/>
+          <a:lstStyle/>
+          <a:p>
+            <a:r>
+              <a:rPr lang="en-US" dirty="0"/>
+              <a:t>Requirements -&gt; Running Code</a:t>
+            </a:r>
+          </a:p>
+        </p:txBody>
+      </p:sp>
+      <p:sp>
+        <p:nvSpPr>
+          <p:cNvPr id="6" name="Rectangle: Rounded Corners 5">
+            <a:extLst>
+              <a:ext uri="{FF2B5EF4-FFF2-40B4-BE49-F238E27FC236}">
+                <a16:creationId xmlns:a16="http://schemas.microsoft.com/office/drawing/2014/main" id="{F666050D-7BC1-4FA6-8DA4-CBA19396DDCF}"/>
+              </a:ext>
+            </a:extLst>
+          </p:cNvPr>
+          <p:cNvSpPr/>
+          <p:nvPr/>
+        </p:nvSpPr>
+        <p:spPr>
+          <a:xfrm>
+            <a:off x="1207893" y="5009237"/>
+            <a:ext cx="9821054" cy="1285957"/>
+          </a:xfrm>
+          <a:prstGeom prst="roundRect">
+            <a:avLst>
+              <a:gd name="adj" fmla="val 9182"/>
+            </a:avLst>
+          </a:prstGeom>
+          <a:solidFill>
+            <a:schemeClr val="accent3"/>
+          </a:solidFill>
+        </p:spPr>
+        <p:style>
+          <a:lnRef idx="2">
+            <a:schemeClr val="accent1">
+              <a:shade val="50000"/>
+            </a:schemeClr>
+          </a:lnRef>
+          <a:fillRef idx="1">
+            <a:schemeClr val="accent1"/>
+          </a:fillRef>
+          <a:effectRef idx="0">
+            <a:schemeClr val="accent1"/>
+          </a:effectRef>
+          <a:fontRef idx="minor">
+            <a:schemeClr val="lt1"/>
+          </a:fontRef>
+        </p:style>
+        <p:txBody>
+          <a:bodyPr rtlCol="0" anchor="ctr"/>
+          <a:lstStyle/>
+          <a:p>
+            <a:pPr algn="ctr"/>
+            <a:endParaRPr lang="en-US"/>
+          </a:p>
+        </p:txBody>
+      </p:sp>
+      <p:sp>
+        <p:nvSpPr>
+          <p:cNvPr id="7" name="Rectangle: Rounded Corners 6">
+            <a:extLst>
+              <a:ext uri="{FF2B5EF4-FFF2-40B4-BE49-F238E27FC236}">
+                <a16:creationId xmlns:a16="http://schemas.microsoft.com/office/drawing/2014/main" id="{B0901C88-D09D-4B6B-8432-AF5B1BFAF4B0}"/>
+              </a:ext>
+            </a:extLst>
+          </p:cNvPr>
+          <p:cNvSpPr/>
+          <p:nvPr/>
+        </p:nvSpPr>
+        <p:spPr>
+          <a:xfrm>
+            <a:off x="1207893" y="3637637"/>
+            <a:ext cx="9821054" cy="1285957"/>
+          </a:xfrm>
+          <a:prstGeom prst="roundRect">
+            <a:avLst>
+              <a:gd name="adj" fmla="val 9182"/>
+            </a:avLst>
+          </a:prstGeom>
+          <a:solidFill>
+            <a:schemeClr val="accent5">
+              <a:lumMod val="60000"/>
+              <a:lumOff val="40000"/>
+            </a:schemeClr>
+          </a:solidFill>
+        </p:spPr>
+        <p:style>
+          <a:lnRef idx="2">
+            <a:schemeClr val="accent1">
+              <a:shade val="50000"/>
+            </a:schemeClr>
+          </a:lnRef>
+          <a:fillRef idx="1">
+            <a:schemeClr val="accent1"/>
+          </a:fillRef>
+          <a:effectRef idx="0">
+            <a:schemeClr val="accent1"/>
+          </a:effectRef>
+          <a:fontRef idx="minor">
+            <a:schemeClr val="lt1"/>
+          </a:fontRef>
+        </p:style>
+        <p:txBody>
+          <a:bodyPr rtlCol="0" anchor="ctr"/>
+          <a:lstStyle/>
+          <a:p>
+            <a:pPr algn="ctr"/>
+            <a:endParaRPr lang="en-US"/>
+          </a:p>
+        </p:txBody>
+      </p:sp>
+      <p:sp>
+        <p:nvSpPr>
+          <p:cNvPr id="8" name="Rectangle: Rounded Corners 7">
+            <a:extLst>
+              <a:ext uri="{FF2B5EF4-FFF2-40B4-BE49-F238E27FC236}">
+                <a16:creationId xmlns:a16="http://schemas.microsoft.com/office/drawing/2014/main" id="{1409B06B-2574-481F-999E-B8603B5D50C3}"/>
+              </a:ext>
+            </a:extLst>
+          </p:cNvPr>
+          <p:cNvSpPr/>
+          <p:nvPr/>
+        </p:nvSpPr>
+        <p:spPr>
+          <a:xfrm>
+            <a:off x="1207893" y="2266037"/>
+            <a:ext cx="9821054" cy="1285957"/>
+          </a:xfrm>
+          <a:prstGeom prst="roundRect">
+            <a:avLst>
+              <a:gd name="adj" fmla="val 9182"/>
+            </a:avLst>
+          </a:prstGeom>
+          <a:solidFill>
+            <a:schemeClr val="accent1">
+              <a:lumMod val="40000"/>
+              <a:lumOff val="60000"/>
+            </a:schemeClr>
+          </a:solidFill>
+        </p:spPr>
+        <p:style>
+          <a:lnRef idx="2">
+            <a:schemeClr val="accent1">
+              <a:shade val="50000"/>
+            </a:schemeClr>
+          </a:lnRef>
+          <a:fillRef idx="1">
+            <a:schemeClr val="accent1"/>
+          </a:fillRef>
+          <a:effectRef idx="0">
+            <a:schemeClr val="accent1"/>
+          </a:effectRef>
+          <a:fontRef idx="minor">
+            <a:schemeClr val="lt1"/>
+          </a:fontRef>
+        </p:style>
+        <p:txBody>
+          <a:bodyPr rtlCol="0" anchor="ctr"/>
+          <a:lstStyle/>
+          <a:p>
+            <a:pPr algn="ctr"/>
+            <a:endParaRPr lang="en-US"/>
+          </a:p>
+        </p:txBody>
+      </p:sp>
+      <p:sp>
+        <p:nvSpPr>
+          <p:cNvPr id="10" name="TextBox 9">
+            <a:extLst>
+              <a:ext uri="{FF2B5EF4-FFF2-40B4-BE49-F238E27FC236}">
+                <a16:creationId xmlns:a16="http://schemas.microsoft.com/office/drawing/2014/main" id="{A5CA2806-6DC3-4FCB-9296-F73913E98652}"/>
+              </a:ext>
+            </a:extLst>
+          </p:cNvPr>
+          <p:cNvSpPr txBox="1"/>
+          <p:nvPr/>
+        </p:nvSpPr>
+        <p:spPr>
+          <a:xfrm rot="16200000">
+            <a:off x="487729" y="5467549"/>
+            <a:ext cx="1070999" cy="369332"/>
+          </a:xfrm>
+          <a:prstGeom prst="rect">
+            <a:avLst/>
+          </a:prstGeom>
+        </p:spPr>
+        <p:txBody>
+          <a:bodyPr wrap="none" rtlCol="0">
+            <a:spAutoFit/>
+          </a:bodyPr>
+          <a:lstStyle/>
+          <a:p>
+            <a:r>
+              <a:rPr lang="en-US" dirty="0"/>
+              <a:t>T1 – Data</a:t>
+            </a:r>
+            <a:endParaRPr lang="en-US" b="0" dirty="0"/>
+          </a:p>
+        </p:txBody>
+      </p:sp>
+      <p:sp>
+        <p:nvSpPr>
+          <p:cNvPr id="11" name="TextBox 10">
+            <a:extLst>
+              <a:ext uri="{FF2B5EF4-FFF2-40B4-BE49-F238E27FC236}">
+                <a16:creationId xmlns:a16="http://schemas.microsoft.com/office/drawing/2014/main" id="{3C394B27-713E-4355-9DF5-63B82D16C924}"/>
+              </a:ext>
+            </a:extLst>
+          </p:cNvPr>
+          <p:cNvSpPr txBox="1"/>
+          <p:nvPr/>
+        </p:nvSpPr>
+        <p:spPr>
+          <a:xfrm rot="16200000">
+            <a:off x="466025" y="4097198"/>
+            <a:ext cx="1114408" cy="369332"/>
+          </a:xfrm>
+          <a:prstGeom prst="rect">
+            <a:avLst/>
+          </a:prstGeom>
+        </p:spPr>
+        <p:txBody>
+          <a:bodyPr wrap="none" rtlCol="0">
+            <a:spAutoFit/>
+          </a:bodyPr>
+          <a:lstStyle/>
+          <a:p>
+            <a:r>
+              <a:rPr lang="en-US" dirty="0"/>
+              <a:t>T2 – Logic</a:t>
+            </a:r>
+            <a:endParaRPr lang="en-US" b="0" dirty="0"/>
+          </a:p>
+        </p:txBody>
+      </p:sp>
+      <p:sp>
+        <p:nvSpPr>
+          <p:cNvPr id="12" name="TextBox 11">
+            <a:extLst>
+              <a:ext uri="{FF2B5EF4-FFF2-40B4-BE49-F238E27FC236}">
+                <a16:creationId xmlns:a16="http://schemas.microsoft.com/office/drawing/2014/main" id="{6B3B268D-1BA0-498C-86F6-A28C626F95C4}"/>
+              </a:ext>
+            </a:extLst>
+          </p:cNvPr>
+          <p:cNvSpPr txBox="1"/>
+          <p:nvPr/>
+        </p:nvSpPr>
+        <p:spPr>
+          <a:xfrm rot="16200000">
+            <a:off x="415937" y="2655417"/>
+            <a:ext cx="1213858" cy="369332"/>
+          </a:xfrm>
+          <a:prstGeom prst="rect">
+            <a:avLst/>
+          </a:prstGeom>
+        </p:spPr>
+        <p:txBody>
+          <a:bodyPr wrap="none" rtlCol="0">
+            <a:spAutoFit/>
+          </a:bodyPr>
+          <a:lstStyle/>
+          <a:p>
+            <a:r>
+              <a:rPr lang="en-US" dirty="0"/>
+              <a:t>T3 – Forms</a:t>
+            </a:r>
+            <a:endParaRPr lang="en-US" b="0" dirty="0"/>
+          </a:p>
+        </p:txBody>
+      </p:sp>
+      <p:sp>
+        <p:nvSpPr>
+          <p:cNvPr id="13" name="Rectangle: Rounded Corners 12">
+            <a:extLst>
+              <a:ext uri="{FF2B5EF4-FFF2-40B4-BE49-F238E27FC236}">
+                <a16:creationId xmlns:a16="http://schemas.microsoft.com/office/drawing/2014/main" id="{77BD3CC5-09FD-4544-9137-D38042D2D8D1}"/>
+              </a:ext>
+            </a:extLst>
+          </p:cNvPr>
+          <p:cNvSpPr/>
+          <p:nvPr/>
+        </p:nvSpPr>
+        <p:spPr>
+          <a:xfrm>
+            <a:off x="1368676" y="2374102"/>
+            <a:ext cx="2302042" cy="3813614"/>
+          </a:xfrm>
+          <a:prstGeom prst="roundRect">
+            <a:avLst>
+              <a:gd name="adj" fmla="val 4472"/>
+            </a:avLst>
+          </a:prstGeom>
+          <a:solidFill>
+            <a:srgbClr val="A72931">
+              <a:alpha val="80000"/>
+            </a:srgbClr>
+          </a:solidFill>
+        </p:spPr>
+        <p:style>
+          <a:lnRef idx="2">
+            <a:schemeClr val="accent1">
+              <a:shade val="50000"/>
+            </a:schemeClr>
+          </a:lnRef>
+          <a:fillRef idx="1">
+            <a:schemeClr val="accent1"/>
+          </a:fillRef>
+          <a:effectRef idx="0">
+            <a:schemeClr val="accent1"/>
+          </a:effectRef>
+          <a:fontRef idx="minor">
+            <a:schemeClr val="lt1"/>
+          </a:fontRef>
+        </p:style>
+        <p:txBody>
+          <a:bodyPr rtlCol="0" anchor="ctr"/>
+          <a:lstStyle/>
+          <a:p>
+            <a:pPr algn="ctr"/>
+            <a:endParaRPr lang="en-US" dirty="0"/>
+          </a:p>
+        </p:txBody>
+      </p:sp>
+      <p:sp>
+        <p:nvSpPr>
+          <p:cNvPr id="15" name="Rectangle: Rounded Corners 14">
+            <a:extLst>
+              <a:ext uri="{FF2B5EF4-FFF2-40B4-BE49-F238E27FC236}">
+                <a16:creationId xmlns:a16="http://schemas.microsoft.com/office/drawing/2014/main" id="{038D4680-8C71-4D99-97E4-E0E6982C55EE}"/>
+              </a:ext>
+            </a:extLst>
+          </p:cNvPr>
+          <p:cNvSpPr/>
+          <p:nvPr/>
+        </p:nvSpPr>
+        <p:spPr>
+          <a:xfrm>
+            <a:off x="3766970" y="2374102"/>
+            <a:ext cx="2302042" cy="3813614"/>
+          </a:xfrm>
+          <a:prstGeom prst="roundRect">
+            <a:avLst>
+              <a:gd name="adj" fmla="val 4472"/>
+            </a:avLst>
+          </a:prstGeom>
+          <a:solidFill>
+            <a:srgbClr val="C55A11">
+              <a:alpha val="80000"/>
+            </a:srgbClr>
+          </a:solidFill>
+        </p:spPr>
+        <p:style>
+          <a:lnRef idx="2">
+            <a:schemeClr val="accent1">
+              <a:shade val="50000"/>
+            </a:schemeClr>
+          </a:lnRef>
+          <a:fillRef idx="1">
+            <a:schemeClr val="accent1"/>
+          </a:fillRef>
+          <a:effectRef idx="0">
+            <a:schemeClr val="accent1"/>
+          </a:effectRef>
+          <a:fontRef idx="minor">
+            <a:schemeClr val="lt1"/>
+          </a:fontRef>
+        </p:style>
+        <p:txBody>
+          <a:bodyPr rtlCol="0" anchor="ctr"/>
+          <a:lstStyle/>
+          <a:p>
+            <a:pPr algn="ctr"/>
+            <a:endParaRPr lang="en-US" dirty="0"/>
+          </a:p>
+        </p:txBody>
+      </p:sp>
+      <p:sp>
+        <p:nvSpPr>
+          <p:cNvPr id="16" name="Rectangle: Rounded Corners 15">
+            <a:extLst>
+              <a:ext uri="{FF2B5EF4-FFF2-40B4-BE49-F238E27FC236}">
+                <a16:creationId xmlns:a16="http://schemas.microsoft.com/office/drawing/2014/main" id="{AD68036E-F5A0-4CAD-8469-572E8F9B44DF}"/>
+              </a:ext>
+            </a:extLst>
+          </p:cNvPr>
+          <p:cNvSpPr/>
+          <p:nvPr/>
+        </p:nvSpPr>
+        <p:spPr>
+          <a:xfrm>
+            <a:off x="6165264" y="2374102"/>
+            <a:ext cx="2302042" cy="3813614"/>
+          </a:xfrm>
+          <a:prstGeom prst="roundRect">
+            <a:avLst>
+              <a:gd name="adj" fmla="val 4472"/>
+            </a:avLst>
+          </a:prstGeom>
+          <a:solidFill>
+            <a:srgbClr val="00B050">
+              <a:alpha val="80000"/>
+            </a:srgbClr>
+          </a:solidFill>
+        </p:spPr>
+        <p:style>
+          <a:lnRef idx="2">
+            <a:schemeClr val="accent1">
+              <a:shade val="50000"/>
+            </a:schemeClr>
+          </a:lnRef>
+          <a:fillRef idx="1">
+            <a:schemeClr val="accent1"/>
+          </a:fillRef>
+          <a:effectRef idx="0">
+            <a:schemeClr val="accent1"/>
+          </a:effectRef>
+          <a:fontRef idx="minor">
+            <a:schemeClr val="lt1"/>
+          </a:fontRef>
+        </p:style>
+        <p:txBody>
+          <a:bodyPr rtlCol="0" anchor="ctr"/>
+          <a:lstStyle/>
+          <a:p>
+            <a:pPr algn="ctr"/>
+            <a:endParaRPr lang="en-US"/>
+          </a:p>
+        </p:txBody>
+      </p:sp>
+      <p:sp>
+        <p:nvSpPr>
+          <p:cNvPr id="17" name="Rectangle: Rounded Corners 16">
+            <a:extLst>
+              <a:ext uri="{FF2B5EF4-FFF2-40B4-BE49-F238E27FC236}">
+                <a16:creationId xmlns:a16="http://schemas.microsoft.com/office/drawing/2014/main" id="{081A1799-89D5-4BC8-8AC5-BBE4FB959ED9}"/>
+              </a:ext>
+            </a:extLst>
+          </p:cNvPr>
+          <p:cNvSpPr/>
+          <p:nvPr/>
+        </p:nvSpPr>
+        <p:spPr>
+          <a:xfrm>
+            <a:off x="8563558" y="2374102"/>
+            <a:ext cx="2302042" cy="3813614"/>
+          </a:xfrm>
+          <a:prstGeom prst="roundRect">
+            <a:avLst>
+              <a:gd name="adj" fmla="val 4472"/>
+            </a:avLst>
+          </a:prstGeom>
+          <a:solidFill>
+            <a:srgbClr val="0070C0">
+              <a:alpha val="80000"/>
+            </a:srgbClr>
+          </a:solidFill>
+        </p:spPr>
+        <p:style>
+          <a:lnRef idx="2">
+            <a:schemeClr val="accent1">
+              <a:shade val="50000"/>
+            </a:schemeClr>
+          </a:lnRef>
+          <a:fillRef idx="1">
+            <a:schemeClr val="accent1"/>
+          </a:fillRef>
+          <a:effectRef idx="0">
+            <a:schemeClr val="accent1"/>
+          </a:effectRef>
+          <a:fontRef idx="minor">
+            <a:schemeClr val="lt1"/>
+          </a:fontRef>
+        </p:style>
+        <p:txBody>
+          <a:bodyPr rtlCol="0" anchor="ctr"/>
+          <a:lstStyle/>
+          <a:p>
+            <a:pPr algn="ctr"/>
+            <a:endParaRPr lang="en-US"/>
+          </a:p>
+        </p:txBody>
+      </p:sp>
+      <p:sp>
+        <p:nvSpPr>
+          <p:cNvPr id="18" name="TextBox 17">
+            <a:extLst>
+              <a:ext uri="{FF2B5EF4-FFF2-40B4-BE49-F238E27FC236}">
+                <a16:creationId xmlns:a16="http://schemas.microsoft.com/office/drawing/2014/main" id="{23DD6448-858B-434D-B1AF-53BAF15326C9}"/>
+              </a:ext>
+            </a:extLst>
+          </p:cNvPr>
+          <p:cNvSpPr txBox="1"/>
+          <p:nvPr/>
+        </p:nvSpPr>
+        <p:spPr>
+          <a:xfrm>
+            <a:off x="1773883" y="1919127"/>
+            <a:ext cx="1491627" cy="369332"/>
+          </a:xfrm>
+          <a:prstGeom prst="rect">
+            <a:avLst/>
+          </a:prstGeom>
+        </p:spPr>
+        <p:txBody>
+          <a:bodyPr wrap="none" rtlCol="0">
+            <a:spAutoFit/>
+          </a:bodyPr>
+          <a:lstStyle/>
+          <a:p>
+            <a:r>
+              <a:rPr lang="en-US" dirty="0">
+                <a:solidFill>
+                  <a:srgbClr val="A72931"/>
+                </a:solidFill>
+              </a:rPr>
+              <a:t>L1 – </a:t>
+            </a:r>
+            <a:r>
+              <a:rPr lang="en-US" b="0" dirty="0">
+                <a:solidFill>
+                  <a:srgbClr val="A72931"/>
+                </a:solidFill>
+              </a:rPr>
+              <a:t>Narrative</a:t>
+            </a:r>
+          </a:p>
+        </p:txBody>
+      </p:sp>
+      <p:sp>
+        <p:nvSpPr>
+          <p:cNvPr id="19" name="TextBox 18">
+            <a:extLst>
+              <a:ext uri="{FF2B5EF4-FFF2-40B4-BE49-F238E27FC236}">
+                <a16:creationId xmlns:a16="http://schemas.microsoft.com/office/drawing/2014/main" id="{5636F523-0825-47C2-8A8B-479583244062}"/>
+              </a:ext>
+            </a:extLst>
+          </p:cNvPr>
+          <p:cNvSpPr txBox="1"/>
+          <p:nvPr/>
+        </p:nvSpPr>
+        <p:spPr>
+          <a:xfrm>
+            <a:off x="3845325" y="1919967"/>
+            <a:ext cx="2145331" cy="369332"/>
+          </a:xfrm>
+          <a:prstGeom prst="rect">
+            <a:avLst/>
+          </a:prstGeom>
+        </p:spPr>
+        <p:txBody>
+          <a:bodyPr wrap="none" rtlCol="0">
+            <a:spAutoFit/>
+          </a:bodyPr>
+          <a:lstStyle/>
+          <a:p>
+            <a:r>
+              <a:rPr lang="en-US" b="0" dirty="0">
+                <a:solidFill>
+                  <a:schemeClr val="accent2">
+                    <a:lumMod val="75000"/>
+                  </a:schemeClr>
+                </a:solidFill>
+              </a:rPr>
+              <a:t>L2 – Semi-Structured</a:t>
+            </a:r>
+          </a:p>
+        </p:txBody>
+      </p:sp>
+      <p:sp>
+        <p:nvSpPr>
+          <p:cNvPr id="20" name="TextBox 19">
+            <a:extLst>
+              <a:ext uri="{FF2B5EF4-FFF2-40B4-BE49-F238E27FC236}">
+                <a16:creationId xmlns:a16="http://schemas.microsoft.com/office/drawing/2014/main" id="{D09F1CF1-B390-4D93-BD51-5201428454D9}"/>
+              </a:ext>
+            </a:extLst>
+          </p:cNvPr>
+          <p:cNvSpPr txBox="1"/>
+          <p:nvPr/>
+        </p:nvSpPr>
+        <p:spPr>
+          <a:xfrm>
+            <a:off x="6508115" y="1928836"/>
+            <a:ext cx="1616340" cy="369332"/>
+          </a:xfrm>
+          <a:prstGeom prst="rect">
+            <a:avLst/>
+          </a:prstGeom>
+        </p:spPr>
+        <p:txBody>
+          <a:bodyPr wrap="none" rtlCol="0">
+            <a:spAutoFit/>
+          </a:bodyPr>
+          <a:lstStyle/>
+          <a:p>
+            <a:r>
+              <a:rPr lang="en-US" dirty="0">
+                <a:solidFill>
+                  <a:srgbClr val="00B050"/>
+                </a:solidFill>
+              </a:rPr>
+              <a:t>L3 – </a:t>
+            </a:r>
+            <a:r>
+              <a:rPr lang="en-US" b="0" dirty="0">
+                <a:solidFill>
+                  <a:srgbClr val="00B050"/>
+                </a:solidFill>
+              </a:rPr>
+              <a:t>Structured</a:t>
+            </a:r>
+          </a:p>
+        </p:txBody>
+      </p:sp>
+      <p:sp>
+        <p:nvSpPr>
+          <p:cNvPr id="21" name="TextBox 20">
+            <a:extLst>
+              <a:ext uri="{FF2B5EF4-FFF2-40B4-BE49-F238E27FC236}">
+                <a16:creationId xmlns:a16="http://schemas.microsoft.com/office/drawing/2014/main" id="{C53728CB-4022-4473-A622-92E26ED32FD3}"/>
+              </a:ext>
+            </a:extLst>
+          </p:cNvPr>
+          <p:cNvSpPr txBox="1"/>
+          <p:nvPr/>
+        </p:nvSpPr>
+        <p:spPr>
+          <a:xfrm>
+            <a:off x="8896534" y="1913595"/>
+            <a:ext cx="1636089" cy="369332"/>
+          </a:xfrm>
+          <a:prstGeom prst="rect">
+            <a:avLst/>
+          </a:prstGeom>
+        </p:spPr>
+        <p:txBody>
+          <a:bodyPr wrap="none" rtlCol="0">
+            <a:spAutoFit/>
+          </a:bodyPr>
+          <a:lstStyle/>
+          <a:p>
+            <a:r>
+              <a:rPr lang="en-US" dirty="0">
+                <a:solidFill>
+                  <a:srgbClr val="0070C0"/>
+                </a:solidFill>
+              </a:rPr>
+              <a:t>L4 – </a:t>
+            </a:r>
+            <a:r>
+              <a:rPr lang="en-US" b="0" dirty="0">
+                <a:solidFill>
+                  <a:srgbClr val="0070C0"/>
+                </a:solidFill>
+              </a:rPr>
+              <a:t>Executable</a:t>
+            </a:r>
+          </a:p>
+        </p:txBody>
+      </p:sp>
+      <p:pic>
+        <p:nvPicPr>
+          <p:cNvPr id="27" name="Picture 26" descr="A black sign with white text&#10;&#10;Description automatically generated">
+            <a:extLst>
+              <a:ext uri="{FF2B5EF4-FFF2-40B4-BE49-F238E27FC236}">
+                <a16:creationId xmlns:a16="http://schemas.microsoft.com/office/drawing/2014/main" id="{D69F59B7-5967-4E41-AED1-1A16456DEB25}"/>
+              </a:ext>
+            </a:extLst>
+          </p:cNvPr>
+          <p:cNvPicPr>
+            <a:picLocks noChangeAspect="1"/>
+          </p:cNvPicPr>
+          <p:nvPr/>
+        </p:nvPicPr>
+        <p:blipFill>
+          <a:blip r:embed="rId3"/>
+          <a:stretch>
+            <a:fillRect/>
+          </a:stretch>
+        </p:blipFill>
+        <p:spPr>
+          <a:xfrm>
+            <a:off x="273356" y="2485035"/>
+            <a:ext cx="539416" cy="675259"/>
+          </a:xfrm>
+          <a:prstGeom prst="rect">
+            <a:avLst/>
+          </a:prstGeom>
+        </p:spPr>
+      </p:pic>
+      <p:pic>
+        <p:nvPicPr>
+          <p:cNvPr id="1024" name="Picture 1023">
+            <a:extLst>
+              <a:ext uri="{FF2B5EF4-FFF2-40B4-BE49-F238E27FC236}">
+                <a16:creationId xmlns:a16="http://schemas.microsoft.com/office/drawing/2014/main" id="{D577DEBF-E3CC-4C38-B5D1-E526D5FF50AB}"/>
+              </a:ext>
+            </a:extLst>
+          </p:cNvPr>
+          <p:cNvPicPr>
+            <a:picLocks noChangeAspect="1"/>
+          </p:cNvPicPr>
+          <p:nvPr/>
+        </p:nvPicPr>
+        <p:blipFill>
+          <a:blip r:embed="rId4"/>
+          <a:stretch>
+            <a:fillRect/>
+          </a:stretch>
+        </p:blipFill>
+        <p:spPr>
+          <a:xfrm>
+            <a:off x="221776" y="5304735"/>
+            <a:ext cx="590996" cy="590996"/>
+          </a:xfrm>
+          <a:prstGeom prst="rect">
+            <a:avLst/>
+          </a:prstGeom>
+        </p:spPr>
+      </p:pic>
+      <p:pic>
+        <p:nvPicPr>
+          <p:cNvPr id="1037" name="Picture 1036" descr="A circuit board&#10;&#10;Description automatically generated">
+            <a:extLst>
+              <a:ext uri="{FF2B5EF4-FFF2-40B4-BE49-F238E27FC236}">
+                <a16:creationId xmlns:a16="http://schemas.microsoft.com/office/drawing/2014/main" id="{12C82FC5-6784-403E-B600-B476893B63F3}"/>
+              </a:ext>
+            </a:extLst>
+          </p:cNvPr>
+          <p:cNvPicPr>
+            <a:picLocks noChangeAspect="1"/>
+          </p:cNvPicPr>
+          <p:nvPr/>
+        </p:nvPicPr>
+        <p:blipFill>
+          <a:blip r:embed="rId5"/>
+          <a:stretch>
+            <a:fillRect/>
+          </a:stretch>
+        </p:blipFill>
+        <p:spPr>
+          <a:xfrm>
+            <a:off x="221777" y="3901122"/>
+            <a:ext cx="590995" cy="590995"/>
+          </a:xfrm>
+          <a:prstGeom prst="rect">
+            <a:avLst/>
+          </a:prstGeom>
+        </p:spPr>
+      </p:pic>
+      <p:sp>
+        <p:nvSpPr>
+          <p:cNvPr id="1039" name="TextBox 1038">
+            <a:extLst>
+              <a:ext uri="{FF2B5EF4-FFF2-40B4-BE49-F238E27FC236}">
+                <a16:creationId xmlns:a16="http://schemas.microsoft.com/office/drawing/2014/main" id="{0DC3208C-9DE0-47D2-AD7F-A1EA999BEC34}"/>
+              </a:ext>
+            </a:extLst>
+          </p:cNvPr>
+          <p:cNvSpPr txBox="1"/>
+          <p:nvPr/>
+        </p:nvSpPr>
+        <p:spPr>
+          <a:xfrm>
+            <a:off x="1507958" y="2755126"/>
+            <a:ext cx="1933074" cy="307777"/>
+          </a:xfrm>
+          <a:prstGeom prst="rect">
+            <a:avLst/>
+          </a:prstGeom>
+        </p:spPr>
+        <p:txBody>
+          <a:bodyPr wrap="square" rtlCol="0">
+            <a:spAutoFit/>
+          </a:bodyPr>
+          <a:lstStyle/>
+          <a:p>
+            <a:r>
+              <a:rPr lang="en-US" sz="1400" b="0" dirty="0"/>
+              <a:t>Narrative questions</a:t>
+            </a:r>
+          </a:p>
+        </p:txBody>
+      </p:sp>
+      <p:sp>
+        <p:nvSpPr>
+          <p:cNvPr id="48" name="TextBox 47">
+            <a:extLst>
+              <a:ext uri="{FF2B5EF4-FFF2-40B4-BE49-F238E27FC236}">
+                <a16:creationId xmlns:a16="http://schemas.microsoft.com/office/drawing/2014/main" id="{DDAE64A5-04AD-4585-8982-C63FC3879B0C}"/>
+              </a:ext>
+            </a:extLst>
+          </p:cNvPr>
+          <p:cNvSpPr txBox="1"/>
+          <p:nvPr/>
+        </p:nvSpPr>
+        <p:spPr>
+          <a:xfrm>
+            <a:off x="1507958" y="4042730"/>
+            <a:ext cx="1933074" cy="307777"/>
+          </a:xfrm>
+          <a:prstGeom prst="rect">
+            <a:avLst/>
+          </a:prstGeom>
+        </p:spPr>
+        <p:txBody>
+          <a:bodyPr wrap="square" rtlCol="0">
+            <a:spAutoFit/>
+          </a:bodyPr>
+          <a:lstStyle/>
+          <a:p>
+            <a:r>
+              <a:rPr lang="en-US" sz="1400" dirty="0"/>
+              <a:t>Guideline narrative</a:t>
+            </a:r>
+            <a:endParaRPr lang="en-US" sz="1400" b="0" dirty="0"/>
+          </a:p>
+        </p:txBody>
+      </p:sp>
+      <p:sp>
+        <p:nvSpPr>
+          <p:cNvPr id="49" name="TextBox 48">
+            <a:extLst>
+              <a:ext uri="{FF2B5EF4-FFF2-40B4-BE49-F238E27FC236}">
+                <a16:creationId xmlns:a16="http://schemas.microsoft.com/office/drawing/2014/main" id="{6A2FDFAF-3EF4-4684-BD5E-F848F994EE36}"/>
+              </a:ext>
+            </a:extLst>
+          </p:cNvPr>
+          <p:cNvSpPr txBox="1"/>
+          <p:nvPr/>
+        </p:nvSpPr>
+        <p:spPr>
+          <a:xfrm>
+            <a:off x="1507958" y="5338623"/>
+            <a:ext cx="1933074" cy="523220"/>
+          </a:xfrm>
+          <a:prstGeom prst="rect">
+            <a:avLst/>
+          </a:prstGeom>
+        </p:spPr>
+        <p:txBody>
+          <a:bodyPr wrap="square" rtlCol="0">
+            <a:spAutoFit/>
+          </a:bodyPr>
+          <a:lstStyle/>
+          <a:p>
+            <a:r>
+              <a:rPr lang="en-US" sz="1400" dirty="0"/>
+              <a:t>Glossaries</a:t>
+            </a:r>
+          </a:p>
+          <a:p>
+            <a:r>
+              <a:rPr lang="en-US" sz="1400" b="0" dirty="0"/>
+              <a:t>Indicator</a:t>
+            </a:r>
+            <a:r>
+              <a:rPr lang="en-US" sz="1400" dirty="0"/>
+              <a:t> descriptions</a:t>
+            </a:r>
+            <a:endParaRPr lang="en-US" sz="1400" b="0" dirty="0"/>
+          </a:p>
+        </p:txBody>
+      </p:sp>
+      <p:sp>
+        <p:nvSpPr>
+          <p:cNvPr id="50" name="TextBox 49">
+            <a:extLst>
+              <a:ext uri="{FF2B5EF4-FFF2-40B4-BE49-F238E27FC236}">
+                <a16:creationId xmlns:a16="http://schemas.microsoft.com/office/drawing/2014/main" id="{306C5D6E-5DE6-4995-845F-0A4DB522824E}"/>
+              </a:ext>
+            </a:extLst>
+          </p:cNvPr>
+          <p:cNvSpPr txBox="1"/>
+          <p:nvPr/>
+        </p:nvSpPr>
+        <p:spPr>
+          <a:xfrm>
+            <a:off x="3951453" y="2620559"/>
+            <a:ext cx="1933074" cy="738664"/>
+          </a:xfrm>
+          <a:prstGeom prst="rect">
+            <a:avLst/>
+          </a:prstGeom>
+        </p:spPr>
+        <p:txBody>
+          <a:bodyPr wrap="square" rtlCol="0">
+            <a:spAutoFit/>
+          </a:bodyPr>
+          <a:lstStyle/>
+          <a:p>
+            <a:r>
+              <a:rPr lang="en-US" sz="1400" b="0" dirty="0"/>
+              <a:t>Paper forms</a:t>
+            </a:r>
+          </a:p>
+          <a:p>
+            <a:r>
+              <a:rPr lang="en-US" sz="1400" dirty="0"/>
+              <a:t>Use Cases</a:t>
+            </a:r>
+          </a:p>
+          <a:p>
+            <a:r>
+              <a:rPr lang="en-US" sz="1400" b="0" dirty="0"/>
+              <a:t>Personas</a:t>
+            </a:r>
+          </a:p>
+        </p:txBody>
+      </p:sp>
+      <p:sp>
+        <p:nvSpPr>
+          <p:cNvPr id="51" name="TextBox 50">
+            <a:extLst>
+              <a:ext uri="{FF2B5EF4-FFF2-40B4-BE49-F238E27FC236}">
+                <a16:creationId xmlns:a16="http://schemas.microsoft.com/office/drawing/2014/main" id="{9476C5CE-59F2-46F3-BDC1-A2D009B52043}"/>
+              </a:ext>
+            </a:extLst>
+          </p:cNvPr>
+          <p:cNvSpPr txBox="1"/>
+          <p:nvPr/>
+        </p:nvSpPr>
+        <p:spPr>
+          <a:xfrm>
+            <a:off x="6349748" y="2755126"/>
+            <a:ext cx="1933074" cy="307777"/>
+          </a:xfrm>
+          <a:prstGeom prst="rect">
+            <a:avLst/>
+          </a:prstGeom>
+        </p:spPr>
+        <p:txBody>
+          <a:bodyPr wrap="square" rtlCol="0">
+            <a:spAutoFit/>
+          </a:bodyPr>
+          <a:lstStyle/>
+          <a:p>
+            <a:r>
+              <a:rPr lang="en-US" sz="1400" b="0" dirty="0"/>
+              <a:t>Questionnaire (SDC)</a:t>
+            </a:r>
+          </a:p>
+        </p:txBody>
+      </p:sp>
+      <p:sp>
+        <p:nvSpPr>
+          <p:cNvPr id="52" name="TextBox 51">
+            <a:extLst>
+              <a:ext uri="{FF2B5EF4-FFF2-40B4-BE49-F238E27FC236}">
+                <a16:creationId xmlns:a16="http://schemas.microsoft.com/office/drawing/2014/main" id="{E8998884-432F-4A55-AA60-FC5EF1710B3D}"/>
+              </a:ext>
+            </a:extLst>
+          </p:cNvPr>
+          <p:cNvSpPr txBox="1"/>
+          <p:nvPr/>
+        </p:nvSpPr>
+        <p:spPr>
+          <a:xfrm>
+            <a:off x="8748041" y="2755126"/>
+            <a:ext cx="1933074" cy="307777"/>
+          </a:xfrm>
+          <a:prstGeom prst="rect">
+            <a:avLst/>
+          </a:prstGeom>
+        </p:spPr>
+        <p:txBody>
+          <a:bodyPr wrap="square" rtlCol="0">
+            <a:spAutoFit/>
+          </a:bodyPr>
+          <a:lstStyle/>
+          <a:p>
+            <a:r>
+              <a:rPr lang="en-US" sz="1400" dirty="0"/>
+              <a:t>User-interface Forms</a:t>
+            </a:r>
+            <a:endParaRPr lang="en-US" sz="1400" b="0" dirty="0"/>
+          </a:p>
+        </p:txBody>
+      </p:sp>
+      <p:sp>
+        <p:nvSpPr>
+          <p:cNvPr id="53" name="TextBox 52">
+            <a:extLst>
+              <a:ext uri="{FF2B5EF4-FFF2-40B4-BE49-F238E27FC236}">
+                <a16:creationId xmlns:a16="http://schemas.microsoft.com/office/drawing/2014/main" id="{5D1001D2-96A6-4483-9741-59779A75D925}"/>
+              </a:ext>
+            </a:extLst>
+          </p:cNvPr>
+          <p:cNvSpPr txBox="1"/>
+          <p:nvPr/>
+        </p:nvSpPr>
+        <p:spPr>
+          <a:xfrm>
+            <a:off x="3951453" y="3798451"/>
+            <a:ext cx="1933074" cy="738664"/>
+          </a:xfrm>
+          <a:prstGeom prst="rect">
+            <a:avLst/>
+          </a:prstGeom>
+        </p:spPr>
+        <p:txBody>
+          <a:bodyPr wrap="square" rtlCol="0">
+            <a:spAutoFit/>
+          </a:bodyPr>
+          <a:lstStyle/>
+          <a:p>
+            <a:r>
+              <a:rPr lang="en-US" sz="1400" b="0" dirty="0"/>
+              <a:t>Workflows</a:t>
+            </a:r>
+          </a:p>
+          <a:p>
+            <a:r>
+              <a:rPr lang="en-US" sz="1400" dirty="0"/>
+              <a:t>Decision Trees</a:t>
+            </a:r>
+          </a:p>
+          <a:p>
+            <a:r>
+              <a:rPr lang="en-US" sz="1400" b="0" dirty="0"/>
+              <a:t>Triggers</a:t>
+            </a:r>
+          </a:p>
+        </p:txBody>
+      </p:sp>
+      <p:sp>
+        <p:nvSpPr>
+          <p:cNvPr id="54" name="TextBox 53">
+            <a:extLst>
+              <a:ext uri="{FF2B5EF4-FFF2-40B4-BE49-F238E27FC236}">
+                <a16:creationId xmlns:a16="http://schemas.microsoft.com/office/drawing/2014/main" id="{AE563D0A-7D50-4DCE-A50F-357C2328E7E5}"/>
+              </a:ext>
+            </a:extLst>
+          </p:cNvPr>
+          <p:cNvSpPr txBox="1"/>
+          <p:nvPr/>
+        </p:nvSpPr>
+        <p:spPr>
+          <a:xfrm>
+            <a:off x="3951453" y="5230901"/>
+            <a:ext cx="1933074" cy="738664"/>
+          </a:xfrm>
+          <a:prstGeom prst="rect">
+            <a:avLst/>
+          </a:prstGeom>
+        </p:spPr>
+        <p:txBody>
+          <a:bodyPr wrap="square" rtlCol="0">
+            <a:spAutoFit/>
+          </a:bodyPr>
+          <a:lstStyle/>
+          <a:p>
+            <a:r>
+              <a:rPr lang="en-US" sz="1400" b="0" dirty="0"/>
+              <a:t>Terminologies</a:t>
+            </a:r>
+          </a:p>
+          <a:p>
+            <a:r>
+              <a:rPr lang="en-US" sz="1400" dirty="0"/>
+              <a:t>Data Dictionary</a:t>
+            </a:r>
+          </a:p>
+          <a:p>
+            <a:r>
+              <a:rPr lang="en-US" sz="1400" dirty="0"/>
+              <a:t>Indicators</a:t>
+            </a:r>
+          </a:p>
+        </p:txBody>
+      </p:sp>
+      <p:sp>
+        <p:nvSpPr>
+          <p:cNvPr id="55" name="TextBox 54">
+            <a:extLst>
+              <a:ext uri="{FF2B5EF4-FFF2-40B4-BE49-F238E27FC236}">
+                <a16:creationId xmlns:a16="http://schemas.microsoft.com/office/drawing/2014/main" id="{4FE9EC94-A3A9-4C68-A926-AA73FD2622E7}"/>
+              </a:ext>
+            </a:extLst>
+          </p:cNvPr>
+          <p:cNvSpPr txBox="1"/>
+          <p:nvPr/>
+        </p:nvSpPr>
+        <p:spPr>
+          <a:xfrm>
+            <a:off x="6349748" y="3850518"/>
+            <a:ext cx="1933074" cy="738664"/>
+          </a:xfrm>
+          <a:prstGeom prst="rect">
+            <a:avLst/>
+          </a:prstGeom>
+        </p:spPr>
+        <p:txBody>
+          <a:bodyPr wrap="square" rtlCol="0">
+            <a:spAutoFit/>
+          </a:bodyPr>
+          <a:lstStyle/>
+          <a:p>
+            <a:r>
+              <a:rPr lang="en-US" sz="1400" b="0" dirty="0"/>
+              <a:t>Library (CQL)</a:t>
+            </a:r>
+          </a:p>
+          <a:p>
+            <a:r>
+              <a:rPr lang="en-US" sz="1400" dirty="0"/>
+              <a:t>ActivityDefinition</a:t>
+            </a:r>
+          </a:p>
+          <a:p>
+            <a:r>
+              <a:rPr lang="en-US" sz="1400" b="0" dirty="0"/>
+              <a:t>PlanDefinition</a:t>
+            </a:r>
+          </a:p>
+        </p:txBody>
+      </p:sp>
+      <p:sp>
+        <p:nvSpPr>
+          <p:cNvPr id="56" name="TextBox 55">
+            <a:extLst>
+              <a:ext uri="{FF2B5EF4-FFF2-40B4-BE49-F238E27FC236}">
+                <a16:creationId xmlns:a16="http://schemas.microsoft.com/office/drawing/2014/main" id="{7EA290DC-F222-4457-BCDF-B9C1C03257E4}"/>
+              </a:ext>
+            </a:extLst>
+          </p:cNvPr>
+          <p:cNvSpPr txBox="1"/>
+          <p:nvPr/>
+        </p:nvSpPr>
+        <p:spPr>
+          <a:xfrm>
+            <a:off x="6349748" y="5116658"/>
+            <a:ext cx="2050463" cy="954107"/>
+          </a:xfrm>
+          <a:prstGeom prst="rect">
+            <a:avLst/>
+          </a:prstGeom>
+        </p:spPr>
+        <p:txBody>
+          <a:bodyPr wrap="square" rtlCol="0">
+            <a:spAutoFit/>
+          </a:bodyPr>
+          <a:lstStyle/>
+          <a:p>
+            <a:r>
+              <a:rPr lang="en-US" sz="1400" b="0" dirty="0"/>
+              <a:t>CodeSystem</a:t>
+            </a:r>
+          </a:p>
+          <a:p>
+            <a:r>
+              <a:rPr lang="en-US" sz="1400" dirty="0"/>
+              <a:t>ValueSet</a:t>
+            </a:r>
+          </a:p>
+          <a:p>
+            <a:r>
+              <a:rPr lang="en-US" sz="1400" b="0" dirty="0"/>
+              <a:t>StructureDefinition</a:t>
+            </a:r>
+            <a:endParaRPr lang="en-US" sz="1400" dirty="0"/>
+          </a:p>
+          <a:p>
+            <a:r>
+              <a:rPr lang="en-US" sz="1400" b="0" dirty="0"/>
+              <a:t>Measure</a:t>
+            </a:r>
+          </a:p>
+        </p:txBody>
+      </p:sp>
+      <p:sp>
+        <p:nvSpPr>
+          <p:cNvPr id="57" name="TextBox 56">
+            <a:extLst>
+              <a:ext uri="{FF2B5EF4-FFF2-40B4-BE49-F238E27FC236}">
+                <a16:creationId xmlns:a16="http://schemas.microsoft.com/office/drawing/2014/main" id="{2D9854AD-C545-4EAE-89C1-A43E693DD00A}"/>
+              </a:ext>
+            </a:extLst>
+          </p:cNvPr>
+          <p:cNvSpPr txBox="1"/>
+          <p:nvPr/>
+        </p:nvSpPr>
+        <p:spPr>
+          <a:xfrm>
+            <a:off x="8748041" y="3827286"/>
+            <a:ext cx="1933074" cy="738664"/>
+          </a:xfrm>
+          <a:prstGeom prst="rect">
+            <a:avLst/>
+          </a:prstGeom>
+        </p:spPr>
+        <p:txBody>
+          <a:bodyPr wrap="square" rtlCol="0">
+            <a:spAutoFit/>
+          </a:bodyPr>
+          <a:lstStyle/>
+          <a:p>
+            <a:r>
+              <a:rPr lang="en-US" sz="1400" b="0" dirty="0"/>
+              <a:t>Application Services</a:t>
+            </a:r>
+          </a:p>
+          <a:p>
+            <a:r>
+              <a:rPr lang="en-US" sz="1400" dirty="0"/>
+              <a:t>Health Record Systems</a:t>
+            </a:r>
+          </a:p>
+          <a:p>
+            <a:r>
+              <a:rPr lang="en-US" sz="1400" b="0" dirty="0"/>
+              <a:t>Decision Services</a:t>
+            </a:r>
+          </a:p>
+        </p:txBody>
+      </p:sp>
+      <p:sp>
+        <p:nvSpPr>
+          <p:cNvPr id="58" name="TextBox 57">
+            <a:extLst>
+              <a:ext uri="{FF2B5EF4-FFF2-40B4-BE49-F238E27FC236}">
+                <a16:creationId xmlns:a16="http://schemas.microsoft.com/office/drawing/2014/main" id="{2B5A81BB-EDBE-41CC-9EBA-617B62618793}"/>
+              </a:ext>
+            </a:extLst>
+          </p:cNvPr>
+          <p:cNvSpPr txBox="1"/>
+          <p:nvPr/>
+        </p:nvSpPr>
+        <p:spPr>
+          <a:xfrm>
+            <a:off x="8748041" y="5224379"/>
+            <a:ext cx="2050463" cy="738664"/>
+          </a:xfrm>
+          <a:prstGeom prst="rect">
+            <a:avLst/>
+          </a:prstGeom>
+        </p:spPr>
+        <p:txBody>
+          <a:bodyPr wrap="square" rtlCol="0">
+            <a:spAutoFit/>
+          </a:bodyPr>
+          <a:lstStyle/>
+          <a:p>
+            <a:r>
+              <a:rPr lang="en-US" sz="1400" b="0" dirty="0"/>
+              <a:t>Systems of Record</a:t>
+            </a:r>
+          </a:p>
+          <a:p>
+            <a:r>
+              <a:rPr lang="en-US" sz="1400" dirty="0"/>
+              <a:t>Registries and Exchanges</a:t>
+            </a:r>
+          </a:p>
+          <a:p>
+            <a:r>
+              <a:rPr lang="en-US" sz="1400" b="0" dirty="0"/>
+              <a:t>Data Services</a:t>
+            </a:r>
+          </a:p>
+        </p:txBody>
+      </p:sp>
+    </p:spTree>
+    <p:extLst>
+      <p:ext uri="{BB962C8B-B14F-4D97-AF65-F5344CB8AC3E}">
+        <p14:creationId xmlns:p14="http://schemas.microsoft.com/office/powerpoint/2010/main" val="1777371820"/>
+      </p:ext>
+    </p:extLst>
+  </p:cSld>
+  <p:clrMapOvr>
+    <a:masterClrMapping/>
+  </p:clrMapOvr>
+</p:sld>
+</file>
+
+<file path=ppt/slides/slide6.xml><?xml version="1.0" encoding="utf-8"?>
+<p:sld xmlns:a="http://schemas.openxmlformats.org/drawingml/2006/main" xmlns:r="http://schemas.openxmlformats.org/officeDocument/2006/relationships" xmlns:p="http://schemas.openxmlformats.org/presentationml/2006/main">
+  <p:cSld>
+    <p:spTree>
+      <p:nvGrpSpPr>
+        <p:cNvPr id="1" name=""/>
+        <p:cNvGrpSpPr/>
+        <p:nvPr/>
+      </p:nvGrpSpPr>
+      <p:grpSpPr>
+        <a:xfrm>
+          <a:off x="0" y="0"/>
+          <a:ext cx="0" cy="0"/>
+          <a:chOff x="0" y="0"/>
+          <a:chExt cx="0" cy="0"/>
+        </a:xfrm>
+      </p:grpSpPr>
+      <p:sp>
+        <p:nvSpPr>
+          <p:cNvPr id="2" name="Title 1">
+            <a:extLst>
+              <a:ext uri="{FF2B5EF4-FFF2-40B4-BE49-F238E27FC236}">
+                <a16:creationId xmlns:a16="http://schemas.microsoft.com/office/drawing/2014/main" id="{6E932C11-F924-4713-8E36-73E87C752897}"/>
+              </a:ext>
+            </a:extLst>
+          </p:cNvPr>
+          <p:cNvSpPr>
+            <a:spLocks noGrp="1"/>
+          </p:cNvSpPr>
+          <p:nvPr>
+            <p:ph type="title" idx="4294967295"/>
+          </p:nvPr>
+        </p:nvSpPr>
+        <p:spPr>
+          <a:xfrm>
+            <a:off x="0" y="1042988"/>
+            <a:ext cx="10515600" cy="887412"/>
+          </a:xfrm>
+        </p:spPr>
+        <p:txBody>
+          <a:bodyPr/>
+          <a:lstStyle/>
+          <a:p>
+            <a:r>
+              <a:rPr lang="en-US" b="1" dirty="0"/>
+              <a:t>Methods</a:t>
+            </a:r>
+            <a:r>
+              <a:rPr lang="en-US" dirty="0"/>
+              <a:t> of Implementation</a:t>
+            </a:r>
+            <a:endParaRPr lang="en-US" b="1" dirty="0"/>
+          </a:p>
+        </p:txBody>
+      </p:sp>
+      <p:sp>
+        <p:nvSpPr>
+          <p:cNvPr id="5" name="Google Shape;336;p26">
+            <a:extLst>
+              <a:ext uri="{FF2B5EF4-FFF2-40B4-BE49-F238E27FC236}">
+                <a16:creationId xmlns:a16="http://schemas.microsoft.com/office/drawing/2014/main" id="{0FF97974-CF80-4EE5-BF87-0E2D78176400}"/>
+              </a:ext>
+            </a:extLst>
+          </p:cNvPr>
+          <p:cNvSpPr/>
+          <p:nvPr/>
+        </p:nvSpPr>
+        <p:spPr>
+          <a:xfrm>
+            <a:off x="1037848" y="3512294"/>
+            <a:ext cx="7009464" cy="691727"/>
+          </a:xfrm>
+          <a:prstGeom prst="roundRect">
+            <a:avLst>
+              <a:gd name="adj" fmla="val 16667"/>
+            </a:avLst>
+          </a:prstGeom>
+          <a:noFill/>
+          <a:ln w="25400" cap="flat" cmpd="sng">
+            <a:solidFill>
+              <a:srgbClr val="008000"/>
+            </a:solidFill>
+            <a:prstDash val="solid"/>
+            <a:round/>
+            <a:headEnd type="none" w="sm" len="sm"/>
+            <a:tailEnd type="none" w="sm" len="sm"/>
+          </a:ln>
+        </p:spPr>
+        <p:txBody>
+          <a:bodyPr spcFirstLastPara="1" wrap="square" lIns="91425" tIns="45700" rIns="91425" bIns="45700" anchor="ctr" anchorCtr="0">
+            <a:noAutofit/>
+          </a:bodyPr>
+          <a:lstStyle>
+            <a:defPPr marR="0" lvl="0" algn="l" rtl="0">
+              <a:lnSpc>
+                <a:spcPct val="100000"/>
+              </a:lnSpc>
+              <a:spcBef>
+                <a:spcPts val="0"/>
+              </a:spcBef>
+              <a:spcAft>
+                <a:spcPts val="0"/>
+              </a:spcAft>
+            </a:defPPr>
+            <a:lvl1pPr marR="0" lvl="0" algn="l" rtl="0">
+              <a:lnSpc>
+                <a:spcPct val="100000"/>
+              </a:lnSpc>
+              <a:spcBef>
+                <a:spcPts val="0"/>
+              </a:spcBef>
+              <a:spcAft>
+                <a:spcPts val="0"/>
+              </a:spcAft>
+              <a:buClr>
+                <a:srgbClr val="000000"/>
+              </a:buClr>
+              <a:buFont typeface="Arial"/>
+              <a:defRPr sz="1400" b="0" i="0" u="none" strike="noStrike" cap="none">
+                <a:solidFill>
+                  <a:srgbClr val="000000"/>
+                </a:solidFill>
+                <a:latin typeface="Arial"/>
+                <a:ea typeface="Arial"/>
+                <a:cs typeface="Arial"/>
+                <a:sym typeface="Arial"/>
+              </a:defRPr>
+            </a:lvl1pPr>
+            <a:lvl2pPr marR="0" lvl="1" algn="l" rtl="0">
+              <a:lnSpc>
+                <a:spcPct val="100000"/>
+              </a:lnSpc>
+              <a:spcBef>
+                <a:spcPts val="0"/>
+              </a:spcBef>
+              <a:spcAft>
+                <a:spcPts val="0"/>
+              </a:spcAft>
+              <a:buClr>
+                <a:srgbClr val="000000"/>
+              </a:buClr>
+              <a:buFont typeface="Arial"/>
+              <a:defRPr sz="1400" b="0" i="0" u="none" strike="noStrike" cap="none">
+                <a:solidFill>
+                  <a:srgbClr val="000000"/>
+                </a:solidFill>
+                <a:latin typeface="Arial"/>
+                <a:ea typeface="Arial"/>
+                <a:cs typeface="Arial"/>
+                <a:sym typeface="Arial"/>
+              </a:defRPr>
+            </a:lvl2pPr>
+            <a:lvl3pPr marR="0" lvl="2" algn="l" rtl="0">
+              <a:lnSpc>
+                <a:spcPct val="100000"/>
+              </a:lnSpc>
+              <a:spcBef>
+                <a:spcPts val="0"/>
+              </a:spcBef>
+              <a:spcAft>
+                <a:spcPts val="0"/>
+              </a:spcAft>
+              <a:buClr>
+                <a:srgbClr val="000000"/>
+              </a:buClr>
+              <a:buFont typeface="Arial"/>
+              <a:defRPr sz="1400" b="0" i="0" u="none" strike="noStrike" cap="none">
+                <a:solidFill>
+                  <a:srgbClr val="000000"/>
+                </a:solidFill>
+                <a:latin typeface="Arial"/>
+                <a:ea typeface="Arial"/>
+                <a:cs typeface="Arial"/>
+                <a:sym typeface="Arial"/>
+              </a:defRPr>
+            </a:lvl3pPr>
+            <a:lvl4pPr marR="0" lvl="3" algn="l" rtl="0">
+              <a:lnSpc>
+                <a:spcPct val="100000"/>
+              </a:lnSpc>
+              <a:spcBef>
+                <a:spcPts val="0"/>
+              </a:spcBef>
+              <a:spcAft>
+                <a:spcPts val="0"/>
+              </a:spcAft>
+              <a:buClr>
+                <a:srgbClr val="000000"/>
+              </a:buClr>
+              <a:buFont typeface="Arial"/>
+              <a:defRPr sz="1400" b="0" i="0" u="none" strike="noStrike" cap="none">
+                <a:solidFill>
+                  <a:srgbClr val="000000"/>
+                </a:solidFill>
+                <a:latin typeface="Arial"/>
+                <a:ea typeface="Arial"/>
+                <a:cs typeface="Arial"/>
+                <a:sym typeface="Arial"/>
+              </a:defRPr>
+            </a:lvl4pPr>
+            <a:lvl5pPr marR="0" lvl="4" algn="l" rtl="0">
+              <a:lnSpc>
+                <a:spcPct val="100000"/>
+              </a:lnSpc>
+              <a:spcBef>
+                <a:spcPts val="0"/>
+              </a:spcBef>
+              <a:spcAft>
+                <a:spcPts val="0"/>
+              </a:spcAft>
+              <a:buClr>
+                <a:srgbClr val="000000"/>
+              </a:buClr>
+              <a:buFont typeface="Arial"/>
+              <a:defRPr sz="1400" b="0" i="0" u="none" strike="noStrike" cap="none">
+                <a:solidFill>
+                  <a:srgbClr val="000000"/>
+                </a:solidFill>
+                <a:latin typeface="Arial"/>
+                <a:ea typeface="Arial"/>
+                <a:cs typeface="Arial"/>
+                <a:sym typeface="Arial"/>
+              </a:defRPr>
+            </a:lvl5pPr>
+            <a:lvl6pPr marR="0" lvl="5" algn="l" rtl="0">
+              <a:lnSpc>
+                <a:spcPct val="100000"/>
+              </a:lnSpc>
+              <a:spcBef>
+                <a:spcPts val="0"/>
+              </a:spcBef>
+              <a:spcAft>
+                <a:spcPts val="0"/>
+              </a:spcAft>
+              <a:buClr>
+                <a:srgbClr val="000000"/>
+              </a:buClr>
+              <a:buFont typeface="Arial"/>
+              <a:defRPr sz="1400" b="0" i="0" u="none" strike="noStrike" cap="none">
+                <a:solidFill>
+                  <a:srgbClr val="000000"/>
+                </a:solidFill>
+                <a:latin typeface="Arial"/>
+                <a:ea typeface="Arial"/>
+                <a:cs typeface="Arial"/>
+                <a:sym typeface="Arial"/>
+              </a:defRPr>
+            </a:lvl6pPr>
+            <a:lvl7pPr marR="0" lvl="6" algn="l" rtl="0">
+              <a:lnSpc>
+                <a:spcPct val="100000"/>
+              </a:lnSpc>
+              <a:spcBef>
+                <a:spcPts val="0"/>
+              </a:spcBef>
+              <a:spcAft>
+                <a:spcPts val="0"/>
+              </a:spcAft>
+              <a:buClr>
+                <a:srgbClr val="000000"/>
+              </a:buClr>
+              <a:buFont typeface="Arial"/>
+              <a:defRPr sz="1400" b="0" i="0" u="none" strike="noStrike" cap="none">
+                <a:solidFill>
+                  <a:srgbClr val="000000"/>
+                </a:solidFill>
+                <a:latin typeface="Arial"/>
+                <a:ea typeface="Arial"/>
+                <a:cs typeface="Arial"/>
+                <a:sym typeface="Arial"/>
+              </a:defRPr>
+            </a:lvl7pPr>
+            <a:lvl8pPr marR="0" lvl="7" algn="l" rtl="0">
+              <a:lnSpc>
+                <a:spcPct val="100000"/>
+              </a:lnSpc>
+              <a:spcBef>
+                <a:spcPts val="0"/>
+              </a:spcBef>
+              <a:spcAft>
+                <a:spcPts val="0"/>
+              </a:spcAft>
+              <a:buClr>
+                <a:srgbClr val="000000"/>
+              </a:buClr>
+              <a:buFont typeface="Arial"/>
+              <a:defRPr sz="1400" b="0" i="0" u="none" strike="noStrike" cap="none">
+                <a:solidFill>
+                  <a:srgbClr val="000000"/>
+                </a:solidFill>
+                <a:latin typeface="Arial"/>
+                <a:ea typeface="Arial"/>
+                <a:cs typeface="Arial"/>
+                <a:sym typeface="Arial"/>
+              </a:defRPr>
+            </a:lvl8pPr>
+            <a:lvl9pPr marR="0" lvl="8" algn="l" rtl="0">
+              <a:lnSpc>
+                <a:spcPct val="100000"/>
+              </a:lnSpc>
+              <a:spcBef>
+                <a:spcPts val="0"/>
+              </a:spcBef>
+              <a:spcAft>
+                <a:spcPts val="0"/>
+              </a:spcAft>
+              <a:buClr>
+                <a:srgbClr val="000000"/>
+              </a:buClr>
+              <a:buFont typeface="Arial"/>
+              <a:defRPr sz="1400" b="0" i="0" u="none" strike="noStrike" cap="none">
+                <a:solidFill>
+                  <a:srgbClr val="000000"/>
+                </a:solidFill>
+                <a:latin typeface="Arial"/>
+                <a:ea typeface="Arial"/>
+                <a:cs typeface="Arial"/>
+                <a:sym typeface="Arial"/>
+              </a:defRPr>
+            </a:lvl9pPr>
+          </a:lstStyle>
+          <a:p>
+            <a:pPr marL="227013" marR="0" lvl="0" indent="0" algn="l" rtl="0">
+              <a:lnSpc>
+                <a:spcPct val="100000"/>
+              </a:lnSpc>
+              <a:spcBef>
+                <a:spcPts val="0"/>
+              </a:spcBef>
+              <a:spcAft>
+                <a:spcPts val="0"/>
+              </a:spcAft>
+              <a:buNone/>
+            </a:pPr>
+            <a:r>
+              <a:rPr lang="en-US" sz="1200" b="1" i="0" u="none" strike="noStrike" cap="none" dirty="0">
+                <a:solidFill>
+                  <a:schemeClr val="dk1"/>
+                </a:solidFill>
+                <a:latin typeface="Arial"/>
+                <a:ea typeface="Arial"/>
+                <a:cs typeface="Arial"/>
+                <a:sym typeface="Arial"/>
+              </a:rPr>
+              <a:t>Translate CQL </a:t>
+            </a:r>
+            <a:r>
+              <a:rPr lang="en-US" sz="1200" i="1" u="none" strike="noStrike" cap="none" dirty="0">
+                <a:solidFill>
+                  <a:schemeClr val="dk1"/>
+                </a:solidFill>
+              </a:rPr>
+              <a:t>(automated translation)</a:t>
+            </a:r>
+            <a:endParaRPr i="1" dirty="0"/>
+          </a:p>
+          <a:p>
+            <a:pPr marL="227013" marR="0" lvl="0" indent="0" algn="l" rtl="0">
+              <a:lnSpc>
+                <a:spcPct val="100000"/>
+              </a:lnSpc>
+              <a:spcBef>
+                <a:spcPts val="0"/>
+              </a:spcBef>
+              <a:spcAft>
+                <a:spcPts val="0"/>
+              </a:spcAft>
+              <a:buNone/>
+            </a:pPr>
+            <a:r>
+              <a:rPr lang="en-US" sz="1200" b="0" i="0" u="none" strike="noStrike" cap="none" dirty="0">
+                <a:solidFill>
+                  <a:schemeClr val="dk1"/>
+                </a:solidFill>
+                <a:latin typeface="Arial"/>
+                <a:ea typeface="Arial"/>
+                <a:cs typeface="Arial"/>
+                <a:sym typeface="Arial"/>
+              </a:rPr>
+              <a:t>Translate “L3” CQL into the code base used in the current legacy system</a:t>
+            </a:r>
+            <a:endParaRPr dirty="0"/>
+          </a:p>
+        </p:txBody>
+      </p:sp>
+      <p:sp>
+        <p:nvSpPr>
+          <p:cNvPr id="6" name="Google Shape;337;p26">
+            <a:extLst>
+              <a:ext uri="{FF2B5EF4-FFF2-40B4-BE49-F238E27FC236}">
+                <a16:creationId xmlns:a16="http://schemas.microsoft.com/office/drawing/2014/main" id="{2970A2C0-F736-4B56-ABFF-3A0740B55B54}"/>
+              </a:ext>
+            </a:extLst>
+          </p:cNvPr>
+          <p:cNvSpPr/>
+          <p:nvPr/>
+        </p:nvSpPr>
+        <p:spPr>
+          <a:xfrm>
+            <a:off x="1037848" y="4795486"/>
+            <a:ext cx="7009464" cy="691727"/>
+          </a:xfrm>
+          <a:prstGeom prst="roundRect">
+            <a:avLst>
+              <a:gd name="adj" fmla="val 16667"/>
+            </a:avLst>
+          </a:prstGeom>
+          <a:noFill/>
+          <a:ln w="25400" cap="flat" cmpd="sng">
+            <a:solidFill>
+              <a:srgbClr val="008000"/>
+            </a:solidFill>
+            <a:prstDash val="solid"/>
+            <a:round/>
+            <a:headEnd type="none" w="sm" len="sm"/>
+            <a:tailEnd type="none" w="sm" len="sm"/>
+          </a:ln>
+        </p:spPr>
+        <p:txBody>
+          <a:bodyPr spcFirstLastPara="1" wrap="square" lIns="91425" tIns="45700" rIns="91425" bIns="45700" anchor="ctr" anchorCtr="0">
+            <a:noAutofit/>
+          </a:bodyPr>
+          <a:lstStyle>
+            <a:defPPr marR="0" lvl="0" algn="l" rtl="0">
+              <a:lnSpc>
+                <a:spcPct val="100000"/>
+              </a:lnSpc>
+              <a:spcBef>
+                <a:spcPts val="0"/>
+              </a:spcBef>
+              <a:spcAft>
+                <a:spcPts val="0"/>
+              </a:spcAft>
+            </a:defPPr>
+            <a:lvl1pPr marR="0" lvl="0" algn="l" rtl="0">
+              <a:lnSpc>
+                <a:spcPct val="100000"/>
+              </a:lnSpc>
+              <a:spcBef>
+                <a:spcPts val="0"/>
+              </a:spcBef>
+              <a:spcAft>
+                <a:spcPts val="0"/>
+              </a:spcAft>
+              <a:buClr>
+                <a:srgbClr val="000000"/>
+              </a:buClr>
+              <a:buFont typeface="Arial"/>
+              <a:defRPr sz="1400" b="0" i="0" u="none" strike="noStrike" cap="none">
+                <a:solidFill>
+                  <a:srgbClr val="000000"/>
+                </a:solidFill>
+                <a:latin typeface="Arial"/>
+                <a:ea typeface="Arial"/>
+                <a:cs typeface="Arial"/>
+                <a:sym typeface="Arial"/>
+              </a:defRPr>
+            </a:lvl1pPr>
+            <a:lvl2pPr marR="0" lvl="1" algn="l" rtl="0">
+              <a:lnSpc>
+                <a:spcPct val="100000"/>
+              </a:lnSpc>
+              <a:spcBef>
+                <a:spcPts val="0"/>
+              </a:spcBef>
+              <a:spcAft>
+                <a:spcPts val="0"/>
+              </a:spcAft>
+              <a:buClr>
+                <a:srgbClr val="000000"/>
+              </a:buClr>
+              <a:buFont typeface="Arial"/>
+              <a:defRPr sz="1400" b="0" i="0" u="none" strike="noStrike" cap="none">
+                <a:solidFill>
+                  <a:srgbClr val="000000"/>
+                </a:solidFill>
+                <a:latin typeface="Arial"/>
+                <a:ea typeface="Arial"/>
+                <a:cs typeface="Arial"/>
+                <a:sym typeface="Arial"/>
+              </a:defRPr>
+            </a:lvl2pPr>
+            <a:lvl3pPr marR="0" lvl="2" algn="l" rtl="0">
+              <a:lnSpc>
+                <a:spcPct val="100000"/>
+              </a:lnSpc>
+              <a:spcBef>
+                <a:spcPts val="0"/>
+              </a:spcBef>
+              <a:spcAft>
+                <a:spcPts val="0"/>
+              </a:spcAft>
+              <a:buClr>
+                <a:srgbClr val="000000"/>
+              </a:buClr>
+              <a:buFont typeface="Arial"/>
+              <a:defRPr sz="1400" b="0" i="0" u="none" strike="noStrike" cap="none">
+                <a:solidFill>
+                  <a:srgbClr val="000000"/>
+                </a:solidFill>
+                <a:latin typeface="Arial"/>
+                <a:ea typeface="Arial"/>
+                <a:cs typeface="Arial"/>
+                <a:sym typeface="Arial"/>
+              </a:defRPr>
+            </a:lvl3pPr>
+            <a:lvl4pPr marR="0" lvl="3" algn="l" rtl="0">
+              <a:lnSpc>
+                <a:spcPct val="100000"/>
+              </a:lnSpc>
+              <a:spcBef>
+                <a:spcPts val="0"/>
+              </a:spcBef>
+              <a:spcAft>
+                <a:spcPts val="0"/>
+              </a:spcAft>
+              <a:buClr>
+                <a:srgbClr val="000000"/>
+              </a:buClr>
+              <a:buFont typeface="Arial"/>
+              <a:defRPr sz="1400" b="0" i="0" u="none" strike="noStrike" cap="none">
+                <a:solidFill>
+                  <a:srgbClr val="000000"/>
+                </a:solidFill>
+                <a:latin typeface="Arial"/>
+                <a:ea typeface="Arial"/>
+                <a:cs typeface="Arial"/>
+                <a:sym typeface="Arial"/>
+              </a:defRPr>
+            </a:lvl4pPr>
+            <a:lvl5pPr marR="0" lvl="4" algn="l" rtl="0">
+              <a:lnSpc>
+                <a:spcPct val="100000"/>
+              </a:lnSpc>
+              <a:spcBef>
+                <a:spcPts val="0"/>
+              </a:spcBef>
+              <a:spcAft>
+                <a:spcPts val="0"/>
+              </a:spcAft>
+              <a:buClr>
+                <a:srgbClr val="000000"/>
+              </a:buClr>
+              <a:buFont typeface="Arial"/>
+              <a:defRPr sz="1400" b="0" i="0" u="none" strike="noStrike" cap="none">
+                <a:solidFill>
+                  <a:srgbClr val="000000"/>
+                </a:solidFill>
+                <a:latin typeface="Arial"/>
+                <a:ea typeface="Arial"/>
+                <a:cs typeface="Arial"/>
+                <a:sym typeface="Arial"/>
+              </a:defRPr>
+            </a:lvl5pPr>
+            <a:lvl6pPr marR="0" lvl="5" algn="l" rtl="0">
+              <a:lnSpc>
+                <a:spcPct val="100000"/>
+              </a:lnSpc>
+              <a:spcBef>
+                <a:spcPts val="0"/>
+              </a:spcBef>
+              <a:spcAft>
+                <a:spcPts val="0"/>
+              </a:spcAft>
+              <a:buClr>
+                <a:srgbClr val="000000"/>
+              </a:buClr>
+              <a:buFont typeface="Arial"/>
+              <a:defRPr sz="1400" b="0" i="0" u="none" strike="noStrike" cap="none">
+                <a:solidFill>
+                  <a:srgbClr val="000000"/>
+                </a:solidFill>
+                <a:latin typeface="Arial"/>
+                <a:ea typeface="Arial"/>
+                <a:cs typeface="Arial"/>
+                <a:sym typeface="Arial"/>
+              </a:defRPr>
+            </a:lvl6pPr>
+            <a:lvl7pPr marR="0" lvl="6" algn="l" rtl="0">
+              <a:lnSpc>
+                <a:spcPct val="100000"/>
+              </a:lnSpc>
+              <a:spcBef>
+                <a:spcPts val="0"/>
+              </a:spcBef>
+              <a:spcAft>
+                <a:spcPts val="0"/>
+              </a:spcAft>
+              <a:buClr>
+                <a:srgbClr val="000000"/>
+              </a:buClr>
+              <a:buFont typeface="Arial"/>
+              <a:defRPr sz="1400" b="0" i="0" u="none" strike="noStrike" cap="none">
+                <a:solidFill>
+                  <a:srgbClr val="000000"/>
+                </a:solidFill>
+                <a:latin typeface="Arial"/>
+                <a:ea typeface="Arial"/>
+                <a:cs typeface="Arial"/>
+                <a:sym typeface="Arial"/>
+              </a:defRPr>
+            </a:lvl7pPr>
+            <a:lvl8pPr marR="0" lvl="7" algn="l" rtl="0">
+              <a:lnSpc>
+                <a:spcPct val="100000"/>
+              </a:lnSpc>
+              <a:spcBef>
+                <a:spcPts val="0"/>
+              </a:spcBef>
+              <a:spcAft>
+                <a:spcPts val="0"/>
+              </a:spcAft>
+              <a:buClr>
+                <a:srgbClr val="000000"/>
+              </a:buClr>
+              <a:buFont typeface="Arial"/>
+              <a:defRPr sz="1400" b="0" i="0" u="none" strike="noStrike" cap="none">
+                <a:solidFill>
+                  <a:srgbClr val="000000"/>
+                </a:solidFill>
+                <a:latin typeface="Arial"/>
+                <a:ea typeface="Arial"/>
+                <a:cs typeface="Arial"/>
+                <a:sym typeface="Arial"/>
+              </a:defRPr>
+            </a:lvl8pPr>
+            <a:lvl9pPr marR="0" lvl="8" algn="l" rtl="0">
+              <a:lnSpc>
+                <a:spcPct val="100000"/>
+              </a:lnSpc>
+              <a:spcBef>
+                <a:spcPts val="0"/>
+              </a:spcBef>
+              <a:spcAft>
+                <a:spcPts val="0"/>
+              </a:spcAft>
+              <a:buClr>
+                <a:srgbClr val="000000"/>
+              </a:buClr>
+              <a:buFont typeface="Arial"/>
+              <a:defRPr sz="1400" b="0" i="0" u="none" strike="noStrike" cap="none">
+                <a:solidFill>
+                  <a:srgbClr val="000000"/>
+                </a:solidFill>
+                <a:latin typeface="Arial"/>
+                <a:ea typeface="Arial"/>
+                <a:cs typeface="Arial"/>
+                <a:sym typeface="Arial"/>
+              </a:defRPr>
+            </a:lvl9pPr>
+          </a:lstStyle>
+          <a:p>
+            <a:pPr marL="227013" marR="0" lvl="0" indent="0" algn="l" rtl="0">
+              <a:lnSpc>
+                <a:spcPct val="100000"/>
+              </a:lnSpc>
+              <a:spcBef>
+                <a:spcPts val="0"/>
+              </a:spcBef>
+              <a:spcAft>
+                <a:spcPts val="0"/>
+              </a:spcAft>
+              <a:buNone/>
+            </a:pPr>
+            <a:r>
+              <a:rPr lang="en-US" sz="1200" b="1" i="0" u="none" strike="noStrike" cap="none">
+                <a:solidFill>
+                  <a:schemeClr val="dk1"/>
+                </a:solidFill>
+                <a:latin typeface="Arial"/>
+                <a:ea typeface="Arial"/>
+                <a:cs typeface="Arial"/>
+                <a:sym typeface="Arial"/>
+              </a:rPr>
+              <a:t>Consume CQL </a:t>
+            </a:r>
+            <a:r>
+              <a:rPr lang="en-US" sz="1200" i="1" u="none" strike="noStrike" cap="none">
+                <a:solidFill>
+                  <a:schemeClr val="dk1"/>
+                </a:solidFill>
+              </a:rPr>
+              <a:t>(native implementation)</a:t>
+            </a:r>
+            <a:endParaRPr i="1"/>
+          </a:p>
+          <a:p>
+            <a:pPr marL="227013" marR="0" lvl="0" indent="0" algn="l" rtl="0">
+              <a:lnSpc>
+                <a:spcPct val="100000"/>
+              </a:lnSpc>
+              <a:spcBef>
+                <a:spcPts val="0"/>
+              </a:spcBef>
+              <a:spcAft>
+                <a:spcPts val="0"/>
+              </a:spcAft>
+              <a:buNone/>
+            </a:pPr>
+            <a:r>
+              <a:rPr lang="en-US" sz="1200" b="0" i="0" u="none" strike="noStrike" cap="none">
+                <a:solidFill>
+                  <a:schemeClr val="dk1"/>
+                </a:solidFill>
+                <a:latin typeface="Arial"/>
+                <a:ea typeface="Arial"/>
+                <a:cs typeface="Arial"/>
+                <a:sym typeface="Arial"/>
+              </a:rPr>
+              <a:t>Directly intake “L3” CQL artifacts natively </a:t>
+            </a:r>
+            <a:endParaRPr/>
+          </a:p>
+        </p:txBody>
+      </p:sp>
+      <p:sp>
+        <p:nvSpPr>
+          <p:cNvPr id="7" name="Google Shape;338;p26">
+            <a:extLst>
+              <a:ext uri="{FF2B5EF4-FFF2-40B4-BE49-F238E27FC236}">
+                <a16:creationId xmlns:a16="http://schemas.microsoft.com/office/drawing/2014/main" id="{E2DCCFAA-BC82-4CC9-9444-A383624B0B88}"/>
+              </a:ext>
+            </a:extLst>
+          </p:cNvPr>
+          <p:cNvSpPr/>
+          <p:nvPr/>
+        </p:nvSpPr>
+        <p:spPr>
+          <a:xfrm>
+            <a:off x="1037848" y="2337307"/>
+            <a:ext cx="7009464" cy="691727"/>
+          </a:xfrm>
+          <a:prstGeom prst="roundRect">
+            <a:avLst>
+              <a:gd name="adj" fmla="val 16667"/>
+            </a:avLst>
+          </a:prstGeom>
+          <a:noFill/>
+          <a:ln w="25400" cap="flat" cmpd="sng">
+            <a:solidFill>
+              <a:srgbClr val="008000"/>
+            </a:solidFill>
+            <a:prstDash val="solid"/>
+            <a:round/>
+            <a:headEnd type="none" w="sm" len="sm"/>
+            <a:tailEnd type="none" w="sm" len="sm"/>
+          </a:ln>
+        </p:spPr>
+        <p:txBody>
+          <a:bodyPr spcFirstLastPara="1" wrap="square" lIns="91425" tIns="45700" rIns="91425" bIns="45700" anchor="ctr" anchorCtr="0">
+            <a:noAutofit/>
+          </a:bodyPr>
+          <a:lstStyle>
+            <a:defPPr marR="0" lvl="0" algn="l" rtl="0">
+              <a:lnSpc>
+                <a:spcPct val="100000"/>
+              </a:lnSpc>
+              <a:spcBef>
+                <a:spcPts val="0"/>
+              </a:spcBef>
+              <a:spcAft>
+                <a:spcPts val="0"/>
+              </a:spcAft>
+            </a:defPPr>
+            <a:lvl1pPr marR="0" lvl="0" algn="l" rtl="0">
+              <a:lnSpc>
+                <a:spcPct val="100000"/>
+              </a:lnSpc>
+              <a:spcBef>
+                <a:spcPts val="0"/>
+              </a:spcBef>
+              <a:spcAft>
+                <a:spcPts val="0"/>
+              </a:spcAft>
+              <a:buClr>
+                <a:srgbClr val="000000"/>
+              </a:buClr>
+              <a:buFont typeface="Arial"/>
+              <a:defRPr sz="1400" b="0" i="0" u="none" strike="noStrike" cap="none">
+                <a:solidFill>
+                  <a:srgbClr val="000000"/>
+                </a:solidFill>
+                <a:latin typeface="Arial"/>
+                <a:ea typeface="Arial"/>
+                <a:cs typeface="Arial"/>
+                <a:sym typeface="Arial"/>
+              </a:defRPr>
+            </a:lvl1pPr>
+            <a:lvl2pPr marR="0" lvl="1" algn="l" rtl="0">
+              <a:lnSpc>
+                <a:spcPct val="100000"/>
+              </a:lnSpc>
+              <a:spcBef>
+                <a:spcPts val="0"/>
+              </a:spcBef>
+              <a:spcAft>
+                <a:spcPts val="0"/>
+              </a:spcAft>
+              <a:buClr>
+                <a:srgbClr val="000000"/>
+              </a:buClr>
+              <a:buFont typeface="Arial"/>
+              <a:defRPr sz="1400" b="0" i="0" u="none" strike="noStrike" cap="none">
+                <a:solidFill>
+                  <a:srgbClr val="000000"/>
+                </a:solidFill>
+                <a:latin typeface="Arial"/>
+                <a:ea typeface="Arial"/>
+                <a:cs typeface="Arial"/>
+                <a:sym typeface="Arial"/>
+              </a:defRPr>
+            </a:lvl2pPr>
+            <a:lvl3pPr marR="0" lvl="2" algn="l" rtl="0">
+              <a:lnSpc>
+                <a:spcPct val="100000"/>
+              </a:lnSpc>
+              <a:spcBef>
+                <a:spcPts val="0"/>
+              </a:spcBef>
+              <a:spcAft>
+                <a:spcPts val="0"/>
+              </a:spcAft>
+              <a:buClr>
+                <a:srgbClr val="000000"/>
+              </a:buClr>
+              <a:buFont typeface="Arial"/>
+              <a:defRPr sz="1400" b="0" i="0" u="none" strike="noStrike" cap="none">
+                <a:solidFill>
+                  <a:srgbClr val="000000"/>
+                </a:solidFill>
+                <a:latin typeface="Arial"/>
+                <a:ea typeface="Arial"/>
+                <a:cs typeface="Arial"/>
+                <a:sym typeface="Arial"/>
+              </a:defRPr>
+            </a:lvl3pPr>
+            <a:lvl4pPr marR="0" lvl="3" algn="l" rtl="0">
+              <a:lnSpc>
+                <a:spcPct val="100000"/>
+              </a:lnSpc>
+              <a:spcBef>
+                <a:spcPts val="0"/>
+              </a:spcBef>
+              <a:spcAft>
+                <a:spcPts val="0"/>
+              </a:spcAft>
+              <a:buClr>
+                <a:srgbClr val="000000"/>
+              </a:buClr>
+              <a:buFont typeface="Arial"/>
+              <a:defRPr sz="1400" b="0" i="0" u="none" strike="noStrike" cap="none">
+                <a:solidFill>
+                  <a:srgbClr val="000000"/>
+                </a:solidFill>
+                <a:latin typeface="Arial"/>
+                <a:ea typeface="Arial"/>
+                <a:cs typeface="Arial"/>
+                <a:sym typeface="Arial"/>
+              </a:defRPr>
+            </a:lvl4pPr>
+            <a:lvl5pPr marR="0" lvl="4" algn="l" rtl="0">
+              <a:lnSpc>
+                <a:spcPct val="100000"/>
+              </a:lnSpc>
+              <a:spcBef>
+                <a:spcPts val="0"/>
+              </a:spcBef>
+              <a:spcAft>
+                <a:spcPts val="0"/>
+              </a:spcAft>
+              <a:buClr>
+                <a:srgbClr val="000000"/>
+              </a:buClr>
+              <a:buFont typeface="Arial"/>
+              <a:defRPr sz="1400" b="0" i="0" u="none" strike="noStrike" cap="none">
+                <a:solidFill>
+                  <a:srgbClr val="000000"/>
+                </a:solidFill>
+                <a:latin typeface="Arial"/>
+                <a:ea typeface="Arial"/>
+                <a:cs typeface="Arial"/>
+                <a:sym typeface="Arial"/>
+              </a:defRPr>
+            </a:lvl5pPr>
+            <a:lvl6pPr marR="0" lvl="5" algn="l" rtl="0">
+              <a:lnSpc>
+                <a:spcPct val="100000"/>
+              </a:lnSpc>
+              <a:spcBef>
+                <a:spcPts val="0"/>
+              </a:spcBef>
+              <a:spcAft>
+                <a:spcPts val="0"/>
+              </a:spcAft>
+              <a:buClr>
+                <a:srgbClr val="000000"/>
+              </a:buClr>
+              <a:buFont typeface="Arial"/>
+              <a:defRPr sz="1400" b="0" i="0" u="none" strike="noStrike" cap="none">
+                <a:solidFill>
+                  <a:srgbClr val="000000"/>
+                </a:solidFill>
+                <a:latin typeface="Arial"/>
+                <a:ea typeface="Arial"/>
+                <a:cs typeface="Arial"/>
+                <a:sym typeface="Arial"/>
+              </a:defRPr>
+            </a:lvl6pPr>
+            <a:lvl7pPr marR="0" lvl="6" algn="l" rtl="0">
+              <a:lnSpc>
+                <a:spcPct val="100000"/>
+              </a:lnSpc>
+              <a:spcBef>
+                <a:spcPts val="0"/>
+              </a:spcBef>
+              <a:spcAft>
+                <a:spcPts val="0"/>
+              </a:spcAft>
+              <a:buClr>
+                <a:srgbClr val="000000"/>
+              </a:buClr>
+              <a:buFont typeface="Arial"/>
+              <a:defRPr sz="1400" b="0" i="0" u="none" strike="noStrike" cap="none">
+                <a:solidFill>
+                  <a:srgbClr val="000000"/>
+                </a:solidFill>
+                <a:latin typeface="Arial"/>
+                <a:ea typeface="Arial"/>
+                <a:cs typeface="Arial"/>
+                <a:sym typeface="Arial"/>
+              </a:defRPr>
+            </a:lvl7pPr>
+            <a:lvl8pPr marR="0" lvl="7" algn="l" rtl="0">
+              <a:lnSpc>
+                <a:spcPct val="100000"/>
+              </a:lnSpc>
+              <a:spcBef>
+                <a:spcPts val="0"/>
+              </a:spcBef>
+              <a:spcAft>
+                <a:spcPts val="0"/>
+              </a:spcAft>
+              <a:buClr>
+                <a:srgbClr val="000000"/>
+              </a:buClr>
+              <a:buFont typeface="Arial"/>
+              <a:defRPr sz="1400" b="0" i="0" u="none" strike="noStrike" cap="none">
+                <a:solidFill>
+                  <a:srgbClr val="000000"/>
+                </a:solidFill>
+                <a:latin typeface="Arial"/>
+                <a:ea typeface="Arial"/>
+                <a:cs typeface="Arial"/>
+                <a:sym typeface="Arial"/>
+              </a:defRPr>
+            </a:lvl8pPr>
+            <a:lvl9pPr marR="0" lvl="8" algn="l" rtl="0">
+              <a:lnSpc>
+                <a:spcPct val="100000"/>
+              </a:lnSpc>
+              <a:spcBef>
+                <a:spcPts val="0"/>
+              </a:spcBef>
+              <a:spcAft>
+                <a:spcPts val="0"/>
+              </a:spcAft>
+              <a:buClr>
+                <a:srgbClr val="000000"/>
+              </a:buClr>
+              <a:buFont typeface="Arial"/>
+              <a:defRPr sz="1400" b="0" i="0" u="none" strike="noStrike" cap="none">
+                <a:solidFill>
+                  <a:srgbClr val="000000"/>
+                </a:solidFill>
+                <a:latin typeface="Arial"/>
+                <a:ea typeface="Arial"/>
+                <a:cs typeface="Arial"/>
+                <a:sym typeface="Arial"/>
+              </a:defRPr>
+            </a:lvl9pPr>
+          </a:lstStyle>
+          <a:p>
+            <a:pPr marL="227013" marR="0" lvl="0" indent="0" algn="l" rtl="0">
+              <a:lnSpc>
+                <a:spcPct val="100000"/>
+              </a:lnSpc>
+              <a:spcBef>
+                <a:spcPts val="0"/>
+              </a:spcBef>
+              <a:spcAft>
+                <a:spcPts val="0"/>
+              </a:spcAft>
+              <a:buNone/>
+            </a:pPr>
+            <a:r>
+              <a:rPr lang="en-US" sz="1200" b="1" i="0" u="none" strike="noStrike" cap="none" dirty="0">
+                <a:solidFill>
+                  <a:schemeClr val="dk1"/>
+                </a:solidFill>
+                <a:latin typeface="Arial"/>
+                <a:ea typeface="Arial"/>
+                <a:cs typeface="Arial"/>
+                <a:sym typeface="Arial"/>
+              </a:rPr>
+              <a:t>Use CQL as a specification </a:t>
+            </a:r>
+            <a:r>
+              <a:rPr lang="en-US" sz="1200" i="1" u="none" strike="noStrike" cap="none" dirty="0">
+                <a:solidFill>
+                  <a:schemeClr val="dk1"/>
+                </a:solidFill>
+              </a:rPr>
+              <a:t>(manual development)</a:t>
+            </a:r>
+            <a:endParaRPr i="1" dirty="0"/>
+          </a:p>
+          <a:p>
+            <a:pPr marL="227013" marR="0" lvl="0" indent="0" algn="l" rtl="0">
+              <a:lnSpc>
+                <a:spcPct val="100000"/>
+              </a:lnSpc>
+              <a:spcBef>
+                <a:spcPts val="0"/>
+              </a:spcBef>
+              <a:spcAft>
+                <a:spcPts val="0"/>
+              </a:spcAft>
+              <a:buNone/>
+            </a:pPr>
+            <a:r>
+              <a:rPr lang="en-US" sz="1200" b="0" i="0" u="none" strike="noStrike" cap="none" dirty="0">
+                <a:solidFill>
+                  <a:schemeClr val="dk1"/>
+                </a:solidFill>
+                <a:latin typeface="Arial"/>
+                <a:ea typeface="Arial"/>
+                <a:cs typeface="Arial"/>
+                <a:sym typeface="Arial"/>
+              </a:rPr>
+              <a:t>Developers will still need to hand code own code based off of that published “L3” CQL. Although, the most time consuming option, this is still faster than starting from the narrative artifacts “L1”</a:t>
+            </a:r>
+            <a:endParaRPr dirty="0"/>
+          </a:p>
+        </p:txBody>
+      </p:sp>
+      <p:sp>
+        <p:nvSpPr>
+          <p:cNvPr id="8" name="Google Shape;340;p26">
+            <a:extLst>
+              <a:ext uri="{FF2B5EF4-FFF2-40B4-BE49-F238E27FC236}">
+                <a16:creationId xmlns:a16="http://schemas.microsoft.com/office/drawing/2014/main" id="{038FE162-A16E-4370-868E-9199B8A3C1A1}"/>
+              </a:ext>
+            </a:extLst>
+          </p:cNvPr>
+          <p:cNvSpPr/>
+          <p:nvPr/>
+        </p:nvSpPr>
+        <p:spPr>
+          <a:xfrm>
+            <a:off x="838202" y="2483523"/>
+            <a:ext cx="399297" cy="399297"/>
+          </a:xfrm>
+          <a:prstGeom prst="ellipse">
+            <a:avLst/>
+          </a:prstGeom>
+          <a:solidFill>
+            <a:srgbClr val="008000"/>
+          </a:solidFill>
+          <a:ln w="25400" cap="flat" cmpd="sng">
+            <a:solidFill>
+              <a:srgbClr val="008000"/>
+            </a:solidFill>
+            <a:prstDash val="solid"/>
+            <a:round/>
+            <a:headEnd type="none" w="sm" len="sm"/>
+            <a:tailEnd type="none" w="sm" len="sm"/>
+          </a:ln>
+        </p:spPr>
+        <p:txBody>
+          <a:bodyPr spcFirstLastPara="1" wrap="square" lIns="0" tIns="0" rIns="0" bIns="0" anchor="ctr" anchorCtr="0">
+            <a:noAutofit/>
+          </a:bodyPr>
+          <a:lstStyle>
+            <a:defPPr marR="0" lvl="0" algn="l" rtl="0">
+              <a:lnSpc>
+                <a:spcPct val="100000"/>
+              </a:lnSpc>
+              <a:spcBef>
+                <a:spcPts val="0"/>
+              </a:spcBef>
+              <a:spcAft>
+                <a:spcPts val="0"/>
+              </a:spcAft>
+            </a:defPPr>
+            <a:lvl1pPr marR="0" lvl="0" algn="l" rtl="0">
+              <a:lnSpc>
+                <a:spcPct val="100000"/>
+              </a:lnSpc>
+              <a:spcBef>
+                <a:spcPts val="0"/>
+              </a:spcBef>
+              <a:spcAft>
+                <a:spcPts val="0"/>
+              </a:spcAft>
+              <a:buClr>
+                <a:srgbClr val="000000"/>
+              </a:buClr>
+              <a:buFont typeface="Arial"/>
+              <a:defRPr sz="1400" b="0" i="0" u="none" strike="noStrike" cap="none">
+                <a:solidFill>
+                  <a:srgbClr val="000000"/>
+                </a:solidFill>
+                <a:latin typeface="Arial"/>
+                <a:ea typeface="Arial"/>
+                <a:cs typeface="Arial"/>
+                <a:sym typeface="Arial"/>
+              </a:defRPr>
+            </a:lvl1pPr>
+            <a:lvl2pPr marR="0" lvl="1" algn="l" rtl="0">
+              <a:lnSpc>
+                <a:spcPct val="100000"/>
+              </a:lnSpc>
+              <a:spcBef>
+                <a:spcPts val="0"/>
+              </a:spcBef>
+              <a:spcAft>
+                <a:spcPts val="0"/>
+              </a:spcAft>
+              <a:buClr>
+                <a:srgbClr val="000000"/>
+              </a:buClr>
+              <a:buFont typeface="Arial"/>
+              <a:defRPr sz="1400" b="0" i="0" u="none" strike="noStrike" cap="none">
+                <a:solidFill>
+                  <a:srgbClr val="000000"/>
+                </a:solidFill>
+                <a:latin typeface="Arial"/>
+                <a:ea typeface="Arial"/>
+                <a:cs typeface="Arial"/>
+                <a:sym typeface="Arial"/>
+              </a:defRPr>
+            </a:lvl2pPr>
+            <a:lvl3pPr marR="0" lvl="2" algn="l" rtl="0">
+              <a:lnSpc>
+                <a:spcPct val="100000"/>
+              </a:lnSpc>
+              <a:spcBef>
+                <a:spcPts val="0"/>
+              </a:spcBef>
+              <a:spcAft>
+                <a:spcPts val="0"/>
+              </a:spcAft>
+              <a:buClr>
+                <a:srgbClr val="000000"/>
+              </a:buClr>
+              <a:buFont typeface="Arial"/>
+              <a:defRPr sz="1400" b="0" i="0" u="none" strike="noStrike" cap="none">
+                <a:solidFill>
+                  <a:srgbClr val="000000"/>
+                </a:solidFill>
+                <a:latin typeface="Arial"/>
+                <a:ea typeface="Arial"/>
+                <a:cs typeface="Arial"/>
+                <a:sym typeface="Arial"/>
+              </a:defRPr>
+            </a:lvl3pPr>
+            <a:lvl4pPr marR="0" lvl="3" algn="l" rtl="0">
+              <a:lnSpc>
+                <a:spcPct val="100000"/>
+              </a:lnSpc>
+              <a:spcBef>
+                <a:spcPts val="0"/>
+              </a:spcBef>
+              <a:spcAft>
+                <a:spcPts val="0"/>
+              </a:spcAft>
+              <a:buClr>
+                <a:srgbClr val="000000"/>
+              </a:buClr>
+              <a:buFont typeface="Arial"/>
+              <a:defRPr sz="1400" b="0" i="0" u="none" strike="noStrike" cap="none">
+                <a:solidFill>
+                  <a:srgbClr val="000000"/>
+                </a:solidFill>
+                <a:latin typeface="Arial"/>
+                <a:ea typeface="Arial"/>
+                <a:cs typeface="Arial"/>
+                <a:sym typeface="Arial"/>
+              </a:defRPr>
+            </a:lvl4pPr>
+            <a:lvl5pPr marR="0" lvl="4" algn="l" rtl="0">
+              <a:lnSpc>
+                <a:spcPct val="100000"/>
+              </a:lnSpc>
+              <a:spcBef>
+                <a:spcPts val="0"/>
+              </a:spcBef>
+              <a:spcAft>
+                <a:spcPts val="0"/>
+              </a:spcAft>
+              <a:buClr>
+                <a:srgbClr val="000000"/>
+              </a:buClr>
+              <a:buFont typeface="Arial"/>
+              <a:defRPr sz="1400" b="0" i="0" u="none" strike="noStrike" cap="none">
+                <a:solidFill>
+                  <a:srgbClr val="000000"/>
+                </a:solidFill>
+                <a:latin typeface="Arial"/>
+                <a:ea typeface="Arial"/>
+                <a:cs typeface="Arial"/>
+                <a:sym typeface="Arial"/>
+              </a:defRPr>
+            </a:lvl5pPr>
+            <a:lvl6pPr marR="0" lvl="5" algn="l" rtl="0">
+              <a:lnSpc>
+                <a:spcPct val="100000"/>
+              </a:lnSpc>
+              <a:spcBef>
+                <a:spcPts val="0"/>
+              </a:spcBef>
+              <a:spcAft>
+                <a:spcPts val="0"/>
+              </a:spcAft>
+              <a:buClr>
+                <a:srgbClr val="000000"/>
+              </a:buClr>
+              <a:buFont typeface="Arial"/>
+              <a:defRPr sz="1400" b="0" i="0" u="none" strike="noStrike" cap="none">
+                <a:solidFill>
+                  <a:srgbClr val="000000"/>
+                </a:solidFill>
+                <a:latin typeface="Arial"/>
+                <a:ea typeface="Arial"/>
+                <a:cs typeface="Arial"/>
+                <a:sym typeface="Arial"/>
+              </a:defRPr>
+            </a:lvl6pPr>
+            <a:lvl7pPr marR="0" lvl="6" algn="l" rtl="0">
+              <a:lnSpc>
+                <a:spcPct val="100000"/>
+              </a:lnSpc>
+              <a:spcBef>
+                <a:spcPts val="0"/>
+              </a:spcBef>
+              <a:spcAft>
+                <a:spcPts val="0"/>
+              </a:spcAft>
+              <a:buClr>
+                <a:srgbClr val="000000"/>
+              </a:buClr>
+              <a:buFont typeface="Arial"/>
+              <a:defRPr sz="1400" b="0" i="0" u="none" strike="noStrike" cap="none">
+                <a:solidFill>
+                  <a:srgbClr val="000000"/>
+                </a:solidFill>
+                <a:latin typeface="Arial"/>
+                <a:ea typeface="Arial"/>
+                <a:cs typeface="Arial"/>
+                <a:sym typeface="Arial"/>
+              </a:defRPr>
+            </a:lvl7pPr>
+            <a:lvl8pPr marR="0" lvl="7" algn="l" rtl="0">
+              <a:lnSpc>
+                <a:spcPct val="100000"/>
+              </a:lnSpc>
+              <a:spcBef>
+                <a:spcPts val="0"/>
+              </a:spcBef>
+              <a:spcAft>
+                <a:spcPts val="0"/>
+              </a:spcAft>
+              <a:buClr>
+                <a:srgbClr val="000000"/>
+              </a:buClr>
+              <a:buFont typeface="Arial"/>
+              <a:defRPr sz="1400" b="0" i="0" u="none" strike="noStrike" cap="none">
+                <a:solidFill>
+                  <a:srgbClr val="000000"/>
+                </a:solidFill>
+                <a:latin typeface="Arial"/>
+                <a:ea typeface="Arial"/>
+                <a:cs typeface="Arial"/>
+                <a:sym typeface="Arial"/>
+              </a:defRPr>
+            </a:lvl8pPr>
+            <a:lvl9pPr marR="0" lvl="8" algn="l" rtl="0">
+              <a:lnSpc>
+                <a:spcPct val="100000"/>
+              </a:lnSpc>
+              <a:spcBef>
+                <a:spcPts val="0"/>
+              </a:spcBef>
+              <a:spcAft>
+                <a:spcPts val="0"/>
+              </a:spcAft>
+              <a:buClr>
+                <a:srgbClr val="000000"/>
+              </a:buClr>
+              <a:buFont typeface="Arial"/>
+              <a:defRPr sz="1400" b="0" i="0" u="none" strike="noStrike" cap="none">
+                <a:solidFill>
+                  <a:srgbClr val="000000"/>
+                </a:solidFill>
+                <a:latin typeface="Arial"/>
+                <a:ea typeface="Arial"/>
+                <a:cs typeface="Arial"/>
+                <a:sym typeface="Arial"/>
+              </a:defRPr>
+            </a:lvl9pPr>
+          </a:lstStyle>
+          <a:p>
+            <a:pPr marL="0" marR="0" lvl="0" indent="0" algn="ctr" rtl="0">
+              <a:lnSpc>
+                <a:spcPct val="100000"/>
+              </a:lnSpc>
+              <a:spcBef>
+                <a:spcPts val="0"/>
+              </a:spcBef>
+              <a:spcAft>
+                <a:spcPts val="0"/>
+              </a:spcAft>
+              <a:buNone/>
+            </a:pPr>
+            <a:r>
+              <a:rPr lang="en-US" sz="1100" b="1" i="0" u="none" strike="noStrike" cap="none">
+                <a:solidFill>
+                  <a:schemeClr val="lt1"/>
+                </a:solidFill>
+                <a:latin typeface="Arial"/>
+                <a:ea typeface="Arial"/>
+                <a:cs typeface="Arial"/>
+                <a:sym typeface="Arial"/>
+              </a:rPr>
+              <a:t>1</a:t>
+            </a:r>
+            <a:endParaRPr/>
+          </a:p>
+        </p:txBody>
+      </p:sp>
+      <p:sp>
+        <p:nvSpPr>
+          <p:cNvPr id="9" name="Google Shape;341;p26">
+            <a:extLst>
+              <a:ext uri="{FF2B5EF4-FFF2-40B4-BE49-F238E27FC236}">
+                <a16:creationId xmlns:a16="http://schemas.microsoft.com/office/drawing/2014/main" id="{975EB102-1262-4680-B5DF-23634CC339DC}"/>
+              </a:ext>
+            </a:extLst>
+          </p:cNvPr>
+          <p:cNvSpPr/>
+          <p:nvPr/>
+        </p:nvSpPr>
+        <p:spPr>
+          <a:xfrm>
+            <a:off x="838201" y="3658510"/>
+            <a:ext cx="399297" cy="399297"/>
+          </a:xfrm>
+          <a:prstGeom prst="ellipse">
+            <a:avLst/>
+          </a:prstGeom>
+          <a:solidFill>
+            <a:srgbClr val="008000"/>
+          </a:solidFill>
+          <a:ln w="25400" cap="flat" cmpd="sng">
+            <a:solidFill>
+              <a:srgbClr val="008000"/>
+            </a:solidFill>
+            <a:prstDash val="solid"/>
+            <a:round/>
+            <a:headEnd type="none" w="sm" len="sm"/>
+            <a:tailEnd type="none" w="sm" len="sm"/>
+          </a:ln>
+        </p:spPr>
+        <p:txBody>
+          <a:bodyPr spcFirstLastPara="1" wrap="square" lIns="0" tIns="0" rIns="0" bIns="0" anchor="ctr" anchorCtr="0">
+            <a:noAutofit/>
+          </a:bodyPr>
+          <a:lstStyle>
+            <a:defPPr marR="0" lvl="0" algn="l" rtl="0">
+              <a:lnSpc>
+                <a:spcPct val="100000"/>
+              </a:lnSpc>
+              <a:spcBef>
+                <a:spcPts val="0"/>
+              </a:spcBef>
+              <a:spcAft>
+                <a:spcPts val="0"/>
+              </a:spcAft>
+            </a:defPPr>
+            <a:lvl1pPr marR="0" lvl="0" algn="l" rtl="0">
+              <a:lnSpc>
+                <a:spcPct val="100000"/>
+              </a:lnSpc>
+              <a:spcBef>
+                <a:spcPts val="0"/>
+              </a:spcBef>
+              <a:spcAft>
+                <a:spcPts val="0"/>
+              </a:spcAft>
+              <a:buClr>
+                <a:srgbClr val="000000"/>
+              </a:buClr>
+              <a:buFont typeface="Arial"/>
+              <a:defRPr sz="1400" b="0" i="0" u="none" strike="noStrike" cap="none">
+                <a:solidFill>
+                  <a:srgbClr val="000000"/>
+                </a:solidFill>
+                <a:latin typeface="Arial"/>
+                <a:ea typeface="Arial"/>
+                <a:cs typeface="Arial"/>
+                <a:sym typeface="Arial"/>
+              </a:defRPr>
+            </a:lvl1pPr>
+            <a:lvl2pPr marR="0" lvl="1" algn="l" rtl="0">
+              <a:lnSpc>
+                <a:spcPct val="100000"/>
+              </a:lnSpc>
+              <a:spcBef>
+                <a:spcPts val="0"/>
+              </a:spcBef>
+              <a:spcAft>
+                <a:spcPts val="0"/>
+              </a:spcAft>
+              <a:buClr>
+                <a:srgbClr val="000000"/>
+              </a:buClr>
+              <a:buFont typeface="Arial"/>
+              <a:defRPr sz="1400" b="0" i="0" u="none" strike="noStrike" cap="none">
+                <a:solidFill>
+                  <a:srgbClr val="000000"/>
+                </a:solidFill>
+                <a:latin typeface="Arial"/>
+                <a:ea typeface="Arial"/>
+                <a:cs typeface="Arial"/>
+                <a:sym typeface="Arial"/>
+              </a:defRPr>
+            </a:lvl2pPr>
+            <a:lvl3pPr marR="0" lvl="2" algn="l" rtl="0">
+              <a:lnSpc>
+                <a:spcPct val="100000"/>
+              </a:lnSpc>
+              <a:spcBef>
+                <a:spcPts val="0"/>
+              </a:spcBef>
+              <a:spcAft>
+                <a:spcPts val="0"/>
+              </a:spcAft>
+              <a:buClr>
+                <a:srgbClr val="000000"/>
+              </a:buClr>
+              <a:buFont typeface="Arial"/>
+              <a:defRPr sz="1400" b="0" i="0" u="none" strike="noStrike" cap="none">
+                <a:solidFill>
+                  <a:srgbClr val="000000"/>
+                </a:solidFill>
+                <a:latin typeface="Arial"/>
+                <a:ea typeface="Arial"/>
+                <a:cs typeface="Arial"/>
+                <a:sym typeface="Arial"/>
+              </a:defRPr>
+            </a:lvl3pPr>
+            <a:lvl4pPr marR="0" lvl="3" algn="l" rtl="0">
+              <a:lnSpc>
+                <a:spcPct val="100000"/>
+              </a:lnSpc>
+              <a:spcBef>
+                <a:spcPts val="0"/>
+              </a:spcBef>
+              <a:spcAft>
+                <a:spcPts val="0"/>
+              </a:spcAft>
+              <a:buClr>
+                <a:srgbClr val="000000"/>
+              </a:buClr>
+              <a:buFont typeface="Arial"/>
+              <a:defRPr sz="1400" b="0" i="0" u="none" strike="noStrike" cap="none">
+                <a:solidFill>
+                  <a:srgbClr val="000000"/>
+                </a:solidFill>
+                <a:latin typeface="Arial"/>
+                <a:ea typeface="Arial"/>
+                <a:cs typeface="Arial"/>
+                <a:sym typeface="Arial"/>
+              </a:defRPr>
+            </a:lvl4pPr>
+            <a:lvl5pPr marR="0" lvl="4" algn="l" rtl="0">
+              <a:lnSpc>
+                <a:spcPct val="100000"/>
+              </a:lnSpc>
+              <a:spcBef>
+                <a:spcPts val="0"/>
+              </a:spcBef>
+              <a:spcAft>
+                <a:spcPts val="0"/>
+              </a:spcAft>
+              <a:buClr>
+                <a:srgbClr val="000000"/>
+              </a:buClr>
+              <a:buFont typeface="Arial"/>
+              <a:defRPr sz="1400" b="0" i="0" u="none" strike="noStrike" cap="none">
+                <a:solidFill>
+                  <a:srgbClr val="000000"/>
+                </a:solidFill>
+                <a:latin typeface="Arial"/>
+                <a:ea typeface="Arial"/>
+                <a:cs typeface="Arial"/>
+                <a:sym typeface="Arial"/>
+              </a:defRPr>
+            </a:lvl5pPr>
+            <a:lvl6pPr marR="0" lvl="5" algn="l" rtl="0">
+              <a:lnSpc>
+                <a:spcPct val="100000"/>
+              </a:lnSpc>
+              <a:spcBef>
+                <a:spcPts val="0"/>
+              </a:spcBef>
+              <a:spcAft>
+                <a:spcPts val="0"/>
+              </a:spcAft>
+              <a:buClr>
+                <a:srgbClr val="000000"/>
+              </a:buClr>
+              <a:buFont typeface="Arial"/>
+              <a:defRPr sz="1400" b="0" i="0" u="none" strike="noStrike" cap="none">
+                <a:solidFill>
+                  <a:srgbClr val="000000"/>
+                </a:solidFill>
+                <a:latin typeface="Arial"/>
+                <a:ea typeface="Arial"/>
+                <a:cs typeface="Arial"/>
+                <a:sym typeface="Arial"/>
+              </a:defRPr>
+            </a:lvl6pPr>
+            <a:lvl7pPr marR="0" lvl="6" algn="l" rtl="0">
+              <a:lnSpc>
+                <a:spcPct val="100000"/>
+              </a:lnSpc>
+              <a:spcBef>
+                <a:spcPts val="0"/>
+              </a:spcBef>
+              <a:spcAft>
+                <a:spcPts val="0"/>
+              </a:spcAft>
+              <a:buClr>
+                <a:srgbClr val="000000"/>
+              </a:buClr>
+              <a:buFont typeface="Arial"/>
+              <a:defRPr sz="1400" b="0" i="0" u="none" strike="noStrike" cap="none">
+                <a:solidFill>
+                  <a:srgbClr val="000000"/>
+                </a:solidFill>
+                <a:latin typeface="Arial"/>
+                <a:ea typeface="Arial"/>
+                <a:cs typeface="Arial"/>
+                <a:sym typeface="Arial"/>
+              </a:defRPr>
+            </a:lvl7pPr>
+            <a:lvl8pPr marR="0" lvl="7" algn="l" rtl="0">
+              <a:lnSpc>
+                <a:spcPct val="100000"/>
+              </a:lnSpc>
+              <a:spcBef>
+                <a:spcPts val="0"/>
+              </a:spcBef>
+              <a:spcAft>
+                <a:spcPts val="0"/>
+              </a:spcAft>
+              <a:buClr>
+                <a:srgbClr val="000000"/>
+              </a:buClr>
+              <a:buFont typeface="Arial"/>
+              <a:defRPr sz="1400" b="0" i="0" u="none" strike="noStrike" cap="none">
+                <a:solidFill>
+                  <a:srgbClr val="000000"/>
+                </a:solidFill>
+                <a:latin typeface="Arial"/>
+                <a:ea typeface="Arial"/>
+                <a:cs typeface="Arial"/>
+                <a:sym typeface="Arial"/>
+              </a:defRPr>
+            </a:lvl8pPr>
+            <a:lvl9pPr marR="0" lvl="8" algn="l" rtl="0">
+              <a:lnSpc>
+                <a:spcPct val="100000"/>
+              </a:lnSpc>
+              <a:spcBef>
+                <a:spcPts val="0"/>
+              </a:spcBef>
+              <a:spcAft>
+                <a:spcPts val="0"/>
+              </a:spcAft>
+              <a:buClr>
+                <a:srgbClr val="000000"/>
+              </a:buClr>
+              <a:buFont typeface="Arial"/>
+              <a:defRPr sz="1400" b="0" i="0" u="none" strike="noStrike" cap="none">
+                <a:solidFill>
+                  <a:srgbClr val="000000"/>
+                </a:solidFill>
+                <a:latin typeface="Arial"/>
+                <a:ea typeface="Arial"/>
+                <a:cs typeface="Arial"/>
+                <a:sym typeface="Arial"/>
+              </a:defRPr>
+            </a:lvl9pPr>
+          </a:lstStyle>
+          <a:p>
+            <a:pPr marL="0" marR="0" lvl="0" indent="0" algn="ctr" rtl="0">
+              <a:lnSpc>
+                <a:spcPct val="100000"/>
+              </a:lnSpc>
+              <a:spcBef>
+                <a:spcPts val="0"/>
+              </a:spcBef>
+              <a:spcAft>
+                <a:spcPts val="0"/>
+              </a:spcAft>
+              <a:buNone/>
+            </a:pPr>
+            <a:r>
+              <a:rPr lang="en-US" sz="1100" b="1" i="0" u="none" strike="noStrike" cap="none">
+                <a:solidFill>
+                  <a:schemeClr val="lt1"/>
+                </a:solidFill>
+                <a:latin typeface="Arial"/>
+                <a:ea typeface="Arial"/>
+                <a:cs typeface="Arial"/>
+                <a:sym typeface="Arial"/>
+              </a:rPr>
+              <a:t>2</a:t>
+            </a:r>
+            <a:endParaRPr/>
+          </a:p>
+        </p:txBody>
+      </p:sp>
+      <p:sp>
+        <p:nvSpPr>
+          <p:cNvPr id="10" name="Google Shape;342;p26">
+            <a:extLst>
+              <a:ext uri="{FF2B5EF4-FFF2-40B4-BE49-F238E27FC236}">
+                <a16:creationId xmlns:a16="http://schemas.microsoft.com/office/drawing/2014/main" id="{2621A757-44DB-4051-914A-503DFEC4D3A0}"/>
+              </a:ext>
+            </a:extLst>
+          </p:cNvPr>
+          <p:cNvSpPr/>
+          <p:nvPr/>
+        </p:nvSpPr>
+        <p:spPr>
+          <a:xfrm>
+            <a:off x="838200" y="4941702"/>
+            <a:ext cx="399297" cy="399297"/>
+          </a:xfrm>
+          <a:prstGeom prst="ellipse">
+            <a:avLst/>
+          </a:prstGeom>
+          <a:solidFill>
+            <a:srgbClr val="008000"/>
+          </a:solidFill>
+          <a:ln w="25400" cap="flat" cmpd="sng">
+            <a:solidFill>
+              <a:srgbClr val="008000"/>
+            </a:solidFill>
+            <a:prstDash val="solid"/>
+            <a:round/>
+            <a:headEnd type="none" w="sm" len="sm"/>
+            <a:tailEnd type="none" w="sm" len="sm"/>
+          </a:ln>
+        </p:spPr>
+        <p:txBody>
+          <a:bodyPr spcFirstLastPara="1" wrap="square" lIns="0" tIns="0" rIns="0" bIns="0" anchor="ctr" anchorCtr="0">
+            <a:noAutofit/>
+          </a:bodyPr>
+          <a:lstStyle>
+            <a:defPPr marR="0" lvl="0" algn="l" rtl="0">
+              <a:lnSpc>
+                <a:spcPct val="100000"/>
+              </a:lnSpc>
+              <a:spcBef>
+                <a:spcPts val="0"/>
+              </a:spcBef>
+              <a:spcAft>
+                <a:spcPts val="0"/>
+              </a:spcAft>
+            </a:defPPr>
+            <a:lvl1pPr marR="0" lvl="0" algn="l" rtl="0">
+              <a:lnSpc>
+                <a:spcPct val="100000"/>
+              </a:lnSpc>
+              <a:spcBef>
+                <a:spcPts val="0"/>
+              </a:spcBef>
+              <a:spcAft>
+                <a:spcPts val="0"/>
+              </a:spcAft>
+              <a:buClr>
+                <a:srgbClr val="000000"/>
+              </a:buClr>
+              <a:buFont typeface="Arial"/>
+              <a:defRPr sz="1400" b="0" i="0" u="none" strike="noStrike" cap="none">
+                <a:solidFill>
+                  <a:srgbClr val="000000"/>
+                </a:solidFill>
+                <a:latin typeface="Arial"/>
+                <a:ea typeface="Arial"/>
+                <a:cs typeface="Arial"/>
+                <a:sym typeface="Arial"/>
+              </a:defRPr>
+            </a:lvl1pPr>
+            <a:lvl2pPr marR="0" lvl="1" algn="l" rtl="0">
+              <a:lnSpc>
+                <a:spcPct val="100000"/>
+              </a:lnSpc>
+              <a:spcBef>
+                <a:spcPts val="0"/>
+              </a:spcBef>
+              <a:spcAft>
+                <a:spcPts val="0"/>
+              </a:spcAft>
+              <a:buClr>
+                <a:srgbClr val="000000"/>
+              </a:buClr>
+              <a:buFont typeface="Arial"/>
+              <a:defRPr sz="1400" b="0" i="0" u="none" strike="noStrike" cap="none">
+                <a:solidFill>
+                  <a:srgbClr val="000000"/>
+                </a:solidFill>
+                <a:latin typeface="Arial"/>
+                <a:ea typeface="Arial"/>
+                <a:cs typeface="Arial"/>
+                <a:sym typeface="Arial"/>
+              </a:defRPr>
+            </a:lvl2pPr>
+            <a:lvl3pPr marR="0" lvl="2" algn="l" rtl="0">
+              <a:lnSpc>
+                <a:spcPct val="100000"/>
+              </a:lnSpc>
+              <a:spcBef>
+                <a:spcPts val="0"/>
+              </a:spcBef>
+              <a:spcAft>
+                <a:spcPts val="0"/>
+              </a:spcAft>
+              <a:buClr>
+                <a:srgbClr val="000000"/>
+              </a:buClr>
+              <a:buFont typeface="Arial"/>
+              <a:defRPr sz="1400" b="0" i="0" u="none" strike="noStrike" cap="none">
+                <a:solidFill>
+                  <a:srgbClr val="000000"/>
+                </a:solidFill>
+                <a:latin typeface="Arial"/>
+                <a:ea typeface="Arial"/>
+                <a:cs typeface="Arial"/>
+                <a:sym typeface="Arial"/>
+              </a:defRPr>
+            </a:lvl3pPr>
+            <a:lvl4pPr marR="0" lvl="3" algn="l" rtl="0">
+              <a:lnSpc>
+                <a:spcPct val="100000"/>
+              </a:lnSpc>
+              <a:spcBef>
+                <a:spcPts val="0"/>
+              </a:spcBef>
+              <a:spcAft>
+                <a:spcPts val="0"/>
+              </a:spcAft>
+              <a:buClr>
+                <a:srgbClr val="000000"/>
+              </a:buClr>
+              <a:buFont typeface="Arial"/>
+              <a:defRPr sz="1400" b="0" i="0" u="none" strike="noStrike" cap="none">
+                <a:solidFill>
+                  <a:srgbClr val="000000"/>
+                </a:solidFill>
+                <a:latin typeface="Arial"/>
+                <a:ea typeface="Arial"/>
+                <a:cs typeface="Arial"/>
+                <a:sym typeface="Arial"/>
+              </a:defRPr>
+            </a:lvl4pPr>
+            <a:lvl5pPr marR="0" lvl="4" algn="l" rtl="0">
+              <a:lnSpc>
+                <a:spcPct val="100000"/>
+              </a:lnSpc>
+              <a:spcBef>
+                <a:spcPts val="0"/>
+              </a:spcBef>
+              <a:spcAft>
+                <a:spcPts val="0"/>
+              </a:spcAft>
+              <a:buClr>
+                <a:srgbClr val="000000"/>
+              </a:buClr>
+              <a:buFont typeface="Arial"/>
+              <a:defRPr sz="1400" b="0" i="0" u="none" strike="noStrike" cap="none">
+                <a:solidFill>
+                  <a:srgbClr val="000000"/>
+                </a:solidFill>
+                <a:latin typeface="Arial"/>
+                <a:ea typeface="Arial"/>
+                <a:cs typeface="Arial"/>
+                <a:sym typeface="Arial"/>
+              </a:defRPr>
+            </a:lvl5pPr>
+            <a:lvl6pPr marR="0" lvl="5" algn="l" rtl="0">
+              <a:lnSpc>
+                <a:spcPct val="100000"/>
+              </a:lnSpc>
+              <a:spcBef>
+                <a:spcPts val="0"/>
+              </a:spcBef>
+              <a:spcAft>
+                <a:spcPts val="0"/>
+              </a:spcAft>
+              <a:buClr>
+                <a:srgbClr val="000000"/>
+              </a:buClr>
+              <a:buFont typeface="Arial"/>
+              <a:defRPr sz="1400" b="0" i="0" u="none" strike="noStrike" cap="none">
+                <a:solidFill>
+                  <a:srgbClr val="000000"/>
+                </a:solidFill>
+                <a:latin typeface="Arial"/>
+                <a:ea typeface="Arial"/>
+                <a:cs typeface="Arial"/>
+                <a:sym typeface="Arial"/>
+              </a:defRPr>
+            </a:lvl6pPr>
+            <a:lvl7pPr marR="0" lvl="6" algn="l" rtl="0">
+              <a:lnSpc>
+                <a:spcPct val="100000"/>
+              </a:lnSpc>
+              <a:spcBef>
+                <a:spcPts val="0"/>
+              </a:spcBef>
+              <a:spcAft>
+                <a:spcPts val="0"/>
+              </a:spcAft>
+              <a:buClr>
+                <a:srgbClr val="000000"/>
+              </a:buClr>
+              <a:buFont typeface="Arial"/>
+              <a:defRPr sz="1400" b="0" i="0" u="none" strike="noStrike" cap="none">
+                <a:solidFill>
+                  <a:srgbClr val="000000"/>
+                </a:solidFill>
+                <a:latin typeface="Arial"/>
+                <a:ea typeface="Arial"/>
+                <a:cs typeface="Arial"/>
+                <a:sym typeface="Arial"/>
+              </a:defRPr>
+            </a:lvl7pPr>
+            <a:lvl8pPr marR="0" lvl="7" algn="l" rtl="0">
+              <a:lnSpc>
+                <a:spcPct val="100000"/>
+              </a:lnSpc>
+              <a:spcBef>
+                <a:spcPts val="0"/>
+              </a:spcBef>
+              <a:spcAft>
+                <a:spcPts val="0"/>
+              </a:spcAft>
+              <a:buClr>
+                <a:srgbClr val="000000"/>
+              </a:buClr>
+              <a:buFont typeface="Arial"/>
+              <a:defRPr sz="1400" b="0" i="0" u="none" strike="noStrike" cap="none">
+                <a:solidFill>
+                  <a:srgbClr val="000000"/>
+                </a:solidFill>
+                <a:latin typeface="Arial"/>
+                <a:ea typeface="Arial"/>
+                <a:cs typeface="Arial"/>
+                <a:sym typeface="Arial"/>
+              </a:defRPr>
+            </a:lvl8pPr>
+            <a:lvl9pPr marR="0" lvl="8" algn="l" rtl="0">
+              <a:lnSpc>
+                <a:spcPct val="100000"/>
+              </a:lnSpc>
+              <a:spcBef>
+                <a:spcPts val="0"/>
+              </a:spcBef>
+              <a:spcAft>
+                <a:spcPts val="0"/>
+              </a:spcAft>
+              <a:buClr>
+                <a:srgbClr val="000000"/>
+              </a:buClr>
+              <a:buFont typeface="Arial"/>
+              <a:defRPr sz="1400" b="0" i="0" u="none" strike="noStrike" cap="none">
+                <a:solidFill>
+                  <a:srgbClr val="000000"/>
+                </a:solidFill>
+                <a:latin typeface="Arial"/>
+                <a:ea typeface="Arial"/>
+                <a:cs typeface="Arial"/>
+                <a:sym typeface="Arial"/>
+              </a:defRPr>
+            </a:lvl9pPr>
+          </a:lstStyle>
+          <a:p>
+            <a:pPr marL="0" marR="0" lvl="0" indent="0" algn="ctr" rtl="0">
+              <a:lnSpc>
+                <a:spcPct val="100000"/>
+              </a:lnSpc>
+              <a:spcBef>
+                <a:spcPts val="0"/>
+              </a:spcBef>
+              <a:spcAft>
+                <a:spcPts val="0"/>
+              </a:spcAft>
+              <a:buNone/>
+            </a:pPr>
+            <a:r>
+              <a:rPr lang="en-US" sz="1100" b="1" i="0" u="none" strike="noStrike" cap="none">
+                <a:solidFill>
+                  <a:schemeClr val="lt1"/>
+                </a:solidFill>
+                <a:latin typeface="Arial"/>
+                <a:ea typeface="Arial"/>
+                <a:cs typeface="Arial"/>
+                <a:sym typeface="Arial"/>
+              </a:rPr>
+              <a:t>3</a:t>
+            </a:r>
+            <a:endParaRPr/>
+          </a:p>
+        </p:txBody>
+      </p:sp>
+    </p:spTree>
+    <p:extLst>
+      <p:ext uri="{BB962C8B-B14F-4D97-AF65-F5344CB8AC3E}">
+        <p14:creationId xmlns:p14="http://schemas.microsoft.com/office/powerpoint/2010/main" val="1722197074"/>
+      </p:ext>
+    </p:extLst>
+  </p:cSld>
+  <p:clrMapOvr>
+    <a:masterClrMapping/>
+  </p:clrMapOvr>
+</p:sld>
+</file>
+
+<file path=ppt/slides/slide7.xml><?xml version="1.0" encoding="utf-8"?>
+<p:sld xmlns:a="http://schemas.openxmlformats.org/drawingml/2006/main" xmlns:r="http://schemas.openxmlformats.org/officeDocument/2006/relationships" xmlns:p="http://schemas.openxmlformats.org/presentationml/2006/main">
+  <p:cSld>
+    <p:spTree>
+      <p:nvGrpSpPr>
+        <p:cNvPr id="1" name=""/>
+        <p:cNvGrpSpPr/>
+        <p:nvPr/>
+      </p:nvGrpSpPr>
+      <p:grpSpPr>
+        <a:xfrm>
+          <a:off x="0" y="0"/>
+          <a:ext cx="0" cy="0"/>
+          <a:chOff x="0" y="0"/>
+          <a:chExt cx="0" cy="0"/>
+        </a:xfrm>
+      </p:grpSpPr>
+      <p:sp>
+        <p:nvSpPr>
           <p:cNvPr id="26" name="Title 25"/>
           <p:cNvSpPr>
             <a:spLocks noGrp="1"/>
@@ -10217,7 +12360,7 @@
             <a:fld id="{6734F48E-A456-4E2F-B17E-509464F7A050}" type="slidenum">
               <a:rPr lang="en-CA" smtClean="0"/>
               <a:pPr/>
-              <a:t>5</a:t>
+              <a:t>7</a:t>
             </a:fld>
             <a:endParaRPr lang="en-CA"/>
           </a:p>
@@ -10726,7 +12869,7 @@
 </p:sld>
 </file>
 
-<file path=ppt/slides/slide6.xml><?xml version="1.0" encoding="utf-8"?>
+<file path=ppt/slides/slide8.xml><?xml version="1.0" encoding="utf-8"?>
 <p:sld xmlns:a="http://schemas.openxmlformats.org/drawingml/2006/main" xmlns:r="http://schemas.openxmlformats.org/officeDocument/2006/relationships" xmlns:p="http://schemas.openxmlformats.org/presentationml/2006/main">
   <p:cSld>
     <p:spTree>

--- a/docs/common-diagrams.pptx
+++ b/docs/common-diagrams.pptx
@@ -5,7 +5,7 @@
     <p:sldMasterId id="2147483648" r:id="rId1"/>
   </p:sldMasterIdLst>
   <p:notesMasterIdLst>
-    <p:notesMasterId r:id="rId10"/>
+    <p:notesMasterId r:id="rId11"/>
   </p:notesMasterIdLst>
   <p:sldIdLst>
     <p:sldId id="256" r:id="rId2"/>
@@ -16,6 +16,7 @@
     <p:sldId id="273" r:id="rId7"/>
     <p:sldId id="260" r:id="rId8"/>
     <p:sldId id="290" r:id="rId9"/>
+    <p:sldId id="257" r:id="rId10"/>
   </p:sldIdLst>
   <p:sldSz cx="12192000" cy="6858000"/>
   <p:notesSz cx="6858000" cy="9144000"/>
@@ -204,7 +205,7 @@
           <a:p>
             <a:fld id="{63A792C6-19D6-4898-A08B-8B00BFA92E14}" type="datetimeFigureOut">
               <a:rPr lang="en-US" smtClean="0"/>
-              <a:t>7/7/2019</a:t>
+              <a:t>10/25/2020</a:t>
             </a:fld>
             <a:endParaRPr lang="en-US"/>
           </a:p>
@@ -1092,7 +1093,7 @@
           <a:p>
             <a:fld id="{79FDAF07-B94C-4635-9A45-26FF98CE243A}" type="datetimeFigureOut">
               <a:rPr lang="en-US" smtClean="0"/>
-              <a:t>7/7/2019</a:t>
+              <a:t>10/25/2020</a:t>
             </a:fld>
             <a:endParaRPr lang="en-US"/>
           </a:p>
@@ -1290,7 +1291,7 @@
           <a:p>
             <a:fld id="{79FDAF07-B94C-4635-9A45-26FF98CE243A}" type="datetimeFigureOut">
               <a:rPr lang="en-US" smtClean="0"/>
-              <a:t>7/7/2019</a:t>
+              <a:t>10/25/2020</a:t>
             </a:fld>
             <a:endParaRPr lang="en-US"/>
           </a:p>
@@ -1498,7 +1499,7 @@
           <a:p>
             <a:fld id="{79FDAF07-B94C-4635-9A45-26FF98CE243A}" type="datetimeFigureOut">
               <a:rPr lang="en-US" smtClean="0"/>
-              <a:t>7/7/2019</a:t>
+              <a:t>10/25/2020</a:t>
             </a:fld>
             <a:endParaRPr lang="en-US"/>
           </a:p>
@@ -2816,7 +2817,7 @@
           <a:p>
             <a:fld id="{79FDAF07-B94C-4635-9A45-26FF98CE243A}" type="datetimeFigureOut">
               <a:rPr lang="en-US" smtClean="0"/>
-              <a:t>7/7/2019</a:t>
+              <a:t>10/25/2020</a:t>
             </a:fld>
             <a:endParaRPr lang="en-US"/>
           </a:p>
@@ -3091,7 +3092,7 @@
           <a:p>
             <a:fld id="{79FDAF07-B94C-4635-9A45-26FF98CE243A}" type="datetimeFigureOut">
               <a:rPr lang="en-US" smtClean="0"/>
-              <a:t>7/7/2019</a:t>
+              <a:t>10/25/2020</a:t>
             </a:fld>
             <a:endParaRPr lang="en-US"/>
           </a:p>
@@ -3356,7 +3357,7 @@
           <a:p>
             <a:fld id="{79FDAF07-B94C-4635-9A45-26FF98CE243A}" type="datetimeFigureOut">
               <a:rPr lang="en-US" smtClean="0"/>
-              <a:t>7/7/2019</a:t>
+              <a:t>10/25/2020</a:t>
             </a:fld>
             <a:endParaRPr lang="en-US"/>
           </a:p>
@@ -3768,7 +3769,7 @@
           <a:p>
             <a:fld id="{79FDAF07-B94C-4635-9A45-26FF98CE243A}" type="datetimeFigureOut">
               <a:rPr lang="en-US" smtClean="0"/>
-              <a:t>7/7/2019</a:t>
+              <a:t>10/25/2020</a:t>
             </a:fld>
             <a:endParaRPr lang="en-US"/>
           </a:p>
@@ -3909,7 +3910,7 @@
           <a:p>
             <a:fld id="{79FDAF07-B94C-4635-9A45-26FF98CE243A}" type="datetimeFigureOut">
               <a:rPr lang="en-US" smtClean="0"/>
-              <a:t>7/7/2019</a:t>
+              <a:t>10/25/2020</a:t>
             </a:fld>
             <a:endParaRPr lang="en-US"/>
           </a:p>
@@ -4022,7 +4023,7 @@
           <a:p>
             <a:fld id="{79FDAF07-B94C-4635-9A45-26FF98CE243A}" type="datetimeFigureOut">
               <a:rPr lang="en-US" smtClean="0"/>
-              <a:t>7/7/2019</a:t>
+              <a:t>10/25/2020</a:t>
             </a:fld>
             <a:endParaRPr lang="en-US"/>
           </a:p>
@@ -4333,7 +4334,7 @@
           <a:p>
             <a:fld id="{79FDAF07-B94C-4635-9A45-26FF98CE243A}" type="datetimeFigureOut">
               <a:rPr lang="en-US" smtClean="0"/>
-              <a:t>7/7/2019</a:t>
+              <a:t>10/25/2020</a:t>
             </a:fld>
             <a:endParaRPr lang="en-US"/>
           </a:p>
@@ -4621,7 +4622,7 @@
           <a:p>
             <a:fld id="{79FDAF07-B94C-4635-9A45-26FF98CE243A}" type="datetimeFigureOut">
               <a:rPr lang="en-US" smtClean="0"/>
-              <a:t>7/7/2019</a:t>
+              <a:t>10/25/2020</a:t>
             </a:fld>
             <a:endParaRPr lang="en-US"/>
           </a:p>
@@ -4862,7 +4863,7 @@
           <a:p>
             <a:fld id="{79FDAF07-B94C-4635-9A45-26FF98CE243A}" type="datetimeFigureOut">
               <a:rPr lang="en-US" smtClean="0"/>
-              <a:t>7/7/2019</a:t>
+              <a:t>10/25/2020</a:t>
             </a:fld>
             <a:endParaRPr lang="en-US"/>
           </a:p>
@@ -14925,6 +14926,464 @@
 </p:sld>
 </file>
 
+<file path=ppt/slides/slide9.xml><?xml version="1.0" encoding="utf-8"?>
+<p:sld xmlns:a="http://schemas.openxmlformats.org/drawingml/2006/main" xmlns:r="http://schemas.openxmlformats.org/officeDocument/2006/relationships" xmlns:p="http://schemas.openxmlformats.org/presentationml/2006/main">
+  <p:cSld>
+    <p:spTree>
+      <p:nvGrpSpPr>
+        <p:cNvPr id="1" name=""/>
+        <p:cNvGrpSpPr/>
+        <p:nvPr/>
+      </p:nvGrpSpPr>
+      <p:grpSpPr>
+        <a:xfrm>
+          <a:off x="0" y="0"/>
+          <a:ext cx="0" cy="0"/>
+          <a:chOff x="0" y="0"/>
+          <a:chExt cx="0" cy="0"/>
+        </a:xfrm>
+      </p:grpSpPr>
+      <p:sp>
+        <p:nvSpPr>
+          <p:cNvPr id="2" name="Oval 1">
+            <a:extLst>
+              <a:ext uri="{FF2B5EF4-FFF2-40B4-BE49-F238E27FC236}">
+                <a16:creationId xmlns:a16="http://schemas.microsoft.com/office/drawing/2014/main" id="{EDFE045F-0C01-42E7-A85C-A533F5D477C3}"/>
+              </a:ext>
+            </a:extLst>
+          </p:cNvPr>
+          <p:cNvSpPr/>
+          <p:nvPr/>
+        </p:nvSpPr>
+        <p:spPr>
+          <a:xfrm>
+            <a:off x="3747752" y="1390918"/>
+            <a:ext cx="1828800" cy="721217"/>
+          </a:xfrm>
+          <a:prstGeom prst="ellipse">
+            <a:avLst/>
+          </a:prstGeom>
+        </p:spPr>
+        <p:style>
+          <a:lnRef idx="2">
+            <a:schemeClr val="accent1">
+              <a:shade val="50000"/>
+            </a:schemeClr>
+          </a:lnRef>
+          <a:fillRef idx="1">
+            <a:schemeClr val="accent1"/>
+          </a:fillRef>
+          <a:effectRef idx="0">
+            <a:schemeClr val="accent1"/>
+          </a:effectRef>
+          <a:fontRef idx="minor">
+            <a:schemeClr val="lt1"/>
+          </a:fontRef>
+        </p:style>
+        <p:txBody>
+          <a:bodyPr rtlCol="0" anchor="ctr"/>
+          <a:lstStyle/>
+          <a:p>
+            <a:pPr algn="ctr"/>
+            <a:r>
+              <a:rPr lang="en-US" b="1" dirty="0"/>
+              <a:t>Shareable</a:t>
+            </a:r>
+          </a:p>
+        </p:txBody>
+      </p:sp>
+      <p:sp>
+        <p:nvSpPr>
+          <p:cNvPr id="5" name="Oval 4">
+            <a:extLst>
+              <a:ext uri="{FF2B5EF4-FFF2-40B4-BE49-F238E27FC236}">
+                <a16:creationId xmlns:a16="http://schemas.microsoft.com/office/drawing/2014/main" id="{046A9111-5EED-482C-B42C-24038FB06C97}"/>
+              </a:ext>
+            </a:extLst>
+          </p:cNvPr>
+          <p:cNvSpPr/>
+          <p:nvPr/>
+        </p:nvSpPr>
+        <p:spPr>
+          <a:xfrm>
+            <a:off x="1609858" y="2554307"/>
+            <a:ext cx="1944710" cy="721217"/>
+          </a:xfrm>
+          <a:prstGeom prst="ellipse">
+            <a:avLst/>
+          </a:prstGeom>
+        </p:spPr>
+        <p:style>
+          <a:lnRef idx="2">
+            <a:schemeClr val="accent1">
+              <a:shade val="50000"/>
+            </a:schemeClr>
+          </a:lnRef>
+          <a:fillRef idx="1">
+            <a:schemeClr val="accent1"/>
+          </a:fillRef>
+          <a:effectRef idx="0">
+            <a:schemeClr val="accent1"/>
+          </a:effectRef>
+          <a:fontRef idx="minor">
+            <a:schemeClr val="lt1"/>
+          </a:fontRef>
+        </p:style>
+        <p:txBody>
+          <a:bodyPr rtlCol="0" anchor="ctr"/>
+          <a:lstStyle/>
+          <a:p>
+            <a:pPr algn="ctr"/>
+            <a:r>
+              <a:rPr lang="en-US" b="1" dirty="0"/>
+              <a:t>Computable</a:t>
+            </a:r>
+          </a:p>
+        </p:txBody>
+      </p:sp>
+      <p:sp>
+        <p:nvSpPr>
+          <p:cNvPr id="7" name="Oval 6">
+            <a:extLst>
+              <a:ext uri="{FF2B5EF4-FFF2-40B4-BE49-F238E27FC236}">
+                <a16:creationId xmlns:a16="http://schemas.microsoft.com/office/drawing/2014/main" id="{3F8FAE9B-1DEE-4C28-B959-8AB979898D8D}"/>
+              </a:ext>
+            </a:extLst>
+          </p:cNvPr>
+          <p:cNvSpPr/>
+          <p:nvPr/>
+        </p:nvSpPr>
+        <p:spPr>
+          <a:xfrm>
+            <a:off x="3747752" y="2554307"/>
+            <a:ext cx="1828800" cy="721217"/>
+          </a:xfrm>
+          <a:prstGeom prst="ellipse">
+            <a:avLst/>
+          </a:prstGeom>
+        </p:spPr>
+        <p:style>
+          <a:lnRef idx="2">
+            <a:schemeClr val="accent1">
+              <a:shade val="50000"/>
+            </a:schemeClr>
+          </a:lnRef>
+          <a:fillRef idx="1">
+            <a:schemeClr val="accent1"/>
+          </a:fillRef>
+          <a:effectRef idx="0">
+            <a:schemeClr val="accent1"/>
+          </a:effectRef>
+          <a:fontRef idx="minor">
+            <a:schemeClr val="lt1"/>
+          </a:fontRef>
+        </p:style>
+        <p:txBody>
+          <a:bodyPr rtlCol="0" anchor="ctr"/>
+          <a:lstStyle/>
+          <a:p>
+            <a:pPr algn="ctr"/>
+            <a:r>
+              <a:rPr lang="en-US" b="1" dirty="0"/>
+              <a:t>Publishable</a:t>
+            </a:r>
+          </a:p>
+        </p:txBody>
+      </p:sp>
+      <p:sp>
+        <p:nvSpPr>
+          <p:cNvPr id="9" name="Oval 8">
+            <a:extLst>
+              <a:ext uri="{FF2B5EF4-FFF2-40B4-BE49-F238E27FC236}">
+                <a16:creationId xmlns:a16="http://schemas.microsoft.com/office/drawing/2014/main" id="{4DF5EE67-9F92-4ED4-8B50-92F8610FC682}"/>
+              </a:ext>
+            </a:extLst>
+          </p:cNvPr>
+          <p:cNvSpPr/>
+          <p:nvPr/>
+        </p:nvSpPr>
+        <p:spPr>
+          <a:xfrm>
+            <a:off x="5769736" y="2554306"/>
+            <a:ext cx="1828800" cy="721217"/>
+          </a:xfrm>
+          <a:prstGeom prst="ellipse">
+            <a:avLst/>
+          </a:prstGeom>
+        </p:spPr>
+        <p:style>
+          <a:lnRef idx="2">
+            <a:schemeClr val="accent1">
+              <a:shade val="50000"/>
+            </a:schemeClr>
+          </a:lnRef>
+          <a:fillRef idx="1">
+            <a:schemeClr val="accent1"/>
+          </a:fillRef>
+          <a:effectRef idx="0">
+            <a:schemeClr val="accent1"/>
+          </a:effectRef>
+          <a:fontRef idx="minor">
+            <a:schemeClr val="lt1"/>
+          </a:fontRef>
+        </p:style>
+        <p:txBody>
+          <a:bodyPr rtlCol="0" anchor="ctr"/>
+          <a:lstStyle/>
+          <a:p>
+            <a:pPr algn="ctr"/>
+            <a:r>
+              <a:rPr lang="en-US" b="1" dirty="0"/>
+              <a:t>Executable</a:t>
+            </a:r>
+          </a:p>
+        </p:txBody>
+      </p:sp>
+      <p:cxnSp>
+        <p:nvCxnSpPr>
+          <p:cNvPr id="11" name="Straight Arrow Connector 10">
+            <a:extLst>
+              <a:ext uri="{FF2B5EF4-FFF2-40B4-BE49-F238E27FC236}">
+                <a16:creationId xmlns:a16="http://schemas.microsoft.com/office/drawing/2014/main" id="{1132473E-877B-4F62-AA08-D995395227A9}"/>
+              </a:ext>
+            </a:extLst>
+          </p:cNvPr>
+          <p:cNvCxnSpPr>
+            <a:cxnSpLocks/>
+          </p:cNvCxnSpPr>
+          <p:nvPr/>
+        </p:nvCxnSpPr>
+        <p:spPr>
+          <a:xfrm flipV="1">
+            <a:off x="2582213" y="2114280"/>
+            <a:ext cx="2079939" cy="442172"/>
+          </a:xfrm>
+          <a:prstGeom prst="straightConnector1">
+            <a:avLst/>
+          </a:prstGeom>
+          <a:ln w="76200">
+            <a:tailEnd type="triangle"/>
+          </a:ln>
+        </p:spPr>
+        <p:style>
+          <a:lnRef idx="3">
+            <a:schemeClr val="accent1"/>
+          </a:lnRef>
+          <a:fillRef idx="0">
+            <a:schemeClr val="accent1"/>
+          </a:fillRef>
+          <a:effectRef idx="2">
+            <a:schemeClr val="accent1"/>
+          </a:effectRef>
+          <a:fontRef idx="minor">
+            <a:schemeClr val="tx1"/>
+          </a:fontRef>
+        </p:style>
+      </p:cxnSp>
+      <p:cxnSp>
+        <p:nvCxnSpPr>
+          <p:cNvPr id="14" name="Straight Arrow Connector 13">
+            <a:extLst>
+              <a:ext uri="{FF2B5EF4-FFF2-40B4-BE49-F238E27FC236}">
+                <a16:creationId xmlns:a16="http://schemas.microsoft.com/office/drawing/2014/main" id="{B5FC58A0-4BB8-43C6-A5E9-49148849697F}"/>
+              </a:ext>
+            </a:extLst>
+          </p:cNvPr>
+          <p:cNvCxnSpPr>
+            <a:cxnSpLocks/>
+            <a:stCxn id="7" idx="0"/>
+            <a:endCxn id="2" idx="4"/>
+          </p:cNvCxnSpPr>
+          <p:nvPr/>
+        </p:nvCxnSpPr>
+        <p:spPr>
+          <a:xfrm flipV="1">
+            <a:off x="4662152" y="2112135"/>
+            <a:ext cx="0" cy="442172"/>
+          </a:xfrm>
+          <a:prstGeom prst="straightConnector1">
+            <a:avLst/>
+          </a:prstGeom>
+          <a:ln w="76200">
+            <a:tailEnd type="triangle"/>
+          </a:ln>
+        </p:spPr>
+        <p:style>
+          <a:lnRef idx="3">
+            <a:schemeClr val="accent1"/>
+          </a:lnRef>
+          <a:fillRef idx="0">
+            <a:schemeClr val="accent1"/>
+          </a:fillRef>
+          <a:effectRef idx="2">
+            <a:schemeClr val="accent1"/>
+          </a:effectRef>
+          <a:fontRef idx="minor">
+            <a:schemeClr val="tx1"/>
+          </a:fontRef>
+        </p:style>
+      </p:cxnSp>
+      <p:cxnSp>
+        <p:nvCxnSpPr>
+          <p:cNvPr id="17" name="Straight Arrow Connector 16">
+            <a:extLst>
+              <a:ext uri="{FF2B5EF4-FFF2-40B4-BE49-F238E27FC236}">
+                <a16:creationId xmlns:a16="http://schemas.microsoft.com/office/drawing/2014/main" id="{8AA502DD-79CF-471A-8723-A07AF6EBF816}"/>
+              </a:ext>
+            </a:extLst>
+          </p:cNvPr>
+          <p:cNvCxnSpPr>
+            <a:cxnSpLocks/>
+            <a:stCxn id="9" idx="0"/>
+            <a:endCxn id="2" idx="4"/>
+          </p:cNvCxnSpPr>
+          <p:nvPr/>
+        </p:nvCxnSpPr>
+        <p:spPr>
+          <a:xfrm flipH="1" flipV="1">
+            <a:off x="4662152" y="2112135"/>
+            <a:ext cx="2021984" cy="442171"/>
+          </a:xfrm>
+          <a:prstGeom prst="straightConnector1">
+            <a:avLst/>
+          </a:prstGeom>
+          <a:ln w="76200">
+            <a:tailEnd type="triangle"/>
+          </a:ln>
+        </p:spPr>
+        <p:style>
+          <a:lnRef idx="3">
+            <a:schemeClr val="accent1"/>
+          </a:lnRef>
+          <a:fillRef idx="0">
+            <a:schemeClr val="accent1"/>
+          </a:fillRef>
+          <a:effectRef idx="2">
+            <a:schemeClr val="accent1"/>
+          </a:effectRef>
+          <a:fontRef idx="minor">
+            <a:schemeClr val="tx1"/>
+          </a:fontRef>
+        </p:style>
+      </p:cxnSp>
+      <p:sp>
+        <p:nvSpPr>
+          <p:cNvPr id="20" name="TextBox 19">
+            <a:extLst>
+              <a:ext uri="{FF2B5EF4-FFF2-40B4-BE49-F238E27FC236}">
+                <a16:creationId xmlns:a16="http://schemas.microsoft.com/office/drawing/2014/main" id="{AB060674-598F-47D6-B102-9532B6AE65DF}"/>
+              </a:ext>
+            </a:extLst>
+          </p:cNvPr>
+          <p:cNvSpPr txBox="1"/>
+          <p:nvPr/>
+        </p:nvSpPr>
+        <p:spPr>
+          <a:xfrm>
+            <a:off x="1745086" y="3431150"/>
+            <a:ext cx="1674253" cy="261610"/>
+          </a:xfrm>
+          <a:prstGeom prst="rect">
+            <a:avLst/>
+          </a:prstGeom>
+          <a:noFill/>
+        </p:spPr>
+        <p:txBody>
+          <a:bodyPr wrap="square" rtlCol="0">
+            <a:spAutoFit/>
+          </a:bodyPr>
+          <a:lstStyle/>
+          <a:p>
+            <a:r>
+              <a:rPr lang="en-US" sz="1100" dirty="0"/>
+              <a:t>Design-time/ authoring</a:t>
+            </a:r>
+          </a:p>
+        </p:txBody>
+      </p:sp>
+      <p:sp>
+        <p:nvSpPr>
+          <p:cNvPr id="22" name="TextBox 21">
+            <a:extLst>
+              <a:ext uri="{FF2B5EF4-FFF2-40B4-BE49-F238E27FC236}">
+                <a16:creationId xmlns:a16="http://schemas.microsoft.com/office/drawing/2014/main" id="{51F01DEA-C3A0-4365-AEAF-60172C189F84}"/>
+              </a:ext>
+            </a:extLst>
+          </p:cNvPr>
+          <p:cNvSpPr txBox="1"/>
+          <p:nvPr/>
+        </p:nvSpPr>
+        <p:spPr>
+          <a:xfrm>
+            <a:off x="3825025" y="3459058"/>
+            <a:ext cx="1674253" cy="261610"/>
+          </a:xfrm>
+          <a:prstGeom prst="rect">
+            <a:avLst/>
+          </a:prstGeom>
+          <a:noFill/>
+        </p:spPr>
+        <p:txBody>
+          <a:bodyPr wrap="square" rtlCol="0">
+            <a:spAutoFit/>
+          </a:bodyPr>
+          <a:lstStyle/>
+          <a:p>
+            <a:r>
+              <a:rPr lang="en-US" sz="1100" dirty="0"/>
+              <a:t>Publishing/distribution</a:t>
+            </a:r>
+          </a:p>
+        </p:txBody>
+      </p:sp>
+      <p:sp>
+        <p:nvSpPr>
+          <p:cNvPr id="3" name="TextBox 2">
+            <a:extLst>
+              <a:ext uri="{FF2B5EF4-FFF2-40B4-BE49-F238E27FC236}">
+                <a16:creationId xmlns:a16="http://schemas.microsoft.com/office/drawing/2014/main" id="{E917289A-FDA6-4463-B7D3-EF4896560232}"/>
+              </a:ext>
+            </a:extLst>
+          </p:cNvPr>
+          <p:cNvSpPr txBox="1"/>
+          <p:nvPr/>
+        </p:nvSpPr>
+        <p:spPr>
+          <a:xfrm>
+            <a:off x="5904964" y="3459058"/>
+            <a:ext cx="1674253" cy="261610"/>
+          </a:xfrm>
+          <a:prstGeom prst="rect">
+            <a:avLst/>
+          </a:prstGeom>
+          <a:noFill/>
+        </p:spPr>
+        <p:txBody>
+          <a:bodyPr wrap="square" rtlCol="0">
+            <a:spAutoFit/>
+          </a:bodyPr>
+          <a:lstStyle/>
+          <a:p>
+            <a:r>
+              <a:rPr lang="en-US" sz="1100" dirty="0"/>
+              <a:t>Runtime/implementation</a:t>
+            </a:r>
+          </a:p>
+        </p:txBody>
+      </p:sp>
+    </p:spTree>
+    <p:extLst>
+      <p:ext uri="{BB962C8B-B14F-4D97-AF65-F5344CB8AC3E}">
+        <p14:creationId xmlns:p14="http://schemas.microsoft.com/office/powerpoint/2010/main" val="2445286905"/>
+      </p:ext>
+    </p:extLst>
+  </p:cSld>
+  <p:clrMapOvr>
+    <a:masterClrMapping/>
+  </p:clrMapOvr>
+</p:sld>
+</file>
+
 <file path=ppt/theme/theme1.xml><?xml version="1.0" encoding="utf-8"?>
 <a:theme xmlns:a="http://schemas.openxmlformats.org/drawingml/2006/main" name="Office Theme">
   <a:themeElements>

--- a/docs/common-diagrams.pptx
+++ b/docs/common-diagrams.pptx
@@ -5,7 +5,7 @@
     <p:sldMasterId id="2147483648" r:id="rId1"/>
   </p:sldMasterIdLst>
   <p:notesMasterIdLst>
-    <p:notesMasterId r:id="rId11"/>
+    <p:notesMasterId r:id="rId13"/>
   </p:notesMasterIdLst>
   <p:sldIdLst>
     <p:sldId id="256" r:id="rId2"/>
@@ -13,10 +13,12 @@
     <p:sldId id="313" r:id="rId4"/>
     <p:sldId id="312" r:id="rId5"/>
     <p:sldId id="306" r:id="rId6"/>
-    <p:sldId id="273" r:id="rId7"/>
-    <p:sldId id="260" r:id="rId8"/>
-    <p:sldId id="290" r:id="rId9"/>
-    <p:sldId id="257" r:id="rId10"/>
+    <p:sldId id="314" r:id="rId7"/>
+    <p:sldId id="315" r:id="rId8"/>
+    <p:sldId id="273" r:id="rId9"/>
+    <p:sldId id="260" r:id="rId10"/>
+    <p:sldId id="290" r:id="rId11"/>
+    <p:sldId id="257" r:id="rId12"/>
   </p:sldIdLst>
   <p:sldSz cx="12192000" cy="6858000"/>
   <p:notesSz cx="6858000" cy="9144000"/>
@@ -205,7 +207,7 @@
           <a:p>
             <a:fld id="{63A792C6-19D6-4898-A08B-8B00BFA92E14}" type="datetimeFigureOut">
               <a:rPr lang="en-US" smtClean="0"/>
-              <a:t>10/25/2020</a:t>
+              <a:t>10/26/2020</a:t>
             </a:fld>
             <a:endParaRPr lang="en-US"/>
           </a:p>
@@ -946,6 +948,192 @@
 </p:notes>
 </file>
 
+<file path=ppt/notesSlides/notesSlide5.xml><?xml version="1.0" encoding="utf-8"?>
+<p:notes xmlns:a="http://schemas.openxmlformats.org/drawingml/2006/main" xmlns:r="http://schemas.openxmlformats.org/officeDocument/2006/relationships" xmlns:p="http://schemas.openxmlformats.org/presentationml/2006/main">
+  <p:cSld>
+    <p:spTree>
+      <p:nvGrpSpPr>
+        <p:cNvPr id="1" name=""/>
+        <p:cNvGrpSpPr/>
+        <p:nvPr/>
+      </p:nvGrpSpPr>
+      <p:grpSpPr>
+        <a:xfrm>
+          <a:off x="0" y="0"/>
+          <a:ext cx="0" cy="0"/>
+          <a:chOff x="0" y="0"/>
+          <a:chExt cx="0" cy="0"/>
+        </a:xfrm>
+      </p:grpSpPr>
+      <p:sp>
+        <p:nvSpPr>
+          <p:cNvPr id="2" name="Slide Image Placeholder 1"/>
+          <p:cNvSpPr>
+            <a:spLocks noGrp="1" noRot="1" noChangeAspect="1"/>
+          </p:cNvSpPr>
+          <p:nvPr>
+            <p:ph type="sldImg"/>
+          </p:nvPr>
+        </p:nvSpPr>
+        <p:spPr/>
+      </p:sp>
+      <p:sp>
+        <p:nvSpPr>
+          <p:cNvPr id="3" name="Notes Placeholder 2"/>
+          <p:cNvSpPr>
+            <a:spLocks noGrp="1"/>
+          </p:cNvSpPr>
+          <p:nvPr>
+            <p:ph type="body" idx="1"/>
+          </p:nvPr>
+        </p:nvSpPr>
+        <p:spPr/>
+        <p:txBody>
+          <a:bodyPr/>
+          <a:lstStyle/>
+          <a:p>
+            <a:r>
+              <a:rPr lang="en-US" dirty="0"/>
+              <a:t>L1 – Narrative content, so paper forms, guidelines, dictionaries, and other supportive documentation</a:t>
+            </a:r>
+          </a:p>
+          <a:p>
+            <a:r>
+              <a:rPr lang="en-US" dirty="0"/>
+              <a:t>L2 – Semi-structured, so personas, use cases, flow diagrams, questionnaires, data dictionaries, and indicator descriptions</a:t>
+            </a:r>
+          </a:p>
+        </p:txBody>
+      </p:sp>
+      <p:sp>
+        <p:nvSpPr>
+          <p:cNvPr id="4" name="Slide Number Placeholder 3"/>
+          <p:cNvSpPr>
+            <a:spLocks noGrp="1"/>
+          </p:cNvSpPr>
+          <p:nvPr>
+            <p:ph type="sldNum" sz="quarter" idx="5"/>
+          </p:nvPr>
+        </p:nvSpPr>
+        <p:spPr/>
+        <p:txBody>
+          <a:bodyPr/>
+          <a:lstStyle/>
+          <a:p>
+            <a:fld id="{A69C946F-C9B2-9B49-8DCA-D38D97C43A2F}" type="slidenum">
+              <a:rPr lang="en-US" smtClean="0"/>
+              <a:t>6</a:t>
+            </a:fld>
+            <a:endParaRPr lang="en-US"/>
+          </a:p>
+        </p:txBody>
+      </p:sp>
+    </p:spTree>
+    <p:extLst>
+      <p:ext uri="{BB962C8B-B14F-4D97-AF65-F5344CB8AC3E}">
+        <p14:creationId xmlns:p14="http://schemas.microsoft.com/office/powerpoint/2010/main" val="4168451032"/>
+      </p:ext>
+    </p:extLst>
+  </p:cSld>
+  <p:clrMapOvr>
+    <a:masterClrMapping/>
+  </p:clrMapOvr>
+</p:notes>
+</file>
+
+<file path=ppt/notesSlides/notesSlide6.xml><?xml version="1.0" encoding="utf-8"?>
+<p:notes xmlns:a="http://schemas.openxmlformats.org/drawingml/2006/main" xmlns:r="http://schemas.openxmlformats.org/officeDocument/2006/relationships" xmlns:p="http://schemas.openxmlformats.org/presentationml/2006/main">
+  <p:cSld>
+    <p:spTree>
+      <p:nvGrpSpPr>
+        <p:cNvPr id="1" name=""/>
+        <p:cNvGrpSpPr/>
+        <p:nvPr/>
+      </p:nvGrpSpPr>
+      <p:grpSpPr>
+        <a:xfrm>
+          <a:off x="0" y="0"/>
+          <a:ext cx="0" cy="0"/>
+          <a:chOff x="0" y="0"/>
+          <a:chExt cx="0" cy="0"/>
+        </a:xfrm>
+      </p:grpSpPr>
+      <p:sp>
+        <p:nvSpPr>
+          <p:cNvPr id="2" name="Slide Image Placeholder 1"/>
+          <p:cNvSpPr>
+            <a:spLocks noGrp="1" noRot="1" noChangeAspect="1"/>
+          </p:cNvSpPr>
+          <p:nvPr>
+            <p:ph type="sldImg"/>
+          </p:nvPr>
+        </p:nvSpPr>
+        <p:spPr/>
+      </p:sp>
+      <p:sp>
+        <p:nvSpPr>
+          <p:cNvPr id="3" name="Notes Placeholder 2"/>
+          <p:cNvSpPr>
+            <a:spLocks noGrp="1"/>
+          </p:cNvSpPr>
+          <p:nvPr>
+            <p:ph type="body" idx="1"/>
+          </p:nvPr>
+        </p:nvSpPr>
+        <p:spPr/>
+        <p:txBody>
+          <a:bodyPr/>
+          <a:lstStyle/>
+          <a:p>
+            <a:r>
+              <a:rPr lang="en-US" dirty="0"/>
+              <a:t>L1 – Narrative content, so paper forms, guidelines, dictionaries, and other supportive documentation</a:t>
+            </a:r>
+          </a:p>
+          <a:p>
+            <a:r>
+              <a:rPr lang="en-US" dirty="0"/>
+              <a:t>L2 – Semi-structured, so personas, use cases, flow diagrams, questionnaires, data dictionaries, and indicator descriptions</a:t>
+            </a:r>
+          </a:p>
+        </p:txBody>
+      </p:sp>
+      <p:sp>
+        <p:nvSpPr>
+          <p:cNvPr id="4" name="Slide Number Placeholder 3"/>
+          <p:cNvSpPr>
+            <a:spLocks noGrp="1"/>
+          </p:cNvSpPr>
+          <p:nvPr>
+            <p:ph type="sldNum" sz="quarter" idx="5"/>
+          </p:nvPr>
+        </p:nvSpPr>
+        <p:spPr/>
+        <p:txBody>
+          <a:bodyPr/>
+          <a:lstStyle/>
+          <a:p>
+            <a:fld id="{A69C946F-C9B2-9B49-8DCA-D38D97C43A2F}" type="slidenum">
+              <a:rPr lang="en-US" smtClean="0"/>
+              <a:t>7</a:t>
+            </a:fld>
+            <a:endParaRPr lang="en-US"/>
+          </a:p>
+        </p:txBody>
+      </p:sp>
+    </p:spTree>
+    <p:extLst>
+      <p:ext uri="{BB962C8B-B14F-4D97-AF65-F5344CB8AC3E}">
+        <p14:creationId xmlns:p14="http://schemas.microsoft.com/office/powerpoint/2010/main" val="681598954"/>
+      </p:ext>
+    </p:extLst>
+  </p:cSld>
+  <p:clrMapOvr>
+    <a:masterClrMapping/>
+  </p:clrMapOvr>
+</p:notes>
+</file>
+
 <file path=ppt/slideLayouts/slideLayout1.xml><?xml version="1.0" encoding="utf-8"?>
 <p:sldLayout xmlns:a="http://schemas.openxmlformats.org/drawingml/2006/main" xmlns:r="http://schemas.openxmlformats.org/officeDocument/2006/relationships" xmlns:p="http://schemas.openxmlformats.org/presentationml/2006/main" type="title" preserve="1">
   <p:cSld name="Title Slide">
@@ -1093,7 +1281,7 @@
           <a:p>
             <a:fld id="{79FDAF07-B94C-4635-9A45-26FF98CE243A}" type="datetimeFigureOut">
               <a:rPr lang="en-US" smtClean="0"/>
-              <a:t>10/25/2020</a:t>
+              <a:t>10/26/2020</a:t>
             </a:fld>
             <a:endParaRPr lang="en-US"/>
           </a:p>
@@ -1291,7 +1479,7 @@
           <a:p>
             <a:fld id="{79FDAF07-B94C-4635-9A45-26FF98CE243A}" type="datetimeFigureOut">
               <a:rPr lang="en-US" smtClean="0"/>
-              <a:t>10/25/2020</a:t>
+              <a:t>10/26/2020</a:t>
             </a:fld>
             <a:endParaRPr lang="en-US"/>
           </a:p>
@@ -1499,7 +1687,7 @@
           <a:p>
             <a:fld id="{79FDAF07-B94C-4635-9A45-26FF98CE243A}" type="datetimeFigureOut">
               <a:rPr lang="en-US" smtClean="0"/>
-              <a:t>10/25/2020</a:t>
+              <a:t>10/26/2020</a:t>
             </a:fld>
             <a:endParaRPr lang="en-US"/>
           </a:p>
@@ -2817,7 +3005,7 @@
           <a:p>
             <a:fld id="{79FDAF07-B94C-4635-9A45-26FF98CE243A}" type="datetimeFigureOut">
               <a:rPr lang="en-US" smtClean="0"/>
-              <a:t>10/25/2020</a:t>
+              <a:t>10/26/2020</a:t>
             </a:fld>
             <a:endParaRPr lang="en-US"/>
           </a:p>
@@ -3092,7 +3280,7 @@
           <a:p>
             <a:fld id="{79FDAF07-B94C-4635-9A45-26FF98CE243A}" type="datetimeFigureOut">
               <a:rPr lang="en-US" smtClean="0"/>
-              <a:t>10/25/2020</a:t>
+              <a:t>10/26/2020</a:t>
             </a:fld>
             <a:endParaRPr lang="en-US"/>
           </a:p>
@@ -3357,7 +3545,7 @@
           <a:p>
             <a:fld id="{79FDAF07-B94C-4635-9A45-26FF98CE243A}" type="datetimeFigureOut">
               <a:rPr lang="en-US" smtClean="0"/>
-              <a:t>10/25/2020</a:t>
+              <a:t>10/26/2020</a:t>
             </a:fld>
             <a:endParaRPr lang="en-US"/>
           </a:p>
@@ -3769,7 +3957,7 @@
           <a:p>
             <a:fld id="{79FDAF07-B94C-4635-9A45-26FF98CE243A}" type="datetimeFigureOut">
               <a:rPr lang="en-US" smtClean="0"/>
-              <a:t>10/25/2020</a:t>
+              <a:t>10/26/2020</a:t>
             </a:fld>
             <a:endParaRPr lang="en-US"/>
           </a:p>
@@ -3910,7 +4098,7 @@
           <a:p>
             <a:fld id="{79FDAF07-B94C-4635-9A45-26FF98CE243A}" type="datetimeFigureOut">
               <a:rPr lang="en-US" smtClean="0"/>
-              <a:t>10/25/2020</a:t>
+              <a:t>10/26/2020</a:t>
             </a:fld>
             <a:endParaRPr lang="en-US"/>
           </a:p>
@@ -4023,7 +4211,7 @@
           <a:p>
             <a:fld id="{79FDAF07-B94C-4635-9A45-26FF98CE243A}" type="datetimeFigureOut">
               <a:rPr lang="en-US" smtClean="0"/>
-              <a:t>10/25/2020</a:t>
+              <a:t>10/26/2020</a:t>
             </a:fld>
             <a:endParaRPr lang="en-US"/>
           </a:p>
@@ -4334,7 +4522,7 @@
           <a:p>
             <a:fld id="{79FDAF07-B94C-4635-9A45-26FF98CE243A}" type="datetimeFigureOut">
               <a:rPr lang="en-US" smtClean="0"/>
-              <a:t>10/25/2020</a:t>
+              <a:t>10/26/2020</a:t>
             </a:fld>
             <a:endParaRPr lang="en-US"/>
           </a:p>
@@ -4622,7 +4810,7 @@
           <a:p>
             <a:fld id="{79FDAF07-B94C-4635-9A45-26FF98CE243A}" type="datetimeFigureOut">
               <a:rPr lang="en-US" smtClean="0"/>
-              <a:t>10/25/2020</a:t>
+              <a:t>10/26/2020</a:t>
             </a:fld>
             <a:endParaRPr lang="en-US"/>
           </a:p>
@@ -4863,7 +5051,7 @@
           <a:p>
             <a:fld id="{79FDAF07-B94C-4635-9A45-26FF98CE243A}" type="datetimeFigureOut">
               <a:rPr lang="en-US" smtClean="0"/>
-              <a:t>10/25/2020</a:t>
+              <a:t>10/26/2020</a:t>
             </a:fld>
             <a:endParaRPr lang="en-US"/>
           </a:p>
@@ -5336,6 +5524,2520 @@
     <p:extLst>
       <p:ext uri="{BB962C8B-B14F-4D97-AF65-F5344CB8AC3E}">
         <p14:creationId xmlns:p14="http://schemas.microsoft.com/office/powerpoint/2010/main" val="1400692632"/>
+      </p:ext>
+    </p:extLst>
+  </p:cSld>
+  <p:clrMapOvr>
+    <a:masterClrMapping/>
+  </p:clrMapOvr>
+</p:sld>
+</file>
+
+<file path=ppt/slides/slide10.xml><?xml version="1.0" encoding="utf-8"?>
+<p:sld xmlns:a="http://schemas.openxmlformats.org/drawingml/2006/main" xmlns:r="http://schemas.openxmlformats.org/officeDocument/2006/relationships" xmlns:p="http://schemas.openxmlformats.org/presentationml/2006/main">
+  <p:cSld>
+    <p:spTree>
+      <p:nvGrpSpPr>
+        <p:cNvPr id="1" name=""/>
+        <p:cNvGrpSpPr/>
+        <p:nvPr/>
+      </p:nvGrpSpPr>
+      <p:grpSpPr>
+        <a:xfrm>
+          <a:off x="0" y="0"/>
+          <a:ext cx="0" cy="0"/>
+          <a:chOff x="0" y="0"/>
+          <a:chExt cx="0" cy="0"/>
+        </a:xfrm>
+      </p:grpSpPr>
+      <p:cxnSp>
+        <p:nvCxnSpPr>
+          <p:cNvPr id="22" name="Straight Arrow Connector 21"/>
+          <p:cNvCxnSpPr>
+            <a:stCxn id="202" idx="3"/>
+            <a:endCxn id="206" idx="1"/>
+          </p:cNvCxnSpPr>
+          <p:nvPr/>
+        </p:nvCxnSpPr>
+        <p:spPr>
+          <a:xfrm>
+            <a:off x="4593359" y="1473671"/>
+            <a:ext cx="473117" cy="1"/>
+          </a:xfrm>
+          <a:prstGeom prst="straightConnector1">
+            <a:avLst/>
+          </a:prstGeom>
+          <a:ln w="38100">
+            <a:tailEnd type="arrow"/>
+          </a:ln>
+        </p:spPr>
+        <p:style>
+          <a:lnRef idx="1">
+            <a:schemeClr val="accent1"/>
+          </a:lnRef>
+          <a:fillRef idx="0">
+            <a:schemeClr val="accent1"/>
+          </a:fillRef>
+          <a:effectRef idx="0">
+            <a:schemeClr val="accent1"/>
+          </a:effectRef>
+          <a:fontRef idx="minor">
+            <a:schemeClr val="tx1"/>
+          </a:fontRef>
+        </p:style>
+      </p:cxnSp>
+      <p:sp>
+        <p:nvSpPr>
+          <p:cNvPr id="23" name="Flowchart: Decision 22"/>
+          <p:cNvSpPr/>
+          <p:nvPr/>
+        </p:nvSpPr>
+        <p:spPr>
+          <a:xfrm>
+            <a:off x="7873718" y="1832865"/>
+            <a:ext cx="381000" cy="381000"/>
+          </a:xfrm>
+          <a:prstGeom prst="flowChartDecision">
+            <a:avLst/>
+          </a:prstGeom>
+          <a:solidFill>
+            <a:schemeClr val="bg1"/>
+          </a:solidFill>
+        </p:spPr>
+        <p:style>
+          <a:lnRef idx="2">
+            <a:schemeClr val="accent1">
+              <a:shade val="50000"/>
+            </a:schemeClr>
+          </a:lnRef>
+          <a:fillRef idx="1">
+            <a:schemeClr val="accent1"/>
+          </a:fillRef>
+          <a:effectRef idx="0">
+            <a:schemeClr val="accent1"/>
+          </a:effectRef>
+          <a:fontRef idx="minor">
+            <a:schemeClr val="lt1"/>
+          </a:fontRef>
+        </p:style>
+        <p:txBody>
+          <a:bodyPr rtlCol="0" anchor="ctr"/>
+          <a:lstStyle/>
+          <a:p>
+            <a:pPr algn="ctr"/>
+            <a:endParaRPr lang="en-CA" dirty="0">
+              <a:solidFill>
+                <a:schemeClr val="tx2"/>
+              </a:solidFill>
+            </a:endParaRPr>
+          </a:p>
+        </p:txBody>
+      </p:sp>
+      <p:cxnSp>
+        <p:nvCxnSpPr>
+          <p:cNvPr id="27" name="Straight Arrow Connector 26"/>
+          <p:cNvCxnSpPr>
+            <a:stCxn id="23" idx="3"/>
+            <a:endCxn id="269" idx="1"/>
+          </p:cNvCxnSpPr>
+          <p:nvPr/>
+        </p:nvCxnSpPr>
+        <p:spPr>
+          <a:xfrm>
+            <a:off x="8254719" y="2023366"/>
+            <a:ext cx="652233" cy="1"/>
+          </a:xfrm>
+          <a:prstGeom prst="straightConnector1">
+            <a:avLst/>
+          </a:prstGeom>
+          <a:ln w="38100">
+            <a:tailEnd type="arrow"/>
+          </a:ln>
+        </p:spPr>
+        <p:style>
+          <a:lnRef idx="1">
+            <a:schemeClr val="accent1"/>
+          </a:lnRef>
+          <a:fillRef idx="0">
+            <a:schemeClr val="accent1"/>
+          </a:fillRef>
+          <a:effectRef idx="0">
+            <a:schemeClr val="accent1"/>
+          </a:effectRef>
+          <a:fontRef idx="minor">
+            <a:schemeClr val="tx1"/>
+          </a:fontRef>
+        </p:style>
+      </p:cxnSp>
+      <p:cxnSp>
+        <p:nvCxnSpPr>
+          <p:cNvPr id="30" name="Straight Arrow Connector 29"/>
+          <p:cNvCxnSpPr>
+            <a:stCxn id="23" idx="2"/>
+            <a:endCxn id="226" idx="0"/>
+          </p:cNvCxnSpPr>
+          <p:nvPr/>
+        </p:nvCxnSpPr>
+        <p:spPr>
+          <a:xfrm>
+            <a:off x="8064219" y="2213866"/>
+            <a:ext cx="1" cy="526293"/>
+          </a:xfrm>
+          <a:prstGeom prst="straightConnector1">
+            <a:avLst/>
+          </a:prstGeom>
+          <a:ln w="38100">
+            <a:tailEnd type="arrow"/>
+          </a:ln>
+        </p:spPr>
+        <p:style>
+          <a:lnRef idx="1">
+            <a:schemeClr val="accent1"/>
+          </a:lnRef>
+          <a:fillRef idx="0">
+            <a:schemeClr val="accent1"/>
+          </a:fillRef>
+          <a:effectRef idx="0">
+            <a:schemeClr val="accent1"/>
+          </a:effectRef>
+          <a:fontRef idx="minor">
+            <a:schemeClr val="tx1"/>
+          </a:fontRef>
+        </p:style>
+      </p:cxnSp>
+      <p:cxnSp>
+        <p:nvCxnSpPr>
+          <p:cNvPr id="35" name="Shape 34"/>
+          <p:cNvCxnSpPr>
+            <a:stCxn id="269" idx="2"/>
+            <a:endCxn id="226" idx="3"/>
+          </p:cNvCxnSpPr>
+          <p:nvPr/>
+        </p:nvCxnSpPr>
+        <p:spPr>
+          <a:xfrm rot="5400000">
+            <a:off x="8575666" y="2367721"/>
+            <a:ext cx="712221" cy="800819"/>
+          </a:xfrm>
+          <a:prstGeom prst="bentConnector2">
+            <a:avLst/>
+          </a:prstGeom>
+          <a:ln w="38100">
+            <a:tailEnd type="arrow"/>
+          </a:ln>
+        </p:spPr>
+        <p:style>
+          <a:lnRef idx="1">
+            <a:schemeClr val="accent1"/>
+          </a:lnRef>
+          <a:fillRef idx="0">
+            <a:schemeClr val="accent1"/>
+          </a:fillRef>
+          <a:effectRef idx="0">
+            <a:schemeClr val="accent1"/>
+          </a:effectRef>
+          <a:fontRef idx="minor">
+            <a:schemeClr val="tx1"/>
+          </a:fontRef>
+        </p:style>
+      </p:cxnSp>
+      <p:cxnSp>
+        <p:nvCxnSpPr>
+          <p:cNvPr id="48" name="Straight Arrow Connector 47"/>
+          <p:cNvCxnSpPr>
+            <a:stCxn id="226" idx="1"/>
+            <a:endCxn id="159" idx="3"/>
+          </p:cNvCxnSpPr>
+          <p:nvPr/>
+        </p:nvCxnSpPr>
+        <p:spPr>
+          <a:xfrm flipH="1" flipV="1">
+            <a:off x="7033994" y="3124240"/>
+            <a:ext cx="563078" cy="1"/>
+          </a:xfrm>
+          <a:prstGeom prst="straightConnector1">
+            <a:avLst/>
+          </a:prstGeom>
+          <a:ln w="38100">
+            <a:tailEnd type="arrow"/>
+          </a:ln>
+        </p:spPr>
+        <p:style>
+          <a:lnRef idx="1">
+            <a:schemeClr val="accent1"/>
+          </a:lnRef>
+          <a:fillRef idx="0">
+            <a:schemeClr val="accent1"/>
+          </a:fillRef>
+          <a:effectRef idx="0">
+            <a:schemeClr val="accent1"/>
+          </a:effectRef>
+          <a:fontRef idx="minor">
+            <a:schemeClr val="tx1"/>
+          </a:fontRef>
+        </p:style>
+      </p:cxnSp>
+      <p:cxnSp>
+        <p:nvCxnSpPr>
+          <p:cNvPr id="54" name="Straight Arrow Connector 53"/>
+          <p:cNvCxnSpPr>
+            <a:stCxn id="223" idx="1"/>
+            <a:endCxn id="218" idx="3"/>
+          </p:cNvCxnSpPr>
+          <p:nvPr/>
+        </p:nvCxnSpPr>
+        <p:spPr>
+          <a:xfrm flipH="1">
+            <a:off x="4448566" y="3124240"/>
+            <a:ext cx="694878" cy="0"/>
+          </a:xfrm>
+          <a:prstGeom prst="straightConnector1">
+            <a:avLst/>
+          </a:prstGeom>
+          <a:ln w="38100">
+            <a:tailEnd type="arrow"/>
+          </a:ln>
+        </p:spPr>
+        <p:style>
+          <a:lnRef idx="1">
+            <a:schemeClr val="accent1"/>
+          </a:lnRef>
+          <a:fillRef idx="0">
+            <a:schemeClr val="accent1"/>
+          </a:fillRef>
+          <a:effectRef idx="0">
+            <a:schemeClr val="accent1"/>
+          </a:effectRef>
+          <a:fontRef idx="minor">
+            <a:schemeClr val="tx1"/>
+          </a:fontRef>
+        </p:style>
+      </p:cxnSp>
+      <p:sp>
+        <p:nvSpPr>
+          <p:cNvPr id="60" name="Flowchart: Decision 59"/>
+          <p:cNvSpPr/>
+          <p:nvPr/>
+        </p:nvSpPr>
+        <p:spPr>
+          <a:xfrm>
+            <a:off x="3885415" y="4085996"/>
+            <a:ext cx="381000" cy="381000"/>
+          </a:xfrm>
+          <a:prstGeom prst="flowChartDecision">
+            <a:avLst/>
+          </a:prstGeom>
+          <a:solidFill>
+            <a:schemeClr val="bg1"/>
+          </a:solidFill>
+        </p:spPr>
+        <p:style>
+          <a:lnRef idx="2">
+            <a:schemeClr val="accent1">
+              <a:shade val="50000"/>
+            </a:schemeClr>
+          </a:lnRef>
+          <a:fillRef idx="1">
+            <a:schemeClr val="accent1"/>
+          </a:fillRef>
+          <a:effectRef idx="0">
+            <a:schemeClr val="accent1"/>
+          </a:effectRef>
+          <a:fontRef idx="minor">
+            <a:schemeClr val="lt1"/>
+          </a:fontRef>
+        </p:style>
+        <p:txBody>
+          <a:bodyPr rtlCol="0" anchor="ctr"/>
+          <a:lstStyle/>
+          <a:p>
+            <a:pPr algn="ctr"/>
+            <a:endParaRPr lang="en-CA" dirty="0">
+              <a:solidFill>
+                <a:schemeClr val="tx2"/>
+              </a:solidFill>
+            </a:endParaRPr>
+          </a:p>
+        </p:txBody>
+      </p:sp>
+      <p:cxnSp>
+        <p:nvCxnSpPr>
+          <p:cNvPr id="63" name="Straight Arrow Connector 62"/>
+          <p:cNvCxnSpPr>
+            <a:stCxn id="218" idx="2"/>
+            <a:endCxn id="60" idx="0"/>
+          </p:cNvCxnSpPr>
+          <p:nvPr/>
+        </p:nvCxnSpPr>
+        <p:spPr>
+          <a:xfrm flipH="1">
+            <a:off x="4075916" y="3581480"/>
+            <a:ext cx="1" cy="504517"/>
+          </a:xfrm>
+          <a:prstGeom prst="straightConnector1">
+            <a:avLst/>
+          </a:prstGeom>
+          <a:ln w="38100">
+            <a:tailEnd type="arrow"/>
+          </a:ln>
+        </p:spPr>
+        <p:style>
+          <a:lnRef idx="1">
+            <a:schemeClr val="accent1"/>
+          </a:lnRef>
+          <a:fillRef idx="0">
+            <a:schemeClr val="accent1"/>
+          </a:fillRef>
+          <a:effectRef idx="0">
+            <a:schemeClr val="accent1"/>
+          </a:effectRef>
+          <a:fontRef idx="minor">
+            <a:schemeClr val="tx1"/>
+          </a:fontRef>
+        </p:style>
+      </p:cxnSp>
+      <p:cxnSp>
+        <p:nvCxnSpPr>
+          <p:cNvPr id="73" name="Straight Arrow Connector 72"/>
+          <p:cNvCxnSpPr>
+            <a:stCxn id="60" idx="3"/>
+            <a:endCxn id="235" idx="1"/>
+          </p:cNvCxnSpPr>
+          <p:nvPr/>
+        </p:nvCxnSpPr>
+        <p:spPr>
+          <a:xfrm>
+            <a:off x="4266416" y="4276497"/>
+            <a:ext cx="739857" cy="1"/>
+          </a:xfrm>
+          <a:prstGeom prst="straightConnector1">
+            <a:avLst/>
+          </a:prstGeom>
+          <a:ln w="38100">
+            <a:tailEnd type="arrow"/>
+          </a:ln>
+        </p:spPr>
+        <p:style>
+          <a:lnRef idx="1">
+            <a:schemeClr val="accent1"/>
+          </a:lnRef>
+          <a:fillRef idx="0">
+            <a:schemeClr val="accent1"/>
+          </a:fillRef>
+          <a:effectRef idx="0">
+            <a:schemeClr val="accent1"/>
+          </a:effectRef>
+          <a:fontRef idx="minor">
+            <a:schemeClr val="tx1"/>
+          </a:fontRef>
+        </p:style>
+      </p:cxnSp>
+      <p:cxnSp>
+        <p:nvCxnSpPr>
+          <p:cNvPr id="76" name="Straight Arrow Connector 75"/>
+          <p:cNvCxnSpPr>
+            <a:stCxn id="235" idx="3"/>
+            <a:endCxn id="265" idx="1"/>
+          </p:cNvCxnSpPr>
+          <p:nvPr/>
+        </p:nvCxnSpPr>
+        <p:spPr>
+          <a:xfrm>
+            <a:off x="5940565" y="4276497"/>
+            <a:ext cx="563810" cy="0"/>
+          </a:xfrm>
+          <a:prstGeom prst="straightConnector1">
+            <a:avLst/>
+          </a:prstGeom>
+          <a:ln w="38100">
+            <a:tailEnd type="arrow"/>
+          </a:ln>
+        </p:spPr>
+        <p:style>
+          <a:lnRef idx="1">
+            <a:schemeClr val="accent1"/>
+          </a:lnRef>
+          <a:fillRef idx="0">
+            <a:schemeClr val="accent1"/>
+          </a:fillRef>
+          <a:effectRef idx="0">
+            <a:schemeClr val="accent1"/>
+          </a:effectRef>
+          <a:fontRef idx="minor">
+            <a:schemeClr val="tx1"/>
+          </a:fontRef>
+        </p:style>
+      </p:cxnSp>
+      <p:cxnSp>
+        <p:nvCxnSpPr>
+          <p:cNvPr id="80" name="Straight Arrow Connector 79"/>
+          <p:cNvCxnSpPr>
+            <a:stCxn id="265" idx="3"/>
+            <a:endCxn id="137" idx="1"/>
+          </p:cNvCxnSpPr>
+          <p:nvPr/>
+        </p:nvCxnSpPr>
+        <p:spPr>
+          <a:xfrm flipV="1">
+            <a:off x="7182614" y="4276497"/>
+            <a:ext cx="691104" cy="1"/>
+          </a:xfrm>
+          <a:prstGeom prst="straightConnector1">
+            <a:avLst/>
+          </a:prstGeom>
+          <a:ln w="38100">
+            <a:tailEnd type="arrow"/>
+          </a:ln>
+        </p:spPr>
+        <p:style>
+          <a:lnRef idx="1">
+            <a:schemeClr val="accent1"/>
+          </a:lnRef>
+          <a:fillRef idx="0">
+            <a:schemeClr val="accent1"/>
+          </a:fillRef>
+          <a:effectRef idx="0">
+            <a:schemeClr val="accent1"/>
+          </a:effectRef>
+          <a:fontRef idx="minor">
+            <a:schemeClr val="tx1"/>
+          </a:fontRef>
+        </p:style>
+      </p:cxnSp>
+      <p:cxnSp>
+        <p:nvCxnSpPr>
+          <p:cNvPr id="89" name="Straight Arrow Connector 88"/>
+          <p:cNvCxnSpPr>
+            <a:stCxn id="251" idx="1"/>
+            <a:endCxn id="248" idx="3"/>
+          </p:cNvCxnSpPr>
+          <p:nvPr/>
+        </p:nvCxnSpPr>
+        <p:spPr>
+          <a:xfrm flipH="1">
+            <a:off x="5786628" y="6092912"/>
+            <a:ext cx="591245" cy="0"/>
+          </a:xfrm>
+          <a:prstGeom prst="straightConnector1">
+            <a:avLst/>
+          </a:prstGeom>
+          <a:ln w="38100">
+            <a:tailEnd type="arrow"/>
+          </a:ln>
+        </p:spPr>
+        <p:style>
+          <a:lnRef idx="1">
+            <a:schemeClr val="accent1"/>
+          </a:lnRef>
+          <a:fillRef idx="0">
+            <a:schemeClr val="accent1"/>
+          </a:fillRef>
+          <a:effectRef idx="0">
+            <a:schemeClr val="accent1"/>
+          </a:effectRef>
+          <a:fontRef idx="minor">
+            <a:schemeClr val="tx1"/>
+          </a:fontRef>
+        </p:style>
+      </p:cxnSp>
+      <p:cxnSp>
+        <p:nvCxnSpPr>
+          <p:cNvPr id="92" name="Straight Arrow Connector 91"/>
+          <p:cNvCxnSpPr>
+            <a:stCxn id="248" idx="1"/>
+            <a:endCxn id="178" idx="3"/>
+          </p:cNvCxnSpPr>
+          <p:nvPr/>
+        </p:nvCxnSpPr>
+        <p:spPr>
+          <a:xfrm flipH="1">
+            <a:off x="4266415" y="6092912"/>
+            <a:ext cx="893794" cy="0"/>
+          </a:xfrm>
+          <a:prstGeom prst="straightConnector1">
+            <a:avLst/>
+          </a:prstGeom>
+          <a:ln w="38100">
+            <a:tailEnd type="arrow"/>
+          </a:ln>
+        </p:spPr>
+        <p:style>
+          <a:lnRef idx="1">
+            <a:schemeClr val="accent1"/>
+          </a:lnRef>
+          <a:fillRef idx="0">
+            <a:schemeClr val="accent1"/>
+          </a:fillRef>
+          <a:effectRef idx="0">
+            <a:schemeClr val="accent1"/>
+          </a:effectRef>
+          <a:fontRef idx="minor">
+            <a:schemeClr val="tx1"/>
+          </a:fontRef>
+        </p:style>
+      </p:cxnSp>
+      <p:cxnSp>
+        <p:nvCxnSpPr>
+          <p:cNvPr id="105" name="Straight Arrow Connector 104"/>
+          <p:cNvCxnSpPr>
+            <a:stCxn id="254" idx="1"/>
+            <a:endCxn id="251" idx="3"/>
+          </p:cNvCxnSpPr>
+          <p:nvPr/>
+        </p:nvCxnSpPr>
+        <p:spPr>
+          <a:xfrm flipH="1">
+            <a:off x="7309118" y="6092912"/>
+            <a:ext cx="381689" cy="0"/>
+          </a:xfrm>
+          <a:prstGeom prst="straightConnector1">
+            <a:avLst/>
+          </a:prstGeom>
+          <a:ln w="38100">
+            <a:tailEnd type="arrow"/>
+          </a:ln>
+        </p:spPr>
+        <p:style>
+          <a:lnRef idx="1">
+            <a:schemeClr val="accent1"/>
+          </a:lnRef>
+          <a:fillRef idx="0">
+            <a:schemeClr val="accent1"/>
+          </a:fillRef>
+          <a:effectRef idx="0">
+            <a:schemeClr val="accent1"/>
+          </a:effectRef>
+          <a:fontRef idx="minor">
+            <a:schemeClr val="tx1"/>
+          </a:fontRef>
+        </p:style>
+      </p:cxnSp>
+      <p:cxnSp>
+        <p:nvCxnSpPr>
+          <p:cNvPr id="108" name="Straight Arrow Connector 107"/>
+          <p:cNvCxnSpPr>
+            <a:stCxn id="23" idx="0"/>
+            <a:endCxn id="209" idx="2"/>
+          </p:cNvCxnSpPr>
+          <p:nvPr/>
+        </p:nvCxnSpPr>
+        <p:spPr>
+          <a:xfrm flipV="1">
+            <a:off x="8064219" y="1199453"/>
+            <a:ext cx="1" cy="633413"/>
+          </a:xfrm>
+          <a:prstGeom prst="straightConnector1">
+            <a:avLst/>
+          </a:prstGeom>
+          <a:ln w="38100">
+            <a:tailEnd type="arrow"/>
+          </a:ln>
+        </p:spPr>
+        <p:style>
+          <a:lnRef idx="1">
+            <a:schemeClr val="accent1"/>
+          </a:lnRef>
+          <a:fillRef idx="0">
+            <a:schemeClr val="accent1"/>
+          </a:fillRef>
+          <a:effectRef idx="0">
+            <a:schemeClr val="accent1"/>
+          </a:effectRef>
+          <a:fontRef idx="minor">
+            <a:schemeClr val="tx1"/>
+          </a:fontRef>
+        </p:style>
+      </p:cxnSp>
+      <p:cxnSp>
+        <p:nvCxnSpPr>
+          <p:cNvPr id="112" name="Straight Arrow Connector 111"/>
+          <p:cNvCxnSpPr>
+            <a:stCxn id="209" idx="3"/>
+            <a:endCxn id="212" idx="1"/>
+          </p:cNvCxnSpPr>
+          <p:nvPr/>
+        </p:nvCxnSpPr>
+        <p:spPr>
+          <a:xfrm>
+            <a:off x="8458970" y="897674"/>
+            <a:ext cx="1119303" cy="0"/>
+          </a:xfrm>
+          <a:prstGeom prst="straightConnector1">
+            <a:avLst/>
+          </a:prstGeom>
+          <a:ln w="38100">
+            <a:tailEnd type="arrow"/>
+          </a:ln>
+        </p:spPr>
+        <p:style>
+          <a:lnRef idx="1">
+            <a:schemeClr val="accent1"/>
+          </a:lnRef>
+          <a:fillRef idx="0">
+            <a:schemeClr val="accent1"/>
+          </a:fillRef>
+          <a:effectRef idx="0">
+            <a:schemeClr val="accent1"/>
+          </a:effectRef>
+          <a:fontRef idx="minor">
+            <a:schemeClr val="tx1"/>
+          </a:fontRef>
+        </p:style>
+      </p:cxnSp>
+      <p:cxnSp>
+        <p:nvCxnSpPr>
+          <p:cNvPr id="116" name="Shape 115"/>
+          <p:cNvCxnSpPr>
+            <a:stCxn id="212" idx="2"/>
+            <a:endCxn id="254" idx="3"/>
+          </p:cNvCxnSpPr>
+          <p:nvPr/>
+        </p:nvCxnSpPr>
+        <p:spPr>
+          <a:xfrm rot="5400000">
+            <a:off x="6826802" y="2948979"/>
+            <a:ext cx="4754764" cy="1533105"/>
+          </a:xfrm>
+          <a:prstGeom prst="bentConnector2">
+            <a:avLst/>
+          </a:prstGeom>
+          <a:ln w="38100">
+            <a:tailEnd type="arrow"/>
+          </a:ln>
+        </p:spPr>
+        <p:style>
+          <a:lnRef idx="1">
+            <a:schemeClr val="accent1"/>
+          </a:lnRef>
+          <a:fillRef idx="0">
+            <a:schemeClr val="accent1"/>
+          </a:fillRef>
+          <a:effectRef idx="0">
+            <a:schemeClr val="accent1"/>
+          </a:effectRef>
+          <a:fontRef idx="minor">
+            <a:schemeClr val="tx1"/>
+          </a:fontRef>
+        </p:style>
+      </p:cxnSp>
+      <p:cxnSp>
+        <p:nvCxnSpPr>
+          <p:cNvPr id="122" name="Shape 121"/>
+          <p:cNvCxnSpPr>
+            <a:stCxn id="185" idx="0"/>
+            <a:endCxn id="202" idx="1"/>
+          </p:cNvCxnSpPr>
+          <p:nvPr/>
+        </p:nvCxnSpPr>
+        <p:spPr>
+          <a:xfrm rot="5400000" flipH="1" flipV="1">
+            <a:off x="2305346" y="1680614"/>
+            <a:ext cx="1460069" cy="1046185"/>
+          </a:xfrm>
+          <a:prstGeom prst="bentConnector2">
+            <a:avLst/>
+          </a:prstGeom>
+          <a:ln w="38100">
+            <a:tailEnd type="arrow"/>
+          </a:ln>
+        </p:spPr>
+        <p:style>
+          <a:lnRef idx="1">
+            <a:schemeClr val="accent1"/>
+          </a:lnRef>
+          <a:fillRef idx="0">
+            <a:schemeClr val="accent1"/>
+          </a:fillRef>
+          <a:effectRef idx="0">
+            <a:schemeClr val="accent1"/>
+          </a:effectRef>
+          <a:fontRef idx="minor">
+            <a:schemeClr val="tx1"/>
+          </a:fontRef>
+        </p:style>
+      </p:cxnSp>
+      <p:sp>
+        <p:nvSpPr>
+          <p:cNvPr id="125" name="Oval 124"/>
+          <p:cNvSpPr/>
+          <p:nvPr/>
+        </p:nvSpPr>
+        <p:spPr>
+          <a:xfrm>
+            <a:off x="3961615" y="228600"/>
+            <a:ext cx="228600" cy="228600"/>
+          </a:xfrm>
+          <a:prstGeom prst="ellipse">
+            <a:avLst/>
+          </a:prstGeom>
+          <a:solidFill>
+            <a:schemeClr val="bg1"/>
+          </a:solidFill>
+        </p:spPr>
+        <p:style>
+          <a:lnRef idx="2">
+            <a:schemeClr val="accent1">
+              <a:shade val="50000"/>
+            </a:schemeClr>
+          </a:lnRef>
+          <a:fillRef idx="1">
+            <a:schemeClr val="accent1"/>
+          </a:fillRef>
+          <a:effectRef idx="0">
+            <a:schemeClr val="accent1"/>
+          </a:effectRef>
+          <a:fontRef idx="minor">
+            <a:schemeClr val="lt1"/>
+          </a:fontRef>
+        </p:style>
+        <p:txBody>
+          <a:bodyPr rtlCol="0" anchor="ctr"/>
+          <a:lstStyle/>
+          <a:p>
+            <a:pPr algn="ctr"/>
+            <a:endParaRPr lang="en-CA" dirty="0">
+              <a:solidFill>
+                <a:schemeClr val="tx2"/>
+              </a:solidFill>
+            </a:endParaRPr>
+          </a:p>
+        </p:txBody>
+      </p:sp>
+      <p:sp>
+        <p:nvSpPr>
+          <p:cNvPr id="126" name="Oval 125"/>
+          <p:cNvSpPr/>
+          <p:nvPr/>
+        </p:nvSpPr>
+        <p:spPr>
+          <a:xfrm>
+            <a:off x="3961615" y="5107371"/>
+            <a:ext cx="228600" cy="228600"/>
+          </a:xfrm>
+          <a:prstGeom prst="ellipse">
+            <a:avLst/>
+          </a:prstGeom>
+          <a:solidFill>
+            <a:schemeClr val="bg1"/>
+          </a:solidFill>
+          <a:ln w="76200"/>
+        </p:spPr>
+        <p:style>
+          <a:lnRef idx="2">
+            <a:schemeClr val="accent1">
+              <a:shade val="50000"/>
+            </a:schemeClr>
+          </a:lnRef>
+          <a:fillRef idx="1">
+            <a:schemeClr val="accent1"/>
+          </a:fillRef>
+          <a:effectRef idx="0">
+            <a:schemeClr val="accent1"/>
+          </a:effectRef>
+          <a:fontRef idx="minor">
+            <a:schemeClr val="lt1"/>
+          </a:fontRef>
+        </p:style>
+        <p:txBody>
+          <a:bodyPr rtlCol="0" anchor="ctr"/>
+          <a:lstStyle/>
+          <a:p>
+            <a:pPr algn="ctr"/>
+            <a:endParaRPr lang="en-CA" dirty="0">
+              <a:solidFill>
+                <a:schemeClr val="tx2"/>
+              </a:solidFill>
+            </a:endParaRPr>
+          </a:p>
+        </p:txBody>
+      </p:sp>
+      <p:sp>
+        <p:nvSpPr>
+          <p:cNvPr id="137" name="Flowchart: Decision 136"/>
+          <p:cNvSpPr/>
+          <p:nvPr/>
+        </p:nvSpPr>
+        <p:spPr>
+          <a:xfrm>
+            <a:off x="7873718" y="4085996"/>
+            <a:ext cx="381000" cy="381000"/>
+          </a:xfrm>
+          <a:prstGeom prst="flowChartDecision">
+            <a:avLst/>
+          </a:prstGeom>
+          <a:solidFill>
+            <a:schemeClr val="bg1"/>
+          </a:solidFill>
+        </p:spPr>
+        <p:style>
+          <a:lnRef idx="2">
+            <a:schemeClr val="accent1">
+              <a:shade val="50000"/>
+            </a:schemeClr>
+          </a:lnRef>
+          <a:fillRef idx="1">
+            <a:schemeClr val="accent1"/>
+          </a:fillRef>
+          <a:effectRef idx="0">
+            <a:schemeClr val="accent1"/>
+          </a:effectRef>
+          <a:fontRef idx="minor">
+            <a:schemeClr val="lt1"/>
+          </a:fontRef>
+        </p:style>
+        <p:txBody>
+          <a:bodyPr rtlCol="0" anchor="ctr"/>
+          <a:lstStyle/>
+          <a:p>
+            <a:pPr algn="ctr"/>
+            <a:endParaRPr lang="en-CA" dirty="0">
+              <a:solidFill>
+                <a:schemeClr val="tx2"/>
+              </a:solidFill>
+            </a:endParaRPr>
+          </a:p>
+        </p:txBody>
+      </p:sp>
+      <p:cxnSp>
+        <p:nvCxnSpPr>
+          <p:cNvPr id="139" name="Straight Arrow Connector 138"/>
+          <p:cNvCxnSpPr>
+            <a:stCxn id="137" idx="3"/>
+            <a:endCxn id="242" idx="1"/>
+          </p:cNvCxnSpPr>
+          <p:nvPr/>
+        </p:nvCxnSpPr>
+        <p:spPr>
+          <a:xfrm>
+            <a:off x="8254718" y="4276497"/>
+            <a:ext cx="637754" cy="1"/>
+          </a:xfrm>
+          <a:prstGeom prst="straightConnector1">
+            <a:avLst/>
+          </a:prstGeom>
+          <a:ln w="38100">
+            <a:tailEnd type="arrow"/>
+          </a:ln>
+        </p:spPr>
+        <p:style>
+          <a:lnRef idx="1">
+            <a:schemeClr val="accent1"/>
+          </a:lnRef>
+          <a:fillRef idx="0">
+            <a:schemeClr val="accent1"/>
+          </a:fillRef>
+          <a:effectRef idx="0">
+            <a:schemeClr val="accent1"/>
+          </a:effectRef>
+          <a:fontRef idx="minor">
+            <a:schemeClr val="tx1"/>
+          </a:fontRef>
+        </p:style>
+      </p:cxnSp>
+      <p:cxnSp>
+        <p:nvCxnSpPr>
+          <p:cNvPr id="142" name="Shape 141"/>
+          <p:cNvCxnSpPr>
+            <a:stCxn id="137" idx="2"/>
+            <a:endCxn id="254" idx="0"/>
+          </p:cNvCxnSpPr>
+          <p:nvPr/>
+        </p:nvCxnSpPr>
+        <p:spPr>
+          <a:xfrm rot="16200000" flipH="1">
+            <a:off x="7481404" y="5049810"/>
+            <a:ext cx="1165628" cy="1"/>
+          </a:xfrm>
+          <a:prstGeom prst="bentConnector3">
+            <a:avLst>
+              <a:gd name="adj1" fmla="val 50000"/>
+            </a:avLst>
+          </a:prstGeom>
+          <a:ln w="38100">
+            <a:tailEnd type="arrow"/>
+          </a:ln>
+        </p:spPr>
+        <p:style>
+          <a:lnRef idx="1">
+            <a:schemeClr val="accent1"/>
+          </a:lnRef>
+          <a:fillRef idx="0">
+            <a:schemeClr val="accent1"/>
+          </a:fillRef>
+          <a:effectRef idx="0">
+            <a:schemeClr val="accent1"/>
+          </a:effectRef>
+          <a:fontRef idx="minor">
+            <a:schemeClr val="tx1"/>
+          </a:fontRef>
+        </p:style>
+      </p:cxnSp>
+      <p:cxnSp>
+        <p:nvCxnSpPr>
+          <p:cNvPr id="145" name="Shape 141"/>
+          <p:cNvCxnSpPr>
+            <a:stCxn id="242" idx="2"/>
+            <a:endCxn id="254" idx="3"/>
+          </p:cNvCxnSpPr>
+          <p:nvPr/>
+        </p:nvCxnSpPr>
+        <p:spPr>
+          <a:xfrm rot="5400000">
+            <a:off x="8197320" y="4958047"/>
+            <a:ext cx="1375179" cy="894553"/>
+          </a:xfrm>
+          <a:prstGeom prst="bentConnector2">
+            <a:avLst/>
+          </a:prstGeom>
+          <a:ln w="38100">
+            <a:tailEnd type="arrow"/>
+          </a:ln>
+        </p:spPr>
+        <p:style>
+          <a:lnRef idx="1">
+            <a:schemeClr val="accent1"/>
+          </a:lnRef>
+          <a:fillRef idx="0">
+            <a:schemeClr val="accent1"/>
+          </a:fillRef>
+          <a:effectRef idx="0">
+            <a:schemeClr val="accent1"/>
+          </a:effectRef>
+          <a:fontRef idx="minor">
+            <a:schemeClr val="tx1"/>
+          </a:fontRef>
+        </p:style>
+      </p:cxnSp>
+      <p:cxnSp>
+        <p:nvCxnSpPr>
+          <p:cNvPr id="151" name="Shape 141"/>
+          <p:cNvCxnSpPr>
+            <a:stCxn id="185" idx="3"/>
+            <a:endCxn id="126" idx="2"/>
+          </p:cNvCxnSpPr>
+          <p:nvPr/>
+        </p:nvCxnSpPr>
+        <p:spPr>
+          <a:xfrm>
+            <a:off x="2702787" y="3124239"/>
+            <a:ext cx="1258828" cy="2097432"/>
+          </a:xfrm>
+          <a:prstGeom prst="bentConnector3">
+            <a:avLst>
+              <a:gd name="adj1" fmla="val 50000"/>
+            </a:avLst>
+          </a:prstGeom>
+          <a:ln w="38100">
+            <a:tailEnd type="arrow"/>
+          </a:ln>
+        </p:spPr>
+        <p:style>
+          <a:lnRef idx="1">
+            <a:schemeClr val="accent1"/>
+          </a:lnRef>
+          <a:fillRef idx="0">
+            <a:schemeClr val="accent1"/>
+          </a:fillRef>
+          <a:effectRef idx="0">
+            <a:schemeClr val="accent1"/>
+          </a:effectRef>
+          <a:fontRef idx="minor">
+            <a:schemeClr val="tx1"/>
+          </a:fontRef>
+        </p:style>
+      </p:cxnSp>
+      <p:sp>
+        <p:nvSpPr>
+          <p:cNvPr id="159" name="Flowchart: Decision 158"/>
+          <p:cNvSpPr/>
+          <p:nvPr/>
+        </p:nvSpPr>
+        <p:spPr>
+          <a:xfrm>
+            <a:off x="6652994" y="2933739"/>
+            <a:ext cx="381000" cy="381000"/>
+          </a:xfrm>
+          <a:prstGeom prst="flowChartDecision">
+            <a:avLst/>
+          </a:prstGeom>
+          <a:solidFill>
+            <a:schemeClr val="bg1"/>
+          </a:solidFill>
+        </p:spPr>
+        <p:style>
+          <a:lnRef idx="2">
+            <a:schemeClr val="accent1">
+              <a:shade val="50000"/>
+            </a:schemeClr>
+          </a:lnRef>
+          <a:fillRef idx="1">
+            <a:schemeClr val="accent1"/>
+          </a:fillRef>
+          <a:effectRef idx="0">
+            <a:schemeClr val="accent1"/>
+          </a:effectRef>
+          <a:fontRef idx="minor">
+            <a:schemeClr val="lt1"/>
+          </a:fontRef>
+        </p:style>
+        <p:txBody>
+          <a:bodyPr rtlCol="0" anchor="ctr"/>
+          <a:lstStyle/>
+          <a:p>
+            <a:pPr algn="ctr"/>
+            <a:endParaRPr lang="en-CA" dirty="0">
+              <a:solidFill>
+                <a:schemeClr val="tx2"/>
+              </a:solidFill>
+            </a:endParaRPr>
+          </a:p>
+        </p:txBody>
+      </p:sp>
+      <p:cxnSp>
+        <p:nvCxnSpPr>
+          <p:cNvPr id="161" name="Straight Arrow Connector 160"/>
+          <p:cNvCxnSpPr>
+            <a:stCxn id="159" idx="1"/>
+          </p:cNvCxnSpPr>
+          <p:nvPr/>
+        </p:nvCxnSpPr>
+        <p:spPr>
+          <a:xfrm flipH="1" flipV="1">
+            <a:off x="5692074" y="3124201"/>
+            <a:ext cx="960920" cy="39"/>
+          </a:xfrm>
+          <a:prstGeom prst="straightConnector1">
+            <a:avLst/>
+          </a:prstGeom>
+          <a:ln w="38100">
+            <a:tailEnd type="arrow"/>
+          </a:ln>
+        </p:spPr>
+        <p:style>
+          <a:lnRef idx="1">
+            <a:schemeClr val="accent1"/>
+          </a:lnRef>
+          <a:fillRef idx="0">
+            <a:schemeClr val="accent1"/>
+          </a:fillRef>
+          <a:effectRef idx="0">
+            <a:schemeClr val="accent1"/>
+          </a:effectRef>
+          <a:fontRef idx="minor">
+            <a:schemeClr val="tx1"/>
+          </a:fontRef>
+        </p:style>
+      </p:cxnSp>
+      <p:cxnSp>
+        <p:nvCxnSpPr>
+          <p:cNvPr id="164" name="Straight Arrow Connector 163"/>
+          <p:cNvCxnSpPr>
+            <a:stCxn id="159" idx="2"/>
+            <a:endCxn id="265" idx="0"/>
+          </p:cNvCxnSpPr>
+          <p:nvPr/>
+        </p:nvCxnSpPr>
+        <p:spPr>
+          <a:xfrm>
+            <a:off x="6843495" y="3314739"/>
+            <a:ext cx="1" cy="530428"/>
+          </a:xfrm>
+          <a:prstGeom prst="straightConnector1">
+            <a:avLst/>
+          </a:prstGeom>
+          <a:ln w="38100">
+            <a:tailEnd type="arrow"/>
+          </a:ln>
+        </p:spPr>
+        <p:style>
+          <a:lnRef idx="1">
+            <a:schemeClr val="accent1"/>
+          </a:lnRef>
+          <a:fillRef idx="0">
+            <a:schemeClr val="accent1"/>
+          </a:fillRef>
+          <a:effectRef idx="0">
+            <a:schemeClr val="accent1"/>
+          </a:effectRef>
+          <a:fontRef idx="minor">
+            <a:schemeClr val="tx1"/>
+          </a:fontRef>
+        </p:style>
+      </p:cxnSp>
+      <p:cxnSp>
+        <p:nvCxnSpPr>
+          <p:cNvPr id="172" name="Straight Arrow Connector 171"/>
+          <p:cNvCxnSpPr>
+            <a:stCxn id="245" idx="0"/>
+            <a:endCxn id="275" idx="2"/>
+          </p:cNvCxnSpPr>
+          <p:nvPr/>
+        </p:nvCxnSpPr>
+        <p:spPr>
+          <a:xfrm flipV="1">
+            <a:off x="2512288" y="4752026"/>
+            <a:ext cx="0" cy="919464"/>
+          </a:xfrm>
+          <a:prstGeom prst="straightConnector1">
+            <a:avLst/>
+          </a:prstGeom>
+          <a:ln w="38100">
+            <a:prstDash val="dash"/>
+            <a:tailEnd type="arrow"/>
+          </a:ln>
+        </p:spPr>
+        <p:style>
+          <a:lnRef idx="1">
+            <a:schemeClr val="accent1"/>
+          </a:lnRef>
+          <a:fillRef idx="0">
+            <a:schemeClr val="accent1"/>
+          </a:fillRef>
+          <a:effectRef idx="0">
+            <a:schemeClr val="accent1"/>
+          </a:effectRef>
+          <a:fontRef idx="minor">
+            <a:schemeClr val="tx1"/>
+          </a:fontRef>
+        </p:style>
+      </p:cxnSp>
+      <p:sp>
+        <p:nvSpPr>
+          <p:cNvPr id="178" name="Flowchart: Decision 177"/>
+          <p:cNvSpPr/>
+          <p:nvPr/>
+        </p:nvSpPr>
+        <p:spPr>
+          <a:xfrm>
+            <a:off x="3885415" y="5902412"/>
+            <a:ext cx="381000" cy="381000"/>
+          </a:xfrm>
+          <a:prstGeom prst="flowChartDecision">
+            <a:avLst/>
+          </a:prstGeom>
+          <a:solidFill>
+            <a:schemeClr val="bg1"/>
+          </a:solidFill>
+        </p:spPr>
+        <p:style>
+          <a:lnRef idx="2">
+            <a:schemeClr val="accent1">
+              <a:shade val="50000"/>
+            </a:schemeClr>
+          </a:lnRef>
+          <a:fillRef idx="1">
+            <a:schemeClr val="accent1"/>
+          </a:fillRef>
+          <a:effectRef idx="0">
+            <a:schemeClr val="accent1"/>
+          </a:effectRef>
+          <a:fontRef idx="minor">
+            <a:schemeClr val="lt1"/>
+          </a:fontRef>
+        </p:style>
+        <p:txBody>
+          <a:bodyPr rtlCol="0" anchor="ctr"/>
+          <a:lstStyle/>
+          <a:p>
+            <a:pPr algn="ctr"/>
+            <a:endParaRPr lang="en-CA" dirty="0">
+              <a:solidFill>
+                <a:schemeClr val="tx2"/>
+              </a:solidFill>
+            </a:endParaRPr>
+          </a:p>
+        </p:txBody>
+      </p:sp>
+      <p:cxnSp>
+        <p:nvCxnSpPr>
+          <p:cNvPr id="180" name="Straight Arrow Connector 179"/>
+          <p:cNvCxnSpPr>
+            <a:stCxn id="178" idx="1"/>
+            <a:endCxn id="245" idx="3"/>
+          </p:cNvCxnSpPr>
+          <p:nvPr/>
+        </p:nvCxnSpPr>
+        <p:spPr>
+          <a:xfrm flipH="1">
+            <a:off x="2990103" y="6092913"/>
+            <a:ext cx="895312" cy="1"/>
+          </a:xfrm>
+          <a:prstGeom prst="straightConnector1">
+            <a:avLst/>
+          </a:prstGeom>
+          <a:ln w="38100">
+            <a:tailEnd type="arrow"/>
+          </a:ln>
+        </p:spPr>
+        <p:style>
+          <a:lnRef idx="1">
+            <a:schemeClr val="accent1"/>
+          </a:lnRef>
+          <a:fillRef idx="0">
+            <a:schemeClr val="accent1"/>
+          </a:fillRef>
+          <a:effectRef idx="0">
+            <a:schemeClr val="accent1"/>
+          </a:effectRef>
+          <a:fontRef idx="minor">
+            <a:schemeClr val="tx1"/>
+          </a:fontRef>
+        </p:style>
+      </p:cxnSp>
+      <p:sp>
+        <p:nvSpPr>
+          <p:cNvPr id="185" name="Flowchart: Decision 184"/>
+          <p:cNvSpPr/>
+          <p:nvPr/>
+        </p:nvSpPr>
+        <p:spPr>
+          <a:xfrm>
+            <a:off x="2321787" y="2933739"/>
+            <a:ext cx="381000" cy="381000"/>
+          </a:xfrm>
+          <a:prstGeom prst="flowChartDecision">
+            <a:avLst/>
+          </a:prstGeom>
+          <a:solidFill>
+            <a:schemeClr val="bg1"/>
+          </a:solidFill>
+        </p:spPr>
+        <p:style>
+          <a:lnRef idx="2">
+            <a:schemeClr val="accent1">
+              <a:shade val="50000"/>
+            </a:schemeClr>
+          </a:lnRef>
+          <a:fillRef idx="1">
+            <a:schemeClr val="accent1"/>
+          </a:fillRef>
+          <a:effectRef idx="0">
+            <a:schemeClr val="accent1"/>
+          </a:effectRef>
+          <a:fontRef idx="minor">
+            <a:schemeClr val="lt1"/>
+          </a:fontRef>
+        </p:style>
+        <p:txBody>
+          <a:bodyPr rtlCol="0" anchor="ctr"/>
+          <a:lstStyle/>
+          <a:p>
+            <a:pPr algn="ctr"/>
+            <a:endParaRPr lang="en-CA" dirty="0">
+              <a:solidFill>
+                <a:schemeClr val="tx2"/>
+              </a:solidFill>
+            </a:endParaRPr>
+          </a:p>
+        </p:txBody>
+      </p:sp>
+      <p:cxnSp>
+        <p:nvCxnSpPr>
+          <p:cNvPr id="187" name="Straight Arrow Connector 186"/>
+          <p:cNvCxnSpPr>
+            <a:stCxn id="275" idx="0"/>
+            <a:endCxn id="185" idx="2"/>
+          </p:cNvCxnSpPr>
+          <p:nvPr/>
+        </p:nvCxnSpPr>
+        <p:spPr>
+          <a:xfrm flipH="1" flipV="1">
+            <a:off x="2512288" y="3314739"/>
+            <a:ext cx="1" cy="486228"/>
+          </a:xfrm>
+          <a:prstGeom prst="straightConnector1">
+            <a:avLst/>
+          </a:prstGeom>
+          <a:ln w="38100">
+            <a:tailEnd type="arrow"/>
+          </a:ln>
+        </p:spPr>
+        <p:style>
+          <a:lnRef idx="1">
+            <a:schemeClr val="accent1"/>
+          </a:lnRef>
+          <a:fillRef idx="0">
+            <a:schemeClr val="accent1"/>
+          </a:fillRef>
+          <a:effectRef idx="0">
+            <a:schemeClr val="accent1"/>
+          </a:effectRef>
+          <a:fontRef idx="minor">
+            <a:schemeClr val="tx1"/>
+          </a:fontRef>
+        </p:style>
+      </p:cxnSp>
+      <p:cxnSp>
+        <p:nvCxnSpPr>
+          <p:cNvPr id="199" name="Straight Arrow Connector 198"/>
+          <p:cNvCxnSpPr>
+            <a:stCxn id="178" idx="0"/>
+            <a:endCxn id="126" idx="4"/>
+          </p:cNvCxnSpPr>
+          <p:nvPr/>
+        </p:nvCxnSpPr>
+        <p:spPr>
+          <a:xfrm flipV="1">
+            <a:off x="4075915" y="5335972"/>
+            <a:ext cx="0" cy="566441"/>
+          </a:xfrm>
+          <a:prstGeom prst="straightConnector1">
+            <a:avLst/>
+          </a:prstGeom>
+          <a:ln w="38100">
+            <a:tailEnd type="arrow"/>
+          </a:ln>
+        </p:spPr>
+        <p:style>
+          <a:lnRef idx="1">
+            <a:schemeClr val="accent1"/>
+          </a:lnRef>
+          <a:fillRef idx="0">
+            <a:schemeClr val="accent1"/>
+          </a:fillRef>
+          <a:effectRef idx="0">
+            <a:schemeClr val="accent1"/>
+          </a:effectRef>
+          <a:fontRef idx="minor">
+            <a:schemeClr val="tx1"/>
+          </a:fontRef>
+        </p:style>
+      </p:cxnSp>
+      <p:pic>
+        <p:nvPicPr>
+          <p:cNvPr id="202" name="Picture 5"/>
+          <p:cNvPicPr>
+            <a:picLocks noChangeAspect="1" noChangeArrowheads="1"/>
+          </p:cNvPicPr>
+          <p:nvPr/>
+        </p:nvPicPr>
+        <p:blipFill>
+          <a:blip r:embed="rId2" cstate="print"/>
+          <a:srcRect/>
+          <a:stretch>
+            <a:fillRect/>
+          </a:stretch>
+        </p:blipFill>
+        <p:spPr bwMode="auto">
+          <a:xfrm>
+            <a:off x="3558472" y="1046913"/>
+            <a:ext cx="1034886" cy="853514"/>
+          </a:xfrm>
+          <a:prstGeom prst="rect">
+            <a:avLst/>
+          </a:prstGeom>
+          <a:noFill/>
+          <a:ln w="9525">
+            <a:noFill/>
+            <a:miter lim="800000"/>
+            <a:headEnd/>
+            <a:tailEnd/>
+          </a:ln>
+          <a:effectLst/>
+        </p:spPr>
+      </p:pic>
+      <p:pic>
+        <p:nvPicPr>
+          <p:cNvPr id="206" name="Picture 6"/>
+          <p:cNvPicPr>
+            <a:picLocks noChangeAspect="1" noChangeArrowheads="1"/>
+          </p:cNvPicPr>
+          <p:nvPr/>
+        </p:nvPicPr>
+        <p:blipFill>
+          <a:blip r:embed="rId3" cstate="print"/>
+          <a:srcRect/>
+          <a:stretch>
+            <a:fillRect/>
+          </a:stretch>
+        </p:blipFill>
+        <p:spPr bwMode="auto">
+          <a:xfrm>
+            <a:off x="5066476" y="1042342"/>
+            <a:ext cx="813887" cy="862659"/>
+          </a:xfrm>
+          <a:prstGeom prst="rect">
+            <a:avLst/>
+          </a:prstGeom>
+          <a:noFill/>
+          <a:ln w="9525">
+            <a:noFill/>
+            <a:miter lim="800000"/>
+            <a:headEnd/>
+            <a:tailEnd/>
+          </a:ln>
+          <a:effectLst/>
+        </p:spPr>
+      </p:pic>
+      <p:pic>
+        <p:nvPicPr>
+          <p:cNvPr id="209" name="Picture 6"/>
+          <p:cNvPicPr>
+            <a:picLocks noChangeAspect="1" noChangeArrowheads="1"/>
+          </p:cNvPicPr>
+          <p:nvPr/>
+        </p:nvPicPr>
+        <p:blipFill>
+          <a:blip r:embed="rId4" cstate="print"/>
+          <a:srcRect/>
+          <a:stretch>
+            <a:fillRect/>
+          </a:stretch>
+        </p:blipFill>
+        <p:spPr bwMode="auto">
+          <a:xfrm>
+            <a:off x="7669469" y="595896"/>
+            <a:ext cx="789501" cy="603556"/>
+          </a:xfrm>
+          <a:prstGeom prst="rect">
+            <a:avLst/>
+          </a:prstGeom>
+          <a:noFill/>
+          <a:ln w="9525">
+            <a:noFill/>
+            <a:miter lim="800000"/>
+            <a:headEnd/>
+            <a:tailEnd/>
+          </a:ln>
+          <a:effectLst/>
+        </p:spPr>
+      </p:pic>
+      <p:pic>
+        <p:nvPicPr>
+          <p:cNvPr id="212" name="Picture 8"/>
+          <p:cNvPicPr>
+            <a:picLocks noChangeAspect="1" noChangeArrowheads="1"/>
+          </p:cNvPicPr>
+          <p:nvPr/>
+        </p:nvPicPr>
+        <p:blipFill>
+          <a:blip r:embed="rId5" cstate="print"/>
+          <a:srcRect/>
+          <a:stretch>
+            <a:fillRect/>
+          </a:stretch>
+        </p:blipFill>
+        <p:spPr bwMode="auto">
+          <a:xfrm>
+            <a:off x="9578272" y="457200"/>
+            <a:ext cx="784928" cy="880948"/>
+          </a:xfrm>
+          <a:prstGeom prst="rect">
+            <a:avLst/>
+          </a:prstGeom>
+          <a:noFill/>
+          <a:ln w="9525">
+            <a:noFill/>
+            <a:miter lim="800000"/>
+            <a:headEnd/>
+            <a:tailEnd/>
+          </a:ln>
+          <a:effectLst/>
+        </p:spPr>
+      </p:pic>
+      <p:pic>
+        <p:nvPicPr>
+          <p:cNvPr id="218" name="Picture 4"/>
+          <p:cNvPicPr>
+            <a:picLocks noChangeAspect="1" noChangeArrowheads="1"/>
+          </p:cNvPicPr>
+          <p:nvPr/>
+        </p:nvPicPr>
+        <p:blipFill>
+          <a:blip r:embed="rId6" cstate="print"/>
+          <a:srcRect/>
+          <a:stretch>
+            <a:fillRect/>
+          </a:stretch>
+        </p:blipFill>
+        <p:spPr bwMode="auto">
+          <a:xfrm>
+            <a:off x="3703266" y="2667001"/>
+            <a:ext cx="745301" cy="914479"/>
+          </a:xfrm>
+          <a:prstGeom prst="rect">
+            <a:avLst/>
+          </a:prstGeom>
+          <a:noFill/>
+          <a:ln w="9525">
+            <a:noFill/>
+            <a:miter lim="800000"/>
+            <a:headEnd/>
+            <a:tailEnd/>
+          </a:ln>
+          <a:effectLst/>
+        </p:spPr>
+      </p:pic>
+      <p:pic>
+        <p:nvPicPr>
+          <p:cNvPr id="223" name="Picture 26"/>
+          <p:cNvPicPr>
+            <a:picLocks noChangeAspect="1" noChangeArrowheads="1"/>
+          </p:cNvPicPr>
+          <p:nvPr/>
+        </p:nvPicPr>
+        <p:blipFill>
+          <a:blip r:embed="rId7" cstate="print"/>
+          <a:srcRect/>
+          <a:stretch>
+            <a:fillRect/>
+          </a:stretch>
+        </p:blipFill>
+        <p:spPr bwMode="auto">
+          <a:xfrm>
+            <a:off x="5143445" y="2667001"/>
+            <a:ext cx="659949" cy="914479"/>
+          </a:xfrm>
+          <a:prstGeom prst="rect">
+            <a:avLst/>
+          </a:prstGeom>
+          <a:noFill/>
+          <a:ln w="9525">
+            <a:noFill/>
+            <a:miter lim="800000"/>
+            <a:headEnd/>
+            <a:tailEnd/>
+          </a:ln>
+          <a:effectLst/>
+        </p:spPr>
+      </p:pic>
+      <p:pic>
+        <p:nvPicPr>
+          <p:cNvPr id="226" name="Picture 28"/>
+          <p:cNvPicPr>
+            <a:picLocks noChangeAspect="1" noChangeArrowheads="1"/>
+          </p:cNvPicPr>
+          <p:nvPr/>
+        </p:nvPicPr>
+        <p:blipFill>
+          <a:blip r:embed="rId8" cstate="print"/>
+          <a:srcRect/>
+          <a:stretch>
+            <a:fillRect/>
+          </a:stretch>
+        </p:blipFill>
+        <p:spPr bwMode="auto">
+          <a:xfrm>
+            <a:off x="7597073" y="2740159"/>
+            <a:ext cx="934293" cy="768163"/>
+          </a:xfrm>
+          <a:prstGeom prst="rect">
+            <a:avLst/>
+          </a:prstGeom>
+          <a:noFill/>
+          <a:ln w="9525">
+            <a:noFill/>
+            <a:miter lim="800000"/>
+            <a:headEnd/>
+            <a:tailEnd/>
+          </a:ln>
+          <a:effectLst/>
+        </p:spPr>
+      </p:pic>
+      <p:pic>
+        <p:nvPicPr>
+          <p:cNvPr id="235" name="Picture 28"/>
+          <p:cNvPicPr>
+            <a:picLocks noChangeAspect="1" noChangeArrowheads="1"/>
+          </p:cNvPicPr>
+          <p:nvPr/>
+        </p:nvPicPr>
+        <p:blipFill>
+          <a:blip r:embed="rId8" cstate="print"/>
+          <a:srcRect/>
+          <a:stretch>
+            <a:fillRect/>
+          </a:stretch>
+        </p:blipFill>
+        <p:spPr bwMode="auto">
+          <a:xfrm>
+            <a:off x="5006273" y="3892416"/>
+            <a:ext cx="934293" cy="768163"/>
+          </a:xfrm>
+          <a:prstGeom prst="rect">
+            <a:avLst/>
+          </a:prstGeom>
+          <a:noFill/>
+          <a:ln w="9525">
+            <a:noFill/>
+            <a:miter lim="800000"/>
+            <a:headEnd/>
+            <a:tailEnd/>
+          </a:ln>
+          <a:effectLst/>
+        </p:spPr>
+      </p:pic>
+      <p:pic>
+        <p:nvPicPr>
+          <p:cNvPr id="242" name="Picture 5"/>
+          <p:cNvPicPr>
+            <a:picLocks noChangeAspect="1" noChangeArrowheads="1"/>
+          </p:cNvPicPr>
+          <p:nvPr/>
+        </p:nvPicPr>
+        <p:blipFill>
+          <a:blip r:embed="rId9" cstate="print"/>
+          <a:srcRect/>
+          <a:stretch>
+            <a:fillRect/>
+          </a:stretch>
+        </p:blipFill>
+        <p:spPr bwMode="auto">
+          <a:xfrm>
+            <a:off x="8892472" y="3835261"/>
+            <a:ext cx="879424" cy="882473"/>
+          </a:xfrm>
+          <a:prstGeom prst="rect">
+            <a:avLst/>
+          </a:prstGeom>
+          <a:noFill/>
+          <a:ln w="9525">
+            <a:noFill/>
+            <a:miter lim="800000"/>
+            <a:headEnd/>
+            <a:tailEnd/>
+          </a:ln>
+          <a:effectLst/>
+        </p:spPr>
+      </p:pic>
+      <p:pic>
+        <p:nvPicPr>
+          <p:cNvPr id="245" name="Picture 8"/>
+          <p:cNvPicPr>
+            <a:picLocks noChangeAspect="1" noChangeArrowheads="1"/>
+          </p:cNvPicPr>
+          <p:nvPr/>
+        </p:nvPicPr>
+        <p:blipFill>
+          <a:blip r:embed="rId10" cstate="print"/>
+          <a:srcRect/>
+          <a:stretch>
+            <a:fillRect/>
+          </a:stretch>
+        </p:blipFill>
+        <p:spPr bwMode="auto">
+          <a:xfrm>
+            <a:off x="2034473" y="5671491"/>
+            <a:ext cx="955631" cy="842845"/>
+          </a:xfrm>
+          <a:prstGeom prst="rect">
+            <a:avLst/>
+          </a:prstGeom>
+          <a:noFill/>
+          <a:ln w="9525">
+            <a:noFill/>
+            <a:miter lim="800000"/>
+            <a:headEnd/>
+            <a:tailEnd/>
+          </a:ln>
+          <a:effectLst/>
+        </p:spPr>
+      </p:pic>
+      <p:pic>
+        <p:nvPicPr>
+          <p:cNvPr id="248" name="Picture 6"/>
+          <p:cNvPicPr>
+            <a:picLocks noChangeAspect="1" noChangeArrowheads="1"/>
+          </p:cNvPicPr>
+          <p:nvPr/>
+        </p:nvPicPr>
+        <p:blipFill>
+          <a:blip r:embed="rId11" cstate="print"/>
+          <a:srcRect/>
+          <a:stretch>
+            <a:fillRect/>
+          </a:stretch>
+        </p:blipFill>
+        <p:spPr bwMode="auto">
+          <a:xfrm>
+            <a:off x="5160209" y="5642531"/>
+            <a:ext cx="626418" cy="900762"/>
+          </a:xfrm>
+          <a:prstGeom prst="rect">
+            <a:avLst/>
+          </a:prstGeom>
+          <a:noFill/>
+          <a:ln w="9525">
+            <a:noFill/>
+            <a:miter lim="800000"/>
+            <a:headEnd/>
+            <a:tailEnd/>
+          </a:ln>
+          <a:effectLst/>
+        </p:spPr>
+      </p:pic>
+      <p:pic>
+        <p:nvPicPr>
+          <p:cNvPr id="251" name="Picture 7"/>
+          <p:cNvPicPr>
+            <a:picLocks noChangeAspect="1" noChangeArrowheads="1"/>
+          </p:cNvPicPr>
+          <p:nvPr/>
+        </p:nvPicPr>
+        <p:blipFill>
+          <a:blip r:embed="rId12" cstate="print"/>
+          <a:srcRect/>
+          <a:stretch>
+            <a:fillRect/>
+          </a:stretch>
+        </p:blipFill>
+        <p:spPr bwMode="auto">
+          <a:xfrm>
+            <a:off x="6377873" y="5663869"/>
+            <a:ext cx="931245" cy="858086"/>
+          </a:xfrm>
+          <a:prstGeom prst="rect">
+            <a:avLst/>
+          </a:prstGeom>
+          <a:noFill/>
+          <a:ln w="9525">
+            <a:noFill/>
+            <a:miter lim="800000"/>
+            <a:headEnd/>
+            <a:tailEnd/>
+          </a:ln>
+          <a:effectLst/>
+        </p:spPr>
+      </p:pic>
+      <p:pic>
+        <p:nvPicPr>
+          <p:cNvPr id="254" name="Picture 44"/>
+          <p:cNvPicPr>
+            <a:picLocks noChangeAspect="1" noChangeArrowheads="1"/>
+          </p:cNvPicPr>
+          <p:nvPr/>
+        </p:nvPicPr>
+        <p:blipFill>
+          <a:blip r:embed="rId13" cstate="print"/>
+          <a:srcRect/>
+          <a:stretch>
+            <a:fillRect/>
+          </a:stretch>
+        </p:blipFill>
+        <p:spPr bwMode="auto">
+          <a:xfrm>
+            <a:off x="7690807" y="5632624"/>
+            <a:ext cx="746825" cy="920576"/>
+          </a:xfrm>
+          <a:prstGeom prst="rect">
+            <a:avLst/>
+          </a:prstGeom>
+          <a:noFill/>
+          <a:ln w="9525">
+            <a:noFill/>
+            <a:miter lim="800000"/>
+            <a:headEnd/>
+            <a:tailEnd/>
+          </a:ln>
+          <a:effectLst/>
+        </p:spPr>
+      </p:pic>
+      <p:cxnSp>
+        <p:nvCxnSpPr>
+          <p:cNvPr id="260" name="Shape 141"/>
+          <p:cNvCxnSpPr>
+            <a:stCxn id="60" idx="2"/>
+            <a:endCxn id="254" idx="0"/>
+          </p:cNvCxnSpPr>
+          <p:nvPr/>
+        </p:nvCxnSpPr>
+        <p:spPr>
+          <a:xfrm rot="16200000" flipH="1">
+            <a:off x="5487253" y="3055658"/>
+            <a:ext cx="1165628" cy="3988304"/>
+          </a:xfrm>
+          <a:prstGeom prst="bentConnector3">
+            <a:avLst>
+              <a:gd name="adj1" fmla="val 38093"/>
+            </a:avLst>
+          </a:prstGeom>
+          <a:ln w="38100">
+            <a:tailEnd type="arrow"/>
+          </a:ln>
+        </p:spPr>
+        <p:style>
+          <a:lnRef idx="1">
+            <a:schemeClr val="accent1"/>
+          </a:lnRef>
+          <a:fillRef idx="0">
+            <a:schemeClr val="accent1"/>
+          </a:fillRef>
+          <a:effectRef idx="0">
+            <a:schemeClr val="accent1"/>
+          </a:effectRef>
+          <a:fontRef idx="minor">
+            <a:schemeClr val="tx1"/>
+          </a:fontRef>
+        </p:style>
+      </p:cxnSp>
+      <p:pic>
+        <p:nvPicPr>
+          <p:cNvPr id="265" name="Picture 6"/>
+          <p:cNvPicPr>
+            <a:picLocks noChangeAspect="1" noChangeArrowheads="1"/>
+          </p:cNvPicPr>
+          <p:nvPr/>
+        </p:nvPicPr>
+        <p:blipFill>
+          <a:blip r:embed="rId14" cstate="print"/>
+          <a:srcRect/>
+          <a:stretch>
+            <a:fillRect/>
+          </a:stretch>
+        </p:blipFill>
+        <p:spPr bwMode="auto">
+          <a:xfrm>
+            <a:off x="6504376" y="3845168"/>
+            <a:ext cx="678239" cy="862659"/>
+          </a:xfrm>
+          <a:prstGeom prst="rect">
+            <a:avLst/>
+          </a:prstGeom>
+          <a:noFill/>
+          <a:ln w="9525">
+            <a:noFill/>
+            <a:miter lim="800000"/>
+            <a:headEnd/>
+            <a:tailEnd/>
+          </a:ln>
+          <a:effectLst/>
+        </p:spPr>
+      </p:pic>
+      <p:pic>
+        <p:nvPicPr>
+          <p:cNvPr id="269" name="Picture 6"/>
+          <p:cNvPicPr>
+            <a:picLocks noChangeAspect="1" noChangeArrowheads="1"/>
+          </p:cNvPicPr>
+          <p:nvPr/>
+        </p:nvPicPr>
+        <p:blipFill>
+          <a:blip r:embed="rId15" cstate="print"/>
+          <a:srcRect/>
+          <a:stretch>
+            <a:fillRect/>
+          </a:stretch>
+        </p:blipFill>
+        <p:spPr bwMode="auto">
+          <a:xfrm>
+            <a:off x="8906951" y="1634713"/>
+            <a:ext cx="850466" cy="777307"/>
+          </a:xfrm>
+          <a:prstGeom prst="rect">
+            <a:avLst/>
+          </a:prstGeom>
+          <a:noFill/>
+          <a:ln w="9525">
+            <a:noFill/>
+            <a:miter lim="800000"/>
+            <a:headEnd/>
+            <a:tailEnd/>
+          </a:ln>
+          <a:effectLst/>
+        </p:spPr>
+      </p:pic>
+      <p:pic>
+        <p:nvPicPr>
+          <p:cNvPr id="275" name="Picture 31"/>
+          <p:cNvPicPr>
+            <a:picLocks noChangeAspect="1" noChangeArrowheads="1"/>
+          </p:cNvPicPr>
+          <p:nvPr/>
+        </p:nvPicPr>
+        <p:blipFill>
+          <a:blip r:embed="rId16" cstate="print"/>
+          <a:srcRect/>
+          <a:stretch>
+            <a:fillRect/>
+          </a:stretch>
+        </p:blipFill>
+        <p:spPr bwMode="auto">
+          <a:xfrm>
+            <a:off x="2230324" y="3800968"/>
+            <a:ext cx="563929" cy="951059"/>
+          </a:xfrm>
+          <a:prstGeom prst="rect">
+            <a:avLst/>
+          </a:prstGeom>
+          <a:noFill/>
+          <a:ln w="9525">
+            <a:noFill/>
+            <a:miter lim="800000"/>
+            <a:headEnd/>
+            <a:tailEnd/>
+          </a:ln>
+          <a:effectLst/>
+        </p:spPr>
+      </p:pic>
+      <p:cxnSp>
+        <p:nvCxnSpPr>
+          <p:cNvPr id="283" name="Shape 282"/>
+          <p:cNvCxnSpPr>
+            <a:stCxn id="159" idx="0"/>
+            <a:endCxn id="218" idx="0"/>
+          </p:cNvCxnSpPr>
+          <p:nvPr/>
+        </p:nvCxnSpPr>
+        <p:spPr>
+          <a:xfrm rot="16200000" flipV="1">
+            <a:off x="5326337" y="1416581"/>
+            <a:ext cx="266739" cy="2767578"/>
+          </a:xfrm>
+          <a:prstGeom prst="bentConnector3">
+            <a:avLst>
+              <a:gd name="adj1" fmla="val 226694"/>
+            </a:avLst>
+          </a:prstGeom>
+          <a:ln w="38100">
+            <a:tailEnd type="arrow"/>
+          </a:ln>
+        </p:spPr>
+        <p:style>
+          <a:lnRef idx="1">
+            <a:schemeClr val="accent1"/>
+          </a:lnRef>
+          <a:fillRef idx="0">
+            <a:schemeClr val="accent1"/>
+          </a:fillRef>
+          <a:effectRef idx="0">
+            <a:schemeClr val="accent1"/>
+          </a:effectRef>
+          <a:fontRef idx="minor">
+            <a:schemeClr val="tx1"/>
+          </a:fontRef>
+        </p:style>
+      </p:cxnSp>
+      <p:cxnSp>
+        <p:nvCxnSpPr>
+          <p:cNvPr id="290" name="Shape 282"/>
+          <p:cNvCxnSpPr>
+            <a:stCxn id="206" idx="3"/>
+            <a:endCxn id="23" idx="1"/>
+          </p:cNvCxnSpPr>
+          <p:nvPr/>
+        </p:nvCxnSpPr>
+        <p:spPr>
+          <a:xfrm>
+            <a:off x="5880362" y="1473671"/>
+            <a:ext cx="1993356" cy="549694"/>
+          </a:xfrm>
+          <a:prstGeom prst="bentConnector3">
+            <a:avLst>
+              <a:gd name="adj1" fmla="val 50000"/>
+            </a:avLst>
+          </a:prstGeom>
+          <a:ln w="38100">
+            <a:tailEnd type="arrow"/>
+          </a:ln>
+        </p:spPr>
+        <p:style>
+          <a:lnRef idx="1">
+            <a:schemeClr val="accent1"/>
+          </a:lnRef>
+          <a:fillRef idx="0">
+            <a:schemeClr val="accent1"/>
+          </a:fillRef>
+          <a:effectRef idx="0">
+            <a:schemeClr val="accent1"/>
+          </a:effectRef>
+          <a:fontRef idx="minor">
+            <a:schemeClr val="tx1"/>
+          </a:fontRef>
+        </p:style>
+      </p:cxnSp>
+      <p:cxnSp>
+        <p:nvCxnSpPr>
+          <p:cNvPr id="299" name="Straight Arrow Connector 298"/>
+          <p:cNvCxnSpPr>
+            <a:stCxn id="125" idx="4"/>
+            <a:endCxn id="202" idx="0"/>
+          </p:cNvCxnSpPr>
+          <p:nvPr/>
+        </p:nvCxnSpPr>
+        <p:spPr>
+          <a:xfrm>
+            <a:off x="4075915" y="457201"/>
+            <a:ext cx="0" cy="589713"/>
+          </a:xfrm>
+          <a:prstGeom prst="straightConnector1">
+            <a:avLst/>
+          </a:prstGeom>
+          <a:ln w="38100">
+            <a:tailEnd type="arrow"/>
+          </a:ln>
+        </p:spPr>
+        <p:style>
+          <a:lnRef idx="1">
+            <a:schemeClr val="accent1"/>
+          </a:lnRef>
+          <a:fillRef idx="0">
+            <a:schemeClr val="accent1"/>
+          </a:fillRef>
+          <a:effectRef idx="0">
+            <a:schemeClr val="accent1"/>
+          </a:effectRef>
+          <a:fontRef idx="minor">
+            <a:schemeClr val="tx1"/>
+          </a:fontRef>
+        </p:style>
+      </p:cxnSp>
+    </p:spTree>
+  </p:cSld>
+  <p:clrMapOvr>
+    <a:masterClrMapping/>
+  </p:clrMapOvr>
+</p:sld>
+</file>
+
+<file path=ppt/slides/slide11.xml><?xml version="1.0" encoding="utf-8"?>
+<p:sld xmlns:a="http://schemas.openxmlformats.org/drawingml/2006/main" xmlns:r="http://schemas.openxmlformats.org/officeDocument/2006/relationships" xmlns:p="http://schemas.openxmlformats.org/presentationml/2006/main">
+  <p:cSld>
+    <p:spTree>
+      <p:nvGrpSpPr>
+        <p:cNvPr id="1" name=""/>
+        <p:cNvGrpSpPr/>
+        <p:nvPr/>
+      </p:nvGrpSpPr>
+      <p:grpSpPr>
+        <a:xfrm>
+          <a:off x="0" y="0"/>
+          <a:ext cx="0" cy="0"/>
+          <a:chOff x="0" y="0"/>
+          <a:chExt cx="0" cy="0"/>
+        </a:xfrm>
+      </p:grpSpPr>
+      <p:sp>
+        <p:nvSpPr>
+          <p:cNvPr id="2" name="Oval 1">
+            <a:extLst>
+              <a:ext uri="{FF2B5EF4-FFF2-40B4-BE49-F238E27FC236}">
+                <a16:creationId xmlns:a16="http://schemas.microsoft.com/office/drawing/2014/main" id="{EDFE045F-0C01-42E7-A85C-A533F5D477C3}"/>
+              </a:ext>
+            </a:extLst>
+          </p:cNvPr>
+          <p:cNvSpPr/>
+          <p:nvPr/>
+        </p:nvSpPr>
+        <p:spPr>
+          <a:xfrm>
+            <a:off x="3747752" y="1390918"/>
+            <a:ext cx="1828800" cy="721217"/>
+          </a:xfrm>
+          <a:prstGeom prst="ellipse">
+            <a:avLst/>
+          </a:prstGeom>
+        </p:spPr>
+        <p:style>
+          <a:lnRef idx="2">
+            <a:schemeClr val="accent1">
+              <a:shade val="50000"/>
+            </a:schemeClr>
+          </a:lnRef>
+          <a:fillRef idx="1">
+            <a:schemeClr val="accent1"/>
+          </a:fillRef>
+          <a:effectRef idx="0">
+            <a:schemeClr val="accent1"/>
+          </a:effectRef>
+          <a:fontRef idx="minor">
+            <a:schemeClr val="lt1"/>
+          </a:fontRef>
+        </p:style>
+        <p:txBody>
+          <a:bodyPr rtlCol="0" anchor="ctr"/>
+          <a:lstStyle/>
+          <a:p>
+            <a:pPr algn="ctr"/>
+            <a:r>
+              <a:rPr lang="en-US" b="1" dirty="0"/>
+              <a:t>Shareable</a:t>
+            </a:r>
+          </a:p>
+        </p:txBody>
+      </p:sp>
+      <p:sp>
+        <p:nvSpPr>
+          <p:cNvPr id="5" name="Oval 4">
+            <a:extLst>
+              <a:ext uri="{FF2B5EF4-FFF2-40B4-BE49-F238E27FC236}">
+                <a16:creationId xmlns:a16="http://schemas.microsoft.com/office/drawing/2014/main" id="{046A9111-5EED-482C-B42C-24038FB06C97}"/>
+              </a:ext>
+            </a:extLst>
+          </p:cNvPr>
+          <p:cNvSpPr/>
+          <p:nvPr/>
+        </p:nvSpPr>
+        <p:spPr>
+          <a:xfrm>
+            <a:off x="1609858" y="2554307"/>
+            <a:ext cx="1944710" cy="721217"/>
+          </a:xfrm>
+          <a:prstGeom prst="ellipse">
+            <a:avLst/>
+          </a:prstGeom>
+        </p:spPr>
+        <p:style>
+          <a:lnRef idx="2">
+            <a:schemeClr val="accent1">
+              <a:shade val="50000"/>
+            </a:schemeClr>
+          </a:lnRef>
+          <a:fillRef idx="1">
+            <a:schemeClr val="accent1"/>
+          </a:fillRef>
+          <a:effectRef idx="0">
+            <a:schemeClr val="accent1"/>
+          </a:effectRef>
+          <a:fontRef idx="minor">
+            <a:schemeClr val="lt1"/>
+          </a:fontRef>
+        </p:style>
+        <p:txBody>
+          <a:bodyPr rtlCol="0" anchor="ctr"/>
+          <a:lstStyle/>
+          <a:p>
+            <a:pPr algn="ctr"/>
+            <a:r>
+              <a:rPr lang="en-US" b="1" dirty="0"/>
+              <a:t>Computable</a:t>
+            </a:r>
+          </a:p>
+        </p:txBody>
+      </p:sp>
+      <p:sp>
+        <p:nvSpPr>
+          <p:cNvPr id="7" name="Oval 6">
+            <a:extLst>
+              <a:ext uri="{FF2B5EF4-FFF2-40B4-BE49-F238E27FC236}">
+                <a16:creationId xmlns:a16="http://schemas.microsoft.com/office/drawing/2014/main" id="{3F8FAE9B-1DEE-4C28-B959-8AB979898D8D}"/>
+              </a:ext>
+            </a:extLst>
+          </p:cNvPr>
+          <p:cNvSpPr/>
+          <p:nvPr/>
+        </p:nvSpPr>
+        <p:spPr>
+          <a:xfrm>
+            <a:off x="3747752" y="2554307"/>
+            <a:ext cx="1828800" cy="721217"/>
+          </a:xfrm>
+          <a:prstGeom prst="ellipse">
+            <a:avLst/>
+          </a:prstGeom>
+        </p:spPr>
+        <p:style>
+          <a:lnRef idx="2">
+            <a:schemeClr val="accent1">
+              <a:shade val="50000"/>
+            </a:schemeClr>
+          </a:lnRef>
+          <a:fillRef idx="1">
+            <a:schemeClr val="accent1"/>
+          </a:fillRef>
+          <a:effectRef idx="0">
+            <a:schemeClr val="accent1"/>
+          </a:effectRef>
+          <a:fontRef idx="minor">
+            <a:schemeClr val="lt1"/>
+          </a:fontRef>
+        </p:style>
+        <p:txBody>
+          <a:bodyPr rtlCol="0" anchor="ctr"/>
+          <a:lstStyle/>
+          <a:p>
+            <a:pPr algn="ctr"/>
+            <a:r>
+              <a:rPr lang="en-US" b="1" dirty="0"/>
+              <a:t>Publishable</a:t>
+            </a:r>
+          </a:p>
+        </p:txBody>
+      </p:sp>
+      <p:sp>
+        <p:nvSpPr>
+          <p:cNvPr id="9" name="Oval 8">
+            <a:extLst>
+              <a:ext uri="{FF2B5EF4-FFF2-40B4-BE49-F238E27FC236}">
+                <a16:creationId xmlns:a16="http://schemas.microsoft.com/office/drawing/2014/main" id="{4DF5EE67-9F92-4ED4-8B50-92F8610FC682}"/>
+              </a:ext>
+            </a:extLst>
+          </p:cNvPr>
+          <p:cNvSpPr/>
+          <p:nvPr/>
+        </p:nvSpPr>
+        <p:spPr>
+          <a:xfrm>
+            <a:off x="5769736" y="2554306"/>
+            <a:ext cx="1828800" cy="721217"/>
+          </a:xfrm>
+          <a:prstGeom prst="ellipse">
+            <a:avLst/>
+          </a:prstGeom>
+        </p:spPr>
+        <p:style>
+          <a:lnRef idx="2">
+            <a:schemeClr val="accent1">
+              <a:shade val="50000"/>
+            </a:schemeClr>
+          </a:lnRef>
+          <a:fillRef idx="1">
+            <a:schemeClr val="accent1"/>
+          </a:fillRef>
+          <a:effectRef idx="0">
+            <a:schemeClr val="accent1"/>
+          </a:effectRef>
+          <a:fontRef idx="minor">
+            <a:schemeClr val="lt1"/>
+          </a:fontRef>
+        </p:style>
+        <p:txBody>
+          <a:bodyPr rtlCol="0" anchor="ctr"/>
+          <a:lstStyle/>
+          <a:p>
+            <a:pPr algn="ctr"/>
+            <a:r>
+              <a:rPr lang="en-US" b="1" dirty="0"/>
+              <a:t>Executable</a:t>
+            </a:r>
+          </a:p>
+        </p:txBody>
+      </p:sp>
+      <p:cxnSp>
+        <p:nvCxnSpPr>
+          <p:cNvPr id="11" name="Straight Arrow Connector 10">
+            <a:extLst>
+              <a:ext uri="{FF2B5EF4-FFF2-40B4-BE49-F238E27FC236}">
+                <a16:creationId xmlns:a16="http://schemas.microsoft.com/office/drawing/2014/main" id="{1132473E-877B-4F62-AA08-D995395227A9}"/>
+              </a:ext>
+            </a:extLst>
+          </p:cNvPr>
+          <p:cNvCxnSpPr>
+            <a:cxnSpLocks/>
+          </p:cNvCxnSpPr>
+          <p:nvPr/>
+        </p:nvCxnSpPr>
+        <p:spPr>
+          <a:xfrm flipV="1">
+            <a:off x="2582213" y="2114280"/>
+            <a:ext cx="2079939" cy="442172"/>
+          </a:xfrm>
+          <a:prstGeom prst="straightConnector1">
+            <a:avLst/>
+          </a:prstGeom>
+          <a:ln w="76200">
+            <a:tailEnd type="triangle"/>
+          </a:ln>
+        </p:spPr>
+        <p:style>
+          <a:lnRef idx="3">
+            <a:schemeClr val="accent1"/>
+          </a:lnRef>
+          <a:fillRef idx="0">
+            <a:schemeClr val="accent1"/>
+          </a:fillRef>
+          <a:effectRef idx="2">
+            <a:schemeClr val="accent1"/>
+          </a:effectRef>
+          <a:fontRef idx="minor">
+            <a:schemeClr val="tx1"/>
+          </a:fontRef>
+        </p:style>
+      </p:cxnSp>
+      <p:cxnSp>
+        <p:nvCxnSpPr>
+          <p:cNvPr id="14" name="Straight Arrow Connector 13">
+            <a:extLst>
+              <a:ext uri="{FF2B5EF4-FFF2-40B4-BE49-F238E27FC236}">
+                <a16:creationId xmlns:a16="http://schemas.microsoft.com/office/drawing/2014/main" id="{B5FC58A0-4BB8-43C6-A5E9-49148849697F}"/>
+              </a:ext>
+            </a:extLst>
+          </p:cNvPr>
+          <p:cNvCxnSpPr>
+            <a:cxnSpLocks/>
+            <a:stCxn id="7" idx="0"/>
+            <a:endCxn id="2" idx="4"/>
+          </p:cNvCxnSpPr>
+          <p:nvPr/>
+        </p:nvCxnSpPr>
+        <p:spPr>
+          <a:xfrm flipV="1">
+            <a:off x="4662152" y="2112135"/>
+            <a:ext cx="0" cy="442172"/>
+          </a:xfrm>
+          <a:prstGeom prst="straightConnector1">
+            <a:avLst/>
+          </a:prstGeom>
+          <a:ln w="76200">
+            <a:tailEnd type="triangle"/>
+          </a:ln>
+        </p:spPr>
+        <p:style>
+          <a:lnRef idx="3">
+            <a:schemeClr val="accent1"/>
+          </a:lnRef>
+          <a:fillRef idx="0">
+            <a:schemeClr val="accent1"/>
+          </a:fillRef>
+          <a:effectRef idx="2">
+            <a:schemeClr val="accent1"/>
+          </a:effectRef>
+          <a:fontRef idx="minor">
+            <a:schemeClr val="tx1"/>
+          </a:fontRef>
+        </p:style>
+      </p:cxnSp>
+      <p:cxnSp>
+        <p:nvCxnSpPr>
+          <p:cNvPr id="17" name="Straight Arrow Connector 16">
+            <a:extLst>
+              <a:ext uri="{FF2B5EF4-FFF2-40B4-BE49-F238E27FC236}">
+                <a16:creationId xmlns:a16="http://schemas.microsoft.com/office/drawing/2014/main" id="{8AA502DD-79CF-471A-8723-A07AF6EBF816}"/>
+              </a:ext>
+            </a:extLst>
+          </p:cNvPr>
+          <p:cNvCxnSpPr>
+            <a:cxnSpLocks/>
+            <a:stCxn id="9" idx="0"/>
+            <a:endCxn id="2" idx="4"/>
+          </p:cNvCxnSpPr>
+          <p:nvPr/>
+        </p:nvCxnSpPr>
+        <p:spPr>
+          <a:xfrm flipH="1" flipV="1">
+            <a:off x="4662152" y="2112135"/>
+            <a:ext cx="2021984" cy="442171"/>
+          </a:xfrm>
+          <a:prstGeom prst="straightConnector1">
+            <a:avLst/>
+          </a:prstGeom>
+          <a:ln w="76200">
+            <a:tailEnd type="triangle"/>
+          </a:ln>
+        </p:spPr>
+        <p:style>
+          <a:lnRef idx="3">
+            <a:schemeClr val="accent1"/>
+          </a:lnRef>
+          <a:fillRef idx="0">
+            <a:schemeClr val="accent1"/>
+          </a:fillRef>
+          <a:effectRef idx="2">
+            <a:schemeClr val="accent1"/>
+          </a:effectRef>
+          <a:fontRef idx="minor">
+            <a:schemeClr val="tx1"/>
+          </a:fontRef>
+        </p:style>
+      </p:cxnSp>
+      <p:sp>
+        <p:nvSpPr>
+          <p:cNvPr id="20" name="TextBox 19">
+            <a:extLst>
+              <a:ext uri="{FF2B5EF4-FFF2-40B4-BE49-F238E27FC236}">
+                <a16:creationId xmlns:a16="http://schemas.microsoft.com/office/drawing/2014/main" id="{AB060674-598F-47D6-B102-9532B6AE65DF}"/>
+              </a:ext>
+            </a:extLst>
+          </p:cNvPr>
+          <p:cNvSpPr txBox="1"/>
+          <p:nvPr/>
+        </p:nvSpPr>
+        <p:spPr>
+          <a:xfrm>
+            <a:off x="1745086" y="3431150"/>
+            <a:ext cx="1674253" cy="261610"/>
+          </a:xfrm>
+          <a:prstGeom prst="rect">
+            <a:avLst/>
+          </a:prstGeom>
+          <a:noFill/>
+        </p:spPr>
+        <p:txBody>
+          <a:bodyPr wrap="square" rtlCol="0">
+            <a:spAutoFit/>
+          </a:bodyPr>
+          <a:lstStyle/>
+          <a:p>
+            <a:r>
+              <a:rPr lang="en-US" sz="1100" dirty="0"/>
+              <a:t>Design-time/ authoring</a:t>
+            </a:r>
+          </a:p>
+        </p:txBody>
+      </p:sp>
+      <p:sp>
+        <p:nvSpPr>
+          <p:cNvPr id="22" name="TextBox 21">
+            <a:extLst>
+              <a:ext uri="{FF2B5EF4-FFF2-40B4-BE49-F238E27FC236}">
+                <a16:creationId xmlns:a16="http://schemas.microsoft.com/office/drawing/2014/main" id="{51F01DEA-C3A0-4365-AEAF-60172C189F84}"/>
+              </a:ext>
+            </a:extLst>
+          </p:cNvPr>
+          <p:cNvSpPr txBox="1"/>
+          <p:nvPr/>
+        </p:nvSpPr>
+        <p:spPr>
+          <a:xfrm>
+            <a:off x="3825025" y="3459058"/>
+            <a:ext cx="1674253" cy="261610"/>
+          </a:xfrm>
+          <a:prstGeom prst="rect">
+            <a:avLst/>
+          </a:prstGeom>
+          <a:noFill/>
+        </p:spPr>
+        <p:txBody>
+          <a:bodyPr wrap="square" rtlCol="0">
+            <a:spAutoFit/>
+          </a:bodyPr>
+          <a:lstStyle/>
+          <a:p>
+            <a:r>
+              <a:rPr lang="en-US" sz="1100" dirty="0"/>
+              <a:t>Publishing/distribution</a:t>
+            </a:r>
+          </a:p>
+        </p:txBody>
+      </p:sp>
+      <p:sp>
+        <p:nvSpPr>
+          <p:cNvPr id="3" name="TextBox 2">
+            <a:extLst>
+              <a:ext uri="{FF2B5EF4-FFF2-40B4-BE49-F238E27FC236}">
+                <a16:creationId xmlns:a16="http://schemas.microsoft.com/office/drawing/2014/main" id="{E917289A-FDA6-4463-B7D3-EF4896560232}"/>
+              </a:ext>
+            </a:extLst>
+          </p:cNvPr>
+          <p:cNvSpPr txBox="1"/>
+          <p:nvPr/>
+        </p:nvSpPr>
+        <p:spPr>
+          <a:xfrm>
+            <a:off x="5904964" y="3459058"/>
+            <a:ext cx="1674253" cy="261610"/>
+          </a:xfrm>
+          <a:prstGeom prst="rect">
+            <a:avLst/>
+          </a:prstGeom>
+          <a:noFill/>
+        </p:spPr>
+        <p:txBody>
+          <a:bodyPr wrap="square" rtlCol="0">
+            <a:spAutoFit/>
+          </a:bodyPr>
+          <a:lstStyle/>
+          <a:p>
+            <a:r>
+              <a:rPr lang="en-US" sz="1100" dirty="0"/>
+              <a:t>Runtime/implementation</a:t>
+            </a:r>
+          </a:p>
+        </p:txBody>
+      </p:sp>
+    </p:spTree>
+    <p:extLst>
+      <p:ext uri="{BB962C8B-B14F-4D97-AF65-F5344CB8AC3E}">
+        <p14:creationId xmlns:p14="http://schemas.microsoft.com/office/powerpoint/2010/main" val="2445286905"/>
       </p:ext>
     </p:extLst>
   </p:cSld>
@@ -10372,6 +13074,3091 @@
       </p:grpSpPr>
       <p:sp>
         <p:nvSpPr>
+          <p:cNvPr id="6" name="Rectangle: Rounded Corners 5">
+            <a:extLst>
+              <a:ext uri="{FF2B5EF4-FFF2-40B4-BE49-F238E27FC236}">
+                <a16:creationId xmlns:a16="http://schemas.microsoft.com/office/drawing/2014/main" id="{F666050D-7BC1-4FA6-8DA4-CBA19396DDCF}"/>
+              </a:ext>
+            </a:extLst>
+          </p:cNvPr>
+          <p:cNvSpPr/>
+          <p:nvPr/>
+        </p:nvSpPr>
+        <p:spPr>
+          <a:xfrm>
+            <a:off x="1207893" y="5009237"/>
+            <a:ext cx="9821054" cy="1285957"/>
+          </a:xfrm>
+          <a:prstGeom prst="roundRect">
+            <a:avLst>
+              <a:gd name="adj" fmla="val 9182"/>
+            </a:avLst>
+          </a:prstGeom>
+          <a:solidFill>
+            <a:schemeClr val="accent3"/>
+          </a:solidFill>
+        </p:spPr>
+        <p:style>
+          <a:lnRef idx="2">
+            <a:schemeClr val="accent1">
+              <a:shade val="50000"/>
+            </a:schemeClr>
+          </a:lnRef>
+          <a:fillRef idx="1">
+            <a:schemeClr val="accent1"/>
+          </a:fillRef>
+          <a:effectRef idx="0">
+            <a:schemeClr val="accent1"/>
+          </a:effectRef>
+          <a:fontRef idx="minor">
+            <a:schemeClr val="lt1"/>
+          </a:fontRef>
+        </p:style>
+        <p:txBody>
+          <a:bodyPr rtlCol="0" anchor="ctr"/>
+          <a:lstStyle/>
+          <a:p>
+            <a:pPr algn="ctr"/>
+            <a:endParaRPr lang="en-US"/>
+          </a:p>
+        </p:txBody>
+      </p:sp>
+      <p:sp>
+        <p:nvSpPr>
+          <p:cNvPr id="7" name="Rectangle: Rounded Corners 6">
+            <a:extLst>
+              <a:ext uri="{FF2B5EF4-FFF2-40B4-BE49-F238E27FC236}">
+                <a16:creationId xmlns:a16="http://schemas.microsoft.com/office/drawing/2014/main" id="{B0901C88-D09D-4B6B-8432-AF5B1BFAF4B0}"/>
+              </a:ext>
+            </a:extLst>
+          </p:cNvPr>
+          <p:cNvSpPr/>
+          <p:nvPr/>
+        </p:nvSpPr>
+        <p:spPr>
+          <a:xfrm>
+            <a:off x="1207893" y="3637637"/>
+            <a:ext cx="9821054" cy="1285957"/>
+          </a:xfrm>
+          <a:prstGeom prst="roundRect">
+            <a:avLst>
+              <a:gd name="adj" fmla="val 9182"/>
+            </a:avLst>
+          </a:prstGeom>
+          <a:solidFill>
+            <a:schemeClr val="accent5">
+              <a:lumMod val="60000"/>
+              <a:lumOff val="40000"/>
+            </a:schemeClr>
+          </a:solidFill>
+        </p:spPr>
+        <p:style>
+          <a:lnRef idx="2">
+            <a:schemeClr val="accent1">
+              <a:shade val="50000"/>
+            </a:schemeClr>
+          </a:lnRef>
+          <a:fillRef idx="1">
+            <a:schemeClr val="accent1"/>
+          </a:fillRef>
+          <a:effectRef idx="0">
+            <a:schemeClr val="accent1"/>
+          </a:effectRef>
+          <a:fontRef idx="minor">
+            <a:schemeClr val="lt1"/>
+          </a:fontRef>
+        </p:style>
+        <p:txBody>
+          <a:bodyPr rtlCol="0" anchor="ctr"/>
+          <a:lstStyle/>
+          <a:p>
+            <a:pPr algn="ctr"/>
+            <a:endParaRPr lang="en-US"/>
+          </a:p>
+        </p:txBody>
+      </p:sp>
+      <p:sp>
+        <p:nvSpPr>
+          <p:cNvPr id="8" name="Rectangle: Rounded Corners 7">
+            <a:extLst>
+              <a:ext uri="{FF2B5EF4-FFF2-40B4-BE49-F238E27FC236}">
+                <a16:creationId xmlns:a16="http://schemas.microsoft.com/office/drawing/2014/main" id="{1409B06B-2574-481F-999E-B8603B5D50C3}"/>
+              </a:ext>
+            </a:extLst>
+          </p:cNvPr>
+          <p:cNvSpPr/>
+          <p:nvPr/>
+        </p:nvSpPr>
+        <p:spPr>
+          <a:xfrm>
+            <a:off x="1207893" y="2266037"/>
+            <a:ext cx="9821054" cy="1285957"/>
+          </a:xfrm>
+          <a:prstGeom prst="roundRect">
+            <a:avLst>
+              <a:gd name="adj" fmla="val 9182"/>
+            </a:avLst>
+          </a:prstGeom>
+          <a:solidFill>
+            <a:schemeClr val="accent1">
+              <a:lumMod val="40000"/>
+              <a:lumOff val="60000"/>
+            </a:schemeClr>
+          </a:solidFill>
+        </p:spPr>
+        <p:style>
+          <a:lnRef idx="2">
+            <a:schemeClr val="accent1">
+              <a:shade val="50000"/>
+            </a:schemeClr>
+          </a:lnRef>
+          <a:fillRef idx="1">
+            <a:schemeClr val="accent1"/>
+          </a:fillRef>
+          <a:effectRef idx="0">
+            <a:schemeClr val="accent1"/>
+          </a:effectRef>
+          <a:fontRef idx="minor">
+            <a:schemeClr val="lt1"/>
+          </a:fontRef>
+        </p:style>
+        <p:txBody>
+          <a:bodyPr rtlCol="0" anchor="ctr"/>
+          <a:lstStyle/>
+          <a:p>
+            <a:pPr algn="ctr"/>
+            <a:endParaRPr lang="en-US"/>
+          </a:p>
+        </p:txBody>
+      </p:sp>
+      <p:sp>
+        <p:nvSpPr>
+          <p:cNvPr id="10" name="TextBox 9">
+            <a:extLst>
+              <a:ext uri="{FF2B5EF4-FFF2-40B4-BE49-F238E27FC236}">
+                <a16:creationId xmlns:a16="http://schemas.microsoft.com/office/drawing/2014/main" id="{A5CA2806-6DC3-4FCB-9296-F73913E98652}"/>
+              </a:ext>
+            </a:extLst>
+          </p:cNvPr>
+          <p:cNvSpPr txBox="1"/>
+          <p:nvPr/>
+        </p:nvSpPr>
+        <p:spPr>
+          <a:xfrm rot="16200000">
+            <a:off x="487729" y="5467549"/>
+            <a:ext cx="1070999" cy="369332"/>
+          </a:xfrm>
+          <a:prstGeom prst="rect">
+            <a:avLst/>
+          </a:prstGeom>
+        </p:spPr>
+        <p:txBody>
+          <a:bodyPr wrap="none" rtlCol="0">
+            <a:spAutoFit/>
+          </a:bodyPr>
+          <a:lstStyle/>
+          <a:p>
+            <a:r>
+              <a:rPr lang="en-US" dirty="0"/>
+              <a:t>T1 – Data</a:t>
+            </a:r>
+            <a:endParaRPr lang="en-US" b="0" dirty="0"/>
+          </a:p>
+        </p:txBody>
+      </p:sp>
+      <p:sp>
+        <p:nvSpPr>
+          <p:cNvPr id="11" name="TextBox 10">
+            <a:extLst>
+              <a:ext uri="{FF2B5EF4-FFF2-40B4-BE49-F238E27FC236}">
+                <a16:creationId xmlns:a16="http://schemas.microsoft.com/office/drawing/2014/main" id="{3C394B27-713E-4355-9DF5-63B82D16C924}"/>
+              </a:ext>
+            </a:extLst>
+          </p:cNvPr>
+          <p:cNvSpPr txBox="1"/>
+          <p:nvPr/>
+        </p:nvSpPr>
+        <p:spPr>
+          <a:xfrm rot="16200000">
+            <a:off x="466025" y="4097198"/>
+            <a:ext cx="1114408" cy="369332"/>
+          </a:xfrm>
+          <a:prstGeom prst="rect">
+            <a:avLst/>
+          </a:prstGeom>
+        </p:spPr>
+        <p:txBody>
+          <a:bodyPr wrap="none" rtlCol="0">
+            <a:spAutoFit/>
+          </a:bodyPr>
+          <a:lstStyle/>
+          <a:p>
+            <a:r>
+              <a:rPr lang="en-US" dirty="0"/>
+              <a:t>T2 – Logic</a:t>
+            </a:r>
+            <a:endParaRPr lang="en-US" b="0" dirty="0"/>
+          </a:p>
+        </p:txBody>
+      </p:sp>
+      <p:sp>
+        <p:nvSpPr>
+          <p:cNvPr id="12" name="TextBox 11">
+            <a:extLst>
+              <a:ext uri="{FF2B5EF4-FFF2-40B4-BE49-F238E27FC236}">
+                <a16:creationId xmlns:a16="http://schemas.microsoft.com/office/drawing/2014/main" id="{6B3B268D-1BA0-498C-86F6-A28C626F95C4}"/>
+              </a:ext>
+            </a:extLst>
+          </p:cNvPr>
+          <p:cNvSpPr txBox="1"/>
+          <p:nvPr/>
+        </p:nvSpPr>
+        <p:spPr>
+          <a:xfrm rot="16200000">
+            <a:off x="415937" y="2655417"/>
+            <a:ext cx="1213858" cy="369332"/>
+          </a:xfrm>
+          <a:prstGeom prst="rect">
+            <a:avLst/>
+          </a:prstGeom>
+        </p:spPr>
+        <p:txBody>
+          <a:bodyPr wrap="none" rtlCol="0">
+            <a:spAutoFit/>
+          </a:bodyPr>
+          <a:lstStyle/>
+          <a:p>
+            <a:r>
+              <a:rPr lang="en-US" dirty="0"/>
+              <a:t>T3 – Forms</a:t>
+            </a:r>
+            <a:endParaRPr lang="en-US" b="0" dirty="0"/>
+          </a:p>
+        </p:txBody>
+      </p:sp>
+      <p:sp>
+        <p:nvSpPr>
+          <p:cNvPr id="13" name="Rectangle: Rounded Corners 12">
+            <a:extLst>
+              <a:ext uri="{FF2B5EF4-FFF2-40B4-BE49-F238E27FC236}">
+                <a16:creationId xmlns:a16="http://schemas.microsoft.com/office/drawing/2014/main" id="{77BD3CC5-09FD-4544-9137-D38042D2D8D1}"/>
+              </a:ext>
+            </a:extLst>
+          </p:cNvPr>
+          <p:cNvSpPr/>
+          <p:nvPr/>
+        </p:nvSpPr>
+        <p:spPr>
+          <a:xfrm>
+            <a:off x="1368676" y="2374102"/>
+            <a:ext cx="2302042" cy="3813614"/>
+          </a:xfrm>
+          <a:prstGeom prst="roundRect">
+            <a:avLst>
+              <a:gd name="adj" fmla="val 4472"/>
+            </a:avLst>
+          </a:prstGeom>
+          <a:solidFill>
+            <a:srgbClr val="A72931">
+              <a:alpha val="80000"/>
+            </a:srgbClr>
+          </a:solidFill>
+        </p:spPr>
+        <p:style>
+          <a:lnRef idx="2">
+            <a:schemeClr val="accent1">
+              <a:shade val="50000"/>
+            </a:schemeClr>
+          </a:lnRef>
+          <a:fillRef idx="1">
+            <a:schemeClr val="accent1"/>
+          </a:fillRef>
+          <a:effectRef idx="0">
+            <a:schemeClr val="accent1"/>
+          </a:effectRef>
+          <a:fontRef idx="minor">
+            <a:schemeClr val="lt1"/>
+          </a:fontRef>
+        </p:style>
+        <p:txBody>
+          <a:bodyPr rtlCol="0" anchor="ctr"/>
+          <a:lstStyle/>
+          <a:p>
+            <a:pPr algn="ctr"/>
+            <a:endParaRPr lang="en-US" dirty="0"/>
+          </a:p>
+        </p:txBody>
+      </p:sp>
+      <p:sp>
+        <p:nvSpPr>
+          <p:cNvPr id="15" name="Rectangle: Rounded Corners 14">
+            <a:extLst>
+              <a:ext uri="{FF2B5EF4-FFF2-40B4-BE49-F238E27FC236}">
+                <a16:creationId xmlns:a16="http://schemas.microsoft.com/office/drawing/2014/main" id="{038D4680-8C71-4D99-97E4-E0E6982C55EE}"/>
+              </a:ext>
+            </a:extLst>
+          </p:cNvPr>
+          <p:cNvSpPr/>
+          <p:nvPr/>
+        </p:nvSpPr>
+        <p:spPr>
+          <a:xfrm>
+            <a:off x="3766970" y="2374102"/>
+            <a:ext cx="2302042" cy="3813614"/>
+          </a:xfrm>
+          <a:prstGeom prst="roundRect">
+            <a:avLst>
+              <a:gd name="adj" fmla="val 4472"/>
+            </a:avLst>
+          </a:prstGeom>
+          <a:solidFill>
+            <a:srgbClr val="C55A11">
+              <a:alpha val="80000"/>
+            </a:srgbClr>
+          </a:solidFill>
+        </p:spPr>
+        <p:style>
+          <a:lnRef idx="2">
+            <a:schemeClr val="accent1">
+              <a:shade val="50000"/>
+            </a:schemeClr>
+          </a:lnRef>
+          <a:fillRef idx="1">
+            <a:schemeClr val="accent1"/>
+          </a:fillRef>
+          <a:effectRef idx="0">
+            <a:schemeClr val="accent1"/>
+          </a:effectRef>
+          <a:fontRef idx="minor">
+            <a:schemeClr val="lt1"/>
+          </a:fontRef>
+        </p:style>
+        <p:txBody>
+          <a:bodyPr rtlCol="0" anchor="ctr"/>
+          <a:lstStyle/>
+          <a:p>
+            <a:pPr algn="ctr"/>
+            <a:endParaRPr lang="en-US" dirty="0"/>
+          </a:p>
+        </p:txBody>
+      </p:sp>
+      <p:sp>
+        <p:nvSpPr>
+          <p:cNvPr id="16" name="Rectangle: Rounded Corners 15">
+            <a:extLst>
+              <a:ext uri="{FF2B5EF4-FFF2-40B4-BE49-F238E27FC236}">
+                <a16:creationId xmlns:a16="http://schemas.microsoft.com/office/drawing/2014/main" id="{AD68036E-F5A0-4CAD-8469-572E8F9B44DF}"/>
+              </a:ext>
+            </a:extLst>
+          </p:cNvPr>
+          <p:cNvSpPr/>
+          <p:nvPr/>
+        </p:nvSpPr>
+        <p:spPr>
+          <a:xfrm>
+            <a:off x="6165264" y="2374102"/>
+            <a:ext cx="2302042" cy="3813614"/>
+          </a:xfrm>
+          <a:prstGeom prst="roundRect">
+            <a:avLst>
+              <a:gd name="adj" fmla="val 4472"/>
+            </a:avLst>
+          </a:prstGeom>
+          <a:solidFill>
+            <a:srgbClr val="00B050">
+              <a:alpha val="80000"/>
+            </a:srgbClr>
+          </a:solidFill>
+        </p:spPr>
+        <p:style>
+          <a:lnRef idx="2">
+            <a:schemeClr val="accent1">
+              <a:shade val="50000"/>
+            </a:schemeClr>
+          </a:lnRef>
+          <a:fillRef idx="1">
+            <a:schemeClr val="accent1"/>
+          </a:fillRef>
+          <a:effectRef idx="0">
+            <a:schemeClr val="accent1"/>
+          </a:effectRef>
+          <a:fontRef idx="minor">
+            <a:schemeClr val="lt1"/>
+          </a:fontRef>
+        </p:style>
+        <p:txBody>
+          <a:bodyPr rtlCol="0" anchor="ctr"/>
+          <a:lstStyle/>
+          <a:p>
+            <a:pPr algn="ctr"/>
+            <a:endParaRPr lang="en-US"/>
+          </a:p>
+        </p:txBody>
+      </p:sp>
+      <p:sp>
+        <p:nvSpPr>
+          <p:cNvPr id="17" name="Rectangle: Rounded Corners 16">
+            <a:extLst>
+              <a:ext uri="{FF2B5EF4-FFF2-40B4-BE49-F238E27FC236}">
+                <a16:creationId xmlns:a16="http://schemas.microsoft.com/office/drawing/2014/main" id="{081A1799-89D5-4BC8-8AC5-BBE4FB959ED9}"/>
+              </a:ext>
+            </a:extLst>
+          </p:cNvPr>
+          <p:cNvSpPr/>
+          <p:nvPr/>
+        </p:nvSpPr>
+        <p:spPr>
+          <a:xfrm>
+            <a:off x="8563558" y="2374102"/>
+            <a:ext cx="2302042" cy="3813614"/>
+          </a:xfrm>
+          <a:prstGeom prst="roundRect">
+            <a:avLst>
+              <a:gd name="adj" fmla="val 4472"/>
+            </a:avLst>
+          </a:prstGeom>
+          <a:solidFill>
+            <a:srgbClr val="0070C0">
+              <a:alpha val="80000"/>
+            </a:srgbClr>
+          </a:solidFill>
+        </p:spPr>
+        <p:style>
+          <a:lnRef idx="2">
+            <a:schemeClr val="accent1">
+              <a:shade val="50000"/>
+            </a:schemeClr>
+          </a:lnRef>
+          <a:fillRef idx="1">
+            <a:schemeClr val="accent1"/>
+          </a:fillRef>
+          <a:effectRef idx="0">
+            <a:schemeClr val="accent1"/>
+          </a:effectRef>
+          <a:fontRef idx="minor">
+            <a:schemeClr val="lt1"/>
+          </a:fontRef>
+        </p:style>
+        <p:txBody>
+          <a:bodyPr rtlCol="0" anchor="ctr"/>
+          <a:lstStyle/>
+          <a:p>
+            <a:pPr algn="ctr"/>
+            <a:endParaRPr lang="en-US"/>
+          </a:p>
+        </p:txBody>
+      </p:sp>
+      <p:sp>
+        <p:nvSpPr>
+          <p:cNvPr id="18" name="TextBox 17">
+            <a:extLst>
+              <a:ext uri="{FF2B5EF4-FFF2-40B4-BE49-F238E27FC236}">
+                <a16:creationId xmlns:a16="http://schemas.microsoft.com/office/drawing/2014/main" id="{23DD6448-858B-434D-B1AF-53BAF15326C9}"/>
+              </a:ext>
+            </a:extLst>
+          </p:cNvPr>
+          <p:cNvSpPr txBox="1"/>
+          <p:nvPr/>
+        </p:nvSpPr>
+        <p:spPr>
+          <a:xfrm>
+            <a:off x="1773883" y="1919127"/>
+            <a:ext cx="1491627" cy="369332"/>
+          </a:xfrm>
+          <a:prstGeom prst="rect">
+            <a:avLst/>
+          </a:prstGeom>
+        </p:spPr>
+        <p:txBody>
+          <a:bodyPr wrap="none" rtlCol="0">
+            <a:spAutoFit/>
+          </a:bodyPr>
+          <a:lstStyle/>
+          <a:p>
+            <a:r>
+              <a:rPr lang="en-US" dirty="0">
+                <a:solidFill>
+                  <a:srgbClr val="A72931"/>
+                </a:solidFill>
+              </a:rPr>
+              <a:t>L1 – </a:t>
+            </a:r>
+            <a:r>
+              <a:rPr lang="en-US" b="0" dirty="0">
+                <a:solidFill>
+                  <a:srgbClr val="A72931"/>
+                </a:solidFill>
+              </a:rPr>
+              <a:t>Narrative</a:t>
+            </a:r>
+          </a:p>
+        </p:txBody>
+      </p:sp>
+      <p:sp>
+        <p:nvSpPr>
+          <p:cNvPr id="19" name="TextBox 18">
+            <a:extLst>
+              <a:ext uri="{FF2B5EF4-FFF2-40B4-BE49-F238E27FC236}">
+                <a16:creationId xmlns:a16="http://schemas.microsoft.com/office/drawing/2014/main" id="{5636F523-0825-47C2-8A8B-479583244062}"/>
+              </a:ext>
+            </a:extLst>
+          </p:cNvPr>
+          <p:cNvSpPr txBox="1"/>
+          <p:nvPr/>
+        </p:nvSpPr>
+        <p:spPr>
+          <a:xfrm>
+            <a:off x="3845325" y="1919967"/>
+            <a:ext cx="2145331" cy="369332"/>
+          </a:xfrm>
+          <a:prstGeom prst="rect">
+            <a:avLst/>
+          </a:prstGeom>
+        </p:spPr>
+        <p:txBody>
+          <a:bodyPr wrap="none" rtlCol="0">
+            <a:spAutoFit/>
+          </a:bodyPr>
+          <a:lstStyle/>
+          <a:p>
+            <a:r>
+              <a:rPr lang="en-US" b="0" dirty="0">
+                <a:solidFill>
+                  <a:schemeClr val="accent2">
+                    <a:lumMod val="75000"/>
+                  </a:schemeClr>
+                </a:solidFill>
+              </a:rPr>
+              <a:t>L2 – Semi-Structured</a:t>
+            </a:r>
+          </a:p>
+        </p:txBody>
+      </p:sp>
+      <p:sp>
+        <p:nvSpPr>
+          <p:cNvPr id="20" name="TextBox 19">
+            <a:extLst>
+              <a:ext uri="{FF2B5EF4-FFF2-40B4-BE49-F238E27FC236}">
+                <a16:creationId xmlns:a16="http://schemas.microsoft.com/office/drawing/2014/main" id="{D09F1CF1-B390-4D93-BD51-5201428454D9}"/>
+              </a:ext>
+            </a:extLst>
+          </p:cNvPr>
+          <p:cNvSpPr txBox="1"/>
+          <p:nvPr/>
+        </p:nvSpPr>
+        <p:spPr>
+          <a:xfrm>
+            <a:off x="6508115" y="1928836"/>
+            <a:ext cx="1616340" cy="369332"/>
+          </a:xfrm>
+          <a:prstGeom prst="rect">
+            <a:avLst/>
+          </a:prstGeom>
+        </p:spPr>
+        <p:txBody>
+          <a:bodyPr wrap="none" rtlCol="0">
+            <a:spAutoFit/>
+          </a:bodyPr>
+          <a:lstStyle/>
+          <a:p>
+            <a:r>
+              <a:rPr lang="en-US" dirty="0">
+                <a:solidFill>
+                  <a:srgbClr val="00B050"/>
+                </a:solidFill>
+              </a:rPr>
+              <a:t>L3 – </a:t>
+            </a:r>
+            <a:r>
+              <a:rPr lang="en-US" b="0" dirty="0">
+                <a:solidFill>
+                  <a:srgbClr val="00B050"/>
+                </a:solidFill>
+              </a:rPr>
+              <a:t>Structured</a:t>
+            </a:r>
+          </a:p>
+        </p:txBody>
+      </p:sp>
+      <p:sp>
+        <p:nvSpPr>
+          <p:cNvPr id="21" name="TextBox 20">
+            <a:extLst>
+              <a:ext uri="{FF2B5EF4-FFF2-40B4-BE49-F238E27FC236}">
+                <a16:creationId xmlns:a16="http://schemas.microsoft.com/office/drawing/2014/main" id="{C53728CB-4022-4473-A622-92E26ED32FD3}"/>
+              </a:ext>
+            </a:extLst>
+          </p:cNvPr>
+          <p:cNvSpPr txBox="1"/>
+          <p:nvPr/>
+        </p:nvSpPr>
+        <p:spPr>
+          <a:xfrm>
+            <a:off x="8896534" y="1913595"/>
+            <a:ext cx="1636089" cy="369332"/>
+          </a:xfrm>
+          <a:prstGeom prst="rect">
+            <a:avLst/>
+          </a:prstGeom>
+        </p:spPr>
+        <p:txBody>
+          <a:bodyPr wrap="none" rtlCol="0">
+            <a:spAutoFit/>
+          </a:bodyPr>
+          <a:lstStyle/>
+          <a:p>
+            <a:r>
+              <a:rPr lang="en-US" dirty="0">
+                <a:solidFill>
+                  <a:srgbClr val="0070C0"/>
+                </a:solidFill>
+              </a:rPr>
+              <a:t>L4 – </a:t>
+            </a:r>
+            <a:r>
+              <a:rPr lang="en-US" b="0" dirty="0">
+                <a:solidFill>
+                  <a:srgbClr val="0070C0"/>
+                </a:solidFill>
+              </a:rPr>
+              <a:t>Executable</a:t>
+            </a:r>
+          </a:p>
+        </p:txBody>
+      </p:sp>
+      <p:pic>
+        <p:nvPicPr>
+          <p:cNvPr id="27" name="Picture 26" descr="A black sign with white text&#10;&#10;Description automatically generated">
+            <a:extLst>
+              <a:ext uri="{FF2B5EF4-FFF2-40B4-BE49-F238E27FC236}">
+                <a16:creationId xmlns:a16="http://schemas.microsoft.com/office/drawing/2014/main" id="{D69F59B7-5967-4E41-AED1-1A16456DEB25}"/>
+              </a:ext>
+            </a:extLst>
+          </p:cNvPr>
+          <p:cNvPicPr>
+            <a:picLocks noChangeAspect="1"/>
+          </p:cNvPicPr>
+          <p:nvPr/>
+        </p:nvPicPr>
+        <p:blipFill>
+          <a:blip r:embed="rId3"/>
+          <a:stretch>
+            <a:fillRect/>
+          </a:stretch>
+        </p:blipFill>
+        <p:spPr>
+          <a:xfrm>
+            <a:off x="273356" y="2485035"/>
+            <a:ext cx="539416" cy="675259"/>
+          </a:xfrm>
+          <a:prstGeom prst="rect">
+            <a:avLst/>
+          </a:prstGeom>
+        </p:spPr>
+      </p:pic>
+      <p:pic>
+        <p:nvPicPr>
+          <p:cNvPr id="1024" name="Picture 1023">
+            <a:extLst>
+              <a:ext uri="{FF2B5EF4-FFF2-40B4-BE49-F238E27FC236}">
+                <a16:creationId xmlns:a16="http://schemas.microsoft.com/office/drawing/2014/main" id="{D577DEBF-E3CC-4C38-B5D1-E526D5FF50AB}"/>
+              </a:ext>
+            </a:extLst>
+          </p:cNvPr>
+          <p:cNvPicPr>
+            <a:picLocks noChangeAspect="1"/>
+          </p:cNvPicPr>
+          <p:nvPr/>
+        </p:nvPicPr>
+        <p:blipFill>
+          <a:blip r:embed="rId4"/>
+          <a:stretch>
+            <a:fillRect/>
+          </a:stretch>
+        </p:blipFill>
+        <p:spPr>
+          <a:xfrm>
+            <a:off x="221776" y="5304735"/>
+            <a:ext cx="590996" cy="590996"/>
+          </a:xfrm>
+          <a:prstGeom prst="rect">
+            <a:avLst/>
+          </a:prstGeom>
+        </p:spPr>
+      </p:pic>
+      <p:pic>
+        <p:nvPicPr>
+          <p:cNvPr id="1037" name="Picture 1036" descr="A circuit board&#10;&#10;Description automatically generated">
+            <a:extLst>
+              <a:ext uri="{FF2B5EF4-FFF2-40B4-BE49-F238E27FC236}">
+                <a16:creationId xmlns:a16="http://schemas.microsoft.com/office/drawing/2014/main" id="{12C82FC5-6784-403E-B600-B476893B63F3}"/>
+              </a:ext>
+            </a:extLst>
+          </p:cNvPr>
+          <p:cNvPicPr>
+            <a:picLocks noChangeAspect="1"/>
+          </p:cNvPicPr>
+          <p:nvPr/>
+        </p:nvPicPr>
+        <p:blipFill>
+          <a:blip r:embed="rId5"/>
+          <a:stretch>
+            <a:fillRect/>
+          </a:stretch>
+        </p:blipFill>
+        <p:spPr>
+          <a:xfrm>
+            <a:off x="221777" y="3901122"/>
+            <a:ext cx="590995" cy="590995"/>
+          </a:xfrm>
+          <a:prstGeom prst="rect">
+            <a:avLst/>
+          </a:prstGeom>
+        </p:spPr>
+      </p:pic>
+      <p:sp>
+        <p:nvSpPr>
+          <p:cNvPr id="1039" name="TextBox 1038">
+            <a:extLst>
+              <a:ext uri="{FF2B5EF4-FFF2-40B4-BE49-F238E27FC236}">
+                <a16:creationId xmlns:a16="http://schemas.microsoft.com/office/drawing/2014/main" id="{0DC3208C-9DE0-47D2-AD7F-A1EA999BEC34}"/>
+              </a:ext>
+            </a:extLst>
+          </p:cNvPr>
+          <p:cNvSpPr txBox="1"/>
+          <p:nvPr/>
+        </p:nvSpPr>
+        <p:spPr>
+          <a:xfrm>
+            <a:off x="1507958" y="2755126"/>
+            <a:ext cx="1933074" cy="307777"/>
+          </a:xfrm>
+          <a:prstGeom prst="rect">
+            <a:avLst/>
+          </a:prstGeom>
+        </p:spPr>
+        <p:txBody>
+          <a:bodyPr wrap="square" rtlCol="0">
+            <a:spAutoFit/>
+          </a:bodyPr>
+          <a:lstStyle/>
+          <a:p>
+            <a:r>
+              <a:rPr lang="en-US" sz="1400" b="0" dirty="0"/>
+              <a:t>Narrative questions</a:t>
+            </a:r>
+          </a:p>
+        </p:txBody>
+      </p:sp>
+      <p:sp>
+        <p:nvSpPr>
+          <p:cNvPr id="48" name="TextBox 47">
+            <a:extLst>
+              <a:ext uri="{FF2B5EF4-FFF2-40B4-BE49-F238E27FC236}">
+                <a16:creationId xmlns:a16="http://schemas.microsoft.com/office/drawing/2014/main" id="{DDAE64A5-04AD-4585-8982-C63FC3879B0C}"/>
+              </a:ext>
+            </a:extLst>
+          </p:cNvPr>
+          <p:cNvSpPr txBox="1"/>
+          <p:nvPr/>
+        </p:nvSpPr>
+        <p:spPr>
+          <a:xfrm>
+            <a:off x="1507958" y="4042730"/>
+            <a:ext cx="1933074" cy="307777"/>
+          </a:xfrm>
+          <a:prstGeom prst="rect">
+            <a:avLst/>
+          </a:prstGeom>
+        </p:spPr>
+        <p:txBody>
+          <a:bodyPr wrap="square" rtlCol="0">
+            <a:spAutoFit/>
+          </a:bodyPr>
+          <a:lstStyle/>
+          <a:p>
+            <a:r>
+              <a:rPr lang="en-US" sz="1400" dirty="0"/>
+              <a:t>Guideline narrative</a:t>
+            </a:r>
+            <a:endParaRPr lang="en-US" sz="1400" b="0" dirty="0"/>
+          </a:p>
+        </p:txBody>
+      </p:sp>
+      <p:sp>
+        <p:nvSpPr>
+          <p:cNvPr id="49" name="TextBox 48">
+            <a:extLst>
+              <a:ext uri="{FF2B5EF4-FFF2-40B4-BE49-F238E27FC236}">
+                <a16:creationId xmlns:a16="http://schemas.microsoft.com/office/drawing/2014/main" id="{6A2FDFAF-3EF4-4684-BD5E-F848F994EE36}"/>
+              </a:ext>
+            </a:extLst>
+          </p:cNvPr>
+          <p:cNvSpPr txBox="1"/>
+          <p:nvPr/>
+        </p:nvSpPr>
+        <p:spPr>
+          <a:xfrm>
+            <a:off x="1507958" y="5338623"/>
+            <a:ext cx="1933074" cy="523220"/>
+          </a:xfrm>
+          <a:prstGeom prst="rect">
+            <a:avLst/>
+          </a:prstGeom>
+        </p:spPr>
+        <p:txBody>
+          <a:bodyPr wrap="square" rtlCol="0">
+            <a:spAutoFit/>
+          </a:bodyPr>
+          <a:lstStyle/>
+          <a:p>
+            <a:r>
+              <a:rPr lang="en-US" sz="1400" dirty="0"/>
+              <a:t>Glossaries</a:t>
+            </a:r>
+          </a:p>
+          <a:p>
+            <a:r>
+              <a:rPr lang="en-US" sz="1400" b="0" dirty="0"/>
+              <a:t>Indicator</a:t>
+            </a:r>
+            <a:r>
+              <a:rPr lang="en-US" sz="1400" dirty="0"/>
+              <a:t> descriptions</a:t>
+            </a:r>
+            <a:endParaRPr lang="en-US" sz="1400" b="0" dirty="0"/>
+          </a:p>
+        </p:txBody>
+      </p:sp>
+      <p:sp>
+        <p:nvSpPr>
+          <p:cNvPr id="50" name="TextBox 49">
+            <a:extLst>
+              <a:ext uri="{FF2B5EF4-FFF2-40B4-BE49-F238E27FC236}">
+                <a16:creationId xmlns:a16="http://schemas.microsoft.com/office/drawing/2014/main" id="{306C5D6E-5DE6-4995-845F-0A4DB522824E}"/>
+              </a:ext>
+            </a:extLst>
+          </p:cNvPr>
+          <p:cNvSpPr txBox="1"/>
+          <p:nvPr/>
+        </p:nvSpPr>
+        <p:spPr>
+          <a:xfrm>
+            <a:off x="3951453" y="2620559"/>
+            <a:ext cx="1933074" cy="738664"/>
+          </a:xfrm>
+          <a:prstGeom prst="rect">
+            <a:avLst/>
+          </a:prstGeom>
+        </p:spPr>
+        <p:txBody>
+          <a:bodyPr wrap="square" rtlCol="0">
+            <a:spAutoFit/>
+          </a:bodyPr>
+          <a:lstStyle/>
+          <a:p>
+            <a:r>
+              <a:rPr lang="en-US" sz="1400" b="0" dirty="0"/>
+              <a:t>Paper forms</a:t>
+            </a:r>
+          </a:p>
+          <a:p>
+            <a:r>
+              <a:rPr lang="en-US" sz="1400" dirty="0"/>
+              <a:t>Use Cases</a:t>
+            </a:r>
+          </a:p>
+          <a:p>
+            <a:r>
+              <a:rPr lang="en-US" sz="1400" b="0" dirty="0"/>
+              <a:t>Personas</a:t>
+            </a:r>
+          </a:p>
+        </p:txBody>
+      </p:sp>
+      <p:sp>
+        <p:nvSpPr>
+          <p:cNvPr id="51" name="TextBox 50">
+            <a:extLst>
+              <a:ext uri="{FF2B5EF4-FFF2-40B4-BE49-F238E27FC236}">
+                <a16:creationId xmlns:a16="http://schemas.microsoft.com/office/drawing/2014/main" id="{9476C5CE-59F2-46F3-BDC1-A2D009B52043}"/>
+              </a:ext>
+            </a:extLst>
+          </p:cNvPr>
+          <p:cNvSpPr txBox="1"/>
+          <p:nvPr/>
+        </p:nvSpPr>
+        <p:spPr>
+          <a:xfrm>
+            <a:off x="6349748" y="2755126"/>
+            <a:ext cx="1933074" cy="307777"/>
+          </a:xfrm>
+          <a:prstGeom prst="rect">
+            <a:avLst/>
+          </a:prstGeom>
+        </p:spPr>
+        <p:txBody>
+          <a:bodyPr wrap="square" rtlCol="0">
+            <a:spAutoFit/>
+          </a:bodyPr>
+          <a:lstStyle/>
+          <a:p>
+            <a:r>
+              <a:rPr lang="en-US" sz="1400" b="0" dirty="0"/>
+              <a:t>Questionnaire (SDC)</a:t>
+            </a:r>
+          </a:p>
+        </p:txBody>
+      </p:sp>
+      <p:sp>
+        <p:nvSpPr>
+          <p:cNvPr id="52" name="TextBox 51">
+            <a:extLst>
+              <a:ext uri="{FF2B5EF4-FFF2-40B4-BE49-F238E27FC236}">
+                <a16:creationId xmlns:a16="http://schemas.microsoft.com/office/drawing/2014/main" id="{E8998884-432F-4A55-AA60-FC5EF1710B3D}"/>
+              </a:ext>
+            </a:extLst>
+          </p:cNvPr>
+          <p:cNvSpPr txBox="1"/>
+          <p:nvPr/>
+        </p:nvSpPr>
+        <p:spPr>
+          <a:xfrm>
+            <a:off x="8748041" y="2755126"/>
+            <a:ext cx="1933074" cy="307777"/>
+          </a:xfrm>
+          <a:prstGeom prst="rect">
+            <a:avLst/>
+          </a:prstGeom>
+        </p:spPr>
+        <p:txBody>
+          <a:bodyPr wrap="square" rtlCol="0">
+            <a:spAutoFit/>
+          </a:bodyPr>
+          <a:lstStyle/>
+          <a:p>
+            <a:r>
+              <a:rPr lang="en-US" sz="1400" dirty="0"/>
+              <a:t>User-interface Forms</a:t>
+            </a:r>
+            <a:endParaRPr lang="en-US" sz="1400" b="0" dirty="0"/>
+          </a:p>
+        </p:txBody>
+      </p:sp>
+      <p:sp>
+        <p:nvSpPr>
+          <p:cNvPr id="53" name="TextBox 52">
+            <a:extLst>
+              <a:ext uri="{FF2B5EF4-FFF2-40B4-BE49-F238E27FC236}">
+                <a16:creationId xmlns:a16="http://schemas.microsoft.com/office/drawing/2014/main" id="{5D1001D2-96A6-4483-9741-59779A75D925}"/>
+              </a:ext>
+            </a:extLst>
+          </p:cNvPr>
+          <p:cNvSpPr txBox="1"/>
+          <p:nvPr/>
+        </p:nvSpPr>
+        <p:spPr>
+          <a:xfrm>
+            <a:off x="3951453" y="3798451"/>
+            <a:ext cx="1933074" cy="738664"/>
+          </a:xfrm>
+          <a:prstGeom prst="rect">
+            <a:avLst/>
+          </a:prstGeom>
+        </p:spPr>
+        <p:txBody>
+          <a:bodyPr wrap="square" rtlCol="0">
+            <a:spAutoFit/>
+          </a:bodyPr>
+          <a:lstStyle/>
+          <a:p>
+            <a:r>
+              <a:rPr lang="en-US" sz="1400" b="0" dirty="0"/>
+              <a:t>Workflows</a:t>
+            </a:r>
+          </a:p>
+          <a:p>
+            <a:r>
+              <a:rPr lang="en-US" sz="1400" dirty="0"/>
+              <a:t>Decision Trees</a:t>
+            </a:r>
+          </a:p>
+          <a:p>
+            <a:r>
+              <a:rPr lang="en-US" sz="1400" b="0" dirty="0"/>
+              <a:t>Triggers</a:t>
+            </a:r>
+          </a:p>
+        </p:txBody>
+      </p:sp>
+      <p:sp>
+        <p:nvSpPr>
+          <p:cNvPr id="54" name="TextBox 53">
+            <a:extLst>
+              <a:ext uri="{FF2B5EF4-FFF2-40B4-BE49-F238E27FC236}">
+                <a16:creationId xmlns:a16="http://schemas.microsoft.com/office/drawing/2014/main" id="{AE563D0A-7D50-4DCE-A50F-357C2328E7E5}"/>
+              </a:ext>
+            </a:extLst>
+          </p:cNvPr>
+          <p:cNvSpPr txBox="1"/>
+          <p:nvPr/>
+        </p:nvSpPr>
+        <p:spPr>
+          <a:xfrm>
+            <a:off x="3951453" y="5230901"/>
+            <a:ext cx="1933074" cy="738664"/>
+          </a:xfrm>
+          <a:prstGeom prst="rect">
+            <a:avLst/>
+          </a:prstGeom>
+        </p:spPr>
+        <p:txBody>
+          <a:bodyPr wrap="square" rtlCol="0">
+            <a:spAutoFit/>
+          </a:bodyPr>
+          <a:lstStyle/>
+          <a:p>
+            <a:r>
+              <a:rPr lang="en-US" sz="1400" b="0" dirty="0"/>
+              <a:t>Terminologies</a:t>
+            </a:r>
+          </a:p>
+          <a:p>
+            <a:r>
+              <a:rPr lang="en-US" sz="1400" dirty="0"/>
+              <a:t>Data Dictionary</a:t>
+            </a:r>
+          </a:p>
+          <a:p>
+            <a:r>
+              <a:rPr lang="en-US" sz="1400" dirty="0"/>
+              <a:t>Indicators</a:t>
+            </a:r>
+          </a:p>
+        </p:txBody>
+      </p:sp>
+      <p:sp>
+        <p:nvSpPr>
+          <p:cNvPr id="55" name="TextBox 54">
+            <a:extLst>
+              <a:ext uri="{FF2B5EF4-FFF2-40B4-BE49-F238E27FC236}">
+                <a16:creationId xmlns:a16="http://schemas.microsoft.com/office/drawing/2014/main" id="{4FE9EC94-A3A9-4C68-A926-AA73FD2622E7}"/>
+              </a:ext>
+            </a:extLst>
+          </p:cNvPr>
+          <p:cNvSpPr txBox="1"/>
+          <p:nvPr/>
+        </p:nvSpPr>
+        <p:spPr>
+          <a:xfrm>
+            <a:off x="6349748" y="3850518"/>
+            <a:ext cx="1933074" cy="738664"/>
+          </a:xfrm>
+          <a:prstGeom prst="rect">
+            <a:avLst/>
+          </a:prstGeom>
+        </p:spPr>
+        <p:txBody>
+          <a:bodyPr wrap="square" rtlCol="0">
+            <a:spAutoFit/>
+          </a:bodyPr>
+          <a:lstStyle/>
+          <a:p>
+            <a:r>
+              <a:rPr lang="en-US" sz="1400" b="0" dirty="0"/>
+              <a:t>Library (CQL)</a:t>
+            </a:r>
+          </a:p>
+          <a:p>
+            <a:r>
+              <a:rPr lang="en-US" sz="1400" dirty="0"/>
+              <a:t>ActivityDefinition</a:t>
+            </a:r>
+          </a:p>
+          <a:p>
+            <a:r>
+              <a:rPr lang="en-US" sz="1400" b="0" dirty="0"/>
+              <a:t>PlanDefinition</a:t>
+            </a:r>
+          </a:p>
+        </p:txBody>
+      </p:sp>
+      <p:sp>
+        <p:nvSpPr>
+          <p:cNvPr id="56" name="TextBox 55">
+            <a:extLst>
+              <a:ext uri="{FF2B5EF4-FFF2-40B4-BE49-F238E27FC236}">
+                <a16:creationId xmlns:a16="http://schemas.microsoft.com/office/drawing/2014/main" id="{7EA290DC-F222-4457-BCDF-B9C1C03257E4}"/>
+              </a:ext>
+            </a:extLst>
+          </p:cNvPr>
+          <p:cNvSpPr txBox="1"/>
+          <p:nvPr/>
+        </p:nvSpPr>
+        <p:spPr>
+          <a:xfrm>
+            <a:off x="6349748" y="5116658"/>
+            <a:ext cx="2050463" cy="954107"/>
+          </a:xfrm>
+          <a:prstGeom prst="rect">
+            <a:avLst/>
+          </a:prstGeom>
+        </p:spPr>
+        <p:txBody>
+          <a:bodyPr wrap="square" rtlCol="0">
+            <a:spAutoFit/>
+          </a:bodyPr>
+          <a:lstStyle/>
+          <a:p>
+            <a:r>
+              <a:rPr lang="en-US" sz="1400" b="0" dirty="0"/>
+              <a:t>CodeSystem</a:t>
+            </a:r>
+          </a:p>
+          <a:p>
+            <a:r>
+              <a:rPr lang="en-US" sz="1400" dirty="0"/>
+              <a:t>ValueSet</a:t>
+            </a:r>
+          </a:p>
+          <a:p>
+            <a:r>
+              <a:rPr lang="en-US" sz="1400" b="0" dirty="0"/>
+              <a:t>StructureDefinition</a:t>
+            </a:r>
+            <a:endParaRPr lang="en-US" sz="1400" dirty="0"/>
+          </a:p>
+          <a:p>
+            <a:r>
+              <a:rPr lang="en-US" sz="1400" b="0" dirty="0"/>
+              <a:t>Measure</a:t>
+            </a:r>
+          </a:p>
+        </p:txBody>
+      </p:sp>
+      <p:sp>
+        <p:nvSpPr>
+          <p:cNvPr id="57" name="TextBox 56">
+            <a:extLst>
+              <a:ext uri="{FF2B5EF4-FFF2-40B4-BE49-F238E27FC236}">
+                <a16:creationId xmlns:a16="http://schemas.microsoft.com/office/drawing/2014/main" id="{2D9854AD-C545-4EAE-89C1-A43E693DD00A}"/>
+              </a:ext>
+            </a:extLst>
+          </p:cNvPr>
+          <p:cNvSpPr txBox="1"/>
+          <p:nvPr/>
+        </p:nvSpPr>
+        <p:spPr>
+          <a:xfrm>
+            <a:off x="8748041" y="3827286"/>
+            <a:ext cx="1933074" cy="738664"/>
+          </a:xfrm>
+          <a:prstGeom prst="rect">
+            <a:avLst/>
+          </a:prstGeom>
+        </p:spPr>
+        <p:txBody>
+          <a:bodyPr wrap="square" rtlCol="0">
+            <a:spAutoFit/>
+          </a:bodyPr>
+          <a:lstStyle/>
+          <a:p>
+            <a:r>
+              <a:rPr lang="en-US" sz="1400" b="0" dirty="0"/>
+              <a:t>Application Services</a:t>
+            </a:r>
+          </a:p>
+          <a:p>
+            <a:r>
+              <a:rPr lang="en-US" sz="1400" dirty="0"/>
+              <a:t>Health Record Systems</a:t>
+            </a:r>
+          </a:p>
+          <a:p>
+            <a:r>
+              <a:rPr lang="en-US" sz="1400" b="0" dirty="0"/>
+              <a:t>Decision Services</a:t>
+            </a:r>
+          </a:p>
+        </p:txBody>
+      </p:sp>
+      <p:sp>
+        <p:nvSpPr>
+          <p:cNvPr id="58" name="TextBox 57">
+            <a:extLst>
+              <a:ext uri="{FF2B5EF4-FFF2-40B4-BE49-F238E27FC236}">
+                <a16:creationId xmlns:a16="http://schemas.microsoft.com/office/drawing/2014/main" id="{2B5A81BB-EDBE-41CC-9EBA-617B62618793}"/>
+              </a:ext>
+            </a:extLst>
+          </p:cNvPr>
+          <p:cNvSpPr txBox="1"/>
+          <p:nvPr/>
+        </p:nvSpPr>
+        <p:spPr>
+          <a:xfrm>
+            <a:off x="8748041" y="5224379"/>
+            <a:ext cx="2050463" cy="738664"/>
+          </a:xfrm>
+          <a:prstGeom prst="rect">
+            <a:avLst/>
+          </a:prstGeom>
+        </p:spPr>
+        <p:txBody>
+          <a:bodyPr wrap="square" rtlCol="0">
+            <a:spAutoFit/>
+          </a:bodyPr>
+          <a:lstStyle/>
+          <a:p>
+            <a:r>
+              <a:rPr lang="en-US" sz="1400" b="0" dirty="0"/>
+              <a:t>Systems of Record</a:t>
+            </a:r>
+          </a:p>
+          <a:p>
+            <a:r>
+              <a:rPr lang="en-US" sz="1400" dirty="0"/>
+              <a:t>Registries and Exchanges</a:t>
+            </a:r>
+          </a:p>
+          <a:p>
+            <a:r>
+              <a:rPr lang="en-US" sz="1400" b="0" dirty="0"/>
+              <a:t>Data Services</a:t>
+            </a:r>
+          </a:p>
+        </p:txBody>
+      </p:sp>
+      <p:sp>
+        <p:nvSpPr>
+          <p:cNvPr id="3" name="TextBox 2">
+            <a:extLst>
+              <a:ext uri="{FF2B5EF4-FFF2-40B4-BE49-F238E27FC236}">
+                <a16:creationId xmlns:a16="http://schemas.microsoft.com/office/drawing/2014/main" id="{EC30C2D2-14F8-4511-89FF-C4891AEC9D03}"/>
+              </a:ext>
+            </a:extLst>
+          </p:cNvPr>
+          <p:cNvSpPr txBox="1"/>
+          <p:nvPr/>
+        </p:nvSpPr>
+        <p:spPr>
+          <a:xfrm>
+            <a:off x="2599690" y="1386049"/>
+            <a:ext cx="2153025" cy="338554"/>
+          </a:xfrm>
+          <a:prstGeom prst="rect">
+            <a:avLst/>
+          </a:prstGeom>
+          <a:noFill/>
+        </p:spPr>
+        <p:txBody>
+          <a:bodyPr wrap="none" rtlCol="0">
+            <a:spAutoFit/>
+          </a:bodyPr>
+          <a:lstStyle/>
+          <a:p>
+            <a:r>
+              <a:rPr lang="en-US" sz="1600" dirty="0"/>
+              <a:t>Guideline Development</a:t>
+            </a:r>
+          </a:p>
+        </p:txBody>
+      </p:sp>
+      <p:sp>
+        <p:nvSpPr>
+          <p:cNvPr id="4" name="TextBox 3">
+            <a:extLst>
+              <a:ext uri="{FF2B5EF4-FFF2-40B4-BE49-F238E27FC236}">
+                <a16:creationId xmlns:a16="http://schemas.microsoft.com/office/drawing/2014/main" id="{75017BC1-C24F-46E2-80DD-E792B7E58F25}"/>
+              </a:ext>
+            </a:extLst>
+          </p:cNvPr>
+          <p:cNvSpPr txBox="1"/>
+          <p:nvPr/>
+        </p:nvSpPr>
+        <p:spPr>
+          <a:xfrm>
+            <a:off x="5049537" y="1374169"/>
+            <a:ext cx="2137765" cy="338554"/>
+          </a:xfrm>
+          <a:prstGeom prst="rect">
+            <a:avLst/>
+          </a:prstGeom>
+          <a:noFill/>
+        </p:spPr>
+        <p:txBody>
+          <a:bodyPr wrap="none" rtlCol="0">
+            <a:spAutoFit/>
+          </a:bodyPr>
+          <a:lstStyle/>
+          <a:p>
+            <a:r>
+              <a:rPr lang="en-US" sz="1600" dirty="0"/>
+              <a:t>Knowledge Engineering</a:t>
+            </a:r>
+          </a:p>
+        </p:txBody>
+      </p:sp>
+      <p:sp>
+        <p:nvSpPr>
+          <p:cNvPr id="5" name="TextBox 4">
+            <a:extLst>
+              <a:ext uri="{FF2B5EF4-FFF2-40B4-BE49-F238E27FC236}">
+                <a16:creationId xmlns:a16="http://schemas.microsoft.com/office/drawing/2014/main" id="{D2599501-7088-4CB6-9CB7-26914EA20241}"/>
+              </a:ext>
+            </a:extLst>
+          </p:cNvPr>
+          <p:cNvSpPr txBox="1"/>
+          <p:nvPr/>
+        </p:nvSpPr>
+        <p:spPr>
+          <a:xfrm>
+            <a:off x="7706488" y="1383038"/>
+            <a:ext cx="1521635" cy="338554"/>
+          </a:xfrm>
+          <a:prstGeom prst="rect">
+            <a:avLst/>
+          </a:prstGeom>
+          <a:noFill/>
+        </p:spPr>
+        <p:txBody>
+          <a:bodyPr wrap="none" rtlCol="0">
+            <a:spAutoFit/>
+          </a:bodyPr>
+          <a:lstStyle/>
+          <a:p>
+            <a:r>
+              <a:rPr lang="en-US" sz="1600" dirty="0"/>
+              <a:t>Implementation</a:t>
+            </a:r>
+          </a:p>
+        </p:txBody>
+      </p:sp>
+      <p:sp>
+        <p:nvSpPr>
+          <p:cNvPr id="9" name="Rectangle: Rounded Corners 8">
+            <a:extLst>
+              <a:ext uri="{FF2B5EF4-FFF2-40B4-BE49-F238E27FC236}">
+                <a16:creationId xmlns:a16="http://schemas.microsoft.com/office/drawing/2014/main" id="{F33546DE-755B-44EB-B864-CFB4D787126D}"/>
+              </a:ext>
+            </a:extLst>
+          </p:cNvPr>
+          <p:cNvSpPr/>
+          <p:nvPr/>
+        </p:nvSpPr>
+        <p:spPr>
+          <a:xfrm>
+            <a:off x="1301686" y="1762152"/>
+            <a:ext cx="4811308" cy="4474993"/>
+          </a:xfrm>
+          <a:prstGeom prst="roundRect">
+            <a:avLst>
+              <a:gd name="adj" fmla="val 3993"/>
+            </a:avLst>
+          </a:prstGeom>
+          <a:solidFill>
+            <a:srgbClr val="FFE699">
+              <a:alpha val="25098"/>
+            </a:srgbClr>
+          </a:solidFill>
+          <a:ln w="38100"/>
+        </p:spPr>
+        <p:style>
+          <a:lnRef idx="2">
+            <a:schemeClr val="accent1">
+              <a:shade val="50000"/>
+            </a:schemeClr>
+          </a:lnRef>
+          <a:fillRef idx="1">
+            <a:schemeClr val="accent1"/>
+          </a:fillRef>
+          <a:effectRef idx="0">
+            <a:schemeClr val="accent1"/>
+          </a:effectRef>
+          <a:fontRef idx="minor">
+            <a:schemeClr val="lt1"/>
+          </a:fontRef>
+        </p:style>
+        <p:txBody>
+          <a:bodyPr rtlCol="0" anchor="ctr"/>
+          <a:lstStyle/>
+          <a:p>
+            <a:pPr algn="ctr"/>
+            <a:endParaRPr lang="en-US"/>
+          </a:p>
+        </p:txBody>
+      </p:sp>
+      <p:sp>
+        <p:nvSpPr>
+          <p:cNvPr id="14" name="Rectangle: Rounded Corners 13">
+            <a:extLst>
+              <a:ext uri="{FF2B5EF4-FFF2-40B4-BE49-F238E27FC236}">
+                <a16:creationId xmlns:a16="http://schemas.microsoft.com/office/drawing/2014/main" id="{54BCF153-AA29-4BEB-80E8-2CBABCE1E6DA}"/>
+              </a:ext>
+            </a:extLst>
+          </p:cNvPr>
+          <p:cNvSpPr/>
+          <p:nvPr/>
+        </p:nvSpPr>
+        <p:spPr>
+          <a:xfrm>
+            <a:off x="3700522" y="1769319"/>
+            <a:ext cx="4811308" cy="4474993"/>
+          </a:xfrm>
+          <a:prstGeom prst="roundRect">
+            <a:avLst>
+              <a:gd name="adj" fmla="val 3993"/>
+            </a:avLst>
+          </a:prstGeom>
+          <a:solidFill>
+            <a:srgbClr val="FFE699">
+              <a:alpha val="25098"/>
+            </a:srgbClr>
+          </a:solidFill>
+          <a:ln w="38100"/>
+        </p:spPr>
+        <p:style>
+          <a:lnRef idx="2">
+            <a:schemeClr val="accent1">
+              <a:shade val="50000"/>
+            </a:schemeClr>
+          </a:lnRef>
+          <a:fillRef idx="1">
+            <a:schemeClr val="accent1"/>
+          </a:fillRef>
+          <a:effectRef idx="0">
+            <a:schemeClr val="accent1"/>
+          </a:effectRef>
+          <a:fontRef idx="minor">
+            <a:schemeClr val="lt1"/>
+          </a:fontRef>
+        </p:style>
+        <p:txBody>
+          <a:bodyPr rtlCol="0" anchor="ctr"/>
+          <a:lstStyle/>
+          <a:p>
+            <a:pPr algn="ctr"/>
+            <a:endParaRPr lang="en-US"/>
+          </a:p>
+        </p:txBody>
+      </p:sp>
+      <p:sp>
+        <p:nvSpPr>
+          <p:cNvPr id="22" name="Rectangle: Rounded Corners 21">
+            <a:extLst>
+              <a:ext uri="{FF2B5EF4-FFF2-40B4-BE49-F238E27FC236}">
+                <a16:creationId xmlns:a16="http://schemas.microsoft.com/office/drawing/2014/main" id="{D13238B4-E64E-4FCF-BD89-B022672F1802}"/>
+              </a:ext>
+            </a:extLst>
+          </p:cNvPr>
+          <p:cNvSpPr/>
+          <p:nvPr/>
+        </p:nvSpPr>
+        <p:spPr>
+          <a:xfrm>
+            <a:off x="6099358" y="1763334"/>
+            <a:ext cx="4811308" cy="4474993"/>
+          </a:xfrm>
+          <a:prstGeom prst="roundRect">
+            <a:avLst>
+              <a:gd name="adj" fmla="val 3993"/>
+            </a:avLst>
+          </a:prstGeom>
+          <a:solidFill>
+            <a:srgbClr val="FFE699">
+              <a:alpha val="25098"/>
+            </a:srgbClr>
+          </a:solidFill>
+          <a:ln w="38100"/>
+        </p:spPr>
+        <p:style>
+          <a:lnRef idx="2">
+            <a:schemeClr val="accent1">
+              <a:shade val="50000"/>
+            </a:schemeClr>
+          </a:lnRef>
+          <a:fillRef idx="1">
+            <a:schemeClr val="accent1"/>
+          </a:fillRef>
+          <a:effectRef idx="0">
+            <a:schemeClr val="accent1"/>
+          </a:effectRef>
+          <a:fontRef idx="minor">
+            <a:schemeClr val="lt1"/>
+          </a:fontRef>
+        </p:style>
+        <p:txBody>
+          <a:bodyPr rtlCol="0" anchor="ctr"/>
+          <a:lstStyle/>
+          <a:p>
+            <a:pPr algn="ctr"/>
+            <a:endParaRPr lang="en-US"/>
+          </a:p>
+        </p:txBody>
+      </p:sp>
+    </p:spTree>
+    <p:extLst>
+      <p:ext uri="{BB962C8B-B14F-4D97-AF65-F5344CB8AC3E}">
+        <p14:creationId xmlns:p14="http://schemas.microsoft.com/office/powerpoint/2010/main" val="3597195223"/>
+      </p:ext>
+    </p:extLst>
+  </p:cSld>
+  <p:clrMapOvr>
+    <a:masterClrMapping/>
+  </p:clrMapOvr>
+</p:sld>
+</file>
+
+<file path=ppt/slides/slide7.xml><?xml version="1.0" encoding="utf-8"?>
+<p:sld xmlns:a="http://schemas.openxmlformats.org/drawingml/2006/main" xmlns:r="http://schemas.openxmlformats.org/officeDocument/2006/relationships" xmlns:p="http://schemas.openxmlformats.org/presentationml/2006/main">
+  <p:cSld>
+    <p:spTree>
+      <p:nvGrpSpPr>
+        <p:cNvPr id="1" name=""/>
+        <p:cNvGrpSpPr/>
+        <p:nvPr/>
+      </p:nvGrpSpPr>
+      <p:grpSpPr>
+        <a:xfrm>
+          <a:off x="0" y="0"/>
+          <a:ext cx="0" cy="0"/>
+          <a:chOff x="0" y="0"/>
+          <a:chExt cx="0" cy="0"/>
+        </a:xfrm>
+      </p:grpSpPr>
+      <p:sp>
+        <p:nvSpPr>
+          <p:cNvPr id="6" name="Rectangle: Rounded Corners 5">
+            <a:extLst>
+              <a:ext uri="{FF2B5EF4-FFF2-40B4-BE49-F238E27FC236}">
+                <a16:creationId xmlns:a16="http://schemas.microsoft.com/office/drawing/2014/main" id="{F666050D-7BC1-4FA6-8DA4-CBA19396DDCF}"/>
+              </a:ext>
+            </a:extLst>
+          </p:cNvPr>
+          <p:cNvSpPr/>
+          <p:nvPr/>
+        </p:nvSpPr>
+        <p:spPr>
+          <a:xfrm>
+            <a:off x="1207893" y="5009237"/>
+            <a:ext cx="9821054" cy="1285957"/>
+          </a:xfrm>
+          <a:prstGeom prst="roundRect">
+            <a:avLst>
+              <a:gd name="adj" fmla="val 9182"/>
+            </a:avLst>
+          </a:prstGeom>
+          <a:solidFill>
+            <a:schemeClr val="accent3"/>
+          </a:solidFill>
+        </p:spPr>
+        <p:style>
+          <a:lnRef idx="2">
+            <a:schemeClr val="accent1">
+              <a:shade val="50000"/>
+            </a:schemeClr>
+          </a:lnRef>
+          <a:fillRef idx="1">
+            <a:schemeClr val="accent1"/>
+          </a:fillRef>
+          <a:effectRef idx="0">
+            <a:schemeClr val="accent1"/>
+          </a:effectRef>
+          <a:fontRef idx="minor">
+            <a:schemeClr val="lt1"/>
+          </a:fontRef>
+        </p:style>
+        <p:txBody>
+          <a:bodyPr rtlCol="0" anchor="ctr"/>
+          <a:lstStyle/>
+          <a:p>
+            <a:pPr algn="ctr"/>
+            <a:endParaRPr lang="en-US"/>
+          </a:p>
+        </p:txBody>
+      </p:sp>
+      <p:sp>
+        <p:nvSpPr>
+          <p:cNvPr id="7" name="Rectangle: Rounded Corners 6">
+            <a:extLst>
+              <a:ext uri="{FF2B5EF4-FFF2-40B4-BE49-F238E27FC236}">
+                <a16:creationId xmlns:a16="http://schemas.microsoft.com/office/drawing/2014/main" id="{B0901C88-D09D-4B6B-8432-AF5B1BFAF4B0}"/>
+              </a:ext>
+            </a:extLst>
+          </p:cNvPr>
+          <p:cNvSpPr/>
+          <p:nvPr/>
+        </p:nvSpPr>
+        <p:spPr>
+          <a:xfrm>
+            <a:off x="1207893" y="3637637"/>
+            <a:ext cx="9821054" cy="1285957"/>
+          </a:xfrm>
+          <a:prstGeom prst="roundRect">
+            <a:avLst>
+              <a:gd name="adj" fmla="val 9182"/>
+            </a:avLst>
+          </a:prstGeom>
+          <a:solidFill>
+            <a:schemeClr val="accent5">
+              <a:lumMod val="60000"/>
+              <a:lumOff val="40000"/>
+            </a:schemeClr>
+          </a:solidFill>
+        </p:spPr>
+        <p:style>
+          <a:lnRef idx="2">
+            <a:schemeClr val="accent1">
+              <a:shade val="50000"/>
+            </a:schemeClr>
+          </a:lnRef>
+          <a:fillRef idx="1">
+            <a:schemeClr val="accent1"/>
+          </a:fillRef>
+          <a:effectRef idx="0">
+            <a:schemeClr val="accent1"/>
+          </a:effectRef>
+          <a:fontRef idx="minor">
+            <a:schemeClr val="lt1"/>
+          </a:fontRef>
+        </p:style>
+        <p:txBody>
+          <a:bodyPr rtlCol="0" anchor="ctr"/>
+          <a:lstStyle/>
+          <a:p>
+            <a:pPr algn="ctr"/>
+            <a:endParaRPr lang="en-US"/>
+          </a:p>
+        </p:txBody>
+      </p:sp>
+      <p:sp>
+        <p:nvSpPr>
+          <p:cNvPr id="8" name="Rectangle: Rounded Corners 7">
+            <a:extLst>
+              <a:ext uri="{FF2B5EF4-FFF2-40B4-BE49-F238E27FC236}">
+                <a16:creationId xmlns:a16="http://schemas.microsoft.com/office/drawing/2014/main" id="{1409B06B-2574-481F-999E-B8603B5D50C3}"/>
+              </a:ext>
+            </a:extLst>
+          </p:cNvPr>
+          <p:cNvSpPr/>
+          <p:nvPr/>
+        </p:nvSpPr>
+        <p:spPr>
+          <a:xfrm>
+            <a:off x="1207893" y="2266037"/>
+            <a:ext cx="9821054" cy="1285957"/>
+          </a:xfrm>
+          <a:prstGeom prst="roundRect">
+            <a:avLst>
+              <a:gd name="adj" fmla="val 9182"/>
+            </a:avLst>
+          </a:prstGeom>
+          <a:solidFill>
+            <a:schemeClr val="accent1">
+              <a:lumMod val="40000"/>
+              <a:lumOff val="60000"/>
+            </a:schemeClr>
+          </a:solidFill>
+        </p:spPr>
+        <p:style>
+          <a:lnRef idx="2">
+            <a:schemeClr val="accent1">
+              <a:shade val="50000"/>
+            </a:schemeClr>
+          </a:lnRef>
+          <a:fillRef idx="1">
+            <a:schemeClr val="accent1"/>
+          </a:fillRef>
+          <a:effectRef idx="0">
+            <a:schemeClr val="accent1"/>
+          </a:effectRef>
+          <a:fontRef idx="minor">
+            <a:schemeClr val="lt1"/>
+          </a:fontRef>
+        </p:style>
+        <p:txBody>
+          <a:bodyPr rtlCol="0" anchor="ctr"/>
+          <a:lstStyle/>
+          <a:p>
+            <a:pPr algn="ctr"/>
+            <a:endParaRPr lang="en-US"/>
+          </a:p>
+        </p:txBody>
+      </p:sp>
+      <p:sp>
+        <p:nvSpPr>
+          <p:cNvPr id="10" name="TextBox 9">
+            <a:extLst>
+              <a:ext uri="{FF2B5EF4-FFF2-40B4-BE49-F238E27FC236}">
+                <a16:creationId xmlns:a16="http://schemas.microsoft.com/office/drawing/2014/main" id="{A5CA2806-6DC3-4FCB-9296-F73913E98652}"/>
+              </a:ext>
+            </a:extLst>
+          </p:cNvPr>
+          <p:cNvSpPr txBox="1"/>
+          <p:nvPr/>
+        </p:nvSpPr>
+        <p:spPr>
+          <a:xfrm rot="16200000">
+            <a:off x="487729" y="5467549"/>
+            <a:ext cx="1070999" cy="369332"/>
+          </a:xfrm>
+          <a:prstGeom prst="rect">
+            <a:avLst/>
+          </a:prstGeom>
+        </p:spPr>
+        <p:txBody>
+          <a:bodyPr wrap="none" rtlCol="0">
+            <a:spAutoFit/>
+          </a:bodyPr>
+          <a:lstStyle/>
+          <a:p>
+            <a:r>
+              <a:rPr lang="en-US" dirty="0"/>
+              <a:t>T1 – Data</a:t>
+            </a:r>
+            <a:endParaRPr lang="en-US" b="0" dirty="0"/>
+          </a:p>
+        </p:txBody>
+      </p:sp>
+      <p:sp>
+        <p:nvSpPr>
+          <p:cNvPr id="11" name="TextBox 10">
+            <a:extLst>
+              <a:ext uri="{FF2B5EF4-FFF2-40B4-BE49-F238E27FC236}">
+                <a16:creationId xmlns:a16="http://schemas.microsoft.com/office/drawing/2014/main" id="{3C394B27-713E-4355-9DF5-63B82D16C924}"/>
+              </a:ext>
+            </a:extLst>
+          </p:cNvPr>
+          <p:cNvSpPr txBox="1"/>
+          <p:nvPr/>
+        </p:nvSpPr>
+        <p:spPr>
+          <a:xfrm rot="16200000">
+            <a:off x="466025" y="4097198"/>
+            <a:ext cx="1114408" cy="369332"/>
+          </a:xfrm>
+          <a:prstGeom prst="rect">
+            <a:avLst/>
+          </a:prstGeom>
+        </p:spPr>
+        <p:txBody>
+          <a:bodyPr wrap="none" rtlCol="0">
+            <a:spAutoFit/>
+          </a:bodyPr>
+          <a:lstStyle/>
+          <a:p>
+            <a:r>
+              <a:rPr lang="en-US" dirty="0"/>
+              <a:t>T2 – Logic</a:t>
+            </a:r>
+            <a:endParaRPr lang="en-US" b="0" dirty="0"/>
+          </a:p>
+        </p:txBody>
+      </p:sp>
+      <p:sp>
+        <p:nvSpPr>
+          <p:cNvPr id="12" name="TextBox 11">
+            <a:extLst>
+              <a:ext uri="{FF2B5EF4-FFF2-40B4-BE49-F238E27FC236}">
+                <a16:creationId xmlns:a16="http://schemas.microsoft.com/office/drawing/2014/main" id="{6B3B268D-1BA0-498C-86F6-A28C626F95C4}"/>
+              </a:ext>
+            </a:extLst>
+          </p:cNvPr>
+          <p:cNvSpPr txBox="1"/>
+          <p:nvPr/>
+        </p:nvSpPr>
+        <p:spPr>
+          <a:xfrm rot="16200000">
+            <a:off x="415937" y="2655417"/>
+            <a:ext cx="1213858" cy="369332"/>
+          </a:xfrm>
+          <a:prstGeom prst="rect">
+            <a:avLst/>
+          </a:prstGeom>
+        </p:spPr>
+        <p:txBody>
+          <a:bodyPr wrap="none" rtlCol="0">
+            <a:spAutoFit/>
+          </a:bodyPr>
+          <a:lstStyle/>
+          <a:p>
+            <a:r>
+              <a:rPr lang="en-US" dirty="0"/>
+              <a:t>T3 – Forms</a:t>
+            </a:r>
+            <a:endParaRPr lang="en-US" b="0" dirty="0"/>
+          </a:p>
+        </p:txBody>
+      </p:sp>
+      <p:sp>
+        <p:nvSpPr>
+          <p:cNvPr id="13" name="Rectangle: Rounded Corners 12">
+            <a:extLst>
+              <a:ext uri="{FF2B5EF4-FFF2-40B4-BE49-F238E27FC236}">
+                <a16:creationId xmlns:a16="http://schemas.microsoft.com/office/drawing/2014/main" id="{77BD3CC5-09FD-4544-9137-D38042D2D8D1}"/>
+              </a:ext>
+            </a:extLst>
+          </p:cNvPr>
+          <p:cNvSpPr/>
+          <p:nvPr/>
+        </p:nvSpPr>
+        <p:spPr>
+          <a:xfrm>
+            <a:off x="1368676" y="2374102"/>
+            <a:ext cx="2302042" cy="3813614"/>
+          </a:xfrm>
+          <a:prstGeom prst="roundRect">
+            <a:avLst>
+              <a:gd name="adj" fmla="val 4472"/>
+            </a:avLst>
+          </a:prstGeom>
+          <a:solidFill>
+            <a:srgbClr val="A72931">
+              <a:alpha val="80000"/>
+            </a:srgbClr>
+          </a:solidFill>
+        </p:spPr>
+        <p:style>
+          <a:lnRef idx="2">
+            <a:schemeClr val="accent1">
+              <a:shade val="50000"/>
+            </a:schemeClr>
+          </a:lnRef>
+          <a:fillRef idx="1">
+            <a:schemeClr val="accent1"/>
+          </a:fillRef>
+          <a:effectRef idx="0">
+            <a:schemeClr val="accent1"/>
+          </a:effectRef>
+          <a:fontRef idx="minor">
+            <a:schemeClr val="lt1"/>
+          </a:fontRef>
+        </p:style>
+        <p:txBody>
+          <a:bodyPr rtlCol="0" anchor="ctr"/>
+          <a:lstStyle/>
+          <a:p>
+            <a:pPr algn="ctr"/>
+            <a:endParaRPr lang="en-US" dirty="0"/>
+          </a:p>
+        </p:txBody>
+      </p:sp>
+      <p:sp>
+        <p:nvSpPr>
+          <p:cNvPr id="15" name="Rectangle: Rounded Corners 14">
+            <a:extLst>
+              <a:ext uri="{FF2B5EF4-FFF2-40B4-BE49-F238E27FC236}">
+                <a16:creationId xmlns:a16="http://schemas.microsoft.com/office/drawing/2014/main" id="{038D4680-8C71-4D99-97E4-E0E6982C55EE}"/>
+              </a:ext>
+            </a:extLst>
+          </p:cNvPr>
+          <p:cNvSpPr/>
+          <p:nvPr/>
+        </p:nvSpPr>
+        <p:spPr>
+          <a:xfrm>
+            <a:off x="3766970" y="2374102"/>
+            <a:ext cx="2302042" cy="3813614"/>
+          </a:xfrm>
+          <a:prstGeom prst="roundRect">
+            <a:avLst>
+              <a:gd name="adj" fmla="val 4472"/>
+            </a:avLst>
+          </a:prstGeom>
+          <a:solidFill>
+            <a:srgbClr val="C55A11">
+              <a:alpha val="80000"/>
+            </a:srgbClr>
+          </a:solidFill>
+        </p:spPr>
+        <p:style>
+          <a:lnRef idx="2">
+            <a:schemeClr val="accent1">
+              <a:shade val="50000"/>
+            </a:schemeClr>
+          </a:lnRef>
+          <a:fillRef idx="1">
+            <a:schemeClr val="accent1"/>
+          </a:fillRef>
+          <a:effectRef idx="0">
+            <a:schemeClr val="accent1"/>
+          </a:effectRef>
+          <a:fontRef idx="minor">
+            <a:schemeClr val="lt1"/>
+          </a:fontRef>
+        </p:style>
+        <p:txBody>
+          <a:bodyPr rtlCol="0" anchor="ctr"/>
+          <a:lstStyle/>
+          <a:p>
+            <a:pPr algn="ctr"/>
+            <a:endParaRPr lang="en-US" dirty="0"/>
+          </a:p>
+        </p:txBody>
+      </p:sp>
+      <p:sp>
+        <p:nvSpPr>
+          <p:cNvPr id="16" name="Rectangle: Rounded Corners 15">
+            <a:extLst>
+              <a:ext uri="{FF2B5EF4-FFF2-40B4-BE49-F238E27FC236}">
+                <a16:creationId xmlns:a16="http://schemas.microsoft.com/office/drawing/2014/main" id="{AD68036E-F5A0-4CAD-8469-572E8F9B44DF}"/>
+              </a:ext>
+            </a:extLst>
+          </p:cNvPr>
+          <p:cNvSpPr/>
+          <p:nvPr/>
+        </p:nvSpPr>
+        <p:spPr>
+          <a:xfrm>
+            <a:off x="6165264" y="2374102"/>
+            <a:ext cx="2302042" cy="3813614"/>
+          </a:xfrm>
+          <a:prstGeom prst="roundRect">
+            <a:avLst>
+              <a:gd name="adj" fmla="val 4472"/>
+            </a:avLst>
+          </a:prstGeom>
+          <a:solidFill>
+            <a:srgbClr val="00B050">
+              <a:alpha val="80000"/>
+            </a:srgbClr>
+          </a:solidFill>
+        </p:spPr>
+        <p:style>
+          <a:lnRef idx="2">
+            <a:schemeClr val="accent1">
+              <a:shade val="50000"/>
+            </a:schemeClr>
+          </a:lnRef>
+          <a:fillRef idx="1">
+            <a:schemeClr val="accent1"/>
+          </a:fillRef>
+          <a:effectRef idx="0">
+            <a:schemeClr val="accent1"/>
+          </a:effectRef>
+          <a:fontRef idx="minor">
+            <a:schemeClr val="lt1"/>
+          </a:fontRef>
+        </p:style>
+        <p:txBody>
+          <a:bodyPr rtlCol="0" anchor="ctr"/>
+          <a:lstStyle/>
+          <a:p>
+            <a:pPr algn="ctr"/>
+            <a:endParaRPr lang="en-US"/>
+          </a:p>
+        </p:txBody>
+      </p:sp>
+      <p:sp>
+        <p:nvSpPr>
+          <p:cNvPr id="17" name="Rectangle: Rounded Corners 16">
+            <a:extLst>
+              <a:ext uri="{FF2B5EF4-FFF2-40B4-BE49-F238E27FC236}">
+                <a16:creationId xmlns:a16="http://schemas.microsoft.com/office/drawing/2014/main" id="{081A1799-89D5-4BC8-8AC5-BBE4FB959ED9}"/>
+              </a:ext>
+            </a:extLst>
+          </p:cNvPr>
+          <p:cNvSpPr/>
+          <p:nvPr/>
+        </p:nvSpPr>
+        <p:spPr>
+          <a:xfrm>
+            <a:off x="8563558" y="2374102"/>
+            <a:ext cx="2302042" cy="3813614"/>
+          </a:xfrm>
+          <a:prstGeom prst="roundRect">
+            <a:avLst>
+              <a:gd name="adj" fmla="val 4472"/>
+            </a:avLst>
+          </a:prstGeom>
+          <a:solidFill>
+            <a:srgbClr val="0070C0">
+              <a:alpha val="80000"/>
+            </a:srgbClr>
+          </a:solidFill>
+        </p:spPr>
+        <p:style>
+          <a:lnRef idx="2">
+            <a:schemeClr val="accent1">
+              <a:shade val="50000"/>
+            </a:schemeClr>
+          </a:lnRef>
+          <a:fillRef idx="1">
+            <a:schemeClr val="accent1"/>
+          </a:fillRef>
+          <a:effectRef idx="0">
+            <a:schemeClr val="accent1"/>
+          </a:effectRef>
+          <a:fontRef idx="minor">
+            <a:schemeClr val="lt1"/>
+          </a:fontRef>
+        </p:style>
+        <p:txBody>
+          <a:bodyPr rtlCol="0" anchor="ctr"/>
+          <a:lstStyle/>
+          <a:p>
+            <a:pPr algn="ctr"/>
+            <a:endParaRPr lang="en-US"/>
+          </a:p>
+        </p:txBody>
+      </p:sp>
+      <p:sp>
+        <p:nvSpPr>
+          <p:cNvPr id="18" name="TextBox 17">
+            <a:extLst>
+              <a:ext uri="{FF2B5EF4-FFF2-40B4-BE49-F238E27FC236}">
+                <a16:creationId xmlns:a16="http://schemas.microsoft.com/office/drawing/2014/main" id="{23DD6448-858B-434D-B1AF-53BAF15326C9}"/>
+              </a:ext>
+            </a:extLst>
+          </p:cNvPr>
+          <p:cNvSpPr txBox="1"/>
+          <p:nvPr/>
+        </p:nvSpPr>
+        <p:spPr>
+          <a:xfrm>
+            <a:off x="1773883" y="1919127"/>
+            <a:ext cx="1491627" cy="369332"/>
+          </a:xfrm>
+          <a:prstGeom prst="rect">
+            <a:avLst/>
+          </a:prstGeom>
+        </p:spPr>
+        <p:txBody>
+          <a:bodyPr wrap="none" rtlCol="0">
+            <a:spAutoFit/>
+          </a:bodyPr>
+          <a:lstStyle/>
+          <a:p>
+            <a:r>
+              <a:rPr lang="en-US" dirty="0">
+                <a:solidFill>
+                  <a:srgbClr val="A72931"/>
+                </a:solidFill>
+              </a:rPr>
+              <a:t>L1 – </a:t>
+            </a:r>
+            <a:r>
+              <a:rPr lang="en-US" b="0" dirty="0">
+                <a:solidFill>
+                  <a:srgbClr val="A72931"/>
+                </a:solidFill>
+              </a:rPr>
+              <a:t>Narrative</a:t>
+            </a:r>
+          </a:p>
+        </p:txBody>
+      </p:sp>
+      <p:sp>
+        <p:nvSpPr>
+          <p:cNvPr id="19" name="TextBox 18">
+            <a:extLst>
+              <a:ext uri="{FF2B5EF4-FFF2-40B4-BE49-F238E27FC236}">
+                <a16:creationId xmlns:a16="http://schemas.microsoft.com/office/drawing/2014/main" id="{5636F523-0825-47C2-8A8B-479583244062}"/>
+              </a:ext>
+            </a:extLst>
+          </p:cNvPr>
+          <p:cNvSpPr txBox="1"/>
+          <p:nvPr/>
+        </p:nvSpPr>
+        <p:spPr>
+          <a:xfrm>
+            <a:off x="3845325" y="1919967"/>
+            <a:ext cx="2145331" cy="369332"/>
+          </a:xfrm>
+          <a:prstGeom prst="rect">
+            <a:avLst/>
+          </a:prstGeom>
+        </p:spPr>
+        <p:txBody>
+          <a:bodyPr wrap="none" rtlCol="0">
+            <a:spAutoFit/>
+          </a:bodyPr>
+          <a:lstStyle/>
+          <a:p>
+            <a:r>
+              <a:rPr lang="en-US" b="0" dirty="0">
+                <a:solidFill>
+                  <a:schemeClr val="accent2">
+                    <a:lumMod val="75000"/>
+                  </a:schemeClr>
+                </a:solidFill>
+              </a:rPr>
+              <a:t>L2 – Semi-Structured</a:t>
+            </a:r>
+          </a:p>
+        </p:txBody>
+      </p:sp>
+      <p:sp>
+        <p:nvSpPr>
+          <p:cNvPr id="20" name="TextBox 19">
+            <a:extLst>
+              <a:ext uri="{FF2B5EF4-FFF2-40B4-BE49-F238E27FC236}">
+                <a16:creationId xmlns:a16="http://schemas.microsoft.com/office/drawing/2014/main" id="{D09F1CF1-B390-4D93-BD51-5201428454D9}"/>
+              </a:ext>
+            </a:extLst>
+          </p:cNvPr>
+          <p:cNvSpPr txBox="1"/>
+          <p:nvPr/>
+        </p:nvSpPr>
+        <p:spPr>
+          <a:xfrm>
+            <a:off x="6508115" y="1928836"/>
+            <a:ext cx="1616340" cy="369332"/>
+          </a:xfrm>
+          <a:prstGeom prst="rect">
+            <a:avLst/>
+          </a:prstGeom>
+        </p:spPr>
+        <p:txBody>
+          <a:bodyPr wrap="none" rtlCol="0">
+            <a:spAutoFit/>
+          </a:bodyPr>
+          <a:lstStyle/>
+          <a:p>
+            <a:r>
+              <a:rPr lang="en-US" dirty="0">
+                <a:solidFill>
+                  <a:srgbClr val="00B050"/>
+                </a:solidFill>
+              </a:rPr>
+              <a:t>L3 – </a:t>
+            </a:r>
+            <a:r>
+              <a:rPr lang="en-US" b="0" dirty="0">
+                <a:solidFill>
+                  <a:srgbClr val="00B050"/>
+                </a:solidFill>
+              </a:rPr>
+              <a:t>Structured</a:t>
+            </a:r>
+          </a:p>
+        </p:txBody>
+      </p:sp>
+      <p:sp>
+        <p:nvSpPr>
+          <p:cNvPr id="21" name="TextBox 20">
+            <a:extLst>
+              <a:ext uri="{FF2B5EF4-FFF2-40B4-BE49-F238E27FC236}">
+                <a16:creationId xmlns:a16="http://schemas.microsoft.com/office/drawing/2014/main" id="{C53728CB-4022-4473-A622-92E26ED32FD3}"/>
+              </a:ext>
+            </a:extLst>
+          </p:cNvPr>
+          <p:cNvSpPr txBox="1"/>
+          <p:nvPr/>
+        </p:nvSpPr>
+        <p:spPr>
+          <a:xfrm>
+            <a:off x="8896534" y="1913595"/>
+            <a:ext cx="1636089" cy="369332"/>
+          </a:xfrm>
+          <a:prstGeom prst="rect">
+            <a:avLst/>
+          </a:prstGeom>
+        </p:spPr>
+        <p:txBody>
+          <a:bodyPr wrap="none" rtlCol="0">
+            <a:spAutoFit/>
+          </a:bodyPr>
+          <a:lstStyle/>
+          <a:p>
+            <a:r>
+              <a:rPr lang="en-US" dirty="0">
+                <a:solidFill>
+                  <a:srgbClr val="0070C0"/>
+                </a:solidFill>
+              </a:rPr>
+              <a:t>L4 – </a:t>
+            </a:r>
+            <a:r>
+              <a:rPr lang="en-US" b="0" dirty="0">
+                <a:solidFill>
+                  <a:srgbClr val="0070C0"/>
+                </a:solidFill>
+              </a:rPr>
+              <a:t>Executable</a:t>
+            </a:r>
+          </a:p>
+        </p:txBody>
+      </p:sp>
+      <p:pic>
+        <p:nvPicPr>
+          <p:cNvPr id="27" name="Picture 26" descr="A black sign with white text&#10;&#10;Description automatically generated">
+            <a:extLst>
+              <a:ext uri="{FF2B5EF4-FFF2-40B4-BE49-F238E27FC236}">
+                <a16:creationId xmlns:a16="http://schemas.microsoft.com/office/drawing/2014/main" id="{D69F59B7-5967-4E41-AED1-1A16456DEB25}"/>
+              </a:ext>
+            </a:extLst>
+          </p:cNvPr>
+          <p:cNvPicPr>
+            <a:picLocks noChangeAspect="1"/>
+          </p:cNvPicPr>
+          <p:nvPr/>
+        </p:nvPicPr>
+        <p:blipFill>
+          <a:blip r:embed="rId3"/>
+          <a:stretch>
+            <a:fillRect/>
+          </a:stretch>
+        </p:blipFill>
+        <p:spPr>
+          <a:xfrm>
+            <a:off x="273356" y="2485035"/>
+            <a:ext cx="539416" cy="675259"/>
+          </a:xfrm>
+          <a:prstGeom prst="rect">
+            <a:avLst/>
+          </a:prstGeom>
+        </p:spPr>
+      </p:pic>
+      <p:pic>
+        <p:nvPicPr>
+          <p:cNvPr id="1024" name="Picture 1023">
+            <a:extLst>
+              <a:ext uri="{FF2B5EF4-FFF2-40B4-BE49-F238E27FC236}">
+                <a16:creationId xmlns:a16="http://schemas.microsoft.com/office/drawing/2014/main" id="{D577DEBF-E3CC-4C38-B5D1-E526D5FF50AB}"/>
+              </a:ext>
+            </a:extLst>
+          </p:cNvPr>
+          <p:cNvPicPr>
+            <a:picLocks noChangeAspect="1"/>
+          </p:cNvPicPr>
+          <p:nvPr/>
+        </p:nvPicPr>
+        <p:blipFill>
+          <a:blip r:embed="rId4"/>
+          <a:stretch>
+            <a:fillRect/>
+          </a:stretch>
+        </p:blipFill>
+        <p:spPr>
+          <a:xfrm>
+            <a:off x="221776" y="5304735"/>
+            <a:ext cx="590996" cy="590996"/>
+          </a:xfrm>
+          <a:prstGeom prst="rect">
+            <a:avLst/>
+          </a:prstGeom>
+        </p:spPr>
+      </p:pic>
+      <p:pic>
+        <p:nvPicPr>
+          <p:cNvPr id="1037" name="Picture 1036" descr="A circuit board&#10;&#10;Description automatically generated">
+            <a:extLst>
+              <a:ext uri="{FF2B5EF4-FFF2-40B4-BE49-F238E27FC236}">
+                <a16:creationId xmlns:a16="http://schemas.microsoft.com/office/drawing/2014/main" id="{12C82FC5-6784-403E-B600-B476893B63F3}"/>
+              </a:ext>
+            </a:extLst>
+          </p:cNvPr>
+          <p:cNvPicPr>
+            <a:picLocks noChangeAspect="1"/>
+          </p:cNvPicPr>
+          <p:nvPr/>
+        </p:nvPicPr>
+        <p:blipFill>
+          <a:blip r:embed="rId5"/>
+          <a:stretch>
+            <a:fillRect/>
+          </a:stretch>
+        </p:blipFill>
+        <p:spPr>
+          <a:xfrm>
+            <a:off x="221777" y="3901122"/>
+            <a:ext cx="590995" cy="590995"/>
+          </a:xfrm>
+          <a:prstGeom prst="rect">
+            <a:avLst/>
+          </a:prstGeom>
+        </p:spPr>
+      </p:pic>
+      <p:sp>
+        <p:nvSpPr>
+          <p:cNvPr id="1039" name="TextBox 1038">
+            <a:extLst>
+              <a:ext uri="{FF2B5EF4-FFF2-40B4-BE49-F238E27FC236}">
+                <a16:creationId xmlns:a16="http://schemas.microsoft.com/office/drawing/2014/main" id="{0DC3208C-9DE0-47D2-AD7F-A1EA999BEC34}"/>
+              </a:ext>
+            </a:extLst>
+          </p:cNvPr>
+          <p:cNvSpPr txBox="1"/>
+          <p:nvPr/>
+        </p:nvSpPr>
+        <p:spPr>
+          <a:xfrm>
+            <a:off x="1507958" y="2755126"/>
+            <a:ext cx="1933074" cy="307777"/>
+          </a:xfrm>
+          <a:prstGeom prst="rect">
+            <a:avLst/>
+          </a:prstGeom>
+        </p:spPr>
+        <p:txBody>
+          <a:bodyPr wrap="square" rtlCol="0">
+            <a:spAutoFit/>
+          </a:bodyPr>
+          <a:lstStyle/>
+          <a:p>
+            <a:r>
+              <a:rPr lang="en-US" sz="1400" b="0" dirty="0"/>
+              <a:t>Narrative questions</a:t>
+            </a:r>
+          </a:p>
+        </p:txBody>
+      </p:sp>
+      <p:sp>
+        <p:nvSpPr>
+          <p:cNvPr id="48" name="TextBox 47">
+            <a:extLst>
+              <a:ext uri="{FF2B5EF4-FFF2-40B4-BE49-F238E27FC236}">
+                <a16:creationId xmlns:a16="http://schemas.microsoft.com/office/drawing/2014/main" id="{DDAE64A5-04AD-4585-8982-C63FC3879B0C}"/>
+              </a:ext>
+            </a:extLst>
+          </p:cNvPr>
+          <p:cNvSpPr txBox="1"/>
+          <p:nvPr/>
+        </p:nvSpPr>
+        <p:spPr>
+          <a:xfrm>
+            <a:off x="1507958" y="4042730"/>
+            <a:ext cx="1933074" cy="307777"/>
+          </a:xfrm>
+          <a:prstGeom prst="rect">
+            <a:avLst/>
+          </a:prstGeom>
+        </p:spPr>
+        <p:txBody>
+          <a:bodyPr wrap="square" rtlCol="0">
+            <a:spAutoFit/>
+          </a:bodyPr>
+          <a:lstStyle/>
+          <a:p>
+            <a:r>
+              <a:rPr lang="en-US" sz="1400" dirty="0"/>
+              <a:t>Guideline narrative</a:t>
+            </a:r>
+            <a:endParaRPr lang="en-US" sz="1400" b="0" dirty="0"/>
+          </a:p>
+        </p:txBody>
+      </p:sp>
+      <p:sp>
+        <p:nvSpPr>
+          <p:cNvPr id="49" name="TextBox 48">
+            <a:extLst>
+              <a:ext uri="{FF2B5EF4-FFF2-40B4-BE49-F238E27FC236}">
+                <a16:creationId xmlns:a16="http://schemas.microsoft.com/office/drawing/2014/main" id="{6A2FDFAF-3EF4-4684-BD5E-F848F994EE36}"/>
+              </a:ext>
+            </a:extLst>
+          </p:cNvPr>
+          <p:cNvSpPr txBox="1"/>
+          <p:nvPr/>
+        </p:nvSpPr>
+        <p:spPr>
+          <a:xfrm>
+            <a:off x="1507958" y="5338623"/>
+            <a:ext cx="1933074" cy="523220"/>
+          </a:xfrm>
+          <a:prstGeom prst="rect">
+            <a:avLst/>
+          </a:prstGeom>
+        </p:spPr>
+        <p:txBody>
+          <a:bodyPr wrap="square" rtlCol="0">
+            <a:spAutoFit/>
+          </a:bodyPr>
+          <a:lstStyle/>
+          <a:p>
+            <a:r>
+              <a:rPr lang="en-US" sz="1400" dirty="0"/>
+              <a:t>Glossaries</a:t>
+            </a:r>
+          </a:p>
+          <a:p>
+            <a:r>
+              <a:rPr lang="en-US" sz="1400" b="0" dirty="0"/>
+              <a:t>Indicator</a:t>
+            </a:r>
+            <a:r>
+              <a:rPr lang="en-US" sz="1400" dirty="0"/>
+              <a:t> descriptions</a:t>
+            </a:r>
+            <a:endParaRPr lang="en-US" sz="1400" b="0" dirty="0"/>
+          </a:p>
+        </p:txBody>
+      </p:sp>
+      <p:sp>
+        <p:nvSpPr>
+          <p:cNvPr id="50" name="TextBox 49">
+            <a:extLst>
+              <a:ext uri="{FF2B5EF4-FFF2-40B4-BE49-F238E27FC236}">
+                <a16:creationId xmlns:a16="http://schemas.microsoft.com/office/drawing/2014/main" id="{306C5D6E-5DE6-4995-845F-0A4DB522824E}"/>
+              </a:ext>
+            </a:extLst>
+          </p:cNvPr>
+          <p:cNvSpPr txBox="1"/>
+          <p:nvPr/>
+        </p:nvSpPr>
+        <p:spPr>
+          <a:xfrm>
+            <a:off x="3951453" y="2620559"/>
+            <a:ext cx="1933074" cy="738664"/>
+          </a:xfrm>
+          <a:prstGeom prst="rect">
+            <a:avLst/>
+          </a:prstGeom>
+        </p:spPr>
+        <p:txBody>
+          <a:bodyPr wrap="square" rtlCol="0">
+            <a:spAutoFit/>
+          </a:bodyPr>
+          <a:lstStyle/>
+          <a:p>
+            <a:r>
+              <a:rPr lang="en-US" sz="1400" b="0" dirty="0"/>
+              <a:t>Paper forms</a:t>
+            </a:r>
+          </a:p>
+          <a:p>
+            <a:r>
+              <a:rPr lang="en-US" sz="1400" dirty="0"/>
+              <a:t>Use Cases</a:t>
+            </a:r>
+          </a:p>
+          <a:p>
+            <a:r>
+              <a:rPr lang="en-US" sz="1400" b="0" dirty="0"/>
+              <a:t>Personas</a:t>
+            </a:r>
+          </a:p>
+        </p:txBody>
+      </p:sp>
+      <p:sp>
+        <p:nvSpPr>
+          <p:cNvPr id="51" name="TextBox 50">
+            <a:extLst>
+              <a:ext uri="{FF2B5EF4-FFF2-40B4-BE49-F238E27FC236}">
+                <a16:creationId xmlns:a16="http://schemas.microsoft.com/office/drawing/2014/main" id="{9476C5CE-59F2-46F3-BDC1-A2D009B52043}"/>
+              </a:ext>
+            </a:extLst>
+          </p:cNvPr>
+          <p:cNvSpPr txBox="1"/>
+          <p:nvPr/>
+        </p:nvSpPr>
+        <p:spPr>
+          <a:xfrm>
+            <a:off x="6349748" y="2755126"/>
+            <a:ext cx="1933074" cy="307777"/>
+          </a:xfrm>
+          <a:prstGeom prst="rect">
+            <a:avLst/>
+          </a:prstGeom>
+        </p:spPr>
+        <p:txBody>
+          <a:bodyPr wrap="square" rtlCol="0">
+            <a:spAutoFit/>
+          </a:bodyPr>
+          <a:lstStyle/>
+          <a:p>
+            <a:r>
+              <a:rPr lang="en-US" sz="1400" b="0" dirty="0"/>
+              <a:t>Questionnaire (SDC)</a:t>
+            </a:r>
+          </a:p>
+        </p:txBody>
+      </p:sp>
+      <p:sp>
+        <p:nvSpPr>
+          <p:cNvPr id="52" name="TextBox 51">
+            <a:extLst>
+              <a:ext uri="{FF2B5EF4-FFF2-40B4-BE49-F238E27FC236}">
+                <a16:creationId xmlns:a16="http://schemas.microsoft.com/office/drawing/2014/main" id="{E8998884-432F-4A55-AA60-FC5EF1710B3D}"/>
+              </a:ext>
+            </a:extLst>
+          </p:cNvPr>
+          <p:cNvSpPr txBox="1"/>
+          <p:nvPr/>
+        </p:nvSpPr>
+        <p:spPr>
+          <a:xfrm>
+            <a:off x="8748041" y="2755126"/>
+            <a:ext cx="1933074" cy="307777"/>
+          </a:xfrm>
+          <a:prstGeom prst="rect">
+            <a:avLst/>
+          </a:prstGeom>
+        </p:spPr>
+        <p:txBody>
+          <a:bodyPr wrap="square" rtlCol="0">
+            <a:spAutoFit/>
+          </a:bodyPr>
+          <a:lstStyle/>
+          <a:p>
+            <a:r>
+              <a:rPr lang="en-US" sz="1400" dirty="0"/>
+              <a:t>User-interface Forms</a:t>
+            </a:r>
+            <a:endParaRPr lang="en-US" sz="1400" b="0" dirty="0"/>
+          </a:p>
+        </p:txBody>
+      </p:sp>
+      <p:sp>
+        <p:nvSpPr>
+          <p:cNvPr id="53" name="TextBox 52">
+            <a:extLst>
+              <a:ext uri="{FF2B5EF4-FFF2-40B4-BE49-F238E27FC236}">
+                <a16:creationId xmlns:a16="http://schemas.microsoft.com/office/drawing/2014/main" id="{5D1001D2-96A6-4483-9741-59779A75D925}"/>
+              </a:ext>
+            </a:extLst>
+          </p:cNvPr>
+          <p:cNvSpPr txBox="1"/>
+          <p:nvPr/>
+        </p:nvSpPr>
+        <p:spPr>
+          <a:xfrm>
+            <a:off x="3951453" y="3798451"/>
+            <a:ext cx="1933074" cy="738664"/>
+          </a:xfrm>
+          <a:prstGeom prst="rect">
+            <a:avLst/>
+          </a:prstGeom>
+        </p:spPr>
+        <p:txBody>
+          <a:bodyPr wrap="square" rtlCol="0">
+            <a:spAutoFit/>
+          </a:bodyPr>
+          <a:lstStyle/>
+          <a:p>
+            <a:r>
+              <a:rPr lang="en-US" sz="1400" b="0" dirty="0"/>
+              <a:t>Workflows</a:t>
+            </a:r>
+          </a:p>
+          <a:p>
+            <a:r>
+              <a:rPr lang="en-US" sz="1400" dirty="0"/>
+              <a:t>Decision Trees</a:t>
+            </a:r>
+          </a:p>
+          <a:p>
+            <a:r>
+              <a:rPr lang="en-US" sz="1400" b="0" dirty="0"/>
+              <a:t>Triggers</a:t>
+            </a:r>
+          </a:p>
+        </p:txBody>
+      </p:sp>
+      <p:sp>
+        <p:nvSpPr>
+          <p:cNvPr id="54" name="TextBox 53">
+            <a:extLst>
+              <a:ext uri="{FF2B5EF4-FFF2-40B4-BE49-F238E27FC236}">
+                <a16:creationId xmlns:a16="http://schemas.microsoft.com/office/drawing/2014/main" id="{AE563D0A-7D50-4DCE-A50F-357C2328E7E5}"/>
+              </a:ext>
+            </a:extLst>
+          </p:cNvPr>
+          <p:cNvSpPr txBox="1"/>
+          <p:nvPr/>
+        </p:nvSpPr>
+        <p:spPr>
+          <a:xfrm>
+            <a:off x="3951453" y="5230901"/>
+            <a:ext cx="1933074" cy="738664"/>
+          </a:xfrm>
+          <a:prstGeom prst="rect">
+            <a:avLst/>
+          </a:prstGeom>
+        </p:spPr>
+        <p:txBody>
+          <a:bodyPr wrap="square" rtlCol="0">
+            <a:spAutoFit/>
+          </a:bodyPr>
+          <a:lstStyle/>
+          <a:p>
+            <a:r>
+              <a:rPr lang="en-US" sz="1400" b="0" dirty="0"/>
+              <a:t>Terminologies</a:t>
+            </a:r>
+          </a:p>
+          <a:p>
+            <a:r>
+              <a:rPr lang="en-US" sz="1400" dirty="0"/>
+              <a:t>Data Dictionary</a:t>
+            </a:r>
+          </a:p>
+          <a:p>
+            <a:r>
+              <a:rPr lang="en-US" sz="1400" dirty="0"/>
+              <a:t>Indicators</a:t>
+            </a:r>
+          </a:p>
+        </p:txBody>
+      </p:sp>
+      <p:sp>
+        <p:nvSpPr>
+          <p:cNvPr id="55" name="TextBox 54">
+            <a:extLst>
+              <a:ext uri="{FF2B5EF4-FFF2-40B4-BE49-F238E27FC236}">
+                <a16:creationId xmlns:a16="http://schemas.microsoft.com/office/drawing/2014/main" id="{4FE9EC94-A3A9-4C68-A926-AA73FD2622E7}"/>
+              </a:ext>
+            </a:extLst>
+          </p:cNvPr>
+          <p:cNvSpPr txBox="1"/>
+          <p:nvPr/>
+        </p:nvSpPr>
+        <p:spPr>
+          <a:xfrm>
+            <a:off x="6349748" y="3850518"/>
+            <a:ext cx="1933074" cy="738664"/>
+          </a:xfrm>
+          <a:prstGeom prst="rect">
+            <a:avLst/>
+          </a:prstGeom>
+        </p:spPr>
+        <p:txBody>
+          <a:bodyPr wrap="square" rtlCol="0">
+            <a:spAutoFit/>
+          </a:bodyPr>
+          <a:lstStyle/>
+          <a:p>
+            <a:r>
+              <a:rPr lang="en-US" sz="1400" b="0" dirty="0"/>
+              <a:t>Library (CQL)</a:t>
+            </a:r>
+          </a:p>
+          <a:p>
+            <a:r>
+              <a:rPr lang="en-US" sz="1400" dirty="0"/>
+              <a:t>ActivityDefinition</a:t>
+            </a:r>
+          </a:p>
+          <a:p>
+            <a:r>
+              <a:rPr lang="en-US" sz="1400" b="0" dirty="0"/>
+              <a:t>PlanDefinition</a:t>
+            </a:r>
+          </a:p>
+        </p:txBody>
+      </p:sp>
+      <p:sp>
+        <p:nvSpPr>
+          <p:cNvPr id="56" name="TextBox 55">
+            <a:extLst>
+              <a:ext uri="{FF2B5EF4-FFF2-40B4-BE49-F238E27FC236}">
+                <a16:creationId xmlns:a16="http://schemas.microsoft.com/office/drawing/2014/main" id="{7EA290DC-F222-4457-BCDF-B9C1C03257E4}"/>
+              </a:ext>
+            </a:extLst>
+          </p:cNvPr>
+          <p:cNvSpPr txBox="1"/>
+          <p:nvPr/>
+        </p:nvSpPr>
+        <p:spPr>
+          <a:xfrm>
+            <a:off x="6349748" y="5116658"/>
+            <a:ext cx="2050463" cy="954107"/>
+          </a:xfrm>
+          <a:prstGeom prst="rect">
+            <a:avLst/>
+          </a:prstGeom>
+        </p:spPr>
+        <p:txBody>
+          <a:bodyPr wrap="square" rtlCol="0">
+            <a:spAutoFit/>
+          </a:bodyPr>
+          <a:lstStyle/>
+          <a:p>
+            <a:r>
+              <a:rPr lang="en-US" sz="1400" b="0" dirty="0"/>
+              <a:t>CodeSystem</a:t>
+            </a:r>
+          </a:p>
+          <a:p>
+            <a:r>
+              <a:rPr lang="en-US" sz="1400" dirty="0"/>
+              <a:t>ValueSet</a:t>
+            </a:r>
+          </a:p>
+          <a:p>
+            <a:r>
+              <a:rPr lang="en-US" sz="1400" b="0" dirty="0"/>
+              <a:t>StructureDefinition</a:t>
+            </a:r>
+            <a:endParaRPr lang="en-US" sz="1400" dirty="0"/>
+          </a:p>
+          <a:p>
+            <a:r>
+              <a:rPr lang="en-US" sz="1400" b="0" dirty="0"/>
+              <a:t>Measure</a:t>
+            </a:r>
+          </a:p>
+        </p:txBody>
+      </p:sp>
+      <p:sp>
+        <p:nvSpPr>
+          <p:cNvPr id="57" name="TextBox 56">
+            <a:extLst>
+              <a:ext uri="{FF2B5EF4-FFF2-40B4-BE49-F238E27FC236}">
+                <a16:creationId xmlns:a16="http://schemas.microsoft.com/office/drawing/2014/main" id="{2D9854AD-C545-4EAE-89C1-A43E693DD00A}"/>
+              </a:ext>
+            </a:extLst>
+          </p:cNvPr>
+          <p:cNvSpPr txBox="1"/>
+          <p:nvPr/>
+        </p:nvSpPr>
+        <p:spPr>
+          <a:xfrm>
+            <a:off x="8748041" y="3827286"/>
+            <a:ext cx="1933074" cy="738664"/>
+          </a:xfrm>
+          <a:prstGeom prst="rect">
+            <a:avLst/>
+          </a:prstGeom>
+        </p:spPr>
+        <p:txBody>
+          <a:bodyPr wrap="square" rtlCol="0">
+            <a:spAutoFit/>
+          </a:bodyPr>
+          <a:lstStyle/>
+          <a:p>
+            <a:r>
+              <a:rPr lang="en-US" sz="1400" b="0" dirty="0"/>
+              <a:t>Application Services</a:t>
+            </a:r>
+          </a:p>
+          <a:p>
+            <a:r>
+              <a:rPr lang="en-US" sz="1400" dirty="0"/>
+              <a:t>Health Record Systems</a:t>
+            </a:r>
+          </a:p>
+          <a:p>
+            <a:r>
+              <a:rPr lang="en-US" sz="1400" b="0" dirty="0"/>
+              <a:t>Decision Services</a:t>
+            </a:r>
+          </a:p>
+        </p:txBody>
+      </p:sp>
+      <p:sp>
+        <p:nvSpPr>
+          <p:cNvPr id="58" name="TextBox 57">
+            <a:extLst>
+              <a:ext uri="{FF2B5EF4-FFF2-40B4-BE49-F238E27FC236}">
+                <a16:creationId xmlns:a16="http://schemas.microsoft.com/office/drawing/2014/main" id="{2B5A81BB-EDBE-41CC-9EBA-617B62618793}"/>
+              </a:ext>
+            </a:extLst>
+          </p:cNvPr>
+          <p:cNvSpPr txBox="1"/>
+          <p:nvPr/>
+        </p:nvSpPr>
+        <p:spPr>
+          <a:xfrm>
+            <a:off x="8748041" y="5224379"/>
+            <a:ext cx="2050463" cy="738664"/>
+          </a:xfrm>
+          <a:prstGeom prst="rect">
+            <a:avLst/>
+          </a:prstGeom>
+        </p:spPr>
+        <p:txBody>
+          <a:bodyPr wrap="square" rtlCol="0">
+            <a:spAutoFit/>
+          </a:bodyPr>
+          <a:lstStyle/>
+          <a:p>
+            <a:r>
+              <a:rPr lang="en-US" sz="1400" b="0" dirty="0"/>
+              <a:t>Systems of Record</a:t>
+            </a:r>
+          </a:p>
+          <a:p>
+            <a:r>
+              <a:rPr lang="en-US" sz="1400" dirty="0"/>
+              <a:t>Registries and Exchanges</a:t>
+            </a:r>
+          </a:p>
+          <a:p>
+            <a:r>
+              <a:rPr lang="en-US" sz="1400" b="0" dirty="0"/>
+              <a:t>Data Services</a:t>
+            </a:r>
+          </a:p>
+        </p:txBody>
+      </p:sp>
+      <p:sp>
+        <p:nvSpPr>
+          <p:cNvPr id="3" name="TextBox 2">
+            <a:extLst>
+              <a:ext uri="{FF2B5EF4-FFF2-40B4-BE49-F238E27FC236}">
+                <a16:creationId xmlns:a16="http://schemas.microsoft.com/office/drawing/2014/main" id="{EC30C2D2-14F8-4511-89FF-C4891AEC9D03}"/>
+              </a:ext>
+            </a:extLst>
+          </p:cNvPr>
+          <p:cNvSpPr txBox="1"/>
+          <p:nvPr/>
+        </p:nvSpPr>
+        <p:spPr>
+          <a:xfrm>
+            <a:off x="2636919" y="1137208"/>
+            <a:ext cx="2153025" cy="338554"/>
+          </a:xfrm>
+          <a:prstGeom prst="rect">
+            <a:avLst/>
+          </a:prstGeom>
+          <a:noFill/>
+        </p:spPr>
+        <p:txBody>
+          <a:bodyPr wrap="none" rtlCol="0">
+            <a:spAutoFit/>
+          </a:bodyPr>
+          <a:lstStyle/>
+          <a:p>
+            <a:r>
+              <a:rPr lang="en-US" sz="1600" dirty="0"/>
+              <a:t>Guideline Development</a:t>
+            </a:r>
+          </a:p>
+        </p:txBody>
+      </p:sp>
+      <p:sp>
+        <p:nvSpPr>
+          <p:cNvPr id="4" name="TextBox 3">
+            <a:extLst>
+              <a:ext uri="{FF2B5EF4-FFF2-40B4-BE49-F238E27FC236}">
+                <a16:creationId xmlns:a16="http://schemas.microsoft.com/office/drawing/2014/main" id="{75017BC1-C24F-46E2-80DD-E792B7E58F25}"/>
+              </a:ext>
+            </a:extLst>
+          </p:cNvPr>
+          <p:cNvSpPr txBox="1"/>
+          <p:nvPr/>
+        </p:nvSpPr>
+        <p:spPr>
+          <a:xfrm>
+            <a:off x="5027117" y="1137208"/>
+            <a:ext cx="2137765" cy="338554"/>
+          </a:xfrm>
+          <a:prstGeom prst="rect">
+            <a:avLst/>
+          </a:prstGeom>
+          <a:noFill/>
+        </p:spPr>
+        <p:txBody>
+          <a:bodyPr wrap="none" rtlCol="0">
+            <a:spAutoFit/>
+          </a:bodyPr>
+          <a:lstStyle/>
+          <a:p>
+            <a:r>
+              <a:rPr lang="en-US" sz="1600" dirty="0"/>
+              <a:t>Knowledge Engineering</a:t>
+            </a:r>
+          </a:p>
+        </p:txBody>
+      </p:sp>
+      <p:sp>
+        <p:nvSpPr>
+          <p:cNvPr id="5" name="TextBox 4">
+            <a:extLst>
+              <a:ext uri="{FF2B5EF4-FFF2-40B4-BE49-F238E27FC236}">
+                <a16:creationId xmlns:a16="http://schemas.microsoft.com/office/drawing/2014/main" id="{D2599501-7088-4CB6-9CB7-26914EA20241}"/>
+              </a:ext>
+            </a:extLst>
+          </p:cNvPr>
+          <p:cNvSpPr txBox="1"/>
+          <p:nvPr/>
+        </p:nvSpPr>
+        <p:spPr>
+          <a:xfrm>
+            <a:off x="7802740" y="1137208"/>
+            <a:ext cx="1521635" cy="338554"/>
+          </a:xfrm>
+          <a:prstGeom prst="rect">
+            <a:avLst/>
+          </a:prstGeom>
+          <a:noFill/>
+        </p:spPr>
+        <p:txBody>
+          <a:bodyPr wrap="none" rtlCol="0">
+            <a:spAutoFit/>
+          </a:bodyPr>
+          <a:lstStyle/>
+          <a:p>
+            <a:r>
+              <a:rPr lang="en-US" sz="1600" dirty="0"/>
+              <a:t>Implementation</a:t>
+            </a:r>
+          </a:p>
+        </p:txBody>
+      </p:sp>
+      <p:sp>
+        <p:nvSpPr>
+          <p:cNvPr id="2" name="Left Brace 1">
+            <a:extLst>
+              <a:ext uri="{FF2B5EF4-FFF2-40B4-BE49-F238E27FC236}">
+                <a16:creationId xmlns:a16="http://schemas.microsoft.com/office/drawing/2014/main" id="{E4F07730-5A57-4538-9249-910F5D5A41CD}"/>
+              </a:ext>
+            </a:extLst>
+          </p:cNvPr>
+          <p:cNvSpPr/>
+          <p:nvPr/>
+        </p:nvSpPr>
+        <p:spPr>
+          <a:xfrm rot="5400000">
+            <a:off x="3549568" y="-600816"/>
+            <a:ext cx="338554" cy="4700338"/>
+          </a:xfrm>
+          <a:prstGeom prst="leftBrace">
+            <a:avLst>
+              <a:gd name="adj1" fmla="val 44832"/>
+              <a:gd name="adj2" fmla="val 49549"/>
+            </a:avLst>
+          </a:prstGeom>
+        </p:spPr>
+        <p:style>
+          <a:lnRef idx="3">
+            <a:schemeClr val="accent1"/>
+          </a:lnRef>
+          <a:fillRef idx="0">
+            <a:schemeClr val="accent1"/>
+          </a:fillRef>
+          <a:effectRef idx="2">
+            <a:schemeClr val="accent1"/>
+          </a:effectRef>
+          <a:fontRef idx="minor">
+            <a:schemeClr val="tx1"/>
+          </a:fontRef>
+        </p:style>
+        <p:txBody>
+          <a:bodyPr rtlCol="0" anchor="ctr"/>
+          <a:lstStyle/>
+          <a:p>
+            <a:pPr algn="ctr"/>
+            <a:endParaRPr lang="en-US"/>
+          </a:p>
+        </p:txBody>
+      </p:sp>
+      <p:sp>
+        <p:nvSpPr>
+          <p:cNvPr id="23" name="Left Brace 22">
+            <a:extLst>
+              <a:ext uri="{FF2B5EF4-FFF2-40B4-BE49-F238E27FC236}">
+                <a16:creationId xmlns:a16="http://schemas.microsoft.com/office/drawing/2014/main" id="{B2805C2F-99A0-4734-849A-1C976893FB84}"/>
+              </a:ext>
+            </a:extLst>
+          </p:cNvPr>
+          <p:cNvSpPr/>
+          <p:nvPr/>
+        </p:nvSpPr>
+        <p:spPr>
+          <a:xfrm rot="5400000">
+            <a:off x="5859739" y="-511412"/>
+            <a:ext cx="517361" cy="4700338"/>
+          </a:xfrm>
+          <a:prstGeom prst="leftBrace">
+            <a:avLst>
+              <a:gd name="adj1" fmla="val 44832"/>
+              <a:gd name="adj2" fmla="val 49549"/>
+            </a:avLst>
+          </a:prstGeom>
+        </p:spPr>
+        <p:style>
+          <a:lnRef idx="3">
+            <a:schemeClr val="accent1"/>
+          </a:lnRef>
+          <a:fillRef idx="0">
+            <a:schemeClr val="accent1"/>
+          </a:fillRef>
+          <a:effectRef idx="2">
+            <a:schemeClr val="accent1"/>
+          </a:effectRef>
+          <a:fontRef idx="minor">
+            <a:schemeClr val="tx1"/>
+          </a:fontRef>
+        </p:style>
+        <p:txBody>
+          <a:bodyPr rtlCol="0" anchor="ctr"/>
+          <a:lstStyle/>
+          <a:p>
+            <a:pPr algn="ctr"/>
+            <a:endParaRPr lang="en-US"/>
+          </a:p>
+        </p:txBody>
+      </p:sp>
+      <p:sp>
+        <p:nvSpPr>
+          <p:cNvPr id="24" name="Left Brace 23">
+            <a:extLst>
+              <a:ext uri="{FF2B5EF4-FFF2-40B4-BE49-F238E27FC236}">
+                <a16:creationId xmlns:a16="http://schemas.microsoft.com/office/drawing/2014/main" id="{CD195232-04C5-4080-AEFA-70950442A939}"/>
+              </a:ext>
+            </a:extLst>
+          </p:cNvPr>
+          <p:cNvSpPr/>
+          <p:nvPr/>
+        </p:nvSpPr>
+        <p:spPr>
+          <a:xfrm rot="5400000">
+            <a:off x="8351483" y="-600524"/>
+            <a:ext cx="327900" cy="4700338"/>
+          </a:xfrm>
+          <a:prstGeom prst="leftBrace">
+            <a:avLst>
+              <a:gd name="adj1" fmla="val 44832"/>
+              <a:gd name="adj2" fmla="val 49286"/>
+            </a:avLst>
+          </a:prstGeom>
+        </p:spPr>
+        <p:style>
+          <a:lnRef idx="3">
+            <a:schemeClr val="accent1"/>
+          </a:lnRef>
+          <a:fillRef idx="0">
+            <a:schemeClr val="accent1"/>
+          </a:fillRef>
+          <a:effectRef idx="2">
+            <a:schemeClr val="accent1"/>
+          </a:effectRef>
+          <a:fontRef idx="minor">
+            <a:schemeClr val="tx1"/>
+          </a:fontRef>
+        </p:style>
+        <p:txBody>
+          <a:bodyPr rtlCol="0" anchor="ctr"/>
+          <a:lstStyle/>
+          <a:p>
+            <a:pPr algn="ctr"/>
+            <a:endParaRPr lang="en-US"/>
+          </a:p>
+        </p:txBody>
+      </p:sp>
+    </p:spTree>
+    <p:extLst>
+      <p:ext uri="{BB962C8B-B14F-4D97-AF65-F5344CB8AC3E}">
+        <p14:creationId xmlns:p14="http://schemas.microsoft.com/office/powerpoint/2010/main" val="1824168722"/>
+      </p:ext>
+    </p:extLst>
+  </p:cSld>
+  <p:clrMapOvr>
+    <a:masterClrMapping/>
+  </p:clrMapOvr>
+</p:sld>
+</file>
+
+<file path=ppt/slides/slide8.xml><?xml version="1.0" encoding="utf-8"?>
+<p:sld xmlns:a="http://schemas.openxmlformats.org/drawingml/2006/main" xmlns:r="http://schemas.openxmlformats.org/officeDocument/2006/relationships" xmlns:p="http://schemas.openxmlformats.org/presentationml/2006/main">
+  <p:cSld>
+    <p:spTree>
+      <p:nvGrpSpPr>
+        <p:cNvPr id="1" name=""/>
+        <p:cNvGrpSpPr/>
+        <p:nvPr/>
+      </p:nvGrpSpPr>
+      <p:grpSpPr>
+        <a:xfrm>
+          <a:off x="0" y="0"/>
+          <a:ext cx="0" cy="0"/>
+          <a:chOff x="0" y="0"/>
+          <a:chExt cx="0" cy="0"/>
+        </a:xfrm>
+      </p:grpSpPr>
+      <p:sp>
+        <p:nvSpPr>
           <p:cNvPr id="2" name="Title 1">
             <a:extLst>
               <a:ext uri="{FF2B5EF4-FFF2-40B4-BE49-F238E27FC236}">
@@ -12296,2636 +18083,6 @@
 </p:sld>
 </file>
 
-<file path=ppt/slides/slide7.xml><?xml version="1.0" encoding="utf-8"?>
-<p:sld xmlns:a="http://schemas.openxmlformats.org/drawingml/2006/main" xmlns:r="http://schemas.openxmlformats.org/officeDocument/2006/relationships" xmlns:p="http://schemas.openxmlformats.org/presentationml/2006/main">
-  <p:cSld>
-    <p:spTree>
-      <p:nvGrpSpPr>
-        <p:cNvPr id="1" name=""/>
-        <p:cNvGrpSpPr/>
-        <p:nvPr/>
-      </p:nvGrpSpPr>
-      <p:grpSpPr>
-        <a:xfrm>
-          <a:off x="0" y="0"/>
-          <a:ext cx="0" cy="0"/>
-          <a:chOff x="0" y="0"/>
-          <a:chExt cx="0" cy="0"/>
-        </a:xfrm>
-      </p:grpSpPr>
-      <p:sp>
-        <p:nvSpPr>
-          <p:cNvPr id="26" name="Title 25"/>
-          <p:cNvSpPr>
-            <a:spLocks noGrp="1"/>
-          </p:cNvSpPr>
-          <p:nvPr>
-            <p:ph type="title"/>
-          </p:nvPr>
-        </p:nvSpPr>
-        <p:spPr/>
-        <p:txBody>
-          <a:bodyPr/>
-          <a:lstStyle/>
-          <a:p>
-            <a:r>
-              <a:rPr lang="en-CA" dirty="0"/>
-              <a:t>Common Processes</a:t>
-            </a:r>
-          </a:p>
-        </p:txBody>
-      </p:sp>
-      <p:sp>
-        <p:nvSpPr>
-          <p:cNvPr id="2" name="Slide Number Placeholder 1"/>
-          <p:cNvSpPr>
-            <a:spLocks noGrp="1"/>
-          </p:cNvSpPr>
-          <p:nvPr>
-            <p:ph type="sldNum" sz="quarter" idx="4294967295"/>
-          </p:nvPr>
-        </p:nvSpPr>
-        <p:spPr>
-          <a:xfrm>
-            <a:off x="8077200" y="6356351"/>
-            <a:ext cx="2133600" cy="365125"/>
-          </a:xfrm>
-          <a:prstGeom prst="rect">
-            <a:avLst/>
-          </a:prstGeom>
-        </p:spPr>
-        <p:txBody>
-          <a:bodyPr/>
-          <a:lstStyle/>
-          <a:p>
-            <a:fld id="{6734F48E-A456-4E2F-B17E-509464F7A050}" type="slidenum">
-              <a:rPr lang="en-CA" smtClean="0"/>
-              <a:pPr/>
-              <a:t>7</a:t>
-            </a:fld>
-            <a:endParaRPr lang="en-CA"/>
-          </a:p>
-        </p:txBody>
-      </p:sp>
-      <p:pic>
-        <p:nvPicPr>
-          <p:cNvPr id="20" name="Picture 5"/>
-          <p:cNvPicPr>
-            <a:picLocks noChangeAspect="1" noChangeArrowheads="1"/>
-          </p:cNvPicPr>
-          <p:nvPr/>
-        </p:nvPicPr>
-        <p:blipFill>
-          <a:blip r:embed="rId2" cstate="print"/>
-          <a:srcRect/>
-          <a:stretch>
-            <a:fillRect/>
-          </a:stretch>
-        </p:blipFill>
-        <p:spPr bwMode="auto">
-          <a:xfrm>
-            <a:off x="4876800" y="1471056"/>
-            <a:ext cx="1034886" cy="853514"/>
-          </a:xfrm>
-          <a:prstGeom prst="rect">
-            <a:avLst/>
-          </a:prstGeom>
-          <a:noFill/>
-          <a:ln w="9525">
-            <a:noFill/>
-            <a:miter lim="800000"/>
-            <a:headEnd/>
-            <a:tailEnd/>
-          </a:ln>
-          <a:effectLst/>
-        </p:spPr>
-      </p:pic>
-      <p:pic>
-        <p:nvPicPr>
-          <p:cNvPr id="21" name="Picture 6"/>
-          <p:cNvPicPr>
-            <a:picLocks noChangeAspect="1" noChangeArrowheads="1"/>
-          </p:cNvPicPr>
-          <p:nvPr/>
-        </p:nvPicPr>
-        <p:blipFill>
-          <a:blip r:embed="rId3" cstate="print"/>
-          <a:srcRect/>
-          <a:stretch>
-            <a:fillRect/>
-          </a:stretch>
-        </p:blipFill>
-        <p:spPr bwMode="auto">
-          <a:xfrm>
-            <a:off x="6477001" y="1758645"/>
-            <a:ext cx="813887" cy="862659"/>
-          </a:xfrm>
-          <a:prstGeom prst="rect">
-            <a:avLst/>
-          </a:prstGeom>
-          <a:noFill/>
-          <a:ln w="9525">
-            <a:noFill/>
-            <a:miter lim="800000"/>
-            <a:headEnd/>
-            <a:tailEnd/>
-          </a:ln>
-          <a:effectLst/>
-        </p:spPr>
-      </p:pic>
-      <p:pic>
-        <p:nvPicPr>
-          <p:cNvPr id="22" name="Picture 26"/>
-          <p:cNvPicPr>
-            <a:picLocks noChangeAspect="1" noChangeArrowheads="1"/>
-          </p:cNvPicPr>
-          <p:nvPr/>
-        </p:nvPicPr>
-        <p:blipFill>
-          <a:blip r:embed="rId4" cstate="print"/>
-          <a:srcRect/>
-          <a:stretch>
-            <a:fillRect/>
-          </a:stretch>
-        </p:blipFill>
-        <p:spPr bwMode="auto">
-          <a:xfrm>
-            <a:off x="2514601" y="2133601"/>
-            <a:ext cx="659949" cy="914479"/>
-          </a:xfrm>
-          <a:prstGeom prst="rect">
-            <a:avLst/>
-          </a:prstGeom>
-          <a:noFill/>
-          <a:ln w="9525">
-            <a:noFill/>
-            <a:miter lim="800000"/>
-            <a:headEnd/>
-            <a:tailEnd/>
-          </a:ln>
-          <a:effectLst/>
-        </p:spPr>
-      </p:pic>
-      <p:pic>
-        <p:nvPicPr>
-          <p:cNvPr id="24" name="Picture 28"/>
-          <p:cNvPicPr>
-            <a:picLocks noChangeAspect="1" noChangeArrowheads="1"/>
-          </p:cNvPicPr>
-          <p:nvPr/>
-        </p:nvPicPr>
-        <p:blipFill>
-          <a:blip r:embed="rId5" cstate="print"/>
-          <a:srcRect/>
-          <a:stretch>
-            <a:fillRect/>
-          </a:stretch>
-        </p:blipFill>
-        <p:spPr bwMode="auto">
-          <a:xfrm>
-            <a:off x="8382001" y="1530045"/>
-            <a:ext cx="934293" cy="768163"/>
-          </a:xfrm>
-          <a:prstGeom prst="rect">
-            <a:avLst/>
-          </a:prstGeom>
-          <a:noFill/>
-          <a:ln w="9525">
-            <a:noFill/>
-            <a:miter lim="800000"/>
-            <a:headEnd/>
-            <a:tailEnd/>
-          </a:ln>
-          <a:effectLst/>
-        </p:spPr>
-      </p:pic>
-      <p:pic>
-        <p:nvPicPr>
-          <p:cNvPr id="25" name="Picture 4"/>
-          <p:cNvPicPr>
-            <a:picLocks noChangeAspect="1" noChangeArrowheads="1"/>
-          </p:cNvPicPr>
-          <p:nvPr/>
-        </p:nvPicPr>
-        <p:blipFill>
-          <a:blip r:embed="rId6" cstate="print"/>
-          <a:srcRect/>
-          <a:stretch>
-            <a:fillRect/>
-          </a:stretch>
-        </p:blipFill>
-        <p:spPr bwMode="auto">
-          <a:xfrm>
-            <a:off x="3733801" y="2767390"/>
-            <a:ext cx="745301" cy="914479"/>
-          </a:xfrm>
-          <a:prstGeom prst="rect">
-            <a:avLst/>
-          </a:prstGeom>
-          <a:noFill/>
-          <a:ln w="9525">
-            <a:noFill/>
-            <a:miter lim="800000"/>
-            <a:headEnd/>
-            <a:tailEnd/>
-          </a:ln>
-          <a:effectLst/>
-        </p:spPr>
-      </p:pic>
-      <p:pic>
-        <p:nvPicPr>
-          <p:cNvPr id="28" name="Picture 5"/>
-          <p:cNvPicPr>
-            <a:picLocks noChangeAspect="1" noChangeArrowheads="1"/>
-          </p:cNvPicPr>
-          <p:nvPr/>
-        </p:nvPicPr>
-        <p:blipFill>
-          <a:blip r:embed="rId7" cstate="print"/>
-          <a:srcRect/>
-          <a:stretch>
-            <a:fillRect/>
-          </a:stretch>
-        </p:blipFill>
-        <p:spPr bwMode="auto">
-          <a:xfrm>
-            <a:off x="9178976" y="2814624"/>
-            <a:ext cx="879424" cy="882473"/>
-          </a:xfrm>
-          <a:prstGeom prst="rect">
-            <a:avLst/>
-          </a:prstGeom>
-          <a:noFill/>
-          <a:ln w="9525">
-            <a:noFill/>
-            <a:miter lim="800000"/>
-            <a:headEnd/>
-            <a:tailEnd/>
-          </a:ln>
-          <a:effectLst/>
-        </p:spPr>
-      </p:pic>
-      <p:pic>
-        <p:nvPicPr>
-          <p:cNvPr id="29" name="Picture 6"/>
-          <p:cNvPicPr>
-            <a:picLocks noChangeAspect="1" noChangeArrowheads="1"/>
-          </p:cNvPicPr>
-          <p:nvPr/>
-        </p:nvPicPr>
-        <p:blipFill>
-          <a:blip r:embed="rId8" cstate="print"/>
-          <a:srcRect/>
-          <a:stretch>
-            <a:fillRect/>
-          </a:stretch>
-        </p:blipFill>
-        <p:spPr bwMode="auto">
-          <a:xfrm>
-            <a:off x="2590800" y="3739844"/>
-            <a:ext cx="626418" cy="900762"/>
-          </a:xfrm>
-          <a:prstGeom prst="rect">
-            <a:avLst/>
-          </a:prstGeom>
-          <a:noFill/>
-          <a:ln w="9525">
-            <a:noFill/>
-            <a:miter lim="800000"/>
-            <a:headEnd/>
-            <a:tailEnd/>
-          </a:ln>
-          <a:effectLst/>
-        </p:spPr>
-      </p:pic>
-      <p:pic>
-        <p:nvPicPr>
-          <p:cNvPr id="30" name="Picture 44"/>
-          <p:cNvPicPr>
-            <a:picLocks noChangeAspect="1" noChangeArrowheads="1"/>
-          </p:cNvPicPr>
-          <p:nvPr/>
-        </p:nvPicPr>
-        <p:blipFill>
-          <a:blip r:embed="rId9" cstate="print"/>
-          <a:srcRect/>
-          <a:stretch>
-            <a:fillRect/>
-          </a:stretch>
-        </p:blipFill>
-        <p:spPr bwMode="auto">
-          <a:xfrm>
-            <a:off x="5486401" y="4495800"/>
-            <a:ext cx="746825" cy="920576"/>
-          </a:xfrm>
-          <a:prstGeom prst="rect">
-            <a:avLst/>
-          </a:prstGeom>
-          <a:noFill/>
-          <a:ln w="9525">
-            <a:noFill/>
-            <a:miter lim="800000"/>
-            <a:headEnd/>
-            <a:tailEnd/>
-          </a:ln>
-          <a:effectLst/>
-        </p:spPr>
-      </p:pic>
-      <p:pic>
-        <p:nvPicPr>
-          <p:cNvPr id="31" name="Picture 7"/>
-          <p:cNvPicPr>
-            <a:picLocks noChangeAspect="1" noChangeArrowheads="1"/>
-          </p:cNvPicPr>
-          <p:nvPr/>
-        </p:nvPicPr>
-        <p:blipFill>
-          <a:blip r:embed="rId10" cstate="print"/>
-          <a:srcRect/>
-          <a:stretch>
-            <a:fillRect/>
-          </a:stretch>
-        </p:blipFill>
-        <p:spPr bwMode="auto">
-          <a:xfrm>
-            <a:off x="3810001" y="4001896"/>
-            <a:ext cx="931245" cy="858086"/>
-          </a:xfrm>
-          <a:prstGeom prst="rect">
-            <a:avLst/>
-          </a:prstGeom>
-          <a:noFill/>
-          <a:ln w="9525">
-            <a:noFill/>
-            <a:miter lim="800000"/>
-            <a:headEnd/>
-            <a:tailEnd/>
-          </a:ln>
-          <a:effectLst/>
-        </p:spPr>
-      </p:pic>
-      <p:pic>
-        <p:nvPicPr>
-          <p:cNvPr id="32" name="Picture 8"/>
-          <p:cNvPicPr>
-            <a:picLocks noChangeAspect="1" noChangeArrowheads="1"/>
-          </p:cNvPicPr>
-          <p:nvPr/>
-        </p:nvPicPr>
-        <p:blipFill>
-          <a:blip r:embed="rId11" cstate="print"/>
-          <a:srcRect/>
-          <a:stretch>
-            <a:fillRect/>
-          </a:stretch>
-        </p:blipFill>
-        <p:spPr bwMode="auto">
-          <a:xfrm>
-            <a:off x="8382001" y="4038601"/>
-            <a:ext cx="955631" cy="842845"/>
-          </a:xfrm>
-          <a:prstGeom prst="rect">
-            <a:avLst/>
-          </a:prstGeom>
-          <a:noFill/>
-          <a:ln w="9525">
-            <a:noFill/>
-            <a:miter lim="800000"/>
-            <a:headEnd/>
-            <a:tailEnd/>
-          </a:ln>
-          <a:effectLst/>
-        </p:spPr>
-      </p:pic>
-      <p:pic>
-        <p:nvPicPr>
-          <p:cNvPr id="33" name="Picture 6"/>
-          <p:cNvPicPr>
-            <a:picLocks noChangeAspect="1" noChangeArrowheads="1"/>
-          </p:cNvPicPr>
-          <p:nvPr/>
-        </p:nvPicPr>
-        <p:blipFill>
-          <a:blip r:embed="rId12" cstate="print"/>
-          <a:srcRect/>
-          <a:stretch>
-            <a:fillRect/>
-          </a:stretch>
-        </p:blipFill>
-        <p:spPr bwMode="auto">
-          <a:xfrm>
-            <a:off x="4267201" y="5410200"/>
-            <a:ext cx="789501" cy="603556"/>
-          </a:xfrm>
-          <a:prstGeom prst="rect">
-            <a:avLst/>
-          </a:prstGeom>
-          <a:noFill/>
-          <a:ln w="9525">
-            <a:noFill/>
-            <a:miter lim="800000"/>
-            <a:headEnd/>
-            <a:tailEnd/>
-          </a:ln>
-          <a:effectLst/>
-        </p:spPr>
-      </p:pic>
-      <p:pic>
-        <p:nvPicPr>
-          <p:cNvPr id="34" name="Picture 8"/>
-          <p:cNvPicPr>
-            <a:picLocks noChangeAspect="1" noChangeArrowheads="1"/>
-          </p:cNvPicPr>
-          <p:nvPr/>
-        </p:nvPicPr>
-        <p:blipFill>
-          <a:blip r:embed="rId13" cstate="print"/>
-          <a:srcRect/>
-          <a:stretch>
-            <a:fillRect/>
-          </a:stretch>
-        </p:blipFill>
-        <p:spPr bwMode="auto">
-          <a:xfrm>
-            <a:off x="6629400" y="3886200"/>
-            <a:ext cx="784928" cy="880948"/>
-          </a:xfrm>
-          <a:prstGeom prst="rect">
-            <a:avLst/>
-          </a:prstGeom>
-          <a:noFill/>
-          <a:ln w="9525">
-            <a:noFill/>
-            <a:miter lim="800000"/>
-            <a:headEnd/>
-            <a:tailEnd/>
-          </a:ln>
-          <a:effectLst/>
-        </p:spPr>
-      </p:pic>
-      <p:pic>
-        <p:nvPicPr>
-          <p:cNvPr id="37" name="Picture 6"/>
-          <p:cNvPicPr>
-            <a:picLocks noChangeAspect="1" noChangeArrowheads="1"/>
-          </p:cNvPicPr>
-          <p:nvPr/>
-        </p:nvPicPr>
-        <p:blipFill>
-          <a:blip r:embed="rId14" cstate="print"/>
-          <a:srcRect/>
-          <a:stretch>
-            <a:fillRect/>
-          </a:stretch>
-        </p:blipFill>
-        <p:spPr bwMode="auto">
-          <a:xfrm>
-            <a:off x="5410201" y="2749245"/>
-            <a:ext cx="678239" cy="862659"/>
-          </a:xfrm>
-          <a:prstGeom prst="rect">
-            <a:avLst/>
-          </a:prstGeom>
-          <a:noFill/>
-          <a:ln w="9525">
-            <a:noFill/>
-            <a:miter lim="800000"/>
-            <a:headEnd/>
-            <a:tailEnd/>
-          </a:ln>
-          <a:effectLst/>
-        </p:spPr>
-      </p:pic>
-      <p:pic>
-        <p:nvPicPr>
-          <p:cNvPr id="38" name="Picture 6"/>
-          <p:cNvPicPr>
-            <a:picLocks noChangeAspect="1" noChangeArrowheads="1"/>
-          </p:cNvPicPr>
-          <p:nvPr/>
-        </p:nvPicPr>
-        <p:blipFill>
-          <a:blip r:embed="rId15" cstate="print"/>
-          <a:srcRect/>
-          <a:stretch>
-            <a:fillRect/>
-          </a:stretch>
-        </p:blipFill>
-        <p:spPr bwMode="auto">
-          <a:xfrm>
-            <a:off x="7467600" y="2706497"/>
-            <a:ext cx="850466" cy="777307"/>
-          </a:xfrm>
-          <a:prstGeom prst="rect">
-            <a:avLst/>
-          </a:prstGeom>
-          <a:noFill/>
-          <a:ln w="9525">
-            <a:noFill/>
-            <a:miter lim="800000"/>
-            <a:headEnd/>
-            <a:tailEnd/>
-          </a:ln>
-          <a:effectLst/>
-        </p:spPr>
-      </p:pic>
-      <p:pic>
-        <p:nvPicPr>
-          <p:cNvPr id="39" name="Picture 31"/>
-          <p:cNvPicPr>
-            <a:picLocks noChangeAspect="1" noChangeArrowheads="1"/>
-          </p:cNvPicPr>
-          <p:nvPr/>
-        </p:nvPicPr>
-        <p:blipFill>
-          <a:blip r:embed="rId16" cstate="print"/>
-          <a:srcRect/>
-          <a:stretch>
-            <a:fillRect/>
-          </a:stretch>
-        </p:blipFill>
-        <p:spPr bwMode="auto">
-          <a:xfrm>
-            <a:off x="7848601" y="5029201"/>
-            <a:ext cx="563929" cy="951059"/>
-          </a:xfrm>
-          <a:prstGeom prst="rect">
-            <a:avLst/>
-          </a:prstGeom>
-          <a:noFill/>
-          <a:ln w="9525">
-            <a:noFill/>
-            <a:miter lim="800000"/>
-            <a:headEnd/>
-            <a:tailEnd/>
-          </a:ln>
-          <a:effectLst/>
-        </p:spPr>
-      </p:pic>
-    </p:spTree>
-  </p:cSld>
-  <p:clrMapOvr>
-    <a:masterClrMapping/>
-  </p:clrMapOvr>
-</p:sld>
-</file>
-
-<file path=ppt/slides/slide8.xml><?xml version="1.0" encoding="utf-8"?>
-<p:sld xmlns:a="http://schemas.openxmlformats.org/drawingml/2006/main" xmlns:r="http://schemas.openxmlformats.org/officeDocument/2006/relationships" xmlns:p="http://schemas.openxmlformats.org/presentationml/2006/main">
-  <p:cSld>
-    <p:spTree>
-      <p:nvGrpSpPr>
-        <p:cNvPr id="1" name=""/>
-        <p:cNvGrpSpPr/>
-        <p:nvPr/>
-      </p:nvGrpSpPr>
-      <p:grpSpPr>
-        <a:xfrm>
-          <a:off x="0" y="0"/>
-          <a:ext cx="0" cy="0"/>
-          <a:chOff x="0" y="0"/>
-          <a:chExt cx="0" cy="0"/>
-        </a:xfrm>
-      </p:grpSpPr>
-      <p:cxnSp>
-        <p:nvCxnSpPr>
-          <p:cNvPr id="22" name="Straight Arrow Connector 21"/>
-          <p:cNvCxnSpPr>
-            <a:stCxn id="202" idx="3"/>
-            <a:endCxn id="206" idx="1"/>
-          </p:cNvCxnSpPr>
-          <p:nvPr/>
-        </p:nvCxnSpPr>
-        <p:spPr>
-          <a:xfrm>
-            <a:off x="4593359" y="1473671"/>
-            <a:ext cx="473117" cy="1"/>
-          </a:xfrm>
-          <a:prstGeom prst="straightConnector1">
-            <a:avLst/>
-          </a:prstGeom>
-          <a:ln w="38100">
-            <a:tailEnd type="arrow"/>
-          </a:ln>
-        </p:spPr>
-        <p:style>
-          <a:lnRef idx="1">
-            <a:schemeClr val="accent1"/>
-          </a:lnRef>
-          <a:fillRef idx="0">
-            <a:schemeClr val="accent1"/>
-          </a:fillRef>
-          <a:effectRef idx="0">
-            <a:schemeClr val="accent1"/>
-          </a:effectRef>
-          <a:fontRef idx="minor">
-            <a:schemeClr val="tx1"/>
-          </a:fontRef>
-        </p:style>
-      </p:cxnSp>
-      <p:sp>
-        <p:nvSpPr>
-          <p:cNvPr id="23" name="Flowchart: Decision 22"/>
-          <p:cNvSpPr/>
-          <p:nvPr/>
-        </p:nvSpPr>
-        <p:spPr>
-          <a:xfrm>
-            <a:off x="7873718" y="1832865"/>
-            <a:ext cx="381000" cy="381000"/>
-          </a:xfrm>
-          <a:prstGeom prst="flowChartDecision">
-            <a:avLst/>
-          </a:prstGeom>
-          <a:solidFill>
-            <a:schemeClr val="bg1"/>
-          </a:solidFill>
-        </p:spPr>
-        <p:style>
-          <a:lnRef idx="2">
-            <a:schemeClr val="accent1">
-              <a:shade val="50000"/>
-            </a:schemeClr>
-          </a:lnRef>
-          <a:fillRef idx="1">
-            <a:schemeClr val="accent1"/>
-          </a:fillRef>
-          <a:effectRef idx="0">
-            <a:schemeClr val="accent1"/>
-          </a:effectRef>
-          <a:fontRef idx="minor">
-            <a:schemeClr val="lt1"/>
-          </a:fontRef>
-        </p:style>
-        <p:txBody>
-          <a:bodyPr rtlCol="0" anchor="ctr"/>
-          <a:lstStyle/>
-          <a:p>
-            <a:pPr algn="ctr"/>
-            <a:endParaRPr lang="en-CA" dirty="0">
-              <a:solidFill>
-                <a:schemeClr val="tx2"/>
-              </a:solidFill>
-            </a:endParaRPr>
-          </a:p>
-        </p:txBody>
-      </p:sp>
-      <p:cxnSp>
-        <p:nvCxnSpPr>
-          <p:cNvPr id="27" name="Straight Arrow Connector 26"/>
-          <p:cNvCxnSpPr>
-            <a:stCxn id="23" idx="3"/>
-            <a:endCxn id="269" idx="1"/>
-          </p:cNvCxnSpPr>
-          <p:nvPr/>
-        </p:nvCxnSpPr>
-        <p:spPr>
-          <a:xfrm>
-            <a:off x="8254719" y="2023366"/>
-            <a:ext cx="652233" cy="1"/>
-          </a:xfrm>
-          <a:prstGeom prst="straightConnector1">
-            <a:avLst/>
-          </a:prstGeom>
-          <a:ln w="38100">
-            <a:tailEnd type="arrow"/>
-          </a:ln>
-        </p:spPr>
-        <p:style>
-          <a:lnRef idx="1">
-            <a:schemeClr val="accent1"/>
-          </a:lnRef>
-          <a:fillRef idx="0">
-            <a:schemeClr val="accent1"/>
-          </a:fillRef>
-          <a:effectRef idx="0">
-            <a:schemeClr val="accent1"/>
-          </a:effectRef>
-          <a:fontRef idx="minor">
-            <a:schemeClr val="tx1"/>
-          </a:fontRef>
-        </p:style>
-      </p:cxnSp>
-      <p:cxnSp>
-        <p:nvCxnSpPr>
-          <p:cNvPr id="30" name="Straight Arrow Connector 29"/>
-          <p:cNvCxnSpPr>
-            <a:stCxn id="23" idx="2"/>
-            <a:endCxn id="226" idx="0"/>
-          </p:cNvCxnSpPr>
-          <p:nvPr/>
-        </p:nvCxnSpPr>
-        <p:spPr>
-          <a:xfrm>
-            <a:off x="8064219" y="2213866"/>
-            <a:ext cx="1" cy="526293"/>
-          </a:xfrm>
-          <a:prstGeom prst="straightConnector1">
-            <a:avLst/>
-          </a:prstGeom>
-          <a:ln w="38100">
-            <a:tailEnd type="arrow"/>
-          </a:ln>
-        </p:spPr>
-        <p:style>
-          <a:lnRef idx="1">
-            <a:schemeClr val="accent1"/>
-          </a:lnRef>
-          <a:fillRef idx="0">
-            <a:schemeClr val="accent1"/>
-          </a:fillRef>
-          <a:effectRef idx="0">
-            <a:schemeClr val="accent1"/>
-          </a:effectRef>
-          <a:fontRef idx="minor">
-            <a:schemeClr val="tx1"/>
-          </a:fontRef>
-        </p:style>
-      </p:cxnSp>
-      <p:cxnSp>
-        <p:nvCxnSpPr>
-          <p:cNvPr id="35" name="Shape 34"/>
-          <p:cNvCxnSpPr>
-            <a:stCxn id="269" idx="2"/>
-            <a:endCxn id="226" idx="3"/>
-          </p:cNvCxnSpPr>
-          <p:nvPr/>
-        </p:nvCxnSpPr>
-        <p:spPr>
-          <a:xfrm rot="5400000">
-            <a:off x="8575666" y="2367721"/>
-            <a:ext cx="712221" cy="800819"/>
-          </a:xfrm>
-          <a:prstGeom prst="bentConnector2">
-            <a:avLst/>
-          </a:prstGeom>
-          <a:ln w="38100">
-            <a:tailEnd type="arrow"/>
-          </a:ln>
-        </p:spPr>
-        <p:style>
-          <a:lnRef idx="1">
-            <a:schemeClr val="accent1"/>
-          </a:lnRef>
-          <a:fillRef idx="0">
-            <a:schemeClr val="accent1"/>
-          </a:fillRef>
-          <a:effectRef idx="0">
-            <a:schemeClr val="accent1"/>
-          </a:effectRef>
-          <a:fontRef idx="minor">
-            <a:schemeClr val="tx1"/>
-          </a:fontRef>
-        </p:style>
-      </p:cxnSp>
-      <p:cxnSp>
-        <p:nvCxnSpPr>
-          <p:cNvPr id="48" name="Straight Arrow Connector 47"/>
-          <p:cNvCxnSpPr>
-            <a:stCxn id="226" idx="1"/>
-            <a:endCxn id="159" idx="3"/>
-          </p:cNvCxnSpPr>
-          <p:nvPr/>
-        </p:nvCxnSpPr>
-        <p:spPr>
-          <a:xfrm flipH="1" flipV="1">
-            <a:off x="7033994" y="3124240"/>
-            <a:ext cx="563078" cy="1"/>
-          </a:xfrm>
-          <a:prstGeom prst="straightConnector1">
-            <a:avLst/>
-          </a:prstGeom>
-          <a:ln w="38100">
-            <a:tailEnd type="arrow"/>
-          </a:ln>
-        </p:spPr>
-        <p:style>
-          <a:lnRef idx="1">
-            <a:schemeClr val="accent1"/>
-          </a:lnRef>
-          <a:fillRef idx="0">
-            <a:schemeClr val="accent1"/>
-          </a:fillRef>
-          <a:effectRef idx="0">
-            <a:schemeClr val="accent1"/>
-          </a:effectRef>
-          <a:fontRef idx="minor">
-            <a:schemeClr val="tx1"/>
-          </a:fontRef>
-        </p:style>
-      </p:cxnSp>
-      <p:cxnSp>
-        <p:nvCxnSpPr>
-          <p:cNvPr id="54" name="Straight Arrow Connector 53"/>
-          <p:cNvCxnSpPr>
-            <a:stCxn id="223" idx="1"/>
-            <a:endCxn id="218" idx="3"/>
-          </p:cNvCxnSpPr>
-          <p:nvPr/>
-        </p:nvCxnSpPr>
-        <p:spPr>
-          <a:xfrm flipH="1">
-            <a:off x="4448566" y="3124240"/>
-            <a:ext cx="694878" cy="0"/>
-          </a:xfrm>
-          <a:prstGeom prst="straightConnector1">
-            <a:avLst/>
-          </a:prstGeom>
-          <a:ln w="38100">
-            <a:tailEnd type="arrow"/>
-          </a:ln>
-        </p:spPr>
-        <p:style>
-          <a:lnRef idx="1">
-            <a:schemeClr val="accent1"/>
-          </a:lnRef>
-          <a:fillRef idx="0">
-            <a:schemeClr val="accent1"/>
-          </a:fillRef>
-          <a:effectRef idx="0">
-            <a:schemeClr val="accent1"/>
-          </a:effectRef>
-          <a:fontRef idx="minor">
-            <a:schemeClr val="tx1"/>
-          </a:fontRef>
-        </p:style>
-      </p:cxnSp>
-      <p:sp>
-        <p:nvSpPr>
-          <p:cNvPr id="60" name="Flowchart: Decision 59"/>
-          <p:cNvSpPr/>
-          <p:nvPr/>
-        </p:nvSpPr>
-        <p:spPr>
-          <a:xfrm>
-            <a:off x="3885415" y="4085996"/>
-            <a:ext cx="381000" cy="381000"/>
-          </a:xfrm>
-          <a:prstGeom prst="flowChartDecision">
-            <a:avLst/>
-          </a:prstGeom>
-          <a:solidFill>
-            <a:schemeClr val="bg1"/>
-          </a:solidFill>
-        </p:spPr>
-        <p:style>
-          <a:lnRef idx="2">
-            <a:schemeClr val="accent1">
-              <a:shade val="50000"/>
-            </a:schemeClr>
-          </a:lnRef>
-          <a:fillRef idx="1">
-            <a:schemeClr val="accent1"/>
-          </a:fillRef>
-          <a:effectRef idx="0">
-            <a:schemeClr val="accent1"/>
-          </a:effectRef>
-          <a:fontRef idx="minor">
-            <a:schemeClr val="lt1"/>
-          </a:fontRef>
-        </p:style>
-        <p:txBody>
-          <a:bodyPr rtlCol="0" anchor="ctr"/>
-          <a:lstStyle/>
-          <a:p>
-            <a:pPr algn="ctr"/>
-            <a:endParaRPr lang="en-CA" dirty="0">
-              <a:solidFill>
-                <a:schemeClr val="tx2"/>
-              </a:solidFill>
-            </a:endParaRPr>
-          </a:p>
-        </p:txBody>
-      </p:sp>
-      <p:cxnSp>
-        <p:nvCxnSpPr>
-          <p:cNvPr id="63" name="Straight Arrow Connector 62"/>
-          <p:cNvCxnSpPr>
-            <a:stCxn id="218" idx="2"/>
-            <a:endCxn id="60" idx="0"/>
-          </p:cNvCxnSpPr>
-          <p:nvPr/>
-        </p:nvCxnSpPr>
-        <p:spPr>
-          <a:xfrm flipH="1">
-            <a:off x="4075916" y="3581480"/>
-            <a:ext cx="1" cy="504517"/>
-          </a:xfrm>
-          <a:prstGeom prst="straightConnector1">
-            <a:avLst/>
-          </a:prstGeom>
-          <a:ln w="38100">
-            <a:tailEnd type="arrow"/>
-          </a:ln>
-        </p:spPr>
-        <p:style>
-          <a:lnRef idx="1">
-            <a:schemeClr val="accent1"/>
-          </a:lnRef>
-          <a:fillRef idx="0">
-            <a:schemeClr val="accent1"/>
-          </a:fillRef>
-          <a:effectRef idx="0">
-            <a:schemeClr val="accent1"/>
-          </a:effectRef>
-          <a:fontRef idx="minor">
-            <a:schemeClr val="tx1"/>
-          </a:fontRef>
-        </p:style>
-      </p:cxnSp>
-      <p:cxnSp>
-        <p:nvCxnSpPr>
-          <p:cNvPr id="73" name="Straight Arrow Connector 72"/>
-          <p:cNvCxnSpPr>
-            <a:stCxn id="60" idx="3"/>
-            <a:endCxn id="235" idx="1"/>
-          </p:cNvCxnSpPr>
-          <p:nvPr/>
-        </p:nvCxnSpPr>
-        <p:spPr>
-          <a:xfrm>
-            <a:off x="4266416" y="4276497"/>
-            <a:ext cx="739857" cy="1"/>
-          </a:xfrm>
-          <a:prstGeom prst="straightConnector1">
-            <a:avLst/>
-          </a:prstGeom>
-          <a:ln w="38100">
-            <a:tailEnd type="arrow"/>
-          </a:ln>
-        </p:spPr>
-        <p:style>
-          <a:lnRef idx="1">
-            <a:schemeClr val="accent1"/>
-          </a:lnRef>
-          <a:fillRef idx="0">
-            <a:schemeClr val="accent1"/>
-          </a:fillRef>
-          <a:effectRef idx="0">
-            <a:schemeClr val="accent1"/>
-          </a:effectRef>
-          <a:fontRef idx="minor">
-            <a:schemeClr val="tx1"/>
-          </a:fontRef>
-        </p:style>
-      </p:cxnSp>
-      <p:cxnSp>
-        <p:nvCxnSpPr>
-          <p:cNvPr id="76" name="Straight Arrow Connector 75"/>
-          <p:cNvCxnSpPr>
-            <a:stCxn id="235" idx="3"/>
-            <a:endCxn id="265" idx="1"/>
-          </p:cNvCxnSpPr>
-          <p:nvPr/>
-        </p:nvCxnSpPr>
-        <p:spPr>
-          <a:xfrm>
-            <a:off x="5940565" y="4276497"/>
-            <a:ext cx="563810" cy="0"/>
-          </a:xfrm>
-          <a:prstGeom prst="straightConnector1">
-            <a:avLst/>
-          </a:prstGeom>
-          <a:ln w="38100">
-            <a:tailEnd type="arrow"/>
-          </a:ln>
-        </p:spPr>
-        <p:style>
-          <a:lnRef idx="1">
-            <a:schemeClr val="accent1"/>
-          </a:lnRef>
-          <a:fillRef idx="0">
-            <a:schemeClr val="accent1"/>
-          </a:fillRef>
-          <a:effectRef idx="0">
-            <a:schemeClr val="accent1"/>
-          </a:effectRef>
-          <a:fontRef idx="minor">
-            <a:schemeClr val="tx1"/>
-          </a:fontRef>
-        </p:style>
-      </p:cxnSp>
-      <p:cxnSp>
-        <p:nvCxnSpPr>
-          <p:cNvPr id="80" name="Straight Arrow Connector 79"/>
-          <p:cNvCxnSpPr>
-            <a:stCxn id="265" idx="3"/>
-            <a:endCxn id="137" idx="1"/>
-          </p:cNvCxnSpPr>
-          <p:nvPr/>
-        </p:nvCxnSpPr>
-        <p:spPr>
-          <a:xfrm flipV="1">
-            <a:off x="7182614" y="4276497"/>
-            <a:ext cx="691104" cy="1"/>
-          </a:xfrm>
-          <a:prstGeom prst="straightConnector1">
-            <a:avLst/>
-          </a:prstGeom>
-          <a:ln w="38100">
-            <a:tailEnd type="arrow"/>
-          </a:ln>
-        </p:spPr>
-        <p:style>
-          <a:lnRef idx="1">
-            <a:schemeClr val="accent1"/>
-          </a:lnRef>
-          <a:fillRef idx="0">
-            <a:schemeClr val="accent1"/>
-          </a:fillRef>
-          <a:effectRef idx="0">
-            <a:schemeClr val="accent1"/>
-          </a:effectRef>
-          <a:fontRef idx="minor">
-            <a:schemeClr val="tx1"/>
-          </a:fontRef>
-        </p:style>
-      </p:cxnSp>
-      <p:cxnSp>
-        <p:nvCxnSpPr>
-          <p:cNvPr id="89" name="Straight Arrow Connector 88"/>
-          <p:cNvCxnSpPr>
-            <a:stCxn id="251" idx="1"/>
-            <a:endCxn id="248" idx="3"/>
-          </p:cNvCxnSpPr>
-          <p:nvPr/>
-        </p:nvCxnSpPr>
-        <p:spPr>
-          <a:xfrm flipH="1">
-            <a:off x="5786628" y="6092912"/>
-            <a:ext cx="591245" cy="0"/>
-          </a:xfrm>
-          <a:prstGeom prst="straightConnector1">
-            <a:avLst/>
-          </a:prstGeom>
-          <a:ln w="38100">
-            <a:tailEnd type="arrow"/>
-          </a:ln>
-        </p:spPr>
-        <p:style>
-          <a:lnRef idx="1">
-            <a:schemeClr val="accent1"/>
-          </a:lnRef>
-          <a:fillRef idx="0">
-            <a:schemeClr val="accent1"/>
-          </a:fillRef>
-          <a:effectRef idx="0">
-            <a:schemeClr val="accent1"/>
-          </a:effectRef>
-          <a:fontRef idx="minor">
-            <a:schemeClr val="tx1"/>
-          </a:fontRef>
-        </p:style>
-      </p:cxnSp>
-      <p:cxnSp>
-        <p:nvCxnSpPr>
-          <p:cNvPr id="92" name="Straight Arrow Connector 91"/>
-          <p:cNvCxnSpPr>
-            <a:stCxn id="248" idx="1"/>
-            <a:endCxn id="178" idx="3"/>
-          </p:cNvCxnSpPr>
-          <p:nvPr/>
-        </p:nvCxnSpPr>
-        <p:spPr>
-          <a:xfrm flipH="1">
-            <a:off x="4266415" y="6092912"/>
-            <a:ext cx="893794" cy="0"/>
-          </a:xfrm>
-          <a:prstGeom prst="straightConnector1">
-            <a:avLst/>
-          </a:prstGeom>
-          <a:ln w="38100">
-            <a:tailEnd type="arrow"/>
-          </a:ln>
-        </p:spPr>
-        <p:style>
-          <a:lnRef idx="1">
-            <a:schemeClr val="accent1"/>
-          </a:lnRef>
-          <a:fillRef idx="0">
-            <a:schemeClr val="accent1"/>
-          </a:fillRef>
-          <a:effectRef idx="0">
-            <a:schemeClr val="accent1"/>
-          </a:effectRef>
-          <a:fontRef idx="minor">
-            <a:schemeClr val="tx1"/>
-          </a:fontRef>
-        </p:style>
-      </p:cxnSp>
-      <p:cxnSp>
-        <p:nvCxnSpPr>
-          <p:cNvPr id="105" name="Straight Arrow Connector 104"/>
-          <p:cNvCxnSpPr>
-            <a:stCxn id="254" idx="1"/>
-            <a:endCxn id="251" idx="3"/>
-          </p:cNvCxnSpPr>
-          <p:nvPr/>
-        </p:nvCxnSpPr>
-        <p:spPr>
-          <a:xfrm flipH="1">
-            <a:off x="7309118" y="6092912"/>
-            <a:ext cx="381689" cy="0"/>
-          </a:xfrm>
-          <a:prstGeom prst="straightConnector1">
-            <a:avLst/>
-          </a:prstGeom>
-          <a:ln w="38100">
-            <a:tailEnd type="arrow"/>
-          </a:ln>
-        </p:spPr>
-        <p:style>
-          <a:lnRef idx="1">
-            <a:schemeClr val="accent1"/>
-          </a:lnRef>
-          <a:fillRef idx="0">
-            <a:schemeClr val="accent1"/>
-          </a:fillRef>
-          <a:effectRef idx="0">
-            <a:schemeClr val="accent1"/>
-          </a:effectRef>
-          <a:fontRef idx="minor">
-            <a:schemeClr val="tx1"/>
-          </a:fontRef>
-        </p:style>
-      </p:cxnSp>
-      <p:cxnSp>
-        <p:nvCxnSpPr>
-          <p:cNvPr id="108" name="Straight Arrow Connector 107"/>
-          <p:cNvCxnSpPr>
-            <a:stCxn id="23" idx="0"/>
-            <a:endCxn id="209" idx="2"/>
-          </p:cNvCxnSpPr>
-          <p:nvPr/>
-        </p:nvCxnSpPr>
-        <p:spPr>
-          <a:xfrm flipV="1">
-            <a:off x="8064219" y="1199453"/>
-            <a:ext cx="1" cy="633413"/>
-          </a:xfrm>
-          <a:prstGeom prst="straightConnector1">
-            <a:avLst/>
-          </a:prstGeom>
-          <a:ln w="38100">
-            <a:tailEnd type="arrow"/>
-          </a:ln>
-        </p:spPr>
-        <p:style>
-          <a:lnRef idx="1">
-            <a:schemeClr val="accent1"/>
-          </a:lnRef>
-          <a:fillRef idx="0">
-            <a:schemeClr val="accent1"/>
-          </a:fillRef>
-          <a:effectRef idx="0">
-            <a:schemeClr val="accent1"/>
-          </a:effectRef>
-          <a:fontRef idx="minor">
-            <a:schemeClr val="tx1"/>
-          </a:fontRef>
-        </p:style>
-      </p:cxnSp>
-      <p:cxnSp>
-        <p:nvCxnSpPr>
-          <p:cNvPr id="112" name="Straight Arrow Connector 111"/>
-          <p:cNvCxnSpPr>
-            <a:stCxn id="209" idx="3"/>
-            <a:endCxn id="212" idx="1"/>
-          </p:cNvCxnSpPr>
-          <p:nvPr/>
-        </p:nvCxnSpPr>
-        <p:spPr>
-          <a:xfrm>
-            <a:off x="8458970" y="897674"/>
-            <a:ext cx="1119303" cy="0"/>
-          </a:xfrm>
-          <a:prstGeom prst="straightConnector1">
-            <a:avLst/>
-          </a:prstGeom>
-          <a:ln w="38100">
-            <a:tailEnd type="arrow"/>
-          </a:ln>
-        </p:spPr>
-        <p:style>
-          <a:lnRef idx="1">
-            <a:schemeClr val="accent1"/>
-          </a:lnRef>
-          <a:fillRef idx="0">
-            <a:schemeClr val="accent1"/>
-          </a:fillRef>
-          <a:effectRef idx="0">
-            <a:schemeClr val="accent1"/>
-          </a:effectRef>
-          <a:fontRef idx="minor">
-            <a:schemeClr val="tx1"/>
-          </a:fontRef>
-        </p:style>
-      </p:cxnSp>
-      <p:cxnSp>
-        <p:nvCxnSpPr>
-          <p:cNvPr id="116" name="Shape 115"/>
-          <p:cNvCxnSpPr>
-            <a:stCxn id="212" idx="2"/>
-            <a:endCxn id="254" idx="3"/>
-          </p:cNvCxnSpPr>
-          <p:nvPr/>
-        </p:nvCxnSpPr>
-        <p:spPr>
-          <a:xfrm rot="5400000">
-            <a:off x="6826802" y="2948979"/>
-            <a:ext cx="4754764" cy="1533105"/>
-          </a:xfrm>
-          <a:prstGeom prst="bentConnector2">
-            <a:avLst/>
-          </a:prstGeom>
-          <a:ln w="38100">
-            <a:tailEnd type="arrow"/>
-          </a:ln>
-        </p:spPr>
-        <p:style>
-          <a:lnRef idx="1">
-            <a:schemeClr val="accent1"/>
-          </a:lnRef>
-          <a:fillRef idx="0">
-            <a:schemeClr val="accent1"/>
-          </a:fillRef>
-          <a:effectRef idx="0">
-            <a:schemeClr val="accent1"/>
-          </a:effectRef>
-          <a:fontRef idx="minor">
-            <a:schemeClr val="tx1"/>
-          </a:fontRef>
-        </p:style>
-      </p:cxnSp>
-      <p:cxnSp>
-        <p:nvCxnSpPr>
-          <p:cNvPr id="122" name="Shape 121"/>
-          <p:cNvCxnSpPr>
-            <a:stCxn id="185" idx="0"/>
-            <a:endCxn id="202" idx="1"/>
-          </p:cNvCxnSpPr>
-          <p:nvPr/>
-        </p:nvCxnSpPr>
-        <p:spPr>
-          <a:xfrm rot="5400000" flipH="1" flipV="1">
-            <a:off x="2305346" y="1680614"/>
-            <a:ext cx="1460069" cy="1046185"/>
-          </a:xfrm>
-          <a:prstGeom prst="bentConnector2">
-            <a:avLst/>
-          </a:prstGeom>
-          <a:ln w="38100">
-            <a:tailEnd type="arrow"/>
-          </a:ln>
-        </p:spPr>
-        <p:style>
-          <a:lnRef idx="1">
-            <a:schemeClr val="accent1"/>
-          </a:lnRef>
-          <a:fillRef idx="0">
-            <a:schemeClr val="accent1"/>
-          </a:fillRef>
-          <a:effectRef idx="0">
-            <a:schemeClr val="accent1"/>
-          </a:effectRef>
-          <a:fontRef idx="minor">
-            <a:schemeClr val="tx1"/>
-          </a:fontRef>
-        </p:style>
-      </p:cxnSp>
-      <p:sp>
-        <p:nvSpPr>
-          <p:cNvPr id="125" name="Oval 124"/>
-          <p:cNvSpPr/>
-          <p:nvPr/>
-        </p:nvSpPr>
-        <p:spPr>
-          <a:xfrm>
-            <a:off x="3961615" y="228600"/>
-            <a:ext cx="228600" cy="228600"/>
-          </a:xfrm>
-          <a:prstGeom prst="ellipse">
-            <a:avLst/>
-          </a:prstGeom>
-          <a:solidFill>
-            <a:schemeClr val="bg1"/>
-          </a:solidFill>
-        </p:spPr>
-        <p:style>
-          <a:lnRef idx="2">
-            <a:schemeClr val="accent1">
-              <a:shade val="50000"/>
-            </a:schemeClr>
-          </a:lnRef>
-          <a:fillRef idx="1">
-            <a:schemeClr val="accent1"/>
-          </a:fillRef>
-          <a:effectRef idx="0">
-            <a:schemeClr val="accent1"/>
-          </a:effectRef>
-          <a:fontRef idx="minor">
-            <a:schemeClr val="lt1"/>
-          </a:fontRef>
-        </p:style>
-        <p:txBody>
-          <a:bodyPr rtlCol="0" anchor="ctr"/>
-          <a:lstStyle/>
-          <a:p>
-            <a:pPr algn="ctr"/>
-            <a:endParaRPr lang="en-CA" dirty="0">
-              <a:solidFill>
-                <a:schemeClr val="tx2"/>
-              </a:solidFill>
-            </a:endParaRPr>
-          </a:p>
-        </p:txBody>
-      </p:sp>
-      <p:sp>
-        <p:nvSpPr>
-          <p:cNvPr id="126" name="Oval 125"/>
-          <p:cNvSpPr/>
-          <p:nvPr/>
-        </p:nvSpPr>
-        <p:spPr>
-          <a:xfrm>
-            <a:off x="3961615" y="5107371"/>
-            <a:ext cx="228600" cy="228600"/>
-          </a:xfrm>
-          <a:prstGeom prst="ellipse">
-            <a:avLst/>
-          </a:prstGeom>
-          <a:solidFill>
-            <a:schemeClr val="bg1"/>
-          </a:solidFill>
-          <a:ln w="76200"/>
-        </p:spPr>
-        <p:style>
-          <a:lnRef idx="2">
-            <a:schemeClr val="accent1">
-              <a:shade val="50000"/>
-            </a:schemeClr>
-          </a:lnRef>
-          <a:fillRef idx="1">
-            <a:schemeClr val="accent1"/>
-          </a:fillRef>
-          <a:effectRef idx="0">
-            <a:schemeClr val="accent1"/>
-          </a:effectRef>
-          <a:fontRef idx="minor">
-            <a:schemeClr val="lt1"/>
-          </a:fontRef>
-        </p:style>
-        <p:txBody>
-          <a:bodyPr rtlCol="0" anchor="ctr"/>
-          <a:lstStyle/>
-          <a:p>
-            <a:pPr algn="ctr"/>
-            <a:endParaRPr lang="en-CA" dirty="0">
-              <a:solidFill>
-                <a:schemeClr val="tx2"/>
-              </a:solidFill>
-            </a:endParaRPr>
-          </a:p>
-        </p:txBody>
-      </p:sp>
-      <p:sp>
-        <p:nvSpPr>
-          <p:cNvPr id="137" name="Flowchart: Decision 136"/>
-          <p:cNvSpPr/>
-          <p:nvPr/>
-        </p:nvSpPr>
-        <p:spPr>
-          <a:xfrm>
-            <a:off x="7873718" y="4085996"/>
-            <a:ext cx="381000" cy="381000"/>
-          </a:xfrm>
-          <a:prstGeom prst="flowChartDecision">
-            <a:avLst/>
-          </a:prstGeom>
-          <a:solidFill>
-            <a:schemeClr val="bg1"/>
-          </a:solidFill>
-        </p:spPr>
-        <p:style>
-          <a:lnRef idx="2">
-            <a:schemeClr val="accent1">
-              <a:shade val="50000"/>
-            </a:schemeClr>
-          </a:lnRef>
-          <a:fillRef idx="1">
-            <a:schemeClr val="accent1"/>
-          </a:fillRef>
-          <a:effectRef idx="0">
-            <a:schemeClr val="accent1"/>
-          </a:effectRef>
-          <a:fontRef idx="minor">
-            <a:schemeClr val="lt1"/>
-          </a:fontRef>
-        </p:style>
-        <p:txBody>
-          <a:bodyPr rtlCol="0" anchor="ctr"/>
-          <a:lstStyle/>
-          <a:p>
-            <a:pPr algn="ctr"/>
-            <a:endParaRPr lang="en-CA" dirty="0">
-              <a:solidFill>
-                <a:schemeClr val="tx2"/>
-              </a:solidFill>
-            </a:endParaRPr>
-          </a:p>
-        </p:txBody>
-      </p:sp>
-      <p:cxnSp>
-        <p:nvCxnSpPr>
-          <p:cNvPr id="139" name="Straight Arrow Connector 138"/>
-          <p:cNvCxnSpPr>
-            <a:stCxn id="137" idx="3"/>
-            <a:endCxn id="242" idx="1"/>
-          </p:cNvCxnSpPr>
-          <p:nvPr/>
-        </p:nvCxnSpPr>
-        <p:spPr>
-          <a:xfrm>
-            <a:off x="8254718" y="4276497"/>
-            <a:ext cx="637754" cy="1"/>
-          </a:xfrm>
-          <a:prstGeom prst="straightConnector1">
-            <a:avLst/>
-          </a:prstGeom>
-          <a:ln w="38100">
-            <a:tailEnd type="arrow"/>
-          </a:ln>
-        </p:spPr>
-        <p:style>
-          <a:lnRef idx="1">
-            <a:schemeClr val="accent1"/>
-          </a:lnRef>
-          <a:fillRef idx="0">
-            <a:schemeClr val="accent1"/>
-          </a:fillRef>
-          <a:effectRef idx="0">
-            <a:schemeClr val="accent1"/>
-          </a:effectRef>
-          <a:fontRef idx="minor">
-            <a:schemeClr val="tx1"/>
-          </a:fontRef>
-        </p:style>
-      </p:cxnSp>
-      <p:cxnSp>
-        <p:nvCxnSpPr>
-          <p:cNvPr id="142" name="Shape 141"/>
-          <p:cNvCxnSpPr>
-            <a:stCxn id="137" idx="2"/>
-            <a:endCxn id="254" idx="0"/>
-          </p:cNvCxnSpPr>
-          <p:nvPr/>
-        </p:nvCxnSpPr>
-        <p:spPr>
-          <a:xfrm rot="16200000" flipH="1">
-            <a:off x="7481404" y="5049810"/>
-            <a:ext cx="1165628" cy="1"/>
-          </a:xfrm>
-          <a:prstGeom prst="bentConnector3">
-            <a:avLst>
-              <a:gd name="adj1" fmla="val 50000"/>
-            </a:avLst>
-          </a:prstGeom>
-          <a:ln w="38100">
-            <a:tailEnd type="arrow"/>
-          </a:ln>
-        </p:spPr>
-        <p:style>
-          <a:lnRef idx="1">
-            <a:schemeClr val="accent1"/>
-          </a:lnRef>
-          <a:fillRef idx="0">
-            <a:schemeClr val="accent1"/>
-          </a:fillRef>
-          <a:effectRef idx="0">
-            <a:schemeClr val="accent1"/>
-          </a:effectRef>
-          <a:fontRef idx="minor">
-            <a:schemeClr val="tx1"/>
-          </a:fontRef>
-        </p:style>
-      </p:cxnSp>
-      <p:cxnSp>
-        <p:nvCxnSpPr>
-          <p:cNvPr id="145" name="Shape 141"/>
-          <p:cNvCxnSpPr>
-            <a:stCxn id="242" idx="2"/>
-            <a:endCxn id="254" idx="3"/>
-          </p:cNvCxnSpPr>
-          <p:nvPr/>
-        </p:nvCxnSpPr>
-        <p:spPr>
-          <a:xfrm rot="5400000">
-            <a:off x="8197320" y="4958047"/>
-            <a:ext cx="1375179" cy="894553"/>
-          </a:xfrm>
-          <a:prstGeom prst="bentConnector2">
-            <a:avLst/>
-          </a:prstGeom>
-          <a:ln w="38100">
-            <a:tailEnd type="arrow"/>
-          </a:ln>
-        </p:spPr>
-        <p:style>
-          <a:lnRef idx="1">
-            <a:schemeClr val="accent1"/>
-          </a:lnRef>
-          <a:fillRef idx="0">
-            <a:schemeClr val="accent1"/>
-          </a:fillRef>
-          <a:effectRef idx="0">
-            <a:schemeClr val="accent1"/>
-          </a:effectRef>
-          <a:fontRef idx="minor">
-            <a:schemeClr val="tx1"/>
-          </a:fontRef>
-        </p:style>
-      </p:cxnSp>
-      <p:cxnSp>
-        <p:nvCxnSpPr>
-          <p:cNvPr id="151" name="Shape 141"/>
-          <p:cNvCxnSpPr>
-            <a:stCxn id="185" idx="3"/>
-            <a:endCxn id="126" idx="2"/>
-          </p:cNvCxnSpPr>
-          <p:nvPr/>
-        </p:nvCxnSpPr>
-        <p:spPr>
-          <a:xfrm>
-            <a:off x="2702787" y="3124239"/>
-            <a:ext cx="1258828" cy="2097432"/>
-          </a:xfrm>
-          <a:prstGeom prst="bentConnector3">
-            <a:avLst>
-              <a:gd name="adj1" fmla="val 50000"/>
-            </a:avLst>
-          </a:prstGeom>
-          <a:ln w="38100">
-            <a:tailEnd type="arrow"/>
-          </a:ln>
-        </p:spPr>
-        <p:style>
-          <a:lnRef idx="1">
-            <a:schemeClr val="accent1"/>
-          </a:lnRef>
-          <a:fillRef idx="0">
-            <a:schemeClr val="accent1"/>
-          </a:fillRef>
-          <a:effectRef idx="0">
-            <a:schemeClr val="accent1"/>
-          </a:effectRef>
-          <a:fontRef idx="minor">
-            <a:schemeClr val="tx1"/>
-          </a:fontRef>
-        </p:style>
-      </p:cxnSp>
-      <p:sp>
-        <p:nvSpPr>
-          <p:cNvPr id="159" name="Flowchart: Decision 158"/>
-          <p:cNvSpPr/>
-          <p:nvPr/>
-        </p:nvSpPr>
-        <p:spPr>
-          <a:xfrm>
-            <a:off x="6652994" y="2933739"/>
-            <a:ext cx="381000" cy="381000"/>
-          </a:xfrm>
-          <a:prstGeom prst="flowChartDecision">
-            <a:avLst/>
-          </a:prstGeom>
-          <a:solidFill>
-            <a:schemeClr val="bg1"/>
-          </a:solidFill>
-        </p:spPr>
-        <p:style>
-          <a:lnRef idx="2">
-            <a:schemeClr val="accent1">
-              <a:shade val="50000"/>
-            </a:schemeClr>
-          </a:lnRef>
-          <a:fillRef idx="1">
-            <a:schemeClr val="accent1"/>
-          </a:fillRef>
-          <a:effectRef idx="0">
-            <a:schemeClr val="accent1"/>
-          </a:effectRef>
-          <a:fontRef idx="minor">
-            <a:schemeClr val="lt1"/>
-          </a:fontRef>
-        </p:style>
-        <p:txBody>
-          <a:bodyPr rtlCol="0" anchor="ctr"/>
-          <a:lstStyle/>
-          <a:p>
-            <a:pPr algn="ctr"/>
-            <a:endParaRPr lang="en-CA" dirty="0">
-              <a:solidFill>
-                <a:schemeClr val="tx2"/>
-              </a:solidFill>
-            </a:endParaRPr>
-          </a:p>
-        </p:txBody>
-      </p:sp>
-      <p:cxnSp>
-        <p:nvCxnSpPr>
-          <p:cNvPr id="161" name="Straight Arrow Connector 160"/>
-          <p:cNvCxnSpPr>
-            <a:stCxn id="159" idx="1"/>
-          </p:cNvCxnSpPr>
-          <p:nvPr/>
-        </p:nvCxnSpPr>
-        <p:spPr>
-          <a:xfrm flipH="1" flipV="1">
-            <a:off x="5692074" y="3124201"/>
-            <a:ext cx="960920" cy="39"/>
-          </a:xfrm>
-          <a:prstGeom prst="straightConnector1">
-            <a:avLst/>
-          </a:prstGeom>
-          <a:ln w="38100">
-            <a:tailEnd type="arrow"/>
-          </a:ln>
-        </p:spPr>
-        <p:style>
-          <a:lnRef idx="1">
-            <a:schemeClr val="accent1"/>
-          </a:lnRef>
-          <a:fillRef idx="0">
-            <a:schemeClr val="accent1"/>
-          </a:fillRef>
-          <a:effectRef idx="0">
-            <a:schemeClr val="accent1"/>
-          </a:effectRef>
-          <a:fontRef idx="minor">
-            <a:schemeClr val="tx1"/>
-          </a:fontRef>
-        </p:style>
-      </p:cxnSp>
-      <p:cxnSp>
-        <p:nvCxnSpPr>
-          <p:cNvPr id="164" name="Straight Arrow Connector 163"/>
-          <p:cNvCxnSpPr>
-            <a:stCxn id="159" idx="2"/>
-            <a:endCxn id="265" idx="0"/>
-          </p:cNvCxnSpPr>
-          <p:nvPr/>
-        </p:nvCxnSpPr>
-        <p:spPr>
-          <a:xfrm>
-            <a:off x="6843495" y="3314739"/>
-            <a:ext cx="1" cy="530428"/>
-          </a:xfrm>
-          <a:prstGeom prst="straightConnector1">
-            <a:avLst/>
-          </a:prstGeom>
-          <a:ln w="38100">
-            <a:tailEnd type="arrow"/>
-          </a:ln>
-        </p:spPr>
-        <p:style>
-          <a:lnRef idx="1">
-            <a:schemeClr val="accent1"/>
-          </a:lnRef>
-          <a:fillRef idx="0">
-            <a:schemeClr val="accent1"/>
-          </a:fillRef>
-          <a:effectRef idx="0">
-            <a:schemeClr val="accent1"/>
-          </a:effectRef>
-          <a:fontRef idx="minor">
-            <a:schemeClr val="tx1"/>
-          </a:fontRef>
-        </p:style>
-      </p:cxnSp>
-      <p:cxnSp>
-        <p:nvCxnSpPr>
-          <p:cNvPr id="172" name="Straight Arrow Connector 171"/>
-          <p:cNvCxnSpPr>
-            <a:stCxn id="245" idx="0"/>
-            <a:endCxn id="275" idx="2"/>
-          </p:cNvCxnSpPr>
-          <p:nvPr/>
-        </p:nvCxnSpPr>
-        <p:spPr>
-          <a:xfrm flipV="1">
-            <a:off x="2512288" y="4752026"/>
-            <a:ext cx="0" cy="919464"/>
-          </a:xfrm>
-          <a:prstGeom prst="straightConnector1">
-            <a:avLst/>
-          </a:prstGeom>
-          <a:ln w="38100">
-            <a:prstDash val="dash"/>
-            <a:tailEnd type="arrow"/>
-          </a:ln>
-        </p:spPr>
-        <p:style>
-          <a:lnRef idx="1">
-            <a:schemeClr val="accent1"/>
-          </a:lnRef>
-          <a:fillRef idx="0">
-            <a:schemeClr val="accent1"/>
-          </a:fillRef>
-          <a:effectRef idx="0">
-            <a:schemeClr val="accent1"/>
-          </a:effectRef>
-          <a:fontRef idx="minor">
-            <a:schemeClr val="tx1"/>
-          </a:fontRef>
-        </p:style>
-      </p:cxnSp>
-      <p:sp>
-        <p:nvSpPr>
-          <p:cNvPr id="178" name="Flowchart: Decision 177"/>
-          <p:cNvSpPr/>
-          <p:nvPr/>
-        </p:nvSpPr>
-        <p:spPr>
-          <a:xfrm>
-            <a:off x="3885415" y="5902412"/>
-            <a:ext cx="381000" cy="381000"/>
-          </a:xfrm>
-          <a:prstGeom prst="flowChartDecision">
-            <a:avLst/>
-          </a:prstGeom>
-          <a:solidFill>
-            <a:schemeClr val="bg1"/>
-          </a:solidFill>
-        </p:spPr>
-        <p:style>
-          <a:lnRef idx="2">
-            <a:schemeClr val="accent1">
-              <a:shade val="50000"/>
-            </a:schemeClr>
-          </a:lnRef>
-          <a:fillRef idx="1">
-            <a:schemeClr val="accent1"/>
-          </a:fillRef>
-          <a:effectRef idx="0">
-            <a:schemeClr val="accent1"/>
-          </a:effectRef>
-          <a:fontRef idx="minor">
-            <a:schemeClr val="lt1"/>
-          </a:fontRef>
-        </p:style>
-        <p:txBody>
-          <a:bodyPr rtlCol="0" anchor="ctr"/>
-          <a:lstStyle/>
-          <a:p>
-            <a:pPr algn="ctr"/>
-            <a:endParaRPr lang="en-CA" dirty="0">
-              <a:solidFill>
-                <a:schemeClr val="tx2"/>
-              </a:solidFill>
-            </a:endParaRPr>
-          </a:p>
-        </p:txBody>
-      </p:sp>
-      <p:cxnSp>
-        <p:nvCxnSpPr>
-          <p:cNvPr id="180" name="Straight Arrow Connector 179"/>
-          <p:cNvCxnSpPr>
-            <a:stCxn id="178" idx="1"/>
-            <a:endCxn id="245" idx="3"/>
-          </p:cNvCxnSpPr>
-          <p:nvPr/>
-        </p:nvCxnSpPr>
-        <p:spPr>
-          <a:xfrm flipH="1">
-            <a:off x="2990103" y="6092913"/>
-            <a:ext cx="895312" cy="1"/>
-          </a:xfrm>
-          <a:prstGeom prst="straightConnector1">
-            <a:avLst/>
-          </a:prstGeom>
-          <a:ln w="38100">
-            <a:tailEnd type="arrow"/>
-          </a:ln>
-        </p:spPr>
-        <p:style>
-          <a:lnRef idx="1">
-            <a:schemeClr val="accent1"/>
-          </a:lnRef>
-          <a:fillRef idx="0">
-            <a:schemeClr val="accent1"/>
-          </a:fillRef>
-          <a:effectRef idx="0">
-            <a:schemeClr val="accent1"/>
-          </a:effectRef>
-          <a:fontRef idx="minor">
-            <a:schemeClr val="tx1"/>
-          </a:fontRef>
-        </p:style>
-      </p:cxnSp>
-      <p:sp>
-        <p:nvSpPr>
-          <p:cNvPr id="185" name="Flowchart: Decision 184"/>
-          <p:cNvSpPr/>
-          <p:nvPr/>
-        </p:nvSpPr>
-        <p:spPr>
-          <a:xfrm>
-            <a:off x="2321787" y="2933739"/>
-            <a:ext cx="381000" cy="381000"/>
-          </a:xfrm>
-          <a:prstGeom prst="flowChartDecision">
-            <a:avLst/>
-          </a:prstGeom>
-          <a:solidFill>
-            <a:schemeClr val="bg1"/>
-          </a:solidFill>
-        </p:spPr>
-        <p:style>
-          <a:lnRef idx="2">
-            <a:schemeClr val="accent1">
-              <a:shade val="50000"/>
-            </a:schemeClr>
-          </a:lnRef>
-          <a:fillRef idx="1">
-            <a:schemeClr val="accent1"/>
-          </a:fillRef>
-          <a:effectRef idx="0">
-            <a:schemeClr val="accent1"/>
-          </a:effectRef>
-          <a:fontRef idx="minor">
-            <a:schemeClr val="lt1"/>
-          </a:fontRef>
-        </p:style>
-        <p:txBody>
-          <a:bodyPr rtlCol="0" anchor="ctr"/>
-          <a:lstStyle/>
-          <a:p>
-            <a:pPr algn="ctr"/>
-            <a:endParaRPr lang="en-CA" dirty="0">
-              <a:solidFill>
-                <a:schemeClr val="tx2"/>
-              </a:solidFill>
-            </a:endParaRPr>
-          </a:p>
-        </p:txBody>
-      </p:sp>
-      <p:cxnSp>
-        <p:nvCxnSpPr>
-          <p:cNvPr id="187" name="Straight Arrow Connector 186"/>
-          <p:cNvCxnSpPr>
-            <a:stCxn id="275" idx="0"/>
-            <a:endCxn id="185" idx="2"/>
-          </p:cNvCxnSpPr>
-          <p:nvPr/>
-        </p:nvCxnSpPr>
-        <p:spPr>
-          <a:xfrm flipH="1" flipV="1">
-            <a:off x="2512288" y="3314739"/>
-            <a:ext cx="1" cy="486228"/>
-          </a:xfrm>
-          <a:prstGeom prst="straightConnector1">
-            <a:avLst/>
-          </a:prstGeom>
-          <a:ln w="38100">
-            <a:tailEnd type="arrow"/>
-          </a:ln>
-        </p:spPr>
-        <p:style>
-          <a:lnRef idx="1">
-            <a:schemeClr val="accent1"/>
-          </a:lnRef>
-          <a:fillRef idx="0">
-            <a:schemeClr val="accent1"/>
-          </a:fillRef>
-          <a:effectRef idx="0">
-            <a:schemeClr val="accent1"/>
-          </a:effectRef>
-          <a:fontRef idx="minor">
-            <a:schemeClr val="tx1"/>
-          </a:fontRef>
-        </p:style>
-      </p:cxnSp>
-      <p:cxnSp>
-        <p:nvCxnSpPr>
-          <p:cNvPr id="199" name="Straight Arrow Connector 198"/>
-          <p:cNvCxnSpPr>
-            <a:stCxn id="178" idx="0"/>
-            <a:endCxn id="126" idx="4"/>
-          </p:cNvCxnSpPr>
-          <p:nvPr/>
-        </p:nvCxnSpPr>
-        <p:spPr>
-          <a:xfrm flipV="1">
-            <a:off x="4075915" y="5335972"/>
-            <a:ext cx="0" cy="566441"/>
-          </a:xfrm>
-          <a:prstGeom prst="straightConnector1">
-            <a:avLst/>
-          </a:prstGeom>
-          <a:ln w="38100">
-            <a:tailEnd type="arrow"/>
-          </a:ln>
-        </p:spPr>
-        <p:style>
-          <a:lnRef idx="1">
-            <a:schemeClr val="accent1"/>
-          </a:lnRef>
-          <a:fillRef idx="0">
-            <a:schemeClr val="accent1"/>
-          </a:fillRef>
-          <a:effectRef idx="0">
-            <a:schemeClr val="accent1"/>
-          </a:effectRef>
-          <a:fontRef idx="minor">
-            <a:schemeClr val="tx1"/>
-          </a:fontRef>
-        </p:style>
-      </p:cxnSp>
-      <p:pic>
-        <p:nvPicPr>
-          <p:cNvPr id="202" name="Picture 5"/>
-          <p:cNvPicPr>
-            <a:picLocks noChangeAspect="1" noChangeArrowheads="1"/>
-          </p:cNvPicPr>
-          <p:nvPr/>
-        </p:nvPicPr>
-        <p:blipFill>
-          <a:blip r:embed="rId2" cstate="print"/>
-          <a:srcRect/>
-          <a:stretch>
-            <a:fillRect/>
-          </a:stretch>
-        </p:blipFill>
-        <p:spPr bwMode="auto">
-          <a:xfrm>
-            <a:off x="3558472" y="1046913"/>
-            <a:ext cx="1034886" cy="853514"/>
-          </a:xfrm>
-          <a:prstGeom prst="rect">
-            <a:avLst/>
-          </a:prstGeom>
-          <a:noFill/>
-          <a:ln w="9525">
-            <a:noFill/>
-            <a:miter lim="800000"/>
-            <a:headEnd/>
-            <a:tailEnd/>
-          </a:ln>
-          <a:effectLst/>
-        </p:spPr>
-      </p:pic>
-      <p:pic>
-        <p:nvPicPr>
-          <p:cNvPr id="206" name="Picture 6"/>
-          <p:cNvPicPr>
-            <a:picLocks noChangeAspect="1" noChangeArrowheads="1"/>
-          </p:cNvPicPr>
-          <p:nvPr/>
-        </p:nvPicPr>
-        <p:blipFill>
-          <a:blip r:embed="rId3" cstate="print"/>
-          <a:srcRect/>
-          <a:stretch>
-            <a:fillRect/>
-          </a:stretch>
-        </p:blipFill>
-        <p:spPr bwMode="auto">
-          <a:xfrm>
-            <a:off x="5066476" y="1042342"/>
-            <a:ext cx="813887" cy="862659"/>
-          </a:xfrm>
-          <a:prstGeom prst="rect">
-            <a:avLst/>
-          </a:prstGeom>
-          <a:noFill/>
-          <a:ln w="9525">
-            <a:noFill/>
-            <a:miter lim="800000"/>
-            <a:headEnd/>
-            <a:tailEnd/>
-          </a:ln>
-          <a:effectLst/>
-        </p:spPr>
-      </p:pic>
-      <p:pic>
-        <p:nvPicPr>
-          <p:cNvPr id="209" name="Picture 6"/>
-          <p:cNvPicPr>
-            <a:picLocks noChangeAspect="1" noChangeArrowheads="1"/>
-          </p:cNvPicPr>
-          <p:nvPr/>
-        </p:nvPicPr>
-        <p:blipFill>
-          <a:blip r:embed="rId4" cstate="print"/>
-          <a:srcRect/>
-          <a:stretch>
-            <a:fillRect/>
-          </a:stretch>
-        </p:blipFill>
-        <p:spPr bwMode="auto">
-          <a:xfrm>
-            <a:off x="7669469" y="595896"/>
-            <a:ext cx="789501" cy="603556"/>
-          </a:xfrm>
-          <a:prstGeom prst="rect">
-            <a:avLst/>
-          </a:prstGeom>
-          <a:noFill/>
-          <a:ln w="9525">
-            <a:noFill/>
-            <a:miter lim="800000"/>
-            <a:headEnd/>
-            <a:tailEnd/>
-          </a:ln>
-          <a:effectLst/>
-        </p:spPr>
-      </p:pic>
-      <p:pic>
-        <p:nvPicPr>
-          <p:cNvPr id="212" name="Picture 8"/>
-          <p:cNvPicPr>
-            <a:picLocks noChangeAspect="1" noChangeArrowheads="1"/>
-          </p:cNvPicPr>
-          <p:nvPr/>
-        </p:nvPicPr>
-        <p:blipFill>
-          <a:blip r:embed="rId5" cstate="print"/>
-          <a:srcRect/>
-          <a:stretch>
-            <a:fillRect/>
-          </a:stretch>
-        </p:blipFill>
-        <p:spPr bwMode="auto">
-          <a:xfrm>
-            <a:off x="9578272" y="457200"/>
-            <a:ext cx="784928" cy="880948"/>
-          </a:xfrm>
-          <a:prstGeom prst="rect">
-            <a:avLst/>
-          </a:prstGeom>
-          <a:noFill/>
-          <a:ln w="9525">
-            <a:noFill/>
-            <a:miter lim="800000"/>
-            <a:headEnd/>
-            <a:tailEnd/>
-          </a:ln>
-          <a:effectLst/>
-        </p:spPr>
-      </p:pic>
-      <p:pic>
-        <p:nvPicPr>
-          <p:cNvPr id="218" name="Picture 4"/>
-          <p:cNvPicPr>
-            <a:picLocks noChangeAspect="1" noChangeArrowheads="1"/>
-          </p:cNvPicPr>
-          <p:nvPr/>
-        </p:nvPicPr>
-        <p:blipFill>
-          <a:blip r:embed="rId6" cstate="print"/>
-          <a:srcRect/>
-          <a:stretch>
-            <a:fillRect/>
-          </a:stretch>
-        </p:blipFill>
-        <p:spPr bwMode="auto">
-          <a:xfrm>
-            <a:off x="3703266" y="2667001"/>
-            <a:ext cx="745301" cy="914479"/>
-          </a:xfrm>
-          <a:prstGeom prst="rect">
-            <a:avLst/>
-          </a:prstGeom>
-          <a:noFill/>
-          <a:ln w="9525">
-            <a:noFill/>
-            <a:miter lim="800000"/>
-            <a:headEnd/>
-            <a:tailEnd/>
-          </a:ln>
-          <a:effectLst/>
-        </p:spPr>
-      </p:pic>
-      <p:pic>
-        <p:nvPicPr>
-          <p:cNvPr id="223" name="Picture 26"/>
-          <p:cNvPicPr>
-            <a:picLocks noChangeAspect="1" noChangeArrowheads="1"/>
-          </p:cNvPicPr>
-          <p:nvPr/>
-        </p:nvPicPr>
-        <p:blipFill>
-          <a:blip r:embed="rId7" cstate="print"/>
-          <a:srcRect/>
-          <a:stretch>
-            <a:fillRect/>
-          </a:stretch>
-        </p:blipFill>
-        <p:spPr bwMode="auto">
-          <a:xfrm>
-            <a:off x="5143445" y="2667001"/>
-            <a:ext cx="659949" cy="914479"/>
-          </a:xfrm>
-          <a:prstGeom prst="rect">
-            <a:avLst/>
-          </a:prstGeom>
-          <a:noFill/>
-          <a:ln w="9525">
-            <a:noFill/>
-            <a:miter lim="800000"/>
-            <a:headEnd/>
-            <a:tailEnd/>
-          </a:ln>
-          <a:effectLst/>
-        </p:spPr>
-      </p:pic>
-      <p:pic>
-        <p:nvPicPr>
-          <p:cNvPr id="226" name="Picture 28"/>
-          <p:cNvPicPr>
-            <a:picLocks noChangeAspect="1" noChangeArrowheads="1"/>
-          </p:cNvPicPr>
-          <p:nvPr/>
-        </p:nvPicPr>
-        <p:blipFill>
-          <a:blip r:embed="rId8" cstate="print"/>
-          <a:srcRect/>
-          <a:stretch>
-            <a:fillRect/>
-          </a:stretch>
-        </p:blipFill>
-        <p:spPr bwMode="auto">
-          <a:xfrm>
-            <a:off x="7597073" y="2740159"/>
-            <a:ext cx="934293" cy="768163"/>
-          </a:xfrm>
-          <a:prstGeom prst="rect">
-            <a:avLst/>
-          </a:prstGeom>
-          <a:noFill/>
-          <a:ln w="9525">
-            <a:noFill/>
-            <a:miter lim="800000"/>
-            <a:headEnd/>
-            <a:tailEnd/>
-          </a:ln>
-          <a:effectLst/>
-        </p:spPr>
-      </p:pic>
-      <p:pic>
-        <p:nvPicPr>
-          <p:cNvPr id="235" name="Picture 28"/>
-          <p:cNvPicPr>
-            <a:picLocks noChangeAspect="1" noChangeArrowheads="1"/>
-          </p:cNvPicPr>
-          <p:nvPr/>
-        </p:nvPicPr>
-        <p:blipFill>
-          <a:blip r:embed="rId8" cstate="print"/>
-          <a:srcRect/>
-          <a:stretch>
-            <a:fillRect/>
-          </a:stretch>
-        </p:blipFill>
-        <p:spPr bwMode="auto">
-          <a:xfrm>
-            <a:off x="5006273" y="3892416"/>
-            <a:ext cx="934293" cy="768163"/>
-          </a:xfrm>
-          <a:prstGeom prst="rect">
-            <a:avLst/>
-          </a:prstGeom>
-          <a:noFill/>
-          <a:ln w="9525">
-            <a:noFill/>
-            <a:miter lim="800000"/>
-            <a:headEnd/>
-            <a:tailEnd/>
-          </a:ln>
-          <a:effectLst/>
-        </p:spPr>
-      </p:pic>
-      <p:pic>
-        <p:nvPicPr>
-          <p:cNvPr id="242" name="Picture 5"/>
-          <p:cNvPicPr>
-            <a:picLocks noChangeAspect="1" noChangeArrowheads="1"/>
-          </p:cNvPicPr>
-          <p:nvPr/>
-        </p:nvPicPr>
-        <p:blipFill>
-          <a:blip r:embed="rId9" cstate="print"/>
-          <a:srcRect/>
-          <a:stretch>
-            <a:fillRect/>
-          </a:stretch>
-        </p:blipFill>
-        <p:spPr bwMode="auto">
-          <a:xfrm>
-            <a:off x="8892472" y="3835261"/>
-            <a:ext cx="879424" cy="882473"/>
-          </a:xfrm>
-          <a:prstGeom prst="rect">
-            <a:avLst/>
-          </a:prstGeom>
-          <a:noFill/>
-          <a:ln w="9525">
-            <a:noFill/>
-            <a:miter lim="800000"/>
-            <a:headEnd/>
-            <a:tailEnd/>
-          </a:ln>
-          <a:effectLst/>
-        </p:spPr>
-      </p:pic>
-      <p:pic>
-        <p:nvPicPr>
-          <p:cNvPr id="245" name="Picture 8"/>
-          <p:cNvPicPr>
-            <a:picLocks noChangeAspect="1" noChangeArrowheads="1"/>
-          </p:cNvPicPr>
-          <p:nvPr/>
-        </p:nvPicPr>
-        <p:blipFill>
-          <a:blip r:embed="rId10" cstate="print"/>
-          <a:srcRect/>
-          <a:stretch>
-            <a:fillRect/>
-          </a:stretch>
-        </p:blipFill>
-        <p:spPr bwMode="auto">
-          <a:xfrm>
-            <a:off x="2034473" y="5671491"/>
-            <a:ext cx="955631" cy="842845"/>
-          </a:xfrm>
-          <a:prstGeom prst="rect">
-            <a:avLst/>
-          </a:prstGeom>
-          <a:noFill/>
-          <a:ln w="9525">
-            <a:noFill/>
-            <a:miter lim="800000"/>
-            <a:headEnd/>
-            <a:tailEnd/>
-          </a:ln>
-          <a:effectLst/>
-        </p:spPr>
-      </p:pic>
-      <p:pic>
-        <p:nvPicPr>
-          <p:cNvPr id="248" name="Picture 6"/>
-          <p:cNvPicPr>
-            <a:picLocks noChangeAspect="1" noChangeArrowheads="1"/>
-          </p:cNvPicPr>
-          <p:nvPr/>
-        </p:nvPicPr>
-        <p:blipFill>
-          <a:blip r:embed="rId11" cstate="print"/>
-          <a:srcRect/>
-          <a:stretch>
-            <a:fillRect/>
-          </a:stretch>
-        </p:blipFill>
-        <p:spPr bwMode="auto">
-          <a:xfrm>
-            <a:off x="5160209" y="5642531"/>
-            <a:ext cx="626418" cy="900762"/>
-          </a:xfrm>
-          <a:prstGeom prst="rect">
-            <a:avLst/>
-          </a:prstGeom>
-          <a:noFill/>
-          <a:ln w="9525">
-            <a:noFill/>
-            <a:miter lim="800000"/>
-            <a:headEnd/>
-            <a:tailEnd/>
-          </a:ln>
-          <a:effectLst/>
-        </p:spPr>
-      </p:pic>
-      <p:pic>
-        <p:nvPicPr>
-          <p:cNvPr id="251" name="Picture 7"/>
-          <p:cNvPicPr>
-            <a:picLocks noChangeAspect="1" noChangeArrowheads="1"/>
-          </p:cNvPicPr>
-          <p:nvPr/>
-        </p:nvPicPr>
-        <p:blipFill>
-          <a:blip r:embed="rId12" cstate="print"/>
-          <a:srcRect/>
-          <a:stretch>
-            <a:fillRect/>
-          </a:stretch>
-        </p:blipFill>
-        <p:spPr bwMode="auto">
-          <a:xfrm>
-            <a:off x="6377873" y="5663869"/>
-            <a:ext cx="931245" cy="858086"/>
-          </a:xfrm>
-          <a:prstGeom prst="rect">
-            <a:avLst/>
-          </a:prstGeom>
-          <a:noFill/>
-          <a:ln w="9525">
-            <a:noFill/>
-            <a:miter lim="800000"/>
-            <a:headEnd/>
-            <a:tailEnd/>
-          </a:ln>
-          <a:effectLst/>
-        </p:spPr>
-      </p:pic>
-      <p:pic>
-        <p:nvPicPr>
-          <p:cNvPr id="254" name="Picture 44"/>
-          <p:cNvPicPr>
-            <a:picLocks noChangeAspect="1" noChangeArrowheads="1"/>
-          </p:cNvPicPr>
-          <p:nvPr/>
-        </p:nvPicPr>
-        <p:blipFill>
-          <a:blip r:embed="rId13" cstate="print"/>
-          <a:srcRect/>
-          <a:stretch>
-            <a:fillRect/>
-          </a:stretch>
-        </p:blipFill>
-        <p:spPr bwMode="auto">
-          <a:xfrm>
-            <a:off x="7690807" y="5632624"/>
-            <a:ext cx="746825" cy="920576"/>
-          </a:xfrm>
-          <a:prstGeom prst="rect">
-            <a:avLst/>
-          </a:prstGeom>
-          <a:noFill/>
-          <a:ln w="9525">
-            <a:noFill/>
-            <a:miter lim="800000"/>
-            <a:headEnd/>
-            <a:tailEnd/>
-          </a:ln>
-          <a:effectLst/>
-        </p:spPr>
-      </p:pic>
-      <p:cxnSp>
-        <p:nvCxnSpPr>
-          <p:cNvPr id="260" name="Shape 141"/>
-          <p:cNvCxnSpPr>
-            <a:stCxn id="60" idx="2"/>
-            <a:endCxn id="254" idx="0"/>
-          </p:cNvCxnSpPr>
-          <p:nvPr/>
-        </p:nvCxnSpPr>
-        <p:spPr>
-          <a:xfrm rot="16200000" flipH="1">
-            <a:off x="5487253" y="3055658"/>
-            <a:ext cx="1165628" cy="3988304"/>
-          </a:xfrm>
-          <a:prstGeom prst="bentConnector3">
-            <a:avLst>
-              <a:gd name="adj1" fmla="val 38093"/>
-            </a:avLst>
-          </a:prstGeom>
-          <a:ln w="38100">
-            <a:tailEnd type="arrow"/>
-          </a:ln>
-        </p:spPr>
-        <p:style>
-          <a:lnRef idx="1">
-            <a:schemeClr val="accent1"/>
-          </a:lnRef>
-          <a:fillRef idx="0">
-            <a:schemeClr val="accent1"/>
-          </a:fillRef>
-          <a:effectRef idx="0">
-            <a:schemeClr val="accent1"/>
-          </a:effectRef>
-          <a:fontRef idx="minor">
-            <a:schemeClr val="tx1"/>
-          </a:fontRef>
-        </p:style>
-      </p:cxnSp>
-      <p:pic>
-        <p:nvPicPr>
-          <p:cNvPr id="265" name="Picture 6"/>
-          <p:cNvPicPr>
-            <a:picLocks noChangeAspect="1" noChangeArrowheads="1"/>
-          </p:cNvPicPr>
-          <p:nvPr/>
-        </p:nvPicPr>
-        <p:blipFill>
-          <a:blip r:embed="rId14" cstate="print"/>
-          <a:srcRect/>
-          <a:stretch>
-            <a:fillRect/>
-          </a:stretch>
-        </p:blipFill>
-        <p:spPr bwMode="auto">
-          <a:xfrm>
-            <a:off x="6504376" y="3845168"/>
-            <a:ext cx="678239" cy="862659"/>
-          </a:xfrm>
-          <a:prstGeom prst="rect">
-            <a:avLst/>
-          </a:prstGeom>
-          <a:noFill/>
-          <a:ln w="9525">
-            <a:noFill/>
-            <a:miter lim="800000"/>
-            <a:headEnd/>
-            <a:tailEnd/>
-          </a:ln>
-          <a:effectLst/>
-        </p:spPr>
-      </p:pic>
-      <p:pic>
-        <p:nvPicPr>
-          <p:cNvPr id="269" name="Picture 6"/>
-          <p:cNvPicPr>
-            <a:picLocks noChangeAspect="1" noChangeArrowheads="1"/>
-          </p:cNvPicPr>
-          <p:nvPr/>
-        </p:nvPicPr>
-        <p:blipFill>
-          <a:blip r:embed="rId15" cstate="print"/>
-          <a:srcRect/>
-          <a:stretch>
-            <a:fillRect/>
-          </a:stretch>
-        </p:blipFill>
-        <p:spPr bwMode="auto">
-          <a:xfrm>
-            <a:off x="8906951" y="1634713"/>
-            <a:ext cx="850466" cy="777307"/>
-          </a:xfrm>
-          <a:prstGeom prst="rect">
-            <a:avLst/>
-          </a:prstGeom>
-          <a:noFill/>
-          <a:ln w="9525">
-            <a:noFill/>
-            <a:miter lim="800000"/>
-            <a:headEnd/>
-            <a:tailEnd/>
-          </a:ln>
-          <a:effectLst/>
-        </p:spPr>
-      </p:pic>
-      <p:pic>
-        <p:nvPicPr>
-          <p:cNvPr id="275" name="Picture 31"/>
-          <p:cNvPicPr>
-            <a:picLocks noChangeAspect="1" noChangeArrowheads="1"/>
-          </p:cNvPicPr>
-          <p:nvPr/>
-        </p:nvPicPr>
-        <p:blipFill>
-          <a:blip r:embed="rId16" cstate="print"/>
-          <a:srcRect/>
-          <a:stretch>
-            <a:fillRect/>
-          </a:stretch>
-        </p:blipFill>
-        <p:spPr bwMode="auto">
-          <a:xfrm>
-            <a:off x="2230324" y="3800968"/>
-            <a:ext cx="563929" cy="951059"/>
-          </a:xfrm>
-          <a:prstGeom prst="rect">
-            <a:avLst/>
-          </a:prstGeom>
-          <a:noFill/>
-          <a:ln w="9525">
-            <a:noFill/>
-            <a:miter lim="800000"/>
-            <a:headEnd/>
-            <a:tailEnd/>
-          </a:ln>
-          <a:effectLst/>
-        </p:spPr>
-      </p:pic>
-      <p:cxnSp>
-        <p:nvCxnSpPr>
-          <p:cNvPr id="283" name="Shape 282"/>
-          <p:cNvCxnSpPr>
-            <a:stCxn id="159" idx="0"/>
-            <a:endCxn id="218" idx="0"/>
-          </p:cNvCxnSpPr>
-          <p:nvPr/>
-        </p:nvCxnSpPr>
-        <p:spPr>
-          <a:xfrm rot="16200000" flipV="1">
-            <a:off x="5326337" y="1416581"/>
-            <a:ext cx="266739" cy="2767578"/>
-          </a:xfrm>
-          <a:prstGeom prst="bentConnector3">
-            <a:avLst>
-              <a:gd name="adj1" fmla="val 226694"/>
-            </a:avLst>
-          </a:prstGeom>
-          <a:ln w="38100">
-            <a:tailEnd type="arrow"/>
-          </a:ln>
-        </p:spPr>
-        <p:style>
-          <a:lnRef idx="1">
-            <a:schemeClr val="accent1"/>
-          </a:lnRef>
-          <a:fillRef idx="0">
-            <a:schemeClr val="accent1"/>
-          </a:fillRef>
-          <a:effectRef idx="0">
-            <a:schemeClr val="accent1"/>
-          </a:effectRef>
-          <a:fontRef idx="minor">
-            <a:schemeClr val="tx1"/>
-          </a:fontRef>
-        </p:style>
-      </p:cxnSp>
-      <p:cxnSp>
-        <p:nvCxnSpPr>
-          <p:cNvPr id="290" name="Shape 282"/>
-          <p:cNvCxnSpPr>
-            <a:stCxn id="206" idx="3"/>
-            <a:endCxn id="23" idx="1"/>
-          </p:cNvCxnSpPr>
-          <p:nvPr/>
-        </p:nvCxnSpPr>
-        <p:spPr>
-          <a:xfrm>
-            <a:off x="5880362" y="1473671"/>
-            <a:ext cx="1993356" cy="549694"/>
-          </a:xfrm>
-          <a:prstGeom prst="bentConnector3">
-            <a:avLst>
-              <a:gd name="adj1" fmla="val 50000"/>
-            </a:avLst>
-          </a:prstGeom>
-          <a:ln w="38100">
-            <a:tailEnd type="arrow"/>
-          </a:ln>
-        </p:spPr>
-        <p:style>
-          <a:lnRef idx="1">
-            <a:schemeClr val="accent1"/>
-          </a:lnRef>
-          <a:fillRef idx="0">
-            <a:schemeClr val="accent1"/>
-          </a:fillRef>
-          <a:effectRef idx="0">
-            <a:schemeClr val="accent1"/>
-          </a:effectRef>
-          <a:fontRef idx="minor">
-            <a:schemeClr val="tx1"/>
-          </a:fontRef>
-        </p:style>
-      </p:cxnSp>
-      <p:cxnSp>
-        <p:nvCxnSpPr>
-          <p:cNvPr id="299" name="Straight Arrow Connector 298"/>
-          <p:cNvCxnSpPr>
-            <a:stCxn id="125" idx="4"/>
-            <a:endCxn id="202" idx="0"/>
-          </p:cNvCxnSpPr>
-          <p:nvPr/>
-        </p:nvCxnSpPr>
-        <p:spPr>
-          <a:xfrm>
-            <a:off x="4075915" y="457201"/>
-            <a:ext cx="0" cy="589713"/>
-          </a:xfrm>
-          <a:prstGeom prst="straightConnector1">
-            <a:avLst/>
-          </a:prstGeom>
-          <a:ln w="38100">
-            <a:tailEnd type="arrow"/>
-          </a:ln>
-        </p:spPr>
-        <p:style>
-          <a:lnRef idx="1">
-            <a:schemeClr val="accent1"/>
-          </a:lnRef>
-          <a:fillRef idx="0">
-            <a:schemeClr val="accent1"/>
-          </a:fillRef>
-          <a:effectRef idx="0">
-            <a:schemeClr val="accent1"/>
-          </a:effectRef>
-          <a:fontRef idx="minor">
-            <a:schemeClr val="tx1"/>
-          </a:fontRef>
-        </p:style>
-      </p:cxnSp>
-    </p:spTree>
-  </p:cSld>
-  <p:clrMapOvr>
-    <a:masterClrMapping/>
-  </p:clrMapOvr>
-</p:sld>
-</file>
-
 <file path=ppt/slides/slide9.xml><?xml version="1.0" encoding="utf-8"?>
 <p:sld xmlns:a="http://schemas.openxmlformats.org/drawingml/2006/main" xmlns:r="http://schemas.openxmlformats.org/officeDocument/2006/relationships" xmlns:p="http://schemas.openxmlformats.org/presentationml/2006/main">
   <p:cSld>
@@ -14945,438 +18102,554 @@
       </p:grpSpPr>
       <p:sp>
         <p:nvSpPr>
-          <p:cNvPr id="2" name="Oval 1">
-            <a:extLst>
-              <a:ext uri="{FF2B5EF4-FFF2-40B4-BE49-F238E27FC236}">
-                <a16:creationId xmlns:a16="http://schemas.microsoft.com/office/drawing/2014/main" id="{EDFE045F-0C01-42E7-A85C-A533F5D477C3}"/>
-              </a:ext>
-            </a:extLst>
-          </p:cNvPr>
-          <p:cNvSpPr/>
-          <p:nvPr/>
-        </p:nvSpPr>
-        <p:spPr>
-          <a:xfrm>
-            <a:off x="3747752" y="1390918"/>
-            <a:ext cx="1828800" cy="721217"/>
-          </a:xfrm>
-          <a:prstGeom prst="ellipse">
-            <a:avLst/>
-          </a:prstGeom>
-        </p:spPr>
-        <p:style>
-          <a:lnRef idx="2">
-            <a:schemeClr val="accent1">
-              <a:shade val="50000"/>
-            </a:schemeClr>
-          </a:lnRef>
-          <a:fillRef idx="1">
-            <a:schemeClr val="accent1"/>
-          </a:fillRef>
-          <a:effectRef idx="0">
-            <a:schemeClr val="accent1"/>
-          </a:effectRef>
-          <a:fontRef idx="minor">
-            <a:schemeClr val="lt1"/>
-          </a:fontRef>
-        </p:style>
-        <p:txBody>
-          <a:bodyPr rtlCol="0" anchor="ctr"/>
-          <a:lstStyle/>
-          <a:p>
-            <a:pPr algn="ctr"/>
-            <a:r>
-              <a:rPr lang="en-US" b="1" dirty="0"/>
-              <a:t>Shareable</a:t>
-            </a:r>
-          </a:p>
-        </p:txBody>
-      </p:sp>
-      <p:sp>
-        <p:nvSpPr>
-          <p:cNvPr id="5" name="Oval 4">
-            <a:extLst>
-              <a:ext uri="{FF2B5EF4-FFF2-40B4-BE49-F238E27FC236}">
-                <a16:creationId xmlns:a16="http://schemas.microsoft.com/office/drawing/2014/main" id="{046A9111-5EED-482C-B42C-24038FB06C97}"/>
-              </a:ext>
-            </a:extLst>
-          </p:cNvPr>
-          <p:cNvSpPr/>
-          <p:nvPr/>
-        </p:nvSpPr>
-        <p:spPr>
-          <a:xfrm>
-            <a:off x="1609858" y="2554307"/>
-            <a:ext cx="1944710" cy="721217"/>
-          </a:xfrm>
-          <a:prstGeom prst="ellipse">
-            <a:avLst/>
-          </a:prstGeom>
-        </p:spPr>
-        <p:style>
-          <a:lnRef idx="2">
-            <a:schemeClr val="accent1">
-              <a:shade val="50000"/>
-            </a:schemeClr>
-          </a:lnRef>
-          <a:fillRef idx="1">
-            <a:schemeClr val="accent1"/>
-          </a:fillRef>
-          <a:effectRef idx="0">
-            <a:schemeClr val="accent1"/>
-          </a:effectRef>
-          <a:fontRef idx="minor">
-            <a:schemeClr val="lt1"/>
-          </a:fontRef>
-        </p:style>
-        <p:txBody>
-          <a:bodyPr rtlCol="0" anchor="ctr"/>
-          <a:lstStyle/>
-          <a:p>
-            <a:pPr algn="ctr"/>
-            <a:r>
-              <a:rPr lang="en-US" b="1" dirty="0"/>
-              <a:t>Computable</a:t>
-            </a:r>
-          </a:p>
-        </p:txBody>
-      </p:sp>
-      <p:sp>
-        <p:nvSpPr>
-          <p:cNvPr id="7" name="Oval 6">
-            <a:extLst>
-              <a:ext uri="{FF2B5EF4-FFF2-40B4-BE49-F238E27FC236}">
-                <a16:creationId xmlns:a16="http://schemas.microsoft.com/office/drawing/2014/main" id="{3F8FAE9B-1DEE-4C28-B959-8AB979898D8D}"/>
-              </a:ext>
-            </a:extLst>
-          </p:cNvPr>
-          <p:cNvSpPr/>
-          <p:nvPr/>
-        </p:nvSpPr>
-        <p:spPr>
-          <a:xfrm>
-            <a:off x="3747752" y="2554307"/>
-            <a:ext cx="1828800" cy="721217"/>
-          </a:xfrm>
-          <a:prstGeom prst="ellipse">
-            <a:avLst/>
-          </a:prstGeom>
-        </p:spPr>
-        <p:style>
-          <a:lnRef idx="2">
-            <a:schemeClr val="accent1">
-              <a:shade val="50000"/>
-            </a:schemeClr>
-          </a:lnRef>
-          <a:fillRef idx="1">
-            <a:schemeClr val="accent1"/>
-          </a:fillRef>
-          <a:effectRef idx="0">
-            <a:schemeClr val="accent1"/>
-          </a:effectRef>
-          <a:fontRef idx="minor">
-            <a:schemeClr val="lt1"/>
-          </a:fontRef>
-        </p:style>
-        <p:txBody>
-          <a:bodyPr rtlCol="0" anchor="ctr"/>
-          <a:lstStyle/>
-          <a:p>
-            <a:pPr algn="ctr"/>
-            <a:r>
-              <a:rPr lang="en-US" b="1" dirty="0"/>
-              <a:t>Publishable</a:t>
-            </a:r>
-          </a:p>
-        </p:txBody>
-      </p:sp>
-      <p:sp>
-        <p:nvSpPr>
-          <p:cNvPr id="9" name="Oval 8">
-            <a:extLst>
-              <a:ext uri="{FF2B5EF4-FFF2-40B4-BE49-F238E27FC236}">
-                <a16:creationId xmlns:a16="http://schemas.microsoft.com/office/drawing/2014/main" id="{4DF5EE67-9F92-4ED4-8B50-92F8610FC682}"/>
-              </a:ext>
-            </a:extLst>
-          </p:cNvPr>
-          <p:cNvSpPr/>
-          <p:nvPr/>
-        </p:nvSpPr>
-        <p:spPr>
-          <a:xfrm>
-            <a:off x="5769736" y="2554306"/>
-            <a:ext cx="1828800" cy="721217"/>
-          </a:xfrm>
-          <a:prstGeom prst="ellipse">
-            <a:avLst/>
-          </a:prstGeom>
-        </p:spPr>
-        <p:style>
-          <a:lnRef idx="2">
-            <a:schemeClr val="accent1">
-              <a:shade val="50000"/>
-            </a:schemeClr>
-          </a:lnRef>
-          <a:fillRef idx="1">
-            <a:schemeClr val="accent1"/>
-          </a:fillRef>
-          <a:effectRef idx="0">
-            <a:schemeClr val="accent1"/>
-          </a:effectRef>
-          <a:fontRef idx="minor">
-            <a:schemeClr val="lt1"/>
-          </a:fontRef>
-        </p:style>
-        <p:txBody>
-          <a:bodyPr rtlCol="0" anchor="ctr"/>
-          <a:lstStyle/>
-          <a:p>
-            <a:pPr algn="ctr"/>
-            <a:r>
-              <a:rPr lang="en-US" b="1" dirty="0"/>
-              <a:t>Executable</a:t>
-            </a:r>
-          </a:p>
-        </p:txBody>
-      </p:sp>
-      <p:cxnSp>
-        <p:nvCxnSpPr>
-          <p:cNvPr id="11" name="Straight Arrow Connector 10">
-            <a:extLst>
-              <a:ext uri="{FF2B5EF4-FFF2-40B4-BE49-F238E27FC236}">
-                <a16:creationId xmlns:a16="http://schemas.microsoft.com/office/drawing/2014/main" id="{1132473E-877B-4F62-AA08-D995395227A9}"/>
-              </a:ext>
-            </a:extLst>
-          </p:cNvPr>
-          <p:cNvCxnSpPr>
-            <a:cxnSpLocks/>
-          </p:cNvCxnSpPr>
-          <p:nvPr/>
-        </p:nvCxnSpPr>
-        <p:spPr>
-          <a:xfrm flipV="1">
-            <a:off x="2582213" y="2114280"/>
-            <a:ext cx="2079939" cy="442172"/>
-          </a:xfrm>
-          <a:prstGeom prst="straightConnector1">
-            <a:avLst/>
-          </a:prstGeom>
-          <a:ln w="76200">
-            <a:tailEnd type="triangle"/>
+          <p:cNvPr id="26" name="Title 25"/>
+          <p:cNvSpPr>
+            <a:spLocks noGrp="1"/>
+          </p:cNvSpPr>
+          <p:nvPr>
+            <p:ph type="title"/>
+          </p:nvPr>
+        </p:nvSpPr>
+        <p:spPr/>
+        <p:txBody>
+          <a:bodyPr/>
+          <a:lstStyle/>
+          <a:p>
+            <a:r>
+              <a:rPr lang="en-CA" dirty="0"/>
+              <a:t>Common Processes</a:t>
+            </a:r>
+          </a:p>
+        </p:txBody>
+      </p:sp>
+      <p:sp>
+        <p:nvSpPr>
+          <p:cNvPr id="2" name="Slide Number Placeholder 1"/>
+          <p:cNvSpPr>
+            <a:spLocks noGrp="1"/>
+          </p:cNvSpPr>
+          <p:nvPr>
+            <p:ph type="sldNum" sz="quarter" idx="4294967295"/>
+          </p:nvPr>
+        </p:nvSpPr>
+        <p:spPr>
+          <a:xfrm>
+            <a:off x="8077200" y="6356351"/>
+            <a:ext cx="2133600" cy="365125"/>
+          </a:xfrm>
+          <a:prstGeom prst="rect">
+            <a:avLst/>
+          </a:prstGeom>
+        </p:spPr>
+        <p:txBody>
+          <a:bodyPr/>
+          <a:lstStyle/>
+          <a:p>
+            <a:fld id="{6734F48E-A456-4E2F-B17E-509464F7A050}" type="slidenum">
+              <a:rPr lang="en-CA" smtClean="0"/>
+              <a:pPr/>
+              <a:t>9</a:t>
+            </a:fld>
+            <a:endParaRPr lang="en-CA"/>
+          </a:p>
+        </p:txBody>
+      </p:sp>
+      <p:pic>
+        <p:nvPicPr>
+          <p:cNvPr id="20" name="Picture 5"/>
+          <p:cNvPicPr>
+            <a:picLocks noChangeAspect="1" noChangeArrowheads="1"/>
+          </p:cNvPicPr>
+          <p:nvPr/>
+        </p:nvPicPr>
+        <p:blipFill>
+          <a:blip r:embed="rId2" cstate="print"/>
+          <a:srcRect/>
+          <a:stretch>
+            <a:fillRect/>
+          </a:stretch>
+        </p:blipFill>
+        <p:spPr bwMode="auto">
+          <a:xfrm>
+            <a:off x="4876800" y="1471056"/>
+            <a:ext cx="1034886" cy="853514"/>
+          </a:xfrm>
+          <a:prstGeom prst="rect">
+            <a:avLst/>
+          </a:prstGeom>
+          <a:noFill/>
+          <a:ln w="9525">
+            <a:noFill/>
+            <a:miter lim="800000"/>
+            <a:headEnd/>
+            <a:tailEnd/>
           </a:ln>
-        </p:spPr>
-        <p:style>
-          <a:lnRef idx="3">
-            <a:schemeClr val="accent1"/>
-          </a:lnRef>
-          <a:fillRef idx="0">
-            <a:schemeClr val="accent1"/>
-          </a:fillRef>
-          <a:effectRef idx="2">
-            <a:schemeClr val="accent1"/>
-          </a:effectRef>
-          <a:fontRef idx="minor">
-            <a:schemeClr val="tx1"/>
-          </a:fontRef>
-        </p:style>
-      </p:cxnSp>
-      <p:cxnSp>
-        <p:nvCxnSpPr>
-          <p:cNvPr id="14" name="Straight Arrow Connector 13">
-            <a:extLst>
-              <a:ext uri="{FF2B5EF4-FFF2-40B4-BE49-F238E27FC236}">
-                <a16:creationId xmlns:a16="http://schemas.microsoft.com/office/drawing/2014/main" id="{B5FC58A0-4BB8-43C6-A5E9-49148849697F}"/>
-              </a:ext>
-            </a:extLst>
-          </p:cNvPr>
-          <p:cNvCxnSpPr>
-            <a:cxnSpLocks/>
-            <a:stCxn id="7" idx="0"/>
-            <a:endCxn id="2" idx="4"/>
-          </p:cNvCxnSpPr>
-          <p:nvPr/>
-        </p:nvCxnSpPr>
-        <p:spPr>
-          <a:xfrm flipV="1">
-            <a:off x="4662152" y="2112135"/>
-            <a:ext cx="0" cy="442172"/>
-          </a:xfrm>
-          <a:prstGeom prst="straightConnector1">
-            <a:avLst/>
-          </a:prstGeom>
-          <a:ln w="76200">
-            <a:tailEnd type="triangle"/>
+          <a:effectLst/>
+        </p:spPr>
+      </p:pic>
+      <p:pic>
+        <p:nvPicPr>
+          <p:cNvPr id="21" name="Picture 6"/>
+          <p:cNvPicPr>
+            <a:picLocks noChangeAspect="1" noChangeArrowheads="1"/>
+          </p:cNvPicPr>
+          <p:nvPr/>
+        </p:nvPicPr>
+        <p:blipFill>
+          <a:blip r:embed="rId3" cstate="print"/>
+          <a:srcRect/>
+          <a:stretch>
+            <a:fillRect/>
+          </a:stretch>
+        </p:blipFill>
+        <p:spPr bwMode="auto">
+          <a:xfrm>
+            <a:off x="6477001" y="1758645"/>
+            <a:ext cx="813887" cy="862659"/>
+          </a:xfrm>
+          <a:prstGeom prst="rect">
+            <a:avLst/>
+          </a:prstGeom>
+          <a:noFill/>
+          <a:ln w="9525">
+            <a:noFill/>
+            <a:miter lim="800000"/>
+            <a:headEnd/>
+            <a:tailEnd/>
           </a:ln>
-        </p:spPr>
-        <p:style>
-          <a:lnRef idx="3">
-            <a:schemeClr val="accent1"/>
-          </a:lnRef>
-          <a:fillRef idx="0">
-            <a:schemeClr val="accent1"/>
-          </a:fillRef>
-          <a:effectRef idx="2">
-            <a:schemeClr val="accent1"/>
-          </a:effectRef>
-          <a:fontRef idx="minor">
-            <a:schemeClr val="tx1"/>
-          </a:fontRef>
-        </p:style>
-      </p:cxnSp>
-      <p:cxnSp>
-        <p:nvCxnSpPr>
-          <p:cNvPr id="17" name="Straight Arrow Connector 16">
-            <a:extLst>
-              <a:ext uri="{FF2B5EF4-FFF2-40B4-BE49-F238E27FC236}">
-                <a16:creationId xmlns:a16="http://schemas.microsoft.com/office/drawing/2014/main" id="{8AA502DD-79CF-471A-8723-A07AF6EBF816}"/>
-              </a:ext>
-            </a:extLst>
-          </p:cNvPr>
-          <p:cNvCxnSpPr>
-            <a:cxnSpLocks/>
-            <a:stCxn id="9" idx="0"/>
-            <a:endCxn id="2" idx="4"/>
-          </p:cNvCxnSpPr>
-          <p:nvPr/>
-        </p:nvCxnSpPr>
-        <p:spPr>
-          <a:xfrm flipH="1" flipV="1">
-            <a:off x="4662152" y="2112135"/>
-            <a:ext cx="2021984" cy="442171"/>
-          </a:xfrm>
-          <a:prstGeom prst="straightConnector1">
-            <a:avLst/>
-          </a:prstGeom>
-          <a:ln w="76200">
-            <a:tailEnd type="triangle"/>
+          <a:effectLst/>
+        </p:spPr>
+      </p:pic>
+      <p:pic>
+        <p:nvPicPr>
+          <p:cNvPr id="22" name="Picture 26"/>
+          <p:cNvPicPr>
+            <a:picLocks noChangeAspect="1" noChangeArrowheads="1"/>
+          </p:cNvPicPr>
+          <p:nvPr/>
+        </p:nvPicPr>
+        <p:blipFill>
+          <a:blip r:embed="rId4" cstate="print"/>
+          <a:srcRect/>
+          <a:stretch>
+            <a:fillRect/>
+          </a:stretch>
+        </p:blipFill>
+        <p:spPr bwMode="auto">
+          <a:xfrm>
+            <a:off x="2514601" y="2133601"/>
+            <a:ext cx="659949" cy="914479"/>
+          </a:xfrm>
+          <a:prstGeom prst="rect">
+            <a:avLst/>
+          </a:prstGeom>
+          <a:noFill/>
+          <a:ln w="9525">
+            <a:noFill/>
+            <a:miter lim="800000"/>
+            <a:headEnd/>
+            <a:tailEnd/>
           </a:ln>
-        </p:spPr>
-        <p:style>
-          <a:lnRef idx="3">
-            <a:schemeClr val="accent1"/>
-          </a:lnRef>
-          <a:fillRef idx="0">
-            <a:schemeClr val="accent1"/>
-          </a:fillRef>
-          <a:effectRef idx="2">
-            <a:schemeClr val="accent1"/>
-          </a:effectRef>
-          <a:fontRef idx="minor">
-            <a:schemeClr val="tx1"/>
-          </a:fontRef>
-        </p:style>
-      </p:cxnSp>
-      <p:sp>
-        <p:nvSpPr>
-          <p:cNvPr id="20" name="TextBox 19">
-            <a:extLst>
-              <a:ext uri="{FF2B5EF4-FFF2-40B4-BE49-F238E27FC236}">
-                <a16:creationId xmlns:a16="http://schemas.microsoft.com/office/drawing/2014/main" id="{AB060674-598F-47D6-B102-9532B6AE65DF}"/>
-              </a:ext>
-            </a:extLst>
-          </p:cNvPr>
-          <p:cNvSpPr txBox="1"/>
-          <p:nvPr/>
-        </p:nvSpPr>
-        <p:spPr>
-          <a:xfrm>
-            <a:off x="1745086" y="3431150"/>
-            <a:ext cx="1674253" cy="261610"/>
+          <a:effectLst/>
+        </p:spPr>
+      </p:pic>
+      <p:pic>
+        <p:nvPicPr>
+          <p:cNvPr id="24" name="Picture 28"/>
+          <p:cNvPicPr>
+            <a:picLocks noChangeAspect="1" noChangeArrowheads="1"/>
+          </p:cNvPicPr>
+          <p:nvPr/>
+        </p:nvPicPr>
+        <p:blipFill>
+          <a:blip r:embed="rId5" cstate="print"/>
+          <a:srcRect/>
+          <a:stretch>
+            <a:fillRect/>
+          </a:stretch>
+        </p:blipFill>
+        <p:spPr bwMode="auto">
+          <a:xfrm>
+            <a:off x="8382001" y="1530045"/>
+            <a:ext cx="934293" cy="768163"/>
           </a:xfrm>
           <a:prstGeom prst="rect">
             <a:avLst/>
           </a:prstGeom>
           <a:noFill/>
-        </p:spPr>
-        <p:txBody>
-          <a:bodyPr wrap="square" rtlCol="0">
-            <a:spAutoFit/>
-          </a:bodyPr>
-          <a:lstStyle/>
-          <a:p>
-            <a:r>
-              <a:rPr lang="en-US" sz="1100" dirty="0"/>
-              <a:t>Design-time/ authoring</a:t>
-            </a:r>
-          </a:p>
-        </p:txBody>
-      </p:sp>
-      <p:sp>
-        <p:nvSpPr>
-          <p:cNvPr id="22" name="TextBox 21">
-            <a:extLst>
-              <a:ext uri="{FF2B5EF4-FFF2-40B4-BE49-F238E27FC236}">
-                <a16:creationId xmlns:a16="http://schemas.microsoft.com/office/drawing/2014/main" id="{51F01DEA-C3A0-4365-AEAF-60172C189F84}"/>
-              </a:ext>
-            </a:extLst>
-          </p:cNvPr>
-          <p:cNvSpPr txBox="1"/>
-          <p:nvPr/>
-        </p:nvSpPr>
-        <p:spPr>
-          <a:xfrm>
-            <a:off x="3825025" y="3459058"/>
-            <a:ext cx="1674253" cy="261610"/>
+          <a:ln w="9525">
+            <a:noFill/>
+            <a:miter lim="800000"/>
+            <a:headEnd/>
+            <a:tailEnd/>
+          </a:ln>
+          <a:effectLst/>
+        </p:spPr>
+      </p:pic>
+      <p:pic>
+        <p:nvPicPr>
+          <p:cNvPr id="25" name="Picture 4"/>
+          <p:cNvPicPr>
+            <a:picLocks noChangeAspect="1" noChangeArrowheads="1"/>
+          </p:cNvPicPr>
+          <p:nvPr/>
+        </p:nvPicPr>
+        <p:blipFill>
+          <a:blip r:embed="rId6" cstate="print"/>
+          <a:srcRect/>
+          <a:stretch>
+            <a:fillRect/>
+          </a:stretch>
+        </p:blipFill>
+        <p:spPr bwMode="auto">
+          <a:xfrm>
+            <a:off x="3733801" y="2767390"/>
+            <a:ext cx="745301" cy="914479"/>
           </a:xfrm>
           <a:prstGeom prst="rect">
             <a:avLst/>
           </a:prstGeom>
           <a:noFill/>
-        </p:spPr>
-        <p:txBody>
-          <a:bodyPr wrap="square" rtlCol="0">
-            <a:spAutoFit/>
-          </a:bodyPr>
-          <a:lstStyle/>
-          <a:p>
-            <a:r>
-              <a:rPr lang="en-US" sz="1100" dirty="0"/>
-              <a:t>Publishing/distribution</a:t>
-            </a:r>
-          </a:p>
-        </p:txBody>
-      </p:sp>
-      <p:sp>
-        <p:nvSpPr>
-          <p:cNvPr id="3" name="TextBox 2">
-            <a:extLst>
-              <a:ext uri="{FF2B5EF4-FFF2-40B4-BE49-F238E27FC236}">
-                <a16:creationId xmlns:a16="http://schemas.microsoft.com/office/drawing/2014/main" id="{E917289A-FDA6-4463-B7D3-EF4896560232}"/>
-              </a:ext>
-            </a:extLst>
-          </p:cNvPr>
-          <p:cNvSpPr txBox="1"/>
-          <p:nvPr/>
-        </p:nvSpPr>
-        <p:spPr>
-          <a:xfrm>
-            <a:off x="5904964" y="3459058"/>
-            <a:ext cx="1674253" cy="261610"/>
+          <a:ln w="9525">
+            <a:noFill/>
+            <a:miter lim="800000"/>
+            <a:headEnd/>
+            <a:tailEnd/>
+          </a:ln>
+          <a:effectLst/>
+        </p:spPr>
+      </p:pic>
+      <p:pic>
+        <p:nvPicPr>
+          <p:cNvPr id="28" name="Picture 5"/>
+          <p:cNvPicPr>
+            <a:picLocks noChangeAspect="1" noChangeArrowheads="1"/>
+          </p:cNvPicPr>
+          <p:nvPr/>
+        </p:nvPicPr>
+        <p:blipFill>
+          <a:blip r:embed="rId7" cstate="print"/>
+          <a:srcRect/>
+          <a:stretch>
+            <a:fillRect/>
+          </a:stretch>
+        </p:blipFill>
+        <p:spPr bwMode="auto">
+          <a:xfrm>
+            <a:off x="9178976" y="2814624"/>
+            <a:ext cx="879424" cy="882473"/>
           </a:xfrm>
           <a:prstGeom prst="rect">
             <a:avLst/>
           </a:prstGeom>
           <a:noFill/>
-        </p:spPr>
-        <p:txBody>
-          <a:bodyPr wrap="square" rtlCol="0">
-            <a:spAutoFit/>
-          </a:bodyPr>
-          <a:lstStyle/>
-          <a:p>
-            <a:r>
-              <a:rPr lang="en-US" sz="1100" dirty="0"/>
-              <a:t>Runtime/implementation</a:t>
-            </a:r>
-          </a:p>
-        </p:txBody>
-      </p:sp>
+          <a:ln w="9525">
+            <a:noFill/>
+            <a:miter lim="800000"/>
+            <a:headEnd/>
+            <a:tailEnd/>
+          </a:ln>
+          <a:effectLst/>
+        </p:spPr>
+      </p:pic>
+      <p:pic>
+        <p:nvPicPr>
+          <p:cNvPr id="29" name="Picture 6"/>
+          <p:cNvPicPr>
+            <a:picLocks noChangeAspect="1" noChangeArrowheads="1"/>
+          </p:cNvPicPr>
+          <p:nvPr/>
+        </p:nvPicPr>
+        <p:blipFill>
+          <a:blip r:embed="rId8" cstate="print"/>
+          <a:srcRect/>
+          <a:stretch>
+            <a:fillRect/>
+          </a:stretch>
+        </p:blipFill>
+        <p:spPr bwMode="auto">
+          <a:xfrm>
+            <a:off x="2590800" y="3739844"/>
+            <a:ext cx="626418" cy="900762"/>
+          </a:xfrm>
+          <a:prstGeom prst="rect">
+            <a:avLst/>
+          </a:prstGeom>
+          <a:noFill/>
+          <a:ln w="9525">
+            <a:noFill/>
+            <a:miter lim="800000"/>
+            <a:headEnd/>
+            <a:tailEnd/>
+          </a:ln>
+          <a:effectLst/>
+        </p:spPr>
+      </p:pic>
+      <p:pic>
+        <p:nvPicPr>
+          <p:cNvPr id="30" name="Picture 44"/>
+          <p:cNvPicPr>
+            <a:picLocks noChangeAspect="1" noChangeArrowheads="1"/>
+          </p:cNvPicPr>
+          <p:nvPr/>
+        </p:nvPicPr>
+        <p:blipFill>
+          <a:blip r:embed="rId9" cstate="print"/>
+          <a:srcRect/>
+          <a:stretch>
+            <a:fillRect/>
+          </a:stretch>
+        </p:blipFill>
+        <p:spPr bwMode="auto">
+          <a:xfrm>
+            <a:off x="5486401" y="4495800"/>
+            <a:ext cx="746825" cy="920576"/>
+          </a:xfrm>
+          <a:prstGeom prst="rect">
+            <a:avLst/>
+          </a:prstGeom>
+          <a:noFill/>
+          <a:ln w="9525">
+            <a:noFill/>
+            <a:miter lim="800000"/>
+            <a:headEnd/>
+            <a:tailEnd/>
+          </a:ln>
+          <a:effectLst/>
+        </p:spPr>
+      </p:pic>
+      <p:pic>
+        <p:nvPicPr>
+          <p:cNvPr id="31" name="Picture 7"/>
+          <p:cNvPicPr>
+            <a:picLocks noChangeAspect="1" noChangeArrowheads="1"/>
+          </p:cNvPicPr>
+          <p:nvPr/>
+        </p:nvPicPr>
+        <p:blipFill>
+          <a:blip r:embed="rId10" cstate="print"/>
+          <a:srcRect/>
+          <a:stretch>
+            <a:fillRect/>
+          </a:stretch>
+        </p:blipFill>
+        <p:spPr bwMode="auto">
+          <a:xfrm>
+            <a:off x="3810001" y="4001896"/>
+            <a:ext cx="931245" cy="858086"/>
+          </a:xfrm>
+          <a:prstGeom prst="rect">
+            <a:avLst/>
+          </a:prstGeom>
+          <a:noFill/>
+          <a:ln w="9525">
+            <a:noFill/>
+            <a:miter lim="800000"/>
+            <a:headEnd/>
+            <a:tailEnd/>
+          </a:ln>
+          <a:effectLst/>
+        </p:spPr>
+      </p:pic>
+      <p:pic>
+        <p:nvPicPr>
+          <p:cNvPr id="32" name="Picture 8"/>
+          <p:cNvPicPr>
+            <a:picLocks noChangeAspect="1" noChangeArrowheads="1"/>
+          </p:cNvPicPr>
+          <p:nvPr/>
+        </p:nvPicPr>
+        <p:blipFill>
+          <a:blip r:embed="rId11" cstate="print"/>
+          <a:srcRect/>
+          <a:stretch>
+            <a:fillRect/>
+          </a:stretch>
+        </p:blipFill>
+        <p:spPr bwMode="auto">
+          <a:xfrm>
+            <a:off x="8382001" y="4038601"/>
+            <a:ext cx="955631" cy="842845"/>
+          </a:xfrm>
+          <a:prstGeom prst="rect">
+            <a:avLst/>
+          </a:prstGeom>
+          <a:noFill/>
+          <a:ln w="9525">
+            <a:noFill/>
+            <a:miter lim="800000"/>
+            <a:headEnd/>
+            <a:tailEnd/>
+          </a:ln>
+          <a:effectLst/>
+        </p:spPr>
+      </p:pic>
+      <p:pic>
+        <p:nvPicPr>
+          <p:cNvPr id="33" name="Picture 6"/>
+          <p:cNvPicPr>
+            <a:picLocks noChangeAspect="1" noChangeArrowheads="1"/>
+          </p:cNvPicPr>
+          <p:nvPr/>
+        </p:nvPicPr>
+        <p:blipFill>
+          <a:blip r:embed="rId12" cstate="print"/>
+          <a:srcRect/>
+          <a:stretch>
+            <a:fillRect/>
+          </a:stretch>
+        </p:blipFill>
+        <p:spPr bwMode="auto">
+          <a:xfrm>
+            <a:off x="4267201" y="5410200"/>
+            <a:ext cx="789501" cy="603556"/>
+          </a:xfrm>
+          <a:prstGeom prst="rect">
+            <a:avLst/>
+          </a:prstGeom>
+          <a:noFill/>
+          <a:ln w="9525">
+            <a:noFill/>
+            <a:miter lim="800000"/>
+            <a:headEnd/>
+            <a:tailEnd/>
+          </a:ln>
+          <a:effectLst/>
+        </p:spPr>
+      </p:pic>
+      <p:pic>
+        <p:nvPicPr>
+          <p:cNvPr id="34" name="Picture 8"/>
+          <p:cNvPicPr>
+            <a:picLocks noChangeAspect="1" noChangeArrowheads="1"/>
+          </p:cNvPicPr>
+          <p:nvPr/>
+        </p:nvPicPr>
+        <p:blipFill>
+          <a:blip r:embed="rId13" cstate="print"/>
+          <a:srcRect/>
+          <a:stretch>
+            <a:fillRect/>
+          </a:stretch>
+        </p:blipFill>
+        <p:spPr bwMode="auto">
+          <a:xfrm>
+            <a:off x="6629400" y="3886200"/>
+            <a:ext cx="784928" cy="880948"/>
+          </a:xfrm>
+          <a:prstGeom prst="rect">
+            <a:avLst/>
+          </a:prstGeom>
+          <a:noFill/>
+          <a:ln w="9525">
+            <a:noFill/>
+            <a:miter lim="800000"/>
+            <a:headEnd/>
+            <a:tailEnd/>
+          </a:ln>
+          <a:effectLst/>
+        </p:spPr>
+      </p:pic>
+      <p:pic>
+        <p:nvPicPr>
+          <p:cNvPr id="37" name="Picture 6"/>
+          <p:cNvPicPr>
+            <a:picLocks noChangeAspect="1" noChangeArrowheads="1"/>
+          </p:cNvPicPr>
+          <p:nvPr/>
+        </p:nvPicPr>
+        <p:blipFill>
+          <a:blip r:embed="rId14" cstate="print"/>
+          <a:srcRect/>
+          <a:stretch>
+            <a:fillRect/>
+          </a:stretch>
+        </p:blipFill>
+        <p:spPr bwMode="auto">
+          <a:xfrm>
+            <a:off x="5410201" y="2749245"/>
+            <a:ext cx="678239" cy="862659"/>
+          </a:xfrm>
+          <a:prstGeom prst="rect">
+            <a:avLst/>
+          </a:prstGeom>
+          <a:noFill/>
+          <a:ln w="9525">
+            <a:noFill/>
+            <a:miter lim="800000"/>
+            <a:headEnd/>
+            <a:tailEnd/>
+          </a:ln>
+          <a:effectLst/>
+        </p:spPr>
+      </p:pic>
+      <p:pic>
+        <p:nvPicPr>
+          <p:cNvPr id="38" name="Picture 6"/>
+          <p:cNvPicPr>
+            <a:picLocks noChangeAspect="1" noChangeArrowheads="1"/>
+          </p:cNvPicPr>
+          <p:nvPr/>
+        </p:nvPicPr>
+        <p:blipFill>
+          <a:blip r:embed="rId15" cstate="print"/>
+          <a:srcRect/>
+          <a:stretch>
+            <a:fillRect/>
+          </a:stretch>
+        </p:blipFill>
+        <p:spPr bwMode="auto">
+          <a:xfrm>
+            <a:off x="7467600" y="2706497"/>
+            <a:ext cx="850466" cy="777307"/>
+          </a:xfrm>
+          <a:prstGeom prst="rect">
+            <a:avLst/>
+          </a:prstGeom>
+          <a:noFill/>
+          <a:ln w="9525">
+            <a:noFill/>
+            <a:miter lim="800000"/>
+            <a:headEnd/>
+            <a:tailEnd/>
+          </a:ln>
+          <a:effectLst/>
+        </p:spPr>
+      </p:pic>
+      <p:pic>
+        <p:nvPicPr>
+          <p:cNvPr id="39" name="Picture 31"/>
+          <p:cNvPicPr>
+            <a:picLocks noChangeAspect="1" noChangeArrowheads="1"/>
+          </p:cNvPicPr>
+          <p:nvPr/>
+        </p:nvPicPr>
+        <p:blipFill>
+          <a:blip r:embed="rId16" cstate="print"/>
+          <a:srcRect/>
+          <a:stretch>
+            <a:fillRect/>
+          </a:stretch>
+        </p:blipFill>
+        <p:spPr bwMode="auto">
+          <a:xfrm>
+            <a:off x="7848601" y="5029201"/>
+            <a:ext cx="563929" cy="951059"/>
+          </a:xfrm>
+          <a:prstGeom prst="rect">
+            <a:avLst/>
+          </a:prstGeom>
+          <a:noFill/>
+          <a:ln w="9525">
+            <a:noFill/>
+            <a:miter lim="800000"/>
+            <a:headEnd/>
+            <a:tailEnd/>
+          </a:ln>
+          <a:effectLst/>
+        </p:spPr>
+      </p:pic>
     </p:spTree>
-    <p:extLst>
-      <p:ext uri="{BB962C8B-B14F-4D97-AF65-F5344CB8AC3E}">
-        <p14:creationId xmlns:p14="http://schemas.microsoft.com/office/powerpoint/2010/main" val="2445286905"/>
-      </p:ext>
-    </p:extLst>
   </p:cSld>
   <p:clrMapOvr>
     <a:masterClrMapping/>

--- a/docs/common-diagrams.pptx
+++ b/docs/common-diagrams.pptx
@@ -5,7 +5,7 @@
     <p:sldMasterId id="2147483648" r:id="rId1"/>
   </p:sldMasterIdLst>
   <p:notesMasterIdLst>
-    <p:notesMasterId r:id="rId13"/>
+    <p:notesMasterId r:id="rId14"/>
   </p:notesMasterIdLst>
   <p:sldIdLst>
     <p:sldId id="256" r:id="rId2"/>
@@ -15,10 +15,11 @@
     <p:sldId id="306" r:id="rId6"/>
     <p:sldId id="314" r:id="rId7"/>
     <p:sldId id="315" r:id="rId8"/>
-    <p:sldId id="273" r:id="rId9"/>
-    <p:sldId id="260" r:id="rId10"/>
-    <p:sldId id="290" r:id="rId11"/>
-    <p:sldId id="257" r:id="rId12"/>
+    <p:sldId id="3784" r:id="rId9"/>
+    <p:sldId id="273" r:id="rId10"/>
+    <p:sldId id="260" r:id="rId11"/>
+    <p:sldId id="290" r:id="rId12"/>
+    <p:sldId id="257" r:id="rId13"/>
   </p:sldIdLst>
   <p:sldSz cx="12192000" cy="6858000"/>
   <p:notesSz cx="6858000" cy="9144000"/>
@@ -1125,6 +1126,119 @@
     <p:extLst>
       <p:ext uri="{BB962C8B-B14F-4D97-AF65-F5344CB8AC3E}">
         <p14:creationId xmlns:p14="http://schemas.microsoft.com/office/powerpoint/2010/main" val="681598954"/>
+      </p:ext>
+    </p:extLst>
+  </p:cSld>
+  <p:clrMapOvr>
+    <a:masterClrMapping/>
+  </p:clrMapOvr>
+</p:notes>
+</file>
+
+<file path=ppt/notesSlides/notesSlide7.xml><?xml version="1.0" encoding="utf-8"?>
+<p:notes xmlns:a="http://schemas.openxmlformats.org/drawingml/2006/main" xmlns:r="http://schemas.openxmlformats.org/officeDocument/2006/relationships" xmlns:p="http://schemas.openxmlformats.org/presentationml/2006/main">
+  <p:cSld>
+    <p:spTree>
+      <p:nvGrpSpPr>
+        <p:cNvPr id="1" name=""/>
+        <p:cNvGrpSpPr/>
+        <p:nvPr/>
+      </p:nvGrpSpPr>
+      <p:grpSpPr>
+        <a:xfrm>
+          <a:off x="0" y="0"/>
+          <a:ext cx="0" cy="0"/>
+          <a:chOff x="0" y="0"/>
+          <a:chExt cx="0" cy="0"/>
+        </a:xfrm>
+      </p:grpSpPr>
+      <p:sp>
+        <p:nvSpPr>
+          <p:cNvPr id="2" name="Slide Image Placeholder 1"/>
+          <p:cNvSpPr>
+            <a:spLocks noGrp="1" noRot="1" noChangeAspect="1"/>
+          </p:cNvSpPr>
+          <p:nvPr>
+            <p:ph type="sldImg"/>
+          </p:nvPr>
+        </p:nvSpPr>
+        <p:spPr/>
+      </p:sp>
+      <p:sp>
+        <p:nvSpPr>
+          <p:cNvPr id="3" name="Notes Placeholder 2"/>
+          <p:cNvSpPr>
+            <a:spLocks noGrp="1"/>
+          </p:cNvSpPr>
+          <p:nvPr>
+            <p:ph type="body" idx="1"/>
+          </p:nvPr>
+        </p:nvSpPr>
+        <p:spPr/>
+        <p:txBody>
+          <a:bodyPr/>
+          <a:lstStyle/>
+          <a:p>
+            <a:r>
+              <a:rPr lang="en-US" dirty="0"/>
+              <a:t>L1 – Narrative content, so paper forms, guidelines, dictionaries, and other supportive documentation</a:t>
+            </a:r>
+          </a:p>
+          <a:p>
+            <a:r>
+              <a:rPr lang="en-US" dirty="0"/>
+              <a:t>L2 – Semi-structured, so personas, use cases, flow diagrams, decision trees, data dictionaries, and indicator descriptions</a:t>
+            </a:r>
+          </a:p>
+          <a:p>
+            <a:r>
+              <a:rPr lang="en-US" dirty="0"/>
+              <a:t>L3 – Structured, so Questionnaire, Library, </a:t>
+            </a:r>
+            <a:r>
+              <a:rPr lang="en-US" dirty="0" err="1"/>
+              <a:t>ActivityDefinition</a:t>
+            </a:r>
+            <a:r>
+              <a:rPr lang="en-US" dirty="0"/>
+              <a:t>, PlanDefinition, terminology resources, CQL logic, Measure</a:t>
+            </a:r>
+          </a:p>
+          <a:p>
+            <a:r>
+              <a:rPr lang="en-US" dirty="0"/>
+              <a:t>L4 – Running systems</a:t>
+            </a:r>
+          </a:p>
+        </p:txBody>
+      </p:sp>
+      <p:sp>
+        <p:nvSpPr>
+          <p:cNvPr id="4" name="Slide Number Placeholder 3"/>
+          <p:cNvSpPr>
+            <a:spLocks noGrp="1"/>
+          </p:cNvSpPr>
+          <p:nvPr>
+            <p:ph type="sldNum" sz="quarter" idx="5"/>
+          </p:nvPr>
+        </p:nvSpPr>
+        <p:spPr/>
+        <p:txBody>
+          <a:bodyPr/>
+          <a:lstStyle/>
+          <a:p>
+            <a:fld id="{A69C946F-C9B2-9B49-8DCA-D38D97C43A2F}" type="slidenum">
+              <a:rPr lang="en-US" smtClean="0"/>
+              <a:t>8</a:t>
+            </a:fld>
+            <a:endParaRPr lang="en-US"/>
+          </a:p>
+        </p:txBody>
+      </p:sp>
+    </p:spTree>
+    <p:extLst>
+      <p:ext uri="{BB962C8B-B14F-4D97-AF65-F5344CB8AC3E}">
+        <p14:creationId xmlns:p14="http://schemas.microsoft.com/office/powerpoint/2010/main" val="2326575754"/>
       </p:ext>
     </p:extLst>
   </p:cSld>
@@ -5550,6 +5664,580 @@
           <a:chExt cx="0" cy="0"/>
         </a:xfrm>
       </p:grpSpPr>
+      <p:sp>
+        <p:nvSpPr>
+          <p:cNvPr id="26" name="Title 25"/>
+          <p:cNvSpPr>
+            <a:spLocks noGrp="1"/>
+          </p:cNvSpPr>
+          <p:nvPr>
+            <p:ph type="title"/>
+          </p:nvPr>
+        </p:nvSpPr>
+        <p:spPr/>
+        <p:txBody>
+          <a:bodyPr/>
+          <a:lstStyle/>
+          <a:p>
+            <a:r>
+              <a:rPr lang="en-CA" dirty="0"/>
+              <a:t>Common Processes</a:t>
+            </a:r>
+          </a:p>
+        </p:txBody>
+      </p:sp>
+      <p:sp>
+        <p:nvSpPr>
+          <p:cNvPr id="2" name="Slide Number Placeholder 1"/>
+          <p:cNvSpPr>
+            <a:spLocks noGrp="1"/>
+          </p:cNvSpPr>
+          <p:nvPr>
+            <p:ph type="sldNum" sz="quarter" idx="4294967295"/>
+          </p:nvPr>
+        </p:nvSpPr>
+        <p:spPr>
+          <a:xfrm>
+            <a:off x="8077200" y="6356351"/>
+            <a:ext cx="2133600" cy="365125"/>
+          </a:xfrm>
+          <a:prstGeom prst="rect">
+            <a:avLst/>
+          </a:prstGeom>
+        </p:spPr>
+        <p:txBody>
+          <a:bodyPr/>
+          <a:lstStyle/>
+          <a:p>
+            <a:fld id="{6734F48E-A456-4E2F-B17E-509464F7A050}" type="slidenum">
+              <a:rPr lang="en-CA" smtClean="0"/>
+              <a:pPr/>
+              <a:t>10</a:t>
+            </a:fld>
+            <a:endParaRPr lang="en-CA"/>
+          </a:p>
+        </p:txBody>
+      </p:sp>
+      <p:pic>
+        <p:nvPicPr>
+          <p:cNvPr id="20" name="Picture 5"/>
+          <p:cNvPicPr>
+            <a:picLocks noChangeAspect="1" noChangeArrowheads="1"/>
+          </p:cNvPicPr>
+          <p:nvPr/>
+        </p:nvPicPr>
+        <p:blipFill>
+          <a:blip r:embed="rId2" cstate="print"/>
+          <a:srcRect/>
+          <a:stretch>
+            <a:fillRect/>
+          </a:stretch>
+        </p:blipFill>
+        <p:spPr bwMode="auto">
+          <a:xfrm>
+            <a:off x="4876800" y="1471056"/>
+            <a:ext cx="1034886" cy="853514"/>
+          </a:xfrm>
+          <a:prstGeom prst="rect">
+            <a:avLst/>
+          </a:prstGeom>
+          <a:noFill/>
+          <a:ln w="9525">
+            <a:noFill/>
+            <a:miter lim="800000"/>
+            <a:headEnd/>
+            <a:tailEnd/>
+          </a:ln>
+          <a:effectLst/>
+        </p:spPr>
+      </p:pic>
+      <p:pic>
+        <p:nvPicPr>
+          <p:cNvPr id="21" name="Picture 6"/>
+          <p:cNvPicPr>
+            <a:picLocks noChangeAspect="1" noChangeArrowheads="1"/>
+          </p:cNvPicPr>
+          <p:nvPr/>
+        </p:nvPicPr>
+        <p:blipFill>
+          <a:blip r:embed="rId3" cstate="print"/>
+          <a:srcRect/>
+          <a:stretch>
+            <a:fillRect/>
+          </a:stretch>
+        </p:blipFill>
+        <p:spPr bwMode="auto">
+          <a:xfrm>
+            <a:off x="6477001" y="1758645"/>
+            <a:ext cx="813887" cy="862659"/>
+          </a:xfrm>
+          <a:prstGeom prst="rect">
+            <a:avLst/>
+          </a:prstGeom>
+          <a:noFill/>
+          <a:ln w="9525">
+            <a:noFill/>
+            <a:miter lim="800000"/>
+            <a:headEnd/>
+            <a:tailEnd/>
+          </a:ln>
+          <a:effectLst/>
+        </p:spPr>
+      </p:pic>
+      <p:pic>
+        <p:nvPicPr>
+          <p:cNvPr id="22" name="Picture 26"/>
+          <p:cNvPicPr>
+            <a:picLocks noChangeAspect="1" noChangeArrowheads="1"/>
+          </p:cNvPicPr>
+          <p:nvPr/>
+        </p:nvPicPr>
+        <p:blipFill>
+          <a:blip r:embed="rId4" cstate="print"/>
+          <a:srcRect/>
+          <a:stretch>
+            <a:fillRect/>
+          </a:stretch>
+        </p:blipFill>
+        <p:spPr bwMode="auto">
+          <a:xfrm>
+            <a:off x="2514601" y="2133601"/>
+            <a:ext cx="659949" cy="914479"/>
+          </a:xfrm>
+          <a:prstGeom prst="rect">
+            <a:avLst/>
+          </a:prstGeom>
+          <a:noFill/>
+          <a:ln w="9525">
+            <a:noFill/>
+            <a:miter lim="800000"/>
+            <a:headEnd/>
+            <a:tailEnd/>
+          </a:ln>
+          <a:effectLst/>
+        </p:spPr>
+      </p:pic>
+      <p:pic>
+        <p:nvPicPr>
+          <p:cNvPr id="24" name="Picture 28"/>
+          <p:cNvPicPr>
+            <a:picLocks noChangeAspect="1" noChangeArrowheads="1"/>
+          </p:cNvPicPr>
+          <p:nvPr/>
+        </p:nvPicPr>
+        <p:blipFill>
+          <a:blip r:embed="rId5" cstate="print"/>
+          <a:srcRect/>
+          <a:stretch>
+            <a:fillRect/>
+          </a:stretch>
+        </p:blipFill>
+        <p:spPr bwMode="auto">
+          <a:xfrm>
+            <a:off x="8382001" y="1530045"/>
+            <a:ext cx="934293" cy="768163"/>
+          </a:xfrm>
+          <a:prstGeom prst="rect">
+            <a:avLst/>
+          </a:prstGeom>
+          <a:noFill/>
+          <a:ln w="9525">
+            <a:noFill/>
+            <a:miter lim="800000"/>
+            <a:headEnd/>
+            <a:tailEnd/>
+          </a:ln>
+          <a:effectLst/>
+        </p:spPr>
+      </p:pic>
+      <p:pic>
+        <p:nvPicPr>
+          <p:cNvPr id="25" name="Picture 4"/>
+          <p:cNvPicPr>
+            <a:picLocks noChangeAspect="1" noChangeArrowheads="1"/>
+          </p:cNvPicPr>
+          <p:nvPr/>
+        </p:nvPicPr>
+        <p:blipFill>
+          <a:blip r:embed="rId6" cstate="print"/>
+          <a:srcRect/>
+          <a:stretch>
+            <a:fillRect/>
+          </a:stretch>
+        </p:blipFill>
+        <p:spPr bwMode="auto">
+          <a:xfrm>
+            <a:off x="3733801" y="2767390"/>
+            <a:ext cx="745301" cy="914479"/>
+          </a:xfrm>
+          <a:prstGeom prst="rect">
+            <a:avLst/>
+          </a:prstGeom>
+          <a:noFill/>
+          <a:ln w="9525">
+            <a:noFill/>
+            <a:miter lim="800000"/>
+            <a:headEnd/>
+            <a:tailEnd/>
+          </a:ln>
+          <a:effectLst/>
+        </p:spPr>
+      </p:pic>
+      <p:pic>
+        <p:nvPicPr>
+          <p:cNvPr id="28" name="Picture 5"/>
+          <p:cNvPicPr>
+            <a:picLocks noChangeAspect="1" noChangeArrowheads="1"/>
+          </p:cNvPicPr>
+          <p:nvPr/>
+        </p:nvPicPr>
+        <p:blipFill>
+          <a:blip r:embed="rId7" cstate="print"/>
+          <a:srcRect/>
+          <a:stretch>
+            <a:fillRect/>
+          </a:stretch>
+        </p:blipFill>
+        <p:spPr bwMode="auto">
+          <a:xfrm>
+            <a:off x="9178976" y="2814624"/>
+            <a:ext cx="879424" cy="882473"/>
+          </a:xfrm>
+          <a:prstGeom prst="rect">
+            <a:avLst/>
+          </a:prstGeom>
+          <a:noFill/>
+          <a:ln w="9525">
+            <a:noFill/>
+            <a:miter lim="800000"/>
+            <a:headEnd/>
+            <a:tailEnd/>
+          </a:ln>
+          <a:effectLst/>
+        </p:spPr>
+      </p:pic>
+      <p:pic>
+        <p:nvPicPr>
+          <p:cNvPr id="29" name="Picture 6"/>
+          <p:cNvPicPr>
+            <a:picLocks noChangeAspect="1" noChangeArrowheads="1"/>
+          </p:cNvPicPr>
+          <p:nvPr/>
+        </p:nvPicPr>
+        <p:blipFill>
+          <a:blip r:embed="rId8" cstate="print"/>
+          <a:srcRect/>
+          <a:stretch>
+            <a:fillRect/>
+          </a:stretch>
+        </p:blipFill>
+        <p:spPr bwMode="auto">
+          <a:xfrm>
+            <a:off x="2590800" y="3739844"/>
+            <a:ext cx="626418" cy="900762"/>
+          </a:xfrm>
+          <a:prstGeom prst="rect">
+            <a:avLst/>
+          </a:prstGeom>
+          <a:noFill/>
+          <a:ln w="9525">
+            <a:noFill/>
+            <a:miter lim="800000"/>
+            <a:headEnd/>
+            <a:tailEnd/>
+          </a:ln>
+          <a:effectLst/>
+        </p:spPr>
+      </p:pic>
+      <p:pic>
+        <p:nvPicPr>
+          <p:cNvPr id="30" name="Picture 44"/>
+          <p:cNvPicPr>
+            <a:picLocks noChangeAspect="1" noChangeArrowheads="1"/>
+          </p:cNvPicPr>
+          <p:nvPr/>
+        </p:nvPicPr>
+        <p:blipFill>
+          <a:blip r:embed="rId9" cstate="print"/>
+          <a:srcRect/>
+          <a:stretch>
+            <a:fillRect/>
+          </a:stretch>
+        </p:blipFill>
+        <p:spPr bwMode="auto">
+          <a:xfrm>
+            <a:off x="5486401" y="4495800"/>
+            <a:ext cx="746825" cy="920576"/>
+          </a:xfrm>
+          <a:prstGeom prst="rect">
+            <a:avLst/>
+          </a:prstGeom>
+          <a:noFill/>
+          <a:ln w="9525">
+            <a:noFill/>
+            <a:miter lim="800000"/>
+            <a:headEnd/>
+            <a:tailEnd/>
+          </a:ln>
+          <a:effectLst/>
+        </p:spPr>
+      </p:pic>
+      <p:pic>
+        <p:nvPicPr>
+          <p:cNvPr id="31" name="Picture 7"/>
+          <p:cNvPicPr>
+            <a:picLocks noChangeAspect="1" noChangeArrowheads="1"/>
+          </p:cNvPicPr>
+          <p:nvPr/>
+        </p:nvPicPr>
+        <p:blipFill>
+          <a:blip r:embed="rId10" cstate="print"/>
+          <a:srcRect/>
+          <a:stretch>
+            <a:fillRect/>
+          </a:stretch>
+        </p:blipFill>
+        <p:spPr bwMode="auto">
+          <a:xfrm>
+            <a:off x="3810001" y="4001896"/>
+            <a:ext cx="931245" cy="858086"/>
+          </a:xfrm>
+          <a:prstGeom prst="rect">
+            <a:avLst/>
+          </a:prstGeom>
+          <a:noFill/>
+          <a:ln w="9525">
+            <a:noFill/>
+            <a:miter lim="800000"/>
+            <a:headEnd/>
+            <a:tailEnd/>
+          </a:ln>
+          <a:effectLst/>
+        </p:spPr>
+      </p:pic>
+      <p:pic>
+        <p:nvPicPr>
+          <p:cNvPr id="32" name="Picture 8"/>
+          <p:cNvPicPr>
+            <a:picLocks noChangeAspect="1" noChangeArrowheads="1"/>
+          </p:cNvPicPr>
+          <p:nvPr/>
+        </p:nvPicPr>
+        <p:blipFill>
+          <a:blip r:embed="rId11" cstate="print"/>
+          <a:srcRect/>
+          <a:stretch>
+            <a:fillRect/>
+          </a:stretch>
+        </p:blipFill>
+        <p:spPr bwMode="auto">
+          <a:xfrm>
+            <a:off x="8382001" y="4038601"/>
+            <a:ext cx="955631" cy="842845"/>
+          </a:xfrm>
+          <a:prstGeom prst="rect">
+            <a:avLst/>
+          </a:prstGeom>
+          <a:noFill/>
+          <a:ln w="9525">
+            <a:noFill/>
+            <a:miter lim="800000"/>
+            <a:headEnd/>
+            <a:tailEnd/>
+          </a:ln>
+          <a:effectLst/>
+        </p:spPr>
+      </p:pic>
+      <p:pic>
+        <p:nvPicPr>
+          <p:cNvPr id="33" name="Picture 6"/>
+          <p:cNvPicPr>
+            <a:picLocks noChangeAspect="1" noChangeArrowheads="1"/>
+          </p:cNvPicPr>
+          <p:nvPr/>
+        </p:nvPicPr>
+        <p:blipFill>
+          <a:blip r:embed="rId12" cstate="print"/>
+          <a:srcRect/>
+          <a:stretch>
+            <a:fillRect/>
+          </a:stretch>
+        </p:blipFill>
+        <p:spPr bwMode="auto">
+          <a:xfrm>
+            <a:off x="4267201" y="5410200"/>
+            <a:ext cx="789501" cy="603556"/>
+          </a:xfrm>
+          <a:prstGeom prst="rect">
+            <a:avLst/>
+          </a:prstGeom>
+          <a:noFill/>
+          <a:ln w="9525">
+            <a:noFill/>
+            <a:miter lim="800000"/>
+            <a:headEnd/>
+            <a:tailEnd/>
+          </a:ln>
+          <a:effectLst/>
+        </p:spPr>
+      </p:pic>
+      <p:pic>
+        <p:nvPicPr>
+          <p:cNvPr id="34" name="Picture 8"/>
+          <p:cNvPicPr>
+            <a:picLocks noChangeAspect="1" noChangeArrowheads="1"/>
+          </p:cNvPicPr>
+          <p:nvPr/>
+        </p:nvPicPr>
+        <p:blipFill>
+          <a:blip r:embed="rId13" cstate="print"/>
+          <a:srcRect/>
+          <a:stretch>
+            <a:fillRect/>
+          </a:stretch>
+        </p:blipFill>
+        <p:spPr bwMode="auto">
+          <a:xfrm>
+            <a:off x="6629400" y="3886200"/>
+            <a:ext cx="784928" cy="880948"/>
+          </a:xfrm>
+          <a:prstGeom prst="rect">
+            <a:avLst/>
+          </a:prstGeom>
+          <a:noFill/>
+          <a:ln w="9525">
+            <a:noFill/>
+            <a:miter lim="800000"/>
+            <a:headEnd/>
+            <a:tailEnd/>
+          </a:ln>
+          <a:effectLst/>
+        </p:spPr>
+      </p:pic>
+      <p:pic>
+        <p:nvPicPr>
+          <p:cNvPr id="37" name="Picture 6"/>
+          <p:cNvPicPr>
+            <a:picLocks noChangeAspect="1" noChangeArrowheads="1"/>
+          </p:cNvPicPr>
+          <p:nvPr/>
+        </p:nvPicPr>
+        <p:blipFill>
+          <a:blip r:embed="rId14" cstate="print"/>
+          <a:srcRect/>
+          <a:stretch>
+            <a:fillRect/>
+          </a:stretch>
+        </p:blipFill>
+        <p:spPr bwMode="auto">
+          <a:xfrm>
+            <a:off x="5410201" y="2749245"/>
+            <a:ext cx="678239" cy="862659"/>
+          </a:xfrm>
+          <a:prstGeom prst="rect">
+            <a:avLst/>
+          </a:prstGeom>
+          <a:noFill/>
+          <a:ln w="9525">
+            <a:noFill/>
+            <a:miter lim="800000"/>
+            <a:headEnd/>
+            <a:tailEnd/>
+          </a:ln>
+          <a:effectLst/>
+        </p:spPr>
+      </p:pic>
+      <p:pic>
+        <p:nvPicPr>
+          <p:cNvPr id="38" name="Picture 6"/>
+          <p:cNvPicPr>
+            <a:picLocks noChangeAspect="1" noChangeArrowheads="1"/>
+          </p:cNvPicPr>
+          <p:nvPr/>
+        </p:nvPicPr>
+        <p:blipFill>
+          <a:blip r:embed="rId15" cstate="print"/>
+          <a:srcRect/>
+          <a:stretch>
+            <a:fillRect/>
+          </a:stretch>
+        </p:blipFill>
+        <p:spPr bwMode="auto">
+          <a:xfrm>
+            <a:off x="7467600" y="2706497"/>
+            <a:ext cx="850466" cy="777307"/>
+          </a:xfrm>
+          <a:prstGeom prst="rect">
+            <a:avLst/>
+          </a:prstGeom>
+          <a:noFill/>
+          <a:ln w="9525">
+            <a:noFill/>
+            <a:miter lim="800000"/>
+            <a:headEnd/>
+            <a:tailEnd/>
+          </a:ln>
+          <a:effectLst/>
+        </p:spPr>
+      </p:pic>
+      <p:pic>
+        <p:nvPicPr>
+          <p:cNvPr id="39" name="Picture 31"/>
+          <p:cNvPicPr>
+            <a:picLocks noChangeAspect="1" noChangeArrowheads="1"/>
+          </p:cNvPicPr>
+          <p:nvPr/>
+        </p:nvPicPr>
+        <p:blipFill>
+          <a:blip r:embed="rId16" cstate="print"/>
+          <a:srcRect/>
+          <a:stretch>
+            <a:fillRect/>
+          </a:stretch>
+        </p:blipFill>
+        <p:spPr bwMode="auto">
+          <a:xfrm>
+            <a:off x="7848601" y="5029201"/>
+            <a:ext cx="563929" cy="951059"/>
+          </a:xfrm>
+          <a:prstGeom prst="rect">
+            <a:avLst/>
+          </a:prstGeom>
+          <a:noFill/>
+          <a:ln w="9525">
+            <a:noFill/>
+            <a:miter lim="800000"/>
+            <a:headEnd/>
+            <a:tailEnd/>
+          </a:ln>
+          <a:effectLst/>
+        </p:spPr>
+      </p:pic>
+    </p:spTree>
+  </p:cSld>
+  <p:clrMapOvr>
+    <a:masterClrMapping/>
+  </p:clrMapOvr>
+</p:sld>
+</file>
+
+<file path=ppt/slides/slide11.xml><?xml version="1.0" encoding="utf-8"?>
+<p:sld xmlns:a="http://schemas.openxmlformats.org/drawingml/2006/main" xmlns:r="http://schemas.openxmlformats.org/officeDocument/2006/relationships" xmlns:p="http://schemas.openxmlformats.org/presentationml/2006/main">
+  <p:cSld>
+    <p:spTree>
+      <p:nvGrpSpPr>
+        <p:cNvPr id="1" name=""/>
+        <p:cNvGrpSpPr/>
+        <p:nvPr/>
+      </p:nvGrpSpPr>
+      <p:grpSpPr>
+        <a:xfrm>
+          <a:off x="0" y="0"/>
+          <a:ext cx="0" cy="0"/>
+          <a:chOff x="0" y="0"/>
+          <a:chExt cx="0" cy="0"/>
+        </a:xfrm>
+      </p:grpSpPr>
       <p:cxnSp>
         <p:nvCxnSpPr>
           <p:cNvPr id="22" name="Straight Arrow Connector 21"/>
@@ -7589,7 +8277,7 @@
 </p:sld>
 </file>
 
-<file path=ppt/slides/slide11.xml><?xml version="1.0" encoding="utf-8"?>
+<file path=ppt/slides/slide12.xml><?xml version="1.0" encoding="utf-8"?>
 <p:sld xmlns:a="http://schemas.openxmlformats.org/drawingml/2006/main" xmlns:r="http://schemas.openxmlformats.org/officeDocument/2006/relationships" xmlns:p="http://schemas.openxmlformats.org/presentationml/2006/main">
   <p:cSld>
     <p:spTree>
@@ -16157,6 +16845,1842 @@
           <a:chExt cx="0" cy="0"/>
         </a:xfrm>
       </p:grpSpPr>
+      <p:grpSp>
+        <p:nvGrpSpPr>
+          <p:cNvPr id="5" name="Group 4">
+            <a:extLst>
+              <a:ext uri="{FF2B5EF4-FFF2-40B4-BE49-F238E27FC236}">
+                <a16:creationId xmlns:a16="http://schemas.microsoft.com/office/drawing/2014/main" id="{BCA0AC3B-F97B-49C3-BDF5-38838D103948}"/>
+              </a:ext>
+            </a:extLst>
+          </p:cNvPr>
+          <p:cNvGrpSpPr/>
+          <p:nvPr/>
+        </p:nvGrpSpPr>
+        <p:grpSpPr>
+          <a:xfrm>
+            <a:off x="132768" y="967628"/>
+            <a:ext cx="11870501" cy="4812710"/>
+            <a:chOff x="132768" y="1124240"/>
+            <a:chExt cx="11870501" cy="4812710"/>
+          </a:xfrm>
+        </p:grpSpPr>
+        <p:sp>
+          <p:nvSpPr>
+            <p:cNvPr id="6" name="Rectangle: Rounded Corners 5">
+              <a:extLst>
+                <a:ext uri="{FF2B5EF4-FFF2-40B4-BE49-F238E27FC236}">
+                  <a16:creationId xmlns:a16="http://schemas.microsoft.com/office/drawing/2014/main" id="{F666050D-7BC1-4FA6-8DA4-CBA19396DDCF}"/>
+                </a:ext>
+              </a:extLst>
+            </p:cNvPr>
+            <p:cNvSpPr/>
+            <p:nvPr/>
+          </p:nvSpPr>
+          <p:spPr>
+            <a:xfrm>
+              <a:off x="1215910" y="4524466"/>
+              <a:ext cx="10787359" cy="1412484"/>
+            </a:xfrm>
+            <a:prstGeom prst="roundRect">
+              <a:avLst>
+                <a:gd name="adj" fmla="val 9182"/>
+              </a:avLst>
+            </a:prstGeom>
+            <a:solidFill>
+              <a:schemeClr val="accent6">
+                <a:lumMod val="20000"/>
+                <a:lumOff val="80000"/>
+              </a:schemeClr>
+            </a:solidFill>
+          </p:spPr>
+          <p:style>
+            <a:lnRef idx="2">
+              <a:schemeClr val="accent1">
+                <a:shade val="50000"/>
+              </a:schemeClr>
+            </a:lnRef>
+            <a:fillRef idx="1">
+              <a:schemeClr val="accent1"/>
+            </a:fillRef>
+            <a:effectRef idx="0">
+              <a:schemeClr val="accent1"/>
+            </a:effectRef>
+            <a:fontRef idx="minor">
+              <a:schemeClr val="lt1"/>
+            </a:fontRef>
+          </p:style>
+          <p:txBody>
+            <a:bodyPr rtlCol="0" anchor="ctr"/>
+            <a:lstStyle/>
+            <a:p>
+              <a:pPr algn="ctr"/>
+              <a:endParaRPr lang="en-US" sz="2400" b="1">
+                <a:solidFill>
+                  <a:schemeClr val="tx1"/>
+                </a:solidFill>
+              </a:endParaRPr>
+            </a:p>
+          </p:txBody>
+        </p:sp>
+        <p:sp>
+          <p:nvSpPr>
+            <p:cNvPr id="7" name="Rectangle: Rounded Corners 6">
+              <a:extLst>
+                <a:ext uri="{FF2B5EF4-FFF2-40B4-BE49-F238E27FC236}">
+                  <a16:creationId xmlns:a16="http://schemas.microsoft.com/office/drawing/2014/main" id="{B0901C88-D09D-4B6B-8432-AF5B1BFAF4B0}"/>
+                </a:ext>
+              </a:extLst>
+            </p:cNvPr>
+            <p:cNvSpPr/>
+            <p:nvPr/>
+          </p:nvSpPr>
+          <p:spPr>
+            <a:xfrm>
+              <a:off x="1215910" y="3017913"/>
+              <a:ext cx="10787359" cy="1412484"/>
+            </a:xfrm>
+            <a:prstGeom prst="roundRect">
+              <a:avLst>
+                <a:gd name="adj" fmla="val 9182"/>
+              </a:avLst>
+            </a:prstGeom>
+            <a:solidFill>
+              <a:schemeClr val="accent5">
+                <a:lumMod val="60000"/>
+                <a:lumOff val="40000"/>
+              </a:schemeClr>
+            </a:solidFill>
+          </p:spPr>
+          <p:style>
+            <a:lnRef idx="2">
+              <a:schemeClr val="accent1">
+                <a:shade val="50000"/>
+              </a:schemeClr>
+            </a:lnRef>
+            <a:fillRef idx="1">
+              <a:schemeClr val="accent1"/>
+            </a:fillRef>
+            <a:effectRef idx="0">
+              <a:schemeClr val="accent1"/>
+            </a:effectRef>
+            <a:fontRef idx="minor">
+              <a:schemeClr val="lt1"/>
+            </a:fontRef>
+          </p:style>
+          <p:txBody>
+            <a:bodyPr rtlCol="0" anchor="ctr"/>
+            <a:lstStyle/>
+            <a:p>
+              <a:pPr algn="ctr"/>
+              <a:endParaRPr lang="en-US" sz="2400" b="1">
+                <a:solidFill>
+                  <a:schemeClr val="tx1"/>
+                </a:solidFill>
+              </a:endParaRPr>
+            </a:p>
+          </p:txBody>
+        </p:sp>
+        <p:sp>
+          <p:nvSpPr>
+            <p:cNvPr id="8" name="Rectangle: Rounded Corners 7">
+              <a:extLst>
+                <a:ext uri="{FF2B5EF4-FFF2-40B4-BE49-F238E27FC236}">
+                  <a16:creationId xmlns:a16="http://schemas.microsoft.com/office/drawing/2014/main" id="{1409B06B-2574-481F-999E-B8603B5D50C3}"/>
+                </a:ext>
+              </a:extLst>
+            </p:cNvPr>
+            <p:cNvSpPr/>
+            <p:nvPr/>
+          </p:nvSpPr>
+          <p:spPr>
+            <a:xfrm>
+              <a:off x="1215910" y="1511360"/>
+              <a:ext cx="10787359" cy="1412484"/>
+            </a:xfrm>
+            <a:prstGeom prst="roundRect">
+              <a:avLst>
+                <a:gd name="adj" fmla="val 9182"/>
+              </a:avLst>
+            </a:prstGeom>
+            <a:solidFill>
+              <a:schemeClr val="accent4">
+                <a:lumMod val="20000"/>
+                <a:lumOff val="80000"/>
+              </a:schemeClr>
+            </a:solidFill>
+          </p:spPr>
+          <p:style>
+            <a:lnRef idx="2">
+              <a:schemeClr val="accent1">
+                <a:shade val="50000"/>
+              </a:schemeClr>
+            </a:lnRef>
+            <a:fillRef idx="1">
+              <a:schemeClr val="accent1"/>
+            </a:fillRef>
+            <a:effectRef idx="0">
+              <a:schemeClr val="accent1"/>
+            </a:effectRef>
+            <a:fontRef idx="minor">
+              <a:schemeClr val="lt1"/>
+            </a:fontRef>
+          </p:style>
+          <p:txBody>
+            <a:bodyPr rtlCol="0" anchor="ctr"/>
+            <a:lstStyle/>
+            <a:p>
+              <a:pPr algn="ctr"/>
+              <a:endParaRPr lang="en-US" sz="2400" b="1">
+                <a:solidFill>
+                  <a:schemeClr val="tx1"/>
+                </a:solidFill>
+              </a:endParaRPr>
+            </a:p>
+          </p:txBody>
+        </p:sp>
+        <p:sp>
+          <p:nvSpPr>
+            <p:cNvPr id="10" name="TextBox 9">
+              <a:extLst>
+                <a:ext uri="{FF2B5EF4-FFF2-40B4-BE49-F238E27FC236}">
+                  <a16:creationId xmlns:a16="http://schemas.microsoft.com/office/drawing/2014/main" id="{A5CA2806-6DC3-4FCB-9296-F73913E98652}"/>
+                </a:ext>
+              </a:extLst>
+            </p:cNvPr>
+            <p:cNvSpPr txBox="1"/>
+            <p:nvPr/>
+          </p:nvSpPr>
+          <p:spPr>
+            <a:xfrm rot="16200000">
+              <a:off x="404676" y="5027872"/>
+              <a:ext cx="1216802" cy="405671"/>
+            </a:xfrm>
+            <a:prstGeom prst="rect">
+              <a:avLst/>
+            </a:prstGeom>
+          </p:spPr>
+          <p:txBody>
+            <a:bodyPr wrap="none" rtlCol="0">
+              <a:spAutoFit/>
+            </a:bodyPr>
+            <a:lstStyle/>
+            <a:p>
+              <a:r>
+                <a:rPr lang="en-US" b="1" dirty="0"/>
+                <a:t>T1 – Data</a:t>
+              </a:r>
+            </a:p>
+          </p:txBody>
+        </p:sp>
+        <p:sp>
+          <p:nvSpPr>
+            <p:cNvPr id="11" name="TextBox 10">
+              <a:extLst>
+                <a:ext uri="{FF2B5EF4-FFF2-40B4-BE49-F238E27FC236}">
+                  <a16:creationId xmlns:a16="http://schemas.microsoft.com/office/drawing/2014/main" id="{3C394B27-713E-4355-9DF5-63B82D16C924}"/>
+                </a:ext>
+              </a:extLst>
+            </p:cNvPr>
+            <p:cNvSpPr txBox="1"/>
+            <p:nvPr/>
+          </p:nvSpPr>
+          <p:spPr>
+            <a:xfrm rot="16200000">
+              <a:off x="382561" y="3522691"/>
+              <a:ext cx="1261031" cy="405671"/>
+            </a:xfrm>
+            <a:prstGeom prst="rect">
+              <a:avLst/>
+            </a:prstGeom>
+          </p:spPr>
+          <p:txBody>
+            <a:bodyPr wrap="none" rtlCol="0">
+              <a:spAutoFit/>
+            </a:bodyPr>
+            <a:lstStyle/>
+            <a:p>
+              <a:r>
+                <a:rPr lang="en-US" b="1" dirty="0"/>
+                <a:t>T2 – Logic</a:t>
+              </a:r>
+            </a:p>
+          </p:txBody>
+        </p:sp>
+        <p:sp>
+          <p:nvSpPr>
+            <p:cNvPr id="12" name="TextBox 11">
+              <a:extLst>
+                <a:ext uri="{FF2B5EF4-FFF2-40B4-BE49-F238E27FC236}">
+                  <a16:creationId xmlns:a16="http://schemas.microsoft.com/office/drawing/2014/main" id="{6B3B268D-1BA0-498C-86F6-A28C626F95C4}"/>
+                </a:ext>
+              </a:extLst>
+            </p:cNvPr>
+            <p:cNvSpPr txBox="1"/>
+            <p:nvPr/>
+          </p:nvSpPr>
+          <p:spPr>
+            <a:xfrm rot="16200000">
+              <a:off x="333212" y="1939052"/>
+              <a:ext cx="1358927" cy="405671"/>
+            </a:xfrm>
+            <a:prstGeom prst="rect">
+              <a:avLst/>
+            </a:prstGeom>
+          </p:spPr>
+          <p:txBody>
+            <a:bodyPr wrap="none" rtlCol="0">
+              <a:spAutoFit/>
+            </a:bodyPr>
+            <a:lstStyle/>
+            <a:p>
+              <a:r>
+                <a:rPr lang="en-US" b="1" dirty="0"/>
+                <a:t>T3 – Forms</a:t>
+              </a:r>
+            </a:p>
+          </p:txBody>
+        </p:sp>
+        <p:sp>
+          <p:nvSpPr>
+            <p:cNvPr id="13" name="Rectangle: Rounded Corners 12">
+              <a:extLst>
+                <a:ext uri="{FF2B5EF4-FFF2-40B4-BE49-F238E27FC236}">
+                  <a16:creationId xmlns:a16="http://schemas.microsoft.com/office/drawing/2014/main" id="{77BD3CC5-09FD-4544-9137-D38042D2D8D1}"/>
+                </a:ext>
+              </a:extLst>
+            </p:cNvPr>
+            <p:cNvSpPr/>
+            <p:nvPr/>
+          </p:nvSpPr>
+          <p:spPr>
+            <a:xfrm>
+              <a:off x="1392512" y="1630057"/>
+              <a:ext cx="2528543" cy="4188840"/>
+            </a:xfrm>
+            <a:prstGeom prst="roundRect">
+              <a:avLst>
+                <a:gd name="adj" fmla="val 4472"/>
+              </a:avLst>
+            </a:prstGeom>
+            <a:solidFill>
+              <a:srgbClr val="A72931">
+                <a:alpha val="80000"/>
+              </a:srgbClr>
+            </a:solidFill>
+          </p:spPr>
+          <p:style>
+            <a:lnRef idx="2">
+              <a:schemeClr val="accent1">
+                <a:shade val="50000"/>
+              </a:schemeClr>
+            </a:lnRef>
+            <a:fillRef idx="1">
+              <a:schemeClr val="accent1"/>
+            </a:fillRef>
+            <a:effectRef idx="0">
+              <a:schemeClr val="accent1"/>
+            </a:effectRef>
+            <a:fontRef idx="minor">
+              <a:schemeClr val="lt1"/>
+            </a:fontRef>
+          </p:style>
+          <p:txBody>
+            <a:bodyPr rtlCol="0" anchor="ctr"/>
+            <a:lstStyle/>
+            <a:p>
+              <a:pPr algn="ctr"/>
+              <a:endParaRPr lang="en-US" sz="1700" b="1" dirty="0">
+                <a:solidFill>
+                  <a:schemeClr val="bg1"/>
+                </a:solidFill>
+              </a:endParaRPr>
+            </a:p>
+          </p:txBody>
+        </p:sp>
+        <p:sp>
+          <p:nvSpPr>
+            <p:cNvPr id="15" name="Rectangle: Rounded Corners 14">
+              <a:extLst>
+                <a:ext uri="{FF2B5EF4-FFF2-40B4-BE49-F238E27FC236}">
+                  <a16:creationId xmlns:a16="http://schemas.microsoft.com/office/drawing/2014/main" id="{038D4680-8C71-4D99-97E4-E0E6982C55EE}"/>
+                </a:ext>
+              </a:extLst>
+            </p:cNvPr>
+            <p:cNvSpPr/>
+            <p:nvPr/>
+          </p:nvSpPr>
+          <p:spPr>
+            <a:xfrm>
+              <a:off x="4026775" y="1630057"/>
+              <a:ext cx="2528543" cy="4188840"/>
+            </a:xfrm>
+            <a:prstGeom prst="roundRect">
+              <a:avLst>
+                <a:gd name="adj" fmla="val 4472"/>
+              </a:avLst>
+            </a:prstGeom>
+            <a:solidFill>
+              <a:srgbClr val="C55A11">
+                <a:alpha val="80000"/>
+              </a:srgbClr>
+            </a:solidFill>
+          </p:spPr>
+          <p:style>
+            <a:lnRef idx="2">
+              <a:schemeClr val="accent1">
+                <a:shade val="50000"/>
+              </a:schemeClr>
+            </a:lnRef>
+            <a:fillRef idx="1">
+              <a:schemeClr val="accent1"/>
+            </a:fillRef>
+            <a:effectRef idx="0">
+              <a:schemeClr val="accent1"/>
+            </a:effectRef>
+            <a:fontRef idx="minor">
+              <a:schemeClr val="lt1"/>
+            </a:fontRef>
+          </p:style>
+          <p:txBody>
+            <a:bodyPr rtlCol="0" anchor="ctr"/>
+            <a:lstStyle/>
+            <a:p>
+              <a:pPr algn="ctr"/>
+              <a:endParaRPr lang="en-US" sz="1700" b="1" dirty="0">
+                <a:solidFill>
+                  <a:schemeClr val="bg1"/>
+                </a:solidFill>
+              </a:endParaRPr>
+            </a:p>
+          </p:txBody>
+        </p:sp>
+        <p:sp>
+          <p:nvSpPr>
+            <p:cNvPr id="16" name="Rectangle: Rounded Corners 15">
+              <a:extLst>
+                <a:ext uri="{FF2B5EF4-FFF2-40B4-BE49-F238E27FC236}">
+                  <a16:creationId xmlns:a16="http://schemas.microsoft.com/office/drawing/2014/main" id="{AD68036E-F5A0-4CAD-8469-572E8F9B44DF}"/>
+                </a:ext>
+              </a:extLst>
+            </p:cNvPr>
+            <p:cNvSpPr/>
+            <p:nvPr/>
+          </p:nvSpPr>
+          <p:spPr>
+            <a:xfrm>
+              <a:off x="6661041" y="1630057"/>
+              <a:ext cx="2528543" cy="4188840"/>
+            </a:xfrm>
+            <a:prstGeom prst="roundRect">
+              <a:avLst>
+                <a:gd name="adj" fmla="val 4472"/>
+              </a:avLst>
+            </a:prstGeom>
+            <a:solidFill>
+              <a:srgbClr val="00B050">
+                <a:alpha val="80000"/>
+              </a:srgbClr>
+            </a:solidFill>
+          </p:spPr>
+          <p:style>
+            <a:lnRef idx="2">
+              <a:schemeClr val="accent1">
+                <a:shade val="50000"/>
+              </a:schemeClr>
+            </a:lnRef>
+            <a:fillRef idx="1">
+              <a:schemeClr val="accent1"/>
+            </a:fillRef>
+            <a:effectRef idx="0">
+              <a:schemeClr val="accent1"/>
+            </a:effectRef>
+            <a:fontRef idx="minor">
+              <a:schemeClr val="lt1"/>
+            </a:fontRef>
+          </p:style>
+          <p:txBody>
+            <a:bodyPr rtlCol="0" anchor="ctr"/>
+            <a:lstStyle/>
+            <a:p>
+              <a:pPr algn="ctr"/>
+              <a:endParaRPr lang="en-US" sz="1700" b="1">
+                <a:solidFill>
+                  <a:schemeClr val="bg1"/>
+                </a:solidFill>
+              </a:endParaRPr>
+            </a:p>
+          </p:txBody>
+        </p:sp>
+        <p:sp>
+          <p:nvSpPr>
+            <p:cNvPr id="17" name="Rectangle: Rounded Corners 16">
+              <a:extLst>
+                <a:ext uri="{FF2B5EF4-FFF2-40B4-BE49-F238E27FC236}">
+                  <a16:creationId xmlns:a16="http://schemas.microsoft.com/office/drawing/2014/main" id="{081A1799-89D5-4BC8-8AC5-BBE4FB959ED9}"/>
+                </a:ext>
+              </a:extLst>
+            </p:cNvPr>
+            <p:cNvSpPr/>
+            <p:nvPr/>
+          </p:nvSpPr>
+          <p:spPr>
+            <a:xfrm>
+              <a:off x="9295304" y="1630057"/>
+              <a:ext cx="2528543" cy="4188840"/>
+            </a:xfrm>
+            <a:prstGeom prst="roundRect">
+              <a:avLst>
+                <a:gd name="adj" fmla="val 4472"/>
+              </a:avLst>
+            </a:prstGeom>
+            <a:solidFill>
+              <a:srgbClr val="0070C0">
+                <a:alpha val="80000"/>
+              </a:srgbClr>
+            </a:solidFill>
+          </p:spPr>
+          <p:style>
+            <a:lnRef idx="2">
+              <a:schemeClr val="accent1">
+                <a:shade val="50000"/>
+              </a:schemeClr>
+            </a:lnRef>
+            <a:fillRef idx="1">
+              <a:schemeClr val="accent1"/>
+            </a:fillRef>
+            <a:effectRef idx="0">
+              <a:schemeClr val="accent1"/>
+            </a:effectRef>
+            <a:fontRef idx="minor">
+              <a:schemeClr val="lt1"/>
+            </a:fontRef>
+          </p:style>
+          <p:txBody>
+            <a:bodyPr rtlCol="0" anchor="ctr"/>
+            <a:lstStyle/>
+            <a:p>
+              <a:pPr algn="ctr"/>
+              <a:endParaRPr lang="en-US" sz="1700" b="1">
+                <a:solidFill>
+                  <a:schemeClr val="bg1"/>
+                </a:solidFill>
+              </a:endParaRPr>
+            </a:p>
+          </p:txBody>
+        </p:sp>
+        <p:sp>
+          <p:nvSpPr>
+            <p:cNvPr id="18" name="TextBox 17">
+              <a:extLst>
+                <a:ext uri="{FF2B5EF4-FFF2-40B4-BE49-F238E27FC236}">
+                  <a16:creationId xmlns:a16="http://schemas.microsoft.com/office/drawing/2014/main" id="{23DD6448-858B-434D-B1AF-53BAF15326C9}"/>
+                </a:ext>
+              </a:extLst>
+            </p:cNvPr>
+            <p:cNvSpPr txBox="1"/>
+            <p:nvPr/>
+          </p:nvSpPr>
+          <p:spPr>
+            <a:xfrm>
+              <a:off x="1837588" y="1130316"/>
+              <a:ext cx="1700789" cy="405671"/>
+            </a:xfrm>
+            <a:prstGeom prst="rect">
+              <a:avLst/>
+            </a:prstGeom>
+          </p:spPr>
+          <p:txBody>
+            <a:bodyPr wrap="none" rtlCol="0">
+              <a:spAutoFit/>
+            </a:bodyPr>
+            <a:lstStyle/>
+            <a:p>
+              <a:r>
+                <a:rPr lang="en-US" b="1" dirty="0">
+                  <a:solidFill>
+                    <a:srgbClr val="A72931"/>
+                  </a:solidFill>
+                </a:rPr>
+                <a:t>L1 – Narrative</a:t>
+              </a:r>
+            </a:p>
+          </p:txBody>
+        </p:sp>
+        <p:sp>
+          <p:nvSpPr>
+            <p:cNvPr id="19" name="TextBox 18">
+              <a:extLst>
+                <a:ext uri="{FF2B5EF4-FFF2-40B4-BE49-F238E27FC236}">
+                  <a16:creationId xmlns:a16="http://schemas.microsoft.com/office/drawing/2014/main" id="{5636F523-0825-47C2-8A8B-479583244062}"/>
+                </a:ext>
+              </a:extLst>
+            </p:cNvPr>
+            <p:cNvSpPr txBox="1"/>
+            <p:nvPr/>
+          </p:nvSpPr>
+          <p:spPr>
+            <a:xfrm>
+              <a:off x="4112842" y="1131239"/>
+              <a:ext cx="2333101" cy="405671"/>
+            </a:xfrm>
+            <a:prstGeom prst="rect">
+              <a:avLst/>
+            </a:prstGeom>
+          </p:spPr>
+          <p:txBody>
+            <a:bodyPr wrap="none" rtlCol="0">
+              <a:spAutoFit/>
+            </a:bodyPr>
+            <a:lstStyle/>
+            <a:p>
+              <a:r>
+                <a:rPr lang="en-US" b="1" dirty="0">
+                  <a:solidFill>
+                    <a:schemeClr val="accent2">
+                      <a:lumMod val="75000"/>
+                    </a:schemeClr>
+                  </a:solidFill>
+                </a:rPr>
+                <a:t>L2 – Semi-Structured</a:t>
+              </a:r>
+            </a:p>
+          </p:txBody>
+        </p:sp>
+        <p:sp>
+          <p:nvSpPr>
+            <p:cNvPr id="20" name="TextBox 19">
+              <a:extLst>
+                <a:ext uri="{FF2B5EF4-FFF2-40B4-BE49-F238E27FC236}">
+                  <a16:creationId xmlns:a16="http://schemas.microsoft.com/office/drawing/2014/main" id="{D09F1CF1-B390-4D93-BD51-5201428454D9}"/>
+                </a:ext>
+              </a:extLst>
+            </p:cNvPr>
+            <p:cNvSpPr txBox="1"/>
+            <p:nvPr/>
+          </p:nvSpPr>
+          <p:spPr>
+            <a:xfrm>
+              <a:off x="7037624" y="1140982"/>
+              <a:ext cx="1745019" cy="405671"/>
+            </a:xfrm>
+            <a:prstGeom prst="rect">
+              <a:avLst/>
+            </a:prstGeom>
+          </p:spPr>
+          <p:txBody>
+            <a:bodyPr wrap="none" rtlCol="0">
+              <a:spAutoFit/>
+            </a:bodyPr>
+            <a:lstStyle/>
+            <a:p>
+              <a:r>
+                <a:rPr lang="en-US" b="1" dirty="0">
+                  <a:solidFill>
+                    <a:srgbClr val="00B050"/>
+                  </a:solidFill>
+                </a:rPr>
+                <a:t>L3 – Structured</a:t>
+              </a:r>
+            </a:p>
+          </p:txBody>
+        </p:sp>
+        <p:sp>
+          <p:nvSpPr>
+            <p:cNvPr id="21" name="TextBox 20">
+              <a:extLst>
+                <a:ext uri="{FF2B5EF4-FFF2-40B4-BE49-F238E27FC236}">
+                  <a16:creationId xmlns:a16="http://schemas.microsoft.com/office/drawing/2014/main" id="{C53728CB-4022-4473-A622-92E26ED32FD3}"/>
+                </a:ext>
+              </a:extLst>
+            </p:cNvPr>
+            <p:cNvSpPr txBox="1"/>
+            <p:nvPr/>
+          </p:nvSpPr>
+          <p:spPr>
+            <a:xfrm>
+              <a:off x="9661045" y="1124240"/>
+              <a:ext cx="1836788" cy="405671"/>
+            </a:xfrm>
+            <a:prstGeom prst="rect">
+              <a:avLst/>
+            </a:prstGeom>
+          </p:spPr>
+          <p:txBody>
+            <a:bodyPr wrap="none" rtlCol="0">
+              <a:spAutoFit/>
+            </a:bodyPr>
+            <a:lstStyle/>
+            <a:p>
+              <a:r>
+                <a:rPr lang="en-US" b="1" dirty="0">
+                  <a:solidFill>
+                    <a:srgbClr val="0070C0"/>
+                  </a:solidFill>
+                </a:rPr>
+                <a:t>L4 – Executable</a:t>
+              </a:r>
+            </a:p>
+          </p:txBody>
+        </p:sp>
+        <p:pic>
+          <p:nvPicPr>
+            <p:cNvPr id="27" name="Picture 26" descr="A black sign with white text&#10;&#10;Description automatically generated">
+              <a:extLst>
+                <a:ext uri="{FF2B5EF4-FFF2-40B4-BE49-F238E27FC236}">
+                  <a16:creationId xmlns:a16="http://schemas.microsoft.com/office/drawing/2014/main" id="{D69F59B7-5967-4E41-AED1-1A16456DEB25}"/>
+                </a:ext>
+              </a:extLst>
+            </p:cNvPr>
+            <p:cNvPicPr>
+              <a:picLocks noChangeAspect="1"/>
+            </p:cNvPicPr>
+            <p:nvPr/>
+          </p:nvPicPr>
+          <p:blipFill>
+            <a:blip r:embed="rId3">
+              <a:duotone>
+                <a:schemeClr val="accent4">
+                  <a:shade val="45000"/>
+                  <a:satMod val="135000"/>
+                </a:schemeClr>
+                <a:prstClr val="white"/>
+              </a:duotone>
+            </a:blip>
+            <a:stretch>
+              <a:fillRect/>
+            </a:stretch>
+          </p:blipFill>
+          <p:spPr>
+            <a:xfrm>
+              <a:off x="189422" y="1751906"/>
+              <a:ext cx="592490" cy="741698"/>
+            </a:xfrm>
+            <a:prstGeom prst="rect">
+              <a:avLst/>
+            </a:prstGeom>
+          </p:spPr>
+        </p:pic>
+        <p:pic>
+          <p:nvPicPr>
+            <p:cNvPr id="1024" name="Picture 1023">
+              <a:extLst>
+                <a:ext uri="{FF2B5EF4-FFF2-40B4-BE49-F238E27FC236}">
+                  <a16:creationId xmlns:a16="http://schemas.microsoft.com/office/drawing/2014/main" id="{D577DEBF-E3CC-4C38-B5D1-E526D5FF50AB}"/>
+                </a:ext>
+              </a:extLst>
+            </p:cNvPr>
+            <p:cNvPicPr>
+              <a:picLocks noChangeAspect="1"/>
+            </p:cNvPicPr>
+            <p:nvPr/>
+          </p:nvPicPr>
+          <p:blipFill>
+            <a:blip r:embed="rId4">
+              <a:duotone>
+                <a:schemeClr val="accent6">
+                  <a:shade val="45000"/>
+                  <a:satMod val="135000"/>
+                </a:schemeClr>
+                <a:prstClr val="white"/>
+              </a:duotone>
+            </a:blip>
+            <a:stretch>
+              <a:fillRect/>
+            </a:stretch>
+          </p:blipFill>
+          <p:spPr>
+            <a:xfrm>
+              <a:off x="140874" y="4898431"/>
+              <a:ext cx="649145" cy="649145"/>
+            </a:xfrm>
+            <a:prstGeom prst="rect">
+              <a:avLst/>
+            </a:prstGeom>
+          </p:spPr>
+        </p:pic>
+        <p:pic>
+          <p:nvPicPr>
+            <p:cNvPr id="1037" name="Picture 1036" descr="A circuit board&#10;&#10;Description automatically generated">
+              <a:extLst>
+                <a:ext uri="{FF2B5EF4-FFF2-40B4-BE49-F238E27FC236}">
+                  <a16:creationId xmlns:a16="http://schemas.microsoft.com/office/drawing/2014/main" id="{12C82FC5-6784-403E-B600-B476893B63F3}"/>
+                </a:ext>
+              </a:extLst>
+            </p:cNvPr>
+            <p:cNvPicPr>
+              <a:picLocks noChangeAspect="1"/>
+            </p:cNvPicPr>
+            <p:nvPr/>
+          </p:nvPicPr>
+          <p:blipFill>
+            <a:blip r:embed="rId5">
+              <a:duotone>
+                <a:schemeClr val="accent5">
+                  <a:shade val="45000"/>
+                  <a:satMod val="135000"/>
+                </a:schemeClr>
+                <a:prstClr val="white"/>
+              </a:duotone>
+            </a:blip>
+            <a:stretch>
+              <a:fillRect/>
+            </a:stretch>
+          </p:blipFill>
+          <p:spPr>
+            <a:xfrm>
+              <a:off x="132768" y="3399582"/>
+              <a:ext cx="649144" cy="649144"/>
+            </a:xfrm>
+            <a:prstGeom prst="rect">
+              <a:avLst/>
+            </a:prstGeom>
+          </p:spPr>
+        </p:pic>
+        <p:sp>
+          <p:nvSpPr>
+            <p:cNvPr id="1039" name="TextBox 1038">
+              <a:extLst>
+                <a:ext uri="{FF2B5EF4-FFF2-40B4-BE49-F238E27FC236}">
+                  <a16:creationId xmlns:a16="http://schemas.microsoft.com/office/drawing/2014/main" id="{0DC3208C-9DE0-47D2-AD7F-A1EA999BEC34}"/>
+                </a:ext>
+              </a:extLst>
+            </p:cNvPr>
+            <p:cNvSpPr txBox="1"/>
+            <p:nvPr/>
+          </p:nvSpPr>
+          <p:spPr>
+            <a:xfrm>
+              <a:off x="1545497" y="1789462"/>
+              <a:ext cx="2123272" cy="1138773"/>
+            </a:xfrm>
+            <a:prstGeom prst="rect">
+              <a:avLst/>
+            </a:prstGeom>
+          </p:spPr>
+          <p:txBody>
+            <a:bodyPr wrap="square" rtlCol="0">
+              <a:spAutoFit/>
+            </a:bodyPr>
+            <a:lstStyle/>
+            <a:p>
+              <a:r>
+                <a:rPr lang="en-US" sz="1700" b="1" dirty="0">
+                  <a:solidFill>
+                    <a:schemeClr val="bg1"/>
+                  </a:solidFill>
+                </a:rPr>
+                <a:t>Case Examples</a:t>
+              </a:r>
+            </a:p>
+            <a:p>
+              <a:r>
+                <a:rPr lang="en-US" sz="1700" b="1" dirty="0">
+                  <a:solidFill>
+                    <a:schemeClr val="bg1"/>
+                  </a:solidFill>
+                </a:rPr>
+                <a:t>Paper Forms</a:t>
+              </a:r>
+            </a:p>
+            <a:p>
+              <a:r>
+                <a:rPr lang="en-US" sz="1700" b="1" dirty="0">
+                  <a:solidFill>
+                    <a:schemeClr val="bg1"/>
+                  </a:solidFill>
+                </a:rPr>
+                <a:t>User Stories</a:t>
+              </a:r>
+            </a:p>
+            <a:p>
+              <a:r>
+                <a:rPr lang="en-US" sz="1700" b="1" dirty="0">
+                  <a:solidFill>
+                    <a:schemeClr val="bg1"/>
+                  </a:solidFill>
+                </a:rPr>
+                <a:t>Personas</a:t>
+              </a:r>
+            </a:p>
+          </p:txBody>
+        </p:sp>
+        <p:sp>
+          <p:nvSpPr>
+            <p:cNvPr id="48" name="TextBox 47">
+              <a:extLst>
+                <a:ext uri="{FF2B5EF4-FFF2-40B4-BE49-F238E27FC236}">
+                  <a16:creationId xmlns:a16="http://schemas.microsoft.com/office/drawing/2014/main" id="{DDAE64A5-04AD-4585-8982-C63FC3879B0C}"/>
+                </a:ext>
+              </a:extLst>
+            </p:cNvPr>
+            <p:cNvSpPr txBox="1"/>
+            <p:nvPr/>
+          </p:nvSpPr>
+          <p:spPr>
+            <a:xfrm>
+              <a:off x="1545497" y="3285057"/>
+              <a:ext cx="2301859" cy="1138773"/>
+            </a:xfrm>
+            <a:prstGeom prst="rect">
+              <a:avLst/>
+            </a:prstGeom>
+          </p:spPr>
+          <p:txBody>
+            <a:bodyPr wrap="square" rtlCol="0">
+              <a:spAutoFit/>
+            </a:bodyPr>
+            <a:lstStyle/>
+            <a:p>
+              <a:r>
+                <a:rPr lang="en-US" sz="1700" b="1" dirty="0">
+                  <a:solidFill>
+                    <a:schemeClr val="bg1"/>
+                  </a:solidFill>
+                </a:rPr>
+                <a:t>Guideline narrative</a:t>
+              </a:r>
+            </a:p>
+            <a:p>
+              <a:r>
+                <a:rPr lang="en-US" sz="1700" b="1" dirty="0">
+                  <a:solidFill>
+                    <a:schemeClr val="bg1"/>
+                  </a:solidFill>
+                </a:rPr>
+                <a:t>Evidence Summaries</a:t>
+              </a:r>
+            </a:p>
+            <a:p>
+              <a:r>
+                <a:rPr lang="en-US" sz="1700" b="1" dirty="0">
+                  <a:solidFill>
+                    <a:schemeClr val="bg1"/>
+                  </a:solidFill>
+                </a:rPr>
+                <a:t>Tables &amp; Figures</a:t>
+              </a:r>
+            </a:p>
+            <a:p>
+              <a:endParaRPr lang="en-US" sz="1700" b="1" dirty="0">
+                <a:solidFill>
+                  <a:schemeClr val="bg1"/>
+                </a:solidFill>
+              </a:endParaRPr>
+            </a:p>
+          </p:txBody>
+        </p:sp>
+        <p:sp>
+          <p:nvSpPr>
+            <p:cNvPr id="49" name="TextBox 48">
+              <a:extLst>
+                <a:ext uri="{FF2B5EF4-FFF2-40B4-BE49-F238E27FC236}">
+                  <a16:creationId xmlns:a16="http://schemas.microsoft.com/office/drawing/2014/main" id="{6A2FDFAF-3EF4-4684-BD5E-F848F994EE36}"/>
+                </a:ext>
+              </a:extLst>
+            </p:cNvPr>
+            <p:cNvSpPr txBox="1"/>
+            <p:nvPr/>
+          </p:nvSpPr>
+          <p:spPr>
+            <a:xfrm>
+              <a:off x="1545497" y="4736234"/>
+              <a:ext cx="2375556" cy="877163"/>
+            </a:xfrm>
+            <a:prstGeom prst="rect">
+              <a:avLst/>
+            </a:prstGeom>
+          </p:spPr>
+          <p:txBody>
+            <a:bodyPr wrap="square" rtlCol="0">
+              <a:spAutoFit/>
+            </a:bodyPr>
+            <a:lstStyle/>
+            <a:p>
+              <a:r>
+                <a:rPr lang="en-US" sz="1700" b="1" dirty="0">
+                  <a:solidFill>
+                    <a:schemeClr val="bg1"/>
+                  </a:solidFill>
+                </a:rPr>
+                <a:t>Glossaries</a:t>
+              </a:r>
+            </a:p>
+            <a:p>
+              <a:r>
+                <a:rPr lang="en-US" sz="1700" b="1" dirty="0">
+                  <a:solidFill>
+                    <a:schemeClr val="bg1"/>
+                  </a:solidFill>
+                </a:rPr>
+                <a:t>Domain Concepts</a:t>
+              </a:r>
+            </a:p>
+            <a:p>
+              <a:r>
+                <a:rPr lang="en-US" sz="1700" b="1" dirty="0">
+                  <a:solidFill>
+                    <a:schemeClr val="bg1"/>
+                  </a:solidFill>
+                </a:rPr>
+                <a:t>Indicator descriptions</a:t>
+              </a:r>
+            </a:p>
+          </p:txBody>
+        </p:sp>
+        <p:sp>
+          <p:nvSpPr>
+            <p:cNvPr id="50" name="TextBox 49">
+              <a:extLst>
+                <a:ext uri="{FF2B5EF4-FFF2-40B4-BE49-F238E27FC236}">
+                  <a16:creationId xmlns:a16="http://schemas.microsoft.com/office/drawing/2014/main" id="{306C5D6E-5DE6-4995-845F-0A4DB522824E}"/>
+                </a:ext>
+              </a:extLst>
+            </p:cNvPr>
+            <p:cNvSpPr txBox="1"/>
+            <p:nvPr/>
+          </p:nvSpPr>
+          <p:spPr>
+            <a:xfrm>
+              <a:off x="4229411" y="1956328"/>
+              <a:ext cx="2123272" cy="615553"/>
+            </a:xfrm>
+            <a:prstGeom prst="rect">
+              <a:avLst/>
+            </a:prstGeom>
+          </p:spPr>
+          <p:txBody>
+            <a:bodyPr wrap="square" rtlCol="0">
+              <a:spAutoFit/>
+            </a:bodyPr>
+            <a:lstStyle/>
+            <a:p>
+              <a:r>
+                <a:rPr lang="en-US" sz="1700" b="1" dirty="0">
+                  <a:solidFill>
+                    <a:schemeClr val="bg1"/>
+                  </a:solidFill>
+                </a:rPr>
+                <a:t>Wire Frames</a:t>
+              </a:r>
+            </a:p>
+            <a:p>
+              <a:r>
+                <a:rPr lang="en-US" sz="1700" b="1" dirty="0">
+                  <a:solidFill>
+                    <a:schemeClr val="bg1"/>
+                  </a:solidFill>
+                </a:rPr>
+                <a:t>Flow Diagrams</a:t>
+              </a:r>
+            </a:p>
+          </p:txBody>
+        </p:sp>
+        <p:sp>
+          <p:nvSpPr>
+            <p:cNvPr id="51" name="TextBox 50">
+              <a:extLst>
+                <a:ext uri="{FF2B5EF4-FFF2-40B4-BE49-F238E27FC236}">
+                  <a16:creationId xmlns:a16="http://schemas.microsoft.com/office/drawing/2014/main" id="{9476C5CE-59F2-46F3-BDC1-A2D009B52043}"/>
+                </a:ext>
+              </a:extLst>
+            </p:cNvPr>
+            <p:cNvSpPr txBox="1"/>
+            <p:nvPr/>
+          </p:nvSpPr>
+          <p:spPr>
+            <a:xfrm>
+              <a:off x="6863677" y="2015233"/>
+              <a:ext cx="2123272" cy="615553"/>
+            </a:xfrm>
+            <a:prstGeom prst="rect">
+              <a:avLst/>
+            </a:prstGeom>
+          </p:spPr>
+          <p:txBody>
+            <a:bodyPr wrap="square" rtlCol="0">
+              <a:spAutoFit/>
+            </a:bodyPr>
+            <a:lstStyle/>
+            <a:p>
+              <a:r>
+                <a:rPr lang="en-US" sz="1700" b="1" dirty="0">
+                  <a:solidFill>
+                    <a:schemeClr val="bg1"/>
+                  </a:solidFill>
+                </a:rPr>
+                <a:t>Questionnaire</a:t>
+              </a:r>
+            </a:p>
+            <a:p>
+              <a:r>
+                <a:rPr lang="en-US" sz="1700" b="1" dirty="0">
+                  <a:solidFill>
+                    <a:schemeClr val="bg1"/>
+                  </a:solidFill>
+                </a:rPr>
+                <a:t>Adaptive Form (SDC)</a:t>
+              </a:r>
+            </a:p>
+          </p:txBody>
+        </p:sp>
+        <p:sp>
+          <p:nvSpPr>
+            <p:cNvPr id="52" name="TextBox 51">
+              <a:extLst>
+                <a:ext uri="{FF2B5EF4-FFF2-40B4-BE49-F238E27FC236}">
+                  <a16:creationId xmlns:a16="http://schemas.microsoft.com/office/drawing/2014/main" id="{E8998884-432F-4A55-AA60-FC5EF1710B3D}"/>
+                </a:ext>
+              </a:extLst>
+            </p:cNvPr>
+            <p:cNvSpPr txBox="1"/>
+            <p:nvPr/>
+          </p:nvSpPr>
+          <p:spPr>
+            <a:xfrm>
+              <a:off x="9497940" y="1748517"/>
+              <a:ext cx="2123272" cy="877163"/>
+            </a:xfrm>
+            <a:prstGeom prst="rect">
+              <a:avLst/>
+            </a:prstGeom>
+          </p:spPr>
+          <p:txBody>
+            <a:bodyPr wrap="square" rtlCol="0">
+              <a:spAutoFit/>
+            </a:bodyPr>
+            <a:lstStyle/>
+            <a:p>
+              <a:r>
+                <a:rPr lang="en-US" sz="1700" b="1" dirty="0">
+                  <a:solidFill>
+                    <a:schemeClr val="bg1"/>
+                  </a:solidFill>
+                </a:rPr>
+                <a:t>User-interface Forms</a:t>
+              </a:r>
+            </a:p>
+            <a:p>
+              <a:r>
+                <a:rPr lang="en-US" sz="1700" b="1" dirty="0">
+                  <a:solidFill>
+                    <a:schemeClr val="bg1"/>
+                  </a:solidFill>
+                </a:rPr>
+                <a:t>Visualizations</a:t>
+              </a:r>
+            </a:p>
+            <a:p>
+              <a:r>
+                <a:rPr lang="en-US" sz="1700" b="1" dirty="0">
+                  <a:solidFill>
+                    <a:schemeClr val="bg1"/>
+                  </a:solidFill>
+                </a:rPr>
+                <a:t>Interaction Model</a:t>
+              </a:r>
+            </a:p>
+          </p:txBody>
+        </p:sp>
+        <p:sp>
+          <p:nvSpPr>
+            <p:cNvPr id="53" name="TextBox 52">
+              <a:extLst>
+                <a:ext uri="{FF2B5EF4-FFF2-40B4-BE49-F238E27FC236}">
+                  <a16:creationId xmlns:a16="http://schemas.microsoft.com/office/drawing/2014/main" id="{5D1001D2-96A6-4483-9741-59779A75D925}"/>
+                </a:ext>
+              </a:extLst>
+            </p:cNvPr>
+            <p:cNvSpPr txBox="1"/>
+            <p:nvPr/>
+          </p:nvSpPr>
+          <p:spPr>
+            <a:xfrm>
+              <a:off x="4229411" y="3083424"/>
+              <a:ext cx="2123272" cy="1400383"/>
+            </a:xfrm>
+            <a:prstGeom prst="rect">
+              <a:avLst/>
+            </a:prstGeom>
+          </p:spPr>
+          <p:txBody>
+            <a:bodyPr wrap="square" rtlCol="0">
+              <a:spAutoFit/>
+            </a:bodyPr>
+            <a:lstStyle/>
+            <a:p>
+              <a:r>
+                <a:rPr lang="en-US" sz="1700" b="1" dirty="0">
+                  <a:solidFill>
+                    <a:schemeClr val="bg1"/>
+                  </a:solidFill>
+                </a:rPr>
+                <a:t>Workflows</a:t>
+              </a:r>
+            </a:p>
+            <a:p>
+              <a:pPr indent="-243834"/>
+              <a:r>
+                <a:rPr lang="en-US" sz="1700" b="1" dirty="0">
+                  <a:solidFill>
+                    <a:schemeClr val="bg1"/>
+                  </a:solidFill>
+                </a:rPr>
+                <a:t>Decision Trees, Tables, and Flows</a:t>
+              </a:r>
+            </a:p>
+            <a:p>
+              <a:r>
+                <a:rPr lang="en-US" sz="1700" b="1" dirty="0">
+                  <a:solidFill>
+                    <a:schemeClr val="bg1"/>
+                  </a:solidFill>
+                </a:rPr>
+                <a:t>Triggers</a:t>
+              </a:r>
+            </a:p>
+            <a:p>
+              <a:r>
+                <a:rPr lang="en-US" sz="1700" b="1" dirty="0">
+                  <a:solidFill>
+                    <a:schemeClr val="bg1"/>
+                  </a:solidFill>
+                </a:rPr>
+                <a:t>Concept Maps</a:t>
+              </a:r>
+            </a:p>
+          </p:txBody>
+        </p:sp>
+        <p:sp>
+          <p:nvSpPr>
+            <p:cNvPr id="54" name="TextBox 53">
+              <a:extLst>
+                <a:ext uri="{FF2B5EF4-FFF2-40B4-BE49-F238E27FC236}">
+                  <a16:creationId xmlns:a16="http://schemas.microsoft.com/office/drawing/2014/main" id="{AE563D0A-7D50-4DCE-A50F-357C2328E7E5}"/>
+                </a:ext>
+              </a:extLst>
+            </p:cNvPr>
+            <p:cNvSpPr txBox="1"/>
+            <p:nvPr/>
+          </p:nvSpPr>
+          <p:spPr>
+            <a:xfrm>
+              <a:off x="4229411" y="4695706"/>
+              <a:ext cx="2123272" cy="877163"/>
+            </a:xfrm>
+            <a:prstGeom prst="rect">
+              <a:avLst/>
+            </a:prstGeom>
+          </p:spPr>
+          <p:txBody>
+            <a:bodyPr wrap="square" rtlCol="0">
+              <a:spAutoFit/>
+            </a:bodyPr>
+            <a:lstStyle/>
+            <a:p>
+              <a:r>
+                <a:rPr lang="en-US" sz="1700" b="1" dirty="0">
+                  <a:solidFill>
+                    <a:schemeClr val="bg1"/>
+                  </a:solidFill>
+                </a:rPr>
+                <a:t>Terminologies</a:t>
+              </a:r>
+            </a:p>
+            <a:p>
+              <a:r>
+                <a:rPr lang="en-US" sz="1700" b="1" dirty="0">
+                  <a:solidFill>
+                    <a:schemeClr val="bg1"/>
+                  </a:solidFill>
+                </a:rPr>
+                <a:t>Data Dictionary</a:t>
+              </a:r>
+            </a:p>
+            <a:p>
+              <a:r>
+                <a:rPr lang="en-US" sz="1700" b="1" dirty="0">
+                  <a:solidFill>
+                    <a:schemeClr val="bg1"/>
+                  </a:solidFill>
+                </a:rPr>
+                <a:t>Indicators</a:t>
+              </a:r>
+            </a:p>
+          </p:txBody>
+        </p:sp>
+        <p:sp>
+          <p:nvSpPr>
+            <p:cNvPr id="55" name="TextBox 54">
+              <a:extLst>
+                <a:ext uri="{FF2B5EF4-FFF2-40B4-BE49-F238E27FC236}">
+                  <a16:creationId xmlns:a16="http://schemas.microsoft.com/office/drawing/2014/main" id="{4FE9EC94-A3A9-4C68-A926-AA73FD2622E7}"/>
+                </a:ext>
+              </a:extLst>
+            </p:cNvPr>
+            <p:cNvSpPr txBox="1"/>
+            <p:nvPr/>
+          </p:nvSpPr>
+          <p:spPr>
+            <a:xfrm>
+              <a:off x="6863675" y="3190621"/>
+              <a:ext cx="2325908" cy="1138773"/>
+            </a:xfrm>
+            <a:prstGeom prst="rect">
+              <a:avLst/>
+            </a:prstGeom>
+          </p:spPr>
+          <p:txBody>
+            <a:bodyPr wrap="square" rIns="0" rtlCol="0">
+              <a:spAutoFit/>
+            </a:bodyPr>
+            <a:lstStyle/>
+            <a:p>
+              <a:r>
+                <a:rPr lang="en-US" sz="1700" b="1" dirty="0">
+                  <a:solidFill>
+                    <a:schemeClr val="bg1"/>
+                  </a:solidFill>
+                </a:rPr>
+                <a:t>Library (CQL)</a:t>
+              </a:r>
+            </a:p>
+            <a:p>
+              <a:r>
+                <a:rPr lang="en-US" sz="1700" b="1" dirty="0">
+                  <a:solidFill>
+                    <a:schemeClr val="bg1"/>
+                  </a:solidFill>
+                </a:rPr>
+                <a:t>ActivityDefinition</a:t>
+              </a:r>
+            </a:p>
+            <a:p>
+              <a:r>
+                <a:rPr lang="en-US" sz="1700" b="1" dirty="0">
+                  <a:solidFill>
+                    <a:schemeClr val="bg1"/>
+                  </a:solidFill>
+                </a:rPr>
+                <a:t>PlanDefinition</a:t>
+              </a:r>
+            </a:p>
+            <a:p>
+              <a:r>
+                <a:rPr lang="en-US" sz="1700" b="1" dirty="0">
+                  <a:solidFill>
+                    <a:schemeClr val="bg1"/>
+                  </a:solidFill>
+                </a:rPr>
+                <a:t>Inferred CaseFeatures</a:t>
+              </a:r>
+            </a:p>
+          </p:txBody>
+        </p:sp>
+        <p:sp>
+          <p:nvSpPr>
+            <p:cNvPr id="56" name="TextBox 55">
+              <a:extLst>
+                <a:ext uri="{FF2B5EF4-FFF2-40B4-BE49-F238E27FC236}">
+                  <a16:creationId xmlns:a16="http://schemas.microsoft.com/office/drawing/2014/main" id="{7EA290DC-F222-4457-BCDF-B9C1C03257E4}"/>
+                </a:ext>
+              </a:extLst>
+            </p:cNvPr>
+            <p:cNvSpPr txBox="1"/>
+            <p:nvPr/>
+          </p:nvSpPr>
+          <p:spPr>
+            <a:xfrm>
+              <a:off x="6863679" y="4642458"/>
+              <a:ext cx="2252210" cy="1138773"/>
+            </a:xfrm>
+            <a:prstGeom prst="rect">
+              <a:avLst/>
+            </a:prstGeom>
+          </p:spPr>
+          <p:txBody>
+            <a:bodyPr wrap="square" rtlCol="0">
+              <a:spAutoFit/>
+            </a:bodyPr>
+            <a:lstStyle/>
+            <a:p>
+              <a:r>
+                <a:rPr lang="en-US" sz="1700" b="1" dirty="0">
+                  <a:solidFill>
+                    <a:schemeClr val="bg1"/>
+                  </a:solidFill>
+                </a:rPr>
+                <a:t>CodeSystem</a:t>
+              </a:r>
+            </a:p>
+            <a:p>
+              <a:r>
+                <a:rPr lang="en-US" sz="1700" b="1" dirty="0">
+                  <a:solidFill>
+                    <a:schemeClr val="bg1"/>
+                  </a:solidFill>
+                </a:rPr>
+                <a:t>ValueSet</a:t>
+              </a:r>
+            </a:p>
+            <a:p>
+              <a:r>
+                <a:rPr lang="en-US" sz="1700" b="1" dirty="0">
+                  <a:solidFill>
+                    <a:schemeClr val="bg1"/>
+                  </a:solidFill>
+                </a:rPr>
+                <a:t>StructureDefinition</a:t>
+              </a:r>
+            </a:p>
+            <a:p>
+              <a:r>
+                <a:rPr lang="en-US" sz="1700" b="1" dirty="0">
+                  <a:solidFill>
+                    <a:schemeClr val="bg1"/>
+                  </a:solidFill>
+                </a:rPr>
+                <a:t>Data Requirements</a:t>
+              </a:r>
+            </a:p>
+          </p:txBody>
+        </p:sp>
+        <p:sp>
+          <p:nvSpPr>
+            <p:cNvPr id="57" name="TextBox 56">
+              <a:extLst>
+                <a:ext uri="{FF2B5EF4-FFF2-40B4-BE49-F238E27FC236}">
+                  <a16:creationId xmlns:a16="http://schemas.microsoft.com/office/drawing/2014/main" id="{2D9854AD-C545-4EAE-89C1-A43E693DD00A}"/>
+                </a:ext>
+              </a:extLst>
+            </p:cNvPr>
+            <p:cNvSpPr txBox="1"/>
+            <p:nvPr/>
+          </p:nvSpPr>
+          <p:spPr>
+            <a:xfrm>
+              <a:off x="9497940" y="3006403"/>
+              <a:ext cx="2123272" cy="1400383"/>
+            </a:xfrm>
+            <a:prstGeom prst="rect">
+              <a:avLst/>
+            </a:prstGeom>
+          </p:spPr>
+          <p:txBody>
+            <a:bodyPr wrap="square" rtlCol="0">
+              <a:spAutoFit/>
+            </a:bodyPr>
+            <a:lstStyle/>
+            <a:p>
+              <a:r>
+                <a:rPr lang="en-US" sz="1700" b="1" dirty="0">
+                  <a:solidFill>
+                    <a:schemeClr val="bg1"/>
+                  </a:solidFill>
+                </a:rPr>
+                <a:t>Application Services</a:t>
+              </a:r>
+            </a:p>
+            <a:p>
+              <a:r>
+                <a:rPr lang="en-US" sz="1700" b="1" dirty="0">
+                  <a:solidFill>
+                    <a:schemeClr val="bg1"/>
+                  </a:solidFill>
+                </a:rPr>
+                <a:t>Health Record Systems</a:t>
+              </a:r>
+            </a:p>
+            <a:p>
+              <a:r>
+                <a:rPr lang="en-US" sz="1700" b="1" dirty="0">
+                  <a:solidFill>
+                    <a:schemeClr val="bg1"/>
+                  </a:solidFill>
+                </a:rPr>
+                <a:t>Decision Services</a:t>
+              </a:r>
+            </a:p>
+            <a:p>
+              <a:r>
+                <a:rPr lang="en-US" sz="1700" b="1" dirty="0">
+                  <a:solidFill>
+                    <a:schemeClr val="bg1"/>
+                  </a:solidFill>
+                </a:rPr>
+                <a:t>Rules Engine</a:t>
+              </a:r>
+            </a:p>
+          </p:txBody>
+        </p:sp>
+        <p:sp>
+          <p:nvSpPr>
+            <p:cNvPr id="58" name="TextBox 57">
+              <a:extLst>
+                <a:ext uri="{FF2B5EF4-FFF2-40B4-BE49-F238E27FC236}">
+                  <a16:creationId xmlns:a16="http://schemas.microsoft.com/office/drawing/2014/main" id="{2B5A81BB-EDBE-41CC-9EBA-617B62618793}"/>
+                </a:ext>
+              </a:extLst>
+            </p:cNvPr>
+            <p:cNvSpPr txBox="1"/>
+            <p:nvPr/>
+          </p:nvSpPr>
+          <p:spPr>
+            <a:xfrm>
+              <a:off x="9497941" y="4642458"/>
+              <a:ext cx="2252210" cy="1138773"/>
+            </a:xfrm>
+            <a:prstGeom prst="rect">
+              <a:avLst/>
+            </a:prstGeom>
+          </p:spPr>
+          <p:txBody>
+            <a:bodyPr wrap="square" rtlCol="0">
+              <a:spAutoFit/>
+            </a:bodyPr>
+            <a:lstStyle/>
+            <a:p>
+              <a:r>
+                <a:rPr lang="en-US" sz="1700" b="1" dirty="0">
+                  <a:solidFill>
+                    <a:schemeClr val="bg1"/>
+                  </a:solidFill>
+                </a:rPr>
+                <a:t>Systems of Record</a:t>
+              </a:r>
+            </a:p>
+            <a:p>
+              <a:r>
+                <a:rPr lang="en-US" sz="1700" b="1" dirty="0">
+                  <a:solidFill>
+                    <a:schemeClr val="bg1"/>
+                  </a:solidFill>
+                </a:rPr>
+                <a:t>Registries &amp; Exchanges</a:t>
+              </a:r>
+            </a:p>
+            <a:p>
+              <a:r>
+                <a:rPr lang="en-US" sz="1700" b="1" dirty="0">
+                  <a:solidFill>
+                    <a:schemeClr val="bg1"/>
+                  </a:solidFill>
+                </a:rPr>
+                <a:t>Data Services</a:t>
+              </a:r>
+            </a:p>
+            <a:p>
+              <a:r>
+                <a:rPr lang="en-US" sz="1700" b="1" dirty="0">
+                  <a:solidFill>
+                    <a:schemeClr val="bg1"/>
+                  </a:solidFill>
+                </a:rPr>
+                <a:t>Data Warehouse</a:t>
+              </a:r>
+            </a:p>
+          </p:txBody>
+        </p:sp>
+      </p:grpSp>
+      <p:sp>
+        <p:nvSpPr>
+          <p:cNvPr id="33" name="Title 1">
+            <a:extLst>
+              <a:ext uri="{FF2B5EF4-FFF2-40B4-BE49-F238E27FC236}">
+                <a16:creationId xmlns:a16="http://schemas.microsoft.com/office/drawing/2014/main" id="{1CC1E63E-43F6-4391-BF27-C6B19120068A}"/>
+              </a:ext>
+            </a:extLst>
+          </p:cNvPr>
+          <p:cNvSpPr txBox="1">
+            <a:spLocks/>
+          </p:cNvSpPr>
+          <p:nvPr/>
+        </p:nvSpPr>
+        <p:spPr>
+          <a:xfrm>
+            <a:off x="241447" y="243877"/>
+            <a:ext cx="11709106" cy="1325563"/>
+          </a:xfrm>
+          <a:prstGeom prst="rect">
+            <a:avLst/>
+          </a:prstGeom>
+        </p:spPr>
+        <p:txBody>
+          <a:bodyPr>
+            <a:normAutofit/>
+          </a:bodyPr>
+          <a:lstStyle>
+            <a:lvl1pPr algn="l" defTabSz="914400" rtl="0" eaLnBrk="1" latinLnBrk="0" hangingPunct="1">
+              <a:lnSpc>
+                <a:spcPct val="90000"/>
+              </a:lnSpc>
+              <a:spcBef>
+                <a:spcPct val="0"/>
+              </a:spcBef>
+              <a:buNone/>
+              <a:defRPr sz="4400" kern="1200">
+                <a:solidFill>
+                  <a:schemeClr val="tx1"/>
+                </a:solidFill>
+                <a:latin typeface="+mj-lt"/>
+                <a:ea typeface="+mj-ea"/>
+                <a:cs typeface="+mj-cs"/>
+              </a:defRPr>
+            </a:lvl1pPr>
+          </a:lstStyle>
+          <a:p>
+            <a:pPr algn="ctr"/>
+            <a:r>
+              <a:rPr lang="en-US" b="1" dirty="0"/>
+              <a:t>Levels of Representation x Tiers of Functionality</a:t>
+            </a:r>
+            <a:endParaRPr lang="en-US" dirty="0"/>
+          </a:p>
+        </p:txBody>
+      </p:sp>
+      <p:sp>
+        <p:nvSpPr>
+          <p:cNvPr id="4" name="Rectangle 3">
+            <a:extLst>
+              <a:ext uri="{FF2B5EF4-FFF2-40B4-BE49-F238E27FC236}">
+                <a16:creationId xmlns:a16="http://schemas.microsoft.com/office/drawing/2014/main" id="{5C012114-6176-4D15-A42A-CD601B9B5FE3}"/>
+              </a:ext>
+            </a:extLst>
+          </p:cNvPr>
+          <p:cNvSpPr/>
+          <p:nvPr/>
+        </p:nvSpPr>
+        <p:spPr>
+          <a:xfrm>
+            <a:off x="353057" y="5891847"/>
+            <a:ext cx="11897884" cy="892552"/>
+          </a:xfrm>
+          <a:prstGeom prst="rect">
+            <a:avLst/>
+          </a:prstGeom>
+        </p:spPr>
+        <p:txBody>
+          <a:bodyPr wrap="square">
+            <a:spAutoFit/>
+          </a:bodyPr>
+          <a:lstStyle/>
+          <a:p>
+            <a:r>
+              <a:rPr lang="en-US" sz="1400" dirty="0"/>
+              <a:t>“We have developed a </a:t>
+            </a:r>
+            <a:r>
+              <a:rPr lang="en-US" sz="1400" b="1" dirty="0"/>
+              <a:t>multi-layered knowledge representation framework </a:t>
+            </a:r>
+            <a:r>
+              <a:rPr lang="en-US" sz="1400" dirty="0"/>
+              <a:t>for structuring guideline recommendations for implementation in a variety of CDS contexts.” </a:t>
+            </a:r>
+            <a:r>
+              <a:rPr lang="en-US" sz="1200" dirty="0" err="1"/>
+              <a:t>Boxwala</a:t>
+            </a:r>
+            <a:r>
+              <a:rPr lang="en-US" sz="1200" dirty="0"/>
+              <a:t>, A. A., Rocha, B. H., </a:t>
+            </a:r>
+            <a:r>
+              <a:rPr lang="en-US" sz="1200" dirty="0" err="1"/>
+              <a:t>Maviglia</a:t>
+            </a:r>
+            <a:r>
+              <a:rPr lang="en-US" sz="1200" dirty="0"/>
+              <a:t>, S., Kashyap, V., Meltzer, S., Kim, J., </a:t>
+            </a:r>
+            <a:r>
+              <a:rPr lang="en-US" sz="1200" dirty="0" err="1"/>
+              <a:t>Tsurikova</a:t>
+            </a:r>
+            <a:r>
+              <a:rPr lang="en-US" sz="1200" dirty="0"/>
+              <a:t>, R., Wright, A., Paterno, M. D., Fairbanks, A., &amp; Middleton, B. (2011). A multi-layered framework for disseminating knowledge for computer-based decision support. </a:t>
+            </a:r>
+            <a:r>
+              <a:rPr lang="en-US" sz="1200" i="1" dirty="0"/>
+              <a:t>Journal of the American Medical Informatics Association : JAMIA</a:t>
+            </a:r>
+            <a:r>
+              <a:rPr lang="en-US" sz="1200" dirty="0"/>
+              <a:t>, </a:t>
+            </a:r>
+            <a:r>
+              <a:rPr lang="en-US" sz="1200" i="1" dirty="0"/>
+              <a:t>18 Suppl 1</a:t>
+            </a:r>
+            <a:r>
+              <a:rPr lang="en-US" sz="1200" dirty="0"/>
+              <a:t>(Suppl 1), i132–i139. </a:t>
+            </a:r>
+            <a:r>
+              <a:rPr lang="en-US" sz="1200" dirty="0">
+                <a:hlinkClick r:id="rId6"/>
+              </a:rPr>
+              <a:t>https://doi.org/10.1136/amiajnl-2011-000334</a:t>
+            </a:r>
+            <a:endParaRPr lang="en-US" sz="1200" dirty="0"/>
+          </a:p>
+        </p:txBody>
+      </p:sp>
+      <p:sp>
+        <p:nvSpPr>
+          <p:cNvPr id="2" name="TextBox 1">
+            <a:extLst>
+              <a:ext uri="{FF2B5EF4-FFF2-40B4-BE49-F238E27FC236}">
+                <a16:creationId xmlns:a16="http://schemas.microsoft.com/office/drawing/2014/main" id="{584FFADE-33BB-410D-BD6A-BAFB753D8F14}"/>
+              </a:ext>
+            </a:extLst>
+          </p:cNvPr>
+          <p:cNvSpPr txBox="1"/>
+          <p:nvPr/>
+        </p:nvSpPr>
+        <p:spPr>
+          <a:xfrm>
+            <a:off x="4112842" y="6507400"/>
+            <a:ext cx="7958782" cy="276999"/>
+          </a:xfrm>
+          <a:prstGeom prst="rect">
+            <a:avLst/>
+          </a:prstGeom>
+          <a:noFill/>
+        </p:spPr>
+        <p:txBody>
+          <a:bodyPr wrap="none" rtlCol="0">
+            <a:spAutoFit/>
+          </a:bodyPr>
+          <a:lstStyle/>
+          <a:p>
+            <a:r>
+              <a:rPr lang="en-US" sz="1200" dirty="0">
+                <a:hlinkClick r:id="rId7"/>
+              </a:rPr>
+              <a:t>http://build.fhir.org/ig/HL7/cqf-recommendations/documentation-approach-06-01-levels-of-knowledge-representation.html</a:t>
+            </a:r>
+            <a:endParaRPr lang="en-US" sz="1200" dirty="0"/>
+          </a:p>
+        </p:txBody>
+      </p:sp>
+    </p:spTree>
+    <p:extLst>
+      <p:ext uri="{BB962C8B-B14F-4D97-AF65-F5344CB8AC3E}">
+        <p14:creationId xmlns:p14="http://schemas.microsoft.com/office/powerpoint/2010/main" val="3963331121"/>
+      </p:ext>
+    </p:extLst>
+  </p:cSld>
+  <p:clrMapOvr>
+    <a:masterClrMapping/>
+  </p:clrMapOvr>
+  <p:timing>
+    <p:tnLst>
+      <p:par>
+        <p:cTn id="1" dur="indefinite" restart="never" nodeType="tmRoot">
+          <p:childTnLst>
+            <p:seq concurrent="1" nextAc="seek">
+              <p:cTn id="2" dur="indefinite" nodeType="mainSeq">
+                <p:childTnLst>
+                  <p:par>
+                    <p:cTn id="3" fill="hold">
+                      <p:stCondLst>
+                        <p:cond delay="indefinite"/>
+                      </p:stCondLst>
+                      <p:childTnLst>
+                        <p:par>
+                          <p:cTn id="4" fill="hold">
+                            <p:stCondLst>
+                              <p:cond delay="0"/>
+                            </p:stCondLst>
+                            <p:childTnLst>
+                              <p:par>
+                                <p:cTn id="5" presetID="10" presetClass="entr" presetSubtype="0" fill="hold" grpId="0" nodeType="clickEffect">
+                                  <p:stCondLst>
+                                    <p:cond delay="0"/>
+                                  </p:stCondLst>
+                                  <p:childTnLst>
+                                    <p:set>
+                                      <p:cBhvr>
+                                        <p:cTn id="6" dur="1" fill="hold">
+                                          <p:stCondLst>
+                                            <p:cond delay="0"/>
+                                          </p:stCondLst>
+                                        </p:cTn>
+                                        <p:tgtEl>
+                                          <p:spTgt spid="4"/>
+                                        </p:tgtEl>
+                                        <p:attrNameLst>
+                                          <p:attrName>style.visibility</p:attrName>
+                                        </p:attrNameLst>
+                                      </p:cBhvr>
+                                      <p:to>
+                                        <p:strVal val="visible"/>
+                                      </p:to>
+                                    </p:set>
+                                    <p:animEffect transition="in" filter="fade">
+                                      <p:cBhvr>
+                                        <p:cTn id="7" dur="500"/>
+                                        <p:tgtEl>
+                                          <p:spTgt spid="4"/>
+                                        </p:tgtEl>
+                                      </p:cBhvr>
+                                    </p:animEffect>
+                                  </p:childTnLst>
+                                </p:cTn>
+                              </p:par>
+                            </p:childTnLst>
+                          </p:cTn>
+                        </p:par>
+                      </p:childTnLst>
+                    </p:cTn>
+                  </p:par>
+                </p:childTnLst>
+              </p:cTn>
+              <p:prevCondLst>
+                <p:cond evt="onPrev" delay="0">
+                  <p:tgtEl>
+                    <p:sldTgt/>
+                  </p:tgtEl>
+                </p:cond>
+              </p:prevCondLst>
+              <p:nextCondLst>
+                <p:cond evt="onNext" delay="0">
+                  <p:tgtEl>
+                    <p:sldTgt/>
+                  </p:tgtEl>
+                </p:cond>
+              </p:nextCondLst>
+            </p:seq>
+          </p:childTnLst>
+        </p:cTn>
+      </p:par>
+    </p:tnLst>
+    <p:bldLst>
+      <p:bldP spid="4" grpId="0"/>
+    </p:bldLst>
+  </p:timing>
+</p:sld>
+</file>
+
+<file path=ppt/slides/slide9.xml><?xml version="1.0" encoding="utf-8"?>
+<p:sld xmlns:a="http://schemas.openxmlformats.org/drawingml/2006/main" xmlns:r="http://schemas.openxmlformats.org/officeDocument/2006/relationships" xmlns:p="http://schemas.openxmlformats.org/presentationml/2006/main">
+  <p:cSld>
+    <p:spTree>
+      <p:nvGrpSpPr>
+        <p:cNvPr id="1" name=""/>
+        <p:cNvGrpSpPr/>
+        <p:nvPr/>
+      </p:nvGrpSpPr>
+      <p:grpSpPr>
+        <a:xfrm>
+          <a:off x="0" y="0"/>
+          <a:ext cx="0" cy="0"/>
+          <a:chOff x="0" y="0"/>
+          <a:chExt cx="0" cy="0"/>
+        </a:xfrm>
+      </p:grpSpPr>
       <p:sp>
         <p:nvSpPr>
           <p:cNvPr id="2" name="Title 1">
@@ -18076,580 +20600,6 @@
         <p14:creationId xmlns:p14="http://schemas.microsoft.com/office/powerpoint/2010/main" val="1722197074"/>
       </p:ext>
     </p:extLst>
-  </p:cSld>
-  <p:clrMapOvr>
-    <a:masterClrMapping/>
-  </p:clrMapOvr>
-</p:sld>
-</file>
-
-<file path=ppt/slides/slide9.xml><?xml version="1.0" encoding="utf-8"?>
-<p:sld xmlns:a="http://schemas.openxmlformats.org/drawingml/2006/main" xmlns:r="http://schemas.openxmlformats.org/officeDocument/2006/relationships" xmlns:p="http://schemas.openxmlformats.org/presentationml/2006/main">
-  <p:cSld>
-    <p:spTree>
-      <p:nvGrpSpPr>
-        <p:cNvPr id="1" name=""/>
-        <p:cNvGrpSpPr/>
-        <p:nvPr/>
-      </p:nvGrpSpPr>
-      <p:grpSpPr>
-        <a:xfrm>
-          <a:off x="0" y="0"/>
-          <a:ext cx="0" cy="0"/>
-          <a:chOff x="0" y="0"/>
-          <a:chExt cx="0" cy="0"/>
-        </a:xfrm>
-      </p:grpSpPr>
-      <p:sp>
-        <p:nvSpPr>
-          <p:cNvPr id="26" name="Title 25"/>
-          <p:cNvSpPr>
-            <a:spLocks noGrp="1"/>
-          </p:cNvSpPr>
-          <p:nvPr>
-            <p:ph type="title"/>
-          </p:nvPr>
-        </p:nvSpPr>
-        <p:spPr/>
-        <p:txBody>
-          <a:bodyPr/>
-          <a:lstStyle/>
-          <a:p>
-            <a:r>
-              <a:rPr lang="en-CA" dirty="0"/>
-              <a:t>Common Processes</a:t>
-            </a:r>
-          </a:p>
-        </p:txBody>
-      </p:sp>
-      <p:sp>
-        <p:nvSpPr>
-          <p:cNvPr id="2" name="Slide Number Placeholder 1"/>
-          <p:cNvSpPr>
-            <a:spLocks noGrp="1"/>
-          </p:cNvSpPr>
-          <p:nvPr>
-            <p:ph type="sldNum" sz="quarter" idx="4294967295"/>
-          </p:nvPr>
-        </p:nvSpPr>
-        <p:spPr>
-          <a:xfrm>
-            <a:off x="8077200" y="6356351"/>
-            <a:ext cx="2133600" cy="365125"/>
-          </a:xfrm>
-          <a:prstGeom prst="rect">
-            <a:avLst/>
-          </a:prstGeom>
-        </p:spPr>
-        <p:txBody>
-          <a:bodyPr/>
-          <a:lstStyle/>
-          <a:p>
-            <a:fld id="{6734F48E-A456-4E2F-B17E-509464F7A050}" type="slidenum">
-              <a:rPr lang="en-CA" smtClean="0"/>
-              <a:pPr/>
-              <a:t>9</a:t>
-            </a:fld>
-            <a:endParaRPr lang="en-CA"/>
-          </a:p>
-        </p:txBody>
-      </p:sp>
-      <p:pic>
-        <p:nvPicPr>
-          <p:cNvPr id="20" name="Picture 5"/>
-          <p:cNvPicPr>
-            <a:picLocks noChangeAspect="1" noChangeArrowheads="1"/>
-          </p:cNvPicPr>
-          <p:nvPr/>
-        </p:nvPicPr>
-        <p:blipFill>
-          <a:blip r:embed="rId2" cstate="print"/>
-          <a:srcRect/>
-          <a:stretch>
-            <a:fillRect/>
-          </a:stretch>
-        </p:blipFill>
-        <p:spPr bwMode="auto">
-          <a:xfrm>
-            <a:off x="4876800" y="1471056"/>
-            <a:ext cx="1034886" cy="853514"/>
-          </a:xfrm>
-          <a:prstGeom prst="rect">
-            <a:avLst/>
-          </a:prstGeom>
-          <a:noFill/>
-          <a:ln w="9525">
-            <a:noFill/>
-            <a:miter lim="800000"/>
-            <a:headEnd/>
-            <a:tailEnd/>
-          </a:ln>
-          <a:effectLst/>
-        </p:spPr>
-      </p:pic>
-      <p:pic>
-        <p:nvPicPr>
-          <p:cNvPr id="21" name="Picture 6"/>
-          <p:cNvPicPr>
-            <a:picLocks noChangeAspect="1" noChangeArrowheads="1"/>
-          </p:cNvPicPr>
-          <p:nvPr/>
-        </p:nvPicPr>
-        <p:blipFill>
-          <a:blip r:embed="rId3" cstate="print"/>
-          <a:srcRect/>
-          <a:stretch>
-            <a:fillRect/>
-          </a:stretch>
-        </p:blipFill>
-        <p:spPr bwMode="auto">
-          <a:xfrm>
-            <a:off x="6477001" y="1758645"/>
-            <a:ext cx="813887" cy="862659"/>
-          </a:xfrm>
-          <a:prstGeom prst="rect">
-            <a:avLst/>
-          </a:prstGeom>
-          <a:noFill/>
-          <a:ln w="9525">
-            <a:noFill/>
-            <a:miter lim="800000"/>
-            <a:headEnd/>
-            <a:tailEnd/>
-          </a:ln>
-          <a:effectLst/>
-        </p:spPr>
-      </p:pic>
-      <p:pic>
-        <p:nvPicPr>
-          <p:cNvPr id="22" name="Picture 26"/>
-          <p:cNvPicPr>
-            <a:picLocks noChangeAspect="1" noChangeArrowheads="1"/>
-          </p:cNvPicPr>
-          <p:nvPr/>
-        </p:nvPicPr>
-        <p:blipFill>
-          <a:blip r:embed="rId4" cstate="print"/>
-          <a:srcRect/>
-          <a:stretch>
-            <a:fillRect/>
-          </a:stretch>
-        </p:blipFill>
-        <p:spPr bwMode="auto">
-          <a:xfrm>
-            <a:off x="2514601" y="2133601"/>
-            <a:ext cx="659949" cy="914479"/>
-          </a:xfrm>
-          <a:prstGeom prst="rect">
-            <a:avLst/>
-          </a:prstGeom>
-          <a:noFill/>
-          <a:ln w="9525">
-            <a:noFill/>
-            <a:miter lim="800000"/>
-            <a:headEnd/>
-            <a:tailEnd/>
-          </a:ln>
-          <a:effectLst/>
-        </p:spPr>
-      </p:pic>
-      <p:pic>
-        <p:nvPicPr>
-          <p:cNvPr id="24" name="Picture 28"/>
-          <p:cNvPicPr>
-            <a:picLocks noChangeAspect="1" noChangeArrowheads="1"/>
-          </p:cNvPicPr>
-          <p:nvPr/>
-        </p:nvPicPr>
-        <p:blipFill>
-          <a:blip r:embed="rId5" cstate="print"/>
-          <a:srcRect/>
-          <a:stretch>
-            <a:fillRect/>
-          </a:stretch>
-        </p:blipFill>
-        <p:spPr bwMode="auto">
-          <a:xfrm>
-            <a:off x="8382001" y="1530045"/>
-            <a:ext cx="934293" cy="768163"/>
-          </a:xfrm>
-          <a:prstGeom prst="rect">
-            <a:avLst/>
-          </a:prstGeom>
-          <a:noFill/>
-          <a:ln w="9525">
-            <a:noFill/>
-            <a:miter lim="800000"/>
-            <a:headEnd/>
-            <a:tailEnd/>
-          </a:ln>
-          <a:effectLst/>
-        </p:spPr>
-      </p:pic>
-      <p:pic>
-        <p:nvPicPr>
-          <p:cNvPr id="25" name="Picture 4"/>
-          <p:cNvPicPr>
-            <a:picLocks noChangeAspect="1" noChangeArrowheads="1"/>
-          </p:cNvPicPr>
-          <p:nvPr/>
-        </p:nvPicPr>
-        <p:blipFill>
-          <a:blip r:embed="rId6" cstate="print"/>
-          <a:srcRect/>
-          <a:stretch>
-            <a:fillRect/>
-          </a:stretch>
-        </p:blipFill>
-        <p:spPr bwMode="auto">
-          <a:xfrm>
-            <a:off x="3733801" y="2767390"/>
-            <a:ext cx="745301" cy="914479"/>
-          </a:xfrm>
-          <a:prstGeom prst="rect">
-            <a:avLst/>
-          </a:prstGeom>
-          <a:noFill/>
-          <a:ln w="9525">
-            <a:noFill/>
-            <a:miter lim="800000"/>
-            <a:headEnd/>
-            <a:tailEnd/>
-          </a:ln>
-          <a:effectLst/>
-        </p:spPr>
-      </p:pic>
-      <p:pic>
-        <p:nvPicPr>
-          <p:cNvPr id="28" name="Picture 5"/>
-          <p:cNvPicPr>
-            <a:picLocks noChangeAspect="1" noChangeArrowheads="1"/>
-          </p:cNvPicPr>
-          <p:nvPr/>
-        </p:nvPicPr>
-        <p:blipFill>
-          <a:blip r:embed="rId7" cstate="print"/>
-          <a:srcRect/>
-          <a:stretch>
-            <a:fillRect/>
-          </a:stretch>
-        </p:blipFill>
-        <p:spPr bwMode="auto">
-          <a:xfrm>
-            <a:off x="9178976" y="2814624"/>
-            <a:ext cx="879424" cy="882473"/>
-          </a:xfrm>
-          <a:prstGeom prst="rect">
-            <a:avLst/>
-          </a:prstGeom>
-          <a:noFill/>
-          <a:ln w="9525">
-            <a:noFill/>
-            <a:miter lim="800000"/>
-            <a:headEnd/>
-            <a:tailEnd/>
-          </a:ln>
-          <a:effectLst/>
-        </p:spPr>
-      </p:pic>
-      <p:pic>
-        <p:nvPicPr>
-          <p:cNvPr id="29" name="Picture 6"/>
-          <p:cNvPicPr>
-            <a:picLocks noChangeAspect="1" noChangeArrowheads="1"/>
-          </p:cNvPicPr>
-          <p:nvPr/>
-        </p:nvPicPr>
-        <p:blipFill>
-          <a:blip r:embed="rId8" cstate="print"/>
-          <a:srcRect/>
-          <a:stretch>
-            <a:fillRect/>
-          </a:stretch>
-        </p:blipFill>
-        <p:spPr bwMode="auto">
-          <a:xfrm>
-            <a:off x="2590800" y="3739844"/>
-            <a:ext cx="626418" cy="900762"/>
-          </a:xfrm>
-          <a:prstGeom prst="rect">
-            <a:avLst/>
-          </a:prstGeom>
-          <a:noFill/>
-          <a:ln w="9525">
-            <a:noFill/>
-            <a:miter lim="800000"/>
-            <a:headEnd/>
-            <a:tailEnd/>
-          </a:ln>
-          <a:effectLst/>
-        </p:spPr>
-      </p:pic>
-      <p:pic>
-        <p:nvPicPr>
-          <p:cNvPr id="30" name="Picture 44"/>
-          <p:cNvPicPr>
-            <a:picLocks noChangeAspect="1" noChangeArrowheads="1"/>
-          </p:cNvPicPr>
-          <p:nvPr/>
-        </p:nvPicPr>
-        <p:blipFill>
-          <a:blip r:embed="rId9" cstate="print"/>
-          <a:srcRect/>
-          <a:stretch>
-            <a:fillRect/>
-          </a:stretch>
-        </p:blipFill>
-        <p:spPr bwMode="auto">
-          <a:xfrm>
-            <a:off x="5486401" y="4495800"/>
-            <a:ext cx="746825" cy="920576"/>
-          </a:xfrm>
-          <a:prstGeom prst="rect">
-            <a:avLst/>
-          </a:prstGeom>
-          <a:noFill/>
-          <a:ln w="9525">
-            <a:noFill/>
-            <a:miter lim="800000"/>
-            <a:headEnd/>
-            <a:tailEnd/>
-          </a:ln>
-          <a:effectLst/>
-        </p:spPr>
-      </p:pic>
-      <p:pic>
-        <p:nvPicPr>
-          <p:cNvPr id="31" name="Picture 7"/>
-          <p:cNvPicPr>
-            <a:picLocks noChangeAspect="1" noChangeArrowheads="1"/>
-          </p:cNvPicPr>
-          <p:nvPr/>
-        </p:nvPicPr>
-        <p:blipFill>
-          <a:blip r:embed="rId10" cstate="print"/>
-          <a:srcRect/>
-          <a:stretch>
-            <a:fillRect/>
-          </a:stretch>
-        </p:blipFill>
-        <p:spPr bwMode="auto">
-          <a:xfrm>
-            <a:off x="3810001" y="4001896"/>
-            <a:ext cx="931245" cy="858086"/>
-          </a:xfrm>
-          <a:prstGeom prst="rect">
-            <a:avLst/>
-          </a:prstGeom>
-          <a:noFill/>
-          <a:ln w="9525">
-            <a:noFill/>
-            <a:miter lim="800000"/>
-            <a:headEnd/>
-            <a:tailEnd/>
-          </a:ln>
-          <a:effectLst/>
-        </p:spPr>
-      </p:pic>
-      <p:pic>
-        <p:nvPicPr>
-          <p:cNvPr id="32" name="Picture 8"/>
-          <p:cNvPicPr>
-            <a:picLocks noChangeAspect="1" noChangeArrowheads="1"/>
-          </p:cNvPicPr>
-          <p:nvPr/>
-        </p:nvPicPr>
-        <p:blipFill>
-          <a:blip r:embed="rId11" cstate="print"/>
-          <a:srcRect/>
-          <a:stretch>
-            <a:fillRect/>
-          </a:stretch>
-        </p:blipFill>
-        <p:spPr bwMode="auto">
-          <a:xfrm>
-            <a:off x="8382001" y="4038601"/>
-            <a:ext cx="955631" cy="842845"/>
-          </a:xfrm>
-          <a:prstGeom prst="rect">
-            <a:avLst/>
-          </a:prstGeom>
-          <a:noFill/>
-          <a:ln w="9525">
-            <a:noFill/>
-            <a:miter lim="800000"/>
-            <a:headEnd/>
-            <a:tailEnd/>
-          </a:ln>
-          <a:effectLst/>
-        </p:spPr>
-      </p:pic>
-      <p:pic>
-        <p:nvPicPr>
-          <p:cNvPr id="33" name="Picture 6"/>
-          <p:cNvPicPr>
-            <a:picLocks noChangeAspect="1" noChangeArrowheads="1"/>
-          </p:cNvPicPr>
-          <p:nvPr/>
-        </p:nvPicPr>
-        <p:blipFill>
-          <a:blip r:embed="rId12" cstate="print"/>
-          <a:srcRect/>
-          <a:stretch>
-            <a:fillRect/>
-          </a:stretch>
-        </p:blipFill>
-        <p:spPr bwMode="auto">
-          <a:xfrm>
-            <a:off x="4267201" y="5410200"/>
-            <a:ext cx="789501" cy="603556"/>
-          </a:xfrm>
-          <a:prstGeom prst="rect">
-            <a:avLst/>
-          </a:prstGeom>
-          <a:noFill/>
-          <a:ln w="9525">
-            <a:noFill/>
-            <a:miter lim="800000"/>
-            <a:headEnd/>
-            <a:tailEnd/>
-          </a:ln>
-          <a:effectLst/>
-        </p:spPr>
-      </p:pic>
-      <p:pic>
-        <p:nvPicPr>
-          <p:cNvPr id="34" name="Picture 8"/>
-          <p:cNvPicPr>
-            <a:picLocks noChangeAspect="1" noChangeArrowheads="1"/>
-          </p:cNvPicPr>
-          <p:nvPr/>
-        </p:nvPicPr>
-        <p:blipFill>
-          <a:blip r:embed="rId13" cstate="print"/>
-          <a:srcRect/>
-          <a:stretch>
-            <a:fillRect/>
-          </a:stretch>
-        </p:blipFill>
-        <p:spPr bwMode="auto">
-          <a:xfrm>
-            <a:off x="6629400" y="3886200"/>
-            <a:ext cx="784928" cy="880948"/>
-          </a:xfrm>
-          <a:prstGeom prst="rect">
-            <a:avLst/>
-          </a:prstGeom>
-          <a:noFill/>
-          <a:ln w="9525">
-            <a:noFill/>
-            <a:miter lim="800000"/>
-            <a:headEnd/>
-            <a:tailEnd/>
-          </a:ln>
-          <a:effectLst/>
-        </p:spPr>
-      </p:pic>
-      <p:pic>
-        <p:nvPicPr>
-          <p:cNvPr id="37" name="Picture 6"/>
-          <p:cNvPicPr>
-            <a:picLocks noChangeAspect="1" noChangeArrowheads="1"/>
-          </p:cNvPicPr>
-          <p:nvPr/>
-        </p:nvPicPr>
-        <p:blipFill>
-          <a:blip r:embed="rId14" cstate="print"/>
-          <a:srcRect/>
-          <a:stretch>
-            <a:fillRect/>
-          </a:stretch>
-        </p:blipFill>
-        <p:spPr bwMode="auto">
-          <a:xfrm>
-            <a:off x="5410201" y="2749245"/>
-            <a:ext cx="678239" cy="862659"/>
-          </a:xfrm>
-          <a:prstGeom prst="rect">
-            <a:avLst/>
-          </a:prstGeom>
-          <a:noFill/>
-          <a:ln w="9525">
-            <a:noFill/>
-            <a:miter lim="800000"/>
-            <a:headEnd/>
-            <a:tailEnd/>
-          </a:ln>
-          <a:effectLst/>
-        </p:spPr>
-      </p:pic>
-      <p:pic>
-        <p:nvPicPr>
-          <p:cNvPr id="38" name="Picture 6"/>
-          <p:cNvPicPr>
-            <a:picLocks noChangeAspect="1" noChangeArrowheads="1"/>
-          </p:cNvPicPr>
-          <p:nvPr/>
-        </p:nvPicPr>
-        <p:blipFill>
-          <a:blip r:embed="rId15" cstate="print"/>
-          <a:srcRect/>
-          <a:stretch>
-            <a:fillRect/>
-          </a:stretch>
-        </p:blipFill>
-        <p:spPr bwMode="auto">
-          <a:xfrm>
-            <a:off x="7467600" y="2706497"/>
-            <a:ext cx="850466" cy="777307"/>
-          </a:xfrm>
-          <a:prstGeom prst="rect">
-            <a:avLst/>
-          </a:prstGeom>
-          <a:noFill/>
-          <a:ln w="9525">
-            <a:noFill/>
-            <a:miter lim="800000"/>
-            <a:headEnd/>
-            <a:tailEnd/>
-          </a:ln>
-          <a:effectLst/>
-        </p:spPr>
-      </p:pic>
-      <p:pic>
-        <p:nvPicPr>
-          <p:cNvPr id="39" name="Picture 31"/>
-          <p:cNvPicPr>
-            <a:picLocks noChangeAspect="1" noChangeArrowheads="1"/>
-          </p:cNvPicPr>
-          <p:nvPr/>
-        </p:nvPicPr>
-        <p:blipFill>
-          <a:blip r:embed="rId16" cstate="print"/>
-          <a:srcRect/>
-          <a:stretch>
-            <a:fillRect/>
-          </a:stretch>
-        </p:blipFill>
-        <p:spPr bwMode="auto">
-          <a:xfrm>
-            <a:off x="7848601" y="5029201"/>
-            <a:ext cx="563929" cy="951059"/>
-          </a:xfrm>
-          <a:prstGeom prst="rect">
-            <a:avLst/>
-          </a:prstGeom>
-          <a:noFill/>
-          <a:ln w="9525">
-            <a:noFill/>
-            <a:miter lim="800000"/>
-            <a:headEnd/>
-            <a:tailEnd/>
-          </a:ln>
-          <a:effectLst/>
-        </p:spPr>
-      </p:pic>
-    </p:spTree>
   </p:cSld>
   <p:clrMapOvr>
     <a:masterClrMapping/>

--- a/docs/common-diagrams.pptx
+++ b/docs/common-diagrams.pptx
@@ -5,7 +5,7 @@
     <p:sldMasterId id="2147483648" r:id="rId1"/>
   </p:sldMasterIdLst>
   <p:notesMasterIdLst>
-    <p:notesMasterId r:id="rId15"/>
+    <p:notesMasterId r:id="rId17"/>
   </p:notesMasterIdLst>
   <p:sldIdLst>
     <p:sldId id="256" r:id="rId2"/>
@@ -21,6 +21,8 @@
     <p:sldId id="260" r:id="rId12"/>
     <p:sldId id="290" r:id="rId13"/>
     <p:sldId id="257" r:id="rId14"/>
+    <p:sldId id="983" r:id="rId15"/>
+    <p:sldId id="984" r:id="rId16"/>
   </p:sldIdLst>
   <p:sldSz cx="12192000" cy="6858000"/>
   <p:notesSz cx="6858000" cy="9144000"/>
@@ -10880,6 +10882,2167 @@
     <p:extLst>
       <p:ext uri="{BB962C8B-B14F-4D97-AF65-F5344CB8AC3E}">
         <p14:creationId xmlns:p14="http://schemas.microsoft.com/office/powerpoint/2010/main" val="2445286905"/>
+      </p:ext>
+    </p:extLst>
+  </p:cSld>
+  <p:clrMapOvr>
+    <a:masterClrMapping/>
+  </p:clrMapOvr>
+</p:sld>
+</file>
+
+<file path=ppt/slides/slide14.xml><?xml version="1.0" encoding="utf-8"?>
+<p:sld xmlns:a="http://schemas.openxmlformats.org/drawingml/2006/main" xmlns:r="http://schemas.openxmlformats.org/officeDocument/2006/relationships" xmlns:p="http://schemas.openxmlformats.org/presentationml/2006/main">
+  <p:cSld>
+    <p:spTree>
+      <p:nvGrpSpPr>
+        <p:cNvPr id="1" name=""/>
+        <p:cNvGrpSpPr/>
+        <p:nvPr/>
+      </p:nvGrpSpPr>
+      <p:grpSpPr>
+        <a:xfrm>
+          <a:off x="0" y="0"/>
+          <a:ext cx="0" cy="0"/>
+          <a:chOff x="0" y="0"/>
+          <a:chExt cx="0" cy="0"/>
+        </a:xfrm>
+      </p:grpSpPr>
+      <p:sp>
+        <p:nvSpPr>
+          <p:cNvPr id="2" name="Title 1">
+            <a:extLst>
+              <a:ext uri="{FF2B5EF4-FFF2-40B4-BE49-F238E27FC236}">
+                <a16:creationId xmlns:a16="http://schemas.microsoft.com/office/drawing/2014/main" id="{295DA97A-2CE9-467C-A8FC-84004D3E557D}"/>
+              </a:ext>
+            </a:extLst>
+          </p:cNvPr>
+          <p:cNvSpPr>
+            <a:spLocks noGrp="1"/>
+          </p:cNvSpPr>
+          <p:nvPr>
+            <p:ph type="title"/>
+          </p:nvPr>
+        </p:nvSpPr>
+        <p:spPr/>
+        <p:txBody>
+          <a:bodyPr/>
+          <a:lstStyle/>
+          <a:p>
+            <a:r>
+              <a:rPr lang="en-US" dirty="0"/>
+              <a:t>Service Integration</a:t>
+            </a:r>
+          </a:p>
+        </p:txBody>
+      </p:sp>
+      <p:sp>
+        <p:nvSpPr>
+          <p:cNvPr id="4" name="Rectangle: Rounded Corners 3">
+            <a:extLst>
+              <a:ext uri="{FF2B5EF4-FFF2-40B4-BE49-F238E27FC236}">
+                <a16:creationId xmlns:a16="http://schemas.microsoft.com/office/drawing/2014/main" id="{780D6ABF-953A-42F3-BC5B-0C003EBABAB0}"/>
+              </a:ext>
+            </a:extLst>
+          </p:cNvPr>
+          <p:cNvSpPr/>
+          <p:nvPr/>
+        </p:nvSpPr>
+        <p:spPr>
+          <a:xfrm>
+            <a:off x="1156687" y="3477654"/>
+            <a:ext cx="1828801" cy="1184607"/>
+          </a:xfrm>
+          <a:prstGeom prst="roundRect">
+            <a:avLst/>
+          </a:prstGeom>
+          <a:noFill/>
+        </p:spPr>
+        <p:style>
+          <a:lnRef idx="2">
+            <a:schemeClr val="accent1">
+              <a:shade val="50000"/>
+            </a:schemeClr>
+          </a:lnRef>
+          <a:fillRef idx="1">
+            <a:schemeClr val="accent1"/>
+          </a:fillRef>
+          <a:effectRef idx="0">
+            <a:schemeClr val="accent1"/>
+          </a:effectRef>
+          <a:fontRef idx="minor">
+            <a:schemeClr val="lt1"/>
+          </a:fontRef>
+        </p:style>
+        <p:txBody>
+          <a:bodyPr rtlCol="0" anchor="ctr"/>
+          <a:lstStyle/>
+          <a:p>
+            <a:pPr algn="ctr"/>
+            <a:r>
+              <a:rPr lang="en-US" b="1" dirty="0">
+                <a:solidFill>
+                  <a:schemeClr val="tx1"/>
+                </a:solidFill>
+              </a:rPr>
+              <a:t>EHR</a:t>
+            </a:r>
+          </a:p>
+          <a:p>
+            <a:pPr algn="ctr"/>
+            <a:r>
+              <a:rPr lang="en-US" b="1" dirty="0">
+                <a:solidFill>
+                  <a:schemeClr val="tx1"/>
+                </a:solidFill>
+              </a:rPr>
+              <a:t>order-select</a:t>
+            </a:r>
+          </a:p>
+        </p:txBody>
+      </p:sp>
+      <p:sp>
+        <p:nvSpPr>
+          <p:cNvPr id="8" name="Flowchart: Multidocument 7">
+            <a:extLst>
+              <a:ext uri="{FF2B5EF4-FFF2-40B4-BE49-F238E27FC236}">
+                <a16:creationId xmlns:a16="http://schemas.microsoft.com/office/drawing/2014/main" id="{EEE428C6-DB47-4CA9-A801-8C595DE9B07D}"/>
+              </a:ext>
+            </a:extLst>
+          </p:cNvPr>
+          <p:cNvSpPr/>
+          <p:nvPr/>
+        </p:nvSpPr>
+        <p:spPr>
+          <a:xfrm>
+            <a:off x="3471864" y="2704545"/>
+            <a:ext cx="585787" cy="657225"/>
+          </a:xfrm>
+          <a:prstGeom prst="flowChartMultidocument">
+            <a:avLst/>
+          </a:prstGeom>
+          <a:noFill/>
+        </p:spPr>
+        <p:style>
+          <a:lnRef idx="2">
+            <a:schemeClr val="accent1">
+              <a:shade val="50000"/>
+            </a:schemeClr>
+          </a:lnRef>
+          <a:fillRef idx="1">
+            <a:schemeClr val="accent1"/>
+          </a:fillRef>
+          <a:effectRef idx="0">
+            <a:schemeClr val="accent1"/>
+          </a:effectRef>
+          <a:fontRef idx="minor">
+            <a:schemeClr val="lt1"/>
+          </a:fontRef>
+        </p:style>
+        <p:txBody>
+          <a:bodyPr rtlCol="0" anchor="ctr"/>
+          <a:lstStyle/>
+          <a:p>
+            <a:pPr algn="ctr"/>
+            <a:endParaRPr lang="en-US" b="1"/>
+          </a:p>
+        </p:txBody>
+      </p:sp>
+      <p:sp>
+        <p:nvSpPr>
+          <p:cNvPr id="9" name="Arrow: Right 8">
+            <a:extLst>
+              <a:ext uri="{FF2B5EF4-FFF2-40B4-BE49-F238E27FC236}">
+                <a16:creationId xmlns:a16="http://schemas.microsoft.com/office/drawing/2014/main" id="{55D37141-C1B0-4F4A-9399-789CE5B21E57}"/>
+              </a:ext>
+            </a:extLst>
+          </p:cNvPr>
+          <p:cNvSpPr/>
+          <p:nvPr/>
+        </p:nvSpPr>
+        <p:spPr>
+          <a:xfrm>
+            <a:off x="3278981" y="3494894"/>
+            <a:ext cx="1107282" cy="277812"/>
+          </a:xfrm>
+          <a:prstGeom prst="rightArrow">
+            <a:avLst/>
+          </a:prstGeom>
+          <a:noFill/>
+        </p:spPr>
+        <p:style>
+          <a:lnRef idx="2">
+            <a:schemeClr val="accent1">
+              <a:shade val="50000"/>
+            </a:schemeClr>
+          </a:lnRef>
+          <a:fillRef idx="1">
+            <a:schemeClr val="accent1"/>
+          </a:fillRef>
+          <a:effectRef idx="0">
+            <a:schemeClr val="accent1"/>
+          </a:effectRef>
+          <a:fontRef idx="minor">
+            <a:schemeClr val="lt1"/>
+          </a:fontRef>
+        </p:style>
+        <p:txBody>
+          <a:bodyPr rtlCol="0" anchor="ctr"/>
+          <a:lstStyle/>
+          <a:p>
+            <a:pPr algn="ctr"/>
+            <a:endParaRPr lang="en-US" b="1"/>
+          </a:p>
+        </p:txBody>
+      </p:sp>
+      <p:sp>
+        <p:nvSpPr>
+          <p:cNvPr id="10" name="Rectangle: Rounded Corners 9">
+            <a:extLst>
+              <a:ext uri="{FF2B5EF4-FFF2-40B4-BE49-F238E27FC236}">
+                <a16:creationId xmlns:a16="http://schemas.microsoft.com/office/drawing/2014/main" id="{BFFBAE0A-ABE2-4996-8B6D-4E412A1004C7}"/>
+              </a:ext>
+            </a:extLst>
+          </p:cNvPr>
+          <p:cNvSpPr/>
+          <p:nvPr/>
+        </p:nvSpPr>
+        <p:spPr>
+          <a:xfrm>
+            <a:off x="5286376" y="1919288"/>
+            <a:ext cx="5710237" cy="4281487"/>
+          </a:xfrm>
+          <a:prstGeom prst="roundRect">
+            <a:avLst>
+              <a:gd name="adj" fmla="val 7657"/>
+            </a:avLst>
+          </a:prstGeom>
+          <a:noFill/>
+        </p:spPr>
+        <p:style>
+          <a:lnRef idx="2">
+            <a:schemeClr val="accent1">
+              <a:shade val="50000"/>
+            </a:schemeClr>
+          </a:lnRef>
+          <a:fillRef idx="1">
+            <a:schemeClr val="accent1"/>
+          </a:fillRef>
+          <a:effectRef idx="0">
+            <a:schemeClr val="accent1"/>
+          </a:effectRef>
+          <a:fontRef idx="minor">
+            <a:schemeClr val="lt1"/>
+          </a:fontRef>
+        </p:style>
+        <p:txBody>
+          <a:bodyPr rtlCol="0" anchor="ctr"/>
+          <a:lstStyle/>
+          <a:p>
+            <a:pPr algn="ctr"/>
+            <a:endParaRPr lang="en-US" b="1"/>
+          </a:p>
+        </p:txBody>
+      </p:sp>
+      <p:sp>
+        <p:nvSpPr>
+          <p:cNvPr id="11" name="TextBox 10">
+            <a:extLst>
+              <a:ext uri="{FF2B5EF4-FFF2-40B4-BE49-F238E27FC236}">
+                <a16:creationId xmlns:a16="http://schemas.microsoft.com/office/drawing/2014/main" id="{0AEB6207-95EA-4D8D-A9AD-B96F228EE367}"/>
+              </a:ext>
+            </a:extLst>
+          </p:cNvPr>
+          <p:cNvSpPr txBox="1"/>
+          <p:nvPr/>
+        </p:nvSpPr>
+        <p:spPr>
+          <a:xfrm>
+            <a:off x="6429376" y="1471613"/>
+            <a:ext cx="3491661" cy="369332"/>
+          </a:xfrm>
+          <a:prstGeom prst="rect">
+            <a:avLst/>
+          </a:prstGeom>
+          <a:noFill/>
+        </p:spPr>
+        <p:txBody>
+          <a:bodyPr wrap="none" rtlCol="0">
+            <a:spAutoFit/>
+          </a:bodyPr>
+          <a:lstStyle/>
+          <a:p>
+            <a:r>
+              <a:rPr lang="en-US" b="1" dirty="0"/>
+              <a:t>Clinical Reasoning Implementation</a:t>
+            </a:r>
+          </a:p>
+        </p:txBody>
+      </p:sp>
+      <p:sp>
+        <p:nvSpPr>
+          <p:cNvPr id="13" name="Flowchart: Document 12">
+            <a:extLst>
+              <a:ext uri="{FF2B5EF4-FFF2-40B4-BE49-F238E27FC236}">
+                <a16:creationId xmlns:a16="http://schemas.microsoft.com/office/drawing/2014/main" id="{81B0C00D-E673-4FA1-ABBD-CF882E7D0D7E}"/>
+              </a:ext>
+            </a:extLst>
+          </p:cNvPr>
+          <p:cNvSpPr/>
+          <p:nvPr/>
+        </p:nvSpPr>
+        <p:spPr>
+          <a:xfrm>
+            <a:off x="6697872" y="2791783"/>
+            <a:ext cx="528638" cy="628650"/>
+          </a:xfrm>
+          <a:prstGeom prst="flowChartDocument">
+            <a:avLst/>
+          </a:prstGeom>
+          <a:noFill/>
+        </p:spPr>
+        <p:style>
+          <a:lnRef idx="2">
+            <a:schemeClr val="accent1">
+              <a:shade val="50000"/>
+            </a:schemeClr>
+          </a:lnRef>
+          <a:fillRef idx="1">
+            <a:schemeClr val="accent1"/>
+          </a:fillRef>
+          <a:effectRef idx="0">
+            <a:schemeClr val="accent1"/>
+          </a:effectRef>
+          <a:fontRef idx="minor">
+            <a:schemeClr val="lt1"/>
+          </a:fontRef>
+        </p:style>
+        <p:txBody>
+          <a:bodyPr rtlCol="0" anchor="ctr"/>
+          <a:lstStyle/>
+          <a:p>
+            <a:pPr algn="ctr"/>
+            <a:endParaRPr lang="en-US" b="1"/>
+          </a:p>
+        </p:txBody>
+      </p:sp>
+      <p:sp>
+        <p:nvSpPr>
+          <p:cNvPr id="14" name="TextBox 13">
+            <a:extLst>
+              <a:ext uri="{FF2B5EF4-FFF2-40B4-BE49-F238E27FC236}">
+                <a16:creationId xmlns:a16="http://schemas.microsoft.com/office/drawing/2014/main" id="{C3427117-F85D-401A-81AF-2339E6B5C595}"/>
+              </a:ext>
+            </a:extLst>
+          </p:cNvPr>
+          <p:cNvSpPr txBox="1"/>
+          <p:nvPr/>
+        </p:nvSpPr>
+        <p:spPr>
+          <a:xfrm>
+            <a:off x="6271628" y="2422451"/>
+            <a:ext cx="1553567" cy="369332"/>
+          </a:xfrm>
+          <a:prstGeom prst="rect">
+            <a:avLst/>
+          </a:prstGeom>
+          <a:noFill/>
+        </p:spPr>
+        <p:txBody>
+          <a:bodyPr wrap="none" rtlCol="0">
+            <a:spAutoFit/>
+          </a:bodyPr>
+          <a:lstStyle/>
+          <a:p>
+            <a:r>
+              <a:rPr lang="en-US" b="1" dirty="0" err="1"/>
+              <a:t>PlanDefinition</a:t>
+            </a:r>
+            <a:endParaRPr lang="en-US" b="1" dirty="0"/>
+          </a:p>
+        </p:txBody>
+      </p:sp>
+      <p:sp>
+        <p:nvSpPr>
+          <p:cNvPr id="15" name="Flowchart: Document 14">
+            <a:extLst>
+              <a:ext uri="{FF2B5EF4-FFF2-40B4-BE49-F238E27FC236}">
+                <a16:creationId xmlns:a16="http://schemas.microsoft.com/office/drawing/2014/main" id="{3EE19766-AA0B-4EA6-A031-4A62671F2502}"/>
+              </a:ext>
+            </a:extLst>
+          </p:cNvPr>
+          <p:cNvSpPr/>
+          <p:nvPr/>
+        </p:nvSpPr>
+        <p:spPr>
+          <a:xfrm>
+            <a:off x="8648178" y="2602132"/>
+            <a:ext cx="528638" cy="628650"/>
+          </a:xfrm>
+          <a:prstGeom prst="flowChartDocument">
+            <a:avLst/>
+          </a:prstGeom>
+          <a:noFill/>
+        </p:spPr>
+        <p:style>
+          <a:lnRef idx="2">
+            <a:schemeClr val="accent1">
+              <a:shade val="50000"/>
+            </a:schemeClr>
+          </a:lnRef>
+          <a:fillRef idx="1">
+            <a:schemeClr val="accent1"/>
+          </a:fillRef>
+          <a:effectRef idx="0">
+            <a:schemeClr val="accent1"/>
+          </a:effectRef>
+          <a:fontRef idx="minor">
+            <a:schemeClr val="lt1"/>
+          </a:fontRef>
+        </p:style>
+        <p:txBody>
+          <a:bodyPr rtlCol="0" anchor="ctr"/>
+          <a:lstStyle/>
+          <a:p>
+            <a:pPr algn="ctr"/>
+            <a:endParaRPr lang="en-US" b="1"/>
+          </a:p>
+        </p:txBody>
+      </p:sp>
+      <p:sp>
+        <p:nvSpPr>
+          <p:cNvPr id="16" name="Flowchart: Document 15">
+            <a:extLst>
+              <a:ext uri="{FF2B5EF4-FFF2-40B4-BE49-F238E27FC236}">
+                <a16:creationId xmlns:a16="http://schemas.microsoft.com/office/drawing/2014/main" id="{398B25E8-8B24-4BCA-B0D9-CDBC5BB739C6}"/>
+              </a:ext>
+            </a:extLst>
+          </p:cNvPr>
+          <p:cNvSpPr/>
+          <p:nvPr/>
+        </p:nvSpPr>
+        <p:spPr>
+          <a:xfrm>
+            <a:off x="8730331" y="2679402"/>
+            <a:ext cx="528638" cy="628650"/>
+          </a:xfrm>
+          <a:prstGeom prst="flowChartDocument">
+            <a:avLst/>
+          </a:prstGeom>
+          <a:solidFill>
+            <a:schemeClr val="bg1"/>
+          </a:solidFill>
+        </p:spPr>
+        <p:style>
+          <a:lnRef idx="2">
+            <a:schemeClr val="accent1">
+              <a:shade val="50000"/>
+            </a:schemeClr>
+          </a:lnRef>
+          <a:fillRef idx="1">
+            <a:schemeClr val="accent1"/>
+          </a:fillRef>
+          <a:effectRef idx="0">
+            <a:schemeClr val="accent1"/>
+          </a:effectRef>
+          <a:fontRef idx="minor">
+            <a:schemeClr val="lt1"/>
+          </a:fontRef>
+        </p:style>
+        <p:txBody>
+          <a:bodyPr rtlCol="0" anchor="ctr"/>
+          <a:lstStyle/>
+          <a:p>
+            <a:pPr algn="ctr"/>
+            <a:endParaRPr lang="en-US" b="1"/>
+          </a:p>
+        </p:txBody>
+      </p:sp>
+      <p:sp>
+        <p:nvSpPr>
+          <p:cNvPr id="17" name="TextBox 16">
+            <a:extLst>
+              <a:ext uri="{FF2B5EF4-FFF2-40B4-BE49-F238E27FC236}">
+                <a16:creationId xmlns:a16="http://schemas.microsoft.com/office/drawing/2014/main" id="{354897F0-87A3-4F7D-8B78-DC6FE14435D4}"/>
+              </a:ext>
+            </a:extLst>
+          </p:cNvPr>
+          <p:cNvSpPr txBox="1"/>
+          <p:nvPr/>
+        </p:nvSpPr>
+        <p:spPr>
+          <a:xfrm>
+            <a:off x="8290162" y="2238137"/>
+            <a:ext cx="1426673" cy="369332"/>
+          </a:xfrm>
+          <a:prstGeom prst="rect">
+            <a:avLst/>
+          </a:prstGeom>
+          <a:noFill/>
+        </p:spPr>
+        <p:txBody>
+          <a:bodyPr wrap="none" rtlCol="0">
+            <a:spAutoFit/>
+          </a:bodyPr>
+          <a:lstStyle/>
+          <a:p>
+            <a:r>
+              <a:rPr lang="en-US" b="1" dirty="0"/>
+              <a:t>CQL Libraries</a:t>
+            </a:r>
+          </a:p>
+        </p:txBody>
+      </p:sp>
+      <p:sp>
+        <p:nvSpPr>
+          <p:cNvPr id="18" name="Rectangle: Rounded Corners 17">
+            <a:extLst>
+              <a:ext uri="{FF2B5EF4-FFF2-40B4-BE49-F238E27FC236}">
+                <a16:creationId xmlns:a16="http://schemas.microsoft.com/office/drawing/2014/main" id="{01F847C9-777F-4540-B9BA-65DD98353492}"/>
+              </a:ext>
+            </a:extLst>
+          </p:cNvPr>
+          <p:cNvSpPr/>
+          <p:nvPr/>
+        </p:nvSpPr>
+        <p:spPr>
+          <a:xfrm>
+            <a:off x="8226279" y="3622135"/>
+            <a:ext cx="1274287" cy="895643"/>
+          </a:xfrm>
+          <a:prstGeom prst="roundRect">
+            <a:avLst/>
+          </a:prstGeom>
+          <a:solidFill>
+            <a:schemeClr val="bg1"/>
+          </a:solidFill>
+        </p:spPr>
+        <p:style>
+          <a:lnRef idx="2">
+            <a:schemeClr val="accent1">
+              <a:shade val="50000"/>
+            </a:schemeClr>
+          </a:lnRef>
+          <a:fillRef idx="1">
+            <a:schemeClr val="accent1"/>
+          </a:fillRef>
+          <a:effectRef idx="0">
+            <a:schemeClr val="accent1"/>
+          </a:effectRef>
+          <a:fontRef idx="minor">
+            <a:schemeClr val="lt1"/>
+          </a:fontRef>
+        </p:style>
+        <p:txBody>
+          <a:bodyPr rtlCol="0" anchor="ctr"/>
+          <a:lstStyle/>
+          <a:p>
+            <a:pPr algn="ctr"/>
+            <a:r>
+              <a:rPr lang="en-US" b="1" dirty="0">
+                <a:solidFill>
+                  <a:schemeClr val="tx1"/>
+                </a:solidFill>
+              </a:rPr>
+              <a:t>$apply operation</a:t>
+            </a:r>
+          </a:p>
+        </p:txBody>
+      </p:sp>
+      <p:sp>
+        <p:nvSpPr>
+          <p:cNvPr id="20" name="Rectangle: Rounded Corners 19">
+            <a:extLst>
+              <a:ext uri="{FF2B5EF4-FFF2-40B4-BE49-F238E27FC236}">
+                <a16:creationId xmlns:a16="http://schemas.microsoft.com/office/drawing/2014/main" id="{AD6895A4-6465-4DD2-9599-5F7FFF6F1B0E}"/>
+              </a:ext>
+            </a:extLst>
+          </p:cNvPr>
+          <p:cNvSpPr/>
+          <p:nvPr/>
+        </p:nvSpPr>
+        <p:spPr>
+          <a:xfrm>
+            <a:off x="4479132" y="3871432"/>
+            <a:ext cx="1614488" cy="369332"/>
+          </a:xfrm>
+          <a:prstGeom prst="roundRect">
+            <a:avLst/>
+          </a:prstGeom>
+          <a:solidFill>
+            <a:schemeClr val="bg1"/>
+          </a:solidFill>
+        </p:spPr>
+        <p:style>
+          <a:lnRef idx="2">
+            <a:schemeClr val="accent1">
+              <a:shade val="50000"/>
+            </a:schemeClr>
+          </a:lnRef>
+          <a:fillRef idx="1">
+            <a:schemeClr val="accent1"/>
+          </a:fillRef>
+          <a:effectRef idx="0">
+            <a:schemeClr val="accent1"/>
+          </a:effectRef>
+          <a:fontRef idx="minor">
+            <a:schemeClr val="lt1"/>
+          </a:fontRef>
+        </p:style>
+        <p:txBody>
+          <a:bodyPr rtlCol="0" anchor="ctr"/>
+          <a:lstStyle/>
+          <a:p>
+            <a:pPr algn="ctr"/>
+            <a:r>
+              <a:rPr lang="en-US" b="1" dirty="0">
+                <a:solidFill>
+                  <a:schemeClr val="tx1"/>
+                </a:solidFill>
+              </a:rPr>
+              <a:t>CDS Hooks API</a:t>
+            </a:r>
+          </a:p>
+        </p:txBody>
+      </p:sp>
+      <p:sp>
+        <p:nvSpPr>
+          <p:cNvPr id="21" name="Arrow: Right 20">
+            <a:extLst>
+              <a:ext uri="{FF2B5EF4-FFF2-40B4-BE49-F238E27FC236}">
+                <a16:creationId xmlns:a16="http://schemas.microsoft.com/office/drawing/2014/main" id="{52AA8393-0F48-4EA0-90A4-645755181D52}"/>
+              </a:ext>
+            </a:extLst>
+          </p:cNvPr>
+          <p:cNvSpPr/>
+          <p:nvPr/>
+        </p:nvSpPr>
+        <p:spPr>
+          <a:xfrm rot="10800000">
+            <a:off x="3278981" y="4341896"/>
+            <a:ext cx="1107282" cy="277812"/>
+          </a:xfrm>
+          <a:prstGeom prst="rightArrow">
+            <a:avLst/>
+          </a:prstGeom>
+          <a:noFill/>
+        </p:spPr>
+        <p:style>
+          <a:lnRef idx="2">
+            <a:schemeClr val="accent1">
+              <a:shade val="50000"/>
+            </a:schemeClr>
+          </a:lnRef>
+          <a:fillRef idx="1">
+            <a:schemeClr val="accent1"/>
+          </a:fillRef>
+          <a:effectRef idx="0">
+            <a:schemeClr val="accent1"/>
+          </a:effectRef>
+          <a:fontRef idx="minor">
+            <a:schemeClr val="lt1"/>
+          </a:fontRef>
+        </p:style>
+        <p:txBody>
+          <a:bodyPr rtlCol="0" anchor="ctr"/>
+          <a:lstStyle/>
+          <a:p>
+            <a:pPr algn="ctr"/>
+            <a:endParaRPr lang="en-US" b="1"/>
+          </a:p>
+        </p:txBody>
+      </p:sp>
+      <p:sp>
+        <p:nvSpPr>
+          <p:cNvPr id="22" name="Flowchart: Document 21">
+            <a:extLst>
+              <a:ext uri="{FF2B5EF4-FFF2-40B4-BE49-F238E27FC236}">
+                <a16:creationId xmlns:a16="http://schemas.microsoft.com/office/drawing/2014/main" id="{DEFC4F3D-1A57-4CA3-AA34-4BECDEC7137E}"/>
+              </a:ext>
+            </a:extLst>
+          </p:cNvPr>
+          <p:cNvSpPr/>
+          <p:nvPr/>
+        </p:nvSpPr>
+        <p:spPr>
+          <a:xfrm>
+            <a:off x="3500438" y="4874573"/>
+            <a:ext cx="528638" cy="628650"/>
+          </a:xfrm>
+          <a:prstGeom prst="flowChartDocument">
+            <a:avLst/>
+          </a:prstGeom>
+          <a:noFill/>
+        </p:spPr>
+        <p:style>
+          <a:lnRef idx="2">
+            <a:schemeClr val="accent1">
+              <a:shade val="50000"/>
+            </a:schemeClr>
+          </a:lnRef>
+          <a:fillRef idx="1">
+            <a:schemeClr val="accent1"/>
+          </a:fillRef>
+          <a:effectRef idx="0">
+            <a:schemeClr val="accent1"/>
+          </a:effectRef>
+          <a:fontRef idx="minor">
+            <a:schemeClr val="lt1"/>
+          </a:fontRef>
+        </p:style>
+        <p:txBody>
+          <a:bodyPr rtlCol="0" anchor="ctr"/>
+          <a:lstStyle/>
+          <a:p>
+            <a:pPr algn="ctr"/>
+            <a:endParaRPr lang="en-US" b="1"/>
+          </a:p>
+        </p:txBody>
+      </p:sp>
+      <p:sp>
+        <p:nvSpPr>
+          <p:cNvPr id="23" name="TextBox 22">
+            <a:extLst>
+              <a:ext uri="{FF2B5EF4-FFF2-40B4-BE49-F238E27FC236}">
+                <a16:creationId xmlns:a16="http://schemas.microsoft.com/office/drawing/2014/main" id="{A03D4B95-7290-476F-8895-967741A93490}"/>
+              </a:ext>
+            </a:extLst>
+          </p:cNvPr>
+          <p:cNvSpPr txBox="1"/>
+          <p:nvPr/>
+        </p:nvSpPr>
+        <p:spPr>
+          <a:xfrm>
+            <a:off x="2992465" y="2063897"/>
+            <a:ext cx="1757530" cy="523220"/>
+          </a:xfrm>
+          <a:prstGeom prst="rect">
+            <a:avLst/>
+          </a:prstGeom>
+          <a:noFill/>
+        </p:spPr>
+        <p:txBody>
+          <a:bodyPr wrap="square" rtlCol="0">
+            <a:spAutoFit/>
+          </a:bodyPr>
+          <a:lstStyle/>
+          <a:p>
+            <a:r>
+              <a:rPr lang="en-US" sz="1400" b="1" dirty="0"/>
+              <a:t>CDS Hooks Request with Patient Data</a:t>
+            </a:r>
+          </a:p>
+        </p:txBody>
+      </p:sp>
+      <p:sp>
+        <p:nvSpPr>
+          <p:cNvPr id="24" name="TextBox 23">
+            <a:extLst>
+              <a:ext uri="{FF2B5EF4-FFF2-40B4-BE49-F238E27FC236}">
+                <a16:creationId xmlns:a16="http://schemas.microsoft.com/office/drawing/2014/main" id="{3F0100BD-640C-4B7A-BC17-0036100050CF}"/>
+              </a:ext>
+            </a:extLst>
+          </p:cNvPr>
+          <p:cNvSpPr txBox="1"/>
+          <p:nvPr/>
+        </p:nvSpPr>
+        <p:spPr>
+          <a:xfrm>
+            <a:off x="2885992" y="5649960"/>
+            <a:ext cx="1757530" cy="307777"/>
+          </a:xfrm>
+          <a:prstGeom prst="rect">
+            <a:avLst/>
+          </a:prstGeom>
+          <a:noFill/>
+        </p:spPr>
+        <p:txBody>
+          <a:bodyPr wrap="square" rtlCol="0">
+            <a:spAutoFit/>
+          </a:bodyPr>
+          <a:lstStyle/>
+          <a:p>
+            <a:r>
+              <a:rPr lang="en-US" sz="1400" b="1" dirty="0"/>
+              <a:t>CDS Hooks Response</a:t>
+            </a:r>
+          </a:p>
+        </p:txBody>
+      </p:sp>
+      <p:sp>
+        <p:nvSpPr>
+          <p:cNvPr id="25" name="Flowchart: Document 24">
+            <a:extLst>
+              <a:ext uri="{FF2B5EF4-FFF2-40B4-BE49-F238E27FC236}">
+                <a16:creationId xmlns:a16="http://schemas.microsoft.com/office/drawing/2014/main" id="{874EAF7C-C08A-4044-9888-FA4E514638E5}"/>
+              </a:ext>
+            </a:extLst>
+          </p:cNvPr>
+          <p:cNvSpPr/>
+          <p:nvPr/>
+        </p:nvSpPr>
+        <p:spPr>
+          <a:xfrm>
+            <a:off x="6697872" y="4725382"/>
+            <a:ext cx="528638" cy="628650"/>
+          </a:xfrm>
+          <a:prstGeom prst="flowChartDocument">
+            <a:avLst/>
+          </a:prstGeom>
+          <a:noFill/>
+        </p:spPr>
+        <p:style>
+          <a:lnRef idx="2">
+            <a:schemeClr val="accent1">
+              <a:shade val="50000"/>
+            </a:schemeClr>
+          </a:lnRef>
+          <a:fillRef idx="1">
+            <a:schemeClr val="accent1"/>
+          </a:fillRef>
+          <a:effectRef idx="0">
+            <a:schemeClr val="accent1"/>
+          </a:effectRef>
+          <a:fontRef idx="minor">
+            <a:schemeClr val="lt1"/>
+          </a:fontRef>
+        </p:style>
+        <p:txBody>
+          <a:bodyPr rtlCol="0" anchor="ctr"/>
+          <a:lstStyle/>
+          <a:p>
+            <a:pPr algn="ctr"/>
+            <a:endParaRPr lang="en-US" b="1"/>
+          </a:p>
+        </p:txBody>
+      </p:sp>
+      <p:sp>
+        <p:nvSpPr>
+          <p:cNvPr id="26" name="TextBox 25">
+            <a:extLst>
+              <a:ext uri="{FF2B5EF4-FFF2-40B4-BE49-F238E27FC236}">
+                <a16:creationId xmlns:a16="http://schemas.microsoft.com/office/drawing/2014/main" id="{965CE2A9-8456-4D13-95AF-FE8513A67127}"/>
+              </a:ext>
+            </a:extLst>
+          </p:cNvPr>
+          <p:cNvSpPr txBox="1"/>
+          <p:nvPr/>
+        </p:nvSpPr>
+        <p:spPr>
+          <a:xfrm>
+            <a:off x="6366681" y="5392131"/>
+            <a:ext cx="1326206" cy="523220"/>
+          </a:xfrm>
+          <a:prstGeom prst="rect">
+            <a:avLst/>
+          </a:prstGeom>
+          <a:noFill/>
+        </p:spPr>
+        <p:txBody>
+          <a:bodyPr wrap="square" rtlCol="0">
+            <a:spAutoFit/>
+          </a:bodyPr>
+          <a:lstStyle/>
+          <a:p>
+            <a:r>
+              <a:rPr lang="en-US" sz="1400" b="1" dirty="0" err="1"/>
+              <a:t>CarePlan</a:t>
+            </a:r>
+            <a:r>
+              <a:rPr lang="en-US" sz="1400" b="1" dirty="0"/>
+              <a:t> with </a:t>
+            </a:r>
+            <a:r>
+              <a:rPr lang="en-US" sz="1400" b="1" dirty="0" err="1"/>
+              <a:t>RequestGroup</a:t>
+            </a:r>
+            <a:endParaRPr lang="en-US" sz="1400" b="1" dirty="0"/>
+          </a:p>
+        </p:txBody>
+      </p:sp>
+      <p:sp>
+        <p:nvSpPr>
+          <p:cNvPr id="27" name="Arrow: Right 26">
+            <a:extLst>
+              <a:ext uri="{FF2B5EF4-FFF2-40B4-BE49-F238E27FC236}">
+                <a16:creationId xmlns:a16="http://schemas.microsoft.com/office/drawing/2014/main" id="{C8348890-E946-4090-8E26-89C2863C5066}"/>
+              </a:ext>
+            </a:extLst>
+          </p:cNvPr>
+          <p:cNvSpPr/>
+          <p:nvPr/>
+        </p:nvSpPr>
+        <p:spPr>
+          <a:xfrm>
+            <a:off x="6476143" y="3657600"/>
+            <a:ext cx="1107282" cy="277812"/>
+          </a:xfrm>
+          <a:prstGeom prst="rightArrow">
+            <a:avLst/>
+          </a:prstGeom>
+          <a:noFill/>
+        </p:spPr>
+        <p:style>
+          <a:lnRef idx="2">
+            <a:schemeClr val="accent1">
+              <a:shade val="50000"/>
+            </a:schemeClr>
+          </a:lnRef>
+          <a:fillRef idx="1">
+            <a:schemeClr val="accent1"/>
+          </a:fillRef>
+          <a:effectRef idx="0">
+            <a:schemeClr val="accent1"/>
+          </a:effectRef>
+          <a:fontRef idx="minor">
+            <a:schemeClr val="lt1"/>
+          </a:fontRef>
+        </p:style>
+        <p:txBody>
+          <a:bodyPr rtlCol="0" anchor="ctr"/>
+          <a:lstStyle/>
+          <a:p>
+            <a:pPr algn="ctr"/>
+            <a:endParaRPr lang="en-US" b="1"/>
+          </a:p>
+        </p:txBody>
+      </p:sp>
+      <p:sp>
+        <p:nvSpPr>
+          <p:cNvPr id="28" name="Arrow: Right 27">
+            <a:extLst>
+              <a:ext uri="{FF2B5EF4-FFF2-40B4-BE49-F238E27FC236}">
+                <a16:creationId xmlns:a16="http://schemas.microsoft.com/office/drawing/2014/main" id="{BB7696F5-47E1-45CB-A1DA-FA3C7217BCCD}"/>
+              </a:ext>
+            </a:extLst>
+          </p:cNvPr>
+          <p:cNvSpPr/>
+          <p:nvPr/>
+        </p:nvSpPr>
+        <p:spPr>
+          <a:xfrm rot="10800000">
+            <a:off x="6476143" y="4118342"/>
+            <a:ext cx="1107282" cy="277812"/>
+          </a:xfrm>
+          <a:prstGeom prst="rightArrow">
+            <a:avLst/>
+          </a:prstGeom>
+          <a:noFill/>
+        </p:spPr>
+        <p:style>
+          <a:lnRef idx="2">
+            <a:schemeClr val="accent1">
+              <a:shade val="50000"/>
+            </a:schemeClr>
+          </a:lnRef>
+          <a:fillRef idx="1">
+            <a:schemeClr val="accent1"/>
+          </a:fillRef>
+          <a:effectRef idx="0">
+            <a:schemeClr val="accent1"/>
+          </a:effectRef>
+          <a:fontRef idx="minor">
+            <a:schemeClr val="lt1"/>
+          </a:fontRef>
+        </p:style>
+        <p:txBody>
+          <a:bodyPr rtlCol="0" anchor="ctr"/>
+          <a:lstStyle/>
+          <a:p>
+            <a:pPr algn="ctr"/>
+            <a:endParaRPr lang="en-US" b="1"/>
+          </a:p>
+        </p:txBody>
+      </p:sp>
+      <p:pic>
+        <p:nvPicPr>
+          <p:cNvPr id="29" name="Picture 28">
+            <a:extLst>
+              <a:ext uri="{FF2B5EF4-FFF2-40B4-BE49-F238E27FC236}">
+                <a16:creationId xmlns:a16="http://schemas.microsoft.com/office/drawing/2014/main" id="{40B6B3DB-E20A-4F70-8BE5-7F337262BD72}"/>
+              </a:ext>
+            </a:extLst>
+          </p:cNvPr>
+          <p:cNvPicPr>
+            <a:picLocks noChangeAspect="1"/>
+          </p:cNvPicPr>
+          <p:nvPr/>
+        </p:nvPicPr>
+        <p:blipFill>
+          <a:blip r:embed="rId2" cstate="print">
+            <a:extLst>
+              <a:ext uri="{28A0092B-C50C-407E-A947-70E740481C1C}">
+                <a14:useLocalDpi xmlns:a14="http://schemas.microsoft.com/office/drawing/2010/main" val="0"/>
+              </a:ext>
+            </a:extLst>
+          </a:blip>
+          <a:stretch>
+            <a:fillRect/>
+          </a:stretch>
+        </p:blipFill>
+        <p:spPr>
+          <a:xfrm>
+            <a:off x="4261217" y="2638806"/>
+            <a:ext cx="628650" cy="628650"/>
+          </a:xfrm>
+          <a:prstGeom prst="rect">
+            <a:avLst/>
+          </a:prstGeom>
+        </p:spPr>
+      </p:pic>
+      <p:pic>
+        <p:nvPicPr>
+          <p:cNvPr id="5" name="Picture 4">
+            <a:extLst>
+              <a:ext uri="{FF2B5EF4-FFF2-40B4-BE49-F238E27FC236}">
+                <a16:creationId xmlns:a16="http://schemas.microsoft.com/office/drawing/2014/main" id="{EA3FF5EB-CD43-473E-824A-9303E1430D95}"/>
+              </a:ext>
+            </a:extLst>
+          </p:cNvPr>
+          <p:cNvPicPr>
+            <a:picLocks noChangeAspect="1"/>
+          </p:cNvPicPr>
+          <p:nvPr/>
+        </p:nvPicPr>
+        <p:blipFill>
+          <a:blip r:embed="rId3">
+            <a:extLst>
+              <a:ext uri="{28A0092B-C50C-407E-A947-70E740481C1C}">
+                <a14:useLocalDpi xmlns:a14="http://schemas.microsoft.com/office/drawing/2010/main" val="0"/>
+              </a:ext>
+            </a:extLst>
+          </a:blip>
+          <a:stretch>
+            <a:fillRect/>
+          </a:stretch>
+        </p:blipFill>
+        <p:spPr>
+          <a:xfrm>
+            <a:off x="4380590" y="4781896"/>
+            <a:ext cx="582680" cy="582680"/>
+          </a:xfrm>
+          <a:prstGeom prst="rect">
+            <a:avLst/>
+          </a:prstGeom>
+        </p:spPr>
+      </p:pic>
+    </p:spTree>
+    <p:extLst>
+      <p:ext uri="{BB962C8B-B14F-4D97-AF65-F5344CB8AC3E}">
+        <p14:creationId xmlns:p14="http://schemas.microsoft.com/office/powerpoint/2010/main" val="2804438943"/>
+      </p:ext>
+    </p:extLst>
+  </p:cSld>
+  <p:clrMapOvr>
+    <a:masterClrMapping/>
+  </p:clrMapOvr>
+</p:sld>
+</file>
+
+<file path=ppt/slides/slide15.xml><?xml version="1.0" encoding="utf-8"?>
+<p:sld xmlns:a="http://schemas.openxmlformats.org/drawingml/2006/main" xmlns:r="http://schemas.openxmlformats.org/officeDocument/2006/relationships" xmlns:p="http://schemas.openxmlformats.org/presentationml/2006/main">
+  <p:cSld>
+    <p:spTree>
+      <p:nvGrpSpPr>
+        <p:cNvPr id="1" name=""/>
+        <p:cNvGrpSpPr/>
+        <p:nvPr/>
+      </p:nvGrpSpPr>
+      <p:grpSpPr>
+        <a:xfrm>
+          <a:off x="0" y="0"/>
+          <a:ext cx="0" cy="0"/>
+          <a:chOff x="0" y="0"/>
+          <a:chExt cx="0" cy="0"/>
+        </a:xfrm>
+      </p:grpSpPr>
+      <p:sp>
+        <p:nvSpPr>
+          <p:cNvPr id="2" name="Title 1">
+            <a:extLst>
+              <a:ext uri="{FF2B5EF4-FFF2-40B4-BE49-F238E27FC236}">
+                <a16:creationId xmlns:a16="http://schemas.microsoft.com/office/drawing/2014/main" id="{295DA97A-2CE9-467C-A8FC-84004D3E557D}"/>
+              </a:ext>
+            </a:extLst>
+          </p:cNvPr>
+          <p:cNvSpPr>
+            <a:spLocks noGrp="1"/>
+          </p:cNvSpPr>
+          <p:nvPr>
+            <p:ph type="title"/>
+          </p:nvPr>
+        </p:nvSpPr>
+        <p:spPr/>
+        <p:txBody>
+          <a:bodyPr/>
+          <a:lstStyle/>
+          <a:p>
+            <a:r>
+              <a:rPr lang="en-US" dirty="0"/>
+              <a:t>CQL Ingestion Integration</a:t>
+            </a:r>
+          </a:p>
+        </p:txBody>
+      </p:sp>
+      <p:sp>
+        <p:nvSpPr>
+          <p:cNvPr id="29" name="Rectangle: Rounded Corners 28">
+            <a:extLst>
+              <a:ext uri="{FF2B5EF4-FFF2-40B4-BE49-F238E27FC236}">
+                <a16:creationId xmlns:a16="http://schemas.microsoft.com/office/drawing/2014/main" id="{D2F7894B-C4B2-49EB-AFAC-556BBE1F371C}"/>
+              </a:ext>
+            </a:extLst>
+          </p:cNvPr>
+          <p:cNvSpPr/>
+          <p:nvPr/>
+        </p:nvSpPr>
+        <p:spPr>
+          <a:xfrm>
+            <a:off x="838200" y="1928682"/>
+            <a:ext cx="5710237" cy="4281487"/>
+          </a:xfrm>
+          <a:prstGeom prst="roundRect">
+            <a:avLst>
+              <a:gd name="adj" fmla="val 7657"/>
+            </a:avLst>
+          </a:prstGeom>
+          <a:noFill/>
+        </p:spPr>
+        <p:style>
+          <a:lnRef idx="2">
+            <a:schemeClr val="accent1">
+              <a:shade val="50000"/>
+            </a:schemeClr>
+          </a:lnRef>
+          <a:fillRef idx="1">
+            <a:schemeClr val="accent1"/>
+          </a:fillRef>
+          <a:effectRef idx="0">
+            <a:schemeClr val="accent1"/>
+          </a:effectRef>
+          <a:fontRef idx="minor">
+            <a:schemeClr val="lt1"/>
+          </a:fontRef>
+        </p:style>
+        <p:txBody>
+          <a:bodyPr rtlCol="0" anchor="ctr"/>
+          <a:lstStyle/>
+          <a:p>
+            <a:pPr algn="ctr"/>
+            <a:endParaRPr lang="en-US" b="1"/>
+          </a:p>
+        </p:txBody>
+      </p:sp>
+      <p:sp>
+        <p:nvSpPr>
+          <p:cNvPr id="30" name="TextBox 29">
+            <a:extLst>
+              <a:ext uri="{FF2B5EF4-FFF2-40B4-BE49-F238E27FC236}">
+                <a16:creationId xmlns:a16="http://schemas.microsoft.com/office/drawing/2014/main" id="{79B0E788-0898-4F71-A4C6-85A52ED9EAAE}"/>
+              </a:ext>
+            </a:extLst>
+          </p:cNvPr>
+          <p:cNvSpPr txBox="1"/>
+          <p:nvPr/>
+        </p:nvSpPr>
+        <p:spPr>
+          <a:xfrm>
+            <a:off x="838200" y="1506022"/>
+            <a:ext cx="3733779" cy="369332"/>
+          </a:xfrm>
+          <a:prstGeom prst="rect">
+            <a:avLst/>
+          </a:prstGeom>
+          <a:noFill/>
+        </p:spPr>
+        <p:txBody>
+          <a:bodyPr wrap="none" rtlCol="0">
+            <a:spAutoFit/>
+          </a:bodyPr>
+          <a:lstStyle/>
+          <a:p>
+            <a:r>
+              <a:rPr lang="en-US" b="1" dirty="0"/>
+              <a:t>Clinical Reasoning-enabled EMR/CDR</a:t>
+            </a:r>
+          </a:p>
+        </p:txBody>
+      </p:sp>
+      <p:sp>
+        <p:nvSpPr>
+          <p:cNvPr id="31" name="Flowchart: Document 30">
+            <a:extLst>
+              <a:ext uri="{FF2B5EF4-FFF2-40B4-BE49-F238E27FC236}">
+                <a16:creationId xmlns:a16="http://schemas.microsoft.com/office/drawing/2014/main" id="{8CC3B697-40A6-4E75-878B-2DBA51B44147}"/>
+              </a:ext>
+            </a:extLst>
+          </p:cNvPr>
+          <p:cNvSpPr/>
+          <p:nvPr/>
+        </p:nvSpPr>
+        <p:spPr>
+          <a:xfrm>
+            <a:off x="8866102" y="3285322"/>
+            <a:ext cx="528638" cy="628650"/>
+          </a:xfrm>
+          <a:prstGeom prst="flowChartDocument">
+            <a:avLst/>
+          </a:prstGeom>
+          <a:noFill/>
+        </p:spPr>
+        <p:style>
+          <a:lnRef idx="2">
+            <a:schemeClr val="accent1">
+              <a:shade val="50000"/>
+            </a:schemeClr>
+          </a:lnRef>
+          <a:fillRef idx="1">
+            <a:schemeClr val="accent1"/>
+          </a:fillRef>
+          <a:effectRef idx="0">
+            <a:schemeClr val="accent1"/>
+          </a:effectRef>
+          <a:fontRef idx="minor">
+            <a:schemeClr val="lt1"/>
+          </a:fontRef>
+        </p:style>
+        <p:txBody>
+          <a:bodyPr rtlCol="0" anchor="ctr"/>
+          <a:lstStyle/>
+          <a:p>
+            <a:pPr algn="ctr"/>
+            <a:endParaRPr lang="en-US" b="1"/>
+          </a:p>
+        </p:txBody>
+      </p:sp>
+      <p:sp>
+        <p:nvSpPr>
+          <p:cNvPr id="32" name="TextBox 31">
+            <a:extLst>
+              <a:ext uri="{FF2B5EF4-FFF2-40B4-BE49-F238E27FC236}">
+                <a16:creationId xmlns:a16="http://schemas.microsoft.com/office/drawing/2014/main" id="{7A76401E-0CC6-45B0-8796-8F37882DC753}"/>
+              </a:ext>
+            </a:extLst>
+          </p:cNvPr>
+          <p:cNvSpPr txBox="1"/>
+          <p:nvPr/>
+        </p:nvSpPr>
+        <p:spPr>
+          <a:xfrm>
+            <a:off x="8439858" y="2915990"/>
+            <a:ext cx="1553567" cy="369332"/>
+          </a:xfrm>
+          <a:prstGeom prst="rect">
+            <a:avLst/>
+          </a:prstGeom>
+          <a:noFill/>
+        </p:spPr>
+        <p:txBody>
+          <a:bodyPr wrap="none" rtlCol="0">
+            <a:spAutoFit/>
+          </a:bodyPr>
+          <a:lstStyle/>
+          <a:p>
+            <a:r>
+              <a:rPr lang="en-US" b="1" dirty="0" err="1"/>
+              <a:t>PlanDefinition</a:t>
+            </a:r>
+            <a:endParaRPr lang="en-US" b="1" dirty="0"/>
+          </a:p>
+        </p:txBody>
+      </p:sp>
+      <p:sp>
+        <p:nvSpPr>
+          <p:cNvPr id="33" name="Flowchart: Document 32">
+            <a:extLst>
+              <a:ext uri="{FF2B5EF4-FFF2-40B4-BE49-F238E27FC236}">
+                <a16:creationId xmlns:a16="http://schemas.microsoft.com/office/drawing/2014/main" id="{A460B5C9-FB6A-413D-90D7-7FB4C1287830}"/>
+              </a:ext>
+            </a:extLst>
+          </p:cNvPr>
+          <p:cNvSpPr/>
+          <p:nvPr/>
+        </p:nvSpPr>
+        <p:spPr>
+          <a:xfrm>
+            <a:off x="10104310" y="3851261"/>
+            <a:ext cx="528638" cy="628650"/>
+          </a:xfrm>
+          <a:prstGeom prst="flowChartDocument">
+            <a:avLst/>
+          </a:prstGeom>
+          <a:noFill/>
+        </p:spPr>
+        <p:style>
+          <a:lnRef idx="2">
+            <a:schemeClr val="accent1">
+              <a:shade val="50000"/>
+            </a:schemeClr>
+          </a:lnRef>
+          <a:fillRef idx="1">
+            <a:schemeClr val="accent1"/>
+          </a:fillRef>
+          <a:effectRef idx="0">
+            <a:schemeClr val="accent1"/>
+          </a:effectRef>
+          <a:fontRef idx="minor">
+            <a:schemeClr val="lt1"/>
+          </a:fontRef>
+        </p:style>
+        <p:txBody>
+          <a:bodyPr rtlCol="0" anchor="ctr"/>
+          <a:lstStyle/>
+          <a:p>
+            <a:pPr algn="ctr"/>
+            <a:endParaRPr lang="en-US" b="1"/>
+          </a:p>
+        </p:txBody>
+      </p:sp>
+      <p:sp>
+        <p:nvSpPr>
+          <p:cNvPr id="34" name="Flowchart: Document 33">
+            <a:extLst>
+              <a:ext uri="{FF2B5EF4-FFF2-40B4-BE49-F238E27FC236}">
+                <a16:creationId xmlns:a16="http://schemas.microsoft.com/office/drawing/2014/main" id="{1717B06D-02F6-4920-AB87-D4BA60843801}"/>
+              </a:ext>
+            </a:extLst>
+          </p:cNvPr>
+          <p:cNvSpPr/>
+          <p:nvPr/>
+        </p:nvSpPr>
+        <p:spPr>
+          <a:xfrm>
+            <a:off x="10186463" y="3928531"/>
+            <a:ext cx="528638" cy="628650"/>
+          </a:xfrm>
+          <a:prstGeom prst="flowChartDocument">
+            <a:avLst/>
+          </a:prstGeom>
+          <a:solidFill>
+            <a:schemeClr val="bg1"/>
+          </a:solidFill>
+        </p:spPr>
+        <p:style>
+          <a:lnRef idx="2">
+            <a:schemeClr val="accent1">
+              <a:shade val="50000"/>
+            </a:schemeClr>
+          </a:lnRef>
+          <a:fillRef idx="1">
+            <a:schemeClr val="accent1"/>
+          </a:fillRef>
+          <a:effectRef idx="0">
+            <a:schemeClr val="accent1"/>
+          </a:effectRef>
+          <a:fontRef idx="minor">
+            <a:schemeClr val="lt1"/>
+          </a:fontRef>
+        </p:style>
+        <p:txBody>
+          <a:bodyPr rtlCol="0" anchor="ctr"/>
+          <a:lstStyle/>
+          <a:p>
+            <a:pPr algn="ctr"/>
+            <a:endParaRPr lang="en-US" b="1"/>
+          </a:p>
+        </p:txBody>
+      </p:sp>
+      <p:sp>
+        <p:nvSpPr>
+          <p:cNvPr id="35" name="TextBox 34">
+            <a:extLst>
+              <a:ext uri="{FF2B5EF4-FFF2-40B4-BE49-F238E27FC236}">
+                <a16:creationId xmlns:a16="http://schemas.microsoft.com/office/drawing/2014/main" id="{A97562F4-F60E-4A6B-A029-528D05FA4C00}"/>
+              </a:ext>
+            </a:extLst>
+          </p:cNvPr>
+          <p:cNvSpPr txBox="1"/>
+          <p:nvPr/>
+        </p:nvSpPr>
+        <p:spPr>
+          <a:xfrm>
+            <a:off x="9746294" y="3487266"/>
+            <a:ext cx="1426673" cy="369332"/>
+          </a:xfrm>
+          <a:prstGeom prst="rect">
+            <a:avLst/>
+          </a:prstGeom>
+          <a:noFill/>
+        </p:spPr>
+        <p:txBody>
+          <a:bodyPr wrap="none" rtlCol="0">
+            <a:spAutoFit/>
+          </a:bodyPr>
+          <a:lstStyle/>
+          <a:p>
+            <a:r>
+              <a:rPr lang="en-US" b="1" dirty="0"/>
+              <a:t>CQL Libraries</a:t>
+            </a:r>
+          </a:p>
+        </p:txBody>
+      </p:sp>
+      <p:sp>
+        <p:nvSpPr>
+          <p:cNvPr id="3" name="Arrow: Right 2">
+            <a:extLst>
+              <a:ext uri="{FF2B5EF4-FFF2-40B4-BE49-F238E27FC236}">
+                <a16:creationId xmlns:a16="http://schemas.microsoft.com/office/drawing/2014/main" id="{572090FA-EB1F-4E7A-8244-86AAE5D7089D}"/>
+              </a:ext>
+            </a:extLst>
+          </p:cNvPr>
+          <p:cNvSpPr/>
+          <p:nvPr/>
+        </p:nvSpPr>
+        <p:spPr>
+          <a:xfrm rot="10800000">
+            <a:off x="6703987" y="3859000"/>
+            <a:ext cx="1421669" cy="165985"/>
+          </a:xfrm>
+          <a:prstGeom prst="rightArrow">
+            <a:avLst/>
+          </a:prstGeom>
+          <a:solidFill>
+            <a:schemeClr val="bg1"/>
+          </a:solidFill>
+        </p:spPr>
+        <p:style>
+          <a:lnRef idx="2">
+            <a:schemeClr val="accent1">
+              <a:shade val="50000"/>
+            </a:schemeClr>
+          </a:lnRef>
+          <a:fillRef idx="1">
+            <a:schemeClr val="accent1"/>
+          </a:fillRef>
+          <a:effectRef idx="0">
+            <a:schemeClr val="accent1"/>
+          </a:effectRef>
+          <a:fontRef idx="minor">
+            <a:schemeClr val="lt1"/>
+          </a:fontRef>
+        </p:style>
+        <p:txBody>
+          <a:bodyPr rtlCol="0" anchor="ctr"/>
+          <a:lstStyle/>
+          <a:p>
+            <a:pPr algn="ctr"/>
+            <a:endParaRPr lang="en-US" b="1">
+              <a:solidFill>
+                <a:schemeClr val="tx1"/>
+              </a:solidFill>
+            </a:endParaRPr>
+          </a:p>
+        </p:txBody>
+      </p:sp>
+      <p:sp>
+        <p:nvSpPr>
+          <p:cNvPr id="5" name="TextBox 4">
+            <a:extLst>
+              <a:ext uri="{FF2B5EF4-FFF2-40B4-BE49-F238E27FC236}">
+                <a16:creationId xmlns:a16="http://schemas.microsoft.com/office/drawing/2014/main" id="{4F92600D-BDD2-4943-AF39-F8497BE9C9F0}"/>
+              </a:ext>
+            </a:extLst>
+          </p:cNvPr>
+          <p:cNvSpPr txBox="1"/>
+          <p:nvPr/>
+        </p:nvSpPr>
+        <p:spPr>
+          <a:xfrm>
+            <a:off x="6673113" y="3492871"/>
+            <a:ext cx="1516505" cy="369332"/>
+          </a:xfrm>
+          <a:prstGeom prst="rect">
+            <a:avLst/>
+          </a:prstGeom>
+          <a:noFill/>
+        </p:spPr>
+        <p:txBody>
+          <a:bodyPr wrap="none" rtlCol="0">
+            <a:spAutoFit/>
+          </a:bodyPr>
+          <a:lstStyle/>
+          <a:p>
+            <a:r>
+              <a:rPr lang="en-US" b="1" dirty="0"/>
+              <a:t>Import/Ingest</a:t>
+            </a:r>
+          </a:p>
+        </p:txBody>
+      </p:sp>
+      <p:sp>
+        <p:nvSpPr>
+          <p:cNvPr id="6" name="Cylinder 5">
+            <a:extLst>
+              <a:ext uri="{FF2B5EF4-FFF2-40B4-BE49-F238E27FC236}">
+                <a16:creationId xmlns:a16="http://schemas.microsoft.com/office/drawing/2014/main" id="{2B41B2C3-4235-42A0-83BA-E37FDFD84B72}"/>
+              </a:ext>
+            </a:extLst>
+          </p:cNvPr>
+          <p:cNvSpPr/>
+          <p:nvPr/>
+        </p:nvSpPr>
+        <p:spPr>
+          <a:xfrm>
+            <a:off x="4315212" y="5120246"/>
+            <a:ext cx="939452" cy="463463"/>
+          </a:xfrm>
+          <a:prstGeom prst="can">
+            <a:avLst/>
+          </a:prstGeom>
+          <a:solidFill>
+            <a:schemeClr val="bg1"/>
+          </a:solidFill>
+        </p:spPr>
+        <p:style>
+          <a:lnRef idx="2">
+            <a:schemeClr val="accent1">
+              <a:shade val="50000"/>
+            </a:schemeClr>
+          </a:lnRef>
+          <a:fillRef idx="1">
+            <a:schemeClr val="accent1"/>
+          </a:fillRef>
+          <a:effectRef idx="0">
+            <a:schemeClr val="accent1"/>
+          </a:effectRef>
+          <a:fontRef idx="minor">
+            <a:schemeClr val="lt1"/>
+          </a:fontRef>
+        </p:style>
+        <p:txBody>
+          <a:bodyPr rtlCol="0" anchor="ctr"/>
+          <a:lstStyle/>
+          <a:p>
+            <a:pPr algn="ctr"/>
+            <a:r>
+              <a:rPr lang="en-US" b="1" dirty="0">
+                <a:solidFill>
+                  <a:schemeClr val="tx1"/>
+                </a:solidFill>
+              </a:rPr>
+              <a:t>CDR</a:t>
+            </a:r>
+          </a:p>
+        </p:txBody>
+      </p:sp>
+      <p:sp>
+        <p:nvSpPr>
+          <p:cNvPr id="36" name="Cylinder 35">
+            <a:extLst>
+              <a:ext uri="{FF2B5EF4-FFF2-40B4-BE49-F238E27FC236}">
+                <a16:creationId xmlns:a16="http://schemas.microsoft.com/office/drawing/2014/main" id="{6E1B193E-41A8-41ED-85E3-C6F817D82027}"/>
+              </a:ext>
+            </a:extLst>
+          </p:cNvPr>
+          <p:cNvSpPr/>
+          <p:nvPr/>
+        </p:nvSpPr>
+        <p:spPr>
+          <a:xfrm>
+            <a:off x="1923216" y="5120246"/>
+            <a:ext cx="939452" cy="463463"/>
+          </a:xfrm>
+          <a:prstGeom prst="can">
+            <a:avLst/>
+          </a:prstGeom>
+          <a:solidFill>
+            <a:schemeClr val="bg1"/>
+          </a:solidFill>
+        </p:spPr>
+        <p:style>
+          <a:lnRef idx="2">
+            <a:schemeClr val="accent1">
+              <a:shade val="50000"/>
+            </a:schemeClr>
+          </a:lnRef>
+          <a:fillRef idx="1">
+            <a:schemeClr val="accent1"/>
+          </a:fillRef>
+          <a:effectRef idx="0">
+            <a:schemeClr val="accent1"/>
+          </a:effectRef>
+          <a:fontRef idx="minor">
+            <a:schemeClr val="lt1"/>
+          </a:fontRef>
+        </p:style>
+        <p:txBody>
+          <a:bodyPr rtlCol="0" anchor="ctr"/>
+          <a:lstStyle/>
+          <a:p>
+            <a:pPr algn="ctr"/>
+            <a:r>
+              <a:rPr lang="en-US" b="1" dirty="0">
+                <a:solidFill>
+                  <a:schemeClr val="tx1"/>
+                </a:solidFill>
+              </a:rPr>
+              <a:t>EMR</a:t>
+            </a:r>
+          </a:p>
+        </p:txBody>
+      </p:sp>
+      <p:sp>
+        <p:nvSpPr>
+          <p:cNvPr id="7" name="Rectangle: Rounded Corners 6">
+            <a:extLst>
+              <a:ext uri="{FF2B5EF4-FFF2-40B4-BE49-F238E27FC236}">
+                <a16:creationId xmlns:a16="http://schemas.microsoft.com/office/drawing/2014/main" id="{2724137A-3194-40EA-93A3-161F61CE70AF}"/>
+              </a:ext>
+            </a:extLst>
+          </p:cNvPr>
+          <p:cNvSpPr/>
+          <p:nvPr/>
+        </p:nvSpPr>
+        <p:spPr>
+          <a:xfrm>
+            <a:off x="1789153" y="2947007"/>
+            <a:ext cx="1207577" cy="681010"/>
+          </a:xfrm>
+          <a:prstGeom prst="roundRect">
+            <a:avLst/>
+          </a:prstGeom>
+          <a:solidFill>
+            <a:schemeClr val="bg1"/>
+          </a:solidFill>
+        </p:spPr>
+        <p:style>
+          <a:lnRef idx="2">
+            <a:schemeClr val="accent1">
+              <a:shade val="50000"/>
+            </a:schemeClr>
+          </a:lnRef>
+          <a:fillRef idx="1">
+            <a:schemeClr val="accent1"/>
+          </a:fillRef>
+          <a:effectRef idx="0">
+            <a:schemeClr val="accent1"/>
+          </a:effectRef>
+          <a:fontRef idx="minor">
+            <a:schemeClr val="lt1"/>
+          </a:fontRef>
+        </p:style>
+        <p:txBody>
+          <a:bodyPr rtlCol="0" anchor="ctr"/>
+          <a:lstStyle/>
+          <a:p>
+            <a:pPr algn="ctr"/>
+            <a:r>
+              <a:rPr lang="en-US" b="1" dirty="0">
+                <a:solidFill>
+                  <a:schemeClr val="tx1"/>
+                </a:solidFill>
+              </a:rPr>
+              <a:t>Clinician Workflow</a:t>
+            </a:r>
+          </a:p>
+        </p:txBody>
+      </p:sp>
+      <p:pic>
+        <p:nvPicPr>
+          <p:cNvPr id="19" name="Picture 18">
+            <a:extLst>
+              <a:ext uri="{FF2B5EF4-FFF2-40B4-BE49-F238E27FC236}">
+                <a16:creationId xmlns:a16="http://schemas.microsoft.com/office/drawing/2014/main" id="{BAD9CD7F-621F-4D74-AE53-8F5782AAFDDF}"/>
+              </a:ext>
+            </a:extLst>
+          </p:cNvPr>
+          <p:cNvPicPr>
+            <a:picLocks noChangeAspect="1"/>
+          </p:cNvPicPr>
+          <p:nvPr/>
+        </p:nvPicPr>
+        <p:blipFill>
+          <a:blip r:embed="rId2">
+            <a:extLst>
+              <a:ext uri="{28A0092B-C50C-407E-A947-70E740481C1C}">
+                <a14:useLocalDpi xmlns:a14="http://schemas.microsoft.com/office/drawing/2010/main" val="0"/>
+              </a:ext>
+            </a:extLst>
+          </a:blip>
+          <a:stretch>
+            <a:fillRect/>
+          </a:stretch>
+        </p:blipFill>
+        <p:spPr>
+          <a:xfrm>
+            <a:off x="4407925" y="2915504"/>
+            <a:ext cx="754025" cy="744016"/>
+          </a:xfrm>
+          <a:prstGeom prst="rect">
+            <a:avLst/>
+          </a:prstGeom>
+        </p:spPr>
+      </p:pic>
+      <p:sp>
+        <p:nvSpPr>
+          <p:cNvPr id="37" name="Arrow: Right 36">
+            <a:extLst>
+              <a:ext uri="{FF2B5EF4-FFF2-40B4-BE49-F238E27FC236}">
+                <a16:creationId xmlns:a16="http://schemas.microsoft.com/office/drawing/2014/main" id="{11CD9EEA-1B37-4E97-8318-984650C157B6}"/>
+              </a:ext>
+            </a:extLst>
+          </p:cNvPr>
+          <p:cNvSpPr/>
+          <p:nvPr/>
+        </p:nvSpPr>
+        <p:spPr>
+          <a:xfrm>
+            <a:off x="3021439" y="5278271"/>
+            <a:ext cx="1045731" cy="147413"/>
+          </a:xfrm>
+          <a:prstGeom prst="rightArrow">
+            <a:avLst/>
+          </a:prstGeom>
+          <a:solidFill>
+            <a:schemeClr val="bg1"/>
+          </a:solidFill>
+        </p:spPr>
+        <p:style>
+          <a:lnRef idx="2">
+            <a:schemeClr val="accent1">
+              <a:shade val="50000"/>
+            </a:schemeClr>
+          </a:lnRef>
+          <a:fillRef idx="1">
+            <a:schemeClr val="accent1"/>
+          </a:fillRef>
+          <a:effectRef idx="0">
+            <a:schemeClr val="accent1"/>
+          </a:effectRef>
+          <a:fontRef idx="minor">
+            <a:schemeClr val="lt1"/>
+          </a:fontRef>
+        </p:style>
+        <p:txBody>
+          <a:bodyPr rtlCol="0" anchor="ctr"/>
+          <a:lstStyle/>
+          <a:p>
+            <a:pPr algn="ctr"/>
+            <a:endParaRPr lang="en-US" b="1">
+              <a:solidFill>
+                <a:schemeClr val="tx1"/>
+              </a:solidFill>
+            </a:endParaRPr>
+          </a:p>
+        </p:txBody>
+      </p:sp>
+      <p:sp>
+        <p:nvSpPr>
+          <p:cNvPr id="39" name="Arrow: Right 38">
+            <a:extLst>
+              <a:ext uri="{FF2B5EF4-FFF2-40B4-BE49-F238E27FC236}">
+                <a16:creationId xmlns:a16="http://schemas.microsoft.com/office/drawing/2014/main" id="{29394D1D-CB00-44E8-8B94-6A2DD724AEE1}"/>
+              </a:ext>
+            </a:extLst>
+          </p:cNvPr>
+          <p:cNvSpPr/>
+          <p:nvPr/>
+        </p:nvSpPr>
+        <p:spPr>
+          <a:xfrm rot="5400000">
+            <a:off x="4260383" y="4364820"/>
+            <a:ext cx="1080004" cy="178309"/>
+          </a:xfrm>
+          <a:prstGeom prst="rightArrow">
+            <a:avLst/>
+          </a:prstGeom>
+          <a:solidFill>
+            <a:schemeClr val="bg1"/>
+          </a:solidFill>
+        </p:spPr>
+        <p:style>
+          <a:lnRef idx="2">
+            <a:schemeClr val="accent1">
+              <a:shade val="50000"/>
+            </a:schemeClr>
+          </a:lnRef>
+          <a:fillRef idx="1">
+            <a:schemeClr val="accent1"/>
+          </a:fillRef>
+          <a:effectRef idx="0">
+            <a:schemeClr val="accent1"/>
+          </a:effectRef>
+          <a:fontRef idx="minor">
+            <a:schemeClr val="lt1"/>
+          </a:fontRef>
+        </p:style>
+        <p:txBody>
+          <a:bodyPr rtlCol="0" anchor="ctr"/>
+          <a:lstStyle/>
+          <a:p>
+            <a:pPr algn="ctr"/>
+            <a:endParaRPr lang="en-US" b="1">
+              <a:solidFill>
+                <a:schemeClr val="tx1"/>
+              </a:solidFill>
+            </a:endParaRPr>
+          </a:p>
+        </p:txBody>
+      </p:sp>
+      <p:sp>
+        <p:nvSpPr>
+          <p:cNvPr id="40" name="Arrow: Right 39">
+            <a:extLst>
+              <a:ext uri="{FF2B5EF4-FFF2-40B4-BE49-F238E27FC236}">
+                <a16:creationId xmlns:a16="http://schemas.microsoft.com/office/drawing/2014/main" id="{05941219-8CFB-44D5-84CF-8C0CED1AC587}"/>
+              </a:ext>
+            </a:extLst>
+          </p:cNvPr>
+          <p:cNvSpPr/>
+          <p:nvPr/>
+        </p:nvSpPr>
+        <p:spPr>
+          <a:xfrm rot="5400000">
+            <a:off x="1852938" y="4364820"/>
+            <a:ext cx="1080004" cy="178309"/>
+          </a:xfrm>
+          <a:prstGeom prst="rightArrow">
+            <a:avLst/>
+          </a:prstGeom>
+          <a:solidFill>
+            <a:schemeClr val="bg1"/>
+          </a:solidFill>
+        </p:spPr>
+        <p:style>
+          <a:lnRef idx="2">
+            <a:schemeClr val="accent1">
+              <a:shade val="50000"/>
+            </a:schemeClr>
+          </a:lnRef>
+          <a:fillRef idx="1">
+            <a:schemeClr val="accent1"/>
+          </a:fillRef>
+          <a:effectRef idx="0">
+            <a:schemeClr val="accent1"/>
+          </a:effectRef>
+          <a:fontRef idx="minor">
+            <a:schemeClr val="lt1"/>
+          </a:fontRef>
+        </p:style>
+        <p:txBody>
+          <a:bodyPr rtlCol="0" anchor="ctr"/>
+          <a:lstStyle/>
+          <a:p>
+            <a:pPr algn="ctr"/>
+            <a:endParaRPr lang="en-US" b="1">
+              <a:solidFill>
+                <a:schemeClr val="tx1"/>
+              </a:solidFill>
+            </a:endParaRPr>
+          </a:p>
+        </p:txBody>
+      </p:sp>
+      <p:sp>
+        <p:nvSpPr>
+          <p:cNvPr id="41" name="Arrow: Right 40">
+            <a:extLst>
+              <a:ext uri="{FF2B5EF4-FFF2-40B4-BE49-F238E27FC236}">
+                <a16:creationId xmlns:a16="http://schemas.microsoft.com/office/drawing/2014/main" id="{B7428F52-A9F2-4C3B-9606-44FE5C344391}"/>
+              </a:ext>
+            </a:extLst>
+          </p:cNvPr>
+          <p:cNvSpPr/>
+          <p:nvPr/>
+        </p:nvSpPr>
+        <p:spPr>
+          <a:xfrm rot="10800000">
+            <a:off x="3173457" y="3213805"/>
+            <a:ext cx="1045731" cy="147413"/>
+          </a:xfrm>
+          <a:prstGeom prst="rightArrow">
+            <a:avLst/>
+          </a:prstGeom>
+          <a:solidFill>
+            <a:schemeClr val="bg1"/>
+          </a:solidFill>
+        </p:spPr>
+        <p:style>
+          <a:lnRef idx="2">
+            <a:schemeClr val="accent1">
+              <a:shade val="50000"/>
+            </a:schemeClr>
+          </a:lnRef>
+          <a:fillRef idx="1">
+            <a:schemeClr val="accent1"/>
+          </a:fillRef>
+          <a:effectRef idx="0">
+            <a:schemeClr val="accent1"/>
+          </a:effectRef>
+          <a:fontRef idx="minor">
+            <a:schemeClr val="lt1"/>
+          </a:fontRef>
+        </p:style>
+        <p:txBody>
+          <a:bodyPr rtlCol="0" anchor="ctr"/>
+          <a:lstStyle/>
+          <a:p>
+            <a:pPr algn="ctr"/>
+            <a:endParaRPr lang="en-US" b="1">
+              <a:solidFill>
+                <a:schemeClr val="tx1"/>
+              </a:solidFill>
+            </a:endParaRPr>
+          </a:p>
+        </p:txBody>
+      </p:sp>
+      <p:sp>
+        <p:nvSpPr>
+          <p:cNvPr id="38" name="TextBox 37">
+            <a:extLst>
+              <a:ext uri="{FF2B5EF4-FFF2-40B4-BE49-F238E27FC236}">
+                <a16:creationId xmlns:a16="http://schemas.microsoft.com/office/drawing/2014/main" id="{91926D3A-3F1F-4200-B877-D80D9EACD4D5}"/>
+              </a:ext>
+            </a:extLst>
+          </p:cNvPr>
+          <p:cNvSpPr txBox="1"/>
+          <p:nvPr/>
+        </p:nvSpPr>
+        <p:spPr>
+          <a:xfrm>
+            <a:off x="5139531" y="2947007"/>
+            <a:ext cx="1184683" cy="646331"/>
+          </a:xfrm>
+          <a:prstGeom prst="rect">
+            <a:avLst/>
+          </a:prstGeom>
+          <a:noFill/>
+        </p:spPr>
+        <p:txBody>
+          <a:bodyPr wrap="none" rtlCol="0">
+            <a:spAutoFit/>
+          </a:bodyPr>
+          <a:lstStyle/>
+          <a:p>
+            <a:r>
+              <a:rPr lang="en-US" b="1" dirty="0"/>
+              <a:t>CQL</a:t>
+            </a:r>
+          </a:p>
+          <a:p>
+            <a:r>
+              <a:rPr lang="en-US" b="1" dirty="0"/>
+              <a:t>Evaluation</a:t>
+            </a:r>
+          </a:p>
+        </p:txBody>
+      </p:sp>
+      <p:sp>
+        <p:nvSpPr>
+          <p:cNvPr id="42" name="TextBox 41">
+            <a:extLst>
+              <a:ext uri="{FF2B5EF4-FFF2-40B4-BE49-F238E27FC236}">
+                <a16:creationId xmlns:a16="http://schemas.microsoft.com/office/drawing/2014/main" id="{7ED7BE77-7A70-4AA7-8EBA-B262862685B1}"/>
+              </a:ext>
+            </a:extLst>
+          </p:cNvPr>
+          <p:cNvSpPr txBox="1"/>
+          <p:nvPr/>
+        </p:nvSpPr>
+        <p:spPr>
+          <a:xfrm>
+            <a:off x="3947680" y="4196847"/>
+            <a:ext cx="2022092" cy="369332"/>
+          </a:xfrm>
+          <a:prstGeom prst="rect">
+            <a:avLst/>
+          </a:prstGeom>
+          <a:noFill/>
+        </p:spPr>
+        <p:txBody>
+          <a:bodyPr wrap="none" rtlCol="0">
+            <a:spAutoFit/>
+          </a:bodyPr>
+          <a:lstStyle/>
+          <a:p>
+            <a:r>
+              <a:rPr lang="en-US" b="1" dirty="0"/>
+              <a:t>Data Requirements</a:t>
+            </a:r>
+          </a:p>
+        </p:txBody>
+      </p:sp>
+      <p:sp>
+        <p:nvSpPr>
+          <p:cNvPr id="43" name="TextBox 42">
+            <a:extLst>
+              <a:ext uri="{FF2B5EF4-FFF2-40B4-BE49-F238E27FC236}">
+                <a16:creationId xmlns:a16="http://schemas.microsoft.com/office/drawing/2014/main" id="{26D6CCE4-94EA-4BF0-839B-A8A93DD1F456}"/>
+              </a:ext>
+            </a:extLst>
+          </p:cNvPr>
+          <p:cNvSpPr txBox="1"/>
+          <p:nvPr/>
+        </p:nvSpPr>
+        <p:spPr>
+          <a:xfrm>
+            <a:off x="2792654" y="5576572"/>
+            <a:ext cx="1835502" cy="369332"/>
+          </a:xfrm>
+          <a:prstGeom prst="rect">
+            <a:avLst/>
+          </a:prstGeom>
+          <a:noFill/>
+        </p:spPr>
+        <p:txBody>
+          <a:bodyPr wrap="none" rtlCol="0">
+            <a:spAutoFit/>
+          </a:bodyPr>
+          <a:lstStyle/>
+          <a:p>
+            <a:r>
+              <a:rPr lang="en-US" b="1" dirty="0"/>
+              <a:t>ETL/warehousing</a:t>
+            </a:r>
+          </a:p>
+        </p:txBody>
+      </p:sp>
+      <p:sp>
+        <p:nvSpPr>
+          <p:cNvPr id="44" name="TextBox 43">
+            <a:extLst>
+              <a:ext uri="{FF2B5EF4-FFF2-40B4-BE49-F238E27FC236}">
+                <a16:creationId xmlns:a16="http://schemas.microsoft.com/office/drawing/2014/main" id="{F8EE29D3-B616-4DC5-A989-9BB016671F6E}"/>
+              </a:ext>
+            </a:extLst>
+          </p:cNvPr>
+          <p:cNvSpPr txBox="1"/>
+          <p:nvPr/>
+        </p:nvSpPr>
+        <p:spPr>
+          <a:xfrm>
+            <a:off x="1169986" y="4196847"/>
+            <a:ext cx="2612062" cy="369332"/>
+          </a:xfrm>
+          <a:prstGeom prst="rect">
+            <a:avLst/>
+          </a:prstGeom>
+          <a:noFill/>
+        </p:spPr>
+        <p:txBody>
+          <a:bodyPr wrap="none" rtlCol="0">
+            <a:spAutoFit/>
+          </a:bodyPr>
+          <a:lstStyle/>
+          <a:p>
+            <a:r>
+              <a:rPr lang="en-US" b="1" dirty="0"/>
+              <a:t>Clinical data/transactions</a:t>
+            </a:r>
+          </a:p>
+        </p:txBody>
+      </p:sp>
+      <p:sp>
+        <p:nvSpPr>
+          <p:cNvPr id="45" name="TextBox 44">
+            <a:extLst>
+              <a:ext uri="{FF2B5EF4-FFF2-40B4-BE49-F238E27FC236}">
+                <a16:creationId xmlns:a16="http://schemas.microsoft.com/office/drawing/2014/main" id="{B66E7240-BD39-4F2D-9553-BA1A7C1691CD}"/>
+              </a:ext>
+            </a:extLst>
+          </p:cNvPr>
+          <p:cNvSpPr txBox="1"/>
+          <p:nvPr/>
+        </p:nvSpPr>
+        <p:spPr>
+          <a:xfrm>
+            <a:off x="2716462" y="2392940"/>
+            <a:ext cx="1968552" cy="369332"/>
+          </a:xfrm>
+          <a:prstGeom prst="rect">
+            <a:avLst/>
+          </a:prstGeom>
+          <a:noFill/>
+        </p:spPr>
+        <p:txBody>
+          <a:bodyPr wrap="none" rtlCol="0">
+            <a:spAutoFit/>
+          </a:bodyPr>
+          <a:lstStyle/>
+          <a:p>
+            <a:r>
+              <a:rPr lang="en-US" b="1" dirty="0"/>
+              <a:t>Recommendations</a:t>
+            </a:r>
+          </a:p>
+        </p:txBody>
+      </p:sp>
+      <p:pic>
+        <p:nvPicPr>
+          <p:cNvPr id="47" name="Picture 46">
+            <a:extLst>
+              <a:ext uri="{FF2B5EF4-FFF2-40B4-BE49-F238E27FC236}">
+                <a16:creationId xmlns:a16="http://schemas.microsoft.com/office/drawing/2014/main" id="{DF7C2F84-EE8A-41DC-83D2-1EA739AEDBF5}"/>
+              </a:ext>
+            </a:extLst>
+          </p:cNvPr>
+          <p:cNvPicPr>
+            <a:picLocks noChangeAspect="1"/>
+          </p:cNvPicPr>
+          <p:nvPr/>
+        </p:nvPicPr>
+        <p:blipFill>
+          <a:blip r:embed="rId3" cstate="print">
+            <a:extLst>
+              <a:ext uri="{28A0092B-C50C-407E-A947-70E740481C1C}">
+                <a14:useLocalDpi xmlns:a14="http://schemas.microsoft.com/office/drawing/2010/main" val="0"/>
+              </a:ext>
+            </a:extLst>
+          </a:blip>
+          <a:stretch>
+            <a:fillRect/>
+          </a:stretch>
+        </p:blipFill>
+        <p:spPr>
+          <a:xfrm>
+            <a:off x="7078619" y="2800350"/>
+            <a:ext cx="628650" cy="628650"/>
+          </a:xfrm>
+          <a:prstGeom prst="rect">
+            <a:avLst/>
+          </a:prstGeom>
+        </p:spPr>
+      </p:pic>
+      <p:pic>
+        <p:nvPicPr>
+          <p:cNvPr id="48" name="Picture 47">
+            <a:extLst>
+              <a:ext uri="{FF2B5EF4-FFF2-40B4-BE49-F238E27FC236}">
+                <a16:creationId xmlns:a16="http://schemas.microsoft.com/office/drawing/2014/main" id="{9F89EEEE-6FD6-403A-8E75-86F0D51F3110}"/>
+              </a:ext>
+            </a:extLst>
+          </p:cNvPr>
+          <p:cNvPicPr>
+            <a:picLocks noChangeAspect="1"/>
+          </p:cNvPicPr>
+          <p:nvPr/>
+        </p:nvPicPr>
+        <p:blipFill>
+          <a:blip r:embed="rId4">
+            <a:extLst>
+              <a:ext uri="{28A0092B-C50C-407E-A947-70E740481C1C}">
+                <a14:useLocalDpi xmlns:a14="http://schemas.microsoft.com/office/drawing/2010/main" val="0"/>
+              </a:ext>
+            </a:extLst>
+          </a:blip>
+          <a:stretch>
+            <a:fillRect/>
+          </a:stretch>
+        </p:blipFill>
+        <p:spPr>
+          <a:xfrm>
+            <a:off x="7066925" y="4209707"/>
+            <a:ext cx="695791" cy="488534"/>
+          </a:xfrm>
+          <a:prstGeom prst="rect">
+            <a:avLst/>
+          </a:prstGeom>
+        </p:spPr>
+      </p:pic>
+    </p:spTree>
+    <p:extLst>
+      <p:ext uri="{BB962C8B-B14F-4D97-AF65-F5344CB8AC3E}">
+        <p14:creationId xmlns:p14="http://schemas.microsoft.com/office/powerpoint/2010/main" val="1025487334"/>
       </p:ext>
     </p:extLst>
   </p:cSld>
